--- a/Training_Presentetions.pptx
+++ b/Training_Presentetions.pptx
@@ -8,6 +8,7 @@
     <p:sldId id="256" r:id="rId2"/>
     <p:sldId id="257" r:id="rId3"/>
     <p:sldId id="258" r:id="rId4"/>
+    <p:sldId id="259" r:id="rId5"/>
   </p:sldIdLst>
   <p:sldSz cx="12192000" cy="6858000"/>
   <p:notesSz cx="6858000" cy="9144000"/>
@@ -106,6 +107,11 @@
       </a:defRPr>
     </a:lvl9pPr>
   </p:defaultTextStyle>
+  <p:extLst>
+    <p:ext uri="{EFAFB233-063F-42B5-8137-9DF3F51BA10A}">
+      <p15:sldGuideLst xmlns:p15="http://schemas.microsoft.com/office/powerpoint/2012/main"/>
+    </p:ext>
+  </p:extLst>
 </p:presentation>
 </file>
 
@@ -6110,10 +6116,1510 @@
           </a:p>
         </p:txBody>
       </p:sp>
+      <p:sp>
+        <p:nvSpPr>
+          <p:cNvPr id="10" name="Left Arrow 9">
+            <a:extLst>
+              <a:ext uri="{FF2B5EF4-FFF2-40B4-BE49-F238E27FC236}">
+                <a16:creationId xmlns:a16="http://schemas.microsoft.com/office/drawing/2014/main" id="{3DCDB178-9795-1388-B44B-05CCA383F3B3}"/>
+              </a:ext>
+            </a:extLst>
+          </p:cNvPr>
+          <p:cNvSpPr/>
+          <p:nvPr/>
+        </p:nvSpPr>
+        <p:spPr>
+          <a:xfrm>
+            <a:off x="4412512" y="2052084"/>
+            <a:ext cx="2154865" cy="382772"/>
+          </a:xfrm>
+          <a:prstGeom prst="leftArrow">
+            <a:avLst/>
+          </a:prstGeom>
+          <a:solidFill>
+            <a:srgbClr val="002060"/>
+          </a:solidFill>
+        </p:spPr>
+        <p:style>
+          <a:lnRef idx="2">
+            <a:schemeClr val="accent1">
+              <a:shade val="15000"/>
+            </a:schemeClr>
+          </a:lnRef>
+          <a:fillRef idx="1">
+            <a:schemeClr val="accent1"/>
+          </a:fillRef>
+          <a:effectRef idx="0">
+            <a:schemeClr val="accent1"/>
+          </a:effectRef>
+          <a:fontRef idx="minor">
+            <a:schemeClr val="lt1"/>
+          </a:fontRef>
+        </p:style>
+        <p:txBody>
+          <a:bodyPr rtlCol="0" anchor="ctr"/>
+          <a:lstStyle/>
+          <a:p>
+            <a:pPr algn="ctr"/>
+            <a:r>
+              <a:rPr lang="en-US" dirty="0"/>
+              <a:t>Manages</a:t>
+            </a:r>
+          </a:p>
+        </p:txBody>
+      </p:sp>
+      <p:sp>
+        <p:nvSpPr>
+          <p:cNvPr id="11" name="Left Arrow 10">
+            <a:extLst>
+              <a:ext uri="{FF2B5EF4-FFF2-40B4-BE49-F238E27FC236}">
+                <a16:creationId xmlns:a16="http://schemas.microsoft.com/office/drawing/2014/main" id="{36DB365F-DB96-1553-2E31-EE773FAEA8A0}"/>
+              </a:ext>
+            </a:extLst>
+          </p:cNvPr>
+          <p:cNvSpPr/>
+          <p:nvPr/>
+        </p:nvSpPr>
+        <p:spPr>
+          <a:xfrm rot="18530604">
+            <a:off x="5018568" y="3526857"/>
+            <a:ext cx="2154865" cy="382772"/>
+          </a:xfrm>
+          <a:prstGeom prst="leftArrow">
+            <a:avLst/>
+          </a:prstGeom>
+          <a:solidFill>
+            <a:srgbClr val="002060"/>
+          </a:solidFill>
+        </p:spPr>
+        <p:style>
+          <a:lnRef idx="2">
+            <a:schemeClr val="accent1">
+              <a:shade val="15000"/>
+            </a:schemeClr>
+          </a:lnRef>
+          <a:fillRef idx="1">
+            <a:schemeClr val="accent1"/>
+          </a:fillRef>
+          <a:effectRef idx="0">
+            <a:schemeClr val="accent1"/>
+          </a:effectRef>
+          <a:fontRef idx="minor">
+            <a:schemeClr val="lt1"/>
+          </a:fontRef>
+        </p:style>
+        <p:txBody>
+          <a:bodyPr rtlCol="0" anchor="ctr"/>
+          <a:lstStyle/>
+          <a:p>
+            <a:pPr algn="ctr"/>
+            <a:r>
+              <a:rPr lang="en-US" dirty="0"/>
+              <a:t>Manages</a:t>
+            </a:r>
+          </a:p>
+        </p:txBody>
+      </p:sp>
+      <p:sp>
+        <p:nvSpPr>
+          <p:cNvPr id="12" name="Left Arrow 11">
+            <a:extLst>
+              <a:ext uri="{FF2B5EF4-FFF2-40B4-BE49-F238E27FC236}">
+                <a16:creationId xmlns:a16="http://schemas.microsoft.com/office/drawing/2014/main" id="{B2727BAD-F1A1-9838-53FE-5A2ECED0E362}"/>
+              </a:ext>
+            </a:extLst>
+          </p:cNvPr>
+          <p:cNvSpPr/>
+          <p:nvPr/>
+        </p:nvSpPr>
+        <p:spPr>
+          <a:xfrm rot="16200000">
+            <a:off x="8308859" y="3127030"/>
+            <a:ext cx="2154865" cy="382772"/>
+          </a:xfrm>
+          <a:prstGeom prst="leftArrow">
+            <a:avLst/>
+          </a:prstGeom>
+          <a:solidFill>
+            <a:srgbClr val="002060"/>
+          </a:solidFill>
+        </p:spPr>
+        <p:style>
+          <a:lnRef idx="2">
+            <a:schemeClr val="accent1">
+              <a:shade val="15000"/>
+            </a:schemeClr>
+          </a:lnRef>
+          <a:fillRef idx="1">
+            <a:schemeClr val="accent1"/>
+          </a:fillRef>
+          <a:effectRef idx="0">
+            <a:schemeClr val="accent1"/>
+          </a:effectRef>
+          <a:fontRef idx="minor">
+            <a:schemeClr val="lt1"/>
+          </a:fontRef>
+        </p:style>
+        <p:txBody>
+          <a:bodyPr rtlCol="0" anchor="ctr"/>
+          <a:lstStyle/>
+          <a:p>
+            <a:pPr algn="ctr"/>
+            <a:r>
+              <a:rPr lang="en-US" dirty="0"/>
+              <a:t>Manages</a:t>
+            </a:r>
+          </a:p>
+        </p:txBody>
+      </p:sp>
     </p:spTree>
     <p:extLst>
       <p:ext uri="{BB962C8B-B14F-4D97-AF65-F5344CB8AC3E}">
         <p14:creationId xmlns:p14="http://schemas.microsoft.com/office/powerpoint/2010/main" val="674130474"/>
+      </p:ext>
+    </p:extLst>
+  </p:cSld>
+  <p:clrMapOvr>
+    <a:masterClrMapping/>
+  </p:clrMapOvr>
+</p:sld>
+</file>
+
+<file path=ppt/slides/slide4.xml><?xml version="1.0" encoding="utf-8"?>
+<p:sld xmlns:a="http://schemas.openxmlformats.org/drawingml/2006/main" xmlns:r="http://schemas.openxmlformats.org/officeDocument/2006/relationships" xmlns:p="http://schemas.openxmlformats.org/presentationml/2006/main">
+  <p:cSld>
+    <p:spTree>
+      <p:nvGrpSpPr>
+        <p:cNvPr id="1" name=""/>
+        <p:cNvGrpSpPr/>
+        <p:nvPr/>
+      </p:nvGrpSpPr>
+      <p:grpSpPr>
+        <a:xfrm>
+          <a:off x="0" y="0"/>
+          <a:ext cx="0" cy="0"/>
+          <a:chOff x="0" y="0"/>
+          <a:chExt cx="0" cy="0"/>
+        </a:xfrm>
+      </p:grpSpPr>
+      <p:sp>
+        <p:nvSpPr>
+          <p:cNvPr id="2" name="TextBox 1">
+            <a:extLst>
+              <a:ext uri="{FF2B5EF4-FFF2-40B4-BE49-F238E27FC236}">
+                <a16:creationId xmlns:a16="http://schemas.microsoft.com/office/drawing/2014/main" id="{84BDD883-8B7B-930B-06EF-1C5A78990FD0}"/>
+              </a:ext>
+            </a:extLst>
+          </p:cNvPr>
+          <p:cNvSpPr txBox="1"/>
+          <p:nvPr/>
+        </p:nvSpPr>
+        <p:spPr>
+          <a:xfrm>
+            <a:off x="159488" y="95693"/>
+            <a:ext cx="5443870" cy="369332"/>
+          </a:xfrm>
+          <a:prstGeom prst="rect">
+            <a:avLst/>
+          </a:prstGeom>
+          <a:noFill/>
+        </p:spPr>
+        <p:txBody>
+          <a:bodyPr wrap="square" rtlCol="0">
+            <a:spAutoFit/>
+          </a:bodyPr>
+          <a:lstStyle/>
+          <a:p>
+            <a:r>
+              <a:rPr lang="en-US" dirty="0"/>
+              <a:t>CSS 3 Selector Mechanism on DOM</a:t>
+            </a:r>
+          </a:p>
+        </p:txBody>
+      </p:sp>
+      <p:graphicFrame>
+        <p:nvGraphicFramePr>
+          <p:cNvPr id="3" name="Table 3">
+            <a:extLst>
+              <a:ext uri="{FF2B5EF4-FFF2-40B4-BE49-F238E27FC236}">
+                <a16:creationId xmlns:a16="http://schemas.microsoft.com/office/drawing/2014/main" id="{9C3BE080-B015-01F7-1A14-DF320FB7BA59}"/>
+              </a:ext>
+            </a:extLst>
+          </p:cNvPr>
+          <p:cNvGraphicFramePr>
+            <a:graphicFrameLocks noGrp="1"/>
+          </p:cNvGraphicFramePr>
+          <p:nvPr>
+            <p:extLst>
+              <p:ext uri="{D42A27DB-BD31-4B8C-83A1-F6EECF244321}">
+                <p14:modId xmlns:p14="http://schemas.microsoft.com/office/powerpoint/2010/main" val="1340823373"/>
+              </p:ext>
+            </p:extLst>
+          </p:nvPr>
+        </p:nvGraphicFramePr>
+        <p:xfrm>
+          <a:off x="426484" y="1400150"/>
+          <a:ext cx="4336902" cy="2291474"/>
+        </p:xfrm>
+        <a:graphic>
+          <a:graphicData uri="http://schemas.openxmlformats.org/drawingml/2006/table">
+            <a:tbl>
+              <a:tblPr firstRow="1" bandRow="1">
+                <a:tableStyleId>{5C22544A-7EE6-4342-B048-85BDC9FD1C3A}</a:tableStyleId>
+              </a:tblPr>
+              <a:tblGrid>
+                <a:gridCol w="2168451">
+                  <a:extLst>
+                    <a:ext uri="{9D8B030D-6E8A-4147-A177-3AD203B41FA5}">
+                      <a16:colId xmlns:a16="http://schemas.microsoft.com/office/drawing/2014/main" val="4222837613"/>
+                    </a:ext>
+                  </a:extLst>
+                </a:gridCol>
+                <a:gridCol w="2168451">
+                  <a:extLst>
+                    <a:ext uri="{9D8B030D-6E8A-4147-A177-3AD203B41FA5}">
+                      <a16:colId xmlns:a16="http://schemas.microsoft.com/office/drawing/2014/main" val="297963386"/>
+                    </a:ext>
+                  </a:extLst>
+                </a:gridCol>
+              </a:tblGrid>
+              <a:tr h="368497">
+                <a:tc>
+                  <a:txBody>
+                    <a:bodyPr/>
+                    <a:lstStyle/>
+                    <a:p>
+                      <a:r>
+                        <a:rPr lang="en-US" dirty="0"/>
+                        <a:t>Selector</a:t>
+                      </a:r>
+                    </a:p>
+                  </a:txBody>
+                  <a:tcPr/>
+                </a:tc>
+                <a:tc>
+                  <a:txBody>
+                    <a:bodyPr/>
+                    <a:lstStyle/>
+                    <a:p>
+                      <a:r>
+                        <a:rPr lang="en-US" dirty="0"/>
+                        <a:t>Element</a:t>
+                      </a:r>
+                    </a:p>
+                  </a:txBody>
+                  <a:tcPr/>
+                </a:tc>
+                <a:extLst>
+                  <a:ext uri="{0D108BD9-81ED-4DB2-BD59-A6C34878D82A}">
+                    <a16:rowId xmlns:a16="http://schemas.microsoft.com/office/drawing/2014/main" val="1781048604"/>
+                  </a:ext>
+                </a:extLst>
+              </a:tr>
+              <a:tr h="368497">
+                <a:tc>
+                  <a:txBody>
+                    <a:bodyPr/>
+                    <a:lstStyle/>
+                    <a:p>
+                      <a:r>
+                        <a:rPr lang="en-US" dirty="0"/>
+                        <a:t>Id</a:t>
+                      </a:r>
+                    </a:p>
+                  </a:txBody>
+                  <a:tcPr/>
+                </a:tc>
+                <a:tc>
+                  <a:txBody>
+                    <a:bodyPr/>
+                    <a:lstStyle/>
+                    <a:p>
+                      <a:r>
+                        <a:rPr lang="en-US" dirty="0"/>
+                        <a:t>Unique to HTML</a:t>
+                      </a:r>
+                    </a:p>
+                  </a:txBody>
+                  <a:tcPr/>
+                </a:tc>
+                <a:extLst>
+                  <a:ext uri="{0D108BD9-81ED-4DB2-BD59-A6C34878D82A}">
+                    <a16:rowId xmlns:a16="http://schemas.microsoft.com/office/drawing/2014/main" val="2123245310"/>
+                  </a:ext>
+                </a:extLst>
+              </a:tr>
+              <a:tr h="368497">
+                <a:tc>
+                  <a:txBody>
+                    <a:bodyPr/>
+                    <a:lstStyle/>
+                    <a:p>
+                      <a:r>
+                        <a:rPr lang="en-US" dirty="0"/>
+                        <a:t>Class</a:t>
+                      </a:r>
+                    </a:p>
+                  </a:txBody>
+                  <a:tcPr/>
+                </a:tc>
+                <a:tc>
+                  <a:txBody>
+                    <a:bodyPr/>
+                    <a:lstStyle/>
+                    <a:p>
+                      <a:r>
+                        <a:rPr lang="en-US" dirty="0"/>
+                        <a:t>Collection of Elements</a:t>
+                      </a:r>
+                    </a:p>
+                  </a:txBody>
+                  <a:tcPr/>
+                </a:tc>
+                <a:extLst>
+                  <a:ext uri="{0D108BD9-81ED-4DB2-BD59-A6C34878D82A}">
+                    <a16:rowId xmlns:a16="http://schemas.microsoft.com/office/drawing/2014/main" val="2550613937"/>
+                  </a:ext>
+                </a:extLst>
+              </a:tr>
+              <a:tr h="368497">
+                <a:tc>
+                  <a:txBody>
+                    <a:bodyPr/>
+                    <a:lstStyle/>
+                    <a:p>
+                      <a:r>
+                        <a:rPr lang="en-US" dirty="0"/>
+                        <a:t>Tag</a:t>
+                      </a:r>
+                    </a:p>
+                  </a:txBody>
+                  <a:tcPr/>
+                </a:tc>
+                <a:tc>
+                  <a:txBody>
+                    <a:bodyPr/>
+                    <a:lstStyle/>
+                    <a:p>
+                      <a:r>
+                        <a:rPr lang="en-US" dirty="0"/>
+                        <a:t>Collection of elements </a:t>
+                      </a:r>
+                      <a:r>
+                        <a:rPr lang="en-US" dirty="0" err="1"/>
+                        <a:t>mathing</a:t>
+                      </a:r>
+                      <a:r>
+                        <a:rPr lang="en-US" dirty="0"/>
+                        <a:t> to tag</a:t>
+                      </a:r>
+                    </a:p>
+                  </a:txBody>
+                  <a:tcPr/>
+                </a:tc>
+                <a:extLst>
+                  <a:ext uri="{0D108BD9-81ED-4DB2-BD59-A6C34878D82A}">
+                    <a16:rowId xmlns:a16="http://schemas.microsoft.com/office/drawing/2014/main" val="2195469809"/>
+                  </a:ext>
+                </a:extLst>
+              </a:tr>
+            </a:tbl>
+          </a:graphicData>
+        </a:graphic>
+      </p:graphicFrame>
+      <p:sp>
+        <p:nvSpPr>
+          <p:cNvPr id="5" name="TextBox 4">
+            <a:extLst>
+              <a:ext uri="{FF2B5EF4-FFF2-40B4-BE49-F238E27FC236}">
+                <a16:creationId xmlns:a16="http://schemas.microsoft.com/office/drawing/2014/main" id="{03641803-982C-8072-3BB0-433FB2F341EB}"/>
+              </a:ext>
+            </a:extLst>
+          </p:cNvPr>
+          <p:cNvSpPr txBox="1"/>
+          <p:nvPr/>
+        </p:nvSpPr>
+        <p:spPr>
+          <a:xfrm>
+            <a:off x="5599518" y="937069"/>
+            <a:ext cx="6097772" cy="369332"/>
+          </a:xfrm>
+          <a:prstGeom prst="rect">
+            <a:avLst/>
+          </a:prstGeom>
+          <a:solidFill>
+            <a:srgbClr val="002060"/>
+          </a:solidFill>
+        </p:spPr>
+        <p:txBody>
+          <a:bodyPr wrap="square">
+            <a:spAutoFit/>
+          </a:bodyPr>
+          <a:lstStyle/>
+          <a:p>
+            <a:r>
+              <a:rPr lang="en-IN" b="0" dirty="0">
+                <a:solidFill>
+                  <a:srgbClr val="808080"/>
+                </a:solidFill>
+                <a:effectLst/>
+                <a:latin typeface="Menlo" panose="020B0609030804020204" pitchFamily="49" charset="0"/>
+              </a:rPr>
+              <a:t>&lt;</a:t>
+            </a:r>
+            <a:r>
+              <a:rPr lang="en-IN" b="0" dirty="0">
+                <a:solidFill>
+                  <a:srgbClr val="EE8241"/>
+                </a:solidFill>
+                <a:effectLst/>
+                <a:latin typeface="Menlo" panose="020B0609030804020204" pitchFamily="49" charset="0"/>
+              </a:rPr>
+              <a:t>article</a:t>
+            </a:r>
+            <a:r>
+              <a:rPr lang="en-IN" b="0" dirty="0">
+                <a:solidFill>
+                  <a:srgbClr val="EEFFFF"/>
+                </a:solidFill>
+                <a:effectLst/>
+                <a:latin typeface="Menlo" panose="020B0609030804020204" pitchFamily="49" charset="0"/>
+              </a:rPr>
+              <a:t> </a:t>
+            </a:r>
+            <a:r>
+              <a:rPr lang="en-IN" b="0" dirty="0">
+                <a:solidFill>
+                  <a:srgbClr val="9CDCFE"/>
+                </a:solidFill>
+                <a:effectLst/>
+                <a:latin typeface="Menlo" panose="020B0609030804020204" pitchFamily="49" charset="0"/>
+              </a:rPr>
+              <a:t>class</a:t>
+            </a:r>
+            <a:r>
+              <a:rPr lang="en-IN" b="0" dirty="0">
+                <a:solidFill>
+                  <a:srgbClr val="EEFFFF"/>
+                </a:solidFill>
+                <a:effectLst/>
+                <a:latin typeface="Menlo" panose="020B0609030804020204" pitchFamily="49" charset="0"/>
+              </a:rPr>
+              <a:t>=</a:t>
+            </a:r>
+            <a:r>
+              <a:rPr lang="en-IN" b="0" dirty="0">
+                <a:solidFill>
+                  <a:srgbClr val="C99677"/>
+                </a:solidFill>
+                <a:effectLst/>
+                <a:latin typeface="Menlo" panose="020B0609030804020204" pitchFamily="49" charset="0"/>
+              </a:rPr>
+              <a:t>"article"</a:t>
+            </a:r>
+            <a:r>
+              <a:rPr lang="en-IN" b="0" dirty="0">
+                <a:solidFill>
+                  <a:srgbClr val="EEFFFF"/>
+                </a:solidFill>
+                <a:effectLst/>
+                <a:latin typeface="Menlo" panose="020B0609030804020204" pitchFamily="49" charset="0"/>
+              </a:rPr>
+              <a:t> </a:t>
+            </a:r>
+            <a:r>
+              <a:rPr lang="en-IN" b="0" dirty="0">
+                <a:solidFill>
+                  <a:srgbClr val="9CDCFE"/>
+                </a:solidFill>
+                <a:effectLst/>
+                <a:latin typeface="Menlo" panose="020B0609030804020204" pitchFamily="49" charset="0"/>
+              </a:rPr>
+              <a:t>id</a:t>
+            </a:r>
+            <a:r>
+              <a:rPr lang="en-IN" b="0" dirty="0">
+                <a:solidFill>
+                  <a:srgbClr val="EEFFFF"/>
+                </a:solidFill>
+                <a:effectLst/>
+                <a:latin typeface="Menlo" panose="020B0609030804020204" pitchFamily="49" charset="0"/>
+              </a:rPr>
+              <a:t>=</a:t>
+            </a:r>
+            <a:r>
+              <a:rPr lang="en-IN" b="0" dirty="0">
+                <a:solidFill>
+                  <a:srgbClr val="C99677"/>
+                </a:solidFill>
+                <a:effectLst/>
+                <a:latin typeface="Menlo" panose="020B0609030804020204" pitchFamily="49" charset="0"/>
+              </a:rPr>
+              <a:t>"arc2"</a:t>
+            </a:r>
+            <a:r>
+              <a:rPr lang="en-IN" b="0" dirty="0">
+                <a:solidFill>
+                  <a:srgbClr val="808080"/>
+                </a:solidFill>
+                <a:effectLst/>
+                <a:latin typeface="Menlo" panose="020B0609030804020204" pitchFamily="49" charset="0"/>
+              </a:rPr>
+              <a:t>&gt;</a:t>
+            </a:r>
+            <a:endParaRPr lang="en-IN" b="0" dirty="0">
+              <a:solidFill>
+                <a:srgbClr val="EEFFFF"/>
+              </a:solidFill>
+              <a:effectLst/>
+              <a:latin typeface="Menlo" panose="020B0609030804020204" pitchFamily="49" charset="0"/>
+            </a:endParaRPr>
+          </a:p>
+        </p:txBody>
+      </p:sp>
+      <p:cxnSp>
+        <p:nvCxnSpPr>
+          <p:cNvPr id="7" name="Elbow Connector 6">
+            <a:extLst>
+              <a:ext uri="{FF2B5EF4-FFF2-40B4-BE49-F238E27FC236}">
+                <a16:creationId xmlns:a16="http://schemas.microsoft.com/office/drawing/2014/main" id="{C144340B-730E-6869-C2AB-77FB2BD3CAFD}"/>
+              </a:ext>
+            </a:extLst>
+          </p:cNvPr>
+          <p:cNvCxnSpPr>
+            <a:endCxn id="5" idx="2"/>
+          </p:cNvCxnSpPr>
+          <p:nvPr/>
+        </p:nvCxnSpPr>
+        <p:spPr>
+          <a:xfrm flipV="1">
+            <a:off x="4433777" y="1306401"/>
+            <a:ext cx="4214627" cy="660622"/>
+          </a:xfrm>
+          <a:prstGeom prst="bentConnector2">
+            <a:avLst/>
+          </a:prstGeom>
+          <a:ln>
+            <a:tailEnd type="triangle"/>
+          </a:ln>
+        </p:spPr>
+        <p:style>
+          <a:lnRef idx="1">
+            <a:schemeClr val="accent1"/>
+          </a:lnRef>
+          <a:fillRef idx="0">
+            <a:schemeClr val="accent1"/>
+          </a:fillRef>
+          <a:effectRef idx="0">
+            <a:schemeClr val="accent1"/>
+          </a:effectRef>
+          <a:fontRef idx="minor">
+            <a:schemeClr val="tx1"/>
+          </a:fontRef>
+        </p:style>
+      </p:cxnSp>
+      <p:sp>
+        <p:nvSpPr>
+          <p:cNvPr id="8" name="TextBox 7">
+            <a:extLst>
+              <a:ext uri="{FF2B5EF4-FFF2-40B4-BE49-F238E27FC236}">
+                <a16:creationId xmlns:a16="http://schemas.microsoft.com/office/drawing/2014/main" id="{45E1430A-2F7A-21AB-1D76-9CC8E5E7EC75}"/>
+              </a:ext>
+            </a:extLst>
+          </p:cNvPr>
+          <p:cNvSpPr txBox="1"/>
+          <p:nvPr/>
+        </p:nvSpPr>
+        <p:spPr>
+          <a:xfrm>
+            <a:off x="9058940" y="1400150"/>
+            <a:ext cx="2371060" cy="646331"/>
+          </a:xfrm>
+          <a:prstGeom prst="rect">
+            <a:avLst/>
+          </a:prstGeom>
+          <a:noFill/>
+        </p:spPr>
+        <p:txBody>
+          <a:bodyPr wrap="square" rtlCol="0">
+            <a:spAutoFit/>
+          </a:bodyPr>
+          <a:lstStyle/>
+          <a:p>
+            <a:r>
+              <a:rPr lang="en-US" dirty="0"/>
+              <a:t>#arc2{ /* ALL Style Properties */ }</a:t>
+            </a:r>
+          </a:p>
+        </p:txBody>
+      </p:sp>
+      <p:sp>
+        <p:nvSpPr>
+          <p:cNvPr id="10" name="TextBox 9">
+            <a:extLst>
+              <a:ext uri="{FF2B5EF4-FFF2-40B4-BE49-F238E27FC236}">
+                <a16:creationId xmlns:a16="http://schemas.microsoft.com/office/drawing/2014/main" id="{F35C2093-CA02-F661-DEF8-10D341F58A54}"/>
+              </a:ext>
+            </a:extLst>
+          </p:cNvPr>
+          <p:cNvSpPr txBox="1"/>
+          <p:nvPr/>
+        </p:nvSpPr>
+        <p:spPr>
+          <a:xfrm>
+            <a:off x="5090337" y="3429000"/>
+            <a:ext cx="6097772" cy="2862322"/>
+          </a:xfrm>
+          <a:prstGeom prst="rect">
+            <a:avLst/>
+          </a:prstGeom>
+          <a:solidFill>
+            <a:srgbClr val="002060"/>
+          </a:solidFill>
+        </p:spPr>
+        <p:txBody>
+          <a:bodyPr wrap="square">
+            <a:spAutoFit/>
+          </a:bodyPr>
+          <a:lstStyle/>
+          <a:p>
+            <a:r>
+              <a:rPr lang="en-IN" b="0" dirty="0">
+                <a:solidFill>
+                  <a:srgbClr val="808080"/>
+                </a:solidFill>
+                <a:effectLst/>
+                <a:latin typeface="Menlo" panose="020B0609030804020204" pitchFamily="49" charset="0"/>
+              </a:rPr>
+              <a:t>&lt;</a:t>
+            </a:r>
+            <a:r>
+              <a:rPr lang="en-IN" b="0" dirty="0">
+                <a:solidFill>
+                  <a:srgbClr val="EE8241"/>
+                </a:solidFill>
+                <a:effectLst/>
+                <a:latin typeface="Menlo" panose="020B0609030804020204" pitchFamily="49" charset="0"/>
+              </a:rPr>
+              <a:t>input</a:t>
+            </a:r>
+            <a:r>
+              <a:rPr lang="en-IN" b="0" dirty="0">
+                <a:solidFill>
+                  <a:srgbClr val="EEFFFF"/>
+                </a:solidFill>
+                <a:effectLst/>
+                <a:latin typeface="Menlo" panose="020B0609030804020204" pitchFamily="49" charset="0"/>
+              </a:rPr>
+              <a:t> </a:t>
+            </a:r>
+            <a:r>
+              <a:rPr lang="en-IN" b="0" dirty="0">
+                <a:solidFill>
+                  <a:srgbClr val="9CDCFE"/>
+                </a:solidFill>
+                <a:effectLst/>
+                <a:latin typeface="Menlo" panose="020B0609030804020204" pitchFamily="49" charset="0"/>
+              </a:rPr>
+              <a:t>type</a:t>
+            </a:r>
+            <a:r>
+              <a:rPr lang="en-IN" b="0" dirty="0">
+                <a:solidFill>
+                  <a:srgbClr val="EEFFFF"/>
+                </a:solidFill>
+                <a:effectLst/>
+                <a:latin typeface="Menlo" panose="020B0609030804020204" pitchFamily="49" charset="0"/>
+              </a:rPr>
+              <a:t>=</a:t>
+            </a:r>
+            <a:r>
+              <a:rPr lang="en-IN" b="0" dirty="0">
+                <a:solidFill>
+                  <a:srgbClr val="C99677"/>
+                </a:solidFill>
+                <a:effectLst/>
+                <a:latin typeface="Menlo" panose="020B0609030804020204" pitchFamily="49" charset="0"/>
+              </a:rPr>
+              <a:t>"text"</a:t>
+            </a:r>
+            <a:r>
+              <a:rPr lang="en-IN" b="0" dirty="0">
+                <a:solidFill>
+                  <a:srgbClr val="EEFFFF"/>
+                </a:solidFill>
+                <a:effectLst/>
+                <a:latin typeface="Menlo" panose="020B0609030804020204" pitchFamily="49" charset="0"/>
+              </a:rPr>
+              <a:t> </a:t>
+            </a:r>
+            <a:r>
+              <a:rPr lang="en-IN" b="0" dirty="0">
+                <a:solidFill>
+                  <a:srgbClr val="9CDCFE"/>
+                </a:solidFill>
+                <a:effectLst/>
+                <a:latin typeface="Menlo" panose="020B0609030804020204" pitchFamily="49" charset="0"/>
+              </a:rPr>
+              <a:t>value</a:t>
+            </a:r>
+            <a:r>
+              <a:rPr lang="en-IN" b="0" dirty="0">
+                <a:solidFill>
+                  <a:srgbClr val="EEFFFF"/>
+                </a:solidFill>
+                <a:effectLst/>
+                <a:latin typeface="Menlo" panose="020B0609030804020204" pitchFamily="49" charset="0"/>
+              </a:rPr>
+              <a:t>=</a:t>
+            </a:r>
+            <a:r>
+              <a:rPr lang="en-IN" b="0" dirty="0">
+                <a:solidFill>
+                  <a:srgbClr val="C99677"/>
+                </a:solidFill>
+                <a:effectLst/>
+                <a:latin typeface="Menlo" panose="020B0609030804020204" pitchFamily="49" charset="0"/>
+              </a:rPr>
+              <a:t>"I am Text 1"</a:t>
+            </a:r>
+            <a:r>
+              <a:rPr lang="en-IN" b="0" dirty="0">
+                <a:solidFill>
+                  <a:srgbClr val="808080"/>
+                </a:solidFill>
+                <a:effectLst/>
+                <a:latin typeface="Menlo" panose="020B0609030804020204" pitchFamily="49" charset="0"/>
+              </a:rPr>
+              <a:t>/&gt;</a:t>
+            </a:r>
+            <a:endParaRPr lang="en-IN" b="0" dirty="0">
+              <a:solidFill>
+                <a:srgbClr val="EEFFFF"/>
+              </a:solidFill>
+              <a:effectLst/>
+              <a:latin typeface="Menlo" panose="020B0609030804020204" pitchFamily="49" charset="0"/>
+            </a:endParaRPr>
+          </a:p>
+          <a:p>
+            <a:r>
+              <a:rPr lang="en-IN" b="0" dirty="0">
+                <a:solidFill>
+                  <a:srgbClr val="808080"/>
+                </a:solidFill>
+                <a:effectLst/>
+                <a:latin typeface="Menlo" panose="020B0609030804020204" pitchFamily="49" charset="0"/>
+              </a:rPr>
+              <a:t>&lt;</a:t>
+            </a:r>
+            <a:r>
+              <a:rPr lang="en-IN" b="0" dirty="0" err="1">
+                <a:solidFill>
+                  <a:srgbClr val="EE8241"/>
+                </a:solidFill>
+                <a:effectLst/>
+                <a:latin typeface="Menlo" panose="020B0609030804020204" pitchFamily="49" charset="0"/>
+              </a:rPr>
+              <a:t>br</a:t>
+            </a:r>
+            <a:r>
+              <a:rPr lang="en-IN" b="0" dirty="0">
+                <a:solidFill>
+                  <a:srgbClr val="808080"/>
+                </a:solidFill>
+                <a:effectLst/>
+                <a:latin typeface="Menlo" panose="020B0609030804020204" pitchFamily="49" charset="0"/>
+              </a:rPr>
+              <a:t>/&gt;</a:t>
+            </a:r>
+            <a:endParaRPr lang="en-IN" b="0" dirty="0">
+              <a:solidFill>
+                <a:srgbClr val="EEFFFF"/>
+              </a:solidFill>
+              <a:effectLst/>
+              <a:latin typeface="Menlo" panose="020B0609030804020204" pitchFamily="49" charset="0"/>
+            </a:endParaRPr>
+          </a:p>
+          <a:p>
+            <a:r>
+              <a:rPr lang="en-IN" b="0" dirty="0">
+                <a:solidFill>
+                  <a:srgbClr val="808080"/>
+                </a:solidFill>
+                <a:effectLst/>
+                <a:latin typeface="Menlo" panose="020B0609030804020204" pitchFamily="49" charset="0"/>
+              </a:rPr>
+              <a:t>&lt;</a:t>
+            </a:r>
+            <a:r>
+              <a:rPr lang="en-IN" b="0" dirty="0">
+                <a:solidFill>
+                  <a:srgbClr val="EE8241"/>
+                </a:solidFill>
+                <a:effectLst/>
+                <a:latin typeface="Menlo" panose="020B0609030804020204" pitchFamily="49" charset="0"/>
+              </a:rPr>
+              <a:t>input</a:t>
+            </a:r>
+            <a:r>
+              <a:rPr lang="en-IN" b="0" dirty="0">
+                <a:solidFill>
+                  <a:srgbClr val="EEFFFF"/>
+                </a:solidFill>
+                <a:effectLst/>
+                <a:latin typeface="Menlo" panose="020B0609030804020204" pitchFamily="49" charset="0"/>
+              </a:rPr>
+              <a:t> </a:t>
+            </a:r>
+            <a:r>
+              <a:rPr lang="en-IN" b="0" dirty="0">
+                <a:solidFill>
+                  <a:srgbClr val="9CDCFE"/>
+                </a:solidFill>
+                <a:effectLst/>
+                <a:latin typeface="Menlo" panose="020B0609030804020204" pitchFamily="49" charset="0"/>
+              </a:rPr>
+              <a:t>type</a:t>
+            </a:r>
+            <a:r>
+              <a:rPr lang="en-IN" b="0" dirty="0">
+                <a:solidFill>
+                  <a:srgbClr val="EEFFFF"/>
+                </a:solidFill>
+                <a:effectLst/>
+                <a:latin typeface="Menlo" panose="020B0609030804020204" pitchFamily="49" charset="0"/>
+              </a:rPr>
+              <a:t>=</a:t>
+            </a:r>
+            <a:r>
+              <a:rPr lang="en-IN" b="0" dirty="0">
+                <a:solidFill>
+                  <a:srgbClr val="C99677"/>
+                </a:solidFill>
+                <a:effectLst/>
+                <a:latin typeface="Menlo" panose="020B0609030804020204" pitchFamily="49" charset="0"/>
+              </a:rPr>
+              <a:t>"text"</a:t>
+            </a:r>
+            <a:r>
+              <a:rPr lang="en-IN" b="0" dirty="0">
+                <a:solidFill>
+                  <a:srgbClr val="EEFFFF"/>
+                </a:solidFill>
+                <a:effectLst/>
+                <a:latin typeface="Menlo" panose="020B0609030804020204" pitchFamily="49" charset="0"/>
+              </a:rPr>
+              <a:t> </a:t>
+            </a:r>
+            <a:r>
+              <a:rPr lang="en-IN" b="0" dirty="0">
+                <a:solidFill>
+                  <a:srgbClr val="9CDCFE"/>
+                </a:solidFill>
+                <a:effectLst/>
+                <a:latin typeface="Menlo" panose="020B0609030804020204" pitchFamily="49" charset="0"/>
+              </a:rPr>
+              <a:t>value</a:t>
+            </a:r>
+            <a:r>
+              <a:rPr lang="en-IN" b="0" dirty="0">
+                <a:solidFill>
+                  <a:srgbClr val="EEFFFF"/>
+                </a:solidFill>
+                <a:effectLst/>
+                <a:latin typeface="Menlo" panose="020B0609030804020204" pitchFamily="49" charset="0"/>
+              </a:rPr>
+              <a:t>=</a:t>
+            </a:r>
+            <a:r>
+              <a:rPr lang="en-IN" b="0" dirty="0">
+                <a:solidFill>
+                  <a:srgbClr val="C99677"/>
+                </a:solidFill>
+                <a:effectLst/>
+                <a:latin typeface="Menlo" panose="020B0609030804020204" pitchFamily="49" charset="0"/>
+              </a:rPr>
+              <a:t>"I am Text 2"</a:t>
+            </a:r>
+            <a:r>
+              <a:rPr lang="en-IN" b="0" dirty="0">
+                <a:solidFill>
+                  <a:srgbClr val="808080"/>
+                </a:solidFill>
+                <a:effectLst/>
+                <a:latin typeface="Menlo" panose="020B0609030804020204" pitchFamily="49" charset="0"/>
+              </a:rPr>
+              <a:t>/&gt;</a:t>
+            </a:r>
+            <a:endParaRPr lang="en-IN" b="0" dirty="0">
+              <a:solidFill>
+                <a:srgbClr val="EEFFFF"/>
+              </a:solidFill>
+              <a:effectLst/>
+              <a:latin typeface="Menlo" panose="020B0609030804020204" pitchFamily="49" charset="0"/>
+            </a:endParaRPr>
+          </a:p>
+          <a:p>
+            <a:r>
+              <a:rPr lang="en-IN" b="0" dirty="0">
+                <a:solidFill>
+                  <a:srgbClr val="808080"/>
+                </a:solidFill>
+                <a:effectLst/>
+                <a:latin typeface="Menlo" panose="020B0609030804020204" pitchFamily="49" charset="0"/>
+              </a:rPr>
+              <a:t>&lt;</a:t>
+            </a:r>
+            <a:r>
+              <a:rPr lang="en-IN" b="0" dirty="0" err="1">
+                <a:solidFill>
+                  <a:srgbClr val="EE8241"/>
+                </a:solidFill>
+                <a:effectLst/>
+                <a:latin typeface="Menlo" panose="020B0609030804020204" pitchFamily="49" charset="0"/>
+              </a:rPr>
+              <a:t>br</a:t>
+            </a:r>
+            <a:r>
+              <a:rPr lang="en-IN" b="0" dirty="0">
+                <a:solidFill>
+                  <a:srgbClr val="808080"/>
+                </a:solidFill>
+                <a:effectLst/>
+                <a:latin typeface="Menlo" panose="020B0609030804020204" pitchFamily="49" charset="0"/>
+              </a:rPr>
+              <a:t>/&gt;</a:t>
+            </a:r>
+            <a:endParaRPr lang="en-IN" b="0" dirty="0">
+              <a:solidFill>
+                <a:srgbClr val="EEFFFF"/>
+              </a:solidFill>
+              <a:effectLst/>
+              <a:latin typeface="Menlo" panose="020B0609030804020204" pitchFamily="49" charset="0"/>
+            </a:endParaRPr>
+          </a:p>
+          <a:p>
+            <a:r>
+              <a:rPr lang="en-IN" b="0" dirty="0">
+                <a:solidFill>
+                  <a:srgbClr val="808080"/>
+                </a:solidFill>
+                <a:effectLst/>
+                <a:latin typeface="Menlo" panose="020B0609030804020204" pitchFamily="49" charset="0"/>
+              </a:rPr>
+              <a:t>&lt;</a:t>
+            </a:r>
+            <a:r>
+              <a:rPr lang="en-IN" b="0" dirty="0">
+                <a:solidFill>
+                  <a:srgbClr val="EE8241"/>
+                </a:solidFill>
+                <a:effectLst/>
+                <a:latin typeface="Menlo" panose="020B0609030804020204" pitchFamily="49" charset="0"/>
+              </a:rPr>
+              <a:t>input</a:t>
+            </a:r>
+            <a:r>
+              <a:rPr lang="en-IN" b="0" dirty="0">
+                <a:solidFill>
+                  <a:srgbClr val="EEFFFF"/>
+                </a:solidFill>
+                <a:effectLst/>
+                <a:latin typeface="Menlo" panose="020B0609030804020204" pitchFamily="49" charset="0"/>
+              </a:rPr>
+              <a:t> </a:t>
+            </a:r>
+            <a:r>
+              <a:rPr lang="en-IN" b="0" dirty="0">
+                <a:solidFill>
+                  <a:srgbClr val="9CDCFE"/>
+                </a:solidFill>
+                <a:effectLst/>
+                <a:latin typeface="Menlo" panose="020B0609030804020204" pitchFamily="49" charset="0"/>
+              </a:rPr>
+              <a:t>type</a:t>
+            </a:r>
+            <a:r>
+              <a:rPr lang="en-IN" b="0" dirty="0">
+                <a:solidFill>
+                  <a:srgbClr val="EEFFFF"/>
+                </a:solidFill>
+                <a:effectLst/>
+                <a:latin typeface="Menlo" panose="020B0609030804020204" pitchFamily="49" charset="0"/>
+              </a:rPr>
+              <a:t>=</a:t>
+            </a:r>
+            <a:r>
+              <a:rPr lang="en-IN" b="0" dirty="0">
+                <a:solidFill>
+                  <a:srgbClr val="C99677"/>
+                </a:solidFill>
+                <a:effectLst/>
+                <a:latin typeface="Menlo" panose="020B0609030804020204" pitchFamily="49" charset="0"/>
+              </a:rPr>
+              <a:t>"text"</a:t>
+            </a:r>
+            <a:r>
+              <a:rPr lang="en-IN" b="0" dirty="0">
+                <a:solidFill>
+                  <a:srgbClr val="EEFFFF"/>
+                </a:solidFill>
+                <a:effectLst/>
+                <a:latin typeface="Menlo" panose="020B0609030804020204" pitchFamily="49" charset="0"/>
+              </a:rPr>
+              <a:t> </a:t>
+            </a:r>
+            <a:r>
+              <a:rPr lang="en-IN" b="0" dirty="0">
+                <a:solidFill>
+                  <a:srgbClr val="9CDCFE"/>
+                </a:solidFill>
+                <a:effectLst/>
+                <a:latin typeface="Menlo" panose="020B0609030804020204" pitchFamily="49" charset="0"/>
+              </a:rPr>
+              <a:t>value</a:t>
+            </a:r>
+            <a:r>
+              <a:rPr lang="en-IN" b="0" dirty="0">
+                <a:solidFill>
+                  <a:srgbClr val="EEFFFF"/>
+                </a:solidFill>
+                <a:effectLst/>
+                <a:latin typeface="Menlo" panose="020B0609030804020204" pitchFamily="49" charset="0"/>
+              </a:rPr>
+              <a:t>=</a:t>
+            </a:r>
+            <a:r>
+              <a:rPr lang="en-IN" b="0" dirty="0">
+                <a:solidFill>
+                  <a:srgbClr val="C99677"/>
+                </a:solidFill>
+                <a:effectLst/>
+                <a:latin typeface="Menlo" panose="020B0609030804020204" pitchFamily="49" charset="0"/>
+              </a:rPr>
+              <a:t>"I am Text 3"</a:t>
+            </a:r>
+            <a:r>
+              <a:rPr lang="en-IN" b="0" dirty="0">
+                <a:solidFill>
+                  <a:srgbClr val="808080"/>
+                </a:solidFill>
+                <a:effectLst/>
+                <a:latin typeface="Menlo" panose="020B0609030804020204" pitchFamily="49" charset="0"/>
+              </a:rPr>
+              <a:t>/&gt;</a:t>
+            </a:r>
+            <a:endParaRPr lang="en-IN" b="0" dirty="0">
+              <a:solidFill>
+                <a:srgbClr val="EEFFFF"/>
+              </a:solidFill>
+              <a:effectLst/>
+              <a:latin typeface="Menlo" panose="020B0609030804020204" pitchFamily="49" charset="0"/>
+            </a:endParaRPr>
+          </a:p>
+          <a:p>
+            <a:r>
+              <a:rPr lang="en-IN" b="0" dirty="0">
+                <a:solidFill>
+                  <a:srgbClr val="808080"/>
+                </a:solidFill>
+                <a:effectLst/>
+                <a:latin typeface="Menlo" panose="020B0609030804020204" pitchFamily="49" charset="0"/>
+              </a:rPr>
+              <a:t>&lt;</a:t>
+            </a:r>
+            <a:r>
+              <a:rPr lang="en-IN" b="0" dirty="0" err="1">
+                <a:solidFill>
+                  <a:srgbClr val="EE8241"/>
+                </a:solidFill>
+                <a:effectLst/>
+                <a:latin typeface="Menlo" panose="020B0609030804020204" pitchFamily="49" charset="0"/>
+              </a:rPr>
+              <a:t>br</a:t>
+            </a:r>
+            <a:r>
+              <a:rPr lang="en-IN" b="0" dirty="0">
+                <a:solidFill>
+                  <a:srgbClr val="808080"/>
+                </a:solidFill>
+                <a:effectLst/>
+                <a:latin typeface="Menlo" panose="020B0609030804020204" pitchFamily="49" charset="0"/>
+              </a:rPr>
+              <a:t>/&gt;</a:t>
+            </a:r>
+            <a:endParaRPr lang="en-IN" b="0" dirty="0">
+              <a:solidFill>
+                <a:srgbClr val="EEFFFF"/>
+              </a:solidFill>
+              <a:effectLst/>
+              <a:latin typeface="Menlo" panose="020B0609030804020204" pitchFamily="49" charset="0"/>
+            </a:endParaRPr>
+          </a:p>
+          <a:p>
+            <a:r>
+              <a:rPr lang="en-IN" b="0" dirty="0">
+                <a:solidFill>
+                  <a:srgbClr val="808080"/>
+                </a:solidFill>
+                <a:effectLst/>
+                <a:latin typeface="Menlo" panose="020B0609030804020204" pitchFamily="49" charset="0"/>
+              </a:rPr>
+              <a:t>&lt;</a:t>
+            </a:r>
+            <a:r>
+              <a:rPr lang="en-IN" b="0" dirty="0">
+                <a:solidFill>
+                  <a:srgbClr val="EE8241"/>
+                </a:solidFill>
+                <a:effectLst/>
+                <a:latin typeface="Menlo" panose="020B0609030804020204" pitchFamily="49" charset="0"/>
+              </a:rPr>
+              <a:t>input</a:t>
+            </a:r>
+            <a:r>
+              <a:rPr lang="en-IN" b="0" dirty="0">
+                <a:solidFill>
+                  <a:srgbClr val="EEFFFF"/>
+                </a:solidFill>
+                <a:effectLst/>
+                <a:latin typeface="Menlo" panose="020B0609030804020204" pitchFamily="49" charset="0"/>
+              </a:rPr>
+              <a:t> </a:t>
+            </a:r>
+            <a:r>
+              <a:rPr lang="en-IN" b="0" dirty="0">
+                <a:solidFill>
+                  <a:srgbClr val="9CDCFE"/>
+                </a:solidFill>
+                <a:effectLst/>
+                <a:latin typeface="Menlo" panose="020B0609030804020204" pitchFamily="49" charset="0"/>
+              </a:rPr>
+              <a:t>type</a:t>
+            </a:r>
+            <a:r>
+              <a:rPr lang="en-IN" b="0" dirty="0">
+                <a:solidFill>
+                  <a:srgbClr val="EEFFFF"/>
+                </a:solidFill>
+                <a:effectLst/>
+                <a:latin typeface="Menlo" panose="020B0609030804020204" pitchFamily="49" charset="0"/>
+              </a:rPr>
+              <a:t>=</a:t>
+            </a:r>
+            <a:r>
+              <a:rPr lang="en-IN" b="0" dirty="0">
+                <a:solidFill>
+                  <a:srgbClr val="C99677"/>
+                </a:solidFill>
+                <a:effectLst/>
+                <a:latin typeface="Menlo" panose="020B0609030804020204" pitchFamily="49" charset="0"/>
+              </a:rPr>
+              <a:t>"button"</a:t>
+            </a:r>
+            <a:r>
+              <a:rPr lang="en-IN" b="0" dirty="0">
+                <a:solidFill>
+                  <a:srgbClr val="EEFFFF"/>
+                </a:solidFill>
+                <a:effectLst/>
+                <a:latin typeface="Menlo" panose="020B0609030804020204" pitchFamily="49" charset="0"/>
+              </a:rPr>
+              <a:t> </a:t>
+            </a:r>
+            <a:r>
+              <a:rPr lang="en-IN" b="0" dirty="0">
+                <a:solidFill>
+                  <a:srgbClr val="9CDCFE"/>
+                </a:solidFill>
+                <a:effectLst/>
+                <a:latin typeface="Menlo" panose="020B0609030804020204" pitchFamily="49" charset="0"/>
+              </a:rPr>
+              <a:t>value</a:t>
+            </a:r>
+            <a:r>
+              <a:rPr lang="en-IN" b="0" dirty="0">
+                <a:solidFill>
+                  <a:srgbClr val="EEFFFF"/>
+                </a:solidFill>
+                <a:effectLst/>
+                <a:latin typeface="Menlo" panose="020B0609030804020204" pitchFamily="49" charset="0"/>
+              </a:rPr>
+              <a:t>=</a:t>
+            </a:r>
+            <a:r>
+              <a:rPr lang="en-IN" b="0" dirty="0">
+                <a:solidFill>
+                  <a:srgbClr val="C99677"/>
+                </a:solidFill>
+                <a:effectLst/>
+                <a:latin typeface="Menlo" panose="020B0609030804020204" pitchFamily="49" charset="0"/>
+              </a:rPr>
+              <a:t>"Button 1"</a:t>
+            </a:r>
+            <a:r>
+              <a:rPr lang="en-IN" b="0" dirty="0">
+                <a:solidFill>
+                  <a:srgbClr val="808080"/>
+                </a:solidFill>
+                <a:effectLst/>
+                <a:latin typeface="Menlo" panose="020B0609030804020204" pitchFamily="49" charset="0"/>
+              </a:rPr>
+              <a:t>/&gt;</a:t>
+            </a:r>
+            <a:endParaRPr lang="en-IN" b="0" dirty="0">
+              <a:solidFill>
+                <a:srgbClr val="EEFFFF"/>
+              </a:solidFill>
+              <a:effectLst/>
+              <a:latin typeface="Menlo" panose="020B0609030804020204" pitchFamily="49" charset="0"/>
+            </a:endParaRPr>
+          </a:p>
+          <a:p>
+            <a:r>
+              <a:rPr lang="en-IN" b="0" dirty="0">
+                <a:solidFill>
+                  <a:srgbClr val="808080"/>
+                </a:solidFill>
+                <a:effectLst/>
+                <a:latin typeface="Menlo" panose="020B0609030804020204" pitchFamily="49" charset="0"/>
+              </a:rPr>
+              <a:t>&lt;</a:t>
+            </a:r>
+            <a:r>
+              <a:rPr lang="en-IN" b="0" dirty="0" err="1">
+                <a:solidFill>
+                  <a:srgbClr val="EE8241"/>
+                </a:solidFill>
+                <a:effectLst/>
+                <a:latin typeface="Menlo" panose="020B0609030804020204" pitchFamily="49" charset="0"/>
+              </a:rPr>
+              <a:t>br</a:t>
+            </a:r>
+            <a:r>
+              <a:rPr lang="en-IN" b="0" dirty="0">
+                <a:solidFill>
+                  <a:srgbClr val="808080"/>
+                </a:solidFill>
+                <a:effectLst/>
+                <a:latin typeface="Menlo" panose="020B0609030804020204" pitchFamily="49" charset="0"/>
+              </a:rPr>
+              <a:t>/&gt;</a:t>
+            </a:r>
+            <a:endParaRPr lang="en-IN" b="0" dirty="0">
+              <a:solidFill>
+                <a:srgbClr val="EEFFFF"/>
+              </a:solidFill>
+              <a:effectLst/>
+              <a:latin typeface="Menlo" panose="020B0609030804020204" pitchFamily="49" charset="0"/>
+            </a:endParaRPr>
+          </a:p>
+          <a:p>
+            <a:r>
+              <a:rPr lang="en-IN" b="0" dirty="0">
+                <a:solidFill>
+                  <a:srgbClr val="808080"/>
+                </a:solidFill>
+                <a:effectLst/>
+                <a:latin typeface="Menlo" panose="020B0609030804020204" pitchFamily="49" charset="0"/>
+              </a:rPr>
+              <a:t>&lt;</a:t>
+            </a:r>
+            <a:r>
+              <a:rPr lang="en-IN" b="0" dirty="0">
+                <a:solidFill>
+                  <a:srgbClr val="EE8241"/>
+                </a:solidFill>
+                <a:effectLst/>
+                <a:latin typeface="Menlo" panose="020B0609030804020204" pitchFamily="49" charset="0"/>
+              </a:rPr>
+              <a:t>input</a:t>
+            </a:r>
+            <a:r>
+              <a:rPr lang="en-IN" b="0" dirty="0">
+                <a:solidFill>
+                  <a:srgbClr val="EEFFFF"/>
+                </a:solidFill>
+                <a:effectLst/>
+                <a:latin typeface="Menlo" panose="020B0609030804020204" pitchFamily="49" charset="0"/>
+              </a:rPr>
+              <a:t> </a:t>
+            </a:r>
+            <a:r>
+              <a:rPr lang="en-IN" b="0" dirty="0">
+                <a:solidFill>
+                  <a:srgbClr val="9CDCFE"/>
+                </a:solidFill>
+                <a:effectLst/>
+                <a:latin typeface="Menlo" panose="020B0609030804020204" pitchFamily="49" charset="0"/>
+              </a:rPr>
+              <a:t>type</a:t>
+            </a:r>
+            <a:r>
+              <a:rPr lang="en-IN" b="0" dirty="0">
+                <a:solidFill>
+                  <a:srgbClr val="EEFFFF"/>
+                </a:solidFill>
+                <a:effectLst/>
+                <a:latin typeface="Menlo" panose="020B0609030804020204" pitchFamily="49" charset="0"/>
+              </a:rPr>
+              <a:t>=</a:t>
+            </a:r>
+            <a:r>
+              <a:rPr lang="en-IN" b="0" dirty="0">
+                <a:solidFill>
+                  <a:srgbClr val="C99677"/>
+                </a:solidFill>
+                <a:effectLst/>
+                <a:latin typeface="Menlo" panose="020B0609030804020204" pitchFamily="49" charset="0"/>
+              </a:rPr>
+              <a:t>"button"</a:t>
+            </a:r>
+            <a:r>
+              <a:rPr lang="en-IN" b="0" dirty="0">
+                <a:solidFill>
+                  <a:srgbClr val="EEFFFF"/>
+                </a:solidFill>
+                <a:effectLst/>
+                <a:latin typeface="Menlo" panose="020B0609030804020204" pitchFamily="49" charset="0"/>
+              </a:rPr>
+              <a:t> </a:t>
+            </a:r>
+            <a:r>
+              <a:rPr lang="en-IN" b="0" dirty="0">
+                <a:solidFill>
+                  <a:srgbClr val="9CDCFE"/>
+                </a:solidFill>
+                <a:effectLst/>
+                <a:latin typeface="Menlo" panose="020B0609030804020204" pitchFamily="49" charset="0"/>
+              </a:rPr>
+              <a:t>value</a:t>
+            </a:r>
+            <a:r>
+              <a:rPr lang="en-IN" b="0" dirty="0">
+                <a:solidFill>
+                  <a:srgbClr val="EEFFFF"/>
+                </a:solidFill>
+                <a:effectLst/>
+                <a:latin typeface="Menlo" panose="020B0609030804020204" pitchFamily="49" charset="0"/>
+              </a:rPr>
+              <a:t>=</a:t>
+            </a:r>
+            <a:r>
+              <a:rPr lang="en-IN" b="0" dirty="0">
+                <a:solidFill>
+                  <a:srgbClr val="C99677"/>
+                </a:solidFill>
+                <a:effectLst/>
+                <a:latin typeface="Menlo" panose="020B0609030804020204" pitchFamily="49" charset="0"/>
+              </a:rPr>
+              <a:t>"Button 2"</a:t>
+            </a:r>
+            <a:r>
+              <a:rPr lang="en-IN" b="0" dirty="0">
+                <a:solidFill>
+                  <a:srgbClr val="808080"/>
+                </a:solidFill>
+                <a:effectLst/>
+                <a:latin typeface="Menlo" panose="020B0609030804020204" pitchFamily="49" charset="0"/>
+              </a:rPr>
+              <a:t>/&gt;</a:t>
+            </a:r>
+            <a:endParaRPr lang="en-IN" b="0" dirty="0">
+              <a:solidFill>
+                <a:srgbClr val="EEFFFF"/>
+              </a:solidFill>
+              <a:effectLst/>
+              <a:latin typeface="Menlo" panose="020B0609030804020204" pitchFamily="49" charset="0"/>
+            </a:endParaRPr>
+          </a:p>
+          <a:p>
+            <a:r>
+              <a:rPr lang="en-IN" b="0" dirty="0">
+                <a:solidFill>
+                  <a:srgbClr val="808080"/>
+                </a:solidFill>
+                <a:effectLst/>
+                <a:latin typeface="Menlo" panose="020B0609030804020204" pitchFamily="49" charset="0"/>
+              </a:rPr>
+              <a:t>&lt;</a:t>
+            </a:r>
+            <a:r>
+              <a:rPr lang="en-IN" b="0" dirty="0" err="1">
+                <a:solidFill>
+                  <a:srgbClr val="EE8241"/>
+                </a:solidFill>
+                <a:effectLst/>
+                <a:latin typeface="Menlo" panose="020B0609030804020204" pitchFamily="49" charset="0"/>
+              </a:rPr>
+              <a:t>br</a:t>
+            </a:r>
+            <a:r>
+              <a:rPr lang="en-IN" b="0" dirty="0">
+                <a:solidFill>
+                  <a:srgbClr val="808080"/>
+                </a:solidFill>
+                <a:effectLst/>
+                <a:latin typeface="Menlo" panose="020B0609030804020204" pitchFamily="49" charset="0"/>
+              </a:rPr>
+              <a:t>/&gt;</a:t>
+            </a:r>
+            <a:endParaRPr lang="en-IN" b="0" dirty="0">
+              <a:solidFill>
+                <a:srgbClr val="EEFFFF"/>
+              </a:solidFill>
+              <a:effectLst/>
+              <a:latin typeface="Menlo" panose="020B0609030804020204" pitchFamily="49" charset="0"/>
+            </a:endParaRPr>
+          </a:p>
+        </p:txBody>
+      </p:sp>
+      <p:cxnSp>
+        <p:nvCxnSpPr>
+          <p:cNvPr id="12" name="Elbow Connector 11">
+            <a:extLst>
+              <a:ext uri="{FF2B5EF4-FFF2-40B4-BE49-F238E27FC236}">
+                <a16:creationId xmlns:a16="http://schemas.microsoft.com/office/drawing/2014/main" id="{43233DED-462A-C01C-770E-391785B1208F}"/>
+              </a:ext>
+            </a:extLst>
+          </p:cNvPr>
+          <p:cNvCxnSpPr>
+            <a:cxnSpLocks/>
+            <a:endCxn id="10" idx="1"/>
+          </p:cNvCxnSpPr>
+          <p:nvPr/>
+        </p:nvCxnSpPr>
+        <p:spPr>
+          <a:xfrm rot="16200000" flipH="1">
+            <a:off x="4027868" y="3797692"/>
+            <a:ext cx="1712926" cy="412012"/>
+          </a:xfrm>
+          <a:prstGeom prst="bentConnector2">
+            <a:avLst/>
+          </a:prstGeom>
+          <a:ln w="76200">
+            <a:tailEnd type="triangle"/>
+          </a:ln>
+        </p:spPr>
+        <p:style>
+          <a:lnRef idx="1">
+            <a:schemeClr val="accent1"/>
+          </a:lnRef>
+          <a:fillRef idx="0">
+            <a:schemeClr val="accent1"/>
+          </a:fillRef>
+          <a:effectRef idx="0">
+            <a:schemeClr val="accent1"/>
+          </a:effectRef>
+          <a:fontRef idx="minor">
+            <a:schemeClr val="tx1"/>
+          </a:fontRef>
+        </p:style>
+      </p:cxnSp>
+    </p:spTree>
+    <p:extLst>
+      <p:ext uri="{BB962C8B-B14F-4D97-AF65-F5344CB8AC3E}">
+        <p14:creationId xmlns:p14="http://schemas.microsoft.com/office/powerpoint/2010/main" val="4096464305"/>
       </p:ext>
     </p:extLst>
   </p:cSld>

--- a/Training_Presentetions.pptx
+++ b/Training_Presentetions.pptx
@@ -9,6 +9,8 @@
     <p:sldId id="257" r:id="rId3"/>
     <p:sldId id="258" r:id="rId4"/>
     <p:sldId id="259" r:id="rId5"/>
+    <p:sldId id="260" r:id="rId6"/>
+    <p:sldId id="261" r:id="rId7"/>
   </p:sldIdLst>
   <p:sldSz cx="12192000" cy="6858000"/>
   <p:notesSz cx="6858000" cy="9144000"/>
@@ -7616,10 +7618,1612 @@
           </a:fontRef>
         </p:style>
       </p:cxnSp>
+      <p:sp>
+        <p:nvSpPr>
+          <p:cNvPr id="15" name="TextBox 14">
+            <a:extLst>
+              <a:ext uri="{FF2B5EF4-FFF2-40B4-BE49-F238E27FC236}">
+                <a16:creationId xmlns:a16="http://schemas.microsoft.com/office/drawing/2014/main" id="{20A81CD4-51E5-EAC2-E151-DF207DF6F116}"/>
+              </a:ext>
+            </a:extLst>
+          </p:cNvPr>
+          <p:cNvSpPr txBox="1"/>
+          <p:nvPr/>
+        </p:nvSpPr>
+        <p:spPr>
+          <a:xfrm>
+            <a:off x="337584" y="4396020"/>
+            <a:ext cx="4096193" cy="2031325"/>
+          </a:xfrm>
+          <a:prstGeom prst="rect">
+            <a:avLst/>
+          </a:prstGeom>
+          <a:solidFill>
+            <a:srgbClr val="0070C0"/>
+          </a:solidFill>
+        </p:spPr>
+        <p:txBody>
+          <a:bodyPr wrap="square">
+            <a:spAutoFit/>
+          </a:bodyPr>
+          <a:lstStyle/>
+          <a:p>
+            <a:r>
+              <a:rPr lang="en-IN" b="0" dirty="0">
+                <a:solidFill>
+                  <a:srgbClr val="808080"/>
+                </a:solidFill>
+                <a:effectLst/>
+                <a:latin typeface="Menlo" panose="020B0609030804020204" pitchFamily="49" charset="0"/>
+              </a:rPr>
+              <a:t>&lt;</a:t>
+            </a:r>
+            <a:r>
+              <a:rPr lang="en-IN" b="0" dirty="0">
+                <a:solidFill>
+                  <a:srgbClr val="EE8241"/>
+                </a:solidFill>
+                <a:effectLst/>
+                <a:latin typeface="Menlo" panose="020B0609030804020204" pitchFamily="49" charset="0"/>
+              </a:rPr>
+              <a:t>input</a:t>
+            </a:r>
+            <a:r>
+              <a:rPr lang="en-IN" b="0" dirty="0">
+                <a:solidFill>
+                  <a:srgbClr val="EEFFFF"/>
+                </a:solidFill>
+                <a:effectLst/>
+                <a:latin typeface="Menlo" panose="020B0609030804020204" pitchFamily="49" charset="0"/>
+              </a:rPr>
+              <a:t> </a:t>
+            </a:r>
+            <a:r>
+              <a:rPr lang="en-IN" b="0" dirty="0">
+                <a:solidFill>
+                  <a:srgbClr val="9CDCFE"/>
+                </a:solidFill>
+                <a:effectLst/>
+                <a:latin typeface="Menlo" panose="020B0609030804020204" pitchFamily="49" charset="0"/>
+              </a:rPr>
+              <a:t>type</a:t>
+            </a:r>
+            <a:r>
+              <a:rPr lang="en-IN" b="0" dirty="0">
+                <a:solidFill>
+                  <a:srgbClr val="EEFFFF"/>
+                </a:solidFill>
+                <a:effectLst/>
+                <a:latin typeface="Menlo" panose="020B0609030804020204" pitchFamily="49" charset="0"/>
+              </a:rPr>
+              <a:t>=</a:t>
+            </a:r>
+            <a:r>
+              <a:rPr lang="en-IN" b="0" dirty="0">
+                <a:solidFill>
+                  <a:srgbClr val="C99677"/>
+                </a:solidFill>
+                <a:effectLst/>
+                <a:latin typeface="Menlo" panose="020B0609030804020204" pitchFamily="49" charset="0"/>
+              </a:rPr>
+              <a:t>"button"</a:t>
+            </a:r>
+            <a:r>
+              <a:rPr lang="en-IN" b="0" dirty="0">
+                <a:solidFill>
+                  <a:srgbClr val="EEFFFF"/>
+                </a:solidFill>
+                <a:effectLst/>
+                <a:latin typeface="Menlo" panose="020B0609030804020204" pitchFamily="49" charset="0"/>
+              </a:rPr>
+              <a:t> </a:t>
+            </a:r>
+            <a:r>
+              <a:rPr lang="en-IN" b="0" dirty="0">
+                <a:solidFill>
+                  <a:srgbClr val="9CDCFE"/>
+                </a:solidFill>
+                <a:effectLst/>
+                <a:latin typeface="Menlo" panose="020B0609030804020204" pitchFamily="49" charset="0"/>
+              </a:rPr>
+              <a:t>value</a:t>
+            </a:r>
+            <a:r>
+              <a:rPr lang="en-IN" b="0" dirty="0">
+                <a:solidFill>
+                  <a:srgbClr val="EEFFFF"/>
+                </a:solidFill>
+                <a:effectLst/>
+                <a:latin typeface="Menlo" panose="020B0609030804020204" pitchFamily="49" charset="0"/>
+              </a:rPr>
+              <a:t>=</a:t>
+            </a:r>
+            <a:r>
+              <a:rPr lang="en-IN" b="0" dirty="0">
+                <a:solidFill>
+                  <a:srgbClr val="C99677"/>
+                </a:solidFill>
+                <a:effectLst/>
+                <a:latin typeface="Menlo" panose="020B0609030804020204" pitchFamily="49" charset="0"/>
+              </a:rPr>
+              <a:t>"Button 1"</a:t>
+            </a:r>
+            <a:endParaRPr lang="en-IN" b="0" dirty="0">
+              <a:solidFill>
+                <a:srgbClr val="EEFFFF"/>
+              </a:solidFill>
+              <a:effectLst/>
+              <a:latin typeface="Menlo" panose="020B0609030804020204" pitchFamily="49" charset="0"/>
+            </a:endParaRPr>
+          </a:p>
+          <a:p>
+            <a:r>
+              <a:rPr lang="en-IN" b="0" dirty="0">
+                <a:solidFill>
+                  <a:srgbClr val="9CDCFE"/>
+                </a:solidFill>
+                <a:effectLst/>
+                <a:latin typeface="Menlo" panose="020B0609030804020204" pitchFamily="49" charset="0"/>
+              </a:rPr>
+              <a:t>class</a:t>
+            </a:r>
+            <a:r>
+              <a:rPr lang="en-IN" b="0" dirty="0">
+                <a:solidFill>
+                  <a:srgbClr val="EEFFFF"/>
+                </a:solidFill>
+                <a:effectLst/>
+                <a:latin typeface="Menlo" panose="020B0609030804020204" pitchFamily="49" charset="0"/>
+              </a:rPr>
+              <a:t>=</a:t>
+            </a:r>
+            <a:r>
+              <a:rPr lang="en-IN" b="0" dirty="0">
+                <a:solidFill>
+                  <a:srgbClr val="C99677"/>
+                </a:solidFill>
+                <a:effectLst/>
+                <a:latin typeface="Menlo" panose="020B0609030804020204" pitchFamily="49" charset="0"/>
+              </a:rPr>
+              <a:t>"b1"</a:t>
+            </a:r>
+            <a:r>
+              <a:rPr lang="en-IN" b="0" dirty="0">
+                <a:solidFill>
+                  <a:srgbClr val="808080"/>
+                </a:solidFill>
+                <a:effectLst/>
+                <a:latin typeface="Menlo" panose="020B0609030804020204" pitchFamily="49" charset="0"/>
+              </a:rPr>
+              <a:t>/&gt;</a:t>
+            </a:r>
+            <a:endParaRPr lang="en-IN" b="0" dirty="0">
+              <a:solidFill>
+                <a:srgbClr val="EEFFFF"/>
+              </a:solidFill>
+              <a:effectLst/>
+              <a:latin typeface="Menlo" panose="020B0609030804020204" pitchFamily="49" charset="0"/>
+            </a:endParaRPr>
+          </a:p>
+          <a:p>
+            <a:r>
+              <a:rPr lang="en-IN" b="0" dirty="0">
+                <a:solidFill>
+                  <a:srgbClr val="808080"/>
+                </a:solidFill>
+                <a:effectLst/>
+                <a:latin typeface="Menlo" panose="020B0609030804020204" pitchFamily="49" charset="0"/>
+              </a:rPr>
+              <a:t>&lt;</a:t>
+            </a:r>
+            <a:r>
+              <a:rPr lang="en-IN" b="0" dirty="0" err="1">
+                <a:solidFill>
+                  <a:srgbClr val="EE8241"/>
+                </a:solidFill>
+                <a:effectLst/>
+                <a:latin typeface="Menlo" panose="020B0609030804020204" pitchFamily="49" charset="0"/>
+              </a:rPr>
+              <a:t>br</a:t>
+            </a:r>
+            <a:r>
+              <a:rPr lang="en-IN" b="0" dirty="0">
+                <a:solidFill>
+                  <a:srgbClr val="808080"/>
+                </a:solidFill>
+                <a:effectLst/>
+                <a:latin typeface="Menlo" panose="020B0609030804020204" pitchFamily="49" charset="0"/>
+              </a:rPr>
+              <a:t>/&gt;</a:t>
+            </a:r>
+            <a:endParaRPr lang="en-IN" b="0" dirty="0">
+              <a:solidFill>
+                <a:srgbClr val="EEFFFF"/>
+              </a:solidFill>
+              <a:effectLst/>
+              <a:latin typeface="Menlo" panose="020B0609030804020204" pitchFamily="49" charset="0"/>
+            </a:endParaRPr>
+          </a:p>
+          <a:p>
+            <a:r>
+              <a:rPr lang="en-IN" b="0" dirty="0">
+                <a:solidFill>
+                  <a:srgbClr val="808080"/>
+                </a:solidFill>
+                <a:effectLst/>
+                <a:latin typeface="Menlo" panose="020B0609030804020204" pitchFamily="49" charset="0"/>
+              </a:rPr>
+              <a:t>&lt;</a:t>
+            </a:r>
+            <a:r>
+              <a:rPr lang="en-IN" b="0" dirty="0">
+                <a:solidFill>
+                  <a:srgbClr val="EE8241"/>
+                </a:solidFill>
+                <a:effectLst/>
+                <a:latin typeface="Menlo" panose="020B0609030804020204" pitchFamily="49" charset="0"/>
+              </a:rPr>
+              <a:t>input</a:t>
+            </a:r>
+            <a:r>
+              <a:rPr lang="en-IN" b="0" dirty="0">
+                <a:solidFill>
+                  <a:srgbClr val="EEFFFF"/>
+                </a:solidFill>
+                <a:effectLst/>
+                <a:latin typeface="Menlo" panose="020B0609030804020204" pitchFamily="49" charset="0"/>
+              </a:rPr>
+              <a:t> </a:t>
+            </a:r>
+            <a:r>
+              <a:rPr lang="en-IN" b="0" dirty="0">
+                <a:solidFill>
+                  <a:srgbClr val="9CDCFE"/>
+                </a:solidFill>
+                <a:effectLst/>
+                <a:latin typeface="Menlo" panose="020B0609030804020204" pitchFamily="49" charset="0"/>
+              </a:rPr>
+              <a:t>type</a:t>
+            </a:r>
+            <a:r>
+              <a:rPr lang="en-IN" b="0" dirty="0">
+                <a:solidFill>
+                  <a:srgbClr val="EEFFFF"/>
+                </a:solidFill>
+                <a:effectLst/>
+                <a:latin typeface="Menlo" panose="020B0609030804020204" pitchFamily="49" charset="0"/>
+              </a:rPr>
+              <a:t>=</a:t>
+            </a:r>
+            <a:r>
+              <a:rPr lang="en-IN" b="0" dirty="0">
+                <a:solidFill>
+                  <a:srgbClr val="C99677"/>
+                </a:solidFill>
+                <a:effectLst/>
+                <a:latin typeface="Menlo" panose="020B0609030804020204" pitchFamily="49" charset="0"/>
+              </a:rPr>
+              <a:t>"button"</a:t>
+            </a:r>
+            <a:r>
+              <a:rPr lang="en-IN" b="0" dirty="0">
+                <a:solidFill>
+                  <a:srgbClr val="EEFFFF"/>
+                </a:solidFill>
+                <a:effectLst/>
+                <a:latin typeface="Menlo" panose="020B0609030804020204" pitchFamily="49" charset="0"/>
+              </a:rPr>
+              <a:t> </a:t>
+            </a:r>
+            <a:r>
+              <a:rPr lang="en-IN" b="0" dirty="0">
+                <a:solidFill>
+                  <a:srgbClr val="9CDCFE"/>
+                </a:solidFill>
+                <a:effectLst/>
+                <a:latin typeface="Menlo" panose="020B0609030804020204" pitchFamily="49" charset="0"/>
+              </a:rPr>
+              <a:t>value</a:t>
+            </a:r>
+            <a:r>
+              <a:rPr lang="en-IN" b="0" dirty="0">
+                <a:solidFill>
+                  <a:srgbClr val="EEFFFF"/>
+                </a:solidFill>
+                <a:effectLst/>
+                <a:latin typeface="Menlo" panose="020B0609030804020204" pitchFamily="49" charset="0"/>
+              </a:rPr>
+              <a:t>=</a:t>
+            </a:r>
+            <a:r>
+              <a:rPr lang="en-IN" b="0" dirty="0">
+                <a:solidFill>
+                  <a:srgbClr val="C99677"/>
+                </a:solidFill>
+                <a:effectLst/>
+                <a:latin typeface="Menlo" panose="020B0609030804020204" pitchFamily="49" charset="0"/>
+              </a:rPr>
+              <a:t>"Button 2"</a:t>
+            </a:r>
+            <a:endParaRPr lang="en-IN" b="0" dirty="0">
+              <a:solidFill>
+                <a:srgbClr val="EEFFFF"/>
+              </a:solidFill>
+              <a:effectLst/>
+              <a:latin typeface="Menlo" panose="020B0609030804020204" pitchFamily="49" charset="0"/>
+            </a:endParaRPr>
+          </a:p>
+          <a:p>
+            <a:r>
+              <a:rPr lang="en-IN" b="0" dirty="0">
+                <a:solidFill>
+                  <a:srgbClr val="9CDCFE"/>
+                </a:solidFill>
+                <a:effectLst/>
+                <a:latin typeface="Menlo" panose="020B0609030804020204" pitchFamily="49" charset="0"/>
+              </a:rPr>
+              <a:t>class</a:t>
+            </a:r>
+            <a:r>
+              <a:rPr lang="en-IN" b="0" dirty="0">
+                <a:solidFill>
+                  <a:srgbClr val="EEFFFF"/>
+                </a:solidFill>
+                <a:effectLst/>
+                <a:latin typeface="Menlo" panose="020B0609030804020204" pitchFamily="49" charset="0"/>
+              </a:rPr>
+              <a:t>=</a:t>
+            </a:r>
+            <a:r>
+              <a:rPr lang="en-IN" b="0" dirty="0">
+                <a:solidFill>
+                  <a:srgbClr val="C99677"/>
+                </a:solidFill>
+                <a:effectLst/>
+                <a:latin typeface="Menlo" panose="020B0609030804020204" pitchFamily="49" charset="0"/>
+              </a:rPr>
+              <a:t>"b1"</a:t>
+            </a:r>
+            <a:r>
+              <a:rPr lang="en-IN" b="0" dirty="0">
+                <a:solidFill>
+                  <a:srgbClr val="808080"/>
+                </a:solidFill>
+                <a:effectLst/>
+                <a:latin typeface="Menlo" panose="020B0609030804020204" pitchFamily="49" charset="0"/>
+              </a:rPr>
+              <a:t>/&gt;</a:t>
+            </a:r>
+            <a:endParaRPr lang="en-IN" b="0" dirty="0">
+              <a:solidFill>
+                <a:srgbClr val="EEFFFF"/>
+              </a:solidFill>
+              <a:effectLst/>
+              <a:latin typeface="Menlo" panose="020B0609030804020204" pitchFamily="49" charset="0"/>
+            </a:endParaRPr>
+          </a:p>
+        </p:txBody>
+      </p:sp>
+      <p:cxnSp>
+        <p:nvCxnSpPr>
+          <p:cNvPr id="17" name="Elbow Connector 16">
+            <a:extLst>
+              <a:ext uri="{FF2B5EF4-FFF2-40B4-BE49-F238E27FC236}">
+                <a16:creationId xmlns:a16="http://schemas.microsoft.com/office/drawing/2014/main" id="{FC0FE267-92DA-67D2-6859-28E7701367B5}"/>
+              </a:ext>
+            </a:extLst>
+          </p:cNvPr>
+          <p:cNvCxnSpPr>
+            <a:endCxn id="15" idx="0"/>
+          </p:cNvCxnSpPr>
+          <p:nvPr/>
+        </p:nvCxnSpPr>
+        <p:spPr>
+          <a:xfrm rot="16200000" flipH="1">
+            <a:off x="642877" y="2653215"/>
+            <a:ext cx="2088755" cy="1396853"/>
+          </a:xfrm>
+          <a:prstGeom prst="bentConnector3">
+            <a:avLst/>
+          </a:prstGeom>
+          <a:ln w="76200">
+            <a:tailEnd type="triangle"/>
+          </a:ln>
+        </p:spPr>
+        <p:style>
+          <a:lnRef idx="1">
+            <a:schemeClr val="accent1"/>
+          </a:lnRef>
+          <a:fillRef idx="0">
+            <a:schemeClr val="accent1"/>
+          </a:fillRef>
+          <a:effectRef idx="0">
+            <a:schemeClr val="accent1"/>
+          </a:effectRef>
+          <a:fontRef idx="minor">
+            <a:schemeClr val="tx1"/>
+          </a:fontRef>
+        </p:style>
+      </p:cxnSp>
     </p:spTree>
     <p:extLst>
       <p:ext uri="{BB962C8B-B14F-4D97-AF65-F5344CB8AC3E}">
         <p14:creationId xmlns:p14="http://schemas.microsoft.com/office/powerpoint/2010/main" val="4096464305"/>
+      </p:ext>
+    </p:extLst>
+  </p:cSld>
+  <p:clrMapOvr>
+    <a:masterClrMapping/>
+  </p:clrMapOvr>
+</p:sld>
+</file>
+
+<file path=ppt/slides/slide5.xml><?xml version="1.0" encoding="utf-8"?>
+<p:sld xmlns:a="http://schemas.openxmlformats.org/drawingml/2006/main" xmlns:r="http://schemas.openxmlformats.org/officeDocument/2006/relationships" xmlns:p="http://schemas.openxmlformats.org/presentationml/2006/main">
+  <p:cSld>
+    <p:spTree>
+      <p:nvGrpSpPr>
+        <p:cNvPr id="1" name=""/>
+        <p:cNvGrpSpPr/>
+        <p:nvPr/>
+      </p:nvGrpSpPr>
+      <p:grpSpPr>
+        <a:xfrm>
+          <a:off x="0" y="0"/>
+          <a:ext cx="0" cy="0"/>
+          <a:chOff x="0" y="0"/>
+          <a:chExt cx="0" cy="0"/>
+        </a:xfrm>
+      </p:grpSpPr>
+      <p:sp>
+        <p:nvSpPr>
+          <p:cNvPr id="2" name="Rectangle 1">
+            <a:extLst>
+              <a:ext uri="{FF2B5EF4-FFF2-40B4-BE49-F238E27FC236}">
+                <a16:creationId xmlns:a16="http://schemas.microsoft.com/office/drawing/2014/main" id="{B1B6C1D0-1D27-9EE8-2E7A-157CEEDF1591}"/>
+              </a:ext>
+            </a:extLst>
+          </p:cNvPr>
+          <p:cNvSpPr/>
+          <p:nvPr/>
+        </p:nvSpPr>
+        <p:spPr>
+          <a:xfrm>
+            <a:off x="435935" y="510363"/>
+            <a:ext cx="11206716" cy="6071190"/>
+          </a:xfrm>
+          <a:prstGeom prst="rect">
+            <a:avLst/>
+          </a:prstGeom>
+        </p:spPr>
+        <p:style>
+          <a:lnRef idx="1">
+            <a:schemeClr val="accent3"/>
+          </a:lnRef>
+          <a:fillRef idx="2">
+            <a:schemeClr val="accent3"/>
+          </a:fillRef>
+          <a:effectRef idx="1">
+            <a:schemeClr val="accent3"/>
+          </a:effectRef>
+          <a:fontRef idx="minor">
+            <a:schemeClr val="dk1"/>
+          </a:fontRef>
+        </p:style>
+        <p:txBody>
+          <a:bodyPr rtlCol="0" anchor="ctr"/>
+          <a:lstStyle/>
+          <a:p>
+            <a:pPr algn="ctr"/>
+            <a:endParaRPr lang="en-US"/>
+          </a:p>
+        </p:txBody>
+      </p:sp>
+      <p:sp>
+        <p:nvSpPr>
+          <p:cNvPr id="3" name="TextBox 2">
+            <a:extLst>
+              <a:ext uri="{FF2B5EF4-FFF2-40B4-BE49-F238E27FC236}">
+                <a16:creationId xmlns:a16="http://schemas.microsoft.com/office/drawing/2014/main" id="{286A5FDC-4E55-AFE1-0CAF-8DEAAEF416DA}"/>
+              </a:ext>
+            </a:extLst>
+          </p:cNvPr>
+          <p:cNvSpPr txBox="1"/>
+          <p:nvPr/>
+        </p:nvSpPr>
+        <p:spPr>
+          <a:xfrm>
+            <a:off x="265814" y="116958"/>
+            <a:ext cx="2030819" cy="369332"/>
+          </a:xfrm>
+          <a:prstGeom prst="rect">
+            <a:avLst/>
+          </a:prstGeom>
+          <a:noFill/>
+        </p:spPr>
+        <p:txBody>
+          <a:bodyPr wrap="square" rtlCol="0">
+            <a:spAutoFit/>
+          </a:bodyPr>
+          <a:lstStyle/>
+          <a:p>
+            <a:r>
+              <a:rPr lang="en-US" dirty="0"/>
+              <a:t>Browsers</a:t>
+            </a:r>
+          </a:p>
+        </p:txBody>
+      </p:sp>
+      <p:sp>
+        <p:nvSpPr>
+          <p:cNvPr id="4" name="Rectangle 3">
+            <a:extLst>
+              <a:ext uri="{FF2B5EF4-FFF2-40B4-BE49-F238E27FC236}">
+                <a16:creationId xmlns:a16="http://schemas.microsoft.com/office/drawing/2014/main" id="{1369CA38-ABEE-7706-7471-7EC5E65A9F35}"/>
+              </a:ext>
+            </a:extLst>
+          </p:cNvPr>
+          <p:cNvSpPr/>
+          <p:nvPr/>
+        </p:nvSpPr>
+        <p:spPr>
+          <a:xfrm>
+            <a:off x="712381" y="606056"/>
+            <a:ext cx="467833" cy="5741581"/>
+          </a:xfrm>
+          <a:prstGeom prst="rect">
+            <a:avLst/>
+          </a:prstGeom>
+        </p:spPr>
+        <p:style>
+          <a:lnRef idx="2">
+            <a:schemeClr val="accent1">
+              <a:shade val="15000"/>
+            </a:schemeClr>
+          </a:lnRef>
+          <a:fillRef idx="1">
+            <a:schemeClr val="accent1"/>
+          </a:fillRef>
+          <a:effectRef idx="0">
+            <a:schemeClr val="accent1"/>
+          </a:effectRef>
+          <a:fontRef idx="minor">
+            <a:schemeClr val="lt1"/>
+          </a:fontRef>
+        </p:style>
+        <p:txBody>
+          <a:bodyPr rtlCol="0" anchor="ctr"/>
+          <a:lstStyle/>
+          <a:p>
+            <a:pPr algn="ctr"/>
+            <a:r>
+              <a:rPr lang="en-US" dirty="0"/>
+              <a:t>M</a:t>
+            </a:r>
+          </a:p>
+          <a:p>
+            <a:pPr algn="ctr"/>
+            <a:endParaRPr lang="en-US" dirty="0"/>
+          </a:p>
+          <a:p>
+            <a:pPr algn="ctr"/>
+            <a:r>
+              <a:rPr lang="en-US" dirty="0"/>
+              <a:t>O</a:t>
+            </a:r>
+          </a:p>
+          <a:p>
+            <a:pPr algn="ctr"/>
+            <a:endParaRPr lang="en-US" dirty="0"/>
+          </a:p>
+          <a:p>
+            <a:pPr algn="ctr"/>
+            <a:r>
+              <a:rPr lang="en-US" dirty="0"/>
+              <a:t>U</a:t>
+            </a:r>
+          </a:p>
+          <a:p>
+            <a:pPr algn="ctr"/>
+            <a:br>
+              <a:rPr lang="en-US" dirty="0"/>
+            </a:br>
+            <a:r>
+              <a:rPr lang="en-US" dirty="0"/>
+              <a:t>N</a:t>
+            </a:r>
+          </a:p>
+          <a:p>
+            <a:pPr algn="ctr"/>
+            <a:endParaRPr lang="en-US" dirty="0"/>
+          </a:p>
+          <a:p>
+            <a:pPr algn="ctr"/>
+            <a:r>
+              <a:rPr lang="en-US" dirty="0"/>
+              <a:t>T</a:t>
+            </a:r>
+          </a:p>
+        </p:txBody>
+      </p:sp>
+      <p:sp>
+        <p:nvSpPr>
+          <p:cNvPr id="5" name="Rectangle 4">
+            <a:extLst>
+              <a:ext uri="{FF2B5EF4-FFF2-40B4-BE49-F238E27FC236}">
+                <a16:creationId xmlns:a16="http://schemas.microsoft.com/office/drawing/2014/main" id="{AB0F5B62-7EB5-8AF5-808E-C4D68DCBAB0B}"/>
+              </a:ext>
+            </a:extLst>
+          </p:cNvPr>
+          <p:cNvSpPr/>
+          <p:nvPr/>
+        </p:nvSpPr>
+        <p:spPr>
+          <a:xfrm>
+            <a:off x="1871330" y="861237"/>
+            <a:ext cx="8856921" cy="5486400"/>
+          </a:xfrm>
+          <a:prstGeom prst="rect">
+            <a:avLst/>
+          </a:prstGeom>
+        </p:spPr>
+        <p:style>
+          <a:lnRef idx="2">
+            <a:schemeClr val="accent3"/>
+          </a:lnRef>
+          <a:fillRef idx="1">
+            <a:schemeClr val="lt1"/>
+          </a:fillRef>
+          <a:effectRef idx="0">
+            <a:schemeClr val="accent3"/>
+          </a:effectRef>
+          <a:fontRef idx="minor">
+            <a:schemeClr val="dk1"/>
+          </a:fontRef>
+        </p:style>
+        <p:txBody>
+          <a:bodyPr rtlCol="0" anchor="ctr"/>
+          <a:lstStyle/>
+          <a:p>
+            <a:pPr algn="ctr"/>
+            <a:endParaRPr lang="en-US"/>
+          </a:p>
+        </p:txBody>
+      </p:sp>
+      <p:sp>
+        <p:nvSpPr>
+          <p:cNvPr id="6" name="TextBox 5">
+            <a:extLst>
+              <a:ext uri="{FF2B5EF4-FFF2-40B4-BE49-F238E27FC236}">
+                <a16:creationId xmlns:a16="http://schemas.microsoft.com/office/drawing/2014/main" id="{71327DF2-F783-4EA1-1551-5B0C1035ECC0}"/>
+              </a:ext>
+            </a:extLst>
+          </p:cNvPr>
+          <p:cNvSpPr txBox="1"/>
+          <p:nvPr/>
+        </p:nvSpPr>
+        <p:spPr>
+          <a:xfrm>
+            <a:off x="2094614" y="1116419"/>
+            <a:ext cx="2264735" cy="369332"/>
+          </a:xfrm>
+          <a:prstGeom prst="rect">
+            <a:avLst/>
+          </a:prstGeom>
+          <a:noFill/>
+        </p:spPr>
+        <p:txBody>
+          <a:bodyPr wrap="square" rtlCol="0">
+            <a:spAutoFit/>
+          </a:bodyPr>
+          <a:lstStyle/>
+          <a:p>
+            <a:r>
+              <a:rPr lang="en-US" dirty="0"/>
+              <a:t>Static HTML div</a:t>
+            </a:r>
+          </a:p>
+        </p:txBody>
+      </p:sp>
+      <p:sp>
+        <p:nvSpPr>
+          <p:cNvPr id="7" name="Rounded Rectangle 6">
+            <a:extLst>
+              <a:ext uri="{FF2B5EF4-FFF2-40B4-BE49-F238E27FC236}">
+                <a16:creationId xmlns:a16="http://schemas.microsoft.com/office/drawing/2014/main" id="{EDD6AEB1-56DD-FE7F-029C-A60E3EE98481}"/>
+              </a:ext>
+            </a:extLst>
+          </p:cNvPr>
+          <p:cNvSpPr/>
+          <p:nvPr/>
+        </p:nvSpPr>
+        <p:spPr>
+          <a:xfrm>
+            <a:off x="1977656" y="1648047"/>
+            <a:ext cx="978195" cy="637953"/>
+          </a:xfrm>
+          <a:prstGeom prst="roundRect">
+            <a:avLst/>
+          </a:prstGeom>
+        </p:spPr>
+        <p:style>
+          <a:lnRef idx="2">
+            <a:schemeClr val="accent1">
+              <a:shade val="15000"/>
+            </a:schemeClr>
+          </a:lnRef>
+          <a:fillRef idx="1">
+            <a:schemeClr val="accent1"/>
+          </a:fillRef>
+          <a:effectRef idx="0">
+            <a:schemeClr val="accent1"/>
+          </a:effectRef>
+          <a:fontRef idx="minor">
+            <a:schemeClr val="lt1"/>
+          </a:fontRef>
+        </p:style>
+        <p:txBody>
+          <a:bodyPr rtlCol="0" anchor="ctr"/>
+          <a:lstStyle/>
+          <a:p>
+            <a:pPr algn="ctr"/>
+            <a:r>
+              <a:rPr lang="en-US" dirty="0"/>
+              <a:t>B1</a:t>
+            </a:r>
+          </a:p>
+        </p:txBody>
+      </p:sp>
+      <p:sp>
+        <p:nvSpPr>
+          <p:cNvPr id="8" name="Rounded Rectangle 7">
+            <a:extLst>
+              <a:ext uri="{FF2B5EF4-FFF2-40B4-BE49-F238E27FC236}">
+                <a16:creationId xmlns:a16="http://schemas.microsoft.com/office/drawing/2014/main" id="{C9D45289-5392-89F2-A879-58A03D96294C}"/>
+              </a:ext>
+            </a:extLst>
+          </p:cNvPr>
+          <p:cNvSpPr/>
+          <p:nvPr/>
+        </p:nvSpPr>
+        <p:spPr>
+          <a:xfrm>
+            <a:off x="3226981" y="1648046"/>
+            <a:ext cx="978195" cy="637953"/>
+          </a:xfrm>
+          <a:prstGeom prst="roundRect">
+            <a:avLst/>
+          </a:prstGeom>
+        </p:spPr>
+        <p:style>
+          <a:lnRef idx="2">
+            <a:schemeClr val="accent1">
+              <a:shade val="15000"/>
+            </a:schemeClr>
+          </a:lnRef>
+          <a:fillRef idx="1">
+            <a:schemeClr val="accent1"/>
+          </a:fillRef>
+          <a:effectRef idx="0">
+            <a:schemeClr val="accent1"/>
+          </a:effectRef>
+          <a:fontRef idx="minor">
+            <a:schemeClr val="lt1"/>
+          </a:fontRef>
+        </p:style>
+        <p:txBody>
+          <a:bodyPr rtlCol="0" anchor="ctr"/>
+          <a:lstStyle/>
+          <a:p>
+            <a:pPr algn="ctr"/>
+            <a:r>
+              <a:rPr lang="en-US" dirty="0"/>
+              <a:t>B2</a:t>
+            </a:r>
+          </a:p>
+        </p:txBody>
+      </p:sp>
+      <p:sp>
+        <p:nvSpPr>
+          <p:cNvPr id="9" name="Rounded Rectangle 8">
+            <a:extLst>
+              <a:ext uri="{FF2B5EF4-FFF2-40B4-BE49-F238E27FC236}">
+                <a16:creationId xmlns:a16="http://schemas.microsoft.com/office/drawing/2014/main" id="{68BECDF5-0F00-51D7-AAA7-63E2F7FD98C5}"/>
+              </a:ext>
+            </a:extLst>
+          </p:cNvPr>
+          <p:cNvSpPr/>
+          <p:nvPr/>
+        </p:nvSpPr>
+        <p:spPr>
+          <a:xfrm>
+            <a:off x="4478966" y="1648047"/>
+            <a:ext cx="978195" cy="637953"/>
+          </a:xfrm>
+          <a:prstGeom prst="roundRect">
+            <a:avLst/>
+          </a:prstGeom>
+        </p:spPr>
+        <p:style>
+          <a:lnRef idx="2">
+            <a:schemeClr val="accent1">
+              <a:shade val="15000"/>
+            </a:schemeClr>
+          </a:lnRef>
+          <a:fillRef idx="1">
+            <a:schemeClr val="accent1"/>
+          </a:fillRef>
+          <a:effectRef idx="0">
+            <a:schemeClr val="accent1"/>
+          </a:effectRef>
+          <a:fontRef idx="minor">
+            <a:schemeClr val="lt1"/>
+          </a:fontRef>
+        </p:style>
+        <p:txBody>
+          <a:bodyPr rtlCol="0" anchor="ctr"/>
+          <a:lstStyle/>
+          <a:p>
+            <a:pPr algn="ctr"/>
+            <a:r>
+              <a:rPr lang="en-US" dirty="0"/>
+              <a:t>B3</a:t>
+            </a:r>
+          </a:p>
+        </p:txBody>
+      </p:sp>
+      <p:sp>
+        <p:nvSpPr>
+          <p:cNvPr id="10" name="Rounded Rectangle 9">
+            <a:extLst>
+              <a:ext uri="{FF2B5EF4-FFF2-40B4-BE49-F238E27FC236}">
+                <a16:creationId xmlns:a16="http://schemas.microsoft.com/office/drawing/2014/main" id="{857C7010-9665-C226-5C10-90590B69E69F}"/>
+              </a:ext>
+            </a:extLst>
+          </p:cNvPr>
+          <p:cNvSpPr/>
+          <p:nvPr/>
+        </p:nvSpPr>
+        <p:spPr>
+          <a:xfrm>
+            <a:off x="5728291" y="1648046"/>
+            <a:ext cx="978195" cy="637953"/>
+          </a:xfrm>
+          <a:prstGeom prst="roundRect">
+            <a:avLst/>
+          </a:prstGeom>
+        </p:spPr>
+        <p:style>
+          <a:lnRef idx="2">
+            <a:schemeClr val="accent1">
+              <a:shade val="15000"/>
+            </a:schemeClr>
+          </a:lnRef>
+          <a:fillRef idx="1">
+            <a:schemeClr val="accent1"/>
+          </a:fillRef>
+          <a:effectRef idx="0">
+            <a:schemeClr val="accent1"/>
+          </a:effectRef>
+          <a:fontRef idx="minor">
+            <a:schemeClr val="lt1"/>
+          </a:fontRef>
+        </p:style>
+        <p:txBody>
+          <a:bodyPr rtlCol="0" anchor="ctr"/>
+          <a:lstStyle/>
+          <a:p>
+            <a:pPr algn="ctr"/>
+            <a:r>
+              <a:rPr lang="en-US" dirty="0"/>
+              <a:t>B4</a:t>
+            </a:r>
+          </a:p>
+        </p:txBody>
+      </p:sp>
+      <p:sp>
+        <p:nvSpPr>
+          <p:cNvPr id="11" name="TextBox 10">
+            <a:extLst>
+              <a:ext uri="{FF2B5EF4-FFF2-40B4-BE49-F238E27FC236}">
+                <a16:creationId xmlns:a16="http://schemas.microsoft.com/office/drawing/2014/main" id="{97088996-2F67-3733-941D-4550888EE0FA}"/>
+              </a:ext>
+            </a:extLst>
+          </p:cNvPr>
+          <p:cNvSpPr txBox="1"/>
+          <p:nvPr/>
+        </p:nvSpPr>
+        <p:spPr>
+          <a:xfrm>
+            <a:off x="7187609" y="1648046"/>
+            <a:ext cx="3026735" cy="369332"/>
+          </a:xfrm>
+          <a:prstGeom prst="rect">
+            <a:avLst/>
+          </a:prstGeom>
+          <a:noFill/>
+        </p:spPr>
+        <p:txBody>
+          <a:bodyPr wrap="square" rtlCol="0">
+            <a:spAutoFit/>
+          </a:bodyPr>
+          <a:lstStyle/>
+          <a:p>
+            <a:r>
+              <a:rPr lang="en-US" dirty="0"/>
+              <a:t>#b1 #b2 #b3……</a:t>
+            </a:r>
+          </a:p>
+        </p:txBody>
+      </p:sp>
+      <p:sp>
+        <p:nvSpPr>
+          <p:cNvPr id="12" name="Rectangle 11">
+            <a:extLst>
+              <a:ext uri="{FF2B5EF4-FFF2-40B4-BE49-F238E27FC236}">
+                <a16:creationId xmlns:a16="http://schemas.microsoft.com/office/drawing/2014/main" id="{C508253E-0454-9993-AF0D-089C7A4A05C9}"/>
+              </a:ext>
+            </a:extLst>
+          </p:cNvPr>
+          <p:cNvSpPr/>
+          <p:nvPr/>
+        </p:nvSpPr>
+        <p:spPr>
+          <a:xfrm>
+            <a:off x="2199169" y="2828259"/>
+            <a:ext cx="3123312" cy="3019646"/>
+          </a:xfrm>
+          <a:prstGeom prst="rect">
+            <a:avLst/>
+          </a:prstGeom>
+        </p:spPr>
+        <p:style>
+          <a:lnRef idx="1">
+            <a:schemeClr val="accent4"/>
+          </a:lnRef>
+          <a:fillRef idx="2">
+            <a:schemeClr val="accent4"/>
+          </a:fillRef>
+          <a:effectRef idx="1">
+            <a:schemeClr val="accent4"/>
+          </a:effectRef>
+          <a:fontRef idx="minor">
+            <a:schemeClr val="dk1"/>
+          </a:fontRef>
+        </p:style>
+        <p:txBody>
+          <a:bodyPr rtlCol="0" anchor="ctr"/>
+          <a:lstStyle/>
+          <a:p>
+            <a:r>
+              <a:rPr lang="en-US" dirty="0"/>
+              <a:t>&lt;h1&gt;HEADER 1&lt;/h1&gt;</a:t>
+            </a:r>
+          </a:p>
+        </p:txBody>
+      </p:sp>
+      <p:sp>
+        <p:nvSpPr>
+          <p:cNvPr id="13" name="TextBox 12">
+            <a:extLst>
+              <a:ext uri="{FF2B5EF4-FFF2-40B4-BE49-F238E27FC236}">
+                <a16:creationId xmlns:a16="http://schemas.microsoft.com/office/drawing/2014/main" id="{CF74F3F1-9E69-C64F-304D-357214259079}"/>
+              </a:ext>
+            </a:extLst>
+          </p:cNvPr>
+          <p:cNvSpPr txBox="1"/>
+          <p:nvPr/>
+        </p:nvSpPr>
+        <p:spPr>
+          <a:xfrm>
+            <a:off x="2296633" y="2828260"/>
+            <a:ext cx="1573618" cy="369332"/>
+          </a:xfrm>
+          <a:prstGeom prst="rect">
+            <a:avLst/>
+          </a:prstGeom>
+          <a:noFill/>
+        </p:spPr>
+        <p:txBody>
+          <a:bodyPr wrap="square" rtlCol="0">
+            <a:spAutoFit/>
+          </a:bodyPr>
+          <a:lstStyle/>
+          <a:p>
+            <a:r>
+              <a:rPr lang="en-US" dirty="0"/>
+              <a:t>article</a:t>
+            </a:r>
+          </a:p>
+        </p:txBody>
+      </p:sp>
+      <p:sp>
+        <p:nvSpPr>
+          <p:cNvPr id="14" name="TextBox 13">
+            <a:extLst>
+              <a:ext uri="{FF2B5EF4-FFF2-40B4-BE49-F238E27FC236}">
+                <a16:creationId xmlns:a16="http://schemas.microsoft.com/office/drawing/2014/main" id="{5054F2B4-D665-2918-5115-1FDB53B1FC2A}"/>
+              </a:ext>
+            </a:extLst>
+          </p:cNvPr>
+          <p:cNvSpPr txBox="1"/>
+          <p:nvPr/>
+        </p:nvSpPr>
+        <p:spPr>
+          <a:xfrm>
+            <a:off x="2296633" y="3372478"/>
+            <a:ext cx="2636874" cy="923330"/>
+          </a:xfrm>
+          <a:prstGeom prst="rect">
+            <a:avLst/>
+          </a:prstGeom>
+          <a:noFill/>
+        </p:spPr>
+        <p:txBody>
+          <a:bodyPr wrap="square" rtlCol="0">
+            <a:spAutoFit/>
+          </a:bodyPr>
+          <a:lstStyle/>
+          <a:p>
+            <a:r>
+              <a:rPr lang="en-US" dirty="0" err="1"/>
+              <a:t>Dfb,adfb</a:t>
+            </a:r>
+            <a:endParaRPr lang="en-US" dirty="0"/>
+          </a:p>
+          <a:p>
+            <a:r>
+              <a:rPr lang="en-US" dirty="0" err="1"/>
+              <a:t>Dfjvbadfj</a:t>
+            </a:r>
+            <a:endParaRPr lang="en-US" dirty="0"/>
+          </a:p>
+          <a:p>
+            <a:r>
+              <a:rPr lang="en-US" dirty="0"/>
+              <a:t>,</a:t>
+            </a:r>
+            <a:r>
+              <a:rPr lang="en-US" dirty="0" err="1"/>
+              <a:t>jsdbvasd</a:t>
+            </a:r>
+            <a:endParaRPr lang="en-US" dirty="0"/>
+          </a:p>
+        </p:txBody>
+      </p:sp>
+      <p:sp>
+        <p:nvSpPr>
+          <p:cNvPr id="16" name="TextBox 15">
+            <a:extLst>
+              <a:ext uri="{FF2B5EF4-FFF2-40B4-BE49-F238E27FC236}">
+                <a16:creationId xmlns:a16="http://schemas.microsoft.com/office/drawing/2014/main" id="{864324DA-7EDE-295E-7C57-E6A729B825AB}"/>
+              </a:ext>
+            </a:extLst>
+          </p:cNvPr>
+          <p:cNvSpPr txBox="1"/>
+          <p:nvPr/>
+        </p:nvSpPr>
+        <p:spPr>
+          <a:xfrm>
+            <a:off x="2296633" y="5812097"/>
+            <a:ext cx="2806995" cy="369332"/>
+          </a:xfrm>
+          <a:prstGeom prst="rect">
+            <a:avLst/>
+          </a:prstGeom>
+          <a:noFill/>
+        </p:spPr>
+        <p:txBody>
+          <a:bodyPr wrap="square" rtlCol="0">
+            <a:spAutoFit/>
+          </a:bodyPr>
+          <a:lstStyle/>
+          <a:p>
+            <a:r>
+              <a:rPr lang="en-US" dirty="0"/>
+              <a:t>&lt;h1&gt;HEADER 2&lt;/h1&gt;</a:t>
+            </a:r>
+          </a:p>
+        </p:txBody>
+      </p:sp>
+      <p:sp>
+        <p:nvSpPr>
+          <p:cNvPr id="17" name="TextBox 16">
+            <a:extLst>
+              <a:ext uri="{FF2B5EF4-FFF2-40B4-BE49-F238E27FC236}">
+                <a16:creationId xmlns:a16="http://schemas.microsoft.com/office/drawing/2014/main" id="{75CCFFEB-D104-B238-3A65-769920B5F471}"/>
+              </a:ext>
+            </a:extLst>
+          </p:cNvPr>
+          <p:cNvSpPr txBox="1"/>
+          <p:nvPr/>
+        </p:nvSpPr>
+        <p:spPr>
+          <a:xfrm>
+            <a:off x="2325430" y="4691424"/>
+            <a:ext cx="2870790" cy="923330"/>
+          </a:xfrm>
+          <a:prstGeom prst="rect">
+            <a:avLst/>
+          </a:prstGeom>
+          <a:noFill/>
+        </p:spPr>
+        <p:txBody>
+          <a:bodyPr wrap="square" rtlCol="0">
+            <a:spAutoFit/>
+          </a:bodyPr>
+          <a:lstStyle/>
+          <a:p>
+            <a:r>
+              <a:rPr lang="en-US" dirty="0"/>
+              <a:t>&lt;div&gt;</a:t>
+            </a:r>
+          </a:p>
+          <a:p>
+            <a:r>
+              <a:rPr lang="en-US" dirty="0"/>
+              <a:t>  &lt;h1&gt;&lt;/h1&gt;</a:t>
+            </a:r>
+          </a:p>
+          <a:p>
+            <a:r>
+              <a:rPr lang="en-US" dirty="0"/>
+              <a:t>&lt;/div&gt;</a:t>
+            </a:r>
+          </a:p>
+        </p:txBody>
+      </p:sp>
+      <p:sp>
+        <p:nvSpPr>
+          <p:cNvPr id="18" name="Right Arrow 17">
+            <a:extLst>
+              <a:ext uri="{FF2B5EF4-FFF2-40B4-BE49-F238E27FC236}">
+                <a16:creationId xmlns:a16="http://schemas.microsoft.com/office/drawing/2014/main" id="{94BD142D-4BC5-92D8-A3DC-CEF01D4DE666}"/>
+              </a:ext>
+            </a:extLst>
+          </p:cNvPr>
+          <p:cNvSpPr/>
+          <p:nvPr/>
+        </p:nvSpPr>
+        <p:spPr>
+          <a:xfrm>
+            <a:off x="1180214" y="3372478"/>
+            <a:ext cx="691116" cy="287931"/>
+          </a:xfrm>
+          <a:prstGeom prst="rightArrow">
+            <a:avLst/>
+          </a:prstGeom>
+        </p:spPr>
+        <p:style>
+          <a:lnRef idx="2">
+            <a:schemeClr val="accent1">
+              <a:shade val="15000"/>
+            </a:schemeClr>
+          </a:lnRef>
+          <a:fillRef idx="1">
+            <a:schemeClr val="accent1"/>
+          </a:fillRef>
+          <a:effectRef idx="0">
+            <a:schemeClr val="accent1"/>
+          </a:effectRef>
+          <a:fontRef idx="minor">
+            <a:schemeClr val="lt1"/>
+          </a:fontRef>
+        </p:style>
+        <p:txBody>
+          <a:bodyPr rtlCol="0" anchor="ctr"/>
+          <a:lstStyle/>
+          <a:p>
+            <a:pPr algn="ctr"/>
+            <a:endParaRPr lang="en-US"/>
+          </a:p>
+        </p:txBody>
+      </p:sp>
+      <p:cxnSp>
+        <p:nvCxnSpPr>
+          <p:cNvPr id="20" name="Elbow Connector 19">
+            <a:extLst>
+              <a:ext uri="{FF2B5EF4-FFF2-40B4-BE49-F238E27FC236}">
+                <a16:creationId xmlns:a16="http://schemas.microsoft.com/office/drawing/2014/main" id="{0F2D7C77-9425-F8DE-7DB0-4503490D657C}"/>
+              </a:ext>
+            </a:extLst>
+          </p:cNvPr>
+          <p:cNvCxnSpPr>
+            <a:endCxn id="16" idx="1"/>
+          </p:cNvCxnSpPr>
+          <p:nvPr/>
+        </p:nvCxnSpPr>
+        <p:spPr>
+          <a:xfrm>
+            <a:off x="1180214" y="5209953"/>
+            <a:ext cx="1116419" cy="786810"/>
+          </a:xfrm>
+          <a:prstGeom prst="bentConnector3">
+            <a:avLst/>
+          </a:prstGeom>
+          <a:ln>
+            <a:tailEnd type="triangle"/>
+          </a:ln>
+        </p:spPr>
+        <p:style>
+          <a:lnRef idx="1">
+            <a:schemeClr val="accent1"/>
+          </a:lnRef>
+          <a:fillRef idx="0">
+            <a:schemeClr val="accent1"/>
+          </a:fillRef>
+          <a:effectRef idx="0">
+            <a:schemeClr val="accent1"/>
+          </a:effectRef>
+          <a:fontRef idx="minor">
+            <a:schemeClr val="tx1"/>
+          </a:fontRef>
+        </p:style>
+      </p:cxnSp>
+    </p:spTree>
+    <p:extLst>
+      <p:ext uri="{BB962C8B-B14F-4D97-AF65-F5344CB8AC3E}">
+        <p14:creationId xmlns:p14="http://schemas.microsoft.com/office/powerpoint/2010/main" val="1915052396"/>
+      </p:ext>
+    </p:extLst>
+  </p:cSld>
+  <p:clrMapOvr>
+    <a:masterClrMapping/>
+  </p:clrMapOvr>
+</p:sld>
+</file>
+
+<file path=ppt/slides/slide6.xml><?xml version="1.0" encoding="utf-8"?>
+<p:sld xmlns:a="http://schemas.openxmlformats.org/drawingml/2006/main" xmlns:r="http://schemas.openxmlformats.org/officeDocument/2006/relationships" xmlns:p="http://schemas.openxmlformats.org/presentationml/2006/main">
+  <p:cSld>
+    <p:spTree>
+      <p:nvGrpSpPr>
+        <p:cNvPr id="1" name=""/>
+        <p:cNvGrpSpPr/>
+        <p:nvPr/>
+      </p:nvGrpSpPr>
+      <p:grpSpPr>
+        <a:xfrm>
+          <a:off x="0" y="0"/>
+          <a:ext cx="0" cy="0"/>
+          <a:chOff x="0" y="0"/>
+          <a:chExt cx="0" cy="0"/>
+        </a:xfrm>
+      </p:grpSpPr>
+      <p:sp>
+        <p:nvSpPr>
+          <p:cNvPr id="2" name="Oval 1">
+            <a:extLst>
+              <a:ext uri="{FF2B5EF4-FFF2-40B4-BE49-F238E27FC236}">
+                <a16:creationId xmlns:a16="http://schemas.microsoft.com/office/drawing/2014/main" id="{C88AD881-8182-661F-0A74-89A4D67DD455}"/>
+              </a:ext>
+            </a:extLst>
+          </p:cNvPr>
+          <p:cNvSpPr/>
+          <p:nvPr/>
+        </p:nvSpPr>
+        <p:spPr>
+          <a:xfrm>
+            <a:off x="4401879" y="2711302"/>
+            <a:ext cx="2402958" cy="1435395"/>
+          </a:xfrm>
+          <a:prstGeom prst="ellipse">
+            <a:avLst/>
+          </a:prstGeom>
+        </p:spPr>
+        <p:style>
+          <a:lnRef idx="2">
+            <a:schemeClr val="accent1">
+              <a:shade val="15000"/>
+            </a:schemeClr>
+          </a:lnRef>
+          <a:fillRef idx="1">
+            <a:schemeClr val="accent1"/>
+          </a:fillRef>
+          <a:effectRef idx="0">
+            <a:schemeClr val="accent1"/>
+          </a:effectRef>
+          <a:fontRef idx="minor">
+            <a:schemeClr val="lt1"/>
+          </a:fontRef>
+        </p:style>
+        <p:txBody>
+          <a:bodyPr rtlCol="0" anchor="ctr"/>
+          <a:lstStyle/>
+          <a:p>
+            <a:pPr algn="ctr"/>
+            <a:r>
+              <a:rPr lang="en-US" dirty="0"/>
+              <a:t>JavaScript World</a:t>
+            </a:r>
+          </a:p>
+        </p:txBody>
+      </p:sp>
+      <p:sp>
+        <p:nvSpPr>
+          <p:cNvPr id="3" name="Oval 2">
+            <a:extLst>
+              <a:ext uri="{FF2B5EF4-FFF2-40B4-BE49-F238E27FC236}">
+                <a16:creationId xmlns:a16="http://schemas.microsoft.com/office/drawing/2014/main" id="{90F94E5D-582B-B5FE-FB1F-80189D0C36DA}"/>
+              </a:ext>
+            </a:extLst>
+          </p:cNvPr>
+          <p:cNvSpPr/>
+          <p:nvPr/>
+        </p:nvSpPr>
+        <p:spPr>
+          <a:xfrm>
+            <a:off x="428846" y="439480"/>
+            <a:ext cx="2402958" cy="1435395"/>
+          </a:xfrm>
+          <a:prstGeom prst="ellipse">
+            <a:avLst/>
+          </a:prstGeom>
+        </p:spPr>
+        <p:style>
+          <a:lnRef idx="2">
+            <a:schemeClr val="accent1">
+              <a:shade val="15000"/>
+            </a:schemeClr>
+          </a:lnRef>
+          <a:fillRef idx="1">
+            <a:schemeClr val="accent1"/>
+          </a:fillRef>
+          <a:effectRef idx="0">
+            <a:schemeClr val="accent1"/>
+          </a:effectRef>
+          <a:fontRef idx="minor">
+            <a:schemeClr val="lt1"/>
+          </a:fontRef>
+        </p:style>
+        <p:txBody>
+          <a:bodyPr rtlCol="0" anchor="ctr"/>
+          <a:lstStyle/>
+          <a:p>
+            <a:pPr algn="ctr"/>
+            <a:r>
+              <a:rPr lang="en-US" dirty="0"/>
+              <a:t>JavaScript Libraries</a:t>
+            </a:r>
+          </a:p>
+        </p:txBody>
+      </p:sp>
+      <p:sp>
+        <p:nvSpPr>
+          <p:cNvPr id="4" name="Oval 3">
+            <a:extLst>
+              <a:ext uri="{FF2B5EF4-FFF2-40B4-BE49-F238E27FC236}">
+                <a16:creationId xmlns:a16="http://schemas.microsoft.com/office/drawing/2014/main" id="{27457715-6D6A-D9FC-B6F9-A9CB8E5054DA}"/>
+              </a:ext>
+            </a:extLst>
+          </p:cNvPr>
+          <p:cNvSpPr/>
+          <p:nvPr/>
+        </p:nvSpPr>
+        <p:spPr>
+          <a:xfrm>
+            <a:off x="9236148" y="439479"/>
+            <a:ext cx="2402958" cy="1435395"/>
+          </a:xfrm>
+          <a:prstGeom prst="ellipse">
+            <a:avLst/>
+          </a:prstGeom>
+        </p:spPr>
+        <p:style>
+          <a:lnRef idx="2">
+            <a:schemeClr val="accent1">
+              <a:shade val="15000"/>
+            </a:schemeClr>
+          </a:lnRef>
+          <a:fillRef idx="1">
+            <a:schemeClr val="accent1"/>
+          </a:fillRef>
+          <a:effectRef idx="0">
+            <a:schemeClr val="accent1"/>
+          </a:effectRef>
+          <a:fontRef idx="minor">
+            <a:schemeClr val="lt1"/>
+          </a:fontRef>
+        </p:style>
+        <p:txBody>
+          <a:bodyPr rtlCol="0" anchor="ctr"/>
+          <a:lstStyle/>
+          <a:p>
+            <a:pPr algn="ctr"/>
+            <a:r>
+              <a:rPr lang="en-US" dirty="0"/>
+              <a:t>JavaScript Frameworks</a:t>
+            </a:r>
+          </a:p>
+        </p:txBody>
+      </p:sp>
+      <p:sp>
+        <p:nvSpPr>
+          <p:cNvPr id="5" name="Oval 4">
+            <a:extLst>
+              <a:ext uri="{FF2B5EF4-FFF2-40B4-BE49-F238E27FC236}">
+                <a16:creationId xmlns:a16="http://schemas.microsoft.com/office/drawing/2014/main" id="{4009993E-0CBD-94A5-DAD6-FEB288702DD3}"/>
+              </a:ext>
+            </a:extLst>
+          </p:cNvPr>
+          <p:cNvSpPr/>
+          <p:nvPr/>
+        </p:nvSpPr>
+        <p:spPr>
+          <a:xfrm>
+            <a:off x="124046" y="4525927"/>
+            <a:ext cx="2402958" cy="1435395"/>
+          </a:xfrm>
+          <a:prstGeom prst="ellipse">
+            <a:avLst/>
+          </a:prstGeom>
+          <a:solidFill>
+            <a:srgbClr val="002060"/>
+          </a:solidFill>
+        </p:spPr>
+        <p:style>
+          <a:lnRef idx="2">
+            <a:schemeClr val="accent1">
+              <a:shade val="15000"/>
+            </a:schemeClr>
+          </a:lnRef>
+          <a:fillRef idx="1">
+            <a:schemeClr val="accent1"/>
+          </a:fillRef>
+          <a:effectRef idx="0">
+            <a:schemeClr val="accent1"/>
+          </a:effectRef>
+          <a:fontRef idx="minor">
+            <a:schemeClr val="lt1"/>
+          </a:fontRef>
+        </p:style>
+        <p:txBody>
+          <a:bodyPr rtlCol="0" anchor="ctr"/>
+          <a:lstStyle/>
+          <a:p>
+            <a:pPr algn="ctr"/>
+            <a:r>
+              <a:rPr lang="en-US" dirty="0"/>
+              <a:t>JavaScript UI Object Model with CSS</a:t>
+            </a:r>
+          </a:p>
+        </p:txBody>
+      </p:sp>
+      <p:sp>
+        <p:nvSpPr>
+          <p:cNvPr id="6" name="Oval 5">
+            <a:extLst>
+              <a:ext uri="{FF2B5EF4-FFF2-40B4-BE49-F238E27FC236}">
+                <a16:creationId xmlns:a16="http://schemas.microsoft.com/office/drawing/2014/main" id="{CBBDC41E-C68C-9CE4-906D-46A711232D4C}"/>
+              </a:ext>
+            </a:extLst>
+          </p:cNvPr>
+          <p:cNvSpPr/>
+          <p:nvPr/>
+        </p:nvSpPr>
+        <p:spPr>
+          <a:xfrm>
+            <a:off x="9236148" y="4525927"/>
+            <a:ext cx="2402958" cy="1435395"/>
+          </a:xfrm>
+          <a:prstGeom prst="ellipse">
+            <a:avLst/>
+          </a:prstGeom>
+        </p:spPr>
+        <p:style>
+          <a:lnRef idx="2">
+            <a:schemeClr val="accent1">
+              <a:shade val="15000"/>
+            </a:schemeClr>
+          </a:lnRef>
+          <a:fillRef idx="1">
+            <a:schemeClr val="accent1"/>
+          </a:fillRef>
+          <a:effectRef idx="0">
+            <a:schemeClr val="accent1"/>
+          </a:effectRef>
+          <a:fontRef idx="minor">
+            <a:schemeClr val="lt1"/>
+          </a:fontRef>
+        </p:style>
+        <p:txBody>
+          <a:bodyPr rtlCol="0" anchor="ctr"/>
+          <a:lstStyle/>
+          <a:p>
+            <a:pPr algn="ctr"/>
+            <a:r>
+              <a:rPr lang="en-US" dirty="0"/>
+              <a:t>JavaScript Tools</a:t>
+            </a:r>
+          </a:p>
+        </p:txBody>
+      </p:sp>
+      <p:sp>
+        <p:nvSpPr>
+          <p:cNvPr id="7" name="TextBox 6">
+            <a:extLst>
+              <a:ext uri="{FF2B5EF4-FFF2-40B4-BE49-F238E27FC236}">
+                <a16:creationId xmlns:a16="http://schemas.microsoft.com/office/drawing/2014/main" id="{36005D29-36B4-B2B7-7E7B-92156069B160}"/>
+              </a:ext>
+            </a:extLst>
+          </p:cNvPr>
+          <p:cNvSpPr txBox="1"/>
+          <p:nvPr/>
+        </p:nvSpPr>
+        <p:spPr>
+          <a:xfrm>
+            <a:off x="233916" y="6071191"/>
+            <a:ext cx="3391786" cy="646331"/>
+          </a:xfrm>
+          <a:prstGeom prst="rect">
+            <a:avLst/>
+          </a:prstGeom>
+          <a:noFill/>
+        </p:spPr>
+        <p:txBody>
+          <a:bodyPr wrap="square" rtlCol="0">
+            <a:spAutoFit/>
+          </a:bodyPr>
+          <a:lstStyle/>
+          <a:p>
+            <a:r>
+              <a:rPr lang="en-US" dirty="0"/>
+              <a:t>CSS Libraries and Frameworks e.g. </a:t>
+            </a:r>
+            <a:r>
+              <a:rPr lang="en-US"/>
+              <a:t>Bootstrap</a:t>
+            </a:r>
+            <a:endParaRPr lang="en-US" dirty="0"/>
+          </a:p>
+        </p:txBody>
+      </p:sp>
+      <p:cxnSp>
+        <p:nvCxnSpPr>
+          <p:cNvPr id="9" name="Elbow Connector 8">
+            <a:extLst>
+              <a:ext uri="{FF2B5EF4-FFF2-40B4-BE49-F238E27FC236}">
+                <a16:creationId xmlns:a16="http://schemas.microsoft.com/office/drawing/2014/main" id="{3BEE86AD-75E2-FAAD-CC64-6EF37EBFF5BB}"/>
+              </a:ext>
+            </a:extLst>
+          </p:cNvPr>
+          <p:cNvCxnSpPr>
+            <a:stCxn id="2" idx="2"/>
+            <a:endCxn id="5" idx="6"/>
+          </p:cNvCxnSpPr>
+          <p:nvPr/>
+        </p:nvCxnSpPr>
+        <p:spPr>
+          <a:xfrm rot="10800000" flipV="1">
+            <a:off x="2527005" y="3428999"/>
+            <a:ext cx="1874875" cy="1814625"/>
+          </a:xfrm>
+          <a:prstGeom prst="bentConnector3">
+            <a:avLst/>
+          </a:prstGeom>
+          <a:ln>
+            <a:tailEnd type="triangle"/>
+          </a:ln>
+        </p:spPr>
+        <p:style>
+          <a:lnRef idx="1">
+            <a:schemeClr val="accent1"/>
+          </a:lnRef>
+          <a:fillRef idx="0">
+            <a:schemeClr val="accent1"/>
+          </a:fillRef>
+          <a:effectRef idx="0">
+            <a:schemeClr val="accent1"/>
+          </a:effectRef>
+          <a:fontRef idx="minor">
+            <a:schemeClr val="tx1"/>
+          </a:fontRef>
+        </p:style>
+      </p:cxnSp>
+    </p:spTree>
+    <p:extLst>
+      <p:ext uri="{BB962C8B-B14F-4D97-AF65-F5344CB8AC3E}">
+        <p14:creationId xmlns:p14="http://schemas.microsoft.com/office/powerpoint/2010/main" val="488730099"/>
       </p:ext>
     </p:extLst>
   </p:cSld>

--- a/Training_Presentetions.pptx
+++ b/Training_Presentetions.pptx
@@ -266,7 +266,7 @@
           <a:p>
             <a:fld id="{D9FCDB6C-7DD4-3A4F-BB06-0EDDD9178121}" type="datetimeFigureOut">
               <a:rPr lang="en-US" smtClean="0"/>
-              <a:t>7/4/23</a:t>
+              <a:t>7/6/23</a:t>
             </a:fld>
             <a:endParaRPr lang="en-US"/>
           </a:p>
@@ -466,7 +466,7 @@
           <a:p>
             <a:fld id="{D9FCDB6C-7DD4-3A4F-BB06-0EDDD9178121}" type="datetimeFigureOut">
               <a:rPr lang="en-US" smtClean="0"/>
-              <a:t>7/4/23</a:t>
+              <a:t>7/6/23</a:t>
             </a:fld>
             <a:endParaRPr lang="en-US"/>
           </a:p>
@@ -676,7 +676,7 @@
           <a:p>
             <a:fld id="{D9FCDB6C-7DD4-3A4F-BB06-0EDDD9178121}" type="datetimeFigureOut">
               <a:rPr lang="en-US" smtClean="0"/>
-              <a:t>7/4/23</a:t>
+              <a:t>7/6/23</a:t>
             </a:fld>
             <a:endParaRPr lang="en-US"/>
           </a:p>
@@ -876,7 +876,7 @@
           <a:p>
             <a:fld id="{D9FCDB6C-7DD4-3A4F-BB06-0EDDD9178121}" type="datetimeFigureOut">
               <a:rPr lang="en-US" smtClean="0"/>
-              <a:t>7/4/23</a:t>
+              <a:t>7/6/23</a:t>
             </a:fld>
             <a:endParaRPr lang="en-US"/>
           </a:p>
@@ -1152,7 +1152,7 @@
           <a:p>
             <a:fld id="{D9FCDB6C-7DD4-3A4F-BB06-0EDDD9178121}" type="datetimeFigureOut">
               <a:rPr lang="en-US" smtClean="0"/>
-              <a:t>7/4/23</a:t>
+              <a:t>7/6/23</a:t>
             </a:fld>
             <a:endParaRPr lang="en-US"/>
           </a:p>
@@ -1420,7 +1420,7 @@
           <a:p>
             <a:fld id="{D9FCDB6C-7DD4-3A4F-BB06-0EDDD9178121}" type="datetimeFigureOut">
               <a:rPr lang="en-US" smtClean="0"/>
-              <a:t>7/4/23</a:t>
+              <a:t>7/6/23</a:t>
             </a:fld>
             <a:endParaRPr lang="en-US"/>
           </a:p>
@@ -1835,7 +1835,7 @@
           <a:p>
             <a:fld id="{D9FCDB6C-7DD4-3A4F-BB06-0EDDD9178121}" type="datetimeFigureOut">
               <a:rPr lang="en-US" smtClean="0"/>
-              <a:t>7/4/23</a:t>
+              <a:t>7/6/23</a:t>
             </a:fld>
             <a:endParaRPr lang="en-US"/>
           </a:p>
@@ -1977,7 +1977,7 @@
           <a:p>
             <a:fld id="{D9FCDB6C-7DD4-3A4F-BB06-0EDDD9178121}" type="datetimeFigureOut">
               <a:rPr lang="en-US" smtClean="0"/>
-              <a:t>7/4/23</a:t>
+              <a:t>7/6/23</a:t>
             </a:fld>
             <a:endParaRPr lang="en-US"/>
           </a:p>
@@ -2090,7 +2090,7 @@
           <a:p>
             <a:fld id="{D9FCDB6C-7DD4-3A4F-BB06-0EDDD9178121}" type="datetimeFigureOut">
               <a:rPr lang="en-US" smtClean="0"/>
-              <a:t>7/4/23</a:t>
+              <a:t>7/6/23</a:t>
             </a:fld>
             <a:endParaRPr lang="en-US"/>
           </a:p>
@@ -2403,7 +2403,7 @@
           <a:p>
             <a:fld id="{D9FCDB6C-7DD4-3A4F-BB06-0EDDD9178121}" type="datetimeFigureOut">
               <a:rPr lang="en-US" smtClean="0"/>
-              <a:t>7/4/23</a:t>
+              <a:t>7/6/23</a:t>
             </a:fld>
             <a:endParaRPr lang="en-US"/>
           </a:p>
@@ -2692,7 +2692,7 @@
           <a:p>
             <a:fld id="{D9FCDB6C-7DD4-3A4F-BB06-0EDDD9178121}" type="datetimeFigureOut">
               <a:rPr lang="en-US" smtClean="0"/>
-              <a:t>7/4/23</a:t>
+              <a:t>7/6/23</a:t>
             </a:fld>
             <a:endParaRPr lang="en-US"/>
           </a:p>
@@ -2935,7 +2935,7 @@
           <a:p>
             <a:fld id="{D9FCDB6C-7DD4-3A4F-BB06-0EDDD9178121}" type="datetimeFigureOut">
               <a:rPr lang="en-US" smtClean="0"/>
-              <a:t>7/4/23</a:t>
+              <a:t>7/6/23</a:t>
             </a:fld>
             <a:endParaRPr lang="en-US"/>
           </a:p>
@@ -9168,13 +9168,16 @@
           <a:p>
             <a:r>
               <a:rPr lang="en-US" dirty="0"/>
-              <a:t>CSS Libraries and Frameworks e.g. </a:t>
-            </a:r>
-            <a:r>
-              <a:rPr lang="en-US"/>
-              <a:t>Bootstrap</a:t>
-            </a:r>
-            <a:endParaRPr lang="en-US" dirty="0"/>
+              <a:t>CSS Libraries and Frameworks e.g. Bootstrap, Iota, </a:t>
+            </a:r>
+            <a:r>
+              <a:rPr lang="en-US" dirty="0" err="1"/>
+              <a:t>Tailswind</a:t>
+            </a:r>
+            <a:r>
+              <a:rPr lang="en-US" dirty="0"/>
+              <a:t>, etc.</a:t>
+            </a:r>
           </a:p>
         </p:txBody>
       </p:sp>
@@ -9199,6 +9202,48 @@
             <a:ext cx="1874875" cy="1814625"/>
           </a:xfrm>
           <a:prstGeom prst="bentConnector3">
+            <a:avLst/>
+          </a:prstGeom>
+          <a:ln>
+            <a:tailEnd type="triangle"/>
+          </a:ln>
+        </p:spPr>
+        <p:style>
+          <a:lnRef idx="1">
+            <a:schemeClr val="accent1"/>
+          </a:lnRef>
+          <a:fillRef idx="0">
+            <a:schemeClr val="accent1"/>
+          </a:fillRef>
+          <a:effectRef idx="0">
+            <a:schemeClr val="accent1"/>
+          </a:effectRef>
+          <a:fontRef idx="minor">
+            <a:schemeClr val="tx1"/>
+          </a:fontRef>
+        </p:style>
+      </p:cxnSp>
+      <p:cxnSp>
+        <p:nvCxnSpPr>
+          <p:cNvPr id="10" name="Elbow Connector 9">
+            <a:extLst>
+              <a:ext uri="{FF2B5EF4-FFF2-40B4-BE49-F238E27FC236}">
+                <a16:creationId xmlns:a16="http://schemas.microsoft.com/office/drawing/2014/main" id="{C443E954-5A61-1500-E523-2E0BD2AAEC86}"/>
+              </a:ext>
+            </a:extLst>
+          </p:cNvPr>
+          <p:cNvCxnSpPr>
+            <a:stCxn id="2" idx="6"/>
+            <a:endCxn id="4" idx="4"/>
+          </p:cNvCxnSpPr>
+          <p:nvPr/>
+        </p:nvCxnSpPr>
+        <p:spPr>
+          <a:xfrm flipV="1">
+            <a:off x="6804837" y="1874874"/>
+            <a:ext cx="3632790" cy="1554126"/>
+          </a:xfrm>
+          <a:prstGeom prst="bentConnector2">
             <a:avLst/>
           </a:prstGeom>
           <a:ln>

--- a/Training_Presentetions.pptx
+++ b/Training_Presentetions.pptx
@@ -11,6 +11,8 @@
     <p:sldId id="259" r:id="rId5"/>
     <p:sldId id="260" r:id="rId6"/>
     <p:sldId id="261" r:id="rId7"/>
+    <p:sldId id="262" r:id="rId8"/>
+    <p:sldId id="263" r:id="rId9"/>
   </p:sldIdLst>
   <p:sldSz cx="12192000" cy="6858000"/>
   <p:notesSz cx="6858000" cy="9144000"/>
@@ -266,7 +268,7 @@
           <a:p>
             <a:fld id="{D9FCDB6C-7DD4-3A4F-BB06-0EDDD9178121}" type="datetimeFigureOut">
               <a:rPr lang="en-US" smtClean="0"/>
-              <a:t>7/6/23</a:t>
+              <a:t>7/7/23</a:t>
             </a:fld>
             <a:endParaRPr lang="en-US"/>
           </a:p>
@@ -466,7 +468,7 @@
           <a:p>
             <a:fld id="{D9FCDB6C-7DD4-3A4F-BB06-0EDDD9178121}" type="datetimeFigureOut">
               <a:rPr lang="en-US" smtClean="0"/>
-              <a:t>7/6/23</a:t>
+              <a:t>7/7/23</a:t>
             </a:fld>
             <a:endParaRPr lang="en-US"/>
           </a:p>
@@ -676,7 +678,7 @@
           <a:p>
             <a:fld id="{D9FCDB6C-7DD4-3A4F-BB06-0EDDD9178121}" type="datetimeFigureOut">
               <a:rPr lang="en-US" smtClean="0"/>
-              <a:t>7/6/23</a:t>
+              <a:t>7/7/23</a:t>
             </a:fld>
             <a:endParaRPr lang="en-US"/>
           </a:p>
@@ -876,7 +878,7 @@
           <a:p>
             <a:fld id="{D9FCDB6C-7DD4-3A4F-BB06-0EDDD9178121}" type="datetimeFigureOut">
               <a:rPr lang="en-US" smtClean="0"/>
-              <a:t>7/6/23</a:t>
+              <a:t>7/7/23</a:t>
             </a:fld>
             <a:endParaRPr lang="en-US"/>
           </a:p>
@@ -1152,7 +1154,7 @@
           <a:p>
             <a:fld id="{D9FCDB6C-7DD4-3A4F-BB06-0EDDD9178121}" type="datetimeFigureOut">
               <a:rPr lang="en-US" smtClean="0"/>
-              <a:t>7/6/23</a:t>
+              <a:t>7/7/23</a:t>
             </a:fld>
             <a:endParaRPr lang="en-US"/>
           </a:p>
@@ -1420,7 +1422,7 @@
           <a:p>
             <a:fld id="{D9FCDB6C-7DD4-3A4F-BB06-0EDDD9178121}" type="datetimeFigureOut">
               <a:rPr lang="en-US" smtClean="0"/>
-              <a:t>7/6/23</a:t>
+              <a:t>7/7/23</a:t>
             </a:fld>
             <a:endParaRPr lang="en-US"/>
           </a:p>
@@ -1835,7 +1837,7 @@
           <a:p>
             <a:fld id="{D9FCDB6C-7DD4-3A4F-BB06-0EDDD9178121}" type="datetimeFigureOut">
               <a:rPr lang="en-US" smtClean="0"/>
-              <a:t>7/6/23</a:t>
+              <a:t>7/7/23</a:t>
             </a:fld>
             <a:endParaRPr lang="en-US"/>
           </a:p>
@@ -1977,7 +1979,7 @@
           <a:p>
             <a:fld id="{D9FCDB6C-7DD4-3A4F-BB06-0EDDD9178121}" type="datetimeFigureOut">
               <a:rPr lang="en-US" smtClean="0"/>
-              <a:t>7/6/23</a:t>
+              <a:t>7/7/23</a:t>
             </a:fld>
             <a:endParaRPr lang="en-US"/>
           </a:p>
@@ -2090,7 +2092,7 @@
           <a:p>
             <a:fld id="{D9FCDB6C-7DD4-3A4F-BB06-0EDDD9178121}" type="datetimeFigureOut">
               <a:rPr lang="en-US" smtClean="0"/>
-              <a:t>7/6/23</a:t>
+              <a:t>7/7/23</a:t>
             </a:fld>
             <a:endParaRPr lang="en-US"/>
           </a:p>
@@ -2403,7 +2405,7 @@
           <a:p>
             <a:fld id="{D9FCDB6C-7DD4-3A4F-BB06-0EDDD9178121}" type="datetimeFigureOut">
               <a:rPr lang="en-US" smtClean="0"/>
-              <a:t>7/6/23</a:t>
+              <a:t>7/7/23</a:t>
             </a:fld>
             <a:endParaRPr lang="en-US"/>
           </a:p>
@@ -2692,7 +2694,7 @@
           <a:p>
             <a:fld id="{D9FCDB6C-7DD4-3A4F-BB06-0EDDD9178121}" type="datetimeFigureOut">
               <a:rPr lang="en-US" smtClean="0"/>
-              <a:t>7/6/23</a:t>
+              <a:t>7/7/23</a:t>
             </a:fld>
             <a:endParaRPr lang="en-US"/>
           </a:p>
@@ -2935,7 +2937,7 @@
           <a:p>
             <a:fld id="{D9FCDB6C-7DD4-3A4F-BB06-0EDDD9178121}" type="datetimeFigureOut">
               <a:rPr lang="en-US" smtClean="0"/>
-              <a:t>7/6/23</a:t>
+              <a:t>7/7/23</a:t>
             </a:fld>
             <a:endParaRPr lang="en-US"/>
           </a:p>
@@ -9278,6 +9280,1924 @@
 </p:sld>
 </file>
 
+<file path=ppt/slides/slide7.xml><?xml version="1.0" encoding="utf-8"?>
+<p:sld xmlns:a="http://schemas.openxmlformats.org/drawingml/2006/main" xmlns:r="http://schemas.openxmlformats.org/officeDocument/2006/relationships" xmlns:p="http://schemas.openxmlformats.org/presentationml/2006/main">
+  <p:cSld>
+    <p:spTree>
+      <p:nvGrpSpPr>
+        <p:cNvPr id="1" name=""/>
+        <p:cNvGrpSpPr/>
+        <p:nvPr/>
+      </p:nvGrpSpPr>
+      <p:grpSpPr>
+        <a:xfrm>
+          <a:off x="0" y="0"/>
+          <a:ext cx="0" cy="0"/>
+          <a:chOff x="0" y="0"/>
+          <a:chExt cx="0" cy="0"/>
+        </a:xfrm>
+      </p:grpSpPr>
+      <p:sp>
+        <p:nvSpPr>
+          <p:cNvPr id="2" name="Rectangle 1">
+            <a:extLst>
+              <a:ext uri="{FF2B5EF4-FFF2-40B4-BE49-F238E27FC236}">
+                <a16:creationId xmlns:a16="http://schemas.microsoft.com/office/drawing/2014/main" id="{418D6B8C-0598-1451-62C2-FA616CA37ACA}"/>
+              </a:ext>
+            </a:extLst>
+          </p:cNvPr>
+          <p:cNvSpPr/>
+          <p:nvPr/>
+        </p:nvSpPr>
+        <p:spPr>
+          <a:xfrm>
+            <a:off x="520995" y="648586"/>
+            <a:ext cx="11004698" cy="5911702"/>
+          </a:xfrm>
+          <a:prstGeom prst="rect">
+            <a:avLst/>
+          </a:prstGeom>
+        </p:spPr>
+        <p:style>
+          <a:lnRef idx="2">
+            <a:schemeClr val="accent5"/>
+          </a:lnRef>
+          <a:fillRef idx="1">
+            <a:schemeClr val="lt1"/>
+          </a:fillRef>
+          <a:effectRef idx="0">
+            <a:schemeClr val="accent5"/>
+          </a:effectRef>
+          <a:fontRef idx="minor">
+            <a:schemeClr val="dk1"/>
+          </a:fontRef>
+        </p:style>
+        <p:txBody>
+          <a:bodyPr rtlCol="0" anchor="ctr"/>
+          <a:lstStyle/>
+          <a:p>
+            <a:pPr algn="ctr"/>
+            <a:endParaRPr lang="en-US"/>
+          </a:p>
+        </p:txBody>
+      </p:sp>
+      <p:sp>
+        <p:nvSpPr>
+          <p:cNvPr id="3" name="TextBox 2">
+            <a:extLst>
+              <a:ext uri="{FF2B5EF4-FFF2-40B4-BE49-F238E27FC236}">
+                <a16:creationId xmlns:a16="http://schemas.microsoft.com/office/drawing/2014/main" id="{1570D091-D1A8-7ED5-EBC1-51FFE22064BA}"/>
+              </a:ext>
+            </a:extLst>
+          </p:cNvPr>
+          <p:cNvSpPr txBox="1"/>
+          <p:nvPr/>
+        </p:nvSpPr>
+        <p:spPr>
+          <a:xfrm>
+            <a:off x="616688" y="116958"/>
+            <a:ext cx="2817628" cy="382772"/>
+          </a:xfrm>
+          <a:prstGeom prst="rect">
+            <a:avLst/>
+          </a:prstGeom>
+          <a:noFill/>
+        </p:spPr>
+        <p:txBody>
+          <a:bodyPr wrap="square" rtlCol="0">
+            <a:spAutoFit/>
+          </a:bodyPr>
+          <a:lstStyle/>
+          <a:p>
+            <a:r>
+              <a:rPr lang="en-US" dirty="0"/>
+              <a:t>Front-End App</a:t>
+            </a:r>
+          </a:p>
+        </p:txBody>
+      </p:sp>
+      <p:sp>
+        <p:nvSpPr>
+          <p:cNvPr id="4" name="Rectangle 3">
+            <a:extLst>
+              <a:ext uri="{FF2B5EF4-FFF2-40B4-BE49-F238E27FC236}">
+                <a16:creationId xmlns:a16="http://schemas.microsoft.com/office/drawing/2014/main" id="{4F397443-48D1-B0F3-DB9A-A19F866584C8}"/>
+              </a:ext>
+            </a:extLst>
+          </p:cNvPr>
+          <p:cNvSpPr/>
+          <p:nvPr/>
+        </p:nvSpPr>
+        <p:spPr>
+          <a:xfrm>
+            <a:off x="8612372" y="786810"/>
+            <a:ext cx="2402958" cy="1892595"/>
+          </a:xfrm>
+          <a:prstGeom prst="rect">
+            <a:avLst/>
+          </a:prstGeom>
+        </p:spPr>
+        <p:style>
+          <a:lnRef idx="2">
+            <a:schemeClr val="accent1">
+              <a:shade val="15000"/>
+            </a:schemeClr>
+          </a:lnRef>
+          <a:fillRef idx="1">
+            <a:schemeClr val="accent1"/>
+          </a:fillRef>
+          <a:effectRef idx="0">
+            <a:schemeClr val="accent1"/>
+          </a:effectRef>
+          <a:fontRef idx="minor">
+            <a:schemeClr val="lt1"/>
+          </a:fontRef>
+        </p:style>
+        <p:txBody>
+          <a:bodyPr rtlCol="0" anchor="ctr"/>
+          <a:lstStyle/>
+          <a:p>
+            <a:pPr algn="ctr"/>
+            <a:r>
+              <a:rPr lang="en-US" dirty="0"/>
+              <a:t>Front-End Business Logic</a:t>
+            </a:r>
+          </a:p>
+          <a:p>
+            <a:pPr algn="ctr"/>
+            <a:r>
+              <a:rPr lang="en-US" dirty="0"/>
+              <a:t>Aka</a:t>
+            </a:r>
+          </a:p>
+          <a:p>
+            <a:pPr algn="ctr"/>
+            <a:r>
+              <a:rPr lang="en-US" dirty="0"/>
+              <a:t>Domain that will manipulate the UI</a:t>
+            </a:r>
+          </a:p>
+        </p:txBody>
+      </p:sp>
+      <p:sp>
+        <p:nvSpPr>
+          <p:cNvPr id="5" name="Rectangle 4">
+            <a:extLst>
+              <a:ext uri="{FF2B5EF4-FFF2-40B4-BE49-F238E27FC236}">
+                <a16:creationId xmlns:a16="http://schemas.microsoft.com/office/drawing/2014/main" id="{0DD27D99-B104-2B24-AAB1-251BD71B43A1}"/>
+              </a:ext>
+            </a:extLst>
+          </p:cNvPr>
+          <p:cNvSpPr/>
+          <p:nvPr/>
+        </p:nvSpPr>
+        <p:spPr>
+          <a:xfrm>
+            <a:off x="6096000" y="3721396"/>
+            <a:ext cx="2402958" cy="1892595"/>
+          </a:xfrm>
+          <a:prstGeom prst="rect">
+            <a:avLst/>
+          </a:prstGeom>
+        </p:spPr>
+        <p:style>
+          <a:lnRef idx="2">
+            <a:schemeClr val="accent1">
+              <a:shade val="15000"/>
+            </a:schemeClr>
+          </a:lnRef>
+          <a:fillRef idx="1">
+            <a:schemeClr val="accent1"/>
+          </a:fillRef>
+          <a:effectRef idx="0">
+            <a:schemeClr val="accent1"/>
+          </a:effectRef>
+          <a:fontRef idx="minor">
+            <a:schemeClr val="lt1"/>
+          </a:fontRef>
+        </p:style>
+        <p:txBody>
+          <a:bodyPr rtlCol="0" anchor="ctr"/>
+          <a:lstStyle/>
+          <a:p>
+            <a:pPr algn="ctr"/>
+            <a:r>
+              <a:rPr lang="en-US" dirty="0"/>
+              <a:t>Utilities</a:t>
+            </a:r>
+          </a:p>
+          <a:p>
+            <a:pPr algn="ctr"/>
+            <a:r>
+              <a:rPr lang="en-US" dirty="0"/>
+              <a:t>Set of ‘Reusable-Logical blocks’</a:t>
+            </a:r>
+          </a:p>
+        </p:txBody>
+      </p:sp>
+      <p:sp>
+        <p:nvSpPr>
+          <p:cNvPr id="6" name="Rectangle 5">
+            <a:extLst>
+              <a:ext uri="{FF2B5EF4-FFF2-40B4-BE49-F238E27FC236}">
+                <a16:creationId xmlns:a16="http://schemas.microsoft.com/office/drawing/2014/main" id="{9ABE8C4A-B98D-5844-BB9A-18EE9DDB7DE6}"/>
+              </a:ext>
+            </a:extLst>
+          </p:cNvPr>
+          <p:cNvSpPr/>
+          <p:nvPr/>
+        </p:nvSpPr>
+        <p:spPr>
+          <a:xfrm>
+            <a:off x="861237" y="967563"/>
+            <a:ext cx="3115340" cy="4827181"/>
+          </a:xfrm>
+          <a:prstGeom prst="rect">
+            <a:avLst/>
+          </a:prstGeom>
+        </p:spPr>
+        <p:style>
+          <a:lnRef idx="3">
+            <a:schemeClr val="lt1"/>
+          </a:lnRef>
+          <a:fillRef idx="1">
+            <a:schemeClr val="accent4"/>
+          </a:fillRef>
+          <a:effectRef idx="1">
+            <a:schemeClr val="accent4"/>
+          </a:effectRef>
+          <a:fontRef idx="minor">
+            <a:schemeClr val="lt1"/>
+          </a:fontRef>
+        </p:style>
+        <p:txBody>
+          <a:bodyPr rtlCol="0" anchor="ctr"/>
+          <a:lstStyle/>
+          <a:p>
+            <a:pPr algn="ctr"/>
+            <a:endParaRPr lang="en-US"/>
+          </a:p>
+        </p:txBody>
+      </p:sp>
+      <p:sp>
+        <p:nvSpPr>
+          <p:cNvPr id="7" name="Rectangle 6">
+            <a:extLst>
+              <a:ext uri="{FF2B5EF4-FFF2-40B4-BE49-F238E27FC236}">
+                <a16:creationId xmlns:a16="http://schemas.microsoft.com/office/drawing/2014/main" id="{046B211C-D66B-7F8C-90F7-A827A5EC7AE4}"/>
+              </a:ext>
+            </a:extLst>
+          </p:cNvPr>
+          <p:cNvSpPr/>
+          <p:nvPr/>
+        </p:nvSpPr>
+        <p:spPr>
+          <a:xfrm>
+            <a:off x="1095153" y="1382233"/>
+            <a:ext cx="1323754" cy="839972"/>
+          </a:xfrm>
+          <a:prstGeom prst="rect">
+            <a:avLst/>
+          </a:prstGeom>
+        </p:spPr>
+        <p:style>
+          <a:lnRef idx="2">
+            <a:schemeClr val="accent1">
+              <a:shade val="15000"/>
+            </a:schemeClr>
+          </a:lnRef>
+          <a:fillRef idx="1">
+            <a:schemeClr val="accent1"/>
+          </a:fillRef>
+          <a:effectRef idx="0">
+            <a:schemeClr val="accent1"/>
+          </a:effectRef>
+          <a:fontRef idx="minor">
+            <a:schemeClr val="lt1"/>
+          </a:fontRef>
+        </p:style>
+        <p:txBody>
+          <a:bodyPr rtlCol="0" anchor="ctr"/>
+          <a:lstStyle/>
+          <a:p>
+            <a:pPr algn="ctr"/>
+            <a:r>
+              <a:rPr lang="en-US" dirty="0"/>
+              <a:t>Page 1</a:t>
+            </a:r>
+          </a:p>
+        </p:txBody>
+      </p:sp>
+      <p:sp>
+        <p:nvSpPr>
+          <p:cNvPr id="8" name="Rectangle 7">
+            <a:extLst>
+              <a:ext uri="{FF2B5EF4-FFF2-40B4-BE49-F238E27FC236}">
+                <a16:creationId xmlns:a16="http://schemas.microsoft.com/office/drawing/2014/main" id="{DD19B555-7F84-E80B-4951-153BCB4DB0F4}"/>
+              </a:ext>
+            </a:extLst>
+          </p:cNvPr>
+          <p:cNvSpPr/>
+          <p:nvPr/>
+        </p:nvSpPr>
+        <p:spPr>
+          <a:xfrm>
+            <a:off x="1095153" y="2613839"/>
+            <a:ext cx="1323754" cy="839972"/>
+          </a:xfrm>
+          <a:prstGeom prst="rect">
+            <a:avLst/>
+          </a:prstGeom>
+        </p:spPr>
+        <p:style>
+          <a:lnRef idx="2">
+            <a:schemeClr val="accent1">
+              <a:shade val="15000"/>
+            </a:schemeClr>
+          </a:lnRef>
+          <a:fillRef idx="1">
+            <a:schemeClr val="accent1"/>
+          </a:fillRef>
+          <a:effectRef idx="0">
+            <a:schemeClr val="accent1"/>
+          </a:effectRef>
+          <a:fontRef idx="minor">
+            <a:schemeClr val="lt1"/>
+          </a:fontRef>
+        </p:style>
+        <p:txBody>
+          <a:bodyPr rtlCol="0" anchor="ctr"/>
+          <a:lstStyle/>
+          <a:p>
+            <a:pPr algn="ctr"/>
+            <a:r>
+              <a:rPr lang="en-US" dirty="0"/>
+              <a:t>Page 2</a:t>
+            </a:r>
+          </a:p>
+        </p:txBody>
+      </p:sp>
+      <p:sp>
+        <p:nvSpPr>
+          <p:cNvPr id="9" name="Rectangle 8">
+            <a:extLst>
+              <a:ext uri="{FF2B5EF4-FFF2-40B4-BE49-F238E27FC236}">
+                <a16:creationId xmlns:a16="http://schemas.microsoft.com/office/drawing/2014/main" id="{1BD28AA4-7F54-18DA-7957-E2BB7DE559F7}"/>
+              </a:ext>
+            </a:extLst>
+          </p:cNvPr>
+          <p:cNvSpPr/>
+          <p:nvPr/>
+        </p:nvSpPr>
+        <p:spPr>
+          <a:xfrm>
+            <a:off x="1095153" y="3980122"/>
+            <a:ext cx="1323754" cy="839972"/>
+          </a:xfrm>
+          <a:prstGeom prst="rect">
+            <a:avLst/>
+          </a:prstGeom>
+        </p:spPr>
+        <p:style>
+          <a:lnRef idx="2">
+            <a:schemeClr val="accent1">
+              <a:shade val="15000"/>
+            </a:schemeClr>
+          </a:lnRef>
+          <a:fillRef idx="1">
+            <a:schemeClr val="accent1"/>
+          </a:fillRef>
+          <a:effectRef idx="0">
+            <a:schemeClr val="accent1"/>
+          </a:effectRef>
+          <a:fontRef idx="minor">
+            <a:schemeClr val="lt1"/>
+          </a:fontRef>
+        </p:style>
+        <p:txBody>
+          <a:bodyPr rtlCol="0" anchor="ctr"/>
+          <a:lstStyle/>
+          <a:p>
+            <a:pPr algn="ctr"/>
+            <a:r>
+              <a:rPr lang="en-US" dirty="0"/>
+              <a:t>Page 3</a:t>
+            </a:r>
+          </a:p>
+        </p:txBody>
+      </p:sp>
+      <p:cxnSp>
+        <p:nvCxnSpPr>
+          <p:cNvPr id="11" name="Elbow Connector 10">
+            <a:extLst>
+              <a:ext uri="{FF2B5EF4-FFF2-40B4-BE49-F238E27FC236}">
+                <a16:creationId xmlns:a16="http://schemas.microsoft.com/office/drawing/2014/main" id="{6CBF9C3E-4158-07EA-61AA-941D9DBE81F9}"/>
+              </a:ext>
+            </a:extLst>
+          </p:cNvPr>
+          <p:cNvCxnSpPr>
+            <a:stCxn id="7" idx="3"/>
+            <a:endCxn id="4" idx="1"/>
+          </p:cNvCxnSpPr>
+          <p:nvPr/>
+        </p:nvCxnSpPr>
+        <p:spPr>
+          <a:xfrm flipV="1">
+            <a:off x="2418907" y="1733108"/>
+            <a:ext cx="6193465" cy="69111"/>
+          </a:xfrm>
+          <a:prstGeom prst="bentConnector3">
+            <a:avLst/>
+          </a:prstGeom>
+          <a:ln>
+            <a:headEnd type="triangle"/>
+            <a:tailEnd type="triangle"/>
+          </a:ln>
+        </p:spPr>
+        <p:style>
+          <a:lnRef idx="1">
+            <a:schemeClr val="accent1"/>
+          </a:lnRef>
+          <a:fillRef idx="0">
+            <a:schemeClr val="accent1"/>
+          </a:fillRef>
+          <a:effectRef idx="0">
+            <a:schemeClr val="accent1"/>
+          </a:effectRef>
+          <a:fontRef idx="minor">
+            <a:schemeClr val="tx1"/>
+          </a:fontRef>
+        </p:style>
+      </p:cxnSp>
+      <p:cxnSp>
+        <p:nvCxnSpPr>
+          <p:cNvPr id="13" name="Elbow Connector 12">
+            <a:extLst>
+              <a:ext uri="{FF2B5EF4-FFF2-40B4-BE49-F238E27FC236}">
+                <a16:creationId xmlns:a16="http://schemas.microsoft.com/office/drawing/2014/main" id="{1A0ABE48-F107-68D1-EC6E-0A4A93B5F933}"/>
+              </a:ext>
+            </a:extLst>
+          </p:cNvPr>
+          <p:cNvCxnSpPr>
+            <a:stCxn id="8" idx="3"/>
+            <a:endCxn id="4" idx="1"/>
+          </p:cNvCxnSpPr>
+          <p:nvPr/>
+        </p:nvCxnSpPr>
+        <p:spPr>
+          <a:xfrm flipV="1">
+            <a:off x="2418907" y="1733108"/>
+            <a:ext cx="6193465" cy="1300717"/>
+          </a:xfrm>
+          <a:prstGeom prst="bentConnector3">
+            <a:avLst/>
+          </a:prstGeom>
+          <a:ln>
+            <a:headEnd type="triangle"/>
+            <a:tailEnd type="triangle"/>
+          </a:ln>
+        </p:spPr>
+        <p:style>
+          <a:lnRef idx="1">
+            <a:schemeClr val="accent1"/>
+          </a:lnRef>
+          <a:fillRef idx="0">
+            <a:schemeClr val="accent1"/>
+          </a:fillRef>
+          <a:effectRef idx="0">
+            <a:schemeClr val="accent1"/>
+          </a:effectRef>
+          <a:fontRef idx="minor">
+            <a:schemeClr val="tx1"/>
+          </a:fontRef>
+        </p:style>
+      </p:cxnSp>
+      <p:cxnSp>
+        <p:nvCxnSpPr>
+          <p:cNvPr id="15" name="Elbow Connector 14">
+            <a:extLst>
+              <a:ext uri="{FF2B5EF4-FFF2-40B4-BE49-F238E27FC236}">
+                <a16:creationId xmlns:a16="http://schemas.microsoft.com/office/drawing/2014/main" id="{DF5B5C5F-888F-3CF3-6182-2676C8E699A0}"/>
+              </a:ext>
+            </a:extLst>
+          </p:cNvPr>
+          <p:cNvCxnSpPr/>
+          <p:nvPr/>
+        </p:nvCxnSpPr>
+        <p:spPr>
+          <a:xfrm flipV="1">
+            <a:off x="2418907" y="1733107"/>
+            <a:ext cx="6193465" cy="2667001"/>
+          </a:xfrm>
+          <a:prstGeom prst="bentConnector3">
+            <a:avLst/>
+          </a:prstGeom>
+          <a:ln>
+            <a:headEnd type="triangle"/>
+            <a:tailEnd type="triangle"/>
+          </a:ln>
+        </p:spPr>
+        <p:style>
+          <a:lnRef idx="1">
+            <a:schemeClr val="accent1"/>
+          </a:lnRef>
+          <a:fillRef idx="0">
+            <a:schemeClr val="accent1"/>
+          </a:fillRef>
+          <a:effectRef idx="0">
+            <a:schemeClr val="accent1"/>
+          </a:effectRef>
+          <a:fontRef idx="minor">
+            <a:schemeClr val="tx1"/>
+          </a:fontRef>
+        </p:style>
+      </p:cxnSp>
+      <p:cxnSp>
+        <p:nvCxnSpPr>
+          <p:cNvPr id="17" name="Elbow Connector 16">
+            <a:extLst>
+              <a:ext uri="{FF2B5EF4-FFF2-40B4-BE49-F238E27FC236}">
+                <a16:creationId xmlns:a16="http://schemas.microsoft.com/office/drawing/2014/main" id="{4B2F2B5F-0C18-3555-D959-8E30EDBDB463}"/>
+              </a:ext>
+            </a:extLst>
+          </p:cNvPr>
+          <p:cNvCxnSpPr>
+            <a:stCxn id="6" idx="2"/>
+            <a:endCxn id="5" idx="2"/>
+          </p:cNvCxnSpPr>
+          <p:nvPr/>
+        </p:nvCxnSpPr>
+        <p:spPr>
+          <a:xfrm rot="5400000" flipH="1" flipV="1">
+            <a:off x="4767816" y="3265082"/>
+            <a:ext cx="180753" cy="4878572"/>
+          </a:xfrm>
+          <a:prstGeom prst="bentConnector3">
+            <a:avLst>
+              <a:gd name="adj1" fmla="val -126471"/>
+            </a:avLst>
+          </a:prstGeom>
+          <a:ln w="76200">
+            <a:solidFill>
+              <a:srgbClr val="FF0000"/>
+            </a:solidFill>
+            <a:headEnd type="triangle"/>
+            <a:tailEnd type="triangle"/>
+          </a:ln>
+        </p:spPr>
+        <p:style>
+          <a:lnRef idx="1">
+            <a:schemeClr val="accent1"/>
+          </a:lnRef>
+          <a:fillRef idx="0">
+            <a:schemeClr val="accent1"/>
+          </a:fillRef>
+          <a:effectRef idx="0">
+            <a:schemeClr val="accent1"/>
+          </a:effectRef>
+          <a:fontRef idx="minor">
+            <a:schemeClr val="tx1"/>
+          </a:fontRef>
+        </p:style>
+      </p:cxnSp>
+      <p:sp>
+        <p:nvSpPr>
+          <p:cNvPr id="18" name="TextBox 17">
+            <a:extLst>
+              <a:ext uri="{FF2B5EF4-FFF2-40B4-BE49-F238E27FC236}">
+                <a16:creationId xmlns:a16="http://schemas.microsoft.com/office/drawing/2014/main" id="{1767D151-4074-EAD9-716E-5AFCC6C522B4}"/>
+              </a:ext>
+            </a:extLst>
+          </p:cNvPr>
+          <p:cNvSpPr txBox="1"/>
+          <p:nvPr/>
+        </p:nvSpPr>
+        <p:spPr>
+          <a:xfrm>
+            <a:off x="3976577" y="6071190"/>
+            <a:ext cx="4051004" cy="369332"/>
+          </a:xfrm>
+          <a:prstGeom prst="rect">
+            <a:avLst/>
+          </a:prstGeom>
+          <a:noFill/>
+        </p:spPr>
+        <p:txBody>
+          <a:bodyPr wrap="square" rtlCol="0">
+            <a:spAutoFit/>
+          </a:bodyPr>
+          <a:lstStyle/>
+          <a:p>
+            <a:r>
+              <a:rPr lang="en-US" dirty="0"/>
+              <a:t>Conditional Reuse of the Utility Logic</a:t>
+            </a:r>
+          </a:p>
+        </p:txBody>
+      </p:sp>
+      <p:sp>
+        <p:nvSpPr>
+          <p:cNvPr id="19" name="Rectangle 18">
+            <a:extLst>
+              <a:ext uri="{FF2B5EF4-FFF2-40B4-BE49-F238E27FC236}">
+                <a16:creationId xmlns:a16="http://schemas.microsoft.com/office/drawing/2014/main" id="{A41682E0-0FBE-9BF6-1AF4-F92B41BBC3D8}"/>
+              </a:ext>
+            </a:extLst>
+          </p:cNvPr>
+          <p:cNvSpPr/>
+          <p:nvPr/>
+        </p:nvSpPr>
+        <p:spPr>
+          <a:xfrm>
+            <a:off x="6379535" y="3429000"/>
+            <a:ext cx="1881963" cy="551122"/>
+          </a:xfrm>
+          <a:prstGeom prst="rect">
+            <a:avLst/>
+          </a:prstGeom>
+          <a:solidFill>
+            <a:schemeClr val="accent2"/>
+          </a:solidFill>
+        </p:spPr>
+        <p:style>
+          <a:lnRef idx="2">
+            <a:schemeClr val="accent1">
+              <a:shade val="15000"/>
+            </a:schemeClr>
+          </a:lnRef>
+          <a:fillRef idx="1">
+            <a:schemeClr val="accent1"/>
+          </a:fillRef>
+          <a:effectRef idx="0">
+            <a:schemeClr val="accent1"/>
+          </a:effectRef>
+          <a:fontRef idx="minor">
+            <a:schemeClr val="lt1"/>
+          </a:fontRef>
+        </p:style>
+        <p:txBody>
+          <a:bodyPr rtlCol="0" anchor="ctr"/>
+          <a:lstStyle/>
+          <a:p>
+            <a:pPr algn="ctr"/>
+            <a:r>
+              <a:rPr lang="en-US" dirty="0"/>
+              <a:t>Data Management</a:t>
+            </a:r>
+          </a:p>
+        </p:txBody>
+      </p:sp>
+      <p:sp>
+        <p:nvSpPr>
+          <p:cNvPr id="20" name="Rectangle 19">
+            <a:extLst>
+              <a:ext uri="{FF2B5EF4-FFF2-40B4-BE49-F238E27FC236}">
+                <a16:creationId xmlns:a16="http://schemas.microsoft.com/office/drawing/2014/main" id="{5E5491FC-301E-8D61-C058-2C63C880A67C}"/>
+              </a:ext>
+            </a:extLst>
+          </p:cNvPr>
+          <p:cNvSpPr/>
+          <p:nvPr/>
+        </p:nvSpPr>
+        <p:spPr>
+          <a:xfrm>
+            <a:off x="5041604" y="4988441"/>
+            <a:ext cx="1881963" cy="551122"/>
+          </a:xfrm>
+          <a:prstGeom prst="rect">
+            <a:avLst/>
+          </a:prstGeom>
+          <a:solidFill>
+            <a:srgbClr val="FFFF00"/>
+          </a:solidFill>
+        </p:spPr>
+        <p:style>
+          <a:lnRef idx="2">
+            <a:schemeClr val="accent1">
+              <a:shade val="15000"/>
+            </a:schemeClr>
+          </a:lnRef>
+          <a:fillRef idx="1">
+            <a:schemeClr val="accent1"/>
+          </a:fillRef>
+          <a:effectRef idx="0">
+            <a:schemeClr val="accent1"/>
+          </a:effectRef>
+          <a:fontRef idx="minor">
+            <a:schemeClr val="lt1"/>
+          </a:fontRef>
+        </p:style>
+        <p:txBody>
+          <a:bodyPr rtlCol="0" anchor="ctr"/>
+          <a:lstStyle/>
+          <a:p>
+            <a:pPr algn="ctr"/>
+            <a:r>
+              <a:rPr lang="en-US" dirty="0">
+                <a:ln>
+                  <a:solidFill>
+                    <a:srgbClr val="C00000"/>
+                  </a:solidFill>
+                </a:ln>
+              </a:rPr>
+              <a:t>UI Effect Management</a:t>
+            </a:r>
+          </a:p>
+        </p:txBody>
+      </p:sp>
+      <p:cxnSp>
+        <p:nvCxnSpPr>
+          <p:cNvPr id="22" name="Elbow Connector 21">
+            <a:extLst>
+              <a:ext uri="{FF2B5EF4-FFF2-40B4-BE49-F238E27FC236}">
+                <a16:creationId xmlns:a16="http://schemas.microsoft.com/office/drawing/2014/main" id="{5F1D044F-B4C0-9B4D-6EF0-4E1BF51C88F0}"/>
+              </a:ext>
+            </a:extLst>
+          </p:cNvPr>
+          <p:cNvCxnSpPr>
+            <a:stCxn id="20" idx="1"/>
+            <a:endCxn id="7" idx="0"/>
+          </p:cNvCxnSpPr>
+          <p:nvPr/>
+        </p:nvCxnSpPr>
+        <p:spPr>
+          <a:xfrm rot="10800000">
+            <a:off x="1757030" y="1382234"/>
+            <a:ext cx="3284574" cy="3881769"/>
+          </a:xfrm>
+          <a:prstGeom prst="bentConnector4">
+            <a:avLst>
+              <a:gd name="adj1" fmla="val 39924"/>
+              <a:gd name="adj2" fmla="val 105889"/>
+            </a:avLst>
+          </a:prstGeom>
+          <a:ln w="57150">
+            <a:solidFill>
+              <a:srgbClr val="FF0000"/>
+            </a:solidFill>
+            <a:tailEnd type="triangle"/>
+          </a:ln>
+        </p:spPr>
+        <p:style>
+          <a:lnRef idx="1">
+            <a:schemeClr val="accent1"/>
+          </a:lnRef>
+          <a:fillRef idx="0">
+            <a:schemeClr val="accent1"/>
+          </a:fillRef>
+          <a:effectRef idx="0">
+            <a:schemeClr val="accent1"/>
+          </a:effectRef>
+          <a:fontRef idx="minor">
+            <a:schemeClr val="tx1"/>
+          </a:fontRef>
+        </p:style>
+      </p:cxnSp>
+      <p:cxnSp>
+        <p:nvCxnSpPr>
+          <p:cNvPr id="24" name="Elbow Connector 23">
+            <a:extLst>
+              <a:ext uri="{FF2B5EF4-FFF2-40B4-BE49-F238E27FC236}">
+                <a16:creationId xmlns:a16="http://schemas.microsoft.com/office/drawing/2014/main" id="{134F06F1-0D6B-25ED-2676-BBA65489E349}"/>
+              </a:ext>
+            </a:extLst>
+          </p:cNvPr>
+          <p:cNvCxnSpPr>
+            <a:stCxn id="20" idx="1"/>
+            <a:endCxn id="8" idx="2"/>
+          </p:cNvCxnSpPr>
+          <p:nvPr/>
+        </p:nvCxnSpPr>
+        <p:spPr>
+          <a:xfrm rot="10800000">
+            <a:off x="1757030" y="3453812"/>
+            <a:ext cx="3284574" cy="1810191"/>
+          </a:xfrm>
+          <a:prstGeom prst="bentConnector2">
+            <a:avLst/>
+          </a:prstGeom>
+          <a:ln w="57150">
+            <a:solidFill>
+              <a:srgbClr val="FF0000"/>
+            </a:solidFill>
+            <a:tailEnd type="triangle"/>
+          </a:ln>
+        </p:spPr>
+        <p:style>
+          <a:lnRef idx="1">
+            <a:schemeClr val="accent1"/>
+          </a:lnRef>
+          <a:fillRef idx="0">
+            <a:schemeClr val="accent1"/>
+          </a:fillRef>
+          <a:effectRef idx="0">
+            <a:schemeClr val="accent1"/>
+          </a:effectRef>
+          <a:fontRef idx="minor">
+            <a:schemeClr val="tx1"/>
+          </a:fontRef>
+        </p:style>
+      </p:cxnSp>
+    </p:spTree>
+    <p:extLst>
+      <p:ext uri="{BB962C8B-B14F-4D97-AF65-F5344CB8AC3E}">
+        <p14:creationId xmlns:p14="http://schemas.microsoft.com/office/powerpoint/2010/main" val="3868094155"/>
+      </p:ext>
+    </p:extLst>
+  </p:cSld>
+  <p:clrMapOvr>
+    <a:masterClrMapping/>
+  </p:clrMapOvr>
+</p:sld>
+</file>
+
+<file path=ppt/slides/slide8.xml><?xml version="1.0" encoding="utf-8"?>
+<p:sld xmlns:a="http://schemas.openxmlformats.org/drawingml/2006/main" xmlns:r="http://schemas.openxmlformats.org/officeDocument/2006/relationships" xmlns:p="http://schemas.openxmlformats.org/presentationml/2006/main">
+  <p:cSld>
+    <p:spTree>
+      <p:nvGrpSpPr>
+        <p:cNvPr id="1" name=""/>
+        <p:cNvGrpSpPr/>
+        <p:nvPr/>
+      </p:nvGrpSpPr>
+      <p:grpSpPr>
+        <a:xfrm>
+          <a:off x="0" y="0"/>
+          <a:ext cx="0" cy="0"/>
+          <a:chOff x="0" y="0"/>
+          <a:chExt cx="0" cy="0"/>
+        </a:xfrm>
+      </p:grpSpPr>
+      <p:sp>
+        <p:nvSpPr>
+          <p:cNvPr id="2" name="Rectangle 1">
+            <a:extLst>
+              <a:ext uri="{FF2B5EF4-FFF2-40B4-BE49-F238E27FC236}">
+                <a16:creationId xmlns:a16="http://schemas.microsoft.com/office/drawing/2014/main" id="{25361471-3746-F4E2-0E38-BAB4CDD40DEC}"/>
+              </a:ext>
+            </a:extLst>
+          </p:cNvPr>
+          <p:cNvSpPr/>
+          <p:nvPr/>
+        </p:nvSpPr>
+        <p:spPr>
+          <a:xfrm>
+            <a:off x="6581553" y="1180214"/>
+            <a:ext cx="1350335" cy="946298"/>
+          </a:xfrm>
+          <a:prstGeom prst="rect">
+            <a:avLst/>
+          </a:prstGeom>
+        </p:spPr>
+        <p:style>
+          <a:lnRef idx="2">
+            <a:schemeClr val="accent1">
+              <a:shade val="15000"/>
+            </a:schemeClr>
+          </a:lnRef>
+          <a:fillRef idx="1">
+            <a:schemeClr val="accent1"/>
+          </a:fillRef>
+          <a:effectRef idx="0">
+            <a:schemeClr val="accent1"/>
+          </a:effectRef>
+          <a:fontRef idx="minor">
+            <a:schemeClr val="lt1"/>
+          </a:fontRef>
+        </p:style>
+        <p:txBody>
+          <a:bodyPr rtlCol="0" anchor="ctr"/>
+          <a:lstStyle/>
+          <a:p>
+            <a:pPr algn="ctr"/>
+            <a:r>
+              <a:rPr lang="en-US" dirty="0"/>
+              <a:t>File2.css</a:t>
+            </a:r>
+          </a:p>
+        </p:txBody>
+      </p:sp>
+      <p:sp>
+        <p:nvSpPr>
+          <p:cNvPr id="3" name="Rectangle 2">
+            <a:extLst>
+              <a:ext uri="{FF2B5EF4-FFF2-40B4-BE49-F238E27FC236}">
+                <a16:creationId xmlns:a16="http://schemas.microsoft.com/office/drawing/2014/main" id="{9C24F506-86EF-12BE-CCF0-98FF4C445AEF}"/>
+              </a:ext>
+            </a:extLst>
+          </p:cNvPr>
+          <p:cNvSpPr/>
+          <p:nvPr/>
+        </p:nvSpPr>
+        <p:spPr>
+          <a:xfrm>
+            <a:off x="8435162" y="407581"/>
+            <a:ext cx="1350335" cy="946298"/>
+          </a:xfrm>
+          <a:prstGeom prst="rect">
+            <a:avLst/>
+          </a:prstGeom>
+        </p:spPr>
+        <p:style>
+          <a:lnRef idx="2">
+            <a:schemeClr val="accent1">
+              <a:shade val="15000"/>
+            </a:schemeClr>
+          </a:lnRef>
+          <a:fillRef idx="1">
+            <a:schemeClr val="accent1"/>
+          </a:fillRef>
+          <a:effectRef idx="0">
+            <a:schemeClr val="accent1"/>
+          </a:effectRef>
+          <a:fontRef idx="minor">
+            <a:schemeClr val="lt1"/>
+          </a:fontRef>
+        </p:style>
+        <p:txBody>
+          <a:bodyPr rtlCol="0" anchor="ctr"/>
+          <a:lstStyle/>
+          <a:p>
+            <a:pPr algn="ctr"/>
+            <a:r>
+              <a:rPr lang="en-US" dirty="0"/>
+              <a:t>File1.css</a:t>
+            </a:r>
+          </a:p>
+        </p:txBody>
+      </p:sp>
+      <p:cxnSp>
+        <p:nvCxnSpPr>
+          <p:cNvPr id="5" name="Elbow Connector 4">
+            <a:extLst>
+              <a:ext uri="{FF2B5EF4-FFF2-40B4-BE49-F238E27FC236}">
+                <a16:creationId xmlns:a16="http://schemas.microsoft.com/office/drawing/2014/main" id="{05093307-BA44-DF00-8EFD-4983CD37CF63}"/>
+              </a:ext>
+            </a:extLst>
+          </p:cNvPr>
+          <p:cNvCxnSpPr>
+            <a:stCxn id="3" idx="1"/>
+            <a:endCxn id="2" idx="0"/>
+          </p:cNvCxnSpPr>
+          <p:nvPr/>
+        </p:nvCxnSpPr>
+        <p:spPr>
+          <a:xfrm rot="10800000" flipV="1">
+            <a:off x="7256722" y="880730"/>
+            <a:ext cx="1178441" cy="299484"/>
+          </a:xfrm>
+          <a:prstGeom prst="bentConnector2">
+            <a:avLst/>
+          </a:prstGeom>
+          <a:ln>
+            <a:tailEnd type="triangle"/>
+          </a:ln>
+        </p:spPr>
+        <p:style>
+          <a:lnRef idx="1">
+            <a:schemeClr val="accent1"/>
+          </a:lnRef>
+          <a:fillRef idx="0">
+            <a:schemeClr val="accent1"/>
+          </a:fillRef>
+          <a:effectRef idx="0">
+            <a:schemeClr val="accent1"/>
+          </a:effectRef>
+          <a:fontRef idx="minor">
+            <a:schemeClr val="tx1"/>
+          </a:fontRef>
+        </p:style>
+      </p:cxnSp>
+      <p:sp>
+        <p:nvSpPr>
+          <p:cNvPr id="6" name="TextBox 5">
+            <a:extLst>
+              <a:ext uri="{FF2B5EF4-FFF2-40B4-BE49-F238E27FC236}">
+                <a16:creationId xmlns:a16="http://schemas.microsoft.com/office/drawing/2014/main" id="{3AC617E0-587C-B792-9131-C62DBA22946B}"/>
+              </a:ext>
+            </a:extLst>
+          </p:cNvPr>
+          <p:cNvSpPr txBox="1"/>
+          <p:nvPr/>
+        </p:nvSpPr>
+        <p:spPr>
+          <a:xfrm>
+            <a:off x="6581553" y="407581"/>
+            <a:ext cx="1201480" cy="646331"/>
+          </a:xfrm>
+          <a:prstGeom prst="rect">
+            <a:avLst/>
+          </a:prstGeom>
+          <a:noFill/>
+        </p:spPr>
+        <p:txBody>
+          <a:bodyPr wrap="square" rtlCol="0">
+            <a:spAutoFit/>
+          </a:bodyPr>
+          <a:lstStyle/>
+          <a:p>
+            <a:r>
+              <a:rPr lang="en-US" dirty="0"/>
+              <a:t>@import File1.css</a:t>
+            </a:r>
+          </a:p>
+        </p:txBody>
+      </p:sp>
+      <p:sp>
+        <p:nvSpPr>
+          <p:cNvPr id="7" name="Parallelogram 6">
+            <a:extLst>
+              <a:ext uri="{FF2B5EF4-FFF2-40B4-BE49-F238E27FC236}">
+                <a16:creationId xmlns:a16="http://schemas.microsoft.com/office/drawing/2014/main" id="{CC1D20C2-8887-248E-A8E8-9902F3C0B9C7}"/>
+              </a:ext>
+            </a:extLst>
+          </p:cNvPr>
+          <p:cNvSpPr/>
+          <p:nvPr/>
+        </p:nvSpPr>
+        <p:spPr>
+          <a:xfrm>
+            <a:off x="244549" y="1180214"/>
+            <a:ext cx="1850065" cy="1467293"/>
+          </a:xfrm>
+          <a:prstGeom prst="parallelogram">
+            <a:avLst/>
+          </a:prstGeom>
+        </p:spPr>
+        <p:style>
+          <a:lnRef idx="2">
+            <a:schemeClr val="accent1">
+              <a:shade val="15000"/>
+            </a:schemeClr>
+          </a:lnRef>
+          <a:fillRef idx="1">
+            <a:schemeClr val="accent1"/>
+          </a:fillRef>
+          <a:effectRef idx="0">
+            <a:schemeClr val="accent1"/>
+          </a:effectRef>
+          <a:fontRef idx="minor">
+            <a:schemeClr val="lt1"/>
+          </a:fontRef>
+        </p:style>
+        <p:txBody>
+          <a:bodyPr rtlCol="0" anchor="ctr"/>
+          <a:lstStyle/>
+          <a:p>
+            <a:pPr algn="ctr"/>
+            <a:r>
+              <a:rPr lang="en-US" dirty="0"/>
+              <a:t>Browser</a:t>
+            </a:r>
+          </a:p>
+        </p:txBody>
+      </p:sp>
+      <p:cxnSp>
+        <p:nvCxnSpPr>
+          <p:cNvPr id="9" name="Straight Arrow Connector 8">
+            <a:extLst>
+              <a:ext uri="{FF2B5EF4-FFF2-40B4-BE49-F238E27FC236}">
+                <a16:creationId xmlns:a16="http://schemas.microsoft.com/office/drawing/2014/main" id="{88744E08-522C-A053-0D3B-644EDB71E93F}"/>
+              </a:ext>
+            </a:extLst>
+          </p:cNvPr>
+          <p:cNvCxnSpPr>
+            <a:stCxn id="7" idx="2"/>
+            <a:endCxn id="2" idx="1"/>
+          </p:cNvCxnSpPr>
+          <p:nvPr/>
+        </p:nvCxnSpPr>
+        <p:spPr>
+          <a:xfrm flipV="1">
+            <a:off x="1911202" y="1653363"/>
+            <a:ext cx="4670351" cy="260498"/>
+          </a:xfrm>
+          <a:prstGeom prst="straightConnector1">
+            <a:avLst/>
+          </a:prstGeom>
+          <a:ln>
+            <a:tailEnd type="triangle"/>
+          </a:ln>
+        </p:spPr>
+        <p:style>
+          <a:lnRef idx="1">
+            <a:schemeClr val="accent1"/>
+          </a:lnRef>
+          <a:fillRef idx="0">
+            <a:schemeClr val="accent1"/>
+          </a:fillRef>
+          <a:effectRef idx="0">
+            <a:schemeClr val="accent1"/>
+          </a:effectRef>
+          <a:fontRef idx="minor">
+            <a:schemeClr val="tx1"/>
+          </a:fontRef>
+        </p:style>
+      </p:cxnSp>
+      <p:sp>
+        <p:nvSpPr>
+          <p:cNvPr id="10" name="TextBox 9">
+            <a:extLst>
+              <a:ext uri="{FF2B5EF4-FFF2-40B4-BE49-F238E27FC236}">
+                <a16:creationId xmlns:a16="http://schemas.microsoft.com/office/drawing/2014/main" id="{2E321013-3064-EF01-3DA8-924F60185F53}"/>
+              </a:ext>
+            </a:extLst>
+          </p:cNvPr>
+          <p:cNvSpPr txBox="1"/>
+          <p:nvPr/>
+        </p:nvSpPr>
+        <p:spPr>
+          <a:xfrm>
+            <a:off x="3179135" y="1653363"/>
+            <a:ext cx="1435395" cy="923330"/>
+          </a:xfrm>
+          <a:prstGeom prst="rect">
+            <a:avLst/>
+          </a:prstGeom>
+          <a:noFill/>
+        </p:spPr>
+        <p:txBody>
+          <a:bodyPr wrap="square" rtlCol="0">
+            <a:spAutoFit/>
+          </a:bodyPr>
+          <a:lstStyle/>
+          <a:p>
+            <a:r>
+              <a:rPr lang="en-US" dirty="0"/>
+              <a:t>HTTP Request to Load CSS</a:t>
+            </a:r>
+          </a:p>
+        </p:txBody>
+      </p:sp>
+      <p:cxnSp>
+        <p:nvCxnSpPr>
+          <p:cNvPr id="12" name="Elbow Connector 11">
+            <a:extLst>
+              <a:ext uri="{FF2B5EF4-FFF2-40B4-BE49-F238E27FC236}">
+                <a16:creationId xmlns:a16="http://schemas.microsoft.com/office/drawing/2014/main" id="{669028DE-3192-88A9-1ECA-ADCD648286C2}"/>
+              </a:ext>
+            </a:extLst>
+          </p:cNvPr>
+          <p:cNvCxnSpPr>
+            <a:stCxn id="2" idx="2"/>
+            <a:endCxn id="7" idx="3"/>
+          </p:cNvCxnSpPr>
+          <p:nvPr/>
+        </p:nvCxnSpPr>
+        <p:spPr>
+          <a:xfrm rot="5400000">
+            <a:off x="3860949" y="-748266"/>
+            <a:ext cx="520995" cy="6270551"/>
+          </a:xfrm>
+          <a:prstGeom prst="bentConnector3">
+            <a:avLst>
+              <a:gd name="adj1" fmla="val 143878"/>
+            </a:avLst>
+          </a:prstGeom>
+          <a:ln>
+            <a:tailEnd type="triangle"/>
+          </a:ln>
+        </p:spPr>
+        <p:style>
+          <a:lnRef idx="1">
+            <a:schemeClr val="accent1"/>
+          </a:lnRef>
+          <a:fillRef idx="0">
+            <a:schemeClr val="accent1"/>
+          </a:fillRef>
+          <a:effectRef idx="0">
+            <a:schemeClr val="accent1"/>
+          </a:effectRef>
+          <a:fontRef idx="minor">
+            <a:schemeClr val="tx1"/>
+          </a:fontRef>
+        </p:style>
+      </p:cxnSp>
+      <p:sp>
+        <p:nvSpPr>
+          <p:cNvPr id="13" name="TextBox 12">
+            <a:extLst>
+              <a:ext uri="{FF2B5EF4-FFF2-40B4-BE49-F238E27FC236}">
+                <a16:creationId xmlns:a16="http://schemas.microsoft.com/office/drawing/2014/main" id="{0656A561-6218-CD05-965C-A2550B77F61D}"/>
+              </a:ext>
+            </a:extLst>
+          </p:cNvPr>
+          <p:cNvSpPr txBox="1"/>
+          <p:nvPr/>
+        </p:nvSpPr>
+        <p:spPr>
+          <a:xfrm>
+            <a:off x="4401879" y="2725963"/>
+            <a:ext cx="1676400" cy="646331"/>
+          </a:xfrm>
+          <a:prstGeom prst="rect">
+            <a:avLst/>
+          </a:prstGeom>
+          <a:noFill/>
+        </p:spPr>
+        <p:txBody>
+          <a:bodyPr wrap="square" rtlCol="0">
+            <a:spAutoFit/>
+          </a:bodyPr>
+          <a:lstStyle/>
+          <a:p>
+            <a:r>
+              <a:rPr lang="en-US" dirty="0"/>
+              <a:t>File2.css Response</a:t>
+            </a:r>
+          </a:p>
+        </p:txBody>
+      </p:sp>
+      <p:sp>
+        <p:nvSpPr>
+          <p:cNvPr id="14" name="TextBox 13">
+            <a:extLst>
+              <a:ext uri="{FF2B5EF4-FFF2-40B4-BE49-F238E27FC236}">
+                <a16:creationId xmlns:a16="http://schemas.microsoft.com/office/drawing/2014/main" id="{CE271B3E-C01B-B701-EA02-A1ADBFD458B5}"/>
+              </a:ext>
+            </a:extLst>
+          </p:cNvPr>
+          <p:cNvSpPr txBox="1"/>
+          <p:nvPr/>
+        </p:nvSpPr>
+        <p:spPr>
+          <a:xfrm>
+            <a:off x="446567" y="2126512"/>
+            <a:ext cx="2057402" cy="369332"/>
+          </a:xfrm>
+          <a:prstGeom prst="rect">
+            <a:avLst/>
+          </a:prstGeom>
+          <a:solidFill>
+            <a:srgbClr val="FFFF00"/>
+          </a:solidFill>
+        </p:spPr>
+        <p:txBody>
+          <a:bodyPr wrap="square" rtlCol="0">
+            <a:spAutoFit/>
+          </a:bodyPr>
+          <a:lstStyle/>
+          <a:p>
+            <a:r>
+              <a:rPr lang="en-US" dirty="0"/>
+              <a:t>File 2 import file 1</a:t>
+            </a:r>
+          </a:p>
+        </p:txBody>
+      </p:sp>
+      <p:cxnSp>
+        <p:nvCxnSpPr>
+          <p:cNvPr id="16" name="Elbow Connector 15">
+            <a:extLst>
+              <a:ext uri="{FF2B5EF4-FFF2-40B4-BE49-F238E27FC236}">
+                <a16:creationId xmlns:a16="http://schemas.microsoft.com/office/drawing/2014/main" id="{CFB594E6-FD9E-D5B7-E601-AF17FD88F87C}"/>
+              </a:ext>
+            </a:extLst>
+          </p:cNvPr>
+          <p:cNvCxnSpPr>
+            <a:stCxn id="7" idx="1"/>
+            <a:endCxn id="3" idx="0"/>
+          </p:cNvCxnSpPr>
+          <p:nvPr/>
+        </p:nvCxnSpPr>
+        <p:spPr>
+          <a:xfrm rot="5400000" flipH="1" flipV="1">
+            <a:off x="4845345" y="-3084770"/>
+            <a:ext cx="772633" cy="7757337"/>
+          </a:xfrm>
+          <a:prstGeom prst="bentConnector3">
+            <a:avLst>
+              <a:gd name="adj1" fmla="val 129587"/>
+            </a:avLst>
+          </a:prstGeom>
+          <a:ln>
+            <a:tailEnd type="triangle"/>
+          </a:ln>
+        </p:spPr>
+        <p:style>
+          <a:lnRef idx="1">
+            <a:schemeClr val="accent1"/>
+          </a:lnRef>
+          <a:fillRef idx="0">
+            <a:schemeClr val="accent1"/>
+          </a:fillRef>
+          <a:effectRef idx="0">
+            <a:schemeClr val="accent1"/>
+          </a:effectRef>
+          <a:fontRef idx="minor">
+            <a:schemeClr val="tx1"/>
+          </a:fontRef>
+        </p:style>
+      </p:cxnSp>
+      <p:sp>
+        <p:nvSpPr>
+          <p:cNvPr id="17" name="TextBox 16">
+            <a:extLst>
+              <a:ext uri="{FF2B5EF4-FFF2-40B4-BE49-F238E27FC236}">
+                <a16:creationId xmlns:a16="http://schemas.microsoft.com/office/drawing/2014/main" id="{81FE4D9C-C808-128A-9606-50E3ADF96116}"/>
+              </a:ext>
+            </a:extLst>
+          </p:cNvPr>
+          <p:cNvSpPr txBox="1"/>
+          <p:nvPr/>
+        </p:nvSpPr>
+        <p:spPr>
+          <a:xfrm>
+            <a:off x="1911202" y="233917"/>
+            <a:ext cx="3394445" cy="369332"/>
+          </a:xfrm>
+          <a:prstGeom prst="rect">
+            <a:avLst/>
+          </a:prstGeom>
+          <a:noFill/>
+        </p:spPr>
+        <p:txBody>
+          <a:bodyPr wrap="square" rtlCol="0">
+            <a:spAutoFit/>
+          </a:bodyPr>
+          <a:lstStyle/>
+          <a:p>
+            <a:r>
+              <a:rPr lang="en-US" dirty="0"/>
+              <a:t>HTTP Request to to File1.css</a:t>
+            </a:r>
+          </a:p>
+        </p:txBody>
+      </p:sp>
+      <p:cxnSp>
+        <p:nvCxnSpPr>
+          <p:cNvPr id="19" name="Elbow Connector 18">
+            <a:extLst>
+              <a:ext uri="{FF2B5EF4-FFF2-40B4-BE49-F238E27FC236}">
+                <a16:creationId xmlns:a16="http://schemas.microsoft.com/office/drawing/2014/main" id="{E8C6FCA5-D98B-02BD-A721-048FB90AFDDB}"/>
+              </a:ext>
+            </a:extLst>
+          </p:cNvPr>
+          <p:cNvCxnSpPr>
+            <a:stCxn id="3" idx="2"/>
+            <a:endCxn id="7" idx="3"/>
+          </p:cNvCxnSpPr>
+          <p:nvPr/>
+        </p:nvCxnSpPr>
+        <p:spPr>
+          <a:xfrm rot="5400000">
+            <a:off x="4401436" y="-2061387"/>
+            <a:ext cx="1293628" cy="8124160"/>
+          </a:xfrm>
+          <a:prstGeom prst="bentConnector3">
+            <a:avLst>
+              <a:gd name="adj1" fmla="val 117671"/>
+            </a:avLst>
+          </a:prstGeom>
+          <a:ln>
+            <a:tailEnd type="triangle"/>
+          </a:ln>
+        </p:spPr>
+        <p:style>
+          <a:lnRef idx="1">
+            <a:schemeClr val="accent1"/>
+          </a:lnRef>
+          <a:fillRef idx="0">
+            <a:schemeClr val="accent1"/>
+          </a:fillRef>
+          <a:effectRef idx="0">
+            <a:schemeClr val="accent1"/>
+          </a:effectRef>
+          <a:fontRef idx="minor">
+            <a:schemeClr val="tx1"/>
+          </a:fontRef>
+        </p:style>
+      </p:cxnSp>
+      <p:sp>
+        <p:nvSpPr>
+          <p:cNvPr id="20" name="TextBox 19">
+            <a:extLst>
+              <a:ext uri="{FF2B5EF4-FFF2-40B4-BE49-F238E27FC236}">
+                <a16:creationId xmlns:a16="http://schemas.microsoft.com/office/drawing/2014/main" id="{2AD7AB43-0CD6-9D27-C05A-373279F81F0E}"/>
+              </a:ext>
+            </a:extLst>
+          </p:cNvPr>
+          <p:cNvSpPr txBox="1"/>
+          <p:nvPr/>
+        </p:nvSpPr>
+        <p:spPr>
+          <a:xfrm>
+            <a:off x="8686800" y="1733107"/>
+            <a:ext cx="1754372" cy="646331"/>
+          </a:xfrm>
+          <a:prstGeom prst="rect">
+            <a:avLst/>
+          </a:prstGeom>
+          <a:noFill/>
+        </p:spPr>
+        <p:txBody>
+          <a:bodyPr wrap="square" rtlCol="0">
+            <a:spAutoFit/>
+          </a:bodyPr>
+          <a:lstStyle/>
+          <a:p>
+            <a:r>
+              <a:rPr lang="en-US" dirty="0"/>
+              <a:t>Response for File1.css</a:t>
+            </a:r>
+          </a:p>
+        </p:txBody>
+      </p:sp>
+      <p:sp>
+        <p:nvSpPr>
+          <p:cNvPr id="21" name="Parallelogram 20">
+            <a:extLst>
+              <a:ext uri="{FF2B5EF4-FFF2-40B4-BE49-F238E27FC236}">
+                <a16:creationId xmlns:a16="http://schemas.microsoft.com/office/drawing/2014/main" id="{84F865E8-D571-C18B-D0EB-BD8268EDCE42}"/>
+              </a:ext>
+            </a:extLst>
+          </p:cNvPr>
+          <p:cNvSpPr/>
+          <p:nvPr/>
+        </p:nvSpPr>
+        <p:spPr>
+          <a:xfrm>
+            <a:off x="93035" y="4206949"/>
+            <a:ext cx="1850065" cy="1467293"/>
+          </a:xfrm>
+          <a:prstGeom prst="parallelogram">
+            <a:avLst/>
+          </a:prstGeom>
+        </p:spPr>
+        <p:style>
+          <a:lnRef idx="2">
+            <a:schemeClr val="accent1">
+              <a:shade val="15000"/>
+            </a:schemeClr>
+          </a:lnRef>
+          <a:fillRef idx="1">
+            <a:schemeClr val="accent1"/>
+          </a:fillRef>
+          <a:effectRef idx="0">
+            <a:schemeClr val="accent1"/>
+          </a:effectRef>
+          <a:fontRef idx="minor">
+            <a:schemeClr val="lt1"/>
+          </a:fontRef>
+        </p:style>
+        <p:txBody>
+          <a:bodyPr rtlCol="0" anchor="ctr"/>
+          <a:lstStyle/>
+          <a:p>
+            <a:pPr algn="ctr"/>
+            <a:r>
+              <a:rPr lang="en-US" dirty="0"/>
+              <a:t>Browser</a:t>
+            </a:r>
+          </a:p>
+        </p:txBody>
+      </p:sp>
+      <p:sp>
+        <p:nvSpPr>
+          <p:cNvPr id="22" name="Rectangle 21">
+            <a:extLst>
+              <a:ext uri="{FF2B5EF4-FFF2-40B4-BE49-F238E27FC236}">
+                <a16:creationId xmlns:a16="http://schemas.microsoft.com/office/drawing/2014/main" id="{9C2CC3CD-AD06-36F1-32DD-698BE4AA1FC0}"/>
+              </a:ext>
+            </a:extLst>
+          </p:cNvPr>
+          <p:cNvSpPr/>
+          <p:nvPr/>
+        </p:nvSpPr>
+        <p:spPr>
+          <a:xfrm>
+            <a:off x="7552660" y="4532531"/>
+            <a:ext cx="1350335" cy="946298"/>
+          </a:xfrm>
+          <a:prstGeom prst="rect">
+            <a:avLst/>
+          </a:prstGeom>
+        </p:spPr>
+        <p:style>
+          <a:lnRef idx="2">
+            <a:schemeClr val="accent1">
+              <a:shade val="15000"/>
+            </a:schemeClr>
+          </a:lnRef>
+          <a:fillRef idx="1">
+            <a:schemeClr val="accent1"/>
+          </a:fillRef>
+          <a:effectRef idx="0">
+            <a:schemeClr val="accent1"/>
+          </a:effectRef>
+          <a:fontRef idx="minor">
+            <a:schemeClr val="lt1"/>
+          </a:fontRef>
+        </p:style>
+        <p:txBody>
+          <a:bodyPr rtlCol="0" anchor="ctr"/>
+          <a:lstStyle/>
+          <a:p>
+            <a:pPr algn="ctr"/>
+            <a:r>
+              <a:rPr lang="en-US" dirty="0"/>
+              <a:t>File2.scss</a:t>
+            </a:r>
+          </a:p>
+        </p:txBody>
+      </p:sp>
+      <p:sp>
+        <p:nvSpPr>
+          <p:cNvPr id="23" name="Rectangle 22">
+            <a:extLst>
+              <a:ext uri="{FF2B5EF4-FFF2-40B4-BE49-F238E27FC236}">
+                <a16:creationId xmlns:a16="http://schemas.microsoft.com/office/drawing/2014/main" id="{D0C16F0F-D4E5-0638-A84F-53EE5DD0B200}"/>
+              </a:ext>
+            </a:extLst>
+          </p:cNvPr>
+          <p:cNvSpPr/>
+          <p:nvPr/>
+        </p:nvSpPr>
+        <p:spPr>
+          <a:xfrm>
+            <a:off x="9406269" y="3759898"/>
+            <a:ext cx="1350335" cy="946298"/>
+          </a:xfrm>
+          <a:prstGeom prst="rect">
+            <a:avLst/>
+          </a:prstGeom>
+        </p:spPr>
+        <p:style>
+          <a:lnRef idx="2">
+            <a:schemeClr val="accent1">
+              <a:shade val="15000"/>
+            </a:schemeClr>
+          </a:lnRef>
+          <a:fillRef idx="1">
+            <a:schemeClr val="accent1"/>
+          </a:fillRef>
+          <a:effectRef idx="0">
+            <a:schemeClr val="accent1"/>
+          </a:effectRef>
+          <a:fontRef idx="minor">
+            <a:schemeClr val="lt1"/>
+          </a:fontRef>
+        </p:style>
+        <p:txBody>
+          <a:bodyPr rtlCol="0" anchor="ctr"/>
+          <a:lstStyle/>
+          <a:p>
+            <a:pPr algn="ctr"/>
+            <a:r>
+              <a:rPr lang="en-US" dirty="0"/>
+              <a:t>File1.scss</a:t>
+            </a:r>
+          </a:p>
+        </p:txBody>
+      </p:sp>
+      <p:cxnSp>
+        <p:nvCxnSpPr>
+          <p:cNvPr id="24" name="Elbow Connector 23">
+            <a:extLst>
+              <a:ext uri="{FF2B5EF4-FFF2-40B4-BE49-F238E27FC236}">
+                <a16:creationId xmlns:a16="http://schemas.microsoft.com/office/drawing/2014/main" id="{6527143E-AE78-6BFF-590A-8A95ACCCDDD5}"/>
+              </a:ext>
+            </a:extLst>
+          </p:cNvPr>
+          <p:cNvCxnSpPr/>
+          <p:nvPr/>
+        </p:nvCxnSpPr>
+        <p:spPr>
+          <a:xfrm rot="10800000" flipV="1">
+            <a:off x="8227829" y="4233047"/>
+            <a:ext cx="1178441" cy="299484"/>
+          </a:xfrm>
+          <a:prstGeom prst="bentConnector2">
+            <a:avLst/>
+          </a:prstGeom>
+          <a:ln>
+            <a:tailEnd type="triangle"/>
+          </a:ln>
+        </p:spPr>
+        <p:style>
+          <a:lnRef idx="1">
+            <a:schemeClr val="accent1"/>
+          </a:lnRef>
+          <a:fillRef idx="0">
+            <a:schemeClr val="accent1"/>
+          </a:fillRef>
+          <a:effectRef idx="0">
+            <a:schemeClr val="accent1"/>
+          </a:effectRef>
+          <a:fontRef idx="minor">
+            <a:schemeClr val="tx1"/>
+          </a:fontRef>
+        </p:style>
+      </p:cxnSp>
+      <p:sp>
+        <p:nvSpPr>
+          <p:cNvPr id="25" name="TextBox 24">
+            <a:extLst>
+              <a:ext uri="{FF2B5EF4-FFF2-40B4-BE49-F238E27FC236}">
+                <a16:creationId xmlns:a16="http://schemas.microsoft.com/office/drawing/2014/main" id="{F7E2325A-21CD-A460-D073-7F0033889D5F}"/>
+              </a:ext>
+            </a:extLst>
+          </p:cNvPr>
+          <p:cNvSpPr txBox="1"/>
+          <p:nvPr/>
+        </p:nvSpPr>
+        <p:spPr>
+          <a:xfrm>
+            <a:off x="7552660" y="3759898"/>
+            <a:ext cx="1201480" cy="646331"/>
+          </a:xfrm>
+          <a:prstGeom prst="rect">
+            <a:avLst/>
+          </a:prstGeom>
+          <a:noFill/>
+        </p:spPr>
+        <p:txBody>
+          <a:bodyPr wrap="square" rtlCol="0">
+            <a:spAutoFit/>
+          </a:bodyPr>
+          <a:lstStyle/>
+          <a:p>
+            <a:r>
+              <a:rPr lang="en-US" dirty="0"/>
+              <a:t>@import File1.scss</a:t>
+            </a:r>
+          </a:p>
+        </p:txBody>
+      </p:sp>
+      <p:sp>
+        <p:nvSpPr>
+          <p:cNvPr id="26" name="Left Arrow 25">
+            <a:extLst>
+              <a:ext uri="{FF2B5EF4-FFF2-40B4-BE49-F238E27FC236}">
+                <a16:creationId xmlns:a16="http://schemas.microsoft.com/office/drawing/2014/main" id="{E42B8152-1376-0BBD-75FE-8FA69712E02C}"/>
+              </a:ext>
+            </a:extLst>
+          </p:cNvPr>
+          <p:cNvSpPr/>
+          <p:nvPr/>
+        </p:nvSpPr>
+        <p:spPr>
+          <a:xfrm>
+            <a:off x="6335234" y="4831853"/>
+            <a:ext cx="1158948" cy="372784"/>
+          </a:xfrm>
+          <a:prstGeom prst="leftArrow">
+            <a:avLst/>
+          </a:prstGeom>
+        </p:spPr>
+        <p:style>
+          <a:lnRef idx="2">
+            <a:schemeClr val="accent1">
+              <a:shade val="15000"/>
+            </a:schemeClr>
+          </a:lnRef>
+          <a:fillRef idx="1">
+            <a:schemeClr val="accent1"/>
+          </a:fillRef>
+          <a:effectRef idx="0">
+            <a:schemeClr val="accent1"/>
+          </a:effectRef>
+          <a:fontRef idx="minor">
+            <a:schemeClr val="lt1"/>
+          </a:fontRef>
+        </p:style>
+        <p:txBody>
+          <a:bodyPr rtlCol="0" anchor="ctr"/>
+          <a:lstStyle/>
+          <a:p>
+            <a:pPr algn="ctr"/>
+            <a:r>
+              <a:rPr lang="en-US" sz="1000" b="1" dirty="0"/>
+              <a:t>SASS Parser</a:t>
+            </a:r>
+          </a:p>
+        </p:txBody>
+      </p:sp>
+      <p:sp>
+        <p:nvSpPr>
+          <p:cNvPr id="27" name="Rectangle 26">
+            <a:extLst>
+              <a:ext uri="{FF2B5EF4-FFF2-40B4-BE49-F238E27FC236}">
+                <a16:creationId xmlns:a16="http://schemas.microsoft.com/office/drawing/2014/main" id="{0B1AF82E-B8C7-522A-C39F-DA5BA1F3E457}"/>
+              </a:ext>
+            </a:extLst>
+          </p:cNvPr>
+          <p:cNvSpPr/>
+          <p:nvPr/>
+        </p:nvSpPr>
+        <p:spPr>
+          <a:xfrm>
+            <a:off x="4772692" y="4382789"/>
+            <a:ext cx="1533303" cy="1467293"/>
+          </a:xfrm>
+          <a:prstGeom prst="rect">
+            <a:avLst/>
+          </a:prstGeom>
+        </p:spPr>
+        <p:style>
+          <a:lnRef idx="2">
+            <a:schemeClr val="accent1">
+              <a:shade val="15000"/>
+            </a:schemeClr>
+          </a:lnRef>
+          <a:fillRef idx="1">
+            <a:schemeClr val="accent1"/>
+          </a:fillRef>
+          <a:effectRef idx="0">
+            <a:schemeClr val="accent1"/>
+          </a:effectRef>
+          <a:fontRef idx="minor">
+            <a:schemeClr val="lt1"/>
+          </a:fontRef>
+        </p:style>
+        <p:txBody>
+          <a:bodyPr rtlCol="0" anchor="ctr"/>
+          <a:lstStyle/>
+          <a:p>
+            <a:pPr algn="ctr"/>
+            <a:r>
+              <a:rPr lang="en-US" dirty="0"/>
+              <a:t>File2.css includes File1.css as parsed output</a:t>
+            </a:r>
+          </a:p>
+        </p:txBody>
+      </p:sp>
+      <p:cxnSp>
+        <p:nvCxnSpPr>
+          <p:cNvPr id="29" name="Elbow Connector 28">
+            <a:extLst>
+              <a:ext uri="{FF2B5EF4-FFF2-40B4-BE49-F238E27FC236}">
+                <a16:creationId xmlns:a16="http://schemas.microsoft.com/office/drawing/2014/main" id="{161EECE6-AF4A-E4CE-EFAD-18A50244C5AE}"/>
+              </a:ext>
+            </a:extLst>
+          </p:cNvPr>
+          <p:cNvCxnSpPr>
+            <a:stCxn id="21" idx="1"/>
+            <a:endCxn id="27" idx="1"/>
+          </p:cNvCxnSpPr>
+          <p:nvPr/>
+        </p:nvCxnSpPr>
+        <p:spPr>
+          <a:xfrm rot="16200000" flipH="1">
+            <a:off x="2532341" y="2876086"/>
+            <a:ext cx="909487" cy="3571213"/>
+          </a:xfrm>
+          <a:prstGeom prst="bentConnector4">
+            <a:avLst>
+              <a:gd name="adj1" fmla="val -25135"/>
+              <a:gd name="adj2" fmla="val 60383"/>
+            </a:avLst>
+          </a:prstGeom>
+          <a:ln>
+            <a:tailEnd type="triangle"/>
+          </a:ln>
+        </p:spPr>
+        <p:style>
+          <a:lnRef idx="1">
+            <a:schemeClr val="accent1"/>
+          </a:lnRef>
+          <a:fillRef idx="0">
+            <a:schemeClr val="accent1"/>
+          </a:fillRef>
+          <a:effectRef idx="0">
+            <a:schemeClr val="accent1"/>
+          </a:effectRef>
+          <a:fontRef idx="minor">
+            <a:schemeClr val="tx1"/>
+          </a:fontRef>
+        </p:style>
+      </p:cxnSp>
+      <p:sp>
+        <p:nvSpPr>
+          <p:cNvPr id="30" name="TextBox 29">
+            <a:extLst>
+              <a:ext uri="{FF2B5EF4-FFF2-40B4-BE49-F238E27FC236}">
+                <a16:creationId xmlns:a16="http://schemas.microsoft.com/office/drawing/2014/main" id="{6C02D218-8BD1-EA82-C783-EEA6E723E4A4}"/>
+              </a:ext>
+            </a:extLst>
+          </p:cNvPr>
+          <p:cNvSpPr txBox="1"/>
+          <p:nvPr/>
+        </p:nvSpPr>
+        <p:spPr>
+          <a:xfrm>
+            <a:off x="2860158" y="4311975"/>
+            <a:ext cx="1004776" cy="923330"/>
+          </a:xfrm>
+          <a:prstGeom prst="rect">
+            <a:avLst/>
+          </a:prstGeom>
+          <a:noFill/>
+        </p:spPr>
+        <p:txBody>
+          <a:bodyPr wrap="square" rtlCol="0">
+            <a:spAutoFit/>
+          </a:bodyPr>
+          <a:lstStyle/>
+          <a:p>
+            <a:r>
+              <a:rPr lang="en-US" dirty="0"/>
+              <a:t>Request for File2.css</a:t>
+            </a:r>
+          </a:p>
+        </p:txBody>
+      </p:sp>
+      <p:cxnSp>
+        <p:nvCxnSpPr>
+          <p:cNvPr id="32" name="Elbow Connector 31">
+            <a:extLst>
+              <a:ext uri="{FF2B5EF4-FFF2-40B4-BE49-F238E27FC236}">
+                <a16:creationId xmlns:a16="http://schemas.microsoft.com/office/drawing/2014/main" id="{FD2764D6-3A95-4499-060D-8EFD148A67ED}"/>
+              </a:ext>
+            </a:extLst>
+          </p:cNvPr>
+          <p:cNvCxnSpPr>
+            <a:stCxn id="27" idx="2"/>
+            <a:endCxn id="21" idx="4"/>
+          </p:cNvCxnSpPr>
+          <p:nvPr/>
+        </p:nvCxnSpPr>
+        <p:spPr>
+          <a:xfrm rot="5400000" flipH="1">
+            <a:off x="3190786" y="3501524"/>
+            <a:ext cx="175840" cy="4521276"/>
+          </a:xfrm>
+          <a:prstGeom prst="bentConnector3">
+            <a:avLst>
+              <a:gd name="adj1" fmla="val -130005"/>
+            </a:avLst>
+          </a:prstGeom>
+          <a:ln>
+            <a:tailEnd type="triangle"/>
+          </a:ln>
+        </p:spPr>
+        <p:style>
+          <a:lnRef idx="1">
+            <a:schemeClr val="accent1"/>
+          </a:lnRef>
+          <a:fillRef idx="0">
+            <a:schemeClr val="accent1"/>
+          </a:fillRef>
+          <a:effectRef idx="0">
+            <a:schemeClr val="accent1"/>
+          </a:effectRef>
+          <a:fontRef idx="minor">
+            <a:schemeClr val="tx1"/>
+          </a:fontRef>
+        </p:style>
+      </p:cxnSp>
+      <p:sp>
+        <p:nvSpPr>
+          <p:cNvPr id="33" name="TextBox 32">
+            <a:extLst>
+              <a:ext uri="{FF2B5EF4-FFF2-40B4-BE49-F238E27FC236}">
+                <a16:creationId xmlns:a16="http://schemas.microsoft.com/office/drawing/2014/main" id="{E3F955C3-A3E7-6B76-8697-8340BC6EDF6E}"/>
+              </a:ext>
+            </a:extLst>
+          </p:cNvPr>
+          <p:cNvSpPr txBox="1"/>
+          <p:nvPr/>
+        </p:nvSpPr>
+        <p:spPr>
+          <a:xfrm>
+            <a:off x="1911202" y="5762162"/>
+            <a:ext cx="2490677" cy="646331"/>
+          </a:xfrm>
+          <a:prstGeom prst="rect">
+            <a:avLst/>
+          </a:prstGeom>
+          <a:noFill/>
+        </p:spPr>
+        <p:txBody>
+          <a:bodyPr wrap="square" rtlCol="0">
+            <a:spAutoFit/>
+          </a:bodyPr>
+          <a:lstStyle/>
+          <a:p>
+            <a:r>
+              <a:rPr lang="en-US" dirty="0"/>
+              <a:t>File2.css </a:t>
+            </a:r>
+            <a:r>
+              <a:rPr lang="en-US"/>
+              <a:t>response including File1.css</a:t>
+            </a:r>
+          </a:p>
+        </p:txBody>
+      </p:sp>
+    </p:spTree>
+    <p:extLst>
+      <p:ext uri="{BB962C8B-B14F-4D97-AF65-F5344CB8AC3E}">
+        <p14:creationId xmlns:p14="http://schemas.microsoft.com/office/powerpoint/2010/main" val="4138448103"/>
+      </p:ext>
+    </p:extLst>
+  </p:cSld>
+  <p:clrMapOvr>
+    <a:masterClrMapping/>
+  </p:clrMapOvr>
+</p:sld>
+</file>
+
 <file path=ppt/theme/theme1.xml><?xml version="1.0" encoding="utf-8"?>
 <a:theme xmlns:a="http://schemas.openxmlformats.org/drawingml/2006/main" name="Office Theme">
   <a:themeElements>

--- a/Training_Presentetions.pptx
+++ b/Training_Presentetions.pptx
@@ -13,6 +13,11 @@
     <p:sldId id="261" r:id="rId7"/>
     <p:sldId id="262" r:id="rId8"/>
     <p:sldId id="263" r:id="rId9"/>
+    <p:sldId id="264" r:id="rId10"/>
+    <p:sldId id="265" r:id="rId11"/>
+    <p:sldId id="266" r:id="rId12"/>
+    <p:sldId id="267" r:id="rId13"/>
+    <p:sldId id="268" r:id="rId14"/>
   </p:sldIdLst>
   <p:sldSz cx="12192000" cy="6858000"/>
   <p:notesSz cx="6858000" cy="9144000"/>
@@ -268,7 +273,7 @@
           <a:p>
             <a:fld id="{D9FCDB6C-7DD4-3A4F-BB06-0EDDD9178121}" type="datetimeFigureOut">
               <a:rPr lang="en-US" smtClean="0"/>
-              <a:t>7/7/23</a:t>
+              <a:t>7/10/23</a:t>
             </a:fld>
             <a:endParaRPr lang="en-US"/>
           </a:p>
@@ -468,7 +473,7 @@
           <a:p>
             <a:fld id="{D9FCDB6C-7DD4-3A4F-BB06-0EDDD9178121}" type="datetimeFigureOut">
               <a:rPr lang="en-US" smtClean="0"/>
-              <a:t>7/7/23</a:t>
+              <a:t>7/10/23</a:t>
             </a:fld>
             <a:endParaRPr lang="en-US"/>
           </a:p>
@@ -678,7 +683,7 @@
           <a:p>
             <a:fld id="{D9FCDB6C-7DD4-3A4F-BB06-0EDDD9178121}" type="datetimeFigureOut">
               <a:rPr lang="en-US" smtClean="0"/>
-              <a:t>7/7/23</a:t>
+              <a:t>7/10/23</a:t>
             </a:fld>
             <a:endParaRPr lang="en-US"/>
           </a:p>
@@ -878,7 +883,7 @@
           <a:p>
             <a:fld id="{D9FCDB6C-7DD4-3A4F-BB06-0EDDD9178121}" type="datetimeFigureOut">
               <a:rPr lang="en-US" smtClean="0"/>
-              <a:t>7/7/23</a:t>
+              <a:t>7/10/23</a:t>
             </a:fld>
             <a:endParaRPr lang="en-US"/>
           </a:p>
@@ -1154,7 +1159,7 @@
           <a:p>
             <a:fld id="{D9FCDB6C-7DD4-3A4F-BB06-0EDDD9178121}" type="datetimeFigureOut">
               <a:rPr lang="en-US" smtClean="0"/>
-              <a:t>7/7/23</a:t>
+              <a:t>7/10/23</a:t>
             </a:fld>
             <a:endParaRPr lang="en-US"/>
           </a:p>
@@ -1422,7 +1427,7 @@
           <a:p>
             <a:fld id="{D9FCDB6C-7DD4-3A4F-BB06-0EDDD9178121}" type="datetimeFigureOut">
               <a:rPr lang="en-US" smtClean="0"/>
-              <a:t>7/7/23</a:t>
+              <a:t>7/10/23</a:t>
             </a:fld>
             <a:endParaRPr lang="en-US"/>
           </a:p>
@@ -1837,7 +1842,7 @@
           <a:p>
             <a:fld id="{D9FCDB6C-7DD4-3A4F-BB06-0EDDD9178121}" type="datetimeFigureOut">
               <a:rPr lang="en-US" smtClean="0"/>
-              <a:t>7/7/23</a:t>
+              <a:t>7/10/23</a:t>
             </a:fld>
             <a:endParaRPr lang="en-US"/>
           </a:p>
@@ -1979,7 +1984,7 @@
           <a:p>
             <a:fld id="{D9FCDB6C-7DD4-3A4F-BB06-0EDDD9178121}" type="datetimeFigureOut">
               <a:rPr lang="en-US" smtClean="0"/>
-              <a:t>7/7/23</a:t>
+              <a:t>7/10/23</a:t>
             </a:fld>
             <a:endParaRPr lang="en-US"/>
           </a:p>
@@ -2092,7 +2097,7 @@
           <a:p>
             <a:fld id="{D9FCDB6C-7DD4-3A4F-BB06-0EDDD9178121}" type="datetimeFigureOut">
               <a:rPr lang="en-US" smtClean="0"/>
-              <a:t>7/7/23</a:t>
+              <a:t>7/10/23</a:t>
             </a:fld>
             <a:endParaRPr lang="en-US"/>
           </a:p>
@@ -2405,7 +2410,7 @@
           <a:p>
             <a:fld id="{D9FCDB6C-7DD4-3A4F-BB06-0EDDD9178121}" type="datetimeFigureOut">
               <a:rPr lang="en-US" smtClean="0"/>
-              <a:t>7/7/23</a:t>
+              <a:t>7/10/23</a:t>
             </a:fld>
             <a:endParaRPr lang="en-US"/>
           </a:p>
@@ -2694,7 +2699,7 @@
           <a:p>
             <a:fld id="{D9FCDB6C-7DD4-3A4F-BB06-0EDDD9178121}" type="datetimeFigureOut">
               <a:rPr lang="en-US" smtClean="0"/>
-              <a:t>7/7/23</a:t>
+              <a:t>7/10/23</a:t>
             </a:fld>
             <a:endParaRPr lang="en-US"/>
           </a:p>
@@ -2937,7 +2942,7 @@
           <a:p>
             <a:fld id="{D9FCDB6C-7DD4-3A4F-BB06-0EDDD9178121}" type="datetimeFigureOut">
               <a:rPr lang="en-US" smtClean="0"/>
-              <a:t>7/7/23</a:t>
+              <a:t>7/10/23</a:t>
             </a:fld>
             <a:endParaRPr lang="en-US"/>
           </a:p>
@@ -4243,6 +4248,2238 @@
 </p:sld>
 </file>
 
+<file path=ppt/slides/slide10.xml><?xml version="1.0" encoding="utf-8"?>
+<p:sld xmlns:a="http://schemas.openxmlformats.org/drawingml/2006/main" xmlns:r="http://schemas.openxmlformats.org/officeDocument/2006/relationships" xmlns:p="http://schemas.openxmlformats.org/presentationml/2006/main">
+  <p:cSld>
+    <p:spTree>
+      <p:nvGrpSpPr>
+        <p:cNvPr id="1" name=""/>
+        <p:cNvGrpSpPr/>
+        <p:nvPr/>
+      </p:nvGrpSpPr>
+      <p:grpSpPr>
+        <a:xfrm>
+          <a:off x="0" y="0"/>
+          <a:ext cx="0" cy="0"/>
+          <a:chOff x="0" y="0"/>
+          <a:chExt cx="0" cy="0"/>
+        </a:xfrm>
+      </p:grpSpPr>
+      <p:sp>
+        <p:nvSpPr>
+          <p:cNvPr id="2" name="Rectangle 1">
+            <a:extLst>
+              <a:ext uri="{FF2B5EF4-FFF2-40B4-BE49-F238E27FC236}">
+                <a16:creationId xmlns:a16="http://schemas.microsoft.com/office/drawing/2014/main" id="{3543EB82-24E1-490E-2AEB-566F4CC36C9C}"/>
+              </a:ext>
+            </a:extLst>
+          </p:cNvPr>
+          <p:cNvSpPr/>
+          <p:nvPr/>
+        </p:nvSpPr>
+        <p:spPr>
+          <a:xfrm>
+            <a:off x="7230140" y="967563"/>
+            <a:ext cx="3891516" cy="5582093"/>
+          </a:xfrm>
+          <a:prstGeom prst="rect">
+            <a:avLst/>
+          </a:prstGeom>
+        </p:spPr>
+        <p:style>
+          <a:lnRef idx="2">
+            <a:schemeClr val="accent6"/>
+          </a:lnRef>
+          <a:fillRef idx="1">
+            <a:schemeClr val="lt1"/>
+          </a:fillRef>
+          <a:effectRef idx="0">
+            <a:schemeClr val="accent6"/>
+          </a:effectRef>
+          <a:fontRef idx="minor">
+            <a:schemeClr val="dk1"/>
+          </a:fontRef>
+        </p:style>
+        <p:txBody>
+          <a:bodyPr rtlCol="0" anchor="ctr"/>
+          <a:lstStyle/>
+          <a:p>
+            <a:pPr algn="ctr"/>
+            <a:endParaRPr lang="en-US"/>
+          </a:p>
+        </p:txBody>
+      </p:sp>
+      <p:sp>
+        <p:nvSpPr>
+          <p:cNvPr id="3" name="TextBox 2">
+            <a:extLst>
+              <a:ext uri="{FF2B5EF4-FFF2-40B4-BE49-F238E27FC236}">
+                <a16:creationId xmlns:a16="http://schemas.microsoft.com/office/drawing/2014/main" id="{89AAA362-FDCA-9AB7-9F68-0733DBF938BB}"/>
+              </a:ext>
+            </a:extLst>
+          </p:cNvPr>
+          <p:cNvSpPr txBox="1"/>
+          <p:nvPr/>
+        </p:nvSpPr>
+        <p:spPr>
+          <a:xfrm>
+            <a:off x="7389628" y="1148316"/>
+            <a:ext cx="3530009" cy="369332"/>
+          </a:xfrm>
+          <a:prstGeom prst="rect">
+            <a:avLst/>
+          </a:prstGeom>
+          <a:noFill/>
+        </p:spPr>
+        <p:txBody>
+          <a:bodyPr wrap="square" rtlCol="0">
+            <a:spAutoFit/>
+          </a:bodyPr>
+          <a:lstStyle/>
+          <a:p>
+            <a:pPr algn="ctr"/>
+            <a:r>
+              <a:rPr lang="en-US" dirty="0"/>
+              <a:t>Web Server</a:t>
+            </a:r>
+          </a:p>
+        </p:txBody>
+      </p:sp>
+      <p:sp>
+        <p:nvSpPr>
+          <p:cNvPr id="4" name="Parallelogram 3">
+            <a:extLst>
+              <a:ext uri="{FF2B5EF4-FFF2-40B4-BE49-F238E27FC236}">
+                <a16:creationId xmlns:a16="http://schemas.microsoft.com/office/drawing/2014/main" id="{D3AD589E-1A06-10A4-2988-E22A7802017F}"/>
+              </a:ext>
+            </a:extLst>
+          </p:cNvPr>
+          <p:cNvSpPr/>
+          <p:nvPr/>
+        </p:nvSpPr>
+        <p:spPr>
+          <a:xfrm>
+            <a:off x="0" y="2200940"/>
+            <a:ext cx="2732568" cy="3476846"/>
+          </a:xfrm>
+          <a:prstGeom prst="parallelogram">
+            <a:avLst>
+              <a:gd name="adj" fmla="val 11381"/>
+            </a:avLst>
+          </a:prstGeom>
+        </p:spPr>
+        <p:style>
+          <a:lnRef idx="2">
+            <a:schemeClr val="accent1">
+              <a:shade val="15000"/>
+            </a:schemeClr>
+          </a:lnRef>
+          <a:fillRef idx="1">
+            <a:schemeClr val="accent1"/>
+          </a:fillRef>
+          <a:effectRef idx="0">
+            <a:schemeClr val="accent1"/>
+          </a:effectRef>
+          <a:fontRef idx="minor">
+            <a:schemeClr val="lt1"/>
+          </a:fontRef>
+        </p:style>
+        <p:txBody>
+          <a:bodyPr rtlCol="0" anchor="ctr"/>
+          <a:lstStyle/>
+          <a:p>
+            <a:pPr algn="ctr"/>
+            <a:r>
+              <a:rPr lang="en-US" dirty="0"/>
+              <a:t>Browser</a:t>
+            </a:r>
+          </a:p>
+        </p:txBody>
+      </p:sp>
+      <p:sp>
+        <p:nvSpPr>
+          <p:cNvPr id="5" name="Right Arrow 4">
+            <a:extLst>
+              <a:ext uri="{FF2B5EF4-FFF2-40B4-BE49-F238E27FC236}">
+                <a16:creationId xmlns:a16="http://schemas.microsoft.com/office/drawing/2014/main" id="{2136DF4E-2A6F-96FA-2B26-A0658FD46DCB}"/>
+              </a:ext>
+            </a:extLst>
+          </p:cNvPr>
+          <p:cNvSpPr/>
+          <p:nvPr/>
+        </p:nvSpPr>
+        <p:spPr>
+          <a:xfrm>
+            <a:off x="2600547" y="2509283"/>
+            <a:ext cx="2229293" cy="808074"/>
+          </a:xfrm>
+          <a:prstGeom prst="rightArrow">
+            <a:avLst/>
+          </a:prstGeom>
+        </p:spPr>
+        <p:style>
+          <a:lnRef idx="2">
+            <a:schemeClr val="accent1">
+              <a:shade val="15000"/>
+            </a:schemeClr>
+          </a:lnRef>
+          <a:fillRef idx="1">
+            <a:schemeClr val="accent1"/>
+          </a:fillRef>
+          <a:effectRef idx="0">
+            <a:schemeClr val="accent1"/>
+          </a:effectRef>
+          <a:fontRef idx="minor">
+            <a:schemeClr val="lt1"/>
+          </a:fontRef>
+        </p:style>
+        <p:txBody>
+          <a:bodyPr rtlCol="0" anchor="ctr"/>
+          <a:lstStyle/>
+          <a:p>
+            <a:pPr algn="ctr"/>
+            <a:r>
+              <a:rPr lang="en-US" dirty="0"/>
+              <a:t>HTTP Request</a:t>
+            </a:r>
+          </a:p>
+        </p:txBody>
+      </p:sp>
+      <p:sp>
+        <p:nvSpPr>
+          <p:cNvPr id="6" name="Curved Down Arrow 5">
+            <a:extLst>
+              <a:ext uri="{FF2B5EF4-FFF2-40B4-BE49-F238E27FC236}">
+                <a16:creationId xmlns:a16="http://schemas.microsoft.com/office/drawing/2014/main" id="{FA33EEEE-CA67-34F1-81C5-2CD792D27888}"/>
+              </a:ext>
+            </a:extLst>
+          </p:cNvPr>
+          <p:cNvSpPr/>
+          <p:nvPr/>
+        </p:nvSpPr>
+        <p:spPr>
+          <a:xfrm>
+            <a:off x="7533168" y="2402958"/>
+            <a:ext cx="3285460" cy="1355651"/>
+          </a:xfrm>
+          <a:prstGeom prst="curvedDownArrow">
+            <a:avLst/>
+          </a:prstGeom>
+        </p:spPr>
+        <p:style>
+          <a:lnRef idx="2">
+            <a:schemeClr val="accent1">
+              <a:shade val="15000"/>
+            </a:schemeClr>
+          </a:lnRef>
+          <a:fillRef idx="1">
+            <a:schemeClr val="accent1"/>
+          </a:fillRef>
+          <a:effectRef idx="0">
+            <a:schemeClr val="accent1"/>
+          </a:effectRef>
+          <a:fontRef idx="minor">
+            <a:schemeClr val="lt1"/>
+          </a:fontRef>
+        </p:style>
+        <p:txBody>
+          <a:bodyPr rtlCol="0" anchor="ctr"/>
+          <a:lstStyle/>
+          <a:p>
+            <a:pPr algn="ctr"/>
+            <a:endParaRPr lang="en-US">
+              <a:solidFill>
+                <a:schemeClr val="tx1"/>
+              </a:solidFill>
+            </a:endParaRPr>
+          </a:p>
+        </p:txBody>
+      </p:sp>
+      <p:sp>
+        <p:nvSpPr>
+          <p:cNvPr id="7" name="Curved Down Arrow 6">
+            <a:extLst>
+              <a:ext uri="{FF2B5EF4-FFF2-40B4-BE49-F238E27FC236}">
+                <a16:creationId xmlns:a16="http://schemas.microsoft.com/office/drawing/2014/main" id="{3A11E054-F6B8-A174-387F-FAFC3061DF51}"/>
+              </a:ext>
+            </a:extLst>
+          </p:cNvPr>
+          <p:cNvSpPr/>
+          <p:nvPr/>
+        </p:nvSpPr>
+        <p:spPr>
+          <a:xfrm rot="10800000">
+            <a:off x="7389628" y="4086447"/>
+            <a:ext cx="3285460" cy="1355651"/>
+          </a:xfrm>
+          <a:prstGeom prst="curvedDownArrow">
+            <a:avLst/>
+          </a:prstGeom>
+        </p:spPr>
+        <p:style>
+          <a:lnRef idx="2">
+            <a:schemeClr val="accent1">
+              <a:shade val="15000"/>
+            </a:schemeClr>
+          </a:lnRef>
+          <a:fillRef idx="1">
+            <a:schemeClr val="accent1"/>
+          </a:fillRef>
+          <a:effectRef idx="0">
+            <a:schemeClr val="accent1"/>
+          </a:effectRef>
+          <a:fontRef idx="minor">
+            <a:schemeClr val="lt1"/>
+          </a:fontRef>
+        </p:style>
+        <p:txBody>
+          <a:bodyPr rtlCol="0" anchor="ctr"/>
+          <a:lstStyle/>
+          <a:p>
+            <a:pPr algn="ctr"/>
+            <a:endParaRPr lang="en-US">
+              <a:solidFill>
+                <a:schemeClr val="tx1"/>
+              </a:solidFill>
+            </a:endParaRPr>
+          </a:p>
+        </p:txBody>
+      </p:sp>
+      <p:sp>
+        <p:nvSpPr>
+          <p:cNvPr id="8" name="TextBox 7">
+            <a:extLst>
+              <a:ext uri="{FF2B5EF4-FFF2-40B4-BE49-F238E27FC236}">
+                <a16:creationId xmlns:a16="http://schemas.microsoft.com/office/drawing/2014/main" id="{62F86836-EF9A-3106-0574-0A8E57AE0FFE}"/>
+              </a:ext>
+            </a:extLst>
+          </p:cNvPr>
+          <p:cNvSpPr txBox="1"/>
+          <p:nvPr/>
+        </p:nvSpPr>
+        <p:spPr>
+          <a:xfrm>
+            <a:off x="8240233" y="3429000"/>
+            <a:ext cx="1722474" cy="369332"/>
+          </a:xfrm>
+          <a:prstGeom prst="rect">
+            <a:avLst/>
+          </a:prstGeom>
+          <a:noFill/>
+        </p:spPr>
+        <p:txBody>
+          <a:bodyPr wrap="square" rtlCol="0">
+            <a:spAutoFit/>
+          </a:bodyPr>
+          <a:lstStyle/>
+          <a:p>
+            <a:r>
+              <a:rPr lang="en-US" dirty="0"/>
+              <a:t>Execute Request</a:t>
+            </a:r>
+          </a:p>
+        </p:txBody>
+      </p:sp>
+      <p:sp>
+        <p:nvSpPr>
+          <p:cNvPr id="9" name="Left Arrow 8">
+            <a:extLst>
+              <a:ext uri="{FF2B5EF4-FFF2-40B4-BE49-F238E27FC236}">
+                <a16:creationId xmlns:a16="http://schemas.microsoft.com/office/drawing/2014/main" id="{B35CE02B-CFE7-9C3E-3D80-9092D3D98C37}"/>
+              </a:ext>
+            </a:extLst>
+          </p:cNvPr>
+          <p:cNvSpPr/>
+          <p:nvPr/>
+        </p:nvSpPr>
+        <p:spPr>
+          <a:xfrm>
+            <a:off x="2509284" y="4137319"/>
+            <a:ext cx="4641112" cy="808074"/>
+          </a:xfrm>
+          <a:prstGeom prst="leftArrow">
+            <a:avLst/>
+          </a:prstGeom>
+        </p:spPr>
+        <p:style>
+          <a:lnRef idx="2">
+            <a:schemeClr val="accent1">
+              <a:shade val="15000"/>
+            </a:schemeClr>
+          </a:lnRef>
+          <a:fillRef idx="1">
+            <a:schemeClr val="accent1"/>
+          </a:fillRef>
+          <a:effectRef idx="0">
+            <a:schemeClr val="accent1"/>
+          </a:effectRef>
+          <a:fontRef idx="minor">
+            <a:schemeClr val="lt1"/>
+          </a:fontRef>
+        </p:style>
+        <p:txBody>
+          <a:bodyPr rtlCol="0" anchor="ctr"/>
+          <a:lstStyle/>
+          <a:p>
+            <a:pPr algn="ctr"/>
+            <a:r>
+              <a:rPr lang="en-US" dirty="0"/>
+              <a:t>HTML DOM + CSS + JS</a:t>
+            </a:r>
+          </a:p>
+        </p:txBody>
+      </p:sp>
+      <p:sp>
+        <p:nvSpPr>
+          <p:cNvPr id="10" name="Rounded Rectangle 9">
+            <a:extLst>
+              <a:ext uri="{FF2B5EF4-FFF2-40B4-BE49-F238E27FC236}">
+                <a16:creationId xmlns:a16="http://schemas.microsoft.com/office/drawing/2014/main" id="{C1AFB81B-09AF-FDE9-387E-6456DA914A20}"/>
+              </a:ext>
+            </a:extLst>
+          </p:cNvPr>
+          <p:cNvSpPr/>
+          <p:nvPr/>
+        </p:nvSpPr>
+        <p:spPr>
+          <a:xfrm>
+            <a:off x="4829840" y="2200940"/>
+            <a:ext cx="1751713" cy="1412726"/>
+          </a:xfrm>
+          <a:prstGeom prst="roundRect">
+            <a:avLst/>
+          </a:prstGeom>
+          <a:solidFill>
+            <a:srgbClr val="FF0000"/>
+          </a:solidFill>
+        </p:spPr>
+        <p:style>
+          <a:lnRef idx="2">
+            <a:schemeClr val="accent1">
+              <a:shade val="15000"/>
+            </a:schemeClr>
+          </a:lnRef>
+          <a:fillRef idx="1">
+            <a:schemeClr val="accent1"/>
+          </a:fillRef>
+          <a:effectRef idx="0">
+            <a:schemeClr val="accent1"/>
+          </a:effectRef>
+          <a:fontRef idx="minor">
+            <a:schemeClr val="lt1"/>
+          </a:fontRef>
+        </p:style>
+        <p:txBody>
+          <a:bodyPr rtlCol="0" anchor="ctr"/>
+          <a:lstStyle/>
+          <a:p>
+            <a:pPr algn="ctr"/>
+            <a:r>
+              <a:rPr lang="en-US" dirty="0"/>
+              <a:t>Server-Side Object Model</a:t>
+            </a:r>
+          </a:p>
+          <a:p>
+            <a:pPr algn="ctr"/>
+            <a:r>
+              <a:rPr lang="en-US" dirty="0"/>
+              <a:t>VBScript </a:t>
+            </a:r>
+          </a:p>
+        </p:txBody>
+      </p:sp>
+      <p:cxnSp>
+        <p:nvCxnSpPr>
+          <p:cNvPr id="12" name="Elbow Connector 11">
+            <a:extLst>
+              <a:ext uri="{FF2B5EF4-FFF2-40B4-BE49-F238E27FC236}">
+                <a16:creationId xmlns:a16="http://schemas.microsoft.com/office/drawing/2014/main" id="{57B52732-E195-0B5A-BC30-221A8452FA12}"/>
+              </a:ext>
+            </a:extLst>
+          </p:cNvPr>
+          <p:cNvCxnSpPr>
+            <a:stCxn id="10" idx="3"/>
+            <a:endCxn id="6" idx="0"/>
+          </p:cNvCxnSpPr>
+          <p:nvPr/>
+        </p:nvCxnSpPr>
+        <p:spPr>
+          <a:xfrm flipV="1">
+            <a:off x="6581553" y="2402958"/>
+            <a:ext cx="2509617" cy="504345"/>
+          </a:xfrm>
+          <a:prstGeom prst="bentConnector4">
+            <a:avLst>
+              <a:gd name="adj1" fmla="val 18959"/>
+              <a:gd name="adj2" fmla="val 185382"/>
+            </a:avLst>
+          </a:prstGeom>
+          <a:ln w="76200">
+            <a:tailEnd type="triangle"/>
+          </a:ln>
+        </p:spPr>
+        <p:style>
+          <a:lnRef idx="1">
+            <a:schemeClr val="accent1"/>
+          </a:lnRef>
+          <a:fillRef idx="0">
+            <a:schemeClr val="accent1"/>
+          </a:fillRef>
+          <a:effectRef idx="0">
+            <a:schemeClr val="accent1"/>
+          </a:effectRef>
+          <a:fontRef idx="minor">
+            <a:schemeClr val="tx1"/>
+          </a:fontRef>
+        </p:style>
+      </p:cxnSp>
+      <p:cxnSp>
+        <p:nvCxnSpPr>
+          <p:cNvPr id="14" name="Elbow Connector 13">
+            <a:extLst>
+              <a:ext uri="{FF2B5EF4-FFF2-40B4-BE49-F238E27FC236}">
+                <a16:creationId xmlns:a16="http://schemas.microsoft.com/office/drawing/2014/main" id="{CDD9570E-A383-D6D4-AFDF-E4C7047AE2CD}"/>
+              </a:ext>
+            </a:extLst>
+          </p:cNvPr>
+          <p:cNvCxnSpPr>
+            <a:stCxn id="7" idx="0"/>
+            <a:endCxn id="9" idx="3"/>
+          </p:cNvCxnSpPr>
+          <p:nvPr/>
+        </p:nvCxnSpPr>
+        <p:spPr>
+          <a:xfrm rot="5400000" flipH="1">
+            <a:off x="7683370" y="4008382"/>
+            <a:ext cx="900742" cy="1966690"/>
+          </a:xfrm>
+          <a:prstGeom prst="bentConnector4">
+            <a:avLst>
+              <a:gd name="adj1" fmla="val -25379"/>
+              <a:gd name="adj2" fmla="val 93918"/>
+            </a:avLst>
+          </a:prstGeom>
+          <a:ln w="76200">
+            <a:tailEnd type="triangle"/>
+          </a:ln>
+        </p:spPr>
+        <p:style>
+          <a:lnRef idx="1">
+            <a:schemeClr val="accent1"/>
+          </a:lnRef>
+          <a:fillRef idx="0">
+            <a:schemeClr val="accent1"/>
+          </a:fillRef>
+          <a:effectRef idx="0">
+            <a:schemeClr val="accent1"/>
+          </a:effectRef>
+          <a:fontRef idx="minor">
+            <a:schemeClr val="tx1"/>
+          </a:fontRef>
+        </p:style>
+      </p:cxnSp>
+      <p:cxnSp>
+        <p:nvCxnSpPr>
+          <p:cNvPr id="16" name="Straight Arrow Connector 15">
+            <a:extLst>
+              <a:ext uri="{FF2B5EF4-FFF2-40B4-BE49-F238E27FC236}">
+                <a16:creationId xmlns:a16="http://schemas.microsoft.com/office/drawing/2014/main" id="{9C1D8727-EAD8-AC44-36AF-2D0B8FD7AA89}"/>
+              </a:ext>
+            </a:extLst>
+          </p:cNvPr>
+          <p:cNvCxnSpPr/>
+          <p:nvPr/>
+        </p:nvCxnSpPr>
+        <p:spPr>
+          <a:xfrm>
+            <a:off x="2509284" y="1148316"/>
+            <a:ext cx="4501560" cy="0"/>
+          </a:xfrm>
+          <a:prstGeom prst="straightConnector1">
+            <a:avLst/>
+          </a:prstGeom>
+          <a:ln>
+            <a:headEnd type="triangle"/>
+            <a:tailEnd type="triangle"/>
+          </a:ln>
+        </p:spPr>
+        <p:style>
+          <a:lnRef idx="1">
+            <a:schemeClr val="accent1"/>
+          </a:lnRef>
+          <a:fillRef idx="0">
+            <a:schemeClr val="accent1"/>
+          </a:fillRef>
+          <a:effectRef idx="0">
+            <a:schemeClr val="accent1"/>
+          </a:effectRef>
+          <a:fontRef idx="minor">
+            <a:schemeClr val="tx1"/>
+          </a:fontRef>
+        </p:style>
+      </p:cxnSp>
+      <p:sp>
+        <p:nvSpPr>
+          <p:cNvPr id="17" name="TextBox 16">
+            <a:extLst>
+              <a:ext uri="{FF2B5EF4-FFF2-40B4-BE49-F238E27FC236}">
+                <a16:creationId xmlns:a16="http://schemas.microsoft.com/office/drawing/2014/main" id="{0B78F10C-C9EE-6DFA-67D7-1B93B7525481}"/>
+              </a:ext>
+            </a:extLst>
+          </p:cNvPr>
+          <p:cNvSpPr txBox="1"/>
+          <p:nvPr/>
+        </p:nvSpPr>
+        <p:spPr>
+          <a:xfrm>
+            <a:off x="3009014" y="967563"/>
+            <a:ext cx="3572539" cy="369332"/>
+          </a:xfrm>
+          <a:prstGeom prst="rect">
+            <a:avLst/>
+          </a:prstGeom>
+          <a:noFill/>
+        </p:spPr>
+        <p:txBody>
+          <a:bodyPr wrap="square" rtlCol="0">
+            <a:spAutoFit/>
+          </a:bodyPr>
+          <a:lstStyle/>
+          <a:p>
+            <a:pPr algn="ctr"/>
+            <a:r>
+              <a:rPr lang="en-US" dirty="0"/>
+              <a:t>Server Post Back of the Page</a:t>
+            </a:r>
+          </a:p>
+        </p:txBody>
+      </p:sp>
+    </p:spTree>
+    <p:extLst>
+      <p:ext uri="{BB962C8B-B14F-4D97-AF65-F5344CB8AC3E}">
+        <p14:creationId xmlns:p14="http://schemas.microsoft.com/office/powerpoint/2010/main" val="993045860"/>
+      </p:ext>
+    </p:extLst>
+  </p:cSld>
+  <p:clrMapOvr>
+    <a:masterClrMapping/>
+  </p:clrMapOvr>
+</p:sld>
+</file>
+
+<file path=ppt/slides/slide11.xml><?xml version="1.0" encoding="utf-8"?>
+<p:sld xmlns:a="http://schemas.openxmlformats.org/drawingml/2006/main" xmlns:r="http://schemas.openxmlformats.org/officeDocument/2006/relationships" xmlns:p="http://schemas.openxmlformats.org/presentationml/2006/main">
+  <p:cSld>
+    <p:spTree>
+      <p:nvGrpSpPr>
+        <p:cNvPr id="1" name=""/>
+        <p:cNvGrpSpPr/>
+        <p:nvPr/>
+      </p:nvGrpSpPr>
+      <p:grpSpPr>
+        <a:xfrm>
+          <a:off x="0" y="0"/>
+          <a:ext cx="0" cy="0"/>
+          <a:chOff x="0" y="0"/>
+          <a:chExt cx="0" cy="0"/>
+        </a:xfrm>
+      </p:grpSpPr>
+      <p:sp>
+        <p:nvSpPr>
+          <p:cNvPr id="2" name="TextBox 1">
+            <a:extLst>
+              <a:ext uri="{FF2B5EF4-FFF2-40B4-BE49-F238E27FC236}">
+                <a16:creationId xmlns:a16="http://schemas.microsoft.com/office/drawing/2014/main" id="{F0034C22-141C-73E8-5B4B-685ED33746E0}"/>
+              </a:ext>
+            </a:extLst>
+          </p:cNvPr>
+          <p:cNvSpPr txBox="1"/>
+          <p:nvPr/>
+        </p:nvSpPr>
+        <p:spPr>
+          <a:xfrm>
+            <a:off x="3838353" y="159488"/>
+            <a:ext cx="4508205" cy="369332"/>
+          </a:xfrm>
+          <a:prstGeom prst="rect">
+            <a:avLst/>
+          </a:prstGeom>
+          <a:noFill/>
+        </p:spPr>
+        <p:txBody>
+          <a:bodyPr wrap="square" rtlCol="0">
+            <a:spAutoFit/>
+          </a:bodyPr>
+          <a:lstStyle/>
+          <a:p>
+            <a:pPr algn="ctr"/>
+            <a:r>
+              <a:rPr lang="en-US" dirty="0"/>
+              <a:t>Browser’s Threading</a:t>
+            </a:r>
+          </a:p>
+        </p:txBody>
+      </p:sp>
+      <p:sp>
+        <p:nvSpPr>
+          <p:cNvPr id="3" name="Rectangle 2">
+            <a:extLst>
+              <a:ext uri="{FF2B5EF4-FFF2-40B4-BE49-F238E27FC236}">
+                <a16:creationId xmlns:a16="http://schemas.microsoft.com/office/drawing/2014/main" id="{2B35FD9C-1A04-49BB-7757-59DF7EBE7158}"/>
+              </a:ext>
+            </a:extLst>
+          </p:cNvPr>
+          <p:cNvSpPr/>
+          <p:nvPr/>
+        </p:nvSpPr>
+        <p:spPr>
+          <a:xfrm>
+            <a:off x="691116" y="1169581"/>
+            <a:ext cx="9569303" cy="5146159"/>
+          </a:xfrm>
+          <a:prstGeom prst="rect">
+            <a:avLst/>
+          </a:prstGeom>
+        </p:spPr>
+        <p:style>
+          <a:lnRef idx="1">
+            <a:schemeClr val="accent3"/>
+          </a:lnRef>
+          <a:fillRef idx="2">
+            <a:schemeClr val="accent3"/>
+          </a:fillRef>
+          <a:effectRef idx="1">
+            <a:schemeClr val="accent3"/>
+          </a:effectRef>
+          <a:fontRef idx="minor">
+            <a:schemeClr val="dk1"/>
+          </a:fontRef>
+        </p:style>
+        <p:txBody>
+          <a:bodyPr rtlCol="0" anchor="ctr"/>
+          <a:lstStyle/>
+          <a:p>
+            <a:pPr algn="ctr"/>
+            <a:endParaRPr lang="en-US"/>
+          </a:p>
+        </p:txBody>
+      </p:sp>
+      <p:sp>
+        <p:nvSpPr>
+          <p:cNvPr id="4" name="TextBox 3">
+            <a:extLst>
+              <a:ext uri="{FF2B5EF4-FFF2-40B4-BE49-F238E27FC236}">
+                <a16:creationId xmlns:a16="http://schemas.microsoft.com/office/drawing/2014/main" id="{9AA9C8E2-F3BE-07D7-EECF-7D519C21CBD6}"/>
+              </a:ext>
+            </a:extLst>
+          </p:cNvPr>
+          <p:cNvSpPr txBox="1"/>
+          <p:nvPr/>
+        </p:nvSpPr>
+        <p:spPr>
+          <a:xfrm>
+            <a:off x="797442" y="637953"/>
+            <a:ext cx="2934586" cy="369332"/>
+          </a:xfrm>
+          <a:prstGeom prst="rect">
+            <a:avLst/>
+          </a:prstGeom>
+          <a:noFill/>
+        </p:spPr>
+        <p:txBody>
+          <a:bodyPr wrap="square" rtlCol="0">
+            <a:spAutoFit/>
+          </a:bodyPr>
+          <a:lstStyle/>
+          <a:p>
+            <a:pPr algn="ctr"/>
+            <a:r>
+              <a:rPr lang="en-US" b="1" dirty="0"/>
+              <a:t>Browser</a:t>
+            </a:r>
+          </a:p>
+        </p:txBody>
+      </p:sp>
+      <p:sp>
+        <p:nvSpPr>
+          <p:cNvPr id="5" name="Rectangle 4">
+            <a:extLst>
+              <a:ext uri="{FF2B5EF4-FFF2-40B4-BE49-F238E27FC236}">
+                <a16:creationId xmlns:a16="http://schemas.microsoft.com/office/drawing/2014/main" id="{84E19E5B-AFD0-D2D5-8A9F-AC2327B7DB68}"/>
+              </a:ext>
+            </a:extLst>
+          </p:cNvPr>
+          <p:cNvSpPr/>
+          <p:nvPr/>
+        </p:nvSpPr>
+        <p:spPr>
+          <a:xfrm>
+            <a:off x="691116" y="4221126"/>
+            <a:ext cx="9569303" cy="74427"/>
+          </a:xfrm>
+          <a:prstGeom prst="rect">
+            <a:avLst/>
+          </a:prstGeom>
+        </p:spPr>
+        <p:style>
+          <a:lnRef idx="2">
+            <a:schemeClr val="accent1">
+              <a:shade val="15000"/>
+            </a:schemeClr>
+          </a:lnRef>
+          <a:fillRef idx="1">
+            <a:schemeClr val="accent1"/>
+          </a:fillRef>
+          <a:effectRef idx="0">
+            <a:schemeClr val="accent1"/>
+          </a:effectRef>
+          <a:fontRef idx="minor">
+            <a:schemeClr val="lt1"/>
+          </a:fontRef>
+        </p:style>
+        <p:txBody>
+          <a:bodyPr rtlCol="0" anchor="ctr"/>
+          <a:lstStyle/>
+          <a:p>
+            <a:pPr algn="ctr"/>
+            <a:endParaRPr lang="en-US"/>
+          </a:p>
+        </p:txBody>
+      </p:sp>
+      <p:sp>
+        <p:nvSpPr>
+          <p:cNvPr id="6" name="Rectangle 5">
+            <a:extLst>
+              <a:ext uri="{FF2B5EF4-FFF2-40B4-BE49-F238E27FC236}">
+                <a16:creationId xmlns:a16="http://schemas.microsoft.com/office/drawing/2014/main" id="{FEA45371-F50F-80A1-F446-BCD9E9D746B4}"/>
+              </a:ext>
+            </a:extLst>
+          </p:cNvPr>
+          <p:cNvSpPr/>
+          <p:nvPr/>
+        </p:nvSpPr>
+        <p:spPr>
+          <a:xfrm>
+            <a:off x="797442" y="1275907"/>
+            <a:ext cx="9377916" cy="2828260"/>
+          </a:xfrm>
+          <a:prstGeom prst="rect">
+            <a:avLst/>
+          </a:prstGeom>
+          <a:solidFill>
+            <a:schemeClr val="tx2">
+              <a:lumMod val="60000"/>
+              <a:lumOff val="40000"/>
+            </a:schemeClr>
+          </a:solidFill>
+        </p:spPr>
+        <p:style>
+          <a:lnRef idx="2">
+            <a:schemeClr val="accent1">
+              <a:shade val="15000"/>
+            </a:schemeClr>
+          </a:lnRef>
+          <a:fillRef idx="1">
+            <a:schemeClr val="accent1"/>
+          </a:fillRef>
+          <a:effectRef idx="0">
+            <a:schemeClr val="accent1"/>
+          </a:effectRef>
+          <a:fontRef idx="minor">
+            <a:schemeClr val="lt1"/>
+          </a:fontRef>
+        </p:style>
+        <p:txBody>
+          <a:bodyPr rtlCol="0" anchor="ctr"/>
+          <a:lstStyle/>
+          <a:p>
+            <a:pPr algn="ctr"/>
+            <a:endParaRPr lang="en-US"/>
+          </a:p>
+        </p:txBody>
+      </p:sp>
+      <p:sp>
+        <p:nvSpPr>
+          <p:cNvPr id="7" name="TextBox 6">
+            <a:extLst>
+              <a:ext uri="{FF2B5EF4-FFF2-40B4-BE49-F238E27FC236}">
+                <a16:creationId xmlns:a16="http://schemas.microsoft.com/office/drawing/2014/main" id="{C6F1521C-2935-AF7A-E21E-79511F9FD9B0}"/>
+              </a:ext>
+            </a:extLst>
+          </p:cNvPr>
+          <p:cNvSpPr txBox="1"/>
+          <p:nvPr/>
+        </p:nvSpPr>
+        <p:spPr>
+          <a:xfrm>
+            <a:off x="10515600" y="2009553"/>
+            <a:ext cx="1676400" cy="646331"/>
+          </a:xfrm>
+          <a:prstGeom prst="rect">
+            <a:avLst/>
+          </a:prstGeom>
+          <a:noFill/>
+        </p:spPr>
+        <p:txBody>
+          <a:bodyPr wrap="square" rtlCol="0">
+            <a:spAutoFit/>
+          </a:bodyPr>
+          <a:lstStyle/>
+          <a:p>
+            <a:r>
+              <a:rPr lang="en-US" dirty="0"/>
+              <a:t>HTML Static DOM Section</a:t>
+            </a:r>
+          </a:p>
+        </p:txBody>
+      </p:sp>
+      <p:sp>
+        <p:nvSpPr>
+          <p:cNvPr id="8" name="Left Arrow 7">
+            <a:extLst>
+              <a:ext uri="{FF2B5EF4-FFF2-40B4-BE49-F238E27FC236}">
+                <a16:creationId xmlns:a16="http://schemas.microsoft.com/office/drawing/2014/main" id="{FBF85F7B-9A2F-E533-D195-43F33B729326}"/>
+              </a:ext>
+            </a:extLst>
+          </p:cNvPr>
+          <p:cNvSpPr/>
+          <p:nvPr/>
+        </p:nvSpPr>
+        <p:spPr>
+          <a:xfrm>
+            <a:off x="9792586" y="2243470"/>
+            <a:ext cx="723014" cy="223283"/>
+          </a:xfrm>
+          <a:prstGeom prst="leftArrow">
+            <a:avLst/>
+          </a:prstGeom>
+        </p:spPr>
+        <p:style>
+          <a:lnRef idx="2">
+            <a:schemeClr val="accent1">
+              <a:shade val="15000"/>
+            </a:schemeClr>
+          </a:lnRef>
+          <a:fillRef idx="1">
+            <a:schemeClr val="accent1"/>
+          </a:fillRef>
+          <a:effectRef idx="0">
+            <a:schemeClr val="accent1"/>
+          </a:effectRef>
+          <a:fontRef idx="minor">
+            <a:schemeClr val="lt1"/>
+          </a:fontRef>
+        </p:style>
+        <p:txBody>
+          <a:bodyPr rtlCol="0" anchor="ctr"/>
+          <a:lstStyle/>
+          <a:p>
+            <a:pPr algn="ctr"/>
+            <a:endParaRPr lang="en-US"/>
+          </a:p>
+        </p:txBody>
+      </p:sp>
+      <p:sp>
+        <p:nvSpPr>
+          <p:cNvPr id="9" name="Rectangle 8">
+            <a:extLst>
+              <a:ext uri="{FF2B5EF4-FFF2-40B4-BE49-F238E27FC236}">
+                <a16:creationId xmlns:a16="http://schemas.microsoft.com/office/drawing/2014/main" id="{68C62DA6-19FD-D8A4-D5A6-82A2BAB04826}"/>
+              </a:ext>
+            </a:extLst>
+          </p:cNvPr>
+          <p:cNvSpPr/>
+          <p:nvPr/>
+        </p:nvSpPr>
+        <p:spPr>
+          <a:xfrm>
+            <a:off x="797442" y="4455042"/>
+            <a:ext cx="1945758" cy="1754372"/>
+          </a:xfrm>
+          <a:prstGeom prst="rect">
+            <a:avLst/>
+          </a:prstGeom>
+        </p:spPr>
+        <p:style>
+          <a:lnRef idx="3">
+            <a:schemeClr val="lt1"/>
+          </a:lnRef>
+          <a:fillRef idx="1">
+            <a:schemeClr val="accent4"/>
+          </a:fillRef>
+          <a:effectRef idx="1">
+            <a:schemeClr val="accent4"/>
+          </a:effectRef>
+          <a:fontRef idx="minor">
+            <a:schemeClr val="lt1"/>
+          </a:fontRef>
+        </p:style>
+        <p:txBody>
+          <a:bodyPr rtlCol="0" anchor="ctr"/>
+          <a:lstStyle/>
+          <a:p>
+            <a:pPr algn="ctr"/>
+            <a:r>
+              <a:rPr lang="en-US" dirty="0"/>
+              <a:t>Application Model</a:t>
+            </a:r>
+          </a:p>
+          <a:p>
+            <a:pPr algn="ctr"/>
+            <a:r>
+              <a:rPr lang="en-US" dirty="0"/>
+              <a:t>Storage, Media, Dynamic DOM (Computed).</a:t>
+            </a:r>
+          </a:p>
+          <a:p>
+            <a:pPr algn="ctr"/>
+            <a:r>
+              <a:rPr lang="en-US" dirty="0"/>
+              <a:t>Worker</a:t>
+            </a:r>
+          </a:p>
+        </p:txBody>
+      </p:sp>
+      <p:sp>
+        <p:nvSpPr>
+          <p:cNvPr id="10" name="Rectangle 9">
+            <a:extLst>
+              <a:ext uri="{FF2B5EF4-FFF2-40B4-BE49-F238E27FC236}">
+                <a16:creationId xmlns:a16="http://schemas.microsoft.com/office/drawing/2014/main" id="{700D16E5-1FF0-2216-4A4E-150FEC20D1FA}"/>
+              </a:ext>
+            </a:extLst>
+          </p:cNvPr>
+          <p:cNvSpPr/>
+          <p:nvPr/>
+        </p:nvSpPr>
+        <p:spPr>
+          <a:xfrm>
+            <a:off x="3033823" y="4455042"/>
+            <a:ext cx="1945758" cy="1754372"/>
+          </a:xfrm>
+          <a:prstGeom prst="rect">
+            <a:avLst/>
+          </a:prstGeom>
+        </p:spPr>
+        <p:style>
+          <a:lnRef idx="0">
+            <a:schemeClr val="accent2"/>
+          </a:lnRef>
+          <a:fillRef idx="3">
+            <a:schemeClr val="accent2"/>
+          </a:fillRef>
+          <a:effectRef idx="3">
+            <a:schemeClr val="accent2"/>
+          </a:effectRef>
+          <a:fontRef idx="minor">
+            <a:schemeClr val="lt1"/>
+          </a:fontRef>
+        </p:style>
+        <p:txBody>
+          <a:bodyPr rtlCol="0" anchor="ctr"/>
+          <a:lstStyle/>
+          <a:p>
+            <a:pPr algn="ctr"/>
+            <a:r>
+              <a:rPr lang="en-US" dirty="0"/>
+              <a:t>Media Based CSS Computations</a:t>
+            </a:r>
+          </a:p>
+          <a:p>
+            <a:pPr algn="ctr"/>
+            <a:r>
+              <a:rPr lang="en-US" dirty="0"/>
+              <a:t>e.g. Graphics and Animations</a:t>
+            </a:r>
+          </a:p>
+        </p:txBody>
+      </p:sp>
+      <p:sp>
+        <p:nvSpPr>
+          <p:cNvPr id="11" name="Rectangle 10">
+            <a:extLst>
+              <a:ext uri="{FF2B5EF4-FFF2-40B4-BE49-F238E27FC236}">
+                <a16:creationId xmlns:a16="http://schemas.microsoft.com/office/drawing/2014/main" id="{B6470AB0-0718-1EA4-0370-C7AF5F4627A5}"/>
+              </a:ext>
+            </a:extLst>
+          </p:cNvPr>
+          <p:cNvSpPr/>
+          <p:nvPr/>
+        </p:nvSpPr>
+        <p:spPr>
+          <a:xfrm>
+            <a:off x="5365897" y="4455042"/>
+            <a:ext cx="1945758" cy="1754372"/>
+          </a:xfrm>
+          <a:prstGeom prst="rect">
+            <a:avLst/>
+          </a:prstGeom>
+          <a:solidFill>
+            <a:srgbClr val="C00000"/>
+          </a:solidFill>
+        </p:spPr>
+        <p:style>
+          <a:lnRef idx="0">
+            <a:schemeClr val="accent2"/>
+          </a:lnRef>
+          <a:fillRef idx="3">
+            <a:schemeClr val="accent2"/>
+          </a:fillRef>
+          <a:effectRef idx="3">
+            <a:schemeClr val="accent2"/>
+          </a:effectRef>
+          <a:fontRef idx="minor">
+            <a:schemeClr val="lt1"/>
+          </a:fontRef>
+        </p:style>
+        <p:txBody>
+          <a:bodyPr rtlCol="0" anchor="ctr"/>
+          <a:lstStyle/>
+          <a:p>
+            <a:pPr algn="ctr"/>
+            <a:r>
+              <a:rPr lang="en-US" dirty="0"/>
+              <a:t>Networking</a:t>
+            </a:r>
+          </a:p>
+          <a:p>
+            <a:pPr algn="ctr"/>
+            <a:r>
+              <a:rPr lang="en-US" dirty="0"/>
+              <a:t>HTTP, Socket</a:t>
+            </a:r>
+          </a:p>
+        </p:txBody>
+      </p:sp>
+      <p:sp>
+        <p:nvSpPr>
+          <p:cNvPr id="12" name="Rectangle 11">
+            <a:extLst>
+              <a:ext uri="{FF2B5EF4-FFF2-40B4-BE49-F238E27FC236}">
+                <a16:creationId xmlns:a16="http://schemas.microsoft.com/office/drawing/2014/main" id="{BCEC10E2-519F-86F8-25A9-A2D1F28946E1}"/>
+              </a:ext>
+            </a:extLst>
+          </p:cNvPr>
+          <p:cNvSpPr/>
+          <p:nvPr/>
+        </p:nvSpPr>
+        <p:spPr>
+          <a:xfrm>
+            <a:off x="7813158" y="4455042"/>
+            <a:ext cx="1945758" cy="1754372"/>
+          </a:xfrm>
+          <a:prstGeom prst="rect">
+            <a:avLst/>
+          </a:prstGeom>
+          <a:solidFill>
+            <a:srgbClr val="002060"/>
+          </a:solidFill>
+        </p:spPr>
+        <p:style>
+          <a:lnRef idx="0">
+            <a:schemeClr val="accent2"/>
+          </a:lnRef>
+          <a:fillRef idx="3">
+            <a:schemeClr val="accent2"/>
+          </a:fillRef>
+          <a:effectRef idx="3">
+            <a:schemeClr val="accent2"/>
+          </a:effectRef>
+          <a:fontRef idx="minor">
+            <a:schemeClr val="lt1"/>
+          </a:fontRef>
+        </p:style>
+        <p:txBody>
+          <a:bodyPr rtlCol="0" anchor="ctr"/>
+          <a:lstStyle/>
+          <a:p>
+            <a:pPr algn="ctr"/>
+            <a:r>
+              <a:rPr lang="en-US" dirty="0"/>
+              <a:t>Browser’s Resources e.g. Events, Windows and Document Object</a:t>
+            </a:r>
+          </a:p>
+        </p:txBody>
+      </p:sp>
+      <p:sp>
+        <p:nvSpPr>
+          <p:cNvPr id="13" name="Up Arrow 12">
+            <a:extLst>
+              <a:ext uri="{FF2B5EF4-FFF2-40B4-BE49-F238E27FC236}">
+                <a16:creationId xmlns:a16="http://schemas.microsoft.com/office/drawing/2014/main" id="{9732F521-AF29-12C8-E2F2-F1EC4F976CC6}"/>
+              </a:ext>
+            </a:extLst>
+          </p:cNvPr>
+          <p:cNvSpPr/>
+          <p:nvPr/>
+        </p:nvSpPr>
+        <p:spPr>
+          <a:xfrm>
+            <a:off x="1392865" y="3657600"/>
+            <a:ext cx="377456" cy="797442"/>
+          </a:xfrm>
+          <a:prstGeom prst="upArrow">
+            <a:avLst/>
+          </a:prstGeom>
+        </p:spPr>
+        <p:style>
+          <a:lnRef idx="2">
+            <a:schemeClr val="accent1">
+              <a:shade val="15000"/>
+            </a:schemeClr>
+          </a:lnRef>
+          <a:fillRef idx="1">
+            <a:schemeClr val="accent1"/>
+          </a:fillRef>
+          <a:effectRef idx="0">
+            <a:schemeClr val="accent1"/>
+          </a:effectRef>
+          <a:fontRef idx="minor">
+            <a:schemeClr val="lt1"/>
+          </a:fontRef>
+        </p:style>
+        <p:txBody>
+          <a:bodyPr rtlCol="0" anchor="ctr"/>
+          <a:lstStyle/>
+          <a:p>
+            <a:pPr algn="ctr"/>
+            <a:endParaRPr lang="en-US"/>
+          </a:p>
+        </p:txBody>
+      </p:sp>
+      <p:sp>
+        <p:nvSpPr>
+          <p:cNvPr id="14" name="Up Arrow 13">
+            <a:extLst>
+              <a:ext uri="{FF2B5EF4-FFF2-40B4-BE49-F238E27FC236}">
+                <a16:creationId xmlns:a16="http://schemas.microsoft.com/office/drawing/2014/main" id="{85353878-349E-F923-C496-8996A9728D97}"/>
+              </a:ext>
+            </a:extLst>
+          </p:cNvPr>
+          <p:cNvSpPr/>
+          <p:nvPr/>
+        </p:nvSpPr>
+        <p:spPr>
+          <a:xfrm>
+            <a:off x="3649625" y="3657600"/>
+            <a:ext cx="377456" cy="797442"/>
+          </a:xfrm>
+          <a:prstGeom prst="upArrow">
+            <a:avLst/>
+          </a:prstGeom>
+        </p:spPr>
+        <p:style>
+          <a:lnRef idx="2">
+            <a:schemeClr val="accent1">
+              <a:shade val="15000"/>
+            </a:schemeClr>
+          </a:lnRef>
+          <a:fillRef idx="1">
+            <a:schemeClr val="accent1"/>
+          </a:fillRef>
+          <a:effectRef idx="0">
+            <a:schemeClr val="accent1"/>
+          </a:effectRef>
+          <a:fontRef idx="minor">
+            <a:schemeClr val="lt1"/>
+          </a:fontRef>
+        </p:style>
+        <p:txBody>
+          <a:bodyPr rtlCol="0" anchor="ctr"/>
+          <a:lstStyle/>
+          <a:p>
+            <a:pPr algn="ctr"/>
+            <a:endParaRPr lang="en-US"/>
+          </a:p>
+        </p:txBody>
+      </p:sp>
+      <p:sp>
+        <p:nvSpPr>
+          <p:cNvPr id="15" name="Up Arrow 14">
+            <a:extLst>
+              <a:ext uri="{FF2B5EF4-FFF2-40B4-BE49-F238E27FC236}">
+                <a16:creationId xmlns:a16="http://schemas.microsoft.com/office/drawing/2014/main" id="{610451AD-078B-CC29-7E25-BCE1E0398C76}"/>
+              </a:ext>
+            </a:extLst>
+          </p:cNvPr>
+          <p:cNvSpPr/>
+          <p:nvPr/>
+        </p:nvSpPr>
+        <p:spPr>
+          <a:xfrm>
+            <a:off x="6150048" y="3657600"/>
+            <a:ext cx="377456" cy="797442"/>
+          </a:xfrm>
+          <a:prstGeom prst="upArrow">
+            <a:avLst/>
+          </a:prstGeom>
+        </p:spPr>
+        <p:style>
+          <a:lnRef idx="2">
+            <a:schemeClr val="accent1">
+              <a:shade val="15000"/>
+            </a:schemeClr>
+          </a:lnRef>
+          <a:fillRef idx="1">
+            <a:schemeClr val="accent1"/>
+          </a:fillRef>
+          <a:effectRef idx="0">
+            <a:schemeClr val="accent1"/>
+          </a:effectRef>
+          <a:fontRef idx="minor">
+            <a:schemeClr val="lt1"/>
+          </a:fontRef>
+        </p:style>
+        <p:txBody>
+          <a:bodyPr rtlCol="0" anchor="ctr"/>
+          <a:lstStyle/>
+          <a:p>
+            <a:pPr algn="ctr"/>
+            <a:endParaRPr lang="en-US"/>
+          </a:p>
+        </p:txBody>
+      </p:sp>
+      <p:sp>
+        <p:nvSpPr>
+          <p:cNvPr id="16" name="Up Arrow 15">
+            <a:extLst>
+              <a:ext uri="{FF2B5EF4-FFF2-40B4-BE49-F238E27FC236}">
+                <a16:creationId xmlns:a16="http://schemas.microsoft.com/office/drawing/2014/main" id="{E8F991F5-09A1-9B40-A64B-0135360CEEB1}"/>
+              </a:ext>
+            </a:extLst>
+          </p:cNvPr>
+          <p:cNvSpPr/>
+          <p:nvPr/>
+        </p:nvSpPr>
+        <p:spPr>
+          <a:xfrm>
+            <a:off x="8597309" y="3657600"/>
+            <a:ext cx="377456" cy="797442"/>
+          </a:xfrm>
+          <a:prstGeom prst="upArrow">
+            <a:avLst/>
+          </a:prstGeom>
+        </p:spPr>
+        <p:style>
+          <a:lnRef idx="2">
+            <a:schemeClr val="accent1">
+              <a:shade val="15000"/>
+            </a:schemeClr>
+          </a:lnRef>
+          <a:fillRef idx="1">
+            <a:schemeClr val="accent1"/>
+          </a:fillRef>
+          <a:effectRef idx="0">
+            <a:schemeClr val="accent1"/>
+          </a:effectRef>
+          <a:fontRef idx="minor">
+            <a:schemeClr val="lt1"/>
+          </a:fontRef>
+        </p:style>
+        <p:txBody>
+          <a:bodyPr rtlCol="0" anchor="ctr"/>
+          <a:lstStyle/>
+          <a:p>
+            <a:pPr algn="ctr"/>
+            <a:endParaRPr lang="en-US"/>
+          </a:p>
+        </p:txBody>
+      </p:sp>
+      <p:sp>
+        <p:nvSpPr>
+          <p:cNvPr id="17" name="Rectangle 16">
+            <a:extLst>
+              <a:ext uri="{FF2B5EF4-FFF2-40B4-BE49-F238E27FC236}">
+                <a16:creationId xmlns:a16="http://schemas.microsoft.com/office/drawing/2014/main" id="{6805BED4-89F7-7794-8417-64DA0FC4CD2F}"/>
+              </a:ext>
+            </a:extLst>
+          </p:cNvPr>
+          <p:cNvSpPr/>
+          <p:nvPr/>
+        </p:nvSpPr>
+        <p:spPr>
+          <a:xfrm>
+            <a:off x="1127051" y="3285460"/>
+            <a:ext cx="8123275" cy="372140"/>
+          </a:xfrm>
+          <a:prstGeom prst="rect">
+            <a:avLst/>
+          </a:prstGeom>
+          <a:solidFill>
+            <a:srgbClr val="002060"/>
+          </a:solidFill>
+        </p:spPr>
+        <p:style>
+          <a:lnRef idx="2">
+            <a:schemeClr val="accent1">
+              <a:shade val="15000"/>
+            </a:schemeClr>
+          </a:lnRef>
+          <a:fillRef idx="1">
+            <a:schemeClr val="accent1"/>
+          </a:fillRef>
+          <a:effectRef idx="0">
+            <a:schemeClr val="accent1"/>
+          </a:effectRef>
+          <a:fontRef idx="minor">
+            <a:schemeClr val="lt1"/>
+          </a:fontRef>
+        </p:style>
+        <p:txBody>
+          <a:bodyPr rtlCol="0" anchor="ctr"/>
+          <a:lstStyle/>
+          <a:p>
+            <a:pPr algn="ctr"/>
+            <a:r>
+              <a:rPr lang="en-US" b="1" dirty="0">
+                <a:ln>
+                  <a:solidFill>
+                    <a:srgbClr val="FFFF00"/>
+                  </a:solidFill>
+                </a:ln>
+              </a:rPr>
+              <a:t>The Rendering Thread aka UI Thread </a:t>
+            </a:r>
+          </a:p>
+        </p:txBody>
+      </p:sp>
+      <p:sp>
+        <p:nvSpPr>
+          <p:cNvPr id="18" name="Rounded Rectangle 17">
+            <a:extLst>
+              <a:ext uri="{FF2B5EF4-FFF2-40B4-BE49-F238E27FC236}">
+                <a16:creationId xmlns:a16="http://schemas.microsoft.com/office/drawing/2014/main" id="{72E3DEDB-AA52-8254-6B93-09AADAADAF2C}"/>
+              </a:ext>
+            </a:extLst>
+          </p:cNvPr>
+          <p:cNvSpPr/>
+          <p:nvPr/>
+        </p:nvSpPr>
+        <p:spPr>
+          <a:xfrm>
+            <a:off x="1392865" y="1431033"/>
+            <a:ext cx="2062716" cy="1549845"/>
+          </a:xfrm>
+          <a:prstGeom prst="roundRect">
+            <a:avLst/>
+          </a:prstGeom>
+        </p:spPr>
+        <p:style>
+          <a:lnRef idx="2">
+            <a:schemeClr val="accent1">
+              <a:shade val="15000"/>
+            </a:schemeClr>
+          </a:lnRef>
+          <a:fillRef idx="1">
+            <a:schemeClr val="accent1"/>
+          </a:fillRef>
+          <a:effectRef idx="0">
+            <a:schemeClr val="accent1"/>
+          </a:effectRef>
+          <a:fontRef idx="minor">
+            <a:schemeClr val="lt1"/>
+          </a:fontRef>
+        </p:style>
+        <p:txBody>
+          <a:bodyPr rtlCol="0" anchor="ctr"/>
+          <a:lstStyle/>
+          <a:p>
+            <a:pPr algn="ctr"/>
+            <a:r>
+              <a:rPr lang="en-US" b="1" dirty="0"/>
+              <a:t>Events with Sync Execution started blocking the Script and Hence Execution </a:t>
+            </a:r>
+          </a:p>
+        </p:txBody>
+      </p:sp>
+      <p:cxnSp>
+        <p:nvCxnSpPr>
+          <p:cNvPr id="21" name="Elbow Connector 20">
+            <a:extLst>
+              <a:ext uri="{FF2B5EF4-FFF2-40B4-BE49-F238E27FC236}">
+                <a16:creationId xmlns:a16="http://schemas.microsoft.com/office/drawing/2014/main" id="{1DC91580-8EBC-6AC2-6A8C-BC3D14647B18}"/>
+              </a:ext>
+            </a:extLst>
+          </p:cNvPr>
+          <p:cNvCxnSpPr>
+            <a:stCxn id="18" idx="3"/>
+            <a:endCxn id="17" idx="0"/>
+          </p:cNvCxnSpPr>
+          <p:nvPr/>
+        </p:nvCxnSpPr>
+        <p:spPr>
+          <a:xfrm>
+            <a:off x="3455581" y="2205956"/>
+            <a:ext cx="1733108" cy="1079504"/>
+          </a:xfrm>
+          <a:prstGeom prst="bentConnector2">
+            <a:avLst/>
+          </a:prstGeom>
+          <a:ln w="76200">
+            <a:solidFill>
+              <a:srgbClr val="FFFF00"/>
+            </a:solidFill>
+            <a:headEnd type="triangle"/>
+            <a:tailEnd type="triangle"/>
+          </a:ln>
+        </p:spPr>
+        <p:style>
+          <a:lnRef idx="1">
+            <a:schemeClr val="accent1"/>
+          </a:lnRef>
+          <a:fillRef idx="0">
+            <a:schemeClr val="accent1"/>
+          </a:fillRef>
+          <a:effectRef idx="0">
+            <a:schemeClr val="accent1"/>
+          </a:effectRef>
+          <a:fontRef idx="minor">
+            <a:schemeClr val="tx1"/>
+          </a:fontRef>
+        </p:style>
+      </p:cxnSp>
+    </p:spTree>
+    <p:extLst>
+      <p:ext uri="{BB962C8B-B14F-4D97-AF65-F5344CB8AC3E}">
+        <p14:creationId xmlns:p14="http://schemas.microsoft.com/office/powerpoint/2010/main" val="2852562403"/>
+      </p:ext>
+    </p:extLst>
+  </p:cSld>
+  <p:clrMapOvr>
+    <a:masterClrMapping/>
+  </p:clrMapOvr>
+</p:sld>
+</file>
+
+<file path=ppt/slides/slide12.xml><?xml version="1.0" encoding="utf-8"?>
+<p:sld xmlns:a="http://schemas.openxmlformats.org/drawingml/2006/main" xmlns:r="http://schemas.openxmlformats.org/officeDocument/2006/relationships" xmlns:p="http://schemas.openxmlformats.org/presentationml/2006/main">
+  <p:cSld>
+    <p:spTree>
+      <p:nvGrpSpPr>
+        <p:cNvPr id="1" name=""/>
+        <p:cNvGrpSpPr/>
+        <p:nvPr/>
+      </p:nvGrpSpPr>
+      <p:grpSpPr>
+        <a:xfrm>
+          <a:off x="0" y="0"/>
+          <a:ext cx="0" cy="0"/>
+          <a:chOff x="0" y="0"/>
+          <a:chExt cx="0" cy="0"/>
+        </a:xfrm>
+      </p:grpSpPr>
+      <p:sp>
+        <p:nvSpPr>
+          <p:cNvPr id="2" name="Rectangle 1">
+            <a:extLst>
+              <a:ext uri="{FF2B5EF4-FFF2-40B4-BE49-F238E27FC236}">
+                <a16:creationId xmlns:a16="http://schemas.microsoft.com/office/drawing/2014/main" id="{19895AEB-826B-CB99-7406-B17C51EC774C}"/>
+              </a:ext>
+            </a:extLst>
+          </p:cNvPr>
+          <p:cNvSpPr/>
+          <p:nvPr/>
+        </p:nvSpPr>
+        <p:spPr>
+          <a:xfrm>
+            <a:off x="318977" y="1403498"/>
+            <a:ext cx="3859618" cy="3530009"/>
+          </a:xfrm>
+          <a:prstGeom prst="rect">
+            <a:avLst/>
+          </a:prstGeom>
+        </p:spPr>
+        <p:style>
+          <a:lnRef idx="2">
+            <a:schemeClr val="accent6"/>
+          </a:lnRef>
+          <a:fillRef idx="1">
+            <a:schemeClr val="lt1"/>
+          </a:fillRef>
+          <a:effectRef idx="0">
+            <a:schemeClr val="accent6"/>
+          </a:effectRef>
+          <a:fontRef idx="minor">
+            <a:schemeClr val="dk1"/>
+          </a:fontRef>
+        </p:style>
+        <p:txBody>
+          <a:bodyPr rtlCol="0" anchor="ctr"/>
+          <a:lstStyle/>
+          <a:p>
+            <a:pPr algn="ctr"/>
+            <a:r>
+              <a:rPr lang="en-US" dirty="0"/>
+              <a:t>HTML Page Loaded in Browser from Server with</a:t>
+            </a:r>
+          </a:p>
+          <a:p>
+            <a:pPr algn="ctr"/>
+            <a:r>
+              <a:rPr lang="en-US" dirty="0"/>
+              <a:t>HTML DOM + JS (Eventing, Data, UI Management, and Async Calls)</a:t>
+            </a:r>
+          </a:p>
+        </p:txBody>
+      </p:sp>
+      <p:sp>
+        <p:nvSpPr>
+          <p:cNvPr id="3" name="Rectangle 2">
+            <a:extLst>
+              <a:ext uri="{FF2B5EF4-FFF2-40B4-BE49-F238E27FC236}">
+                <a16:creationId xmlns:a16="http://schemas.microsoft.com/office/drawing/2014/main" id="{D0EA1CEC-744D-422F-2B92-8EFDF7E7B015}"/>
+              </a:ext>
+            </a:extLst>
+          </p:cNvPr>
+          <p:cNvSpPr/>
+          <p:nvPr/>
+        </p:nvSpPr>
+        <p:spPr>
+          <a:xfrm>
+            <a:off x="8357191" y="478464"/>
+            <a:ext cx="3306726" cy="5380075"/>
+          </a:xfrm>
+          <a:prstGeom prst="rect">
+            <a:avLst/>
+          </a:prstGeom>
+        </p:spPr>
+        <p:style>
+          <a:lnRef idx="1">
+            <a:schemeClr val="accent3"/>
+          </a:lnRef>
+          <a:fillRef idx="2">
+            <a:schemeClr val="accent3"/>
+          </a:fillRef>
+          <a:effectRef idx="1">
+            <a:schemeClr val="accent3"/>
+          </a:effectRef>
+          <a:fontRef idx="minor">
+            <a:schemeClr val="dk1"/>
+          </a:fontRef>
+        </p:style>
+        <p:txBody>
+          <a:bodyPr rtlCol="0" anchor="ctr"/>
+          <a:lstStyle/>
+          <a:p>
+            <a:pPr algn="ctr"/>
+            <a:r>
+              <a:rPr lang="en-US" b="1" dirty="0"/>
+              <a:t>Server-Side Application Model</a:t>
+            </a:r>
+          </a:p>
+          <a:p>
+            <a:pPr algn="ctr"/>
+            <a:r>
+              <a:rPr lang="en-US" b="1" dirty="0"/>
+              <a:t>MVC, JAVA Based Apps, Node.js, </a:t>
+            </a:r>
+            <a:r>
+              <a:rPr lang="en-US" b="1" dirty="0" err="1"/>
+              <a:t>php</a:t>
+            </a:r>
+            <a:r>
+              <a:rPr lang="en-US" b="1" dirty="0"/>
+              <a:t>, </a:t>
+            </a:r>
+            <a:r>
+              <a:rPr lang="en-US" b="1" dirty="0" err="1"/>
+              <a:t>etc</a:t>
+            </a:r>
+            <a:endParaRPr lang="en-US" b="1" dirty="0"/>
+          </a:p>
+        </p:txBody>
+      </p:sp>
+      <p:cxnSp>
+        <p:nvCxnSpPr>
+          <p:cNvPr id="5" name="Elbow Connector 4">
+            <a:extLst>
+              <a:ext uri="{FF2B5EF4-FFF2-40B4-BE49-F238E27FC236}">
+                <a16:creationId xmlns:a16="http://schemas.microsoft.com/office/drawing/2014/main" id="{F306F004-B74A-4ABA-C24A-D39F3F7B590E}"/>
+              </a:ext>
+            </a:extLst>
+          </p:cNvPr>
+          <p:cNvCxnSpPr>
+            <a:stCxn id="2" idx="0"/>
+            <a:endCxn id="3" idx="1"/>
+          </p:cNvCxnSpPr>
+          <p:nvPr/>
+        </p:nvCxnSpPr>
+        <p:spPr>
+          <a:xfrm rot="16200000" flipH="1">
+            <a:off x="4420486" y="-768202"/>
+            <a:ext cx="1765004" cy="6108405"/>
+          </a:xfrm>
+          <a:prstGeom prst="bentConnector4">
+            <a:avLst>
+              <a:gd name="adj1" fmla="val -12952"/>
+              <a:gd name="adj2" fmla="val 65796"/>
+            </a:avLst>
+          </a:prstGeom>
+          <a:ln w="76200">
+            <a:solidFill>
+              <a:srgbClr val="002060"/>
+            </a:solidFill>
+            <a:tailEnd type="triangle"/>
+          </a:ln>
+        </p:spPr>
+        <p:style>
+          <a:lnRef idx="1">
+            <a:schemeClr val="accent1"/>
+          </a:lnRef>
+          <a:fillRef idx="0">
+            <a:schemeClr val="accent1"/>
+          </a:fillRef>
+          <a:effectRef idx="0">
+            <a:schemeClr val="accent1"/>
+          </a:effectRef>
+          <a:fontRef idx="minor">
+            <a:schemeClr val="tx1"/>
+          </a:fontRef>
+        </p:style>
+      </p:cxnSp>
+      <p:cxnSp>
+        <p:nvCxnSpPr>
+          <p:cNvPr id="7" name="Elbow Connector 6">
+            <a:extLst>
+              <a:ext uri="{FF2B5EF4-FFF2-40B4-BE49-F238E27FC236}">
+                <a16:creationId xmlns:a16="http://schemas.microsoft.com/office/drawing/2014/main" id="{7EBB8722-BF94-2088-A7FC-7A9C54F1E66C}"/>
+              </a:ext>
+            </a:extLst>
+          </p:cNvPr>
+          <p:cNvCxnSpPr>
+            <a:stCxn id="3" idx="1"/>
+            <a:endCxn id="2" idx="2"/>
+          </p:cNvCxnSpPr>
+          <p:nvPr/>
+        </p:nvCxnSpPr>
+        <p:spPr>
+          <a:xfrm rot="10800000" flipV="1">
+            <a:off x="2248787" y="3168501"/>
+            <a:ext cx="6108405" cy="1765005"/>
+          </a:xfrm>
+          <a:prstGeom prst="bentConnector4">
+            <a:avLst>
+              <a:gd name="adj1" fmla="val 34204"/>
+              <a:gd name="adj2" fmla="val 118373"/>
+            </a:avLst>
+          </a:prstGeom>
+          <a:ln w="76200">
+            <a:solidFill>
+              <a:srgbClr val="002060"/>
+            </a:solidFill>
+            <a:tailEnd type="triangle"/>
+          </a:ln>
+        </p:spPr>
+        <p:style>
+          <a:lnRef idx="1">
+            <a:schemeClr val="accent1"/>
+          </a:lnRef>
+          <a:fillRef idx="0">
+            <a:schemeClr val="accent1"/>
+          </a:fillRef>
+          <a:effectRef idx="0">
+            <a:schemeClr val="accent1"/>
+          </a:effectRef>
+          <a:fontRef idx="minor">
+            <a:schemeClr val="tx1"/>
+          </a:fontRef>
+        </p:style>
+      </p:cxnSp>
+      <p:sp>
+        <p:nvSpPr>
+          <p:cNvPr id="9" name="TextBox 8">
+            <a:extLst>
+              <a:ext uri="{FF2B5EF4-FFF2-40B4-BE49-F238E27FC236}">
+                <a16:creationId xmlns:a16="http://schemas.microsoft.com/office/drawing/2014/main" id="{13062BD1-F617-CE0E-F69A-42487FB4F038}"/>
+              </a:ext>
+            </a:extLst>
+          </p:cNvPr>
+          <p:cNvSpPr txBox="1"/>
+          <p:nvPr/>
+        </p:nvSpPr>
+        <p:spPr>
+          <a:xfrm>
+            <a:off x="5443870" y="1722474"/>
+            <a:ext cx="2456121" cy="646331"/>
+          </a:xfrm>
+          <a:prstGeom prst="rect">
+            <a:avLst/>
+          </a:prstGeom>
+          <a:solidFill>
+            <a:srgbClr val="FFFF00"/>
+          </a:solidFill>
+        </p:spPr>
+        <p:txBody>
+          <a:bodyPr wrap="square" rtlCol="0">
+            <a:spAutoFit/>
+          </a:bodyPr>
+          <a:lstStyle/>
+          <a:p>
+            <a:r>
+              <a:rPr lang="en-US" dirty="0"/>
+              <a:t>Asynchronous Call for Data</a:t>
+            </a:r>
+          </a:p>
+        </p:txBody>
+      </p:sp>
+      <p:sp>
+        <p:nvSpPr>
+          <p:cNvPr id="10" name="TextBox 9">
+            <a:extLst>
+              <a:ext uri="{FF2B5EF4-FFF2-40B4-BE49-F238E27FC236}">
+                <a16:creationId xmlns:a16="http://schemas.microsoft.com/office/drawing/2014/main" id="{B1B4317D-2419-57C6-D657-CE1D13373969}"/>
+              </a:ext>
+            </a:extLst>
+          </p:cNvPr>
+          <p:cNvSpPr txBox="1"/>
+          <p:nvPr/>
+        </p:nvSpPr>
+        <p:spPr>
+          <a:xfrm>
+            <a:off x="5092997" y="4287175"/>
+            <a:ext cx="2456121" cy="369332"/>
+          </a:xfrm>
+          <a:prstGeom prst="rect">
+            <a:avLst/>
+          </a:prstGeom>
+          <a:solidFill>
+            <a:srgbClr val="FFFF00"/>
+          </a:solidFill>
+        </p:spPr>
+        <p:txBody>
+          <a:bodyPr wrap="square" rtlCol="0">
+            <a:spAutoFit/>
+          </a:bodyPr>
+          <a:lstStyle/>
+          <a:p>
+            <a:r>
+              <a:rPr lang="en-US" dirty="0"/>
+              <a:t>Response with Data</a:t>
+            </a:r>
+          </a:p>
+        </p:txBody>
+      </p:sp>
+      <p:sp>
+        <p:nvSpPr>
+          <p:cNvPr id="11" name="TextBox 10">
+            <a:extLst>
+              <a:ext uri="{FF2B5EF4-FFF2-40B4-BE49-F238E27FC236}">
+                <a16:creationId xmlns:a16="http://schemas.microsoft.com/office/drawing/2014/main" id="{FF1413CF-61B6-A85A-6119-C979896C459C}"/>
+              </a:ext>
+            </a:extLst>
+          </p:cNvPr>
+          <p:cNvSpPr txBox="1"/>
+          <p:nvPr/>
+        </p:nvSpPr>
+        <p:spPr>
+          <a:xfrm>
+            <a:off x="4029739" y="2767870"/>
+            <a:ext cx="2041451" cy="1200329"/>
+          </a:xfrm>
+          <a:prstGeom prst="rect">
+            <a:avLst/>
+          </a:prstGeom>
+          <a:noFill/>
+        </p:spPr>
+        <p:txBody>
+          <a:bodyPr wrap="square" rtlCol="0">
+            <a:spAutoFit/>
+          </a:bodyPr>
+          <a:lstStyle/>
+          <a:p>
+            <a:pPr algn="ctr"/>
+            <a:r>
+              <a:rPr lang="en-US" b="1" dirty="0"/>
+              <a:t>Browser’s  Threading was evolved for Async Calls</a:t>
+            </a:r>
+          </a:p>
+        </p:txBody>
+      </p:sp>
+    </p:spTree>
+    <p:extLst>
+      <p:ext uri="{BB962C8B-B14F-4D97-AF65-F5344CB8AC3E}">
+        <p14:creationId xmlns:p14="http://schemas.microsoft.com/office/powerpoint/2010/main" val="2249711743"/>
+      </p:ext>
+    </p:extLst>
+  </p:cSld>
+  <p:clrMapOvr>
+    <a:masterClrMapping/>
+  </p:clrMapOvr>
+</p:sld>
+</file>
+
+<file path=ppt/slides/slide13.xml><?xml version="1.0" encoding="utf-8"?>
+<p:sld xmlns:a="http://schemas.openxmlformats.org/drawingml/2006/main" xmlns:r="http://schemas.openxmlformats.org/officeDocument/2006/relationships" xmlns:p="http://schemas.openxmlformats.org/presentationml/2006/main">
+  <p:cSld>
+    <p:spTree>
+      <p:nvGrpSpPr>
+        <p:cNvPr id="1" name=""/>
+        <p:cNvGrpSpPr/>
+        <p:nvPr/>
+      </p:nvGrpSpPr>
+      <p:grpSpPr>
+        <a:xfrm>
+          <a:off x="0" y="0"/>
+          <a:ext cx="0" cy="0"/>
+          <a:chOff x="0" y="0"/>
+          <a:chExt cx="0" cy="0"/>
+        </a:xfrm>
+      </p:grpSpPr>
+      <p:sp>
+        <p:nvSpPr>
+          <p:cNvPr id="2" name="Rounded Rectangle 1">
+            <a:extLst>
+              <a:ext uri="{FF2B5EF4-FFF2-40B4-BE49-F238E27FC236}">
+                <a16:creationId xmlns:a16="http://schemas.microsoft.com/office/drawing/2014/main" id="{62E3BE69-64AE-4152-F456-BA87C39EAF62}"/>
+              </a:ext>
+            </a:extLst>
+          </p:cNvPr>
+          <p:cNvSpPr/>
+          <p:nvPr/>
+        </p:nvSpPr>
+        <p:spPr>
+          <a:xfrm>
+            <a:off x="520995" y="1562986"/>
+            <a:ext cx="6368903" cy="4061637"/>
+          </a:xfrm>
+          <a:prstGeom prst="roundRect">
+            <a:avLst>
+              <a:gd name="adj" fmla="val 9075"/>
+            </a:avLst>
+          </a:prstGeom>
+        </p:spPr>
+        <p:style>
+          <a:lnRef idx="2">
+            <a:schemeClr val="accent6"/>
+          </a:lnRef>
+          <a:fillRef idx="1">
+            <a:schemeClr val="lt1"/>
+          </a:fillRef>
+          <a:effectRef idx="0">
+            <a:schemeClr val="accent6"/>
+          </a:effectRef>
+          <a:fontRef idx="minor">
+            <a:schemeClr val="dk1"/>
+          </a:fontRef>
+        </p:style>
+        <p:txBody>
+          <a:bodyPr rtlCol="0" anchor="ctr"/>
+          <a:lstStyle/>
+          <a:p>
+            <a:pPr algn="ctr"/>
+            <a:endParaRPr lang="en-US"/>
+          </a:p>
+        </p:txBody>
+      </p:sp>
+      <p:sp>
+        <p:nvSpPr>
+          <p:cNvPr id="3" name="TextBox 2">
+            <a:extLst>
+              <a:ext uri="{FF2B5EF4-FFF2-40B4-BE49-F238E27FC236}">
+                <a16:creationId xmlns:a16="http://schemas.microsoft.com/office/drawing/2014/main" id="{9D5536B0-D956-F0C8-F311-0DDA67BDEE00}"/>
+              </a:ext>
+            </a:extLst>
+          </p:cNvPr>
+          <p:cNvSpPr txBox="1"/>
+          <p:nvPr/>
+        </p:nvSpPr>
+        <p:spPr>
+          <a:xfrm>
+            <a:off x="1903228" y="893135"/>
+            <a:ext cx="3721395" cy="369332"/>
+          </a:xfrm>
+          <a:prstGeom prst="rect">
+            <a:avLst/>
+          </a:prstGeom>
+          <a:noFill/>
+        </p:spPr>
+        <p:txBody>
+          <a:bodyPr wrap="square" rtlCol="0">
+            <a:spAutoFit/>
+          </a:bodyPr>
+          <a:lstStyle/>
+          <a:p>
+            <a:pPr algn="ctr"/>
+            <a:r>
+              <a:rPr lang="en-US" b="1" dirty="0"/>
+              <a:t>HTML Page</a:t>
+            </a:r>
+          </a:p>
+        </p:txBody>
+      </p:sp>
+      <p:sp>
+        <p:nvSpPr>
+          <p:cNvPr id="4" name="Rounded Rectangle 3">
+            <a:extLst>
+              <a:ext uri="{FF2B5EF4-FFF2-40B4-BE49-F238E27FC236}">
+                <a16:creationId xmlns:a16="http://schemas.microsoft.com/office/drawing/2014/main" id="{740CDAB3-53B3-5D5B-C1CF-BEDC6D82264E}"/>
+              </a:ext>
+            </a:extLst>
+          </p:cNvPr>
+          <p:cNvSpPr/>
+          <p:nvPr/>
+        </p:nvSpPr>
+        <p:spPr>
+          <a:xfrm>
+            <a:off x="4518837" y="2328530"/>
+            <a:ext cx="2105247" cy="2647507"/>
+          </a:xfrm>
+          <a:prstGeom prst="roundRect">
+            <a:avLst/>
+          </a:prstGeom>
+          <a:solidFill>
+            <a:srgbClr val="FF0000"/>
+          </a:solidFill>
+        </p:spPr>
+        <p:style>
+          <a:lnRef idx="2">
+            <a:schemeClr val="accent1">
+              <a:shade val="15000"/>
+            </a:schemeClr>
+          </a:lnRef>
+          <a:fillRef idx="1">
+            <a:schemeClr val="accent1"/>
+          </a:fillRef>
+          <a:effectRef idx="0">
+            <a:schemeClr val="accent1"/>
+          </a:effectRef>
+          <a:fontRef idx="minor">
+            <a:schemeClr val="lt1"/>
+          </a:fontRef>
+        </p:style>
+        <p:txBody>
+          <a:bodyPr rtlCol="0" anchor="ctr"/>
+          <a:lstStyle/>
+          <a:p>
+            <a:pPr algn="ctr"/>
+            <a:r>
+              <a:rPr lang="en-US" dirty="0"/>
+              <a:t>UI Generator</a:t>
+            </a:r>
+          </a:p>
+        </p:txBody>
+      </p:sp>
+      <p:sp>
+        <p:nvSpPr>
+          <p:cNvPr id="5" name="Rounded Rectangle 4">
+            <a:extLst>
+              <a:ext uri="{FF2B5EF4-FFF2-40B4-BE49-F238E27FC236}">
+                <a16:creationId xmlns:a16="http://schemas.microsoft.com/office/drawing/2014/main" id="{45A1B894-6FCB-2AA9-D8FC-24A263B14431}"/>
+              </a:ext>
+            </a:extLst>
+          </p:cNvPr>
+          <p:cNvSpPr/>
+          <p:nvPr/>
+        </p:nvSpPr>
+        <p:spPr>
+          <a:xfrm>
+            <a:off x="765544" y="2658140"/>
+            <a:ext cx="2275368" cy="1935125"/>
+          </a:xfrm>
+          <a:prstGeom prst="roundRect">
+            <a:avLst/>
+          </a:prstGeom>
+        </p:spPr>
+        <p:style>
+          <a:lnRef idx="2">
+            <a:schemeClr val="accent1">
+              <a:shade val="15000"/>
+            </a:schemeClr>
+          </a:lnRef>
+          <a:fillRef idx="1">
+            <a:schemeClr val="accent1"/>
+          </a:fillRef>
+          <a:effectRef idx="0">
+            <a:schemeClr val="accent1"/>
+          </a:effectRef>
+          <a:fontRef idx="minor">
+            <a:schemeClr val="lt1"/>
+          </a:fontRef>
+        </p:style>
+        <p:txBody>
+          <a:bodyPr rtlCol="0" anchor="ctr"/>
+          <a:lstStyle/>
+          <a:p>
+            <a:pPr algn="ctr"/>
+            <a:r>
+              <a:rPr lang="en-US" dirty="0"/>
+              <a:t>HTML Mark-UP</a:t>
+            </a:r>
+          </a:p>
+        </p:txBody>
+      </p:sp>
+      <p:cxnSp>
+        <p:nvCxnSpPr>
+          <p:cNvPr id="7" name="Elbow Connector 6">
+            <a:extLst>
+              <a:ext uri="{FF2B5EF4-FFF2-40B4-BE49-F238E27FC236}">
+                <a16:creationId xmlns:a16="http://schemas.microsoft.com/office/drawing/2014/main" id="{2B2FC7A4-5801-2410-AA3F-D449813B4650}"/>
+              </a:ext>
+            </a:extLst>
+          </p:cNvPr>
+          <p:cNvCxnSpPr>
+            <a:endCxn id="4" idx="0"/>
+          </p:cNvCxnSpPr>
+          <p:nvPr/>
+        </p:nvCxnSpPr>
+        <p:spPr>
+          <a:xfrm flipV="1">
+            <a:off x="1903228" y="2328530"/>
+            <a:ext cx="3668233" cy="308344"/>
+          </a:xfrm>
+          <a:prstGeom prst="bentConnector4">
+            <a:avLst>
+              <a:gd name="adj1" fmla="val 35652"/>
+              <a:gd name="adj2" fmla="val 174138"/>
+            </a:avLst>
+          </a:prstGeom>
+          <a:ln>
+            <a:tailEnd type="triangle"/>
+          </a:ln>
+        </p:spPr>
+        <p:style>
+          <a:lnRef idx="1">
+            <a:schemeClr val="accent1"/>
+          </a:lnRef>
+          <a:fillRef idx="0">
+            <a:schemeClr val="accent1"/>
+          </a:fillRef>
+          <a:effectRef idx="0">
+            <a:schemeClr val="accent1"/>
+          </a:effectRef>
+          <a:fontRef idx="minor">
+            <a:schemeClr val="tx1"/>
+          </a:fontRef>
+        </p:style>
+      </p:cxnSp>
+      <p:cxnSp>
+        <p:nvCxnSpPr>
+          <p:cNvPr id="9" name="Elbow Connector 8">
+            <a:extLst>
+              <a:ext uri="{FF2B5EF4-FFF2-40B4-BE49-F238E27FC236}">
+                <a16:creationId xmlns:a16="http://schemas.microsoft.com/office/drawing/2014/main" id="{338A5EB2-88FB-33B5-F37E-2F8016E474B9}"/>
+              </a:ext>
+            </a:extLst>
+          </p:cNvPr>
+          <p:cNvCxnSpPr>
+            <a:stCxn id="4" idx="2"/>
+            <a:endCxn id="5" idx="2"/>
+          </p:cNvCxnSpPr>
+          <p:nvPr/>
+        </p:nvCxnSpPr>
+        <p:spPr>
+          <a:xfrm rot="5400000" flipH="1">
+            <a:off x="3545959" y="2950535"/>
+            <a:ext cx="382772" cy="3668233"/>
+          </a:xfrm>
+          <a:prstGeom prst="bentConnector3">
+            <a:avLst>
+              <a:gd name="adj1" fmla="val -59722"/>
+            </a:avLst>
+          </a:prstGeom>
+          <a:ln>
+            <a:tailEnd type="triangle"/>
+          </a:ln>
+        </p:spPr>
+        <p:style>
+          <a:lnRef idx="1">
+            <a:schemeClr val="accent1"/>
+          </a:lnRef>
+          <a:fillRef idx="0">
+            <a:schemeClr val="accent1"/>
+          </a:fillRef>
+          <a:effectRef idx="0">
+            <a:schemeClr val="accent1"/>
+          </a:effectRef>
+          <a:fontRef idx="minor">
+            <a:schemeClr val="tx1"/>
+          </a:fontRef>
+        </p:style>
+      </p:cxnSp>
+      <p:sp>
+        <p:nvSpPr>
+          <p:cNvPr id="10" name="TextBox 9">
+            <a:extLst>
+              <a:ext uri="{FF2B5EF4-FFF2-40B4-BE49-F238E27FC236}">
+                <a16:creationId xmlns:a16="http://schemas.microsoft.com/office/drawing/2014/main" id="{F5ABA11C-8F51-0D30-1E8A-C0159E9A3294}"/>
+              </a:ext>
+            </a:extLst>
+          </p:cNvPr>
+          <p:cNvSpPr txBox="1"/>
+          <p:nvPr/>
+        </p:nvSpPr>
+        <p:spPr>
+          <a:xfrm>
+            <a:off x="3476847" y="1850065"/>
+            <a:ext cx="1116418" cy="369332"/>
+          </a:xfrm>
+          <a:prstGeom prst="rect">
+            <a:avLst/>
+          </a:prstGeom>
+          <a:noFill/>
+        </p:spPr>
+        <p:txBody>
+          <a:bodyPr wrap="square" rtlCol="0">
+            <a:spAutoFit/>
+          </a:bodyPr>
+          <a:lstStyle/>
+          <a:p>
+            <a:r>
+              <a:rPr lang="en-US" dirty="0"/>
+              <a:t>Data</a:t>
+            </a:r>
+          </a:p>
+        </p:txBody>
+      </p:sp>
+      <p:sp>
+        <p:nvSpPr>
+          <p:cNvPr id="11" name="TextBox 10">
+            <a:extLst>
+              <a:ext uri="{FF2B5EF4-FFF2-40B4-BE49-F238E27FC236}">
+                <a16:creationId xmlns:a16="http://schemas.microsoft.com/office/drawing/2014/main" id="{87F8C0C9-4298-A479-4D37-CAB82A92BD70}"/>
+              </a:ext>
+            </a:extLst>
+          </p:cNvPr>
+          <p:cNvSpPr txBox="1"/>
+          <p:nvPr/>
+        </p:nvSpPr>
+        <p:spPr>
+          <a:xfrm>
+            <a:off x="3554819" y="4930997"/>
+            <a:ext cx="1116418" cy="369332"/>
+          </a:xfrm>
+          <a:prstGeom prst="rect">
+            <a:avLst/>
+          </a:prstGeom>
+          <a:noFill/>
+        </p:spPr>
+        <p:txBody>
+          <a:bodyPr wrap="square" rtlCol="0">
+            <a:spAutoFit/>
+          </a:bodyPr>
+          <a:lstStyle/>
+          <a:p>
+            <a:r>
+              <a:rPr lang="en-US"/>
+              <a:t>Data + UI</a:t>
+            </a:r>
+            <a:endParaRPr lang="en-US" dirty="0"/>
+          </a:p>
+        </p:txBody>
+      </p:sp>
+    </p:spTree>
+    <p:extLst>
+      <p:ext uri="{BB962C8B-B14F-4D97-AF65-F5344CB8AC3E}">
+        <p14:creationId xmlns:p14="http://schemas.microsoft.com/office/powerpoint/2010/main" val="3104256719"/>
+      </p:ext>
+    </p:extLst>
+  </p:cSld>
+  <p:clrMapOvr>
+    <a:masterClrMapping/>
+  </p:clrMapOvr>
+</p:sld>
+</file>
+
 <file path=ppt/slides/slide2.xml><?xml version="1.0" encoding="utf-8"?>
 <p:sld xmlns:a="http://schemas.openxmlformats.org/drawingml/2006/main" xmlns:r="http://schemas.openxmlformats.org/officeDocument/2006/relationships" xmlns:p="http://schemas.openxmlformats.org/presentationml/2006/main">
   <p:cSld>
@@ -11020,6 +13257,13 @@
               <a:t>File2.css includes File1.css as parsed output</a:t>
             </a:r>
           </a:p>
+          <a:p>
+            <a:pPr algn="ctr"/>
+            <a:r>
+              <a:rPr lang="en-US" dirty="0"/>
+              <a:t>100kb</a:t>
+            </a:r>
+          </a:p>
         </p:txBody>
       </p:sp>
       <p:cxnSp>
@@ -11176,11 +13420,7 @@
           <a:p>
             <a:r>
               <a:rPr lang="en-US" dirty="0"/>
-              <a:t>File2.css </a:t>
-            </a:r>
-            <a:r>
-              <a:rPr lang="en-US"/>
-              <a:t>response including File1.css</a:t>
+              <a:t>File2.css response including File1.css</a:t>
             </a:r>
           </a:p>
         </p:txBody>
@@ -11189,6 +13429,527 @@
     <p:extLst>
       <p:ext uri="{BB962C8B-B14F-4D97-AF65-F5344CB8AC3E}">
         <p14:creationId xmlns:p14="http://schemas.microsoft.com/office/powerpoint/2010/main" val="4138448103"/>
+      </p:ext>
+    </p:extLst>
+  </p:cSld>
+  <p:clrMapOvr>
+    <a:masterClrMapping/>
+  </p:clrMapOvr>
+</p:sld>
+</file>
+
+<file path=ppt/slides/slide9.xml><?xml version="1.0" encoding="utf-8"?>
+<p:sld xmlns:a="http://schemas.openxmlformats.org/drawingml/2006/main" xmlns:r="http://schemas.openxmlformats.org/officeDocument/2006/relationships" xmlns:p="http://schemas.openxmlformats.org/presentationml/2006/main">
+  <p:cSld>
+    <p:spTree>
+      <p:nvGrpSpPr>
+        <p:cNvPr id="1" name=""/>
+        <p:cNvGrpSpPr/>
+        <p:nvPr/>
+      </p:nvGrpSpPr>
+      <p:grpSpPr>
+        <a:xfrm>
+          <a:off x="0" y="0"/>
+          <a:ext cx="0" cy="0"/>
+          <a:chOff x="0" y="0"/>
+          <a:chExt cx="0" cy="0"/>
+        </a:xfrm>
+      </p:grpSpPr>
+      <p:sp>
+        <p:nvSpPr>
+          <p:cNvPr id="2" name="Rectangle 1">
+            <a:extLst>
+              <a:ext uri="{FF2B5EF4-FFF2-40B4-BE49-F238E27FC236}">
+                <a16:creationId xmlns:a16="http://schemas.microsoft.com/office/drawing/2014/main" id="{704B48E6-AFE4-AC07-7B79-8A91A2F1C9E3}"/>
+              </a:ext>
+            </a:extLst>
+          </p:cNvPr>
+          <p:cNvSpPr/>
+          <p:nvPr/>
+        </p:nvSpPr>
+        <p:spPr>
+          <a:xfrm>
+            <a:off x="1467292" y="882502"/>
+            <a:ext cx="5624624" cy="5560828"/>
+          </a:xfrm>
+          <a:prstGeom prst="rect">
+            <a:avLst/>
+          </a:prstGeom>
+        </p:spPr>
+        <p:style>
+          <a:lnRef idx="2">
+            <a:schemeClr val="accent6"/>
+          </a:lnRef>
+          <a:fillRef idx="1">
+            <a:schemeClr val="lt1"/>
+          </a:fillRef>
+          <a:effectRef idx="0">
+            <a:schemeClr val="accent6"/>
+          </a:effectRef>
+          <a:fontRef idx="minor">
+            <a:schemeClr val="dk1"/>
+          </a:fontRef>
+        </p:style>
+        <p:txBody>
+          <a:bodyPr rtlCol="0" anchor="ctr"/>
+          <a:lstStyle/>
+          <a:p>
+            <a:pPr algn="ctr"/>
+            <a:endParaRPr lang="en-US"/>
+          </a:p>
+        </p:txBody>
+      </p:sp>
+      <p:sp>
+        <p:nvSpPr>
+          <p:cNvPr id="3" name="TextBox 2">
+            <a:extLst>
+              <a:ext uri="{FF2B5EF4-FFF2-40B4-BE49-F238E27FC236}">
+                <a16:creationId xmlns:a16="http://schemas.microsoft.com/office/drawing/2014/main" id="{900FC840-4E3F-E369-B65F-FE5B3E82236A}"/>
+              </a:ext>
+            </a:extLst>
+          </p:cNvPr>
+          <p:cNvSpPr txBox="1"/>
+          <p:nvPr/>
+        </p:nvSpPr>
+        <p:spPr>
+          <a:xfrm>
+            <a:off x="2381693" y="170121"/>
+            <a:ext cx="3455581" cy="369332"/>
+          </a:xfrm>
+          <a:prstGeom prst="rect">
+            <a:avLst/>
+          </a:prstGeom>
+          <a:noFill/>
+        </p:spPr>
+        <p:txBody>
+          <a:bodyPr wrap="square" rtlCol="0">
+            <a:spAutoFit/>
+          </a:bodyPr>
+          <a:lstStyle/>
+          <a:p>
+            <a:pPr algn="ctr"/>
+            <a:r>
+              <a:rPr lang="en-US" dirty="0" err="1"/>
+              <a:t>Index.html</a:t>
+            </a:r>
+            <a:endParaRPr lang="en-US" dirty="0"/>
+          </a:p>
+        </p:txBody>
+      </p:sp>
+      <p:sp>
+        <p:nvSpPr>
+          <p:cNvPr id="4" name="Rectangle 3">
+            <a:extLst>
+              <a:ext uri="{FF2B5EF4-FFF2-40B4-BE49-F238E27FC236}">
+                <a16:creationId xmlns:a16="http://schemas.microsoft.com/office/drawing/2014/main" id="{94185E01-B5DD-4734-A74D-DF58461C3D48}"/>
+              </a:ext>
+            </a:extLst>
+          </p:cNvPr>
+          <p:cNvSpPr/>
+          <p:nvPr/>
+        </p:nvSpPr>
+        <p:spPr>
+          <a:xfrm>
+            <a:off x="1509823" y="1169581"/>
+            <a:ext cx="5539563" cy="2658140"/>
+          </a:xfrm>
+          <a:prstGeom prst="rect">
+            <a:avLst/>
+          </a:prstGeom>
+        </p:spPr>
+        <p:style>
+          <a:lnRef idx="2">
+            <a:schemeClr val="accent1">
+              <a:shade val="15000"/>
+            </a:schemeClr>
+          </a:lnRef>
+          <a:fillRef idx="1">
+            <a:schemeClr val="accent1"/>
+          </a:fillRef>
+          <a:effectRef idx="0">
+            <a:schemeClr val="accent1"/>
+          </a:effectRef>
+          <a:fontRef idx="minor">
+            <a:schemeClr val="lt1"/>
+          </a:fontRef>
+        </p:style>
+        <p:txBody>
+          <a:bodyPr rtlCol="0" anchor="ctr"/>
+          <a:lstStyle/>
+          <a:p>
+            <a:pPr algn="ctr"/>
+            <a:r>
+              <a:rPr lang="en-US" dirty="0"/>
+              <a:t>HTML UI</a:t>
+            </a:r>
+          </a:p>
+        </p:txBody>
+      </p:sp>
+      <p:sp>
+        <p:nvSpPr>
+          <p:cNvPr id="5" name="Rectangle 4">
+            <a:extLst>
+              <a:ext uri="{FF2B5EF4-FFF2-40B4-BE49-F238E27FC236}">
+                <a16:creationId xmlns:a16="http://schemas.microsoft.com/office/drawing/2014/main" id="{746EE5AB-A7DC-C9A7-6202-9A5DA27A447E}"/>
+              </a:ext>
+            </a:extLst>
+          </p:cNvPr>
+          <p:cNvSpPr/>
+          <p:nvPr/>
+        </p:nvSpPr>
+        <p:spPr>
+          <a:xfrm>
+            <a:off x="1584251" y="4199860"/>
+            <a:ext cx="5295014" cy="2052084"/>
+          </a:xfrm>
+          <a:prstGeom prst="rect">
+            <a:avLst/>
+          </a:prstGeom>
+          <a:solidFill>
+            <a:schemeClr val="accent2"/>
+          </a:solidFill>
+        </p:spPr>
+        <p:style>
+          <a:lnRef idx="2">
+            <a:schemeClr val="accent1">
+              <a:shade val="15000"/>
+            </a:schemeClr>
+          </a:lnRef>
+          <a:fillRef idx="1">
+            <a:schemeClr val="accent1"/>
+          </a:fillRef>
+          <a:effectRef idx="0">
+            <a:schemeClr val="accent1"/>
+          </a:effectRef>
+          <a:fontRef idx="minor">
+            <a:schemeClr val="lt1"/>
+          </a:fontRef>
+        </p:style>
+        <p:txBody>
+          <a:bodyPr rtlCol="0" anchor="ctr"/>
+          <a:lstStyle/>
+          <a:p>
+            <a:pPr algn="ctr"/>
+            <a:r>
+              <a:rPr lang="en-US" dirty="0"/>
+              <a:t>JavaScript Object Model</a:t>
+            </a:r>
+          </a:p>
+        </p:txBody>
+      </p:sp>
+      <p:cxnSp>
+        <p:nvCxnSpPr>
+          <p:cNvPr id="7" name="Curved Connector 6">
+            <a:extLst>
+              <a:ext uri="{FF2B5EF4-FFF2-40B4-BE49-F238E27FC236}">
+                <a16:creationId xmlns:a16="http://schemas.microsoft.com/office/drawing/2014/main" id="{8932D005-6050-1595-286E-E223D4E36C7F}"/>
+              </a:ext>
+            </a:extLst>
+          </p:cNvPr>
+          <p:cNvCxnSpPr>
+            <a:endCxn id="4" idx="3"/>
+          </p:cNvCxnSpPr>
+          <p:nvPr/>
+        </p:nvCxnSpPr>
+        <p:spPr>
+          <a:xfrm rot="5400000" flipH="1" flipV="1">
+            <a:off x="5608674" y="3790507"/>
+            <a:ext cx="2732568" cy="148856"/>
+          </a:xfrm>
+          <a:prstGeom prst="curvedConnector4">
+            <a:avLst>
+              <a:gd name="adj1" fmla="val -4280"/>
+              <a:gd name="adj2" fmla="val 253571"/>
+            </a:avLst>
+          </a:prstGeom>
+          <a:ln w="76200">
+            <a:solidFill>
+              <a:schemeClr val="accent1"/>
+            </a:solidFill>
+            <a:tailEnd type="triangle"/>
+          </a:ln>
+        </p:spPr>
+        <p:style>
+          <a:lnRef idx="1">
+            <a:schemeClr val="accent1"/>
+          </a:lnRef>
+          <a:fillRef idx="0">
+            <a:schemeClr val="accent1"/>
+          </a:fillRef>
+          <a:effectRef idx="0">
+            <a:schemeClr val="accent1"/>
+          </a:effectRef>
+          <a:fontRef idx="minor">
+            <a:schemeClr val="tx1"/>
+          </a:fontRef>
+        </p:style>
+      </p:cxnSp>
+      <p:sp>
+        <p:nvSpPr>
+          <p:cNvPr id="9" name="TextBox 8">
+            <a:extLst>
+              <a:ext uri="{FF2B5EF4-FFF2-40B4-BE49-F238E27FC236}">
+                <a16:creationId xmlns:a16="http://schemas.microsoft.com/office/drawing/2014/main" id="{D942083F-3D42-E045-ABCB-9DE7625D50AD}"/>
+              </a:ext>
+            </a:extLst>
+          </p:cNvPr>
+          <p:cNvSpPr txBox="1"/>
+          <p:nvPr/>
+        </p:nvSpPr>
+        <p:spPr>
+          <a:xfrm>
+            <a:off x="7410893" y="3327991"/>
+            <a:ext cx="3498112" cy="3416320"/>
+          </a:xfrm>
+          <a:prstGeom prst="rect">
+            <a:avLst/>
+          </a:prstGeom>
+          <a:noFill/>
+        </p:spPr>
+        <p:txBody>
+          <a:bodyPr wrap="square" rtlCol="0">
+            <a:spAutoFit/>
+          </a:bodyPr>
+          <a:lstStyle/>
+          <a:p>
+            <a:r>
+              <a:rPr lang="en-US" dirty="0"/>
+              <a:t>Data, Properties, Functions, and Events</a:t>
+            </a:r>
+          </a:p>
+          <a:p>
+            <a:endParaRPr lang="en-US" dirty="0"/>
+          </a:p>
+          <a:p>
+            <a:r>
+              <a:rPr lang="en-US" dirty="0"/>
+              <a:t>DOM Manipulations</a:t>
+            </a:r>
+          </a:p>
+          <a:p>
+            <a:pPr marL="285750" indent="-285750">
+              <a:buFontTx/>
+              <a:buChar char="-"/>
+            </a:pPr>
+            <a:r>
+              <a:rPr lang="en-US" dirty="0"/>
+              <a:t>Extract UI element based on id, name, tag, class</a:t>
+            </a:r>
+          </a:p>
+          <a:p>
+            <a:pPr marL="285750" indent="-285750">
+              <a:buFontTx/>
+              <a:buChar char="-"/>
+            </a:pPr>
+            <a:r>
+              <a:rPr lang="en-US" dirty="0"/>
+              <a:t>Read/Write operations</a:t>
+            </a:r>
+          </a:p>
+          <a:p>
+            <a:pPr marL="285750" indent="-285750">
+              <a:buFontTx/>
+              <a:buChar char="-"/>
+            </a:pPr>
+            <a:r>
+              <a:rPr lang="en-US" dirty="0"/>
+              <a:t>Dynamic UI Generation </a:t>
+            </a:r>
+          </a:p>
+          <a:p>
+            <a:pPr marL="285750" indent="-285750">
+              <a:buFontTx/>
+              <a:buChar char="-"/>
+            </a:pPr>
+            <a:r>
+              <a:rPr lang="en-US" dirty="0"/>
+              <a:t>Function Objects for Domain Logic e.g. Data Manipulation, Events, Domain Logic, etc.</a:t>
+            </a:r>
+          </a:p>
+          <a:p>
+            <a:pPr marL="285750" indent="-285750">
+              <a:buFontTx/>
+              <a:buChar char="-"/>
+            </a:pPr>
+            <a:r>
+              <a:rPr lang="en-US" dirty="0"/>
+              <a:t>Server-Calls**** </a:t>
+            </a:r>
+          </a:p>
+        </p:txBody>
+      </p:sp>
+      <p:sp>
+        <p:nvSpPr>
+          <p:cNvPr id="10" name="Down Arrow 9">
+            <a:extLst>
+              <a:ext uri="{FF2B5EF4-FFF2-40B4-BE49-F238E27FC236}">
+                <a16:creationId xmlns:a16="http://schemas.microsoft.com/office/drawing/2014/main" id="{F263A3CB-CFE9-847B-9ABB-FBCDFB1DC8B4}"/>
+              </a:ext>
+            </a:extLst>
+          </p:cNvPr>
+          <p:cNvSpPr/>
+          <p:nvPr/>
+        </p:nvSpPr>
+        <p:spPr>
+          <a:xfrm>
+            <a:off x="2073349" y="2966484"/>
+            <a:ext cx="372139" cy="1711842"/>
+          </a:xfrm>
+          <a:prstGeom prst="downArrow">
+            <a:avLst/>
+          </a:prstGeom>
+          <a:solidFill>
+            <a:srgbClr val="FF0000"/>
+          </a:solidFill>
+        </p:spPr>
+        <p:style>
+          <a:lnRef idx="2">
+            <a:schemeClr val="accent1">
+              <a:shade val="15000"/>
+            </a:schemeClr>
+          </a:lnRef>
+          <a:fillRef idx="1">
+            <a:schemeClr val="accent1"/>
+          </a:fillRef>
+          <a:effectRef idx="0">
+            <a:schemeClr val="accent1"/>
+          </a:effectRef>
+          <a:fontRef idx="minor">
+            <a:schemeClr val="lt1"/>
+          </a:fontRef>
+        </p:style>
+        <p:txBody>
+          <a:bodyPr rtlCol="0" anchor="ctr"/>
+          <a:lstStyle/>
+          <a:p>
+            <a:pPr algn="ctr"/>
+            <a:endParaRPr lang="en-US"/>
+          </a:p>
+        </p:txBody>
+      </p:sp>
+      <p:sp>
+        <p:nvSpPr>
+          <p:cNvPr id="11" name="TextBox 10">
+            <a:extLst>
+              <a:ext uri="{FF2B5EF4-FFF2-40B4-BE49-F238E27FC236}">
+                <a16:creationId xmlns:a16="http://schemas.microsoft.com/office/drawing/2014/main" id="{DFD8BF80-60F9-4906-3F12-BF1A99E24285}"/>
+              </a:ext>
+            </a:extLst>
+          </p:cNvPr>
+          <p:cNvSpPr txBox="1"/>
+          <p:nvPr/>
+        </p:nvSpPr>
+        <p:spPr>
+          <a:xfrm>
+            <a:off x="1669312" y="2498651"/>
+            <a:ext cx="1414130" cy="646331"/>
+          </a:xfrm>
+          <a:prstGeom prst="rect">
+            <a:avLst/>
+          </a:prstGeom>
+          <a:noFill/>
+        </p:spPr>
+        <p:txBody>
+          <a:bodyPr wrap="square" rtlCol="0">
+            <a:spAutoFit/>
+          </a:bodyPr>
+          <a:lstStyle/>
+          <a:p>
+            <a:r>
+              <a:rPr lang="en-US" dirty="0"/>
+              <a:t>Event Request</a:t>
+            </a:r>
+          </a:p>
+        </p:txBody>
+      </p:sp>
+      <p:sp>
+        <p:nvSpPr>
+          <p:cNvPr id="12" name="Up Arrow 11">
+            <a:extLst>
+              <a:ext uri="{FF2B5EF4-FFF2-40B4-BE49-F238E27FC236}">
+                <a16:creationId xmlns:a16="http://schemas.microsoft.com/office/drawing/2014/main" id="{E997E1ED-948F-C916-26A7-2EB449A5C646}"/>
+              </a:ext>
+            </a:extLst>
+          </p:cNvPr>
+          <p:cNvSpPr/>
+          <p:nvPr/>
+        </p:nvSpPr>
+        <p:spPr>
+          <a:xfrm>
+            <a:off x="5635256" y="2966484"/>
+            <a:ext cx="460744" cy="1711842"/>
+          </a:xfrm>
+          <a:prstGeom prst="upArrow">
+            <a:avLst/>
+          </a:prstGeom>
+          <a:solidFill>
+            <a:srgbClr val="FF0000"/>
+          </a:solidFill>
+        </p:spPr>
+        <p:style>
+          <a:lnRef idx="2">
+            <a:schemeClr val="accent1">
+              <a:shade val="15000"/>
+            </a:schemeClr>
+          </a:lnRef>
+          <a:fillRef idx="1">
+            <a:schemeClr val="accent1"/>
+          </a:fillRef>
+          <a:effectRef idx="0">
+            <a:schemeClr val="accent1"/>
+          </a:effectRef>
+          <a:fontRef idx="minor">
+            <a:schemeClr val="lt1"/>
+          </a:fontRef>
+        </p:style>
+        <p:txBody>
+          <a:bodyPr rtlCol="0" anchor="ctr"/>
+          <a:lstStyle/>
+          <a:p>
+            <a:pPr algn="ctr"/>
+            <a:endParaRPr lang="en-US"/>
+          </a:p>
+        </p:txBody>
+      </p:sp>
+      <p:sp>
+        <p:nvSpPr>
+          <p:cNvPr id="13" name="TextBox 12">
+            <a:extLst>
+              <a:ext uri="{FF2B5EF4-FFF2-40B4-BE49-F238E27FC236}">
+                <a16:creationId xmlns:a16="http://schemas.microsoft.com/office/drawing/2014/main" id="{F8ACEBCA-A4E2-9306-BA14-D2090AEFFF55}"/>
+              </a:ext>
+            </a:extLst>
+          </p:cNvPr>
+          <p:cNvSpPr txBox="1"/>
+          <p:nvPr/>
+        </p:nvSpPr>
+        <p:spPr>
+          <a:xfrm>
+            <a:off x="5124893" y="2307265"/>
+            <a:ext cx="1796903" cy="646331"/>
+          </a:xfrm>
+          <a:prstGeom prst="rect">
+            <a:avLst/>
+          </a:prstGeom>
+          <a:noFill/>
+        </p:spPr>
+        <p:txBody>
+          <a:bodyPr wrap="square" rtlCol="0">
+            <a:spAutoFit/>
+          </a:bodyPr>
+          <a:lstStyle/>
+          <a:p>
+            <a:r>
+              <a:rPr lang="en-US" dirty="0"/>
+              <a:t>Manipulated Data</a:t>
+            </a:r>
+          </a:p>
+        </p:txBody>
+      </p:sp>
+    </p:spTree>
+    <p:extLst>
+      <p:ext uri="{BB962C8B-B14F-4D97-AF65-F5344CB8AC3E}">
+        <p14:creationId xmlns:p14="http://schemas.microsoft.com/office/powerpoint/2010/main" val="3368740500"/>
       </p:ext>
     </p:extLst>
   </p:cSld>

--- a/Training_Presentetions.pptx
+++ b/Training_Presentetions.pptx
@@ -18,6 +18,13 @@
     <p:sldId id="266" r:id="rId12"/>
     <p:sldId id="267" r:id="rId13"/>
     <p:sldId id="268" r:id="rId14"/>
+    <p:sldId id="269" r:id="rId15"/>
+    <p:sldId id="270" r:id="rId16"/>
+    <p:sldId id="271" r:id="rId17"/>
+    <p:sldId id="272" r:id="rId18"/>
+    <p:sldId id="273" r:id="rId19"/>
+    <p:sldId id="274" r:id="rId20"/>
+    <p:sldId id="275" r:id="rId21"/>
   </p:sldIdLst>
   <p:sldSz cx="12192000" cy="6858000"/>
   <p:notesSz cx="6858000" cy="9144000"/>
@@ -273,7 +280,7 @@
           <a:p>
             <a:fld id="{D9FCDB6C-7DD4-3A4F-BB06-0EDDD9178121}" type="datetimeFigureOut">
               <a:rPr lang="en-US" smtClean="0"/>
-              <a:t>7/10/23</a:t>
+              <a:t>7/11/23</a:t>
             </a:fld>
             <a:endParaRPr lang="en-US"/>
           </a:p>
@@ -473,7 +480,7 @@
           <a:p>
             <a:fld id="{D9FCDB6C-7DD4-3A4F-BB06-0EDDD9178121}" type="datetimeFigureOut">
               <a:rPr lang="en-US" smtClean="0"/>
-              <a:t>7/10/23</a:t>
+              <a:t>7/11/23</a:t>
             </a:fld>
             <a:endParaRPr lang="en-US"/>
           </a:p>
@@ -683,7 +690,7 @@
           <a:p>
             <a:fld id="{D9FCDB6C-7DD4-3A4F-BB06-0EDDD9178121}" type="datetimeFigureOut">
               <a:rPr lang="en-US" smtClean="0"/>
-              <a:t>7/10/23</a:t>
+              <a:t>7/11/23</a:t>
             </a:fld>
             <a:endParaRPr lang="en-US"/>
           </a:p>
@@ -883,7 +890,7 @@
           <a:p>
             <a:fld id="{D9FCDB6C-7DD4-3A4F-BB06-0EDDD9178121}" type="datetimeFigureOut">
               <a:rPr lang="en-US" smtClean="0"/>
-              <a:t>7/10/23</a:t>
+              <a:t>7/11/23</a:t>
             </a:fld>
             <a:endParaRPr lang="en-US"/>
           </a:p>
@@ -1159,7 +1166,7 @@
           <a:p>
             <a:fld id="{D9FCDB6C-7DD4-3A4F-BB06-0EDDD9178121}" type="datetimeFigureOut">
               <a:rPr lang="en-US" smtClean="0"/>
-              <a:t>7/10/23</a:t>
+              <a:t>7/11/23</a:t>
             </a:fld>
             <a:endParaRPr lang="en-US"/>
           </a:p>
@@ -1427,7 +1434,7 @@
           <a:p>
             <a:fld id="{D9FCDB6C-7DD4-3A4F-BB06-0EDDD9178121}" type="datetimeFigureOut">
               <a:rPr lang="en-US" smtClean="0"/>
-              <a:t>7/10/23</a:t>
+              <a:t>7/11/23</a:t>
             </a:fld>
             <a:endParaRPr lang="en-US"/>
           </a:p>
@@ -1842,7 +1849,7 @@
           <a:p>
             <a:fld id="{D9FCDB6C-7DD4-3A4F-BB06-0EDDD9178121}" type="datetimeFigureOut">
               <a:rPr lang="en-US" smtClean="0"/>
-              <a:t>7/10/23</a:t>
+              <a:t>7/11/23</a:t>
             </a:fld>
             <a:endParaRPr lang="en-US"/>
           </a:p>
@@ -1984,7 +1991,7 @@
           <a:p>
             <a:fld id="{D9FCDB6C-7DD4-3A4F-BB06-0EDDD9178121}" type="datetimeFigureOut">
               <a:rPr lang="en-US" smtClean="0"/>
-              <a:t>7/10/23</a:t>
+              <a:t>7/11/23</a:t>
             </a:fld>
             <a:endParaRPr lang="en-US"/>
           </a:p>
@@ -2097,7 +2104,7 @@
           <a:p>
             <a:fld id="{D9FCDB6C-7DD4-3A4F-BB06-0EDDD9178121}" type="datetimeFigureOut">
               <a:rPr lang="en-US" smtClean="0"/>
-              <a:t>7/10/23</a:t>
+              <a:t>7/11/23</a:t>
             </a:fld>
             <a:endParaRPr lang="en-US"/>
           </a:p>
@@ -2410,7 +2417,7 @@
           <a:p>
             <a:fld id="{D9FCDB6C-7DD4-3A4F-BB06-0EDDD9178121}" type="datetimeFigureOut">
               <a:rPr lang="en-US" smtClean="0"/>
-              <a:t>7/10/23</a:t>
+              <a:t>7/11/23</a:t>
             </a:fld>
             <a:endParaRPr lang="en-US"/>
           </a:p>
@@ -2699,7 +2706,7 @@
           <a:p>
             <a:fld id="{D9FCDB6C-7DD4-3A4F-BB06-0EDDD9178121}" type="datetimeFigureOut">
               <a:rPr lang="en-US" smtClean="0"/>
-              <a:t>7/10/23</a:t>
+              <a:t>7/11/23</a:t>
             </a:fld>
             <a:endParaRPr lang="en-US"/>
           </a:p>
@@ -2942,7 +2949,7 @@
           <a:p>
             <a:fld id="{D9FCDB6C-7DD4-3A4F-BB06-0EDDD9178121}" type="datetimeFigureOut">
               <a:rPr lang="en-US" smtClean="0"/>
-              <a:t>7/10/23</a:t>
+              <a:t>7/11/23</a:t>
             </a:fld>
             <a:endParaRPr lang="en-US"/>
           </a:p>
@@ -6480,6 +6487,4909 @@
 </p:sld>
 </file>
 
+<file path=ppt/slides/slide14.xml><?xml version="1.0" encoding="utf-8"?>
+<p:sld xmlns:a="http://schemas.openxmlformats.org/drawingml/2006/main" xmlns:r="http://schemas.openxmlformats.org/officeDocument/2006/relationships" xmlns:p="http://schemas.openxmlformats.org/presentationml/2006/main">
+  <p:cSld>
+    <p:spTree>
+      <p:nvGrpSpPr>
+        <p:cNvPr id="1" name=""/>
+        <p:cNvGrpSpPr/>
+        <p:nvPr/>
+      </p:nvGrpSpPr>
+      <p:grpSpPr>
+        <a:xfrm>
+          <a:off x="0" y="0"/>
+          <a:ext cx="0" cy="0"/>
+          <a:chOff x="0" y="0"/>
+          <a:chExt cx="0" cy="0"/>
+        </a:xfrm>
+      </p:grpSpPr>
+      <p:sp>
+        <p:nvSpPr>
+          <p:cNvPr id="2" name="Rectangle 1">
+            <a:extLst>
+              <a:ext uri="{FF2B5EF4-FFF2-40B4-BE49-F238E27FC236}">
+                <a16:creationId xmlns:a16="http://schemas.microsoft.com/office/drawing/2014/main" id="{8062AC7D-1C13-632B-EF4A-18B9514674FE}"/>
+              </a:ext>
+            </a:extLst>
+          </p:cNvPr>
+          <p:cNvSpPr/>
+          <p:nvPr/>
+        </p:nvSpPr>
+        <p:spPr>
+          <a:xfrm>
+            <a:off x="7697972" y="887818"/>
+            <a:ext cx="3572540" cy="4268973"/>
+          </a:xfrm>
+          <a:prstGeom prst="rect">
+            <a:avLst/>
+          </a:prstGeom>
+        </p:spPr>
+        <p:style>
+          <a:lnRef idx="3">
+            <a:schemeClr val="lt1"/>
+          </a:lnRef>
+          <a:fillRef idx="1">
+            <a:schemeClr val="accent3"/>
+          </a:fillRef>
+          <a:effectRef idx="1">
+            <a:schemeClr val="accent3"/>
+          </a:effectRef>
+          <a:fontRef idx="minor">
+            <a:schemeClr val="lt1"/>
+          </a:fontRef>
+        </p:style>
+        <p:txBody>
+          <a:bodyPr rtlCol="0" anchor="ctr"/>
+          <a:lstStyle/>
+          <a:p>
+            <a:pPr algn="ctr"/>
+            <a:endParaRPr lang="en-US"/>
+          </a:p>
+        </p:txBody>
+      </p:sp>
+      <p:sp>
+        <p:nvSpPr>
+          <p:cNvPr id="3" name="TextBox 2">
+            <a:extLst>
+              <a:ext uri="{FF2B5EF4-FFF2-40B4-BE49-F238E27FC236}">
+                <a16:creationId xmlns:a16="http://schemas.microsoft.com/office/drawing/2014/main" id="{89B47BE6-4273-6D5B-2A36-19CC1563D6A1}"/>
+              </a:ext>
+            </a:extLst>
+          </p:cNvPr>
+          <p:cNvSpPr txBox="1"/>
+          <p:nvPr/>
+        </p:nvSpPr>
+        <p:spPr>
+          <a:xfrm>
+            <a:off x="7995684" y="1052623"/>
+            <a:ext cx="2913321" cy="369332"/>
+          </a:xfrm>
+          <a:prstGeom prst="rect">
+            <a:avLst/>
+          </a:prstGeom>
+          <a:noFill/>
+        </p:spPr>
+        <p:txBody>
+          <a:bodyPr wrap="square" rtlCol="0">
+            <a:spAutoFit/>
+          </a:bodyPr>
+          <a:lstStyle/>
+          <a:p>
+            <a:pPr algn="ctr"/>
+            <a:r>
+              <a:rPr lang="en-US" b="1" dirty="0"/>
+              <a:t>WEB SERVER</a:t>
+            </a:r>
+          </a:p>
+        </p:txBody>
+      </p:sp>
+      <p:sp>
+        <p:nvSpPr>
+          <p:cNvPr id="4" name="Rectangle 3">
+            <a:extLst>
+              <a:ext uri="{FF2B5EF4-FFF2-40B4-BE49-F238E27FC236}">
+                <a16:creationId xmlns:a16="http://schemas.microsoft.com/office/drawing/2014/main" id="{04E00942-CBAA-B44C-219E-3E6738F8C782}"/>
+              </a:ext>
+            </a:extLst>
+          </p:cNvPr>
+          <p:cNvSpPr/>
+          <p:nvPr/>
+        </p:nvSpPr>
+        <p:spPr>
+          <a:xfrm>
+            <a:off x="7868093" y="2041451"/>
+            <a:ext cx="3040912" cy="2466754"/>
+          </a:xfrm>
+          <a:prstGeom prst="rect">
+            <a:avLst/>
+          </a:prstGeom>
+          <a:solidFill>
+            <a:schemeClr val="accent4">
+              <a:lumMod val="60000"/>
+              <a:lumOff val="40000"/>
+            </a:schemeClr>
+          </a:solidFill>
+        </p:spPr>
+        <p:style>
+          <a:lnRef idx="2">
+            <a:schemeClr val="accent1">
+              <a:shade val="15000"/>
+            </a:schemeClr>
+          </a:lnRef>
+          <a:fillRef idx="1">
+            <a:schemeClr val="accent1"/>
+          </a:fillRef>
+          <a:effectRef idx="0">
+            <a:schemeClr val="accent1"/>
+          </a:effectRef>
+          <a:fontRef idx="minor">
+            <a:schemeClr val="lt1"/>
+          </a:fontRef>
+        </p:style>
+        <p:txBody>
+          <a:bodyPr rtlCol="0" anchor="ctr"/>
+          <a:lstStyle/>
+          <a:p>
+            <a:pPr algn="ctr"/>
+            <a:r>
+              <a:rPr lang="en-US" b="1" dirty="0">
+                <a:solidFill>
+                  <a:sysClr val="windowText" lastClr="000000"/>
+                </a:solidFill>
+              </a:rPr>
+              <a:t>App Workflows were developed using the JavaScript </a:t>
+            </a:r>
+          </a:p>
+          <a:p>
+            <a:pPr algn="ctr"/>
+            <a:r>
+              <a:rPr lang="en-US" b="1" dirty="0">
+                <a:solidFill>
+                  <a:sysClr val="windowText" lastClr="000000"/>
+                </a:solidFill>
+              </a:rPr>
+              <a:t>Node.js Modules</a:t>
+            </a:r>
+          </a:p>
+          <a:p>
+            <a:pPr algn="ctr"/>
+            <a:r>
+              <a:rPr lang="en-US" b="1" dirty="0">
+                <a:solidFill>
+                  <a:sysClr val="windowText" lastClr="000000"/>
+                </a:solidFill>
+              </a:rPr>
+              <a:t>MVC Framework, Security, REST APIs, and Data-Access, written using JS</a:t>
+            </a:r>
+          </a:p>
+        </p:txBody>
+      </p:sp>
+      <p:sp>
+        <p:nvSpPr>
+          <p:cNvPr id="5" name="Rectangle 4">
+            <a:extLst>
+              <a:ext uri="{FF2B5EF4-FFF2-40B4-BE49-F238E27FC236}">
+                <a16:creationId xmlns:a16="http://schemas.microsoft.com/office/drawing/2014/main" id="{7D3F32EB-69F3-C4DE-725A-4EFE8F2ADB95}"/>
+              </a:ext>
+            </a:extLst>
+          </p:cNvPr>
+          <p:cNvSpPr/>
+          <p:nvPr/>
+        </p:nvSpPr>
+        <p:spPr>
+          <a:xfrm>
+            <a:off x="85060" y="483781"/>
+            <a:ext cx="3817088" cy="2923954"/>
+          </a:xfrm>
+          <a:prstGeom prst="rect">
+            <a:avLst/>
+          </a:prstGeom>
+        </p:spPr>
+        <p:style>
+          <a:lnRef idx="1">
+            <a:schemeClr val="accent3"/>
+          </a:lnRef>
+          <a:fillRef idx="2">
+            <a:schemeClr val="accent3"/>
+          </a:fillRef>
+          <a:effectRef idx="1">
+            <a:schemeClr val="accent3"/>
+          </a:effectRef>
+          <a:fontRef idx="minor">
+            <a:schemeClr val="dk1"/>
+          </a:fontRef>
+        </p:style>
+        <p:txBody>
+          <a:bodyPr rtlCol="0" anchor="ctr"/>
+          <a:lstStyle/>
+          <a:p>
+            <a:pPr algn="ctr"/>
+            <a:r>
+              <a:rPr lang="en-US" b="1" dirty="0"/>
+              <a:t>Browser</a:t>
+            </a:r>
+          </a:p>
+          <a:p>
+            <a:pPr algn="ctr"/>
+            <a:r>
+              <a:rPr lang="en-US" b="1" dirty="0"/>
+              <a:t>JS Object Model</a:t>
+            </a:r>
+          </a:p>
+          <a:p>
+            <a:pPr algn="ctr"/>
+            <a:r>
+              <a:rPr lang="en-US" b="1" dirty="0"/>
+              <a:t> </a:t>
+            </a:r>
+            <a:endParaRPr lang="en-US" dirty="0"/>
+          </a:p>
+        </p:txBody>
+      </p:sp>
+      <p:sp>
+        <p:nvSpPr>
+          <p:cNvPr id="6" name="Rectangle 5">
+            <a:extLst>
+              <a:ext uri="{FF2B5EF4-FFF2-40B4-BE49-F238E27FC236}">
+                <a16:creationId xmlns:a16="http://schemas.microsoft.com/office/drawing/2014/main" id="{9B96610E-0995-9517-F895-94286CB95088}"/>
+              </a:ext>
+            </a:extLst>
+          </p:cNvPr>
+          <p:cNvSpPr/>
+          <p:nvPr/>
+        </p:nvSpPr>
+        <p:spPr>
+          <a:xfrm>
+            <a:off x="4072269" y="3407735"/>
+            <a:ext cx="2838893" cy="1743739"/>
+          </a:xfrm>
+          <a:prstGeom prst="rect">
+            <a:avLst/>
+          </a:prstGeom>
+          <a:solidFill>
+            <a:srgbClr val="002060"/>
+          </a:solidFill>
+        </p:spPr>
+        <p:style>
+          <a:lnRef idx="2">
+            <a:schemeClr val="accent1">
+              <a:shade val="15000"/>
+            </a:schemeClr>
+          </a:lnRef>
+          <a:fillRef idx="1">
+            <a:schemeClr val="accent1"/>
+          </a:fillRef>
+          <a:effectRef idx="0">
+            <a:schemeClr val="accent1"/>
+          </a:effectRef>
+          <a:fontRef idx="minor">
+            <a:schemeClr val="lt1"/>
+          </a:fontRef>
+        </p:style>
+        <p:txBody>
+          <a:bodyPr rtlCol="0" anchor="ctr"/>
+          <a:lstStyle/>
+          <a:p>
+            <a:pPr algn="ctr"/>
+            <a:r>
+              <a:rPr lang="en-US" b="1" dirty="0"/>
+              <a:t>Front-End App using jQuery, </a:t>
+            </a:r>
+            <a:r>
+              <a:rPr lang="en-US" b="1" dirty="0" err="1"/>
+              <a:t>Angular.js</a:t>
+            </a:r>
+            <a:r>
+              <a:rPr lang="en-US" b="1" dirty="0"/>
+              <a:t>, Angular, React, Vue, etc.</a:t>
+            </a:r>
+          </a:p>
+        </p:txBody>
+      </p:sp>
+      <p:cxnSp>
+        <p:nvCxnSpPr>
+          <p:cNvPr id="8" name="Elbow Connector 7">
+            <a:extLst>
+              <a:ext uri="{FF2B5EF4-FFF2-40B4-BE49-F238E27FC236}">
+                <a16:creationId xmlns:a16="http://schemas.microsoft.com/office/drawing/2014/main" id="{461B95B9-3AFE-901C-6063-0357799F88FA}"/>
+              </a:ext>
+            </a:extLst>
+          </p:cNvPr>
+          <p:cNvCxnSpPr>
+            <a:stCxn id="5" idx="2"/>
+            <a:endCxn id="6" idx="1"/>
+          </p:cNvCxnSpPr>
+          <p:nvPr/>
+        </p:nvCxnSpPr>
+        <p:spPr>
+          <a:xfrm rot="16200000" flipH="1">
+            <a:off x="2597001" y="2804337"/>
+            <a:ext cx="871870" cy="2078665"/>
+          </a:xfrm>
+          <a:prstGeom prst="bentConnector2">
+            <a:avLst/>
+          </a:prstGeom>
+          <a:ln>
+            <a:tailEnd type="triangle"/>
+          </a:ln>
+        </p:spPr>
+        <p:style>
+          <a:lnRef idx="1">
+            <a:schemeClr val="accent1"/>
+          </a:lnRef>
+          <a:fillRef idx="0">
+            <a:schemeClr val="accent1"/>
+          </a:fillRef>
+          <a:effectRef idx="0">
+            <a:schemeClr val="accent1"/>
+          </a:effectRef>
+          <a:fontRef idx="minor">
+            <a:schemeClr val="tx1"/>
+          </a:fontRef>
+        </p:style>
+      </p:cxnSp>
+      <p:cxnSp>
+        <p:nvCxnSpPr>
+          <p:cNvPr id="10" name="Elbow Connector 9">
+            <a:extLst>
+              <a:ext uri="{FF2B5EF4-FFF2-40B4-BE49-F238E27FC236}">
+                <a16:creationId xmlns:a16="http://schemas.microsoft.com/office/drawing/2014/main" id="{E30E1485-BF93-655D-58C9-8E6A72B60354}"/>
+              </a:ext>
+            </a:extLst>
+          </p:cNvPr>
+          <p:cNvCxnSpPr>
+            <a:stCxn id="6" idx="0"/>
+            <a:endCxn id="5" idx="3"/>
+          </p:cNvCxnSpPr>
+          <p:nvPr/>
+        </p:nvCxnSpPr>
+        <p:spPr>
+          <a:xfrm rot="16200000" flipV="1">
+            <a:off x="3965944" y="1881963"/>
+            <a:ext cx="1461977" cy="1589568"/>
+          </a:xfrm>
+          <a:prstGeom prst="bentConnector2">
+            <a:avLst/>
+          </a:prstGeom>
+          <a:ln>
+            <a:tailEnd type="triangle"/>
+          </a:ln>
+        </p:spPr>
+        <p:style>
+          <a:lnRef idx="1">
+            <a:schemeClr val="accent1"/>
+          </a:lnRef>
+          <a:fillRef idx="0">
+            <a:schemeClr val="accent1"/>
+          </a:fillRef>
+          <a:effectRef idx="0">
+            <a:schemeClr val="accent1"/>
+          </a:effectRef>
+          <a:fontRef idx="minor">
+            <a:schemeClr val="tx1"/>
+          </a:fontRef>
+        </p:style>
+      </p:cxnSp>
+      <p:sp>
+        <p:nvSpPr>
+          <p:cNvPr id="17" name="Rectangle 16">
+            <a:extLst>
+              <a:ext uri="{FF2B5EF4-FFF2-40B4-BE49-F238E27FC236}">
+                <a16:creationId xmlns:a16="http://schemas.microsoft.com/office/drawing/2014/main" id="{BD7309C7-E6CE-35F0-B5E5-D4CBB1964B2A}"/>
+              </a:ext>
+            </a:extLst>
+          </p:cNvPr>
+          <p:cNvSpPr/>
+          <p:nvPr/>
+        </p:nvSpPr>
+        <p:spPr>
+          <a:xfrm>
+            <a:off x="4072269" y="5422605"/>
+            <a:ext cx="7198243" cy="606055"/>
+          </a:xfrm>
+          <a:prstGeom prst="rect">
+            <a:avLst/>
+          </a:prstGeom>
+          <a:solidFill>
+            <a:srgbClr val="FF0000"/>
+          </a:solidFill>
+        </p:spPr>
+        <p:style>
+          <a:lnRef idx="2">
+            <a:schemeClr val="accent1">
+              <a:shade val="15000"/>
+            </a:schemeClr>
+          </a:lnRef>
+          <a:fillRef idx="1">
+            <a:schemeClr val="accent1"/>
+          </a:fillRef>
+          <a:effectRef idx="0">
+            <a:schemeClr val="accent1"/>
+          </a:effectRef>
+          <a:fontRef idx="minor">
+            <a:schemeClr val="lt1"/>
+          </a:fontRef>
+        </p:style>
+        <p:txBody>
+          <a:bodyPr rtlCol="0" anchor="ctr"/>
+          <a:lstStyle/>
+          <a:p>
+            <a:pPr algn="ctr"/>
+            <a:r>
+              <a:rPr lang="en-US" b="1" dirty="0"/>
+              <a:t>Code Sharing e.g. Classes, Utilities, Data Structures</a:t>
+            </a:r>
+          </a:p>
+        </p:txBody>
+      </p:sp>
+      <p:cxnSp>
+        <p:nvCxnSpPr>
+          <p:cNvPr id="19" name="Straight Arrow Connector 18">
+            <a:extLst>
+              <a:ext uri="{FF2B5EF4-FFF2-40B4-BE49-F238E27FC236}">
+                <a16:creationId xmlns:a16="http://schemas.microsoft.com/office/drawing/2014/main" id="{EF14037B-E191-58CE-58DD-190B86136723}"/>
+              </a:ext>
+            </a:extLst>
+          </p:cNvPr>
+          <p:cNvCxnSpPr>
+            <a:endCxn id="4" idx="2"/>
+          </p:cNvCxnSpPr>
+          <p:nvPr/>
+        </p:nvCxnSpPr>
+        <p:spPr>
+          <a:xfrm flipV="1">
+            <a:off x="9388549" y="4508205"/>
+            <a:ext cx="0" cy="903767"/>
+          </a:xfrm>
+          <a:prstGeom prst="straightConnector1">
+            <a:avLst/>
+          </a:prstGeom>
+          <a:ln w="76200">
+            <a:solidFill>
+              <a:srgbClr val="C00000"/>
+            </a:solidFill>
+            <a:tailEnd type="triangle"/>
+          </a:ln>
+        </p:spPr>
+        <p:style>
+          <a:lnRef idx="1">
+            <a:schemeClr val="accent1"/>
+          </a:lnRef>
+          <a:fillRef idx="0">
+            <a:schemeClr val="accent1"/>
+          </a:fillRef>
+          <a:effectRef idx="0">
+            <a:schemeClr val="accent1"/>
+          </a:effectRef>
+          <a:fontRef idx="minor">
+            <a:schemeClr val="tx1"/>
+          </a:fontRef>
+        </p:style>
+      </p:cxnSp>
+      <p:cxnSp>
+        <p:nvCxnSpPr>
+          <p:cNvPr id="21" name="Straight Arrow Connector 20">
+            <a:extLst>
+              <a:ext uri="{FF2B5EF4-FFF2-40B4-BE49-F238E27FC236}">
+                <a16:creationId xmlns:a16="http://schemas.microsoft.com/office/drawing/2014/main" id="{105534CB-DFB6-A4ED-B9A8-CD2169A3FA4F}"/>
+              </a:ext>
+            </a:extLst>
+          </p:cNvPr>
+          <p:cNvCxnSpPr>
+            <a:endCxn id="6" idx="2"/>
+          </p:cNvCxnSpPr>
+          <p:nvPr/>
+        </p:nvCxnSpPr>
+        <p:spPr>
+          <a:xfrm flipV="1">
+            <a:off x="5491715" y="5151474"/>
+            <a:ext cx="1" cy="271131"/>
+          </a:xfrm>
+          <a:prstGeom prst="straightConnector1">
+            <a:avLst/>
+          </a:prstGeom>
+          <a:ln w="76200">
+            <a:solidFill>
+              <a:srgbClr val="C00000"/>
+            </a:solidFill>
+            <a:tailEnd type="triangle"/>
+          </a:ln>
+        </p:spPr>
+        <p:style>
+          <a:lnRef idx="1">
+            <a:schemeClr val="accent1"/>
+          </a:lnRef>
+          <a:fillRef idx="0">
+            <a:schemeClr val="accent1"/>
+          </a:fillRef>
+          <a:effectRef idx="0">
+            <a:schemeClr val="accent1"/>
+          </a:effectRef>
+          <a:fontRef idx="minor">
+            <a:schemeClr val="tx1"/>
+          </a:fontRef>
+        </p:style>
+      </p:cxnSp>
+      <p:sp>
+        <p:nvSpPr>
+          <p:cNvPr id="22" name="TextBox 21">
+            <a:extLst>
+              <a:ext uri="{FF2B5EF4-FFF2-40B4-BE49-F238E27FC236}">
+                <a16:creationId xmlns:a16="http://schemas.microsoft.com/office/drawing/2014/main" id="{882B32BB-AB2D-02B4-A2CF-69AB6F56EF62}"/>
+              </a:ext>
+            </a:extLst>
+          </p:cNvPr>
+          <p:cNvSpPr txBox="1"/>
+          <p:nvPr/>
+        </p:nvSpPr>
+        <p:spPr>
+          <a:xfrm>
+            <a:off x="4359349" y="202019"/>
+            <a:ext cx="3019646" cy="646331"/>
+          </a:xfrm>
+          <a:prstGeom prst="rect">
+            <a:avLst/>
+          </a:prstGeom>
+          <a:noFill/>
+        </p:spPr>
+        <p:txBody>
+          <a:bodyPr wrap="square" rtlCol="0">
+            <a:spAutoFit/>
+          </a:bodyPr>
+          <a:lstStyle/>
+          <a:p>
+            <a:pPr algn="ctr"/>
+            <a:r>
+              <a:rPr lang="en-US" b="1" dirty="0"/>
+              <a:t>Isomorphic Apps aka JavaScript Full-Stack Apps</a:t>
+            </a:r>
+          </a:p>
+        </p:txBody>
+      </p:sp>
+      <p:cxnSp>
+        <p:nvCxnSpPr>
+          <p:cNvPr id="24" name="Elbow Connector 23">
+            <a:extLst>
+              <a:ext uri="{FF2B5EF4-FFF2-40B4-BE49-F238E27FC236}">
+                <a16:creationId xmlns:a16="http://schemas.microsoft.com/office/drawing/2014/main" id="{A47F5744-3735-E854-BA2B-98B22227B40D}"/>
+              </a:ext>
+            </a:extLst>
+          </p:cNvPr>
+          <p:cNvCxnSpPr>
+            <a:stCxn id="5" idx="0"/>
+            <a:endCxn id="2" idx="1"/>
+          </p:cNvCxnSpPr>
+          <p:nvPr/>
+        </p:nvCxnSpPr>
+        <p:spPr>
+          <a:xfrm rot="16200000" flipH="1">
+            <a:off x="3576526" y="-1099141"/>
+            <a:ext cx="2538524" cy="5704368"/>
+          </a:xfrm>
+          <a:prstGeom prst="bentConnector4">
+            <a:avLst>
+              <a:gd name="adj1" fmla="val -9005"/>
+              <a:gd name="adj2" fmla="val 66729"/>
+            </a:avLst>
+          </a:prstGeom>
+          <a:ln>
+            <a:headEnd type="triangle"/>
+            <a:tailEnd type="triangle"/>
+          </a:ln>
+        </p:spPr>
+        <p:style>
+          <a:lnRef idx="1">
+            <a:schemeClr val="accent1"/>
+          </a:lnRef>
+          <a:fillRef idx="0">
+            <a:schemeClr val="accent1"/>
+          </a:fillRef>
+          <a:effectRef idx="0">
+            <a:schemeClr val="accent1"/>
+          </a:effectRef>
+          <a:fontRef idx="minor">
+            <a:schemeClr val="tx1"/>
+          </a:fontRef>
+        </p:style>
+      </p:cxnSp>
+    </p:spTree>
+    <p:extLst>
+      <p:ext uri="{BB962C8B-B14F-4D97-AF65-F5344CB8AC3E}">
+        <p14:creationId xmlns:p14="http://schemas.microsoft.com/office/powerpoint/2010/main" val="1976191412"/>
+      </p:ext>
+    </p:extLst>
+  </p:cSld>
+  <p:clrMapOvr>
+    <a:masterClrMapping/>
+  </p:clrMapOvr>
+</p:sld>
+</file>
+
+<file path=ppt/slides/slide15.xml><?xml version="1.0" encoding="utf-8"?>
+<p:sld xmlns:a="http://schemas.openxmlformats.org/drawingml/2006/main" xmlns:r="http://schemas.openxmlformats.org/officeDocument/2006/relationships" xmlns:p="http://schemas.openxmlformats.org/presentationml/2006/main">
+  <p:cSld>
+    <p:spTree>
+      <p:nvGrpSpPr>
+        <p:cNvPr id="1" name=""/>
+        <p:cNvGrpSpPr/>
+        <p:nvPr/>
+      </p:nvGrpSpPr>
+      <p:grpSpPr>
+        <a:xfrm>
+          <a:off x="0" y="0"/>
+          <a:ext cx="0" cy="0"/>
+          <a:chOff x="0" y="0"/>
+          <a:chExt cx="0" cy="0"/>
+        </a:xfrm>
+      </p:grpSpPr>
+      <p:sp>
+        <p:nvSpPr>
+          <p:cNvPr id="2" name="Rectangle 1">
+            <a:extLst>
+              <a:ext uri="{FF2B5EF4-FFF2-40B4-BE49-F238E27FC236}">
+                <a16:creationId xmlns:a16="http://schemas.microsoft.com/office/drawing/2014/main" id="{86014B1E-1640-2C4D-F512-089E7D13064C}"/>
+              </a:ext>
+            </a:extLst>
+          </p:cNvPr>
+          <p:cNvSpPr/>
+          <p:nvPr/>
+        </p:nvSpPr>
+        <p:spPr>
+          <a:xfrm>
+            <a:off x="8527311" y="1913860"/>
+            <a:ext cx="2456121" cy="2275367"/>
+          </a:xfrm>
+          <a:prstGeom prst="rect">
+            <a:avLst/>
+          </a:prstGeom>
+        </p:spPr>
+        <p:style>
+          <a:lnRef idx="2">
+            <a:schemeClr val="accent1">
+              <a:shade val="15000"/>
+            </a:schemeClr>
+          </a:lnRef>
+          <a:fillRef idx="1">
+            <a:schemeClr val="accent1"/>
+          </a:fillRef>
+          <a:effectRef idx="0">
+            <a:schemeClr val="accent1"/>
+          </a:effectRef>
+          <a:fontRef idx="minor">
+            <a:schemeClr val="lt1"/>
+          </a:fontRef>
+        </p:style>
+        <p:txBody>
+          <a:bodyPr rtlCol="0" anchor="ctr"/>
+          <a:lstStyle/>
+          <a:p>
+            <a:pPr algn="ctr"/>
+            <a:r>
+              <a:rPr lang="en-US" b="1" dirty="0"/>
+              <a:t>Web Server</a:t>
+            </a:r>
+          </a:p>
+          <a:p>
+            <a:pPr algn="ctr"/>
+            <a:endParaRPr lang="en-US" b="1" dirty="0"/>
+          </a:p>
+          <a:p>
+            <a:pPr algn="ctr"/>
+            <a:r>
+              <a:rPr lang="en-US" b="1" dirty="0"/>
+              <a:t>Data Services</a:t>
+            </a:r>
+          </a:p>
+        </p:txBody>
+      </p:sp>
+      <p:sp>
+        <p:nvSpPr>
+          <p:cNvPr id="3" name="Can 2">
+            <a:extLst>
+              <a:ext uri="{FF2B5EF4-FFF2-40B4-BE49-F238E27FC236}">
+                <a16:creationId xmlns:a16="http://schemas.microsoft.com/office/drawing/2014/main" id="{D72A479E-03DF-2BE0-4956-D513A8964D9F}"/>
+              </a:ext>
+            </a:extLst>
+          </p:cNvPr>
+          <p:cNvSpPr/>
+          <p:nvPr/>
+        </p:nvSpPr>
+        <p:spPr>
+          <a:xfrm rot="16200000">
+            <a:off x="6953693" y="1956389"/>
+            <a:ext cx="956930" cy="2190307"/>
+          </a:xfrm>
+          <a:prstGeom prst="can">
+            <a:avLst/>
+          </a:prstGeom>
+          <a:solidFill>
+            <a:srgbClr val="002060"/>
+          </a:solidFill>
+        </p:spPr>
+        <p:style>
+          <a:lnRef idx="2">
+            <a:schemeClr val="accent1">
+              <a:shade val="15000"/>
+            </a:schemeClr>
+          </a:lnRef>
+          <a:fillRef idx="1">
+            <a:schemeClr val="accent1"/>
+          </a:fillRef>
+          <a:effectRef idx="0">
+            <a:schemeClr val="accent1"/>
+          </a:effectRef>
+          <a:fontRef idx="minor">
+            <a:schemeClr val="lt1"/>
+          </a:fontRef>
+        </p:style>
+        <p:txBody>
+          <a:bodyPr rtlCol="0" anchor="ctr"/>
+          <a:lstStyle/>
+          <a:p>
+            <a:pPr algn="ctr"/>
+            <a:endParaRPr lang="en-US"/>
+          </a:p>
+        </p:txBody>
+      </p:sp>
+      <p:sp>
+        <p:nvSpPr>
+          <p:cNvPr id="4" name="TextBox 3">
+            <a:extLst>
+              <a:ext uri="{FF2B5EF4-FFF2-40B4-BE49-F238E27FC236}">
+                <a16:creationId xmlns:a16="http://schemas.microsoft.com/office/drawing/2014/main" id="{FE4E154A-FE33-5BFE-52ED-0E792610B368}"/>
+              </a:ext>
+            </a:extLst>
+          </p:cNvPr>
+          <p:cNvSpPr txBox="1"/>
+          <p:nvPr/>
+        </p:nvSpPr>
+        <p:spPr>
+          <a:xfrm>
+            <a:off x="6741042" y="2806995"/>
+            <a:ext cx="1669311" cy="646331"/>
+          </a:xfrm>
+          <a:prstGeom prst="rect">
+            <a:avLst/>
+          </a:prstGeom>
+          <a:noFill/>
+        </p:spPr>
+        <p:txBody>
+          <a:bodyPr wrap="square" rtlCol="0">
+            <a:spAutoFit/>
+          </a:bodyPr>
+          <a:lstStyle/>
+          <a:p>
+            <a:pPr algn="ctr"/>
+            <a:r>
+              <a:rPr lang="en-US" b="1" spc="50" dirty="0">
+                <a:ln w="9525" cmpd="sng">
+                  <a:solidFill>
+                    <a:schemeClr val="accent1"/>
+                  </a:solidFill>
+                  <a:prstDash val="solid"/>
+                </a:ln>
+                <a:solidFill>
+                  <a:srgbClr val="70AD47">
+                    <a:tint val="1000"/>
+                  </a:srgbClr>
+                </a:solidFill>
+                <a:effectLst>
+                  <a:glow rad="38100">
+                    <a:schemeClr val="accent1">
+                      <a:alpha val="40000"/>
+                    </a:schemeClr>
+                  </a:glow>
+                </a:effectLst>
+              </a:rPr>
+              <a:t>Public Endpoint</a:t>
+            </a:r>
+            <a:endParaRPr lang="en-US" dirty="0"/>
+          </a:p>
+        </p:txBody>
+      </p:sp>
+      <p:sp>
+        <p:nvSpPr>
+          <p:cNvPr id="5" name="Rectangle 4">
+            <a:extLst>
+              <a:ext uri="{FF2B5EF4-FFF2-40B4-BE49-F238E27FC236}">
+                <a16:creationId xmlns:a16="http://schemas.microsoft.com/office/drawing/2014/main" id="{C346C71D-E5C7-CBFB-F623-26BEFCF15A52}"/>
+              </a:ext>
+            </a:extLst>
+          </p:cNvPr>
+          <p:cNvSpPr/>
+          <p:nvPr/>
+        </p:nvSpPr>
+        <p:spPr>
+          <a:xfrm>
+            <a:off x="372140" y="1669312"/>
+            <a:ext cx="2849525" cy="3327990"/>
+          </a:xfrm>
+          <a:prstGeom prst="rect">
+            <a:avLst/>
+          </a:prstGeom>
+        </p:spPr>
+        <p:style>
+          <a:lnRef idx="1">
+            <a:schemeClr val="accent6"/>
+          </a:lnRef>
+          <a:fillRef idx="2">
+            <a:schemeClr val="accent6"/>
+          </a:fillRef>
+          <a:effectRef idx="1">
+            <a:schemeClr val="accent6"/>
+          </a:effectRef>
+          <a:fontRef idx="minor">
+            <a:schemeClr val="dk1"/>
+          </a:fontRef>
+        </p:style>
+        <p:txBody>
+          <a:bodyPr rtlCol="0" anchor="ctr"/>
+          <a:lstStyle/>
+          <a:p>
+            <a:pPr algn="ctr"/>
+            <a:endParaRPr lang="en-US"/>
+          </a:p>
+        </p:txBody>
+      </p:sp>
+      <p:sp>
+        <p:nvSpPr>
+          <p:cNvPr id="6" name="TextBox 5">
+            <a:extLst>
+              <a:ext uri="{FF2B5EF4-FFF2-40B4-BE49-F238E27FC236}">
+                <a16:creationId xmlns:a16="http://schemas.microsoft.com/office/drawing/2014/main" id="{4FD87C73-5973-881B-451D-162CB4137B65}"/>
+              </a:ext>
+            </a:extLst>
+          </p:cNvPr>
+          <p:cNvSpPr txBox="1"/>
+          <p:nvPr/>
+        </p:nvSpPr>
+        <p:spPr>
+          <a:xfrm>
+            <a:off x="382772" y="1063256"/>
+            <a:ext cx="2817628" cy="369332"/>
+          </a:xfrm>
+          <a:prstGeom prst="rect">
+            <a:avLst/>
+          </a:prstGeom>
+          <a:noFill/>
+        </p:spPr>
+        <p:txBody>
+          <a:bodyPr wrap="square" rtlCol="0">
+            <a:spAutoFit/>
+          </a:bodyPr>
+          <a:lstStyle/>
+          <a:p>
+            <a:pPr algn="ctr"/>
+            <a:r>
+              <a:rPr lang="en-US" b="1" dirty="0"/>
+              <a:t>Browser</a:t>
+            </a:r>
+          </a:p>
+        </p:txBody>
+      </p:sp>
+      <p:sp>
+        <p:nvSpPr>
+          <p:cNvPr id="7" name="Rectangle 6">
+            <a:extLst>
+              <a:ext uri="{FF2B5EF4-FFF2-40B4-BE49-F238E27FC236}">
+                <a16:creationId xmlns:a16="http://schemas.microsoft.com/office/drawing/2014/main" id="{20E3B799-249D-E70E-1A43-74A5A607709A}"/>
+              </a:ext>
+            </a:extLst>
+          </p:cNvPr>
+          <p:cNvSpPr/>
+          <p:nvPr/>
+        </p:nvSpPr>
+        <p:spPr>
+          <a:xfrm>
+            <a:off x="382772" y="2806995"/>
+            <a:ext cx="2838893" cy="871870"/>
+          </a:xfrm>
+          <a:prstGeom prst="rect">
+            <a:avLst/>
+          </a:prstGeom>
+        </p:spPr>
+        <p:style>
+          <a:lnRef idx="2">
+            <a:schemeClr val="accent1">
+              <a:shade val="15000"/>
+            </a:schemeClr>
+          </a:lnRef>
+          <a:fillRef idx="1">
+            <a:schemeClr val="accent1"/>
+          </a:fillRef>
+          <a:effectRef idx="0">
+            <a:schemeClr val="accent1"/>
+          </a:effectRef>
+          <a:fontRef idx="minor">
+            <a:schemeClr val="lt1"/>
+          </a:fontRef>
+        </p:style>
+        <p:txBody>
+          <a:bodyPr rtlCol="0" anchor="ctr"/>
+          <a:lstStyle/>
+          <a:p>
+            <a:pPr algn="ctr"/>
+            <a:r>
+              <a:rPr lang="en-US" b="1" dirty="0"/>
+              <a:t>JS OM</a:t>
+            </a:r>
+          </a:p>
+        </p:txBody>
+      </p:sp>
+      <p:cxnSp>
+        <p:nvCxnSpPr>
+          <p:cNvPr id="9" name="Elbow Connector 8">
+            <a:extLst>
+              <a:ext uri="{FF2B5EF4-FFF2-40B4-BE49-F238E27FC236}">
+                <a16:creationId xmlns:a16="http://schemas.microsoft.com/office/drawing/2014/main" id="{AAC7420E-3A3A-B326-AA07-83A3B7000CB3}"/>
+              </a:ext>
+            </a:extLst>
+          </p:cNvPr>
+          <p:cNvCxnSpPr>
+            <a:stCxn id="7" idx="3"/>
+            <a:endCxn id="3" idx="1"/>
+          </p:cNvCxnSpPr>
+          <p:nvPr/>
+        </p:nvCxnSpPr>
+        <p:spPr>
+          <a:xfrm flipV="1">
+            <a:off x="3221665" y="3051543"/>
+            <a:ext cx="3115340" cy="191387"/>
+          </a:xfrm>
+          <a:prstGeom prst="bentConnector3">
+            <a:avLst/>
+          </a:prstGeom>
+          <a:ln w="76200">
+            <a:tailEnd type="triangle"/>
+          </a:ln>
+        </p:spPr>
+        <p:style>
+          <a:lnRef idx="1">
+            <a:schemeClr val="accent1"/>
+          </a:lnRef>
+          <a:fillRef idx="0">
+            <a:schemeClr val="accent1"/>
+          </a:fillRef>
+          <a:effectRef idx="0">
+            <a:schemeClr val="accent1"/>
+          </a:effectRef>
+          <a:fontRef idx="minor">
+            <a:schemeClr val="tx1"/>
+          </a:fontRef>
+        </p:style>
+      </p:cxnSp>
+      <p:sp>
+        <p:nvSpPr>
+          <p:cNvPr id="10" name="TextBox 9">
+            <a:extLst>
+              <a:ext uri="{FF2B5EF4-FFF2-40B4-BE49-F238E27FC236}">
+                <a16:creationId xmlns:a16="http://schemas.microsoft.com/office/drawing/2014/main" id="{EBB03CFC-8288-AC59-CD3D-AF7B5BF7981F}"/>
+              </a:ext>
+            </a:extLst>
+          </p:cNvPr>
+          <p:cNvSpPr txBox="1"/>
+          <p:nvPr/>
+        </p:nvSpPr>
+        <p:spPr>
+          <a:xfrm>
+            <a:off x="3625703" y="2254102"/>
+            <a:ext cx="2445488" cy="369332"/>
+          </a:xfrm>
+          <a:prstGeom prst="rect">
+            <a:avLst/>
+          </a:prstGeom>
+          <a:noFill/>
+        </p:spPr>
+        <p:txBody>
+          <a:bodyPr wrap="square" rtlCol="0">
+            <a:spAutoFit/>
+          </a:bodyPr>
+          <a:lstStyle/>
+          <a:p>
+            <a:pPr algn="ctr"/>
+            <a:r>
+              <a:rPr lang="en-US" b="1" dirty="0"/>
+              <a:t>Async HTTP Call</a:t>
+            </a:r>
+          </a:p>
+        </p:txBody>
+      </p:sp>
+      <p:cxnSp>
+        <p:nvCxnSpPr>
+          <p:cNvPr id="12" name="Elbow Connector 11">
+            <a:extLst>
+              <a:ext uri="{FF2B5EF4-FFF2-40B4-BE49-F238E27FC236}">
+                <a16:creationId xmlns:a16="http://schemas.microsoft.com/office/drawing/2014/main" id="{5A5DA087-BF51-D6F0-B635-1A4E52F79C66}"/>
+              </a:ext>
+            </a:extLst>
+          </p:cNvPr>
+          <p:cNvCxnSpPr>
+            <a:stCxn id="3" idx="0"/>
+            <a:endCxn id="7" idx="3"/>
+          </p:cNvCxnSpPr>
+          <p:nvPr/>
+        </p:nvCxnSpPr>
+        <p:spPr>
+          <a:xfrm rot="10800000" flipV="1">
+            <a:off x="3221666" y="3051542"/>
+            <a:ext cx="3354573" cy="191387"/>
+          </a:xfrm>
+          <a:prstGeom prst="bentConnector3">
+            <a:avLst/>
+          </a:prstGeom>
+          <a:ln w="76200">
+            <a:tailEnd type="triangle"/>
+          </a:ln>
+        </p:spPr>
+        <p:style>
+          <a:lnRef idx="1">
+            <a:schemeClr val="accent1"/>
+          </a:lnRef>
+          <a:fillRef idx="0">
+            <a:schemeClr val="accent1"/>
+          </a:fillRef>
+          <a:effectRef idx="0">
+            <a:schemeClr val="accent1"/>
+          </a:effectRef>
+          <a:fontRef idx="minor">
+            <a:schemeClr val="tx1"/>
+          </a:fontRef>
+        </p:style>
+      </p:cxnSp>
+      <p:sp>
+        <p:nvSpPr>
+          <p:cNvPr id="13" name="TextBox 12">
+            <a:extLst>
+              <a:ext uri="{FF2B5EF4-FFF2-40B4-BE49-F238E27FC236}">
+                <a16:creationId xmlns:a16="http://schemas.microsoft.com/office/drawing/2014/main" id="{C2AF6013-A679-C46A-38C8-BDF9643F088C}"/>
+              </a:ext>
+            </a:extLst>
+          </p:cNvPr>
+          <p:cNvSpPr txBox="1"/>
+          <p:nvPr/>
+        </p:nvSpPr>
+        <p:spPr>
+          <a:xfrm>
+            <a:off x="3880884" y="3530008"/>
+            <a:ext cx="2190307" cy="369332"/>
+          </a:xfrm>
+          <a:prstGeom prst="rect">
+            <a:avLst/>
+          </a:prstGeom>
+          <a:noFill/>
+        </p:spPr>
+        <p:txBody>
+          <a:bodyPr wrap="square" rtlCol="0">
+            <a:spAutoFit/>
+          </a:bodyPr>
+          <a:lstStyle/>
+          <a:p>
+            <a:pPr algn="ctr"/>
+            <a:r>
+              <a:rPr lang="en-US" b="1" dirty="0"/>
+              <a:t>HTTP Response</a:t>
+            </a:r>
+          </a:p>
+        </p:txBody>
+      </p:sp>
+      <p:sp>
+        <p:nvSpPr>
+          <p:cNvPr id="14" name="TextBox 13">
+            <a:extLst>
+              <a:ext uri="{FF2B5EF4-FFF2-40B4-BE49-F238E27FC236}">
+                <a16:creationId xmlns:a16="http://schemas.microsoft.com/office/drawing/2014/main" id="{0419BDD4-BAB8-0F0B-438E-F8BD19ED09F9}"/>
+              </a:ext>
+            </a:extLst>
+          </p:cNvPr>
+          <p:cNvSpPr txBox="1"/>
+          <p:nvPr/>
+        </p:nvSpPr>
+        <p:spPr>
+          <a:xfrm>
+            <a:off x="5730949" y="4603898"/>
+            <a:ext cx="4114800" cy="2031325"/>
+          </a:xfrm>
+          <a:prstGeom prst="rect">
+            <a:avLst/>
+          </a:prstGeom>
+          <a:noFill/>
+        </p:spPr>
+        <p:txBody>
+          <a:bodyPr wrap="square" rtlCol="0">
+            <a:spAutoFit/>
+          </a:bodyPr>
+          <a:lstStyle/>
+          <a:p>
+            <a:r>
+              <a:rPr lang="en-US" dirty="0"/>
+              <a:t>What is DATA?</a:t>
+            </a:r>
+          </a:p>
+          <a:p>
+            <a:r>
+              <a:rPr lang="en-US" dirty="0"/>
+              <a:t>1. JSON / XML Data received from the Server.</a:t>
+            </a:r>
+          </a:p>
+          <a:p>
+            <a:r>
+              <a:rPr lang="en-US" dirty="0"/>
+              <a:t>2. Html received from the server, to generate the UI Dynamically in Browser</a:t>
+            </a:r>
+          </a:p>
+          <a:p>
+            <a:r>
+              <a:rPr lang="en-US" dirty="0"/>
+              <a:t>3. Images, Videos, etc.</a:t>
+            </a:r>
+          </a:p>
+          <a:p>
+            <a:r>
+              <a:rPr lang="en-US" dirty="0"/>
+              <a:t>4. Streamed data</a:t>
+            </a:r>
+          </a:p>
+        </p:txBody>
+      </p:sp>
+      <p:sp>
+        <p:nvSpPr>
+          <p:cNvPr id="15" name="TextBox 14">
+            <a:extLst>
+              <a:ext uri="{FF2B5EF4-FFF2-40B4-BE49-F238E27FC236}">
+                <a16:creationId xmlns:a16="http://schemas.microsoft.com/office/drawing/2014/main" id="{E926DCF8-1167-4E22-6DD8-89B995640237}"/>
+              </a:ext>
+            </a:extLst>
+          </p:cNvPr>
+          <p:cNvSpPr txBox="1"/>
+          <p:nvPr/>
+        </p:nvSpPr>
+        <p:spPr>
+          <a:xfrm>
+            <a:off x="265814" y="5316279"/>
+            <a:ext cx="3083442" cy="369332"/>
+          </a:xfrm>
+          <a:prstGeom prst="rect">
+            <a:avLst/>
+          </a:prstGeom>
+          <a:noFill/>
+        </p:spPr>
+        <p:txBody>
+          <a:bodyPr wrap="square" rtlCol="0">
+            <a:spAutoFit/>
+          </a:bodyPr>
+          <a:lstStyle/>
+          <a:p>
+            <a:r>
+              <a:rPr lang="en-US" dirty="0"/>
+              <a:t>http://</a:t>
+            </a:r>
+            <a:r>
+              <a:rPr lang="en-US" dirty="0" err="1"/>
+              <a:t>www.xyz.com</a:t>
+            </a:r>
+            <a:endParaRPr lang="en-US" dirty="0"/>
+          </a:p>
+        </p:txBody>
+      </p:sp>
+      <p:sp>
+        <p:nvSpPr>
+          <p:cNvPr id="16" name="TextBox 15">
+            <a:extLst>
+              <a:ext uri="{FF2B5EF4-FFF2-40B4-BE49-F238E27FC236}">
+                <a16:creationId xmlns:a16="http://schemas.microsoft.com/office/drawing/2014/main" id="{FD5A3938-EE5D-2692-E372-9B788357D270}"/>
+              </a:ext>
+            </a:extLst>
+          </p:cNvPr>
+          <p:cNvSpPr txBox="1"/>
+          <p:nvPr/>
+        </p:nvSpPr>
+        <p:spPr>
+          <a:xfrm>
+            <a:off x="8410353" y="4356840"/>
+            <a:ext cx="3083442" cy="369332"/>
+          </a:xfrm>
+          <a:prstGeom prst="rect">
+            <a:avLst/>
+          </a:prstGeom>
+          <a:noFill/>
+        </p:spPr>
+        <p:txBody>
+          <a:bodyPr wrap="square" rtlCol="0">
+            <a:spAutoFit/>
+          </a:bodyPr>
+          <a:lstStyle/>
+          <a:p>
+            <a:r>
+              <a:rPr lang="en-US" dirty="0"/>
+              <a:t>http://</a:t>
+            </a:r>
+            <a:r>
+              <a:rPr lang="en-US" err="1"/>
+              <a:t>www</a:t>
+            </a:r>
+            <a:r>
+              <a:rPr lang="en-US"/>
+              <a:t>.pqr.</a:t>
+            </a:r>
+            <a:r>
+              <a:rPr lang="en-US" dirty="0" err="1"/>
+              <a:t>com</a:t>
+            </a:r>
+            <a:endParaRPr lang="en-US" dirty="0"/>
+          </a:p>
+        </p:txBody>
+      </p:sp>
+    </p:spTree>
+    <p:extLst>
+      <p:ext uri="{BB962C8B-B14F-4D97-AF65-F5344CB8AC3E}">
+        <p14:creationId xmlns:p14="http://schemas.microsoft.com/office/powerpoint/2010/main" val="930244749"/>
+      </p:ext>
+    </p:extLst>
+  </p:cSld>
+  <p:clrMapOvr>
+    <a:masterClrMapping/>
+  </p:clrMapOvr>
+</p:sld>
+</file>
+
+<file path=ppt/slides/slide16.xml><?xml version="1.0" encoding="utf-8"?>
+<p:sld xmlns:a="http://schemas.openxmlformats.org/drawingml/2006/main" xmlns:r="http://schemas.openxmlformats.org/officeDocument/2006/relationships" xmlns:p="http://schemas.openxmlformats.org/presentationml/2006/main">
+  <p:cSld>
+    <p:spTree>
+      <p:nvGrpSpPr>
+        <p:cNvPr id="1" name=""/>
+        <p:cNvGrpSpPr/>
+        <p:nvPr/>
+      </p:nvGrpSpPr>
+      <p:grpSpPr>
+        <a:xfrm>
+          <a:off x="0" y="0"/>
+          <a:ext cx="0" cy="0"/>
+          <a:chOff x="0" y="0"/>
+          <a:chExt cx="0" cy="0"/>
+        </a:xfrm>
+      </p:grpSpPr>
+      <p:sp>
+        <p:nvSpPr>
+          <p:cNvPr id="2" name="Rectangle 1">
+            <a:extLst>
+              <a:ext uri="{FF2B5EF4-FFF2-40B4-BE49-F238E27FC236}">
+                <a16:creationId xmlns:a16="http://schemas.microsoft.com/office/drawing/2014/main" id="{B7C0F957-44BD-6C56-8227-75B69B4E7821}"/>
+              </a:ext>
+            </a:extLst>
+          </p:cNvPr>
+          <p:cNvSpPr/>
+          <p:nvPr/>
+        </p:nvSpPr>
+        <p:spPr>
+          <a:xfrm>
+            <a:off x="322521" y="1028850"/>
+            <a:ext cx="2594344" cy="552893"/>
+          </a:xfrm>
+          <a:prstGeom prst="rect">
+            <a:avLst/>
+          </a:prstGeom>
+        </p:spPr>
+        <p:style>
+          <a:lnRef idx="2">
+            <a:schemeClr val="accent6"/>
+          </a:lnRef>
+          <a:fillRef idx="1">
+            <a:schemeClr val="lt1"/>
+          </a:fillRef>
+          <a:effectRef idx="0">
+            <a:schemeClr val="accent6"/>
+          </a:effectRef>
+          <a:fontRef idx="minor">
+            <a:schemeClr val="dk1"/>
+          </a:fontRef>
+        </p:style>
+        <p:txBody>
+          <a:bodyPr rtlCol="0" anchor="ctr"/>
+          <a:lstStyle/>
+          <a:p>
+            <a:pPr algn="ctr"/>
+            <a:endParaRPr lang="en-US"/>
+          </a:p>
+        </p:txBody>
+      </p:sp>
+      <p:sp>
+        <p:nvSpPr>
+          <p:cNvPr id="3" name="Rectangle 2">
+            <a:extLst>
+              <a:ext uri="{FF2B5EF4-FFF2-40B4-BE49-F238E27FC236}">
+                <a16:creationId xmlns:a16="http://schemas.microsoft.com/office/drawing/2014/main" id="{1A426E5B-3524-7674-48F1-84DDD997EDC4}"/>
+              </a:ext>
+            </a:extLst>
+          </p:cNvPr>
+          <p:cNvSpPr/>
+          <p:nvPr/>
+        </p:nvSpPr>
+        <p:spPr>
+          <a:xfrm>
+            <a:off x="2278912" y="1007585"/>
+            <a:ext cx="85060" cy="584791"/>
+          </a:xfrm>
+          <a:prstGeom prst="rect">
+            <a:avLst/>
+          </a:prstGeom>
+        </p:spPr>
+        <p:style>
+          <a:lnRef idx="2">
+            <a:schemeClr val="accent1">
+              <a:shade val="15000"/>
+            </a:schemeClr>
+          </a:lnRef>
+          <a:fillRef idx="1">
+            <a:schemeClr val="accent1"/>
+          </a:fillRef>
+          <a:effectRef idx="0">
+            <a:schemeClr val="accent1"/>
+          </a:effectRef>
+          <a:fontRef idx="minor">
+            <a:schemeClr val="lt1"/>
+          </a:fontRef>
+        </p:style>
+        <p:txBody>
+          <a:bodyPr rtlCol="0" anchor="ctr"/>
+          <a:lstStyle/>
+          <a:p>
+            <a:pPr algn="ctr"/>
+            <a:endParaRPr lang="en-US"/>
+          </a:p>
+        </p:txBody>
+      </p:sp>
+      <p:sp>
+        <p:nvSpPr>
+          <p:cNvPr id="4" name="Triangle 3">
+            <a:extLst>
+              <a:ext uri="{FF2B5EF4-FFF2-40B4-BE49-F238E27FC236}">
+                <a16:creationId xmlns:a16="http://schemas.microsoft.com/office/drawing/2014/main" id="{178101B2-C7AD-98B0-9ABB-2B9E8B7EA942}"/>
+              </a:ext>
+            </a:extLst>
+          </p:cNvPr>
+          <p:cNvSpPr/>
+          <p:nvPr/>
+        </p:nvSpPr>
+        <p:spPr>
+          <a:xfrm flipV="1">
+            <a:off x="2431311" y="1140491"/>
+            <a:ext cx="418214" cy="318977"/>
+          </a:xfrm>
+          <a:prstGeom prst="triangle">
+            <a:avLst/>
+          </a:prstGeom>
+        </p:spPr>
+        <p:style>
+          <a:lnRef idx="2">
+            <a:schemeClr val="accent1">
+              <a:shade val="15000"/>
+            </a:schemeClr>
+          </a:lnRef>
+          <a:fillRef idx="1">
+            <a:schemeClr val="accent1"/>
+          </a:fillRef>
+          <a:effectRef idx="0">
+            <a:schemeClr val="accent1"/>
+          </a:effectRef>
+          <a:fontRef idx="minor">
+            <a:schemeClr val="lt1"/>
+          </a:fontRef>
+        </p:style>
+        <p:txBody>
+          <a:bodyPr rtlCol="0" anchor="ctr"/>
+          <a:lstStyle/>
+          <a:p>
+            <a:pPr algn="ctr"/>
+            <a:endParaRPr lang="en-US"/>
+          </a:p>
+        </p:txBody>
+      </p:sp>
+      <p:sp>
+        <p:nvSpPr>
+          <p:cNvPr id="5" name="TextBox 4">
+            <a:extLst>
+              <a:ext uri="{FF2B5EF4-FFF2-40B4-BE49-F238E27FC236}">
+                <a16:creationId xmlns:a16="http://schemas.microsoft.com/office/drawing/2014/main" id="{FCAA1B0D-015E-0C13-A53D-3C58159BCD99}"/>
+              </a:ext>
+            </a:extLst>
+          </p:cNvPr>
+          <p:cNvSpPr txBox="1"/>
+          <p:nvPr/>
+        </p:nvSpPr>
+        <p:spPr>
+          <a:xfrm>
+            <a:off x="322521" y="1140491"/>
+            <a:ext cx="1956391" cy="369332"/>
+          </a:xfrm>
+          <a:prstGeom prst="rect">
+            <a:avLst/>
+          </a:prstGeom>
+          <a:noFill/>
+        </p:spPr>
+        <p:txBody>
+          <a:bodyPr wrap="square" rtlCol="0">
+            <a:spAutoFit/>
+          </a:bodyPr>
+          <a:lstStyle/>
+          <a:p>
+            <a:pPr algn="ctr"/>
+            <a:r>
+              <a:rPr lang="en-US" dirty="0"/>
+              <a:t>Countries</a:t>
+            </a:r>
+          </a:p>
+        </p:txBody>
+      </p:sp>
+      <p:sp>
+        <p:nvSpPr>
+          <p:cNvPr id="6" name="Rectangle 5">
+            <a:extLst>
+              <a:ext uri="{FF2B5EF4-FFF2-40B4-BE49-F238E27FC236}">
+                <a16:creationId xmlns:a16="http://schemas.microsoft.com/office/drawing/2014/main" id="{2A5AC1BA-E02A-B26C-CA9F-600CE9CCCCB7}"/>
+              </a:ext>
+            </a:extLst>
+          </p:cNvPr>
+          <p:cNvSpPr/>
+          <p:nvPr/>
+        </p:nvSpPr>
+        <p:spPr>
+          <a:xfrm>
+            <a:off x="3714307" y="1007585"/>
+            <a:ext cx="2594344" cy="552893"/>
+          </a:xfrm>
+          <a:prstGeom prst="rect">
+            <a:avLst/>
+          </a:prstGeom>
+        </p:spPr>
+        <p:style>
+          <a:lnRef idx="2">
+            <a:schemeClr val="accent6"/>
+          </a:lnRef>
+          <a:fillRef idx="1">
+            <a:schemeClr val="lt1"/>
+          </a:fillRef>
+          <a:effectRef idx="0">
+            <a:schemeClr val="accent6"/>
+          </a:effectRef>
+          <a:fontRef idx="minor">
+            <a:schemeClr val="dk1"/>
+          </a:fontRef>
+        </p:style>
+        <p:txBody>
+          <a:bodyPr rtlCol="0" anchor="ctr"/>
+          <a:lstStyle/>
+          <a:p>
+            <a:pPr algn="ctr"/>
+            <a:endParaRPr lang="en-US"/>
+          </a:p>
+        </p:txBody>
+      </p:sp>
+      <p:sp>
+        <p:nvSpPr>
+          <p:cNvPr id="7" name="Rectangle 6">
+            <a:extLst>
+              <a:ext uri="{FF2B5EF4-FFF2-40B4-BE49-F238E27FC236}">
+                <a16:creationId xmlns:a16="http://schemas.microsoft.com/office/drawing/2014/main" id="{AF27937E-6206-A35D-4F8D-3F742BEB4F54}"/>
+              </a:ext>
+            </a:extLst>
+          </p:cNvPr>
+          <p:cNvSpPr/>
+          <p:nvPr/>
+        </p:nvSpPr>
+        <p:spPr>
+          <a:xfrm>
+            <a:off x="5670698" y="986320"/>
+            <a:ext cx="85060" cy="584791"/>
+          </a:xfrm>
+          <a:prstGeom prst="rect">
+            <a:avLst/>
+          </a:prstGeom>
+        </p:spPr>
+        <p:style>
+          <a:lnRef idx="2">
+            <a:schemeClr val="accent1">
+              <a:shade val="15000"/>
+            </a:schemeClr>
+          </a:lnRef>
+          <a:fillRef idx="1">
+            <a:schemeClr val="accent1"/>
+          </a:fillRef>
+          <a:effectRef idx="0">
+            <a:schemeClr val="accent1"/>
+          </a:effectRef>
+          <a:fontRef idx="minor">
+            <a:schemeClr val="lt1"/>
+          </a:fontRef>
+        </p:style>
+        <p:txBody>
+          <a:bodyPr rtlCol="0" anchor="ctr"/>
+          <a:lstStyle/>
+          <a:p>
+            <a:pPr algn="ctr"/>
+            <a:endParaRPr lang="en-US"/>
+          </a:p>
+        </p:txBody>
+      </p:sp>
+      <p:sp>
+        <p:nvSpPr>
+          <p:cNvPr id="8" name="Triangle 7">
+            <a:extLst>
+              <a:ext uri="{FF2B5EF4-FFF2-40B4-BE49-F238E27FC236}">
+                <a16:creationId xmlns:a16="http://schemas.microsoft.com/office/drawing/2014/main" id="{48AC7988-6131-6176-BC19-7D1AE351C285}"/>
+              </a:ext>
+            </a:extLst>
+          </p:cNvPr>
+          <p:cNvSpPr/>
+          <p:nvPr/>
+        </p:nvSpPr>
+        <p:spPr>
+          <a:xfrm flipV="1">
+            <a:off x="5823097" y="1119226"/>
+            <a:ext cx="418214" cy="318977"/>
+          </a:xfrm>
+          <a:prstGeom prst="triangle">
+            <a:avLst/>
+          </a:prstGeom>
+        </p:spPr>
+        <p:style>
+          <a:lnRef idx="2">
+            <a:schemeClr val="accent1">
+              <a:shade val="15000"/>
+            </a:schemeClr>
+          </a:lnRef>
+          <a:fillRef idx="1">
+            <a:schemeClr val="accent1"/>
+          </a:fillRef>
+          <a:effectRef idx="0">
+            <a:schemeClr val="accent1"/>
+          </a:effectRef>
+          <a:fontRef idx="minor">
+            <a:schemeClr val="lt1"/>
+          </a:fontRef>
+        </p:style>
+        <p:txBody>
+          <a:bodyPr rtlCol="0" anchor="ctr"/>
+          <a:lstStyle/>
+          <a:p>
+            <a:pPr algn="ctr"/>
+            <a:endParaRPr lang="en-US"/>
+          </a:p>
+        </p:txBody>
+      </p:sp>
+      <p:sp>
+        <p:nvSpPr>
+          <p:cNvPr id="9" name="TextBox 8">
+            <a:extLst>
+              <a:ext uri="{FF2B5EF4-FFF2-40B4-BE49-F238E27FC236}">
+                <a16:creationId xmlns:a16="http://schemas.microsoft.com/office/drawing/2014/main" id="{8385ECCA-9A29-E341-DC83-94C7FD5EBB6A}"/>
+              </a:ext>
+            </a:extLst>
+          </p:cNvPr>
+          <p:cNvSpPr txBox="1"/>
+          <p:nvPr/>
+        </p:nvSpPr>
+        <p:spPr>
+          <a:xfrm>
+            <a:off x="3714307" y="1119226"/>
+            <a:ext cx="1956391" cy="369332"/>
+          </a:xfrm>
+          <a:prstGeom prst="rect">
+            <a:avLst/>
+          </a:prstGeom>
+          <a:noFill/>
+        </p:spPr>
+        <p:txBody>
+          <a:bodyPr wrap="square" rtlCol="0">
+            <a:spAutoFit/>
+          </a:bodyPr>
+          <a:lstStyle/>
+          <a:p>
+            <a:pPr algn="ctr"/>
+            <a:r>
+              <a:rPr lang="en-US" dirty="0"/>
+              <a:t>States</a:t>
+            </a:r>
+          </a:p>
+        </p:txBody>
+      </p:sp>
+      <p:sp>
+        <p:nvSpPr>
+          <p:cNvPr id="10" name="Rectangle 9">
+            <a:extLst>
+              <a:ext uri="{FF2B5EF4-FFF2-40B4-BE49-F238E27FC236}">
+                <a16:creationId xmlns:a16="http://schemas.microsoft.com/office/drawing/2014/main" id="{4A5A937E-02E1-9E2B-AF59-FAE07B24649A}"/>
+              </a:ext>
+            </a:extLst>
+          </p:cNvPr>
+          <p:cNvSpPr/>
+          <p:nvPr/>
+        </p:nvSpPr>
+        <p:spPr>
+          <a:xfrm>
+            <a:off x="7286846" y="1028850"/>
+            <a:ext cx="2594344" cy="552893"/>
+          </a:xfrm>
+          <a:prstGeom prst="rect">
+            <a:avLst/>
+          </a:prstGeom>
+        </p:spPr>
+        <p:style>
+          <a:lnRef idx="2">
+            <a:schemeClr val="accent6"/>
+          </a:lnRef>
+          <a:fillRef idx="1">
+            <a:schemeClr val="lt1"/>
+          </a:fillRef>
+          <a:effectRef idx="0">
+            <a:schemeClr val="accent6"/>
+          </a:effectRef>
+          <a:fontRef idx="minor">
+            <a:schemeClr val="dk1"/>
+          </a:fontRef>
+        </p:style>
+        <p:txBody>
+          <a:bodyPr rtlCol="0" anchor="ctr"/>
+          <a:lstStyle/>
+          <a:p>
+            <a:pPr algn="ctr"/>
+            <a:endParaRPr lang="en-US"/>
+          </a:p>
+        </p:txBody>
+      </p:sp>
+      <p:sp>
+        <p:nvSpPr>
+          <p:cNvPr id="11" name="Rectangle 10">
+            <a:extLst>
+              <a:ext uri="{FF2B5EF4-FFF2-40B4-BE49-F238E27FC236}">
+                <a16:creationId xmlns:a16="http://schemas.microsoft.com/office/drawing/2014/main" id="{A6C4C6AD-9DB7-6B6E-6A89-68C04CCD1C13}"/>
+              </a:ext>
+            </a:extLst>
+          </p:cNvPr>
+          <p:cNvSpPr/>
+          <p:nvPr/>
+        </p:nvSpPr>
+        <p:spPr>
+          <a:xfrm>
+            <a:off x="9243237" y="1007585"/>
+            <a:ext cx="85060" cy="584791"/>
+          </a:xfrm>
+          <a:prstGeom prst="rect">
+            <a:avLst/>
+          </a:prstGeom>
+        </p:spPr>
+        <p:style>
+          <a:lnRef idx="2">
+            <a:schemeClr val="accent1">
+              <a:shade val="15000"/>
+            </a:schemeClr>
+          </a:lnRef>
+          <a:fillRef idx="1">
+            <a:schemeClr val="accent1"/>
+          </a:fillRef>
+          <a:effectRef idx="0">
+            <a:schemeClr val="accent1"/>
+          </a:effectRef>
+          <a:fontRef idx="minor">
+            <a:schemeClr val="lt1"/>
+          </a:fontRef>
+        </p:style>
+        <p:txBody>
+          <a:bodyPr rtlCol="0" anchor="ctr"/>
+          <a:lstStyle/>
+          <a:p>
+            <a:pPr algn="ctr"/>
+            <a:endParaRPr lang="en-US"/>
+          </a:p>
+        </p:txBody>
+      </p:sp>
+      <p:sp>
+        <p:nvSpPr>
+          <p:cNvPr id="12" name="Triangle 11">
+            <a:extLst>
+              <a:ext uri="{FF2B5EF4-FFF2-40B4-BE49-F238E27FC236}">
+                <a16:creationId xmlns:a16="http://schemas.microsoft.com/office/drawing/2014/main" id="{4AF13664-A2E3-6F98-9634-82308C9093F4}"/>
+              </a:ext>
+            </a:extLst>
+          </p:cNvPr>
+          <p:cNvSpPr/>
+          <p:nvPr/>
+        </p:nvSpPr>
+        <p:spPr>
+          <a:xfrm flipV="1">
+            <a:off x="9395636" y="1140491"/>
+            <a:ext cx="418214" cy="318977"/>
+          </a:xfrm>
+          <a:prstGeom prst="triangle">
+            <a:avLst/>
+          </a:prstGeom>
+        </p:spPr>
+        <p:style>
+          <a:lnRef idx="2">
+            <a:schemeClr val="accent1">
+              <a:shade val="15000"/>
+            </a:schemeClr>
+          </a:lnRef>
+          <a:fillRef idx="1">
+            <a:schemeClr val="accent1"/>
+          </a:fillRef>
+          <a:effectRef idx="0">
+            <a:schemeClr val="accent1"/>
+          </a:effectRef>
+          <a:fontRef idx="minor">
+            <a:schemeClr val="lt1"/>
+          </a:fontRef>
+        </p:style>
+        <p:txBody>
+          <a:bodyPr rtlCol="0" anchor="ctr"/>
+          <a:lstStyle/>
+          <a:p>
+            <a:pPr algn="ctr"/>
+            <a:endParaRPr lang="en-US"/>
+          </a:p>
+        </p:txBody>
+      </p:sp>
+      <p:sp>
+        <p:nvSpPr>
+          <p:cNvPr id="13" name="TextBox 12">
+            <a:extLst>
+              <a:ext uri="{FF2B5EF4-FFF2-40B4-BE49-F238E27FC236}">
+                <a16:creationId xmlns:a16="http://schemas.microsoft.com/office/drawing/2014/main" id="{42EF632D-9BC9-3399-F30F-8F67BF7E231E}"/>
+              </a:ext>
+            </a:extLst>
+          </p:cNvPr>
+          <p:cNvSpPr txBox="1"/>
+          <p:nvPr/>
+        </p:nvSpPr>
+        <p:spPr>
+          <a:xfrm>
+            <a:off x="7286846" y="1140491"/>
+            <a:ext cx="1956391" cy="369332"/>
+          </a:xfrm>
+          <a:prstGeom prst="rect">
+            <a:avLst/>
+          </a:prstGeom>
+          <a:noFill/>
+        </p:spPr>
+        <p:txBody>
+          <a:bodyPr wrap="square" rtlCol="0">
+            <a:spAutoFit/>
+          </a:bodyPr>
+          <a:lstStyle/>
+          <a:p>
+            <a:pPr algn="ctr"/>
+            <a:r>
+              <a:rPr lang="en-US" dirty="0"/>
+              <a:t>Cities</a:t>
+            </a:r>
+          </a:p>
+        </p:txBody>
+      </p:sp>
+      <p:cxnSp>
+        <p:nvCxnSpPr>
+          <p:cNvPr id="15" name="Straight Arrow Connector 14">
+            <a:extLst>
+              <a:ext uri="{FF2B5EF4-FFF2-40B4-BE49-F238E27FC236}">
+                <a16:creationId xmlns:a16="http://schemas.microsoft.com/office/drawing/2014/main" id="{3D1D2F9A-350C-0631-18A6-03B44F86D743}"/>
+              </a:ext>
+            </a:extLst>
+          </p:cNvPr>
+          <p:cNvCxnSpPr/>
+          <p:nvPr/>
+        </p:nvCxnSpPr>
+        <p:spPr>
+          <a:xfrm flipV="1">
+            <a:off x="691116" y="1592376"/>
+            <a:ext cx="627321" cy="1023233"/>
+          </a:xfrm>
+          <a:prstGeom prst="straightConnector1">
+            <a:avLst/>
+          </a:prstGeom>
+          <a:ln>
+            <a:tailEnd type="triangle"/>
+          </a:ln>
+        </p:spPr>
+        <p:style>
+          <a:lnRef idx="1">
+            <a:schemeClr val="accent1"/>
+          </a:lnRef>
+          <a:fillRef idx="0">
+            <a:schemeClr val="accent1"/>
+          </a:fillRef>
+          <a:effectRef idx="0">
+            <a:schemeClr val="accent1"/>
+          </a:effectRef>
+          <a:fontRef idx="minor">
+            <a:schemeClr val="tx1"/>
+          </a:fontRef>
+        </p:style>
+      </p:cxnSp>
+      <p:sp>
+        <p:nvSpPr>
+          <p:cNvPr id="16" name="TextBox 15">
+            <a:extLst>
+              <a:ext uri="{FF2B5EF4-FFF2-40B4-BE49-F238E27FC236}">
+                <a16:creationId xmlns:a16="http://schemas.microsoft.com/office/drawing/2014/main" id="{8FDDCC04-0017-6B2D-BEB9-6090A6B65D12}"/>
+              </a:ext>
+            </a:extLst>
+          </p:cNvPr>
+          <p:cNvSpPr txBox="1"/>
+          <p:nvPr/>
+        </p:nvSpPr>
+        <p:spPr>
+          <a:xfrm>
+            <a:off x="223284" y="2679405"/>
+            <a:ext cx="1669311" cy="369332"/>
+          </a:xfrm>
+          <a:prstGeom prst="rect">
+            <a:avLst/>
+          </a:prstGeom>
+          <a:noFill/>
+        </p:spPr>
+        <p:txBody>
+          <a:bodyPr wrap="square" rtlCol="0">
+            <a:spAutoFit/>
+          </a:bodyPr>
+          <a:lstStyle/>
+          <a:p>
+            <a:r>
+              <a:rPr lang="en-US" dirty="0"/>
+              <a:t>Change</a:t>
+            </a:r>
+          </a:p>
+        </p:txBody>
+      </p:sp>
+      <p:cxnSp>
+        <p:nvCxnSpPr>
+          <p:cNvPr id="18" name="Curved Connector 17">
+            <a:extLst>
+              <a:ext uri="{FF2B5EF4-FFF2-40B4-BE49-F238E27FC236}">
+                <a16:creationId xmlns:a16="http://schemas.microsoft.com/office/drawing/2014/main" id="{C434E05E-9C1D-8BD9-02BE-CE2B32265591}"/>
+              </a:ext>
+            </a:extLst>
+          </p:cNvPr>
+          <p:cNvCxnSpPr>
+            <a:endCxn id="6" idx="2"/>
+          </p:cNvCxnSpPr>
+          <p:nvPr/>
+        </p:nvCxnSpPr>
+        <p:spPr>
+          <a:xfrm>
+            <a:off x="1892595" y="1560478"/>
+            <a:ext cx="3118884" cy="12700"/>
+          </a:xfrm>
+          <a:prstGeom prst="curvedConnector4">
+            <a:avLst>
+              <a:gd name="adj1" fmla="val 29205"/>
+              <a:gd name="adj2" fmla="val 6086047"/>
+            </a:avLst>
+          </a:prstGeom>
+          <a:ln>
+            <a:tailEnd type="triangle"/>
+          </a:ln>
+        </p:spPr>
+        <p:style>
+          <a:lnRef idx="1">
+            <a:schemeClr val="accent1"/>
+          </a:lnRef>
+          <a:fillRef idx="0">
+            <a:schemeClr val="accent1"/>
+          </a:fillRef>
+          <a:effectRef idx="0">
+            <a:schemeClr val="accent1"/>
+          </a:effectRef>
+          <a:fontRef idx="minor">
+            <a:schemeClr val="tx1"/>
+          </a:fontRef>
+        </p:style>
+      </p:cxnSp>
+      <p:cxnSp>
+        <p:nvCxnSpPr>
+          <p:cNvPr id="20" name="Curved Connector 19">
+            <a:extLst>
+              <a:ext uri="{FF2B5EF4-FFF2-40B4-BE49-F238E27FC236}">
+                <a16:creationId xmlns:a16="http://schemas.microsoft.com/office/drawing/2014/main" id="{30B22B23-CD83-B767-D35B-825EA36BF40D}"/>
+              </a:ext>
+            </a:extLst>
+          </p:cNvPr>
+          <p:cNvCxnSpPr>
+            <a:stCxn id="6" idx="2"/>
+            <a:endCxn id="10" idx="0"/>
+          </p:cNvCxnSpPr>
+          <p:nvPr/>
+        </p:nvCxnSpPr>
+        <p:spPr>
+          <a:xfrm rot="5400000" flipH="1" flipV="1">
+            <a:off x="6531934" y="-491606"/>
+            <a:ext cx="531628" cy="3572539"/>
+          </a:xfrm>
+          <a:prstGeom prst="curvedConnector5">
+            <a:avLst>
+              <a:gd name="adj1" fmla="val -43000"/>
+              <a:gd name="adj2" fmla="val 50000"/>
+              <a:gd name="adj3" fmla="val 143000"/>
+            </a:avLst>
+          </a:prstGeom>
+          <a:ln>
+            <a:tailEnd type="triangle"/>
+          </a:ln>
+        </p:spPr>
+        <p:style>
+          <a:lnRef idx="1">
+            <a:schemeClr val="accent1"/>
+          </a:lnRef>
+          <a:fillRef idx="0">
+            <a:schemeClr val="accent1"/>
+          </a:fillRef>
+          <a:effectRef idx="0">
+            <a:schemeClr val="accent1"/>
+          </a:effectRef>
+          <a:fontRef idx="minor">
+            <a:schemeClr val="tx1"/>
+          </a:fontRef>
+        </p:style>
+      </p:cxnSp>
+      <p:sp>
+        <p:nvSpPr>
+          <p:cNvPr id="22" name="TextBox 21">
+            <a:extLst>
+              <a:ext uri="{FF2B5EF4-FFF2-40B4-BE49-F238E27FC236}">
+                <a16:creationId xmlns:a16="http://schemas.microsoft.com/office/drawing/2014/main" id="{033F288C-979A-03FE-D542-950AB085DFC3}"/>
+              </a:ext>
+            </a:extLst>
+          </p:cNvPr>
+          <p:cNvSpPr txBox="1"/>
+          <p:nvPr/>
+        </p:nvSpPr>
+        <p:spPr>
+          <a:xfrm>
+            <a:off x="2278912" y="2456121"/>
+            <a:ext cx="7534938" cy="2031325"/>
+          </a:xfrm>
+          <a:prstGeom prst="rect">
+            <a:avLst/>
+          </a:prstGeom>
+          <a:noFill/>
+        </p:spPr>
+        <p:txBody>
+          <a:bodyPr wrap="square" rtlCol="0">
+            <a:spAutoFit/>
+          </a:bodyPr>
+          <a:lstStyle/>
+          <a:p>
+            <a:pPr marL="342900" indent="-342900">
+              <a:buAutoNum type="arabicPeriod"/>
+            </a:pPr>
+            <a:r>
+              <a:rPr lang="en-US" dirty="0"/>
+              <a:t>Load only Countries and then based on selection of country fetch states, and then based on selection of state, fetch Cities</a:t>
+            </a:r>
+          </a:p>
+          <a:p>
+            <a:pPr marL="342900" indent="-342900">
+              <a:buAutoNum type="arabicPeriod"/>
+            </a:pPr>
+            <a:endParaRPr lang="en-US" dirty="0"/>
+          </a:p>
+          <a:p>
+            <a:pPr marL="342900" indent="-342900">
+              <a:buAutoNum type="arabicPeriod"/>
+            </a:pPr>
+            <a:r>
+              <a:rPr lang="en-US" dirty="0"/>
+              <a:t>Cascade calls, load counties, states and cities at a time by making 3 HTTP Calls and then filter on server</a:t>
+            </a:r>
+          </a:p>
+          <a:p>
+            <a:pPr marL="342900" indent="-342900">
+              <a:buAutoNum type="arabicPeriod"/>
+            </a:pPr>
+            <a:endParaRPr lang="en-US" dirty="0"/>
+          </a:p>
+          <a:p>
+            <a:pPr marL="342900" indent="-342900">
+              <a:buAutoNum type="arabicPeriod"/>
+            </a:pPr>
+            <a:r>
+              <a:rPr lang="en-US" dirty="0"/>
+              <a:t>Cascade call, based on the first value in each dropdown </a:t>
+            </a:r>
+          </a:p>
+        </p:txBody>
+      </p:sp>
+    </p:spTree>
+    <p:extLst>
+      <p:ext uri="{BB962C8B-B14F-4D97-AF65-F5344CB8AC3E}">
+        <p14:creationId xmlns:p14="http://schemas.microsoft.com/office/powerpoint/2010/main" val="4071015939"/>
+      </p:ext>
+    </p:extLst>
+  </p:cSld>
+  <p:clrMapOvr>
+    <a:masterClrMapping/>
+  </p:clrMapOvr>
+</p:sld>
+</file>
+
+<file path=ppt/slides/slide17.xml><?xml version="1.0" encoding="utf-8"?>
+<p:sld xmlns:a="http://schemas.openxmlformats.org/drawingml/2006/main" xmlns:r="http://schemas.openxmlformats.org/officeDocument/2006/relationships" xmlns:p="http://schemas.openxmlformats.org/presentationml/2006/main">
+  <p:cSld>
+    <p:spTree>
+      <p:nvGrpSpPr>
+        <p:cNvPr id="1" name=""/>
+        <p:cNvGrpSpPr/>
+        <p:nvPr/>
+      </p:nvGrpSpPr>
+      <p:grpSpPr>
+        <a:xfrm>
+          <a:off x="0" y="0"/>
+          <a:ext cx="0" cy="0"/>
+          <a:chOff x="0" y="0"/>
+          <a:chExt cx="0" cy="0"/>
+        </a:xfrm>
+      </p:grpSpPr>
+      <p:sp>
+        <p:nvSpPr>
+          <p:cNvPr id="2" name="TextBox 1">
+            <a:extLst>
+              <a:ext uri="{FF2B5EF4-FFF2-40B4-BE49-F238E27FC236}">
+                <a16:creationId xmlns:a16="http://schemas.microsoft.com/office/drawing/2014/main" id="{8B2F90DD-6A40-A4C9-257C-B1CEC743EABD}"/>
+              </a:ext>
+            </a:extLst>
+          </p:cNvPr>
+          <p:cNvSpPr txBox="1"/>
+          <p:nvPr/>
+        </p:nvSpPr>
+        <p:spPr>
+          <a:xfrm>
+            <a:off x="3200400" y="233916"/>
+            <a:ext cx="4380614" cy="369332"/>
+          </a:xfrm>
+          <a:prstGeom prst="rect">
+            <a:avLst/>
+          </a:prstGeom>
+          <a:noFill/>
+        </p:spPr>
+        <p:txBody>
+          <a:bodyPr wrap="square" rtlCol="0">
+            <a:spAutoFit/>
+          </a:bodyPr>
+          <a:lstStyle/>
+          <a:p>
+            <a:pPr algn="ctr"/>
+            <a:r>
+              <a:rPr lang="en-US" b="1" dirty="0"/>
+              <a:t>Promise </a:t>
+            </a:r>
+          </a:p>
+        </p:txBody>
+      </p:sp>
+      <p:sp>
+        <p:nvSpPr>
+          <p:cNvPr id="11" name="TextBox 10">
+            <a:extLst>
+              <a:ext uri="{FF2B5EF4-FFF2-40B4-BE49-F238E27FC236}">
+                <a16:creationId xmlns:a16="http://schemas.microsoft.com/office/drawing/2014/main" id="{0978F8B8-8DB7-8252-B0CD-41EF8F0B7961}"/>
+              </a:ext>
+            </a:extLst>
+          </p:cNvPr>
+          <p:cNvSpPr txBox="1"/>
+          <p:nvPr/>
+        </p:nvSpPr>
+        <p:spPr>
+          <a:xfrm>
+            <a:off x="435935" y="2573079"/>
+            <a:ext cx="2679405" cy="369332"/>
+          </a:xfrm>
+          <a:prstGeom prst="rect">
+            <a:avLst/>
+          </a:prstGeom>
+          <a:noFill/>
+        </p:spPr>
+        <p:txBody>
+          <a:bodyPr wrap="square" rtlCol="0">
+            <a:spAutoFit/>
+          </a:bodyPr>
+          <a:lstStyle/>
+          <a:p>
+            <a:pPr algn="ctr"/>
+            <a:r>
+              <a:rPr lang="en-US" b="1" dirty="0"/>
+              <a:t>JOB Seeker 1</a:t>
+            </a:r>
+          </a:p>
+        </p:txBody>
+      </p:sp>
+      <p:sp>
+        <p:nvSpPr>
+          <p:cNvPr id="12" name="Rectangle 11">
+            <a:extLst>
+              <a:ext uri="{FF2B5EF4-FFF2-40B4-BE49-F238E27FC236}">
+                <a16:creationId xmlns:a16="http://schemas.microsoft.com/office/drawing/2014/main" id="{A02163F3-ACEA-94CA-D9E5-B4E8089AEB03}"/>
+              </a:ext>
+            </a:extLst>
+          </p:cNvPr>
+          <p:cNvSpPr/>
+          <p:nvPr/>
+        </p:nvSpPr>
+        <p:spPr>
+          <a:xfrm>
+            <a:off x="7006855" y="754912"/>
+            <a:ext cx="4338084" cy="5380074"/>
+          </a:xfrm>
+          <a:prstGeom prst="rect">
+            <a:avLst/>
+          </a:prstGeom>
+        </p:spPr>
+        <p:style>
+          <a:lnRef idx="3">
+            <a:schemeClr val="lt1"/>
+          </a:lnRef>
+          <a:fillRef idx="1">
+            <a:schemeClr val="accent4"/>
+          </a:fillRef>
+          <a:effectRef idx="1">
+            <a:schemeClr val="accent4"/>
+          </a:effectRef>
+          <a:fontRef idx="minor">
+            <a:schemeClr val="lt1"/>
+          </a:fontRef>
+        </p:style>
+        <p:txBody>
+          <a:bodyPr rtlCol="0" anchor="ctr"/>
+          <a:lstStyle/>
+          <a:p>
+            <a:pPr algn="ctr"/>
+            <a:endParaRPr lang="en-US"/>
+          </a:p>
+        </p:txBody>
+      </p:sp>
+      <p:sp>
+        <p:nvSpPr>
+          <p:cNvPr id="13" name="TextBox 12">
+            <a:extLst>
+              <a:ext uri="{FF2B5EF4-FFF2-40B4-BE49-F238E27FC236}">
+                <a16:creationId xmlns:a16="http://schemas.microsoft.com/office/drawing/2014/main" id="{085A5538-A80F-6F2A-FC54-6AF30075E300}"/>
+              </a:ext>
+            </a:extLst>
+          </p:cNvPr>
+          <p:cNvSpPr txBox="1"/>
+          <p:nvPr/>
+        </p:nvSpPr>
+        <p:spPr>
+          <a:xfrm>
+            <a:off x="7272670" y="893135"/>
+            <a:ext cx="3721395" cy="369332"/>
+          </a:xfrm>
+          <a:prstGeom prst="rect">
+            <a:avLst/>
+          </a:prstGeom>
+          <a:noFill/>
+        </p:spPr>
+        <p:txBody>
+          <a:bodyPr wrap="square" rtlCol="0">
+            <a:spAutoFit/>
+          </a:bodyPr>
+          <a:lstStyle/>
+          <a:p>
+            <a:pPr algn="ctr"/>
+            <a:r>
+              <a:rPr lang="en-US" b="1" dirty="0"/>
+              <a:t>Organization</a:t>
+            </a:r>
+          </a:p>
+        </p:txBody>
+      </p:sp>
+      <p:sp>
+        <p:nvSpPr>
+          <p:cNvPr id="14" name="TextBox 13">
+            <a:extLst>
+              <a:ext uri="{FF2B5EF4-FFF2-40B4-BE49-F238E27FC236}">
+                <a16:creationId xmlns:a16="http://schemas.microsoft.com/office/drawing/2014/main" id="{7D0B1934-7609-2539-563C-521C2E5CF2F3}"/>
+              </a:ext>
+            </a:extLst>
+          </p:cNvPr>
+          <p:cNvSpPr txBox="1"/>
+          <p:nvPr/>
+        </p:nvSpPr>
+        <p:spPr>
+          <a:xfrm>
+            <a:off x="7176977" y="1616149"/>
+            <a:ext cx="4019107" cy="369332"/>
+          </a:xfrm>
+          <a:prstGeom prst="rect">
+            <a:avLst/>
+          </a:prstGeom>
+          <a:noFill/>
+        </p:spPr>
+        <p:txBody>
+          <a:bodyPr wrap="square" rtlCol="0">
+            <a:spAutoFit/>
+          </a:bodyPr>
+          <a:lstStyle/>
+          <a:p>
+            <a:pPr algn="ctr"/>
+            <a:r>
+              <a:rPr lang="en-US" b="1" dirty="0"/>
+              <a:t>Recruitment Process</a:t>
+            </a:r>
+          </a:p>
+        </p:txBody>
+      </p:sp>
+      <p:sp>
+        <p:nvSpPr>
+          <p:cNvPr id="15" name="Rounded Rectangle 14">
+            <a:extLst>
+              <a:ext uri="{FF2B5EF4-FFF2-40B4-BE49-F238E27FC236}">
+                <a16:creationId xmlns:a16="http://schemas.microsoft.com/office/drawing/2014/main" id="{90EDC2E7-D70D-1665-B82B-20D9EBEE4625}"/>
+              </a:ext>
+            </a:extLst>
+          </p:cNvPr>
+          <p:cNvSpPr/>
+          <p:nvPr/>
+        </p:nvSpPr>
+        <p:spPr>
+          <a:xfrm>
+            <a:off x="7187609" y="2573078"/>
+            <a:ext cx="1137684" cy="659219"/>
+          </a:xfrm>
+          <a:prstGeom prst="roundRect">
+            <a:avLst/>
+          </a:prstGeom>
+        </p:spPr>
+        <p:style>
+          <a:lnRef idx="2">
+            <a:schemeClr val="accent1">
+              <a:shade val="15000"/>
+            </a:schemeClr>
+          </a:lnRef>
+          <a:fillRef idx="1">
+            <a:schemeClr val="accent1"/>
+          </a:fillRef>
+          <a:effectRef idx="0">
+            <a:schemeClr val="accent1"/>
+          </a:effectRef>
+          <a:fontRef idx="minor">
+            <a:schemeClr val="lt1"/>
+          </a:fontRef>
+        </p:style>
+        <p:txBody>
+          <a:bodyPr rtlCol="0" anchor="ctr"/>
+          <a:lstStyle/>
+          <a:p>
+            <a:pPr algn="ctr"/>
+            <a:r>
+              <a:rPr lang="en-US" dirty="0"/>
+              <a:t>Accept</a:t>
+            </a:r>
+          </a:p>
+          <a:p>
+            <a:pPr algn="ctr"/>
+            <a:r>
+              <a:rPr lang="en-US" dirty="0"/>
+              <a:t>Resume</a:t>
+            </a:r>
+          </a:p>
+        </p:txBody>
+      </p:sp>
+      <p:sp>
+        <p:nvSpPr>
+          <p:cNvPr id="16" name="Rounded Rectangle 15">
+            <a:extLst>
+              <a:ext uri="{FF2B5EF4-FFF2-40B4-BE49-F238E27FC236}">
+                <a16:creationId xmlns:a16="http://schemas.microsoft.com/office/drawing/2014/main" id="{0C845904-AA08-078F-293C-4DA36CF8D77C}"/>
+              </a:ext>
+            </a:extLst>
+          </p:cNvPr>
+          <p:cNvSpPr/>
+          <p:nvPr/>
+        </p:nvSpPr>
+        <p:spPr>
+          <a:xfrm>
+            <a:off x="8697432" y="2612801"/>
+            <a:ext cx="1509824" cy="659219"/>
+          </a:xfrm>
+          <a:prstGeom prst="roundRect">
+            <a:avLst/>
+          </a:prstGeom>
+        </p:spPr>
+        <p:style>
+          <a:lnRef idx="2">
+            <a:schemeClr val="accent1">
+              <a:shade val="15000"/>
+            </a:schemeClr>
+          </a:lnRef>
+          <a:fillRef idx="1">
+            <a:schemeClr val="accent1"/>
+          </a:fillRef>
+          <a:effectRef idx="0">
+            <a:schemeClr val="accent1"/>
+          </a:effectRef>
+          <a:fontRef idx="minor">
+            <a:schemeClr val="lt1"/>
+          </a:fontRef>
+        </p:style>
+        <p:txBody>
+          <a:bodyPr rtlCol="0" anchor="ctr"/>
+          <a:lstStyle/>
+          <a:p>
+            <a:pPr algn="ctr"/>
+            <a:r>
+              <a:rPr lang="en-US" sz="1600" dirty="0"/>
+              <a:t>Match with</a:t>
+            </a:r>
+          </a:p>
+          <a:p>
+            <a:pPr algn="ctr"/>
+            <a:r>
+              <a:rPr lang="en-US" sz="1600" dirty="0"/>
+              <a:t>JD</a:t>
+            </a:r>
+          </a:p>
+        </p:txBody>
+      </p:sp>
+      <p:sp>
+        <p:nvSpPr>
+          <p:cNvPr id="18" name="Diamond 17">
+            <a:extLst>
+              <a:ext uri="{FF2B5EF4-FFF2-40B4-BE49-F238E27FC236}">
+                <a16:creationId xmlns:a16="http://schemas.microsoft.com/office/drawing/2014/main" id="{5FD4839D-3C3C-3999-14D2-F68ED99DFD2A}"/>
+              </a:ext>
+            </a:extLst>
+          </p:cNvPr>
+          <p:cNvSpPr/>
+          <p:nvPr/>
+        </p:nvSpPr>
+        <p:spPr>
+          <a:xfrm>
+            <a:off x="8984511" y="3459493"/>
+            <a:ext cx="935665" cy="829340"/>
+          </a:xfrm>
+          <a:prstGeom prst="diamond">
+            <a:avLst/>
+          </a:prstGeom>
+        </p:spPr>
+        <p:style>
+          <a:lnRef idx="2">
+            <a:schemeClr val="accent1">
+              <a:shade val="15000"/>
+            </a:schemeClr>
+          </a:lnRef>
+          <a:fillRef idx="1">
+            <a:schemeClr val="accent1"/>
+          </a:fillRef>
+          <a:effectRef idx="0">
+            <a:schemeClr val="accent1"/>
+          </a:effectRef>
+          <a:fontRef idx="minor">
+            <a:schemeClr val="lt1"/>
+          </a:fontRef>
+        </p:style>
+        <p:txBody>
+          <a:bodyPr rtlCol="0" anchor="ctr"/>
+          <a:lstStyle/>
+          <a:p>
+            <a:pPr algn="ctr"/>
+            <a:endParaRPr lang="en-US"/>
+          </a:p>
+        </p:txBody>
+      </p:sp>
+      <p:cxnSp>
+        <p:nvCxnSpPr>
+          <p:cNvPr id="20" name="Straight Arrow Connector 19">
+            <a:extLst>
+              <a:ext uri="{FF2B5EF4-FFF2-40B4-BE49-F238E27FC236}">
+                <a16:creationId xmlns:a16="http://schemas.microsoft.com/office/drawing/2014/main" id="{BE781927-FA87-50AD-F743-1756102B0088}"/>
+              </a:ext>
+            </a:extLst>
+          </p:cNvPr>
+          <p:cNvCxnSpPr>
+            <a:stCxn id="16" idx="2"/>
+            <a:endCxn id="18" idx="0"/>
+          </p:cNvCxnSpPr>
+          <p:nvPr/>
+        </p:nvCxnSpPr>
+        <p:spPr>
+          <a:xfrm>
+            <a:off x="9452344" y="3272020"/>
+            <a:ext cx="0" cy="187473"/>
+          </a:xfrm>
+          <a:prstGeom prst="straightConnector1">
+            <a:avLst/>
+          </a:prstGeom>
+          <a:ln>
+            <a:tailEnd type="triangle"/>
+          </a:ln>
+        </p:spPr>
+        <p:style>
+          <a:lnRef idx="1">
+            <a:schemeClr val="accent1"/>
+          </a:lnRef>
+          <a:fillRef idx="0">
+            <a:schemeClr val="accent1"/>
+          </a:fillRef>
+          <a:effectRef idx="0">
+            <a:schemeClr val="accent1"/>
+          </a:effectRef>
+          <a:fontRef idx="minor">
+            <a:schemeClr val="tx1"/>
+          </a:fontRef>
+        </p:style>
+      </p:cxnSp>
+      <p:cxnSp>
+        <p:nvCxnSpPr>
+          <p:cNvPr id="22" name="Elbow Connector 21">
+            <a:extLst>
+              <a:ext uri="{FF2B5EF4-FFF2-40B4-BE49-F238E27FC236}">
+                <a16:creationId xmlns:a16="http://schemas.microsoft.com/office/drawing/2014/main" id="{FF580617-9700-86E2-FD5B-287547FB6505}"/>
+              </a:ext>
+            </a:extLst>
+          </p:cNvPr>
+          <p:cNvCxnSpPr>
+            <a:stCxn id="18" idx="1"/>
+          </p:cNvCxnSpPr>
+          <p:nvPr/>
+        </p:nvCxnSpPr>
+        <p:spPr>
+          <a:xfrm rot="10800000" flipV="1">
+            <a:off x="7868093" y="3874163"/>
+            <a:ext cx="1116418" cy="176842"/>
+          </a:xfrm>
+          <a:prstGeom prst="bentConnector3">
+            <a:avLst/>
+          </a:prstGeom>
+          <a:ln>
+            <a:tailEnd type="triangle"/>
+          </a:ln>
+        </p:spPr>
+        <p:style>
+          <a:lnRef idx="1">
+            <a:schemeClr val="accent1"/>
+          </a:lnRef>
+          <a:fillRef idx="0">
+            <a:schemeClr val="accent1"/>
+          </a:fillRef>
+          <a:effectRef idx="0">
+            <a:schemeClr val="accent1"/>
+          </a:effectRef>
+          <a:fontRef idx="minor">
+            <a:schemeClr val="tx1"/>
+          </a:fontRef>
+        </p:style>
+      </p:cxnSp>
+      <p:sp>
+        <p:nvSpPr>
+          <p:cNvPr id="23" name="Rectangle 22">
+            <a:extLst>
+              <a:ext uri="{FF2B5EF4-FFF2-40B4-BE49-F238E27FC236}">
+                <a16:creationId xmlns:a16="http://schemas.microsoft.com/office/drawing/2014/main" id="{EFFA648A-9AF4-F43E-4E60-79DA058CB8EC}"/>
+              </a:ext>
+            </a:extLst>
+          </p:cNvPr>
+          <p:cNvSpPr/>
+          <p:nvPr/>
+        </p:nvSpPr>
+        <p:spPr>
+          <a:xfrm>
+            <a:off x="7102549" y="3819894"/>
+            <a:ext cx="765544" cy="468939"/>
+          </a:xfrm>
+          <a:prstGeom prst="rect">
+            <a:avLst/>
+          </a:prstGeom>
+        </p:spPr>
+        <p:style>
+          <a:lnRef idx="2">
+            <a:schemeClr val="accent1">
+              <a:shade val="15000"/>
+            </a:schemeClr>
+          </a:lnRef>
+          <a:fillRef idx="1">
+            <a:schemeClr val="accent1"/>
+          </a:fillRef>
+          <a:effectRef idx="0">
+            <a:schemeClr val="accent1"/>
+          </a:effectRef>
+          <a:fontRef idx="minor">
+            <a:schemeClr val="lt1"/>
+          </a:fontRef>
+        </p:style>
+        <p:txBody>
+          <a:bodyPr rtlCol="0" anchor="ctr"/>
+          <a:lstStyle/>
+          <a:p>
+            <a:pPr algn="ctr"/>
+            <a:r>
+              <a:rPr lang="en-US" dirty="0"/>
+              <a:t>Reject</a:t>
+            </a:r>
+          </a:p>
+        </p:txBody>
+      </p:sp>
+      <p:sp>
+        <p:nvSpPr>
+          <p:cNvPr id="24" name="Rectangle 23">
+            <a:extLst>
+              <a:ext uri="{FF2B5EF4-FFF2-40B4-BE49-F238E27FC236}">
+                <a16:creationId xmlns:a16="http://schemas.microsoft.com/office/drawing/2014/main" id="{581563A1-5A59-8882-CD2C-DA4121BC753E}"/>
+              </a:ext>
+            </a:extLst>
+          </p:cNvPr>
+          <p:cNvSpPr/>
+          <p:nvPr/>
+        </p:nvSpPr>
+        <p:spPr>
+          <a:xfrm>
+            <a:off x="9069570" y="4772912"/>
+            <a:ext cx="1286541" cy="468939"/>
+          </a:xfrm>
+          <a:prstGeom prst="rect">
+            <a:avLst/>
+          </a:prstGeom>
+        </p:spPr>
+        <p:style>
+          <a:lnRef idx="2">
+            <a:schemeClr val="accent1">
+              <a:shade val="15000"/>
+            </a:schemeClr>
+          </a:lnRef>
+          <a:fillRef idx="1">
+            <a:schemeClr val="accent1"/>
+          </a:fillRef>
+          <a:effectRef idx="0">
+            <a:schemeClr val="accent1"/>
+          </a:effectRef>
+          <a:fontRef idx="minor">
+            <a:schemeClr val="lt1"/>
+          </a:fontRef>
+        </p:style>
+        <p:txBody>
+          <a:bodyPr rtlCol="0" anchor="ctr"/>
+          <a:lstStyle/>
+          <a:p>
+            <a:pPr algn="ctr"/>
+            <a:r>
+              <a:rPr lang="en-US" dirty="0"/>
+              <a:t>Process</a:t>
+            </a:r>
+          </a:p>
+        </p:txBody>
+      </p:sp>
+      <p:cxnSp>
+        <p:nvCxnSpPr>
+          <p:cNvPr id="26" name="Elbow Connector 25">
+            <a:extLst>
+              <a:ext uri="{FF2B5EF4-FFF2-40B4-BE49-F238E27FC236}">
+                <a16:creationId xmlns:a16="http://schemas.microsoft.com/office/drawing/2014/main" id="{6DACE8EA-02C9-B077-A169-D4709832574D}"/>
+              </a:ext>
+            </a:extLst>
+          </p:cNvPr>
+          <p:cNvCxnSpPr>
+            <a:cxnSpLocks/>
+            <a:stCxn id="18" idx="2"/>
+            <a:endCxn id="24" idx="0"/>
+          </p:cNvCxnSpPr>
+          <p:nvPr/>
+        </p:nvCxnSpPr>
+        <p:spPr>
+          <a:xfrm rot="16200000" flipH="1">
+            <a:off x="9340553" y="4400623"/>
+            <a:ext cx="484079" cy="260497"/>
+          </a:xfrm>
+          <a:prstGeom prst="bentConnector3">
+            <a:avLst/>
+          </a:prstGeom>
+          <a:ln>
+            <a:tailEnd type="triangle"/>
+          </a:ln>
+        </p:spPr>
+        <p:style>
+          <a:lnRef idx="1">
+            <a:schemeClr val="accent1"/>
+          </a:lnRef>
+          <a:fillRef idx="0">
+            <a:schemeClr val="accent1"/>
+          </a:fillRef>
+          <a:effectRef idx="0">
+            <a:schemeClr val="accent1"/>
+          </a:effectRef>
+          <a:fontRef idx="minor">
+            <a:schemeClr val="tx1"/>
+          </a:fontRef>
+        </p:style>
+      </p:cxnSp>
+      <p:cxnSp>
+        <p:nvCxnSpPr>
+          <p:cNvPr id="29" name="Straight Arrow Connector 28">
+            <a:extLst>
+              <a:ext uri="{FF2B5EF4-FFF2-40B4-BE49-F238E27FC236}">
+                <a16:creationId xmlns:a16="http://schemas.microsoft.com/office/drawing/2014/main" id="{5D7989D4-B5C9-D0BD-D667-61251DC7A7A3}"/>
+              </a:ext>
+            </a:extLst>
+          </p:cNvPr>
+          <p:cNvCxnSpPr>
+            <a:stCxn id="15" idx="3"/>
+            <a:endCxn id="16" idx="1"/>
+          </p:cNvCxnSpPr>
+          <p:nvPr/>
+        </p:nvCxnSpPr>
+        <p:spPr>
+          <a:xfrm>
+            <a:off x="8325293" y="2902688"/>
+            <a:ext cx="372139" cy="39723"/>
+          </a:xfrm>
+          <a:prstGeom prst="straightConnector1">
+            <a:avLst/>
+          </a:prstGeom>
+          <a:ln>
+            <a:tailEnd type="triangle"/>
+          </a:ln>
+        </p:spPr>
+        <p:style>
+          <a:lnRef idx="1">
+            <a:schemeClr val="accent1"/>
+          </a:lnRef>
+          <a:fillRef idx="0">
+            <a:schemeClr val="accent1"/>
+          </a:fillRef>
+          <a:effectRef idx="0">
+            <a:schemeClr val="accent1"/>
+          </a:effectRef>
+          <a:fontRef idx="minor">
+            <a:schemeClr val="tx1"/>
+          </a:fontRef>
+        </p:style>
+      </p:cxnSp>
+      <p:cxnSp>
+        <p:nvCxnSpPr>
+          <p:cNvPr id="31" name="Elbow Connector 30">
+            <a:extLst>
+              <a:ext uri="{FF2B5EF4-FFF2-40B4-BE49-F238E27FC236}">
+                <a16:creationId xmlns:a16="http://schemas.microsoft.com/office/drawing/2014/main" id="{DD6EF333-E789-2EE2-1804-4AA965468B93}"/>
+              </a:ext>
+            </a:extLst>
+          </p:cNvPr>
+          <p:cNvCxnSpPr>
+            <a:stCxn id="11" idx="0"/>
+          </p:cNvCxnSpPr>
+          <p:nvPr/>
+        </p:nvCxnSpPr>
+        <p:spPr>
+          <a:xfrm rot="16200000" flipH="1">
+            <a:off x="4311502" y="37214"/>
+            <a:ext cx="329609" cy="5401339"/>
+          </a:xfrm>
+          <a:prstGeom prst="bentConnector4">
+            <a:avLst>
+              <a:gd name="adj1" fmla="val -69355"/>
+              <a:gd name="adj2" fmla="val 62402"/>
+            </a:avLst>
+          </a:prstGeom>
+          <a:ln>
+            <a:tailEnd type="triangle"/>
+          </a:ln>
+        </p:spPr>
+        <p:style>
+          <a:lnRef idx="1">
+            <a:schemeClr val="accent1"/>
+          </a:lnRef>
+          <a:fillRef idx="0">
+            <a:schemeClr val="accent1"/>
+          </a:fillRef>
+          <a:effectRef idx="0">
+            <a:schemeClr val="accent1"/>
+          </a:effectRef>
+          <a:fontRef idx="minor">
+            <a:schemeClr val="tx1"/>
+          </a:fontRef>
+        </p:style>
+      </p:cxnSp>
+      <p:sp>
+        <p:nvSpPr>
+          <p:cNvPr id="32" name="TextBox 31">
+            <a:extLst>
+              <a:ext uri="{FF2B5EF4-FFF2-40B4-BE49-F238E27FC236}">
+                <a16:creationId xmlns:a16="http://schemas.microsoft.com/office/drawing/2014/main" id="{50A9E5C3-1EE9-AB14-0FC7-1CCA3EB25C42}"/>
+              </a:ext>
+            </a:extLst>
+          </p:cNvPr>
+          <p:cNvSpPr txBox="1"/>
+          <p:nvPr/>
+        </p:nvSpPr>
+        <p:spPr>
+          <a:xfrm>
+            <a:off x="3572540" y="1616149"/>
+            <a:ext cx="1924493" cy="369332"/>
+          </a:xfrm>
+          <a:prstGeom prst="rect">
+            <a:avLst/>
+          </a:prstGeom>
+          <a:noFill/>
+        </p:spPr>
+        <p:txBody>
+          <a:bodyPr wrap="square" rtlCol="0">
+            <a:spAutoFit/>
+          </a:bodyPr>
+          <a:lstStyle/>
+          <a:p>
+            <a:r>
+              <a:rPr lang="en-US" dirty="0"/>
+              <a:t>POST the Resume</a:t>
+            </a:r>
+          </a:p>
+        </p:txBody>
+      </p:sp>
+      <p:cxnSp>
+        <p:nvCxnSpPr>
+          <p:cNvPr id="34" name="Elbow Connector 33">
+            <a:extLst>
+              <a:ext uri="{FF2B5EF4-FFF2-40B4-BE49-F238E27FC236}">
+                <a16:creationId xmlns:a16="http://schemas.microsoft.com/office/drawing/2014/main" id="{69D307A3-CE3A-DB7D-1777-28F3361A8B77}"/>
+              </a:ext>
+            </a:extLst>
+          </p:cNvPr>
+          <p:cNvCxnSpPr>
+            <a:stCxn id="15" idx="2"/>
+            <a:endCxn id="11" idx="2"/>
+          </p:cNvCxnSpPr>
+          <p:nvPr/>
+        </p:nvCxnSpPr>
+        <p:spPr>
+          <a:xfrm rot="5400000" flipH="1">
+            <a:off x="4621102" y="96948"/>
+            <a:ext cx="289886" cy="5980813"/>
+          </a:xfrm>
+          <a:prstGeom prst="bentConnector3">
+            <a:avLst>
+              <a:gd name="adj1" fmla="val -78859"/>
+            </a:avLst>
+          </a:prstGeom>
+          <a:ln>
+            <a:tailEnd type="triangle"/>
+          </a:ln>
+        </p:spPr>
+        <p:style>
+          <a:lnRef idx="1">
+            <a:schemeClr val="accent1"/>
+          </a:lnRef>
+          <a:fillRef idx="0">
+            <a:schemeClr val="accent1"/>
+          </a:fillRef>
+          <a:effectRef idx="0">
+            <a:schemeClr val="accent1"/>
+          </a:effectRef>
+          <a:fontRef idx="minor">
+            <a:schemeClr val="tx1"/>
+          </a:fontRef>
+        </p:style>
+      </p:cxnSp>
+      <p:sp>
+        <p:nvSpPr>
+          <p:cNvPr id="35" name="TextBox 34">
+            <a:extLst>
+              <a:ext uri="{FF2B5EF4-FFF2-40B4-BE49-F238E27FC236}">
+                <a16:creationId xmlns:a16="http://schemas.microsoft.com/office/drawing/2014/main" id="{5A97858E-0D4C-2AA6-0CD9-C2F57C0B8554}"/>
+              </a:ext>
+            </a:extLst>
+          </p:cNvPr>
+          <p:cNvSpPr txBox="1"/>
+          <p:nvPr/>
+        </p:nvSpPr>
+        <p:spPr>
+          <a:xfrm>
+            <a:off x="3147238" y="3274827"/>
+            <a:ext cx="2169041" cy="646331"/>
+          </a:xfrm>
+          <a:prstGeom prst="rect">
+            <a:avLst/>
+          </a:prstGeom>
+          <a:noFill/>
+        </p:spPr>
+        <p:txBody>
+          <a:bodyPr wrap="square" rtlCol="0">
+            <a:spAutoFit/>
+          </a:bodyPr>
+          <a:lstStyle/>
+          <a:p>
+            <a:pPr algn="ctr"/>
+            <a:r>
+              <a:rPr lang="en-US" b="1" dirty="0"/>
+              <a:t>Acknowledgement</a:t>
+            </a:r>
+          </a:p>
+          <a:p>
+            <a:pPr algn="ctr"/>
+            <a:r>
+              <a:rPr lang="en-US" b="1" dirty="0"/>
+              <a:t>PROMISE</a:t>
+            </a:r>
+          </a:p>
+        </p:txBody>
+      </p:sp>
+      <p:sp>
+        <p:nvSpPr>
+          <p:cNvPr id="37" name="Left Brace 36">
+            <a:extLst>
+              <a:ext uri="{FF2B5EF4-FFF2-40B4-BE49-F238E27FC236}">
+                <a16:creationId xmlns:a16="http://schemas.microsoft.com/office/drawing/2014/main" id="{B7ACED43-4B12-7082-0346-99FAC82CC327}"/>
+              </a:ext>
+            </a:extLst>
+          </p:cNvPr>
+          <p:cNvSpPr/>
+          <p:nvPr/>
+        </p:nvSpPr>
+        <p:spPr>
+          <a:xfrm>
+            <a:off x="7006855" y="3561907"/>
+            <a:ext cx="95694" cy="1892595"/>
+          </a:xfrm>
+          <a:prstGeom prst="leftBrace">
+            <a:avLst/>
+          </a:prstGeom>
+        </p:spPr>
+        <p:style>
+          <a:lnRef idx="1">
+            <a:schemeClr val="accent1"/>
+          </a:lnRef>
+          <a:fillRef idx="0">
+            <a:schemeClr val="accent1"/>
+          </a:fillRef>
+          <a:effectRef idx="0">
+            <a:schemeClr val="accent1"/>
+          </a:effectRef>
+          <a:fontRef idx="minor">
+            <a:schemeClr val="tx1"/>
+          </a:fontRef>
+        </p:style>
+        <p:txBody>
+          <a:bodyPr rtlCol="0" anchor="ctr"/>
+          <a:lstStyle/>
+          <a:p>
+            <a:pPr algn="ctr"/>
+            <a:endParaRPr lang="en-US"/>
+          </a:p>
+        </p:txBody>
+      </p:sp>
+      <p:sp>
+        <p:nvSpPr>
+          <p:cNvPr id="38" name="Right Brace 37">
+            <a:extLst>
+              <a:ext uri="{FF2B5EF4-FFF2-40B4-BE49-F238E27FC236}">
+                <a16:creationId xmlns:a16="http://schemas.microsoft.com/office/drawing/2014/main" id="{AB29C73C-1BB3-BA0D-7BA6-B557E69DA54C}"/>
+              </a:ext>
+            </a:extLst>
+          </p:cNvPr>
+          <p:cNvSpPr/>
+          <p:nvPr/>
+        </p:nvSpPr>
+        <p:spPr>
+          <a:xfrm>
+            <a:off x="10813310" y="3561907"/>
+            <a:ext cx="473148" cy="1892595"/>
+          </a:xfrm>
+          <a:prstGeom prst="rightBrace">
+            <a:avLst>
+              <a:gd name="adj1" fmla="val 8333"/>
+              <a:gd name="adj2" fmla="val 52247"/>
+            </a:avLst>
+          </a:prstGeom>
+        </p:spPr>
+        <p:style>
+          <a:lnRef idx="1">
+            <a:schemeClr val="accent1"/>
+          </a:lnRef>
+          <a:fillRef idx="0">
+            <a:schemeClr val="accent1"/>
+          </a:fillRef>
+          <a:effectRef idx="0">
+            <a:schemeClr val="accent1"/>
+          </a:effectRef>
+          <a:fontRef idx="minor">
+            <a:schemeClr val="tx1"/>
+          </a:fontRef>
+        </p:style>
+        <p:txBody>
+          <a:bodyPr rtlCol="0" anchor="ctr"/>
+          <a:lstStyle/>
+          <a:p>
+            <a:pPr algn="ctr"/>
+            <a:endParaRPr lang="en-US"/>
+          </a:p>
+        </p:txBody>
+      </p:sp>
+      <p:cxnSp>
+        <p:nvCxnSpPr>
+          <p:cNvPr id="40" name="Elbow Connector 39">
+            <a:extLst>
+              <a:ext uri="{FF2B5EF4-FFF2-40B4-BE49-F238E27FC236}">
+                <a16:creationId xmlns:a16="http://schemas.microsoft.com/office/drawing/2014/main" id="{7BC8A2A0-34F1-F265-A0CB-EEE74EF8606D}"/>
+              </a:ext>
+            </a:extLst>
+          </p:cNvPr>
+          <p:cNvCxnSpPr>
+            <a:stCxn id="37" idx="1"/>
+            <a:endCxn id="11" idx="2"/>
+          </p:cNvCxnSpPr>
+          <p:nvPr/>
+        </p:nvCxnSpPr>
+        <p:spPr>
+          <a:xfrm rot="10800000">
+            <a:off x="1775639" y="2942411"/>
+            <a:ext cx="5231217" cy="1565794"/>
+          </a:xfrm>
+          <a:prstGeom prst="bentConnector2">
+            <a:avLst/>
+          </a:prstGeom>
+          <a:ln>
+            <a:tailEnd type="triangle"/>
+          </a:ln>
+        </p:spPr>
+        <p:style>
+          <a:lnRef idx="1">
+            <a:schemeClr val="accent1"/>
+          </a:lnRef>
+          <a:fillRef idx="0">
+            <a:schemeClr val="accent1"/>
+          </a:fillRef>
+          <a:effectRef idx="0">
+            <a:schemeClr val="accent1"/>
+          </a:effectRef>
+          <a:fontRef idx="minor">
+            <a:schemeClr val="tx1"/>
+          </a:fontRef>
+        </p:style>
+      </p:cxnSp>
+      <p:sp>
+        <p:nvSpPr>
+          <p:cNvPr id="41" name="TextBox 40">
+            <a:extLst>
+              <a:ext uri="{FF2B5EF4-FFF2-40B4-BE49-F238E27FC236}">
+                <a16:creationId xmlns:a16="http://schemas.microsoft.com/office/drawing/2014/main" id="{4DEF4F8E-5FF7-ECDA-02B1-84B6649F0FCF}"/>
+              </a:ext>
+            </a:extLst>
+          </p:cNvPr>
+          <p:cNvSpPr txBox="1"/>
+          <p:nvPr/>
+        </p:nvSpPr>
+        <p:spPr>
+          <a:xfrm>
+            <a:off x="2838893" y="4051005"/>
+            <a:ext cx="3274829" cy="923330"/>
+          </a:xfrm>
+          <a:prstGeom prst="rect">
+            <a:avLst/>
+          </a:prstGeom>
+          <a:noFill/>
+        </p:spPr>
+        <p:txBody>
+          <a:bodyPr wrap="square" rtlCol="0">
+            <a:spAutoFit/>
+          </a:bodyPr>
+          <a:lstStyle/>
+          <a:p>
+            <a:pPr algn="ctr"/>
+            <a:r>
+              <a:rPr lang="en-US" b="1" dirty="0"/>
+              <a:t>Response send back with to the Job Seeker based on the further process</a:t>
+            </a:r>
+          </a:p>
+        </p:txBody>
+      </p:sp>
+    </p:spTree>
+    <p:extLst>
+      <p:ext uri="{BB962C8B-B14F-4D97-AF65-F5344CB8AC3E}">
+        <p14:creationId xmlns:p14="http://schemas.microsoft.com/office/powerpoint/2010/main" val="2229989370"/>
+      </p:ext>
+    </p:extLst>
+  </p:cSld>
+  <p:clrMapOvr>
+    <a:masterClrMapping/>
+  </p:clrMapOvr>
+</p:sld>
+</file>
+
+<file path=ppt/slides/slide18.xml><?xml version="1.0" encoding="utf-8"?>
+<p:sld xmlns:a="http://schemas.openxmlformats.org/drawingml/2006/main" xmlns:r="http://schemas.openxmlformats.org/officeDocument/2006/relationships" xmlns:p="http://schemas.openxmlformats.org/presentationml/2006/main">
+  <p:cSld>
+    <p:spTree>
+      <p:nvGrpSpPr>
+        <p:cNvPr id="1" name=""/>
+        <p:cNvGrpSpPr/>
+        <p:nvPr/>
+      </p:nvGrpSpPr>
+      <p:grpSpPr>
+        <a:xfrm>
+          <a:off x="0" y="0"/>
+          <a:ext cx="0" cy="0"/>
+          <a:chOff x="0" y="0"/>
+          <a:chExt cx="0" cy="0"/>
+        </a:xfrm>
+      </p:grpSpPr>
+      <p:sp>
+        <p:nvSpPr>
+          <p:cNvPr id="2" name="Rectangle 1">
+            <a:extLst>
+              <a:ext uri="{FF2B5EF4-FFF2-40B4-BE49-F238E27FC236}">
+                <a16:creationId xmlns:a16="http://schemas.microsoft.com/office/drawing/2014/main" id="{A8F63830-F2B9-8F23-67F5-A47C5339E4CC}"/>
+              </a:ext>
+            </a:extLst>
+          </p:cNvPr>
+          <p:cNvSpPr/>
+          <p:nvPr/>
+        </p:nvSpPr>
+        <p:spPr>
+          <a:xfrm>
+            <a:off x="9824484" y="276447"/>
+            <a:ext cx="2094614" cy="6262576"/>
+          </a:xfrm>
+          <a:prstGeom prst="rect">
+            <a:avLst/>
+          </a:prstGeom>
+        </p:spPr>
+        <p:style>
+          <a:lnRef idx="3">
+            <a:schemeClr val="lt1"/>
+          </a:lnRef>
+          <a:fillRef idx="1">
+            <a:schemeClr val="accent4"/>
+          </a:fillRef>
+          <a:effectRef idx="1">
+            <a:schemeClr val="accent4"/>
+          </a:effectRef>
+          <a:fontRef idx="minor">
+            <a:schemeClr val="lt1"/>
+          </a:fontRef>
+        </p:style>
+        <p:txBody>
+          <a:bodyPr rtlCol="0" anchor="ctr"/>
+          <a:lstStyle/>
+          <a:p>
+            <a:pPr algn="ctr"/>
+            <a:endParaRPr lang="en-US"/>
+          </a:p>
+        </p:txBody>
+      </p:sp>
+      <p:sp>
+        <p:nvSpPr>
+          <p:cNvPr id="3" name="TextBox 2">
+            <a:extLst>
+              <a:ext uri="{FF2B5EF4-FFF2-40B4-BE49-F238E27FC236}">
+                <a16:creationId xmlns:a16="http://schemas.microsoft.com/office/drawing/2014/main" id="{C51172D3-3ECA-70DF-BB4A-EAD4890D2AA5}"/>
+              </a:ext>
+            </a:extLst>
+          </p:cNvPr>
+          <p:cNvSpPr txBox="1"/>
+          <p:nvPr/>
+        </p:nvSpPr>
+        <p:spPr>
+          <a:xfrm>
+            <a:off x="9920177" y="382772"/>
+            <a:ext cx="1786270" cy="369332"/>
+          </a:xfrm>
+          <a:prstGeom prst="rect">
+            <a:avLst/>
+          </a:prstGeom>
+          <a:noFill/>
+        </p:spPr>
+        <p:txBody>
+          <a:bodyPr wrap="square" rtlCol="0">
+            <a:spAutoFit/>
+          </a:bodyPr>
+          <a:lstStyle/>
+          <a:p>
+            <a:pPr algn="ctr"/>
+            <a:r>
+              <a:rPr lang="en-US" b="1" dirty="0"/>
+              <a:t>Service</a:t>
+            </a:r>
+          </a:p>
+        </p:txBody>
+      </p:sp>
+      <p:sp>
+        <p:nvSpPr>
+          <p:cNvPr id="4" name="Rectangle 3">
+            <a:extLst>
+              <a:ext uri="{FF2B5EF4-FFF2-40B4-BE49-F238E27FC236}">
+                <a16:creationId xmlns:a16="http://schemas.microsoft.com/office/drawing/2014/main" id="{8E02E663-4F21-7D7A-AF79-118998F48513}"/>
+              </a:ext>
+            </a:extLst>
+          </p:cNvPr>
+          <p:cNvSpPr/>
+          <p:nvPr/>
+        </p:nvSpPr>
+        <p:spPr>
+          <a:xfrm>
+            <a:off x="272902" y="324294"/>
+            <a:ext cx="2094614" cy="6262576"/>
+          </a:xfrm>
+          <a:prstGeom prst="rect">
+            <a:avLst/>
+          </a:prstGeom>
+        </p:spPr>
+        <p:style>
+          <a:lnRef idx="3">
+            <a:schemeClr val="lt1"/>
+          </a:lnRef>
+          <a:fillRef idx="1">
+            <a:schemeClr val="accent5"/>
+          </a:fillRef>
+          <a:effectRef idx="1">
+            <a:schemeClr val="accent5"/>
+          </a:effectRef>
+          <a:fontRef idx="minor">
+            <a:schemeClr val="lt1"/>
+          </a:fontRef>
+        </p:style>
+        <p:txBody>
+          <a:bodyPr rtlCol="0" anchor="ctr"/>
+          <a:lstStyle/>
+          <a:p>
+            <a:pPr algn="ctr"/>
+            <a:endParaRPr lang="en-US"/>
+          </a:p>
+        </p:txBody>
+      </p:sp>
+      <p:sp>
+        <p:nvSpPr>
+          <p:cNvPr id="5" name="TextBox 4">
+            <a:extLst>
+              <a:ext uri="{FF2B5EF4-FFF2-40B4-BE49-F238E27FC236}">
+                <a16:creationId xmlns:a16="http://schemas.microsoft.com/office/drawing/2014/main" id="{5EA6B772-48AC-E903-5705-7958A13B083C}"/>
+              </a:ext>
+            </a:extLst>
+          </p:cNvPr>
+          <p:cNvSpPr txBox="1"/>
+          <p:nvPr/>
+        </p:nvSpPr>
+        <p:spPr>
+          <a:xfrm>
+            <a:off x="372140" y="382772"/>
+            <a:ext cx="1775637" cy="646331"/>
+          </a:xfrm>
+          <a:prstGeom prst="rect">
+            <a:avLst/>
+          </a:prstGeom>
+          <a:noFill/>
+        </p:spPr>
+        <p:txBody>
+          <a:bodyPr wrap="square" rtlCol="0">
+            <a:spAutoFit/>
+          </a:bodyPr>
+          <a:lstStyle/>
+          <a:p>
+            <a:pPr algn="ctr"/>
+            <a:r>
+              <a:rPr lang="en-US" dirty="0"/>
+              <a:t>JS App in Browser</a:t>
+            </a:r>
+          </a:p>
+        </p:txBody>
+      </p:sp>
+      <p:sp>
+        <p:nvSpPr>
+          <p:cNvPr id="6" name="Right Arrow 5">
+            <a:extLst>
+              <a:ext uri="{FF2B5EF4-FFF2-40B4-BE49-F238E27FC236}">
+                <a16:creationId xmlns:a16="http://schemas.microsoft.com/office/drawing/2014/main" id="{4F66ED4F-5F89-9AEF-DE59-7CA012854031}"/>
+              </a:ext>
+            </a:extLst>
+          </p:cNvPr>
+          <p:cNvSpPr/>
+          <p:nvPr/>
+        </p:nvSpPr>
+        <p:spPr>
+          <a:xfrm>
+            <a:off x="2367516" y="467833"/>
+            <a:ext cx="7456968" cy="561270"/>
+          </a:xfrm>
+          <a:prstGeom prst="rightArrow">
+            <a:avLst/>
+          </a:prstGeom>
+        </p:spPr>
+        <p:style>
+          <a:lnRef idx="2">
+            <a:schemeClr val="accent1">
+              <a:shade val="15000"/>
+            </a:schemeClr>
+          </a:lnRef>
+          <a:fillRef idx="1">
+            <a:schemeClr val="accent1"/>
+          </a:fillRef>
+          <a:effectRef idx="0">
+            <a:schemeClr val="accent1"/>
+          </a:effectRef>
+          <a:fontRef idx="minor">
+            <a:schemeClr val="lt1"/>
+          </a:fontRef>
+        </p:style>
+        <p:txBody>
+          <a:bodyPr rtlCol="0" anchor="ctr"/>
+          <a:lstStyle/>
+          <a:p>
+            <a:pPr algn="ctr"/>
+            <a:r>
+              <a:rPr lang="en-US" b="1" dirty="0"/>
+              <a:t>1. HTTP Request</a:t>
+            </a:r>
+          </a:p>
+        </p:txBody>
+      </p:sp>
+      <p:sp>
+        <p:nvSpPr>
+          <p:cNvPr id="7" name="TextBox 6">
+            <a:extLst>
+              <a:ext uri="{FF2B5EF4-FFF2-40B4-BE49-F238E27FC236}">
+                <a16:creationId xmlns:a16="http://schemas.microsoft.com/office/drawing/2014/main" id="{5E36FF9B-8EE4-8091-2D95-7E0BA660F7E4}"/>
+              </a:ext>
+            </a:extLst>
+          </p:cNvPr>
+          <p:cNvSpPr txBox="1"/>
+          <p:nvPr/>
+        </p:nvSpPr>
+        <p:spPr>
+          <a:xfrm>
+            <a:off x="9920177" y="748468"/>
+            <a:ext cx="1998921" cy="1477328"/>
+          </a:xfrm>
+          <a:prstGeom prst="rect">
+            <a:avLst/>
+          </a:prstGeom>
+          <a:noFill/>
+        </p:spPr>
+        <p:txBody>
+          <a:bodyPr wrap="square" rtlCol="0">
+            <a:spAutoFit/>
+          </a:bodyPr>
+          <a:lstStyle/>
+          <a:p>
+            <a:r>
+              <a:rPr lang="en-US" dirty="0"/>
+              <a:t>2. Service Accept Request and Validate it. Then generate the Acknowledgement</a:t>
+            </a:r>
+          </a:p>
+        </p:txBody>
+      </p:sp>
+      <p:sp>
+        <p:nvSpPr>
+          <p:cNvPr id="8" name="Left Arrow 7">
+            <a:extLst>
+              <a:ext uri="{FF2B5EF4-FFF2-40B4-BE49-F238E27FC236}">
+                <a16:creationId xmlns:a16="http://schemas.microsoft.com/office/drawing/2014/main" id="{A5395010-2EE4-A1E0-946C-91D93C5037BD}"/>
+              </a:ext>
+            </a:extLst>
+          </p:cNvPr>
+          <p:cNvSpPr/>
+          <p:nvPr/>
+        </p:nvSpPr>
+        <p:spPr>
+          <a:xfrm>
+            <a:off x="5560828" y="1382233"/>
+            <a:ext cx="4263656" cy="561270"/>
+          </a:xfrm>
+          <a:prstGeom prst="leftArrow">
+            <a:avLst/>
+          </a:prstGeom>
+        </p:spPr>
+        <p:style>
+          <a:lnRef idx="2">
+            <a:schemeClr val="accent1">
+              <a:shade val="15000"/>
+            </a:schemeClr>
+          </a:lnRef>
+          <a:fillRef idx="1">
+            <a:schemeClr val="accent1"/>
+          </a:fillRef>
+          <a:effectRef idx="0">
+            <a:schemeClr val="accent1"/>
+          </a:effectRef>
+          <a:fontRef idx="minor">
+            <a:schemeClr val="lt1"/>
+          </a:fontRef>
+        </p:style>
+        <p:txBody>
+          <a:bodyPr rtlCol="0" anchor="ctr"/>
+          <a:lstStyle/>
+          <a:p>
+            <a:pPr algn="ctr"/>
+            <a:r>
+              <a:rPr lang="en-US" b="1" dirty="0"/>
+              <a:t>3. Acknowledgement (PROMISE)</a:t>
+            </a:r>
+          </a:p>
+        </p:txBody>
+      </p:sp>
+      <p:sp>
+        <p:nvSpPr>
+          <p:cNvPr id="9" name="Right Arrow 8">
+            <a:extLst>
+              <a:ext uri="{FF2B5EF4-FFF2-40B4-BE49-F238E27FC236}">
+                <a16:creationId xmlns:a16="http://schemas.microsoft.com/office/drawing/2014/main" id="{DE93C605-E2D2-225A-64DD-40238E7B918C}"/>
+              </a:ext>
+            </a:extLst>
+          </p:cNvPr>
+          <p:cNvSpPr/>
+          <p:nvPr/>
+        </p:nvSpPr>
+        <p:spPr>
+          <a:xfrm>
+            <a:off x="2236382" y="1237267"/>
+            <a:ext cx="3455581" cy="499730"/>
+          </a:xfrm>
+          <a:prstGeom prst="rightArrow">
+            <a:avLst/>
+          </a:prstGeom>
+        </p:spPr>
+        <p:style>
+          <a:lnRef idx="2">
+            <a:schemeClr val="accent1">
+              <a:shade val="15000"/>
+            </a:schemeClr>
+          </a:lnRef>
+          <a:fillRef idx="1">
+            <a:schemeClr val="accent1"/>
+          </a:fillRef>
+          <a:effectRef idx="0">
+            <a:schemeClr val="accent1"/>
+          </a:effectRef>
+          <a:fontRef idx="minor">
+            <a:schemeClr val="lt1"/>
+          </a:fontRef>
+        </p:style>
+        <p:txBody>
+          <a:bodyPr rtlCol="0" anchor="ctr"/>
+          <a:lstStyle/>
+          <a:p>
+            <a:pPr algn="ctr"/>
+            <a:r>
+              <a:rPr lang="en-US" b="1" dirty="0"/>
+              <a:t>4. Subscribe to the PROMISE</a:t>
+            </a:r>
+          </a:p>
+        </p:txBody>
+      </p:sp>
+      <p:sp>
+        <p:nvSpPr>
+          <p:cNvPr id="10" name="TextBox 9">
+            <a:extLst>
+              <a:ext uri="{FF2B5EF4-FFF2-40B4-BE49-F238E27FC236}">
+                <a16:creationId xmlns:a16="http://schemas.microsoft.com/office/drawing/2014/main" id="{1C8E2481-6C83-523A-457F-E1FA9A70D836}"/>
+              </a:ext>
+            </a:extLst>
+          </p:cNvPr>
+          <p:cNvSpPr txBox="1"/>
+          <p:nvPr/>
+        </p:nvSpPr>
+        <p:spPr>
+          <a:xfrm>
+            <a:off x="9920177" y="2328530"/>
+            <a:ext cx="1786270" cy="1200329"/>
+          </a:xfrm>
+          <a:prstGeom prst="rect">
+            <a:avLst/>
+          </a:prstGeom>
+          <a:noFill/>
+        </p:spPr>
+        <p:txBody>
+          <a:bodyPr wrap="square" rtlCol="0">
+            <a:spAutoFit/>
+          </a:bodyPr>
+          <a:lstStyle/>
+          <a:p>
+            <a:r>
+              <a:rPr lang="en-US" dirty="0"/>
+              <a:t>5. Service Continue Processing the request</a:t>
+            </a:r>
+          </a:p>
+        </p:txBody>
+      </p:sp>
+      <p:sp>
+        <p:nvSpPr>
+          <p:cNvPr id="11" name="TextBox 10">
+            <a:extLst>
+              <a:ext uri="{FF2B5EF4-FFF2-40B4-BE49-F238E27FC236}">
+                <a16:creationId xmlns:a16="http://schemas.microsoft.com/office/drawing/2014/main" id="{525529F4-1CA3-EFD0-E975-A7991F1D02E9}"/>
+              </a:ext>
+            </a:extLst>
+          </p:cNvPr>
+          <p:cNvSpPr txBox="1"/>
+          <p:nvPr/>
+        </p:nvSpPr>
+        <p:spPr>
+          <a:xfrm>
+            <a:off x="372140" y="1943503"/>
+            <a:ext cx="1775637" cy="923330"/>
+          </a:xfrm>
+          <a:prstGeom prst="rect">
+            <a:avLst/>
+          </a:prstGeom>
+          <a:noFill/>
+        </p:spPr>
+        <p:txBody>
+          <a:bodyPr wrap="square" rtlCol="0">
+            <a:spAutoFit/>
+          </a:bodyPr>
+          <a:lstStyle/>
+          <a:p>
+            <a:r>
+              <a:rPr lang="en-US" dirty="0"/>
+              <a:t>6. Client Continue the execution</a:t>
+            </a:r>
+          </a:p>
+        </p:txBody>
+      </p:sp>
+      <p:sp>
+        <p:nvSpPr>
+          <p:cNvPr id="12" name="Bent Up Arrow 11">
+            <a:extLst>
+              <a:ext uri="{FF2B5EF4-FFF2-40B4-BE49-F238E27FC236}">
+                <a16:creationId xmlns:a16="http://schemas.microsoft.com/office/drawing/2014/main" id="{26675563-2D4D-18F0-E800-59AD44807F00}"/>
+              </a:ext>
+            </a:extLst>
+          </p:cNvPr>
+          <p:cNvSpPr/>
+          <p:nvPr/>
+        </p:nvSpPr>
+        <p:spPr>
+          <a:xfrm rot="5400000">
+            <a:off x="7345481" y="1348718"/>
+            <a:ext cx="2012786" cy="2945219"/>
+          </a:xfrm>
+          <a:prstGeom prst="bentUpArrow">
+            <a:avLst/>
+          </a:prstGeom>
+        </p:spPr>
+        <p:style>
+          <a:lnRef idx="2">
+            <a:schemeClr val="accent1">
+              <a:shade val="15000"/>
+            </a:schemeClr>
+          </a:lnRef>
+          <a:fillRef idx="1">
+            <a:schemeClr val="accent1"/>
+          </a:fillRef>
+          <a:effectRef idx="0">
+            <a:schemeClr val="accent1"/>
+          </a:effectRef>
+          <a:fontRef idx="minor">
+            <a:schemeClr val="lt1"/>
+          </a:fontRef>
+        </p:style>
+        <p:txBody>
+          <a:bodyPr rtlCol="0" anchor="ctr"/>
+          <a:lstStyle/>
+          <a:p>
+            <a:pPr algn="ctr"/>
+            <a:endParaRPr lang="en-US"/>
+          </a:p>
+        </p:txBody>
+      </p:sp>
+      <p:sp>
+        <p:nvSpPr>
+          <p:cNvPr id="13" name="TextBox 12">
+            <a:extLst>
+              <a:ext uri="{FF2B5EF4-FFF2-40B4-BE49-F238E27FC236}">
+                <a16:creationId xmlns:a16="http://schemas.microsoft.com/office/drawing/2014/main" id="{29540EC2-F640-0099-FF92-DD775CA6B220}"/>
+              </a:ext>
+            </a:extLst>
+          </p:cNvPr>
+          <p:cNvSpPr txBox="1"/>
+          <p:nvPr/>
+        </p:nvSpPr>
+        <p:spPr>
+          <a:xfrm>
+            <a:off x="7378996" y="1814935"/>
+            <a:ext cx="2551814" cy="1200329"/>
+          </a:xfrm>
+          <a:prstGeom prst="rect">
+            <a:avLst/>
+          </a:prstGeom>
+          <a:noFill/>
+        </p:spPr>
+        <p:txBody>
+          <a:bodyPr wrap="square" rtlCol="0">
+            <a:spAutoFit/>
+          </a:bodyPr>
+          <a:lstStyle/>
+          <a:p>
+            <a:r>
+              <a:rPr lang="en-US" dirty="0"/>
+              <a:t>7. Promise Object keep on monitoring and waiting for the response from service. </a:t>
+            </a:r>
+          </a:p>
+        </p:txBody>
+      </p:sp>
+      <p:sp>
+        <p:nvSpPr>
+          <p:cNvPr id="14" name="Bent Up Arrow 13">
+            <a:extLst>
+              <a:ext uri="{FF2B5EF4-FFF2-40B4-BE49-F238E27FC236}">
+                <a16:creationId xmlns:a16="http://schemas.microsoft.com/office/drawing/2014/main" id="{6A436BE7-6EC5-31F5-9835-E9AE3B799DDA}"/>
+              </a:ext>
+            </a:extLst>
+          </p:cNvPr>
+          <p:cNvSpPr/>
+          <p:nvPr/>
+        </p:nvSpPr>
+        <p:spPr>
+          <a:xfrm flipH="1">
+            <a:off x="5736266" y="1804303"/>
+            <a:ext cx="4183910" cy="3852218"/>
+          </a:xfrm>
+          <a:prstGeom prst="bentUpArrow">
+            <a:avLst>
+              <a:gd name="adj1" fmla="val 25000"/>
+              <a:gd name="adj2" fmla="val 8715"/>
+              <a:gd name="adj3" fmla="val 50000"/>
+            </a:avLst>
+          </a:prstGeom>
+        </p:spPr>
+        <p:style>
+          <a:lnRef idx="2">
+            <a:schemeClr val="accent1">
+              <a:shade val="15000"/>
+            </a:schemeClr>
+          </a:lnRef>
+          <a:fillRef idx="1">
+            <a:schemeClr val="accent1"/>
+          </a:fillRef>
+          <a:effectRef idx="0">
+            <a:schemeClr val="accent1"/>
+          </a:effectRef>
+          <a:fontRef idx="minor">
+            <a:schemeClr val="lt1"/>
+          </a:fontRef>
+        </p:style>
+        <p:txBody>
+          <a:bodyPr rtlCol="0" anchor="ctr"/>
+          <a:lstStyle/>
+          <a:p>
+            <a:pPr algn="ctr"/>
+            <a:endParaRPr lang="en-US"/>
+          </a:p>
+        </p:txBody>
+      </p:sp>
+      <p:sp>
+        <p:nvSpPr>
+          <p:cNvPr id="15" name="TextBox 14">
+            <a:extLst>
+              <a:ext uri="{FF2B5EF4-FFF2-40B4-BE49-F238E27FC236}">
+                <a16:creationId xmlns:a16="http://schemas.microsoft.com/office/drawing/2014/main" id="{C4A959EA-B5B7-B823-B109-E5D34E02E184}"/>
+              </a:ext>
+            </a:extLst>
+          </p:cNvPr>
+          <p:cNvSpPr txBox="1"/>
+          <p:nvPr/>
+        </p:nvSpPr>
+        <p:spPr>
+          <a:xfrm>
+            <a:off x="5830186" y="4666270"/>
+            <a:ext cx="3724940" cy="923330"/>
+          </a:xfrm>
+          <a:prstGeom prst="rect">
+            <a:avLst/>
+          </a:prstGeom>
+          <a:noFill/>
+        </p:spPr>
+        <p:txBody>
+          <a:bodyPr wrap="square" rtlCol="0">
+            <a:spAutoFit/>
+          </a:bodyPr>
+          <a:lstStyle/>
+          <a:p>
+            <a:r>
+              <a:rPr lang="en-US" dirty="0"/>
+              <a:t>8. The Response of execution from service will be delivered to promise.</a:t>
+            </a:r>
+          </a:p>
+          <a:p>
+            <a:r>
+              <a:rPr lang="en-US" dirty="0"/>
+              <a:t>This may be ‘Success’ or ‘Failed’</a:t>
+            </a:r>
+          </a:p>
+        </p:txBody>
+      </p:sp>
+      <p:sp>
+        <p:nvSpPr>
+          <p:cNvPr id="16" name="Cube 15">
+            <a:extLst>
+              <a:ext uri="{FF2B5EF4-FFF2-40B4-BE49-F238E27FC236}">
+                <a16:creationId xmlns:a16="http://schemas.microsoft.com/office/drawing/2014/main" id="{71D6287D-E8DB-5D0D-FFDB-426071A94280}"/>
+              </a:ext>
+            </a:extLst>
+          </p:cNvPr>
+          <p:cNvSpPr/>
+          <p:nvPr/>
+        </p:nvSpPr>
+        <p:spPr>
+          <a:xfrm>
+            <a:off x="3895060" y="2314323"/>
+            <a:ext cx="1467293" cy="1401882"/>
+          </a:xfrm>
+          <a:prstGeom prst="cube">
+            <a:avLst>
+              <a:gd name="adj" fmla="val 18174"/>
+            </a:avLst>
+          </a:prstGeom>
+          <a:solidFill>
+            <a:srgbClr val="C00000"/>
+          </a:solidFill>
+        </p:spPr>
+        <p:style>
+          <a:lnRef idx="2">
+            <a:schemeClr val="accent1">
+              <a:shade val="15000"/>
+            </a:schemeClr>
+          </a:lnRef>
+          <a:fillRef idx="1">
+            <a:schemeClr val="accent1"/>
+          </a:fillRef>
+          <a:effectRef idx="0">
+            <a:schemeClr val="accent1"/>
+          </a:effectRef>
+          <a:fontRef idx="minor">
+            <a:schemeClr val="lt1"/>
+          </a:fontRef>
+        </p:style>
+        <p:txBody>
+          <a:bodyPr rtlCol="0" anchor="ctr"/>
+          <a:lstStyle/>
+          <a:p>
+            <a:pPr algn="ctr"/>
+            <a:r>
+              <a:rPr lang="en-US" dirty="0"/>
+              <a:t>The Response Object</a:t>
+            </a:r>
+          </a:p>
+        </p:txBody>
+      </p:sp>
+      <p:cxnSp>
+        <p:nvCxnSpPr>
+          <p:cNvPr id="18" name="Curved Connector 17">
+            <a:extLst>
+              <a:ext uri="{FF2B5EF4-FFF2-40B4-BE49-F238E27FC236}">
+                <a16:creationId xmlns:a16="http://schemas.microsoft.com/office/drawing/2014/main" id="{A17E39F9-7E61-25B8-9A0B-F58F8D62690C}"/>
+              </a:ext>
+            </a:extLst>
+          </p:cNvPr>
+          <p:cNvCxnSpPr>
+            <a:cxnSpLocks/>
+            <a:stCxn id="8" idx="2"/>
+            <a:endCxn id="16" idx="0"/>
+          </p:cNvCxnSpPr>
+          <p:nvPr/>
+        </p:nvCxnSpPr>
+        <p:spPr>
+          <a:xfrm rot="5400000">
+            <a:off x="5113370" y="1586230"/>
+            <a:ext cx="370820" cy="1085367"/>
+          </a:xfrm>
+          <a:prstGeom prst="curvedConnector3">
+            <a:avLst>
+              <a:gd name="adj1" fmla="val 50000"/>
+            </a:avLst>
+          </a:prstGeom>
+          <a:ln>
+            <a:tailEnd type="triangle"/>
+          </a:ln>
+        </p:spPr>
+        <p:style>
+          <a:lnRef idx="1">
+            <a:schemeClr val="accent1"/>
+          </a:lnRef>
+          <a:fillRef idx="0">
+            <a:schemeClr val="accent1"/>
+          </a:fillRef>
+          <a:effectRef idx="0">
+            <a:schemeClr val="accent1"/>
+          </a:effectRef>
+          <a:fontRef idx="minor">
+            <a:schemeClr val="tx1"/>
+          </a:fontRef>
+        </p:style>
+      </p:cxnSp>
+      <p:cxnSp>
+        <p:nvCxnSpPr>
+          <p:cNvPr id="21" name="Curved Connector 20">
+            <a:extLst>
+              <a:ext uri="{FF2B5EF4-FFF2-40B4-BE49-F238E27FC236}">
+                <a16:creationId xmlns:a16="http://schemas.microsoft.com/office/drawing/2014/main" id="{0AB6653C-35C3-7C5B-31BF-FAB003FD7A06}"/>
+              </a:ext>
+            </a:extLst>
+          </p:cNvPr>
+          <p:cNvCxnSpPr>
+            <a:stCxn id="9" idx="2"/>
+            <a:endCxn id="16" idx="2"/>
+          </p:cNvCxnSpPr>
+          <p:nvPr/>
+        </p:nvCxnSpPr>
+        <p:spPr>
+          <a:xfrm rot="5400000">
+            <a:off x="3965751" y="1666306"/>
+            <a:ext cx="1405656" cy="1547038"/>
+          </a:xfrm>
+          <a:prstGeom prst="curvedConnector4">
+            <a:avLst>
+              <a:gd name="adj1" fmla="val 20536"/>
+              <a:gd name="adj2" fmla="val 114777"/>
+            </a:avLst>
+          </a:prstGeom>
+          <a:ln w="57150">
+            <a:tailEnd type="triangle"/>
+          </a:ln>
+        </p:spPr>
+        <p:style>
+          <a:lnRef idx="1">
+            <a:schemeClr val="accent1"/>
+          </a:lnRef>
+          <a:fillRef idx="0">
+            <a:schemeClr val="accent1"/>
+          </a:fillRef>
+          <a:effectRef idx="0">
+            <a:schemeClr val="accent1"/>
+          </a:effectRef>
+          <a:fontRef idx="minor">
+            <a:schemeClr val="tx1"/>
+          </a:fontRef>
+        </p:style>
+      </p:cxnSp>
+      <p:sp>
+        <p:nvSpPr>
+          <p:cNvPr id="22" name="TextBox 21">
+            <a:extLst>
+              <a:ext uri="{FF2B5EF4-FFF2-40B4-BE49-F238E27FC236}">
+                <a16:creationId xmlns:a16="http://schemas.microsoft.com/office/drawing/2014/main" id="{4D4E9549-F078-DF7E-2627-BDD15BA02EA0}"/>
+              </a:ext>
+            </a:extLst>
+          </p:cNvPr>
+          <p:cNvSpPr txBox="1"/>
+          <p:nvPr/>
+        </p:nvSpPr>
+        <p:spPr>
+          <a:xfrm>
+            <a:off x="2542954" y="2041451"/>
+            <a:ext cx="1518682" cy="1477328"/>
+          </a:xfrm>
+          <a:prstGeom prst="rect">
+            <a:avLst/>
+          </a:prstGeom>
+          <a:noFill/>
+        </p:spPr>
+        <p:txBody>
+          <a:bodyPr wrap="square" rtlCol="0">
+            <a:spAutoFit/>
+          </a:bodyPr>
+          <a:lstStyle/>
+          <a:p>
+            <a:r>
+              <a:rPr lang="en-US" dirty="0"/>
+              <a:t>9. Use the Subscriptions to read the response object</a:t>
+            </a:r>
+          </a:p>
+        </p:txBody>
+      </p:sp>
+      <p:sp>
+        <p:nvSpPr>
+          <p:cNvPr id="23" name="Rectangle 22">
+            <a:extLst>
+              <a:ext uri="{FF2B5EF4-FFF2-40B4-BE49-F238E27FC236}">
+                <a16:creationId xmlns:a16="http://schemas.microsoft.com/office/drawing/2014/main" id="{6808DE1E-A502-907B-E62C-5DBD1ED8623C}"/>
+              </a:ext>
+            </a:extLst>
+          </p:cNvPr>
+          <p:cNvSpPr/>
+          <p:nvPr/>
+        </p:nvSpPr>
+        <p:spPr>
+          <a:xfrm>
+            <a:off x="2587255" y="4697403"/>
+            <a:ext cx="1399952" cy="923330"/>
+          </a:xfrm>
+          <a:prstGeom prst="rect">
+            <a:avLst/>
+          </a:prstGeom>
+          <a:solidFill>
+            <a:srgbClr val="002060"/>
+          </a:solidFill>
+        </p:spPr>
+        <p:style>
+          <a:lnRef idx="2">
+            <a:schemeClr val="accent1">
+              <a:shade val="15000"/>
+            </a:schemeClr>
+          </a:lnRef>
+          <a:fillRef idx="1">
+            <a:schemeClr val="accent1"/>
+          </a:fillRef>
+          <a:effectRef idx="0">
+            <a:schemeClr val="accent1"/>
+          </a:effectRef>
+          <a:fontRef idx="minor">
+            <a:schemeClr val="lt1"/>
+          </a:fontRef>
+        </p:style>
+        <p:txBody>
+          <a:bodyPr rtlCol="0" anchor="ctr"/>
+          <a:lstStyle/>
+          <a:p>
+            <a:pPr algn="ctr"/>
+            <a:r>
+              <a:rPr lang="en-US" dirty="0"/>
+              <a:t>Actual Data</a:t>
+            </a:r>
+          </a:p>
+          <a:p>
+            <a:pPr algn="ctr"/>
+            <a:r>
+              <a:rPr lang="en-US" dirty="0"/>
+              <a:t>Success</a:t>
+            </a:r>
+          </a:p>
+          <a:p>
+            <a:pPr algn="ctr"/>
+            <a:r>
+              <a:rPr lang="en-US" dirty="0"/>
+              <a:t>Resolve</a:t>
+            </a:r>
+          </a:p>
+        </p:txBody>
+      </p:sp>
+      <p:cxnSp>
+        <p:nvCxnSpPr>
+          <p:cNvPr id="25" name="Curved Connector 24">
+            <a:extLst>
+              <a:ext uri="{FF2B5EF4-FFF2-40B4-BE49-F238E27FC236}">
+                <a16:creationId xmlns:a16="http://schemas.microsoft.com/office/drawing/2014/main" id="{6340DF36-06E0-9893-F964-3FA8A94F66C4}"/>
+              </a:ext>
+            </a:extLst>
+          </p:cNvPr>
+          <p:cNvCxnSpPr>
+            <a:cxnSpLocks/>
+            <a:stCxn id="16" idx="3"/>
+            <a:endCxn id="23" idx="0"/>
+          </p:cNvCxnSpPr>
+          <p:nvPr/>
+        </p:nvCxnSpPr>
+        <p:spPr>
+          <a:xfrm rot="5400000">
+            <a:off x="3403675" y="3599761"/>
+            <a:ext cx="981198" cy="1214086"/>
+          </a:xfrm>
+          <a:prstGeom prst="curvedConnector3">
+            <a:avLst/>
+          </a:prstGeom>
+          <a:ln>
+            <a:tailEnd type="triangle"/>
+          </a:ln>
+        </p:spPr>
+        <p:style>
+          <a:lnRef idx="1">
+            <a:schemeClr val="accent1"/>
+          </a:lnRef>
+          <a:fillRef idx="0">
+            <a:schemeClr val="accent1"/>
+          </a:fillRef>
+          <a:effectRef idx="0">
+            <a:schemeClr val="accent1"/>
+          </a:effectRef>
+          <a:fontRef idx="minor">
+            <a:schemeClr val="tx1"/>
+          </a:fontRef>
+        </p:style>
+      </p:cxnSp>
+      <p:sp>
+        <p:nvSpPr>
+          <p:cNvPr id="28" name="Rectangle 27">
+            <a:extLst>
+              <a:ext uri="{FF2B5EF4-FFF2-40B4-BE49-F238E27FC236}">
+                <a16:creationId xmlns:a16="http://schemas.microsoft.com/office/drawing/2014/main" id="{CB75E53F-90B2-E615-096E-DDAE1AFC69DB}"/>
+              </a:ext>
+            </a:extLst>
+          </p:cNvPr>
+          <p:cNvSpPr/>
+          <p:nvPr/>
+        </p:nvSpPr>
+        <p:spPr>
+          <a:xfrm>
+            <a:off x="4027968" y="5589600"/>
+            <a:ext cx="1399952" cy="923330"/>
+          </a:xfrm>
+          <a:prstGeom prst="rect">
+            <a:avLst/>
+          </a:prstGeom>
+          <a:solidFill>
+            <a:srgbClr val="FF0000"/>
+          </a:solidFill>
+        </p:spPr>
+        <p:style>
+          <a:lnRef idx="2">
+            <a:schemeClr val="accent1">
+              <a:shade val="15000"/>
+            </a:schemeClr>
+          </a:lnRef>
+          <a:fillRef idx="1">
+            <a:schemeClr val="accent1"/>
+          </a:fillRef>
+          <a:effectRef idx="0">
+            <a:schemeClr val="accent1"/>
+          </a:effectRef>
+          <a:fontRef idx="minor">
+            <a:schemeClr val="lt1"/>
+          </a:fontRef>
+        </p:style>
+        <p:txBody>
+          <a:bodyPr rtlCol="0" anchor="ctr"/>
+          <a:lstStyle/>
+          <a:p>
+            <a:pPr algn="ctr"/>
+            <a:r>
+              <a:rPr lang="en-US" dirty="0"/>
+              <a:t>Error Response</a:t>
+            </a:r>
+          </a:p>
+          <a:p>
+            <a:pPr algn="ctr"/>
+            <a:r>
+              <a:rPr lang="en-US" dirty="0"/>
+              <a:t>Reject</a:t>
+            </a:r>
+          </a:p>
+        </p:txBody>
+      </p:sp>
+      <p:cxnSp>
+        <p:nvCxnSpPr>
+          <p:cNvPr id="30" name="Curved Connector 29">
+            <a:extLst>
+              <a:ext uri="{FF2B5EF4-FFF2-40B4-BE49-F238E27FC236}">
+                <a16:creationId xmlns:a16="http://schemas.microsoft.com/office/drawing/2014/main" id="{7E710F5C-EF8C-2DBD-6AA4-9E8D753248B5}"/>
+              </a:ext>
+            </a:extLst>
+          </p:cNvPr>
+          <p:cNvCxnSpPr>
+            <a:stCxn id="16" idx="3"/>
+          </p:cNvCxnSpPr>
+          <p:nvPr/>
+        </p:nvCxnSpPr>
+        <p:spPr>
+          <a:xfrm rot="16200000" flipH="1">
+            <a:off x="3732976" y="4484545"/>
+            <a:ext cx="1791460" cy="254779"/>
+          </a:xfrm>
+          <a:prstGeom prst="curvedConnector3">
+            <a:avLst/>
+          </a:prstGeom>
+          <a:ln>
+            <a:tailEnd type="triangle"/>
+          </a:ln>
+        </p:spPr>
+        <p:style>
+          <a:lnRef idx="1">
+            <a:schemeClr val="accent1"/>
+          </a:lnRef>
+          <a:fillRef idx="0">
+            <a:schemeClr val="accent1"/>
+          </a:fillRef>
+          <a:effectRef idx="0">
+            <a:schemeClr val="accent1"/>
+          </a:effectRef>
+          <a:fontRef idx="minor">
+            <a:schemeClr val="tx1"/>
+          </a:fontRef>
+        </p:style>
+      </p:cxnSp>
+      <p:sp>
+        <p:nvSpPr>
+          <p:cNvPr id="31" name="Left Arrow 30">
+            <a:extLst>
+              <a:ext uri="{FF2B5EF4-FFF2-40B4-BE49-F238E27FC236}">
+                <a16:creationId xmlns:a16="http://schemas.microsoft.com/office/drawing/2014/main" id="{1647185B-E7B6-8665-B45D-56207788E2BE}"/>
+              </a:ext>
+            </a:extLst>
+          </p:cNvPr>
+          <p:cNvSpPr/>
+          <p:nvPr/>
+        </p:nvSpPr>
+        <p:spPr>
+          <a:xfrm>
+            <a:off x="1435394" y="3429000"/>
+            <a:ext cx="2363973" cy="962247"/>
+          </a:xfrm>
+          <a:prstGeom prst="leftArrow">
+            <a:avLst/>
+          </a:prstGeom>
+        </p:spPr>
+        <p:style>
+          <a:lnRef idx="2">
+            <a:schemeClr val="accent1">
+              <a:shade val="15000"/>
+            </a:schemeClr>
+          </a:lnRef>
+          <a:fillRef idx="1">
+            <a:schemeClr val="accent1"/>
+          </a:fillRef>
+          <a:effectRef idx="0">
+            <a:schemeClr val="accent1"/>
+          </a:effectRef>
+          <a:fontRef idx="minor">
+            <a:schemeClr val="lt1"/>
+          </a:fontRef>
+        </p:style>
+        <p:txBody>
+          <a:bodyPr rtlCol="0" anchor="ctr"/>
+          <a:lstStyle/>
+          <a:p>
+            <a:pPr algn="ctr"/>
+            <a:r>
+              <a:rPr lang="en-US" dirty="0"/>
+              <a:t>10. Response delivered to client</a:t>
+            </a:r>
+          </a:p>
+        </p:txBody>
+      </p:sp>
+      <p:sp>
+        <p:nvSpPr>
+          <p:cNvPr id="32" name="TextBox 31">
+            <a:extLst>
+              <a:ext uri="{FF2B5EF4-FFF2-40B4-BE49-F238E27FC236}">
+                <a16:creationId xmlns:a16="http://schemas.microsoft.com/office/drawing/2014/main" id="{BB8DCB0D-8F3B-93A4-1D5D-2EFD6707DE14}"/>
+              </a:ext>
+            </a:extLst>
+          </p:cNvPr>
+          <p:cNvSpPr txBox="1"/>
+          <p:nvPr/>
+        </p:nvSpPr>
+        <p:spPr>
+          <a:xfrm>
+            <a:off x="372140" y="4666270"/>
+            <a:ext cx="1775637" cy="923330"/>
+          </a:xfrm>
+          <a:prstGeom prst="rect">
+            <a:avLst/>
+          </a:prstGeom>
+          <a:noFill/>
+        </p:spPr>
+        <p:txBody>
+          <a:bodyPr wrap="square" rtlCol="0">
+            <a:spAutoFit/>
+          </a:bodyPr>
+          <a:lstStyle/>
+          <a:p>
+            <a:r>
+              <a:rPr lang="en-US" dirty="0"/>
+              <a:t>11. Client now process the response</a:t>
+            </a:r>
+          </a:p>
+        </p:txBody>
+      </p:sp>
+      <p:sp>
+        <p:nvSpPr>
+          <p:cNvPr id="33" name="TextBox 32">
+            <a:extLst>
+              <a:ext uri="{FF2B5EF4-FFF2-40B4-BE49-F238E27FC236}">
+                <a16:creationId xmlns:a16="http://schemas.microsoft.com/office/drawing/2014/main" id="{61693405-52CA-A863-5F31-80FC9D4B9DFD}"/>
+              </a:ext>
+            </a:extLst>
+          </p:cNvPr>
+          <p:cNvSpPr txBox="1"/>
+          <p:nvPr/>
+        </p:nvSpPr>
+        <p:spPr>
+          <a:xfrm>
+            <a:off x="3987207" y="95693"/>
+            <a:ext cx="3912784" cy="372140"/>
+          </a:xfrm>
+          <a:prstGeom prst="rect">
+            <a:avLst/>
+          </a:prstGeom>
+          <a:noFill/>
+        </p:spPr>
+        <p:txBody>
+          <a:bodyPr wrap="square" rtlCol="0">
+            <a:spAutoFit/>
+          </a:bodyPr>
+          <a:lstStyle/>
+          <a:p>
+            <a:pPr algn="ctr"/>
+            <a:r>
+              <a:rPr lang="en-US" b="1" dirty="0"/>
+              <a:t>Promise Working</a:t>
+            </a:r>
+          </a:p>
+        </p:txBody>
+      </p:sp>
+    </p:spTree>
+    <p:extLst>
+      <p:ext uri="{BB962C8B-B14F-4D97-AF65-F5344CB8AC3E}">
+        <p14:creationId xmlns:p14="http://schemas.microsoft.com/office/powerpoint/2010/main" val="3481611062"/>
+      </p:ext>
+    </p:extLst>
+  </p:cSld>
+  <p:clrMapOvr>
+    <a:masterClrMapping/>
+  </p:clrMapOvr>
+</p:sld>
+</file>
+
+<file path=ppt/slides/slide19.xml><?xml version="1.0" encoding="utf-8"?>
+<p:sld xmlns:a="http://schemas.openxmlformats.org/drawingml/2006/main" xmlns:r="http://schemas.openxmlformats.org/officeDocument/2006/relationships" xmlns:p="http://schemas.openxmlformats.org/presentationml/2006/main">
+  <p:cSld>
+    <p:spTree>
+      <p:nvGrpSpPr>
+        <p:cNvPr id="1" name=""/>
+        <p:cNvGrpSpPr/>
+        <p:nvPr/>
+      </p:nvGrpSpPr>
+      <p:grpSpPr>
+        <a:xfrm>
+          <a:off x="0" y="0"/>
+          <a:ext cx="0" cy="0"/>
+          <a:chOff x="0" y="0"/>
+          <a:chExt cx="0" cy="0"/>
+        </a:xfrm>
+      </p:grpSpPr>
+      <p:sp>
+        <p:nvSpPr>
+          <p:cNvPr id="2" name="Oval 1">
+            <a:extLst>
+              <a:ext uri="{FF2B5EF4-FFF2-40B4-BE49-F238E27FC236}">
+                <a16:creationId xmlns:a16="http://schemas.microsoft.com/office/drawing/2014/main" id="{AD9929B4-AD84-1C29-ADE3-27FFC4E1AD25}"/>
+              </a:ext>
+            </a:extLst>
+          </p:cNvPr>
+          <p:cNvSpPr/>
+          <p:nvPr/>
+        </p:nvSpPr>
+        <p:spPr>
+          <a:xfrm>
+            <a:off x="4657060" y="297711"/>
+            <a:ext cx="2264734" cy="1945758"/>
+          </a:xfrm>
+          <a:prstGeom prst="ellipse">
+            <a:avLst/>
+          </a:prstGeom>
+        </p:spPr>
+        <p:style>
+          <a:lnRef idx="2">
+            <a:schemeClr val="accent1">
+              <a:shade val="15000"/>
+            </a:schemeClr>
+          </a:lnRef>
+          <a:fillRef idx="1">
+            <a:schemeClr val="accent1"/>
+          </a:fillRef>
+          <a:effectRef idx="0">
+            <a:schemeClr val="accent1"/>
+          </a:effectRef>
+          <a:fontRef idx="minor">
+            <a:schemeClr val="lt1"/>
+          </a:fontRef>
+        </p:style>
+        <p:txBody>
+          <a:bodyPr rtlCol="0" anchor="ctr"/>
+          <a:lstStyle/>
+          <a:p>
+            <a:pPr algn="ctr"/>
+            <a:r>
+              <a:rPr lang="en-US" b="1" dirty="0"/>
+              <a:t>Promise</a:t>
+            </a:r>
+          </a:p>
+        </p:txBody>
+      </p:sp>
+      <p:sp>
+        <p:nvSpPr>
+          <p:cNvPr id="3" name="Oval 2">
+            <a:extLst>
+              <a:ext uri="{FF2B5EF4-FFF2-40B4-BE49-F238E27FC236}">
+                <a16:creationId xmlns:a16="http://schemas.microsoft.com/office/drawing/2014/main" id="{CB715DE9-CA46-3E0F-4CE6-7BD05CD8CE03}"/>
+              </a:ext>
+            </a:extLst>
+          </p:cNvPr>
+          <p:cNvSpPr/>
+          <p:nvPr/>
+        </p:nvSpPr>
+        <p:spPr>
+          <a:xfrm>
+            <a:off x="184297" y="2243469"/>
+            <a:ext cx="1825256" cy="1297173"/>
+          </a:xfrm>
+          <a:prstGeom prst="ellipse">
+            <a:avLst/>
+          </a:prstGeom>
+        </p:spPr>
+        <p:style>
+          <a:lnRef idx="2">
+            <a:schemeClr val="accent1">
+              <a:shade val="15000"/>
+            </a:schemeClr>
+          </a:lnRef>
+          <a:fillRef idx="1">
+            <a:schemeClr val="accent1"/>
+          </a:fillRef>
+          <a:effectRef idx="0">
+            <a:schemeClr val="accent1"/>
+          </a:effectRef>
+          <a:fontRef idx="minor">
+            <a:schemeClr val="lt1"/>
+          </a:fontRef>
+        </p:style>
+        <p:txBody>
+          <a:bodyPr rtlCol="0" anchor="ctr"/>
+          <a:lstStyle/>
+          <a:p>
+            <a:pPr algn="ctr"/>
+            <a:r>
+              <a:rPr lang="en-US" b="1" dirty="0"/>
+              <a:t>fetch()</a:t>
+            </a:r>
+          </a:p>
+          <a:p>
+            <a:pPr algn="ctr"/>
+            <a:r>
+              <a:rPr lang="en-US" b="1" dirty="0"/>
+              <a:t>ES Object for HTTP Calls</a:t>
+            </a:r>
+          </a:p>
+        </p:txBody>
+      </p:sp>
+      <p:cxnSp>
+        <p:nvCxnSpPr>
+          <p:cNvPr id="5" name="Curved Connector 4">
+            <a:extLst>
+              <a:ext uri="{FF2B5EF4-FFF2-40B4-BE49-F238E27FC236}">
+                <a16:creationId xmlns:a16="http://schemas.microsoft.com/office/drawing/2014/main" id="{FBCE39E1-6129-E5D6-E5AF-4A80C1D315D9}"/>
+              </a:ext>
+            </a:extLst>
+          </p:cNvPr>
+          <p:cNvCxnSpPr>
+            <a:stCxn id="2" idx="2"/>
+            <a:endCxn id="3" idx="0"/>
+          </p:cNvCxnSpPr>
+          <p:nvPr/>
+        </p:nvCxnSpPr>
+        <p:spPr>
+          <a:xfrm rot="10800000" flipV="1">
+            <a:off x="1096926" y="1270589"/>
+            <a:ext cx="3560135" cy="972879"/>
+          </a:xfrm>
+          <a:prstGeom prst="curvedConnector2">
+            <a:avLst/>
+          </a:prstGeom>
+          <a:ln>
+            <a:tailEnd type="triangle"/>
+          </a:ln>
+        </p:spPr>
+        <p:style>
+          <a:lnRef idx="1">
+            <a:schemeClr val="accent1"/>
+          </a:lnRef>
+          <a:fillRef idx="0">
+            <a:schemeClr val="accent1"/>
+          </a:fillRef>
+          <a:effectRef idx="0">
+            <a:schemeClr val="accent1"/>
+          </a:effectRef>
+          <a:fontRef idx="minor">
+            <a:schemeClr val="tx1"/>
+          </a:fontRef>
+        </p:style>
+      </p:cxnSp>
+      <p:sp>
+        <p:nvSpPr>
+          <p:cNvPr id="6" name="Oval 5">
+            <a:extLst>
+              <a:ext uri="{FF2B5EF4-FFF2-40B4-BE49-F238E27FC236}">
+                <a16:creationId xmlns:a16="http://schemas.microsoft.com/office/drawing/2014/main" id="{04D4D26C-8994-34C4-0D76-0969026AC2CE}"/>
+              </a:ext>
+            </a:extLst>
+          </p:cNvPr>
+          <p:cNvSpPr/>
+          <p:nvPr/>
+        </p:nvSpPr>
+        <p:spPr>
+          <a:xfrm>
+            <a:off x="804530" y="4290239"/>
+            <a:ext cx="1825256" cy="1297173"/>
+          </a:xfrm>
+          <a:prstGeom prst="ellipse">
+            <a:avLst/>
+          </a:prstGeom>
+        </p:spPr>
+        <p:style>
+          <a:lnRef idx="2">
+            <a:schemeClr val="accent1">
+              <a:shade val="15000"/>
+            </a:schemeClr>
+          </a:lnRef>
+          <a:fillRef idx="1">
+            <a:schemeClr val="accent1"/>
+          </a:fillRef>
+          <a:effectRef idx="0">
+            <a:schemeClr val="accent1"/>
+          </a:effectRef>
+          <a:fontRef idx="minor">
+            <a:schemeClr val="lt1"/>
+          </a:fontRef>
+        </p:style>
+        <p:txBody>
+          <a:bodyPr rtlCol="0" anchor="ctr"/>
+          <a:lstStyle/>
+          <a:p>
+            <a:pPr algn="ctr"/>
+            <a:r>
+              <a:rPr lang="en-US" b="1" dirty="0"/>
+              <a:t>$http()</a:t>
+            </a:r>
+          </a:p>
+          <a:p>
+            <a:pPr algn="ctr"/>
+            <a:r>
+              <a:rPr lang="en-US" b="1" dirty="0" err="1"/>
+              <a:t>Angular.js</a:t>
+            </a:r>
+            <a:r>
+              <a:rPr lang="en-US" b="1" dirty="0"/>
+              <a:t> Object for HTTP Calls</a:t>
+            </a:r>
+          </a:p>
+        </p:txBody>
+      </p:sp>
+      <p:cxnSp>
+        <p:nvCxnSpPr>
+          <p:cNvPr id="8" name="Curved Connector 7">
+            <a:extLst>
+              <a:ext uri="{FF2B5EF4-FFF2-40B4-BE49-F238E27FC236}">
+                <a16:creationId xmlns:a16="http://schemas.microsoft.com/office/drawing/2014/main" id="{0E330F30-5412-3C5B-4FBF-6B3D70565A71}"/>
+              </a:ext>
+            </a:extLst>
+          </p:cNvPr>
+          <p:cNvCxnSpPr>
+            <a:stCxn id="2" idx="3"/>
+            <a:endCxn id="6" idx="0"/>
+          </p:cNvCxnSpPr>
+          <p:nvPr/>
+        </p:nvCxnSpPr>
+        <p:spPr>
+          <a:xfrm rot="5400000">
+            <a:off x="2187081" y="1488597"/>
+            <a:ext cx="2331720" cy="3271565"/>
+          </a:xfrm>
+          <a:prstGeom prst="curvedConnector3">
+            <a:avLst/>
+          </a:prstGeom>
+          <a:ln>
+            <a:tailEnd type="triangle"/>
+          </a:ln>
+        </p:spPr>
+        <p:style>
+          <a:lnRef idx="1">
+            <a:schemeClr val="accent1"/>
+          </a:lnRef>
+          <a:fillRef idx="0">
+            <a:schemeClr val="accent1"/>
+          </a:fillRef>
+          <a:effectRef idx="0">
+            <a:schemeClr val="accent1"/>
+          </a:effectRef>
+          <a:fontRef idx="minor">
+            <a:schemeClr val="tx1"/>
+          </a:fontRef>
+        </p:style>
+      </p:cxnSp>
+      <p:sp>
+        <p:nvSpPr>
+          <p:cNvPr id="9" name="Oval 8">
+            <a:extLst>
+              <a:ext uri="{FF2B5EF4-FFF2-40B4-BE49-F238E27FC236}">
+                <a16:creationId xmlns:a16="http://schemas.microsoft.com/office/drawing/2014/main" id="{80E54861-E16A-1D11-E1FF-51F5708227AA}"/>
+              </a:ext>
+            </a:extLst>
+          </p:cNvPr>
+          <p:cNvSpPr/>
+          <p:nvPr/>
+        </p:nvSpPr>
+        <p:spPr>
+          <a:xfrm>
+            <a:off x="3019646" y="5101858"/>
+            <a:ext cx="1825256" cy="1297173"/>
+          </a:xfrm>
+          <a:prstGeom prst="ellipse">
+            <a:avLst/>
+          </a:prstGeom>
+        </p:spPr>
+        <p:style>
+          <a:lnRef idx="2">
+            <a:schemeClr val="accent1">
+              <a:shade val="15000"/>
+            </a:schemeClr>
+          </a:lnRef>
+          <a:fillRef idx="1">
+            <a:schemeClr val="accent1"/>
+          </a:fillRef>
+          <a:effectRef idx="0">
+            <a:schemeClr val="accent1"/>
+          </a:effectRef>
+          <a:fontRef idx="minor">
+            <a:schemeClr val="lt1"/>
+          </a:fontRef>
+        </p:style>
+        <p:txBody>
+          <a:bodyPr rtlCol="0" anchor="ctr"/>
+          <a:lstStyle/>
+          <a:p>
+            <a:pPr algn="ctr"/>
+            <a:r>
+              <a:rPr lang="en-US" b="1" dirty="0" err="1"/>
+              <a:t>Axios</a:t>
+            </a:r>
+            <a:endParaRPr lang="en-US" b="1" dirty="0"/>
+          </a:p>
+          <a:p>
+            <a:pPr algn="ctr"/>
+            <a:r>
+              <a:rPr lang="en-US" b="1" dirty="0"/>
+              <a:t>ES object by JS Community</a:t>
+            </a:r>
+          </a:p>
+        </p:txBody>
+      </p:sp>
+      <p:cxnSp>
+        <p:nvCxnSpPr>
+          <p:cNvPr id="11" name="Curved Connector 10">
+            <a:extLst>
+              <a:ext uri="{FF2B5EF4-FFF2-40B4-BE49-F238E27FC236}">
+                <a16:creationId xmlns:a16="http://schemas.microsoft.com/office/drawing/2014/main" id="{76F8856D-E3ED-6D00-AE8D-417D3ECF007D}"/>
+              </a:ext>
+            </a:extLst>
+          </p:cNvPr>
+          <p:cNvCxnSpPr>
+            <a:stCxn id="2" idx="4"/>
+            <a:endCxn id="9" idx="0"/>
+          </p:cNvCxnSpPr>
+          <p:nvPr/>
+        </p:nvCxnSpPr>
+        <p:spPr>
+          <a:xfrm rot="5400000">
+            <a:off x="3431657" y="2744087"/>
+            <a:ext cx="2858389" cy="1857153"/>
+          </a:xfrm>
+          <a:prstGeom prst="curvedConnector3">
+            <a:avLst/>
+          </a:prstGeom>
+          <a:ln>
+            <a:tailEnd type="triangle"/>
+          </a:ln>
+        </p:spPr>
+        <p:style>
+          <a:lnRef idx="1">
+            <a:schemeClr val="accent1"/>
+          </a:lnRef>
+          <a:fillRef idx="0">
+            <a:schemeClr val="accent1"/>
+          </a:fillRef>
+          <a:effectRef idx="0">
+            <a:schemeClr val="accent1"/>
+          </a:effectRef>
+          <a:fontRef idx="minor">
+            <a:schemeClr val="tx1"/>
+          </a:fontRef>
+        </p:style>
+      </p:cxnSp>
+      <p:sp>
+        <p:nvSpPr>
+          <p:cNvPr id="12" name="Oval 11">
+            <a:extLst>
+              <a:ext uri="{FF2B5EF4-FFF2-40B4-BE49-F238E27FC236}">
+                <a16:creationId xmlns:a16="http://schemas.microsoft.com/office/drawing/2014/main" id="{EA61C791-21C1-5891-420F-91A8F5E4FD02}"/>
+              </a:ext>
+            </a:extLst>
+          </p:cNvPr>
+          <p:cNvSpPr/>
+          <p:nvPr/>
+        </p:nvSpPr>
+        <p:spPr>
+          <a:xfrm>
+            <a:off x="6257260" y="5101857"/>
+            <a:ext cx="1825256" cy="1297173"/>
+          </a:xfrm>
+          <a:prstGeom prst="ellipse">
+            <a:avLst/>
+          </a:prstGeom>
+        </p:spPr>
+        <p:style>
+          <a:lnRef idx="2">
+            <a:schemeClr val="accent1">
+              <a:shade val="15000"/>
+            </a:schemeClr>
+          </a:lnRef>
+          <a:fillRef idx="1">
+            <a:schemeClr val="accent1"/>
+          </a:fillRef>
+          <a:effectRef idx="0">
+            <a:schemeClr val="accent1"/>
+          </a:effectRef>
+          <a:fontRef idx="minor">
+            <a:schemeClr val="lt1"/>
+          </a:fontRef>
+        </p:style>
+        <p:txBody>
+          <a:bodyPr rtlCol="0" anchor="ctr"/>
+          <a:lstStyle/>
+          <a:p>
+            <a:pPr algn="ctr"/>
+            <a:r>
+              <a:rPr lang="en-US" b="1" dirty="0"/>
+              <a:t>$.ajax()</a:t>
+            </a:r>
+          </a:p>
+          <a:p>
+            <a:pPr algn="ctr"/>
+            <a:r>
+              <a:rPr lang="en-US" b="1" dirty="0"/>
+              <a:t>object by jQuery</a:t>
+            </a:r>
+          </a:p>
+        </p:txBody>
+      </p:sp>
+      <p:cxnSp>
+        <p:nvCxnSpPr>
+          <p:cNvPr id="14" name="Curved Connector 13">
+            <a:extLst>
+              <a:ext uri="{FF2B5EF4-FFF2-40B4-BE49-F238E27FC236}">
+                <a16:creationId xmlns:a16="http://schemas.microsoft.com/office/drawing/2014/main" id="{FEE37FF1-D020-FF46-CB61-2337BBAC99DD}"/>
+              </a:ext>
+            </a:extLst>
+          </p:cNvPr>
+          <p:cNvCxnSpPr>
+            <a:stCxn id="2" idx="5"/>
+            <a:endCxn id="12" idx="0"/>
+          </p:cNvCxnSpPr>
+          <p:nvPr/>
+        </p:nvCxnSpPr>
+        <p:spPr>
+          <a:xfrm rot="16200000" flipH="1">
+            <a:off x="5308340" y="3240309"/>
+            <a:ext cx="3143338" cy="579757"/>
+          </a:xfrm>
+          <a:prstGeom prst="curvedConnector3">
+            <a:avLst/>
+          </a:prstGeom>
+          <a:ln>
+            <a:tailEnd type="triangle"/>
+          </a:ln>
+        </p:spPr>
+        <p:style>
+          <a:lnRef idx="1">
+            <a:schemeClr val="accent1"/>
+          </a:lnRef>
+          <a:fillRef idx="0">
+            <a:schemeClr val="accent1"/>
+          </a:fillRef>
+          <a:effectRef idx="0">
+            <a:schemeClr val="accent1"/>
+          </a:effectRef>
+          <a:fontRef idx="minor">
+            <a:schemeClr val="tx1"/>
+          </a:fontRef>
+        </p:style>
+      </p:cxnSp>
+      <p:sp>
+        <p:nvSpPr>
+          <p:cNvPr id="16" name="Oval 15">
+            <a:extLst>
+              <a:ext uri="{FF2B5EF4-FFF2-40B4-BE49-F238E27FC236}">
+                <a16:creationId xmlns:a16="http://schemas.microsoft.com/office/drawing/2014/main" id="{4BF16818-14B4-F7E6-693C-B0692DC96B57}"/>
+              </a:ext>
+            </a:extLst>
+          </p:cNvPr>
+          <p:cNvSpPr/>
+          <p:nvPr/>
+        </p:nvSpPr>
+        <p:spPr>
+          <a:xfrm>
+            <a:off x="8883218" y="4290238"/>
+            <a:ext cx="1825256" cy="1297173"/>
+          </a:xfrm>
+          <a:prstGeom prst="ellipse">
+            <a:avLst/>
+          </a:prstGeom>
+        </p:spPr>
+        <p:style>
+          <a:lnRef idx="2">
+            <a:schemeClr val="accent1">
+              <a:shade val="15000"/>
+            </a:schemeClr>
+          </a:lnRef>
+          <a:fillRef idx="1">
+            <a:schemeClr val="accent1"/>
+          </a:fillRef>
+          <a:effectRef idx="0">
+            <a:schemeClr val="accent1"/>
+          </a:effectRef>
+          <a:fontRef idx="minor">
+            <a:schemeClr val="lt1"/>
+          </a:fontRef>
+        </p:style>
+        <p:txBody>
+          <a:bodyPr rtlCol="0" anchor="ctr"/>
+          <a:lstStyle/>
+          <a:p>
+            <a:pPr algn="ctr"/>
+            <a:r>
+              <a:rPr lang="en-US" b="1" dirty="0" err="1"/>
+              <a:t>HttpCLient</a:t>
+            </a:r>
+            <a:endParaRPr lang="en-US" b="1" dirty="0"/>
+          </a:p>
+          <a:p>
+            <a:pPr algn="ctr"/>
+            <a:r>
+              <a:rPr lang="en-US" b="1" dirty="0"/>
+              <a:t>object by Angular</a:t>
+            </a:r>
+          </a:p>
+        </p:txBody>
+      </p:sp>
+      <p:cxnSp>
+        <p:nvCxnSpPr>
+          <p:cNvPr id="18" name="Curved Connector 17">
+            <a:extLst>
+              <a:ext uri="{FF2B5EF4-FFF2-40B4-BE49-F238E27FC236}">
+                <a16:creationId xmlns:a16="http://schemas.microsoft.com/office/drawing/2014/main" id="{F5579AB1-717D-C526-AA21-39BA74BF8A40}"/>
+              </a:ext>
+            </a:extLst>
+          </p:cNvPr>
+          <p:cNvCxnSpPr>
+            <a:stCxn id="2" idx="6"/>
+            <a:endCxn id="16" idx="0"/>
+          </p:cNvCxnSpPr>
+          <p:nvPr/>
+        </p:nvCxnSpPr>
+        <p:spPr>
+          <a:xfrm>
+            <a:off x="6921794" y="1270590"/>
+            <a:ext cx="2874052" cy="3019648"/>
+          </a:xfrm>
+          <a:prstGeom prst="curvedConnector2">
+            <a:avLst/>
+          </a:prstGeom>
+          <a:ln>
+            <a:tailEnd type="triangle"/>
+          </a:ln>
+        </p:spPr>
+        <p:style>
+          <a:lnRef idx="1">
+            <a:schemeClr val="accent1"/>
+          </a:lnRef>
+          <a:fillRef idx="0">
+            <a:schemeClr val="accent1"/>
+          </a:fillRef>
+          <a:effectRef idx="0">
+            <a:schemeClr val="accent1"/>
+          </a:effectRef>
+          <a:fontRef idx="minor">
+            <a:schemeClr val="tx1"/>
+          </a:fontRef>
+        </p:style>
+      </p:cxnSp>
+      <p:sp>
+        <p:nvSpPr>
+          <p:cNvPr id="19" name="Rectangle 18">
+            <a:extLst>
+              <a:ext uri="{FF2B5EF4-FFF2-40B4-BE49-F238E27FC236}">
+                <a16:creationId xmlns:a16="http://schemas.microsoft.com/office/drawing/2014/main" id="{6D99773C-2100-7E5B-90FB-02AF2FD2D0A9}"/>
+              </a:ext>
+            </a:extLst>
+          </p:cNvPr>
+          <p:cNvSpPr/>
+          <p:nvPr/>
+        </p:nvSpPr>
+        <p:spPr>
+          <a:xfrm>
+            <a:off x="9090837" y="170121"/>
+            <a:ext cx="2679405" cy="1743739"/>
+          </a:xfrm>
+          <a:prstGeom prst="rect">
+            <a:avLst/>
+          </a:prstGeom>
+        </p:spPr>
+        <p:style>
+          <a:lnRef idx="3">
+            <a:schemeClr val="lt1"/>
+          </a:lnRef>
+          <a:fillRef idx="1">
+            <a:schemeClr val="accent3"/>
+          </a:fillRef>
+          <a:effectRef idx="1">
+            <a:schemeClr val="accent3"/>
+          </a:effectRef>
+          <a:fontRef idx="minor">
+            <a:schemeClr val="lt1"/>
+          </a:fontRef>
+        </p:style>
+        <p:txBody>
+          <a:bodyPr rtlCol="0" anchor="ctr"/>
+          <a:lstStyle/>
+          <a:p>
+            <a:pPr algn="ctr"/>
+            <a:endParaRPr lang="en-US"/>
+          </a:p>
+        </p:txBody>
+      </p:sp>
+      <p:sp>
+        <p:nvSpPr>
+          <p:cNvPr id="20" name="Rectangle 19">
+            <a:extLst>
+              <a:ext uri="{FF2B5EF4-FFF2-40B4-BE49-F238E27FC236}">
+                <a16:creationId xmlns:a16="http://schemas.microsoft.com/office/drawing/2014/main" id="{3ABC4C17-F4B1-0F3E-173E-662F83E9D37A}"/>
+              </a:ext>
+            </a:extLst>
+          </p:cNvPr>
+          <p:cNvSpPr/>
+          <p:nvPr/>
+        </p:nvSpPr>
+        <p:spPr>
+          <a:xfrm>
+            <a:off x="9080205" y="1031358"/>
+            <a:ext cx="2648711" cy="63795"/>
+          </a:xfrm>
+          <a:prstGeom prst="rect">
+            <a:avLst/>
+          </a:prstGeom>
+        </p:spPr>
+        <p:style>
+          <a:lnRef idx="2">
+            <a:schemeClr val="accent1">
+              <a:shade val="15000"/>
+            </a:schemeClr>
+          </a:lnRef>
+          <a:fillRef idx="1">
+            <a:schemeClr val="accent1"/>
+          </a:fillRef>
+          <a:effectRef idx="0">
+            <a:schemeClr val="accent1"/>
+          </a:effectRef>
+          <a:fontRef idx="minor">
+            <a:schemeClr val="lt1"/>
+          </a:fontRef>
+        </p:style>
+        <p:txBody>
+          <a:bodyPr rtlCol="0" anchor="ctr"/>
+          <a:lstStyle/>
+          <a:p>
+            <a:pPr algn="ctr"/>
+            <a:endParaRPr lang="en-US"/>
+          </a:p>
+        </p:txBody>
+      </p:sp>
+      <p:sp>
+        <p:nvSpPr>
+          <p:cNvPr id="21" name="TextBox 20">
+            <a:extLst>
+              <a:ext uri="{FF2B5EF4-FFF2-40B4-BE49-F238E27FC236}">
+                <a16:creationId xmlns:a16="http://schemas.microsoft.com/office/drawing/2014/main" id="{61283FDC-1117-ABCE-2BFD-19912693CC33}"/>
+              </a:ext>
+            </a:extLst>
+          </p:cNvPr>
+          <p:cNvSpPr txBox="1"/>
+          <p:nvPr/>
+        </p:nvSpPr>
+        <p:spPr>
+          <a:xfrm>
+            <a:off x="9186530" y="297711"/>
+            <a:ext cx="2466754" cy="369332"/>
+          </a:xfrm>
+          <a:prstGeom prst="rect">
+            <a:avLst/>
+          </a:prstGeom>
+          <a:noFill/>
+        </p:spPr>
+        <p:txBody>
+          <a:bodyPr wrap="square" rtlCol="0">
+            <a:spAutoFit/>
+          </a:bodyPr>
+          <a:lstStyle/>
+          <a:p>
+            <a:r>
+              <a:rPr lang="en-US" dirty="0"/>
+              <a:t>Resolved(), SUCCESS</a:t>
+            </a:r>
+          </a:p>
+        </p:txBody>
+      </p:sp>
+      <p:sp>
+        <p:nvSpPr>
+          <p:cNvPr id="22" name="TextBox 21">
+            <a:extLst>
+              <a:ext uri="{FF2B5EF4-FFF2-40B4-BE49-F238E27FC236}">
+                <a16:creationId xmlns:a16="http://schemas.microsoft.com/office/drawing/2014/main" id="{231EFB9E-9A16-E272-A88C-7906337BAF5C}"/>
+              </a:ext>
+            </a:extLst>
+          </p:cNvPr>
+          <p:cNvSpPr txBox="1"/>
+          <p:nvPr/>
+        </p:nvSpPr>
+        <p:spPr>
+          <a:xfrm>
+            <a:off x="9229060" y="1180214"/>
+            <a:ext cx="2232838" cy="369332"/>
+          </a:xfrm>
+          <a:prstGeom prst="rect">
+            <a:avLst/>
+          </a:prstGeom>
+          <a:noFill/>
+        </p:spPr>
+        <p:txBody>
+          <a:bodyPr wrap="square" rtlCol="0">
+            <a:spAutoFit/>
+          </a:bodyPr>
+          <a:lstStyle/>
+          <a:p>
+            <a:r>
+              <a:rPr lang="en-US" dirty="0"/>
+              <a:t>Rejected(), FAILED</a:t>
+            </a:r>
+          </a:p>
+        </p:txBody>
+      </p:sp>
+      <p:cxnSp>
+        <p:nvCxnSpPr>
+          <p:cNvPr id="24" name="Curved Connector 23">
+            <a:extLst>
+              <a:ext uri="{FF2B5EF4-FFF2-40B4-BE49-F238E27FC236}">
+                <a16:creationId xmlns:a16="http://schemas.microsoft.com/office/drawing/2014/main" id="{C6340B27-69B7-E7F0-18A3-1EB4020149E7}"/>
+              </a:ext>
+            </a:extLst>
+          </p:cNvPr>
+          <p:cNvCxnSpPr>
+            <a:stCxn id="20" idx="1"/>
+            <a:endCxn id="2" idx="0"/>
+          </p:cNvCxnSpPr>
+          <p:nvPr/>
+        </p:nvCxnSpPr>
+        <p:spPr>
+          <a:xfrm rot="10800000">
+            <a:off x="5789427" y="297712"/>
+            <a:ext cx="3290778" cy="765545"/>
+          </a:xfrm>
+          <a:prstGeom prst="curvedConnector4">
+            <a:avLst>
+              <a:gd name="adj1" fmla="val 32795"/>
+              <a:gd name="adj2" fmla="val 129861"/>
+            </a:avLst>
+          </a:prstGeom>
+          <a:ln>
+            <a:tailEnd type="triangle"/>
+          </a:ln>
+        </p:spPr>
+        <p:style>
+          <a:lnRef idx="1">
+            <a:schemeClr val="accent1"/>
+          </a:lnRef>
+          <a:fillRef idx="0">
+            <a:schemeClr val="accent1"/>
+          </a:fillRef>
+          <a:effectRef idx="0">
+            <a:schemeClr val="accent1"/>
+          </a:effectRef>
+          <a:fontRef idx="minor">
+            <a:schemeClr val="tx1"/>
+          </a:fontRef>
+        </p:style>
+      </p:cxnSp>
+    </p:spTree>
+    <p:extLst>
+      <p:ext uri="{BB962C8B-B14F-4D97-AF65-F5344CB8AC3E}">
+        <p14:creationId xmlns:p14="http://schemas.microsoft.com/office/powerpoint/2010/main" val="428360355"/>
+      </p:ext>
+    </p:extLst>
+  </p:cSld>
+  <p:clrMapOvr>
+    <a:masterClrMapping/>
+  </p:clrMapOvr>
+</p:sld>
+</file>
+
 <file path=ppt/slides/slide2.xml><?xml version="1.0" encoding="utf-8"?>
 <p:sld xmlns:a="http://schemas.openxmlformats.org/drawingml/2006/main" xmlns:r="http://schemas.openxmlformats.org/officeDocument/2006/relationships" xmlns:p="http://schemas.openxmlformats.org/presentationml/2006/main">
   <p:cSld>
@@ -7690,6 +12600,669 @@
     <p:extLst>
       <p:ext uri="{BB962C8B-B14F-4D97-AF65-F5344CB8AC3E}">
         <p14:creationId xmlns:p14="http://schemas.microsoft.com/office/powerpoint/2010/main" val="3996915515"/>
+      </p:ext>
+    </p:extLst>
+  </p:cSld>
+  <p:clrMapOvr>
+    <a:masterClrMapping/>
+  </p:clrMapOvr>
+</p:sld>
+</file>
+
+<file path=ppt/slides/slide20.xml><?xml version="1.0" encoding="utf-8"?>
+<p:sld xmlns:a="http://schemas.openxmlformats.org/drawingml/2006/main" xmlns:r="http://schemas.openxmlformats.org/officeDocument/2006/relationships" xmlns:p="http://schemas.openxmlformats.org/presentationml/2006/main">
+  <p:cSld>
+    <p:spTree>
+      <p:nvGrpSpPr>
+        <p:cNvPr id="1" name=""/>
+        <p:cNvGrpSpPr/>
+        <p:nvPr/>
+      </p:nvGrpSpPr>
+      <p:grpSpPr>
+        <a:xfrm>
+          <a:off x="0" y="0"/>
+          <a:ext cx="0" cy="0"/>
+          <a:chOff x="0" y="0"/>
+          <a:chExt cx="0" cy="0"/>
+        </a:xfrm>
+      </p:grpSpPr>
+      <p:sp>
+        <p:nvSpPr>
+          <p:cNvPr id="2" name="Rectangle 1">
+            <a:extLst>
+              <a:ext uri="{FF2B5EF4-FFF2-40B4-BE49-F238E27FC236}">
+                <a16:creationId xmlns:a16="http://schemas.microsoft.com/office/drawing/2014/main" id="{61EFFF37-4242-D647-2AE1-3DF9F85EF2C9}"/>
+              </a:ext>
+            </a:extLst>
+          </p:cNvPr>
+          <p:cNvSpPr/>
+          <p:nvPr/>
+        </p:nvSpPr>
+        <p:spPr>
+          <a:xfrm>
+            <a:off x="265814" y="1286540"/>
+            <a:ext cx="11717079" cy="861237"/>
+          </a:xfrm>
+          <a:prstGeom prst="rect">
+            <a:avLst/>
+          </a:prstGeom>
+          <a:solidFill>
+            <a:schemeClr val="tx1">
+              <a:lumMod val="75000"/>
+              <a:lumOff val="25000"/>
+            </a:schemeClr>
+          </a:solidFill>
+        </p:spPr>
+        <p:style>
+          <a:lnRef idx="2">
+            <a:schemeClr val="accent1">
+              <a:shade val="15000"/>
+            </a:schemeClr>
+          </a:lnRef>
+          <a:fillRef idx="1">
+            <a:schemeClr val="accent1"/>
+          </a:fillRef>
+          <a:effectRef idx="0">
+            <a:schemeClr val="accent1"/>
+          </a:effectRef>
+          <a:fontRef idx="minor">
+            <a:schemeClr val="lt1"/>
+          </a:fontRef>
+        </p:style>
+        <p:txBody>
+          <a:bodyPr rtlCol="0" anchor="ctr"/>
+          <a:lstStyle/>
+          <a:p>
+            <a:pPr algn="ctr"/>
+            <a:endParaRPr lang="en-US"/>
+          </a:p>
+        </p:txBody>
+      </p:sp>
+      <p:sp>
+        <p:nvSpPr>
+          <p:cNvPr id="3" name="TextBox 2">
+            <a:extLst>
+              <a:ext uri="{FF2B5EF4-FFF2-40B4-BE49-F238E27FC236}">
+                <a16:creationId xmlns:a16="http://schemas.microsoft.com/office/drawing/2014/main" id="{11A2DDDB-7C74-7649-D5DC-2DD29A700D35}"/>
+              </a:ext>
+            </a:extLst>
+          </p:cNvPr>
+          <p:cNvSpPr txBox="1"/>
+          <p:nvPr/>
+        </p:nvSpPr>
+        <p:spPr>
+          <a:xfrm>
+            <a:off x="3094074" y="202019"/>
+            <a:ext cx="5316279" cy="646331"/>
+          </a:xfrm>
+          <a:prstGeom prst="rect">
+            <a:avLst/>
+          </a:prstGeom>
+          <a:noFill/>
+        </p:spPr>
+        <p:txBody>
+          <a:bodyPr wrap="square" rtlCol="0">
+            <a:spAutoFit/>
+          </a:bodyPr>
+          <a:lstStyle/>
+          <a:p>
+            <a:pPr algn="ctr"/>
+            <a:r>
+              <a:rPr lang="en-US" sz="3600" b="1" dirty="0"/>
+              <a:t>HTTP Request Message</a:t>
+            </a:r>
+          </a:p>
+        </p:txBody>
+      </p:sp>
+      <p:sp>
+        <p:nvSpPr>
+          <p:cNvPr id="4" name="Rectangle 3">
+            <a:extLst>
+              <a:ext uri="{FF2B5EF4-FFF2-40B4-BE49-F238E27FC236}">
+                <a16:creationId xmlns:a16="http://schemas.microsoft.com/office/drawing/2014/main" id="{52CB24D0-9704-E681-2408-BD4A79BC71F5}"/>
+              </a:ext>
+            </a:extLst>
+          </p:cNvPr>
+          <p:cNvSpPr/>
+          <p:nvPr/>
+        </p:nvSpPr>
+        <p:spPr>
+          <a:xfrm>
+            <a:off x="3710763" y="1286540"/>
+            <a:ext cx="467832" cy="861237"/>
+          </a:xfrm>
+          <a:prstGeom prst="rect">
+            <a:avLst/>
+          </a:prstGeom>
+        </p:spPr>
+        <p:style>
+          <a:lnRef idx="2">
+            <a:schemeClr val="accent1">
+              <a:shade val="15000"/>
+            </a:schemeClr>
+          </a:lnRef>
+          <a:fillRef idx="1">
+            <a:schemeClr val="accent1"/>
+          </a:fillRef>
+          <a:effectRef idx="0">
+            <a:schemeClr val="accent1"/>
+          </a:effectRef>
+          <a:fontRef idx="minor">
+            <a:schemeClr val="lt1"/>
+          </a:fontRef>
+        </p:style>
+        <p:txBody>
+          <a:bodyPr rtlCol="0" anchor="ctr"/>
+          <a:lstStyle/>
+          <a:p>
+            <a:pPr algn="ctr"/>
+            <a:endParaRPr lang="en-US"/>
+          </a:p>
+        </p:txBody>
+      </p:sp>
+      <p:sp>
+        <p:nvSpPr>
+          <p:cNvPr id="5" name="Rectangle 4">
+            <a:extLst>
+              <a:ext uri="{FF2B5EF4-FFF2-40B4-BE49-F238E27FC236}">
+                <a16:creationId xmlns:a16="http://schemas.microsoft.com/office/drawing/2014/main" id="{784B29CB-63C0-D1DF-52EC-C316A503F969}"/>
+              </a:ext>
+            </a:extLst>
+          </p:cNvPr>
+          <p:cNvSpPr/>
+          <p:nvPr/>
+        </p:nvSpPr>
+        <p:spPr>
+          <a:xfrm>
+            <a:off x="7623544" y="1286540"/>
+            <a:ext cx="467832" cy="861237"/>
+          </a:xfrm>
+          <a:prstGeom prst="rect">
+            <a:avLst/>
+          </a:prstGeom>
+        </p:spPr>
+        <p:style>
+          <a:lnRef idx="2">
+            <a:schemeClr val="accent1">
+              <a:shade val="15000"/>
+            </a:schemeClr>
+          </a:lnRef>
+          <a:fillRef idx="1">
+            <a:schemeClr val="accent1"/>
+          </a:fillRef>
+          <a:effectRef idx="0">
+            <a:schemeClr val="accent1"/>
+          </a:effectRef>
+          <a:fontRef idx="minor">
+            <a:schemeClr val="lt1"/>
+          </a:fontRef>
+        </p:style>
+        <p:txBody>
+          <a:bodyPr rtlCol="0" anchor="ctr"/>
+          <a:lstStyle/>
+          <a:p>
+            <a:pPr algn="ctr"/>
+            <a:endParaRPr lang="en-US"/>
+          </a:p>
+        </p:txBody>
+      </p:sp>
+      <p:sp>
+        <p:nvSpPr>
+          <p:cNvPr id="6" name="TextBox 5">
+            <a:extLst>
+              <a:ext uri="{FF2B5EF4-FFF2-40B4-BE49-F238E27FC236}">
+                <a16:creationId xmlns:a16="http://schemas.microsoft.com/office/drawing/2014/main" id="{708E48D4-F5BA-57E4-81E1-88F7A4BBF69B}"/>
+              </a:ext>
+            </a:extLst>
+          </p:cNvPr>
+          <p:cNvSpPr txBox="1"/>
+          <p:nvPr/>
+        </p:nvSpPr>
+        <p:spPr>
+          <a:xfrm>
+            <a:off x="9034131" y="1662223"/>
+            <a:ext cx="2998381" cy="369332"/>
+          </a:xfrm>
+          <a:prstGeom prst="rect">
+            <a:avLst/>
+          </a:prstGeom>
+          <a:noFill/>
+        </p:spPr>
+        <p:txBody>
+          <a:bodyPr wrap="square" rtlCol="0">
+            <a:spAutoFit/>
+          </a:bodyPr>
+          <a:lstStyle/>
+          <a:p>
+            <a:r>
+              <a:rPr lang="en-US" dirty="0">
+                <a:highlight>
+                  <a:srgbClr val="FFFF00"/>
+                </a:highlight>
+              </a:rPr>
+              <a:t>Error</a:t>
+            </a:r>
+          </a:p>
+        </p:txBody>
+      </p:sp>
+      <p:sp>
+        <p:nvSpPr>
+          <p:cNvPr id="7" name="TextBox 6">
+            <a:extLst>
+              <a:ext uri="{FF2B5EF4-FFF2-40B4-BE49-F238E27FC236}">
+                <a16:creationId xmlns:a16="http://schemas.microsoft.com/office/drawing/2014/main" id="{2CC9326C-F093-306B-21DA-5733EA3DA93B}"/>
+              </a:ext>
+            </a:extLst>
+          </p:cNvPr>
+          <p:cNvSpPr txBox="1"/>
+          <p:nvPr/>
+        </p:nvSpPr>
+        <p:spPr>
+          <a:xfrm>
+            <a:off x="4724400" y="1509823"/>
+            <a:ext cx="2998381" cy="369332"/>
+          </a:xfrm>
+          <a:prstGeom prst="rect">
+            <a:avLst/>
+          </a:prstGeom>
+          <a:noFill/>
+        </p:spPr>
+        <p:txBody>
+          <a:bodyPr wrap="square" rtlCol="0">
+            <a:spAutoFit/>
+          </a:bodyPr>
+          <a:lstStyle/>
+          <a:p>
+            <a:r>
+              <a:rPr lang="en-US" dirty="0">
+                <a:highlight>
+                  <a:srgbClr val="FFFF00"/>
+                </a:highlight>
+              </a:rPr>
+              <a:t>Body</a:t>
+            </a:r>
+          </a:p>
+        </p:txBody>
+      </p:sp>
+      <p:sp>
+        <p:nvSpPr>
+          <p:cNvPr id="8" name="TextBox 7">
+            <a:extLst>
+              <a:ext uri="{FF2B5EF4-FFF2-40B4-BE49-F238E27FC236}">
+                <a16:creationId xmlns:a16="http://schemas.microsoft.com/office/drawing/2014/main" id="{33E5697F-0FB0-65B0-E8B3-79B05C967071}"/>
+              </a:ext>
+            </a:extLst>
+          </p:cNvPr>
+          <p:cNvSpPr txBox="1"/>
+          <p:nvPr/>
+        </p:nvSpPr>
+        <p:spPr>
+          <a:xfrm>
+            <a:off x="662763" y="1662223"/>
+            <a:ext cx="2998381" cy="369332"/>
+          </a:xfrm>
+          <a:prstGeom prst="rect">
+            <a:avLst/>
+          </a:prstGeom>
+          <a:noFill/>
+        </p:spPr>
+        <p:txBody>
+          <a:bodyPr wrap="square" rtlCol="0">
+            <a:spAutoFit/>
+          </a:bodyPr>
+          <a:lstStyle/>
+          <a:p>
+            <a:r>
+              <a:rPr lang="en-US" dirty="0">
+                <a:highlight>
+                  <a:srgbClr val="FFFF00"/>
+                </a:highlight>
+              </a:rPr>
+              <a:t>Header</a:t>
+            </a:r>
+          </a:p>
+        </p:txBody>
+      </p:sp>
+      <p:sp>
+        <p:nvSpPr>
+          <p:cNvPr id="9" name="Rectangle 8">
+            <a:extLst>
+              <a:ext uri="{FF2B5EF4-FFF2-40B4-BE49-F238E27FC236}">
+                <a16:creationId xmlns:a16="http://schemas.microsoft.com/office/drawing/2014/main" id="{892A9805-813A-5D28-DFD7-70A5CAB97560}"/>
+              </a:ext>
+            </a:extLst>
+          </p:cNvPr>
+          <p:cNvSpPr/>
+          <p:nvPr/>
+        </p:nvSpPr>
+        <p:spPr>
+          <a:xfrm>
+            <a:off x="191386" y="3429000"/>
+            <a:ext cx="11841126" cy="2142460"/>
+          </a:xfrm>
+          <a:prstGeom prst="rect">
+            <a:avLst/>
+          </a:prstGeom>
+        </p:spPr>
+        <p:style>
+          <a:lnRef idx="2">
+            <a:schemeClr val="accent6"/>
+          </a:lnRef>
+          <a:fillRef idx="1">
+            <a:schemeClr val="lt1"/>
+          </a:fillRef>
+          <a:effectRef idx="0">
+            <a:schemeClr val="accent6"/>
+          </a:effectRef>
+          <a:fontRef idx="minor">
+            <a:schemeClr val="dk1"/>
+          </a:fontRef>
+        </p:style>
+        <p:txBody>
+          <a:bodyPr rtlCol="0" anchor="ctr"/>
+          <a:lstStyle/>
+          <a:p>
+            <a:pPr algn="ctr"/>
+            <a:endParaRPr lang="en-US"/>
+          </a:p>
+        </p:txBody>
+      </p:sp>
+      <p:cxnSp>
+        <p:nvCxnSpPr>
+          <p:cNvPr id="11" name="Curved Connector 10">
+            <a:extLst>
+              <a:ext uri="{FF2B5EF4-FFF2-40B4-BE49-F238E27FC236}">
+                <a16:creationId xmlns:a16="http://schemas.microsoft.com/office/drawing/2014/main" id="{46C395E8-A82D-C2A4-1966-6B93E35F79B8}"/>
+              </a:ext>
+            </a:extLst>
+          </p:cNvPr>
+          <p:cNvCxnSpPr>
+            <a:endCxn id="9" idx="0"/>
+          </p:cNvCxnSpPr>
+          <p:nvPr/>
+        </p:nvCxnSpPr>
+        <p:spPr>
+          <a:xfrm>
+            <a:off x="1382233" y="2031555"/>
+            <a:ext cx="4729716" cy="1397445"/>
+          </a:xfrm>
+          <a:prstGeom prst="curvedConnector2">
+            <a:avLst/>
+          </a:prstGeom>
+          <a:ln w="76200">
+            <a:tailEnd type="triangle"/>
+          </a:ln>
+        </p:spPr>
+        <p:style>
+          <a:lnRef idx="1">
+            <a:schemeClr val="accent1"/>
+          </a:lnRef>
+          <a:fillRef idx="0">
+            <a:schemeClr val="accent1"/>
+          </a:fillRef>
+          <a:effectRef idx="0">
+            <a:schemeClr val="accent1"/>
+          </a:effectRef>
+          <a:fontRef idx="minor">
+            <a:schemeClr val="tx1"/>
+          </a:fontRef>
+        </p:style>
+      </p:cxnSp>
+      <p:sp>
+        <p:nvSpPr>
+          <p:cNvPr id="12" name="Rectangle 11">
+            <a:extLst>
+              <a:ext uri="{FF2B5EF4-FFF2-40B4-BE49-F238E27FC236}">
+                <a16:creationId xmlns:a16="http://schemas.microsoft.com/office/drawing/2014/main" id="{50F93D47-332C-7484-9D9B-FB9D51A25640}"/>
+              </a:ext>
+            </a:extLst>
+          </p:cNvPr>
+          <p:cNvSpPr/>
+          <p:nvPr/>
+        </p:nvSpPr>
+        <p:spPr>
+          <a:xfrm>
+            <a:off x="2062716" y="3429000"/>
+            <a:ext cx="106326" cy="2142460"/>
+          </a:xfrm>
+          <a:prstGeom prst="rect">
+            <a:avLst/>
+          </a:prstGeom>
+        </p:spPr>
+        <p:style>
+          <a:lnRef idx="2">
+            <a:schemeClr val="accent1">
+              <a:shade val="15000"/>
+            </a:schemeClr>
+          </a:lnRef>
+          <a:fillRef idx="1">
+            <a:schemeClr val="accent1"/>
+          </a:fillRef>
+          <a:effectRef idx="0">
+            <a:schemeClr val="accent1"/>
+          </a:effectRef>
+          <a:fontRef idx="minor">
+            <a:schemeClr val="lt1"/>
+          </a:fontRef>
+        </p:style>
+        <p:txBody>
+          <a:bodyPr rtlCol="0" anchor="ctr"/>
+          <a:lstStyle/>
+          <a:p>
+            <a:pPr algn="ctr"/>
+            <a:endParaRPr lang="en-US"/>
+          </a:p>
+        </p:txBody>
+      </p:sp>
+      <p:sp>
+        <p:nvSpPr>
+          <p:cNvPr id="13" name="TextBox 12">
+            <a:extLst>
+              <a:ext uri="{FF2B5EF4-FFF2-40B4-BE49-F238E27FC236}">
+                <a16:creationId xmlns:a16="http://schemas.microsoft.com/office/drawing/2014/main" id="{71A81311-2484-05FE-6E4E-81FA8C40F618}"/>
+              </a:ext>
+            </a:extLst>
+          </p:cNvPr>
+          <p:cNvSpPr txBox="1"/>
+          <p:nvPr/>
+        </p:nvSpPr>
+        <p:spPr>
+          <a:xfrm>
+            <a:off x="265814" y="3721395"/>
+            <a:ext cx="1531088" cy="1754326"/>
+          </a:xfrm>
+          <a:prstGeom prst="rect">
+            <a:avLst/>
+          </a:prstGeom>
+          <a:noFill/>
+        </p:spPr>
+        <p:txBody>
+          <a:bodyPr wrap="square" rtlCol="0">
+            <a:spAutoFit/>
+          </a:bodyPr>
+          <a:lstStyle/>
+          <a:p>
+            <a:r>
+              <a:rPr lang="en-US" dirty="0"/>
+              <a:t>URL of the Service</a:t>
+            </a:r>
+          </a:p>
+          <a:p>
+            <a:endParaRPr lang="en-US" dirty="0"/>
+          </a:p>
+          <a:p>
+            <a:r>
+              <a:rPr lang="en-US" dirty="0"/>
+              <a:t>URL Optionally has Parameters</a:t>
+            </a:r>
+          </a:p>
+        </p:txBody>
+      </p:sp>
+      <p:sp>
+        <p:nvSpPr>
+          <p:cNvPr id="14" name="Rectangle 13">
+            <a:extLst>
+              <a:ext uri="{FF2B5EF4-FFF2-40B4-BE49-F238E27FC236}">
+                <a16:creationId xmlns:a16="http://schemas.microsoft.com/office/drawing/2014/main" id="{DED5920F-2FB2-63BF-E0CC-94E1B3E35ADD}"/>
+              </a:ext>
+            </a:extLst>
+          </p:cNvPr>
+          <p:cNvSpPr/>
+          <p:nvPr/>
+        </p:nvSpPr>
+        <p:spPr>
+          <a:xfrm>
+            <a:off x="7517218" y="3429000"/>
+            <a:ext cx="106326" cy="2142460"/>
+          </a:xfrm>
+          <a:prstGeom prst="rect">
+            <a:avLst/>
+          </a:prstGeom>
+        </p:spPr>
+        <p:style>
+          <a:lnRef idx="2">
+            <a:schemeClr val="accent1">
+              <a:shade val="15000"/>
+            </a:schemeClr>
+          </a:lnRef>
+          <a:fillRef idx="1">
+            <a:schemeClr val="accent1"/>
+          </a:fillRef>
+          <a:effectRef idx="0">
+            <a:schemeClr val="accent1"/>
+          </a:effectRef>
+          <a:fontRef idx="minor">
+            <a:schemeClr val="lt1"/>
+          </a:fontRef>
+        </p:style>
+        <p:txBody>
+          <a:bodyPr rtlCol="0" anchor="ctr"/>
+          <a:lstStyle/>
+          <a:p>
+            <a:pPr algn="ctr"/>
+            <a:endParaRPr lang="en-US"/>
+          </a:p>
+        </p:txBody>
+      </p:sp>
+      <p:sp>
+        <p:nvSpPr>
+          <p:cNvPr id="15" name="TextBox 14">
+            <a:extLst>
+              <a:ext uri="{FF2B5EF4-FFF2-40B4-BE49-F238E27FC236}">
+                <a16:creationId xmlns:a16="http://schemas.microsoft.com/office/drawing/2014/main" id="{742F2B92-626B-DF29-0C79-B6C16DE30F54}"/>
+              </a:ext>
+            </a:extLst>
+          </p:cNvPr>
+          <p:cNvSpPr txBox="1"/>
+          <p:nvPr/>
+        </p:nvSpPr>
+        <p:spPr>
+          <a:xfrm>
+            <a:off x="2243470" y="3429000"/>
+            <a:ext cx="5188688" cy="1815882"/>
+          </a:xfrm>
+          <a:prstGeom prst="rect">
+            <a:avLst/>
+          </a:prstGeom>
+          <a:noFill/>
+        </p:spPr>
+        <p:txBody>
+          <a:bodyPr wrap="square" rtlCol="0">
+            <a:spAutoFit/>
+          </a:bodyPr>
+          <a:lstStyle/>
+          <a:p>
+            <a:r>
+              <a:rPr lang="en-US" sz="1600" dirty="0"/>
+              <a:t>Header Parameters</a:t>
+            </a:r>
+          </a:p>
+          <a:p>
+            <a:pPr marL="342900" indent="-342900">
+              <a:buAutoNum type="arabicPeriod"/>
+            </a:pPr>
+            <a:r>
+              <a:rPr lang="en-US" sz="1600" dirty="0"/>
+              <a:t>Media Formatter aka MIME Type, the type of data send to the service for HTTP POST and PUT Requests</a:t>
+            </a:r>
+          </a:p>
+          <a:p>
+            <a:pPr marL="342900" indent="-342900">
+              <a:buAutoNum type="arabicPeriod"/>
+            </a:pPr>
+            <a:r>
+              <a:rPr lang="en-US" sz="1600" dirty="0"/>
+              <a:t>AUTHROIZATION: Carry the Security /  Identity Information</a:t>
+            </a:r>
+          </a:p>
+          <a:p>
+            <a:pPr marL="342900" indent="-342900">
+              <a:buAutoNum type="arabicPeriod"/>
+            </a:pPr>
+            <a:r>
+              <a:rPr lang="en-US" sz="1600" dirty="0"/>
+              <a:t>Datatype: The data expected to be received from server </a:t>
+            </a:r>
+          </a:p>
+          <a:p>
+            <a:pPr marL="342900" indent="-342900">
+              <a:buAutoNum type="arabicPeriod"/>
+            </a:pPr>
+            <a:r>
+              <a:rPr lang="en-US" sz="1600" dirty="0"/>
+              <a:t>Method Type: GET (default), POST, PUT, and DELETE</a:t>
+            </a:r>
+          </a:p>
+        </p:txBody>
+      </p:sp>
+      <p:sp>
+        <p:nvSpPr>
+          <p:cNvPr id="16" name="TextBox 15">
+            <a:extLst>
+              <a:ext uri="{FF2B5EF4-FFF2-40B4-BE49-F238E27FC236}">
+                <a16:creationId xmlns:a16="http://schemas.microsoft.com/office/drawing/2014/main" id="{C83980CE-B070-6ACF-9252-D17A12678B04}"/>
+              </a:ext>
+            </a:extLst>
+          </p:cNvPr>
+          <p:cNvSpPr txBox="1"/>
+          <p:nvPr/>
+        </p:nvSpPr>
+        <p:spPr>
+          <a:xfrm>
+            <a:off x="7722781" y="3429000"/>
+            <a:ext cx="4203405" cy="1815882"/>
+          </a:xfrm>
+          <a:prstGeom prst="rect">
+            <a:avLst/>
+          </a:prstGeom>
+          <a:noFill/>
+        </p:spPr>
+        <p:txBody>
+          <a:bodyPr wrap="square" rtlCol="0">
+            <a:spAutoFit/>
+          </a:bodyPr>
+          <a:lstStyle/>
+          <a:p>
+            <a:r>
+              <a:rPr lang="en-US" sz="1600" dirty="0"/>
+              <a:t>Custom Headers: Based on the service e.g. Version No of the service that will be called</a:t>
+            </a:r>
+          </a:p>
+          <a:p>
+            <a:endParaRPr lang="en-US" sz="1600" dirty="0"/>
+          </a:p>
+          <a:p>
+            <a:r>
+              <a:rPr lang="en-US" sz="1600" dirty="0"/>
+              <a:t>Cross-Origin-Resource-Sharing Configuration (CORS). Mandatory in case of REST APIs. Generally, they are applied in configuration on server side</a:t>
+            </a:r>
+          </a:p>
+        </p:txBody>
+      </p:sp>
+    </p:spTree>
+    <p:extLst>
+      <p:ext uri="{BB962C8B-B14F-4D97-AF65-F5344CB8AC3E}">
+        <p14:creationId xmlns:p14="http://schemas.microsoft.com/office/powerpoint/2010/main" val="2190192284"/>
       </p:ext>
     </p:extLst>
   </p:cSld>

--- a/Training_Presentetions.pptx
+++ b/Training_Presentetions.pptx
@@ -7705,16 +7705,8 @@
               <a:t>http://</a:t>
             </a:r>
             <a:r>
-              <a:rPr lang="en-US" err="1"/>
-              <a:t>www</a:t>
-            </a:r>
-            <a:r>
-              <a:rPr lang="en-US"/>
-              <a:t>.pqr.</a:t>
-            </a:r>
-            <a:r>
               <a:rPr lang="en-US" dirty="0" err="1"/>
-              <a:t>com</a:t>
+              <a:t>www.pqr.com</a:t>
             </a:r>
             <a:endParaRPr lang="en-US" dirty="0"/>
           </a:p>

--- a/Training_Presentetions.pptx
+++ b/Training_Presentetions.pptx
@@ -23,8 +23,9 @@
     <p:sldId id="271" r:id="rId17"/>
     <p:sldId id="272" r:id="rId18"/>
     <p:sldId id="273" r:id="rId19"/>
-    <p:sldId id="274" r:id="rId20"/>
-    <p:sldId id="275" r:id="rId21"/>
+    <p:sldId id="276" r:id="rId20"/>
+    <p:sldId id="274" r:id="rId21"/>
+    <p:sldId id="275" r:id="rId22"/>
   </p:sldIdLst>
   <p:sldSz cx="12192000" cy="6858000"/>
   <p:notesSz cx="6858000" cy="9144000"/>
@@ -280,7 +281,7 @@
           <a:p>
             <a:fld id="{D9FCDB6C-7DD4-3A4F-BB06-0EDDD9178121}" type="datetimeFigureOut">
               <a:rPr lang="en-US" smtClean="0"/>
-              <a:t>7/11/23</a:t>
+              <a:t>7/12/23</a:t>
             </a:fld>
             <a:endParaRPr lang="en-US"/>
           </a:p>
@@ -480,7 +481,7 @@
           <a:p>
             <a:fld id="{D9FCDB6C-7DD4-3A4F-BB06-0EDDD9178121}" type="datetimeFigureOut">
               <a:rPr lang="en-US" smtClean="0"/>
-              <a:t>7/11/23</a:t>
+              <a:t>7/12/23</a:t>
             </a:fld>
             <a:endParaRPr lang="en-US"/>
           </a:p>
@@ -690,7 +691,7 @@
           <a:p>
             <a:fld id="{D9FCDB6C-7DD4-3A4F-BB06-0EDDD9178121}" type="datetimeFigureOut">
               <a:rPr lang="en-US" smtClean="0"/>
-              <a:t>7/11/23</a:t>
+              <a:t>7/12/23</a:t>
             </a:fld>
             <a:endParaRPr lang="en-US"/>
           </a:p>
@@ -890,7 +891,7 @@
           <a:p>
             <a:fld id="{D9FCDB6C-7DD4-3A4F-BB06-0EDDD9178121}" type="datetimeFigureOut">
               <a:rPr lang="en-US" smtClean="0"/>
-              <a:t>7/11/23</a:t>
+              <a:t>7/12/23</a:t>
             </a:fld>
             <a:endParaRPr lang="en-US"/>
           </a:p>
@@ -1166,7 +1167,7 @@
           <a:p>
             <a:fld id="{D9FCDB6C-7DD4-3A4F-BB06-0EDDD9178121}" type="datetimeFigureOut">
               <a:rPr lang="en-US" smtClean="0"/>
-              <a:t>7/11/23</a:t>
+              <a:t>7/12/23</a:t>
             </a:fld>
             <a:endParaRPr lang="en-US"/>
           </a:p>
@@ -1434,7 +1435,7 @@
           <a:p>
             <a:fld id="{D9FCDB6C-7DD4-3A4F-BB06-0EDDD9178121}" type="datetimeFigureOut">
               <a:rPr lang="en-US" smtClean="0"/>
-              <a:t>7/11/23</a:t>
+              <a:t>7/12/23</a:t>
             </a:fld>
             <a:endParaRPr lang="en-US"/>
           </a:p>
@@ -1849,7 +1850,7 @@
           <a:p>
             <a:fld id="{D9FCDB6C-7DD4-3A4F-BB06-0EDDD9178121}" type="datetimeFigureOut">
               <a:rPr lang="en-US" smtClean="0"/>
-              <a:t>7/11/23</a:t>
+              <a:t>7/12/23</a:t>
             </a:fld>
             <a:endParaRPr lang="en-US"/>
           </a:p>
@@ -1991,7 +1992,7 @@
           <a:p>
             <a:fld id="{D9FCDB6C-7DD4-3A4F-BB06-0EDDD9178121}" type="datetimeFigureOut">
               <a:rPr lang="en-US" smtClean="0"/>
-              <a:t>7/11/23</a:t>
+              <a:t>7/12/23</a:t>
             </a:fld>
             <a:endParaRPr lang="en-US"/>
           </a:p>
@@ -2104,7 +2105,7 @@
           <a:p>
             <a:fld id="{D9FCDB6C-7DD4-3A4F-BB06-0EDDD9178121}" type="datetimeFigureOut">
               <a:rPr lang="en-US" smtClean="0"/>
-              <a:t>7/11/23</a:t>
+              <a:t>7/12/23</a:t>
             </a:fld>
             <a:endParaRPr lang="en-US"/>
           </a:p>
@@ -2417,7 +2418,7 @@
           <a:p>
             <a:fld id="{D9FCDB6C-7DD4-3A4F-BB06-0EDDD9178121}" type="datetimeFigureOut">
               <a:rPr lang="en-US" smtClean="0"/>
-              <a:t>7/11/23</a:t>
+              <a:t>7/12/23</a:t>
             </a:fld>
             <a:endParaRPr lang="en-US"/>
           </a:p>
@@ -2706,7 +2707,7 @@
           <a:p>
             <a:fld id="{D9FCDB6C-7DD4-3A4F-BB06-0EDDD9178121}" type="datetimeFigureOut">
               <a:rPr lang="en-US" smtClean="0"/>
-              <a:t>7/11/23</a:t>
+              <a:t>7/12/23</a:t>
             </a:fld>
             <a:endParaRPr lang="en-US"/>
           </a:p>
@@ -2949,7 +2950,7 @@
           <a:p>
             <a:fld id="{D9FCDB6C-7DD4-3A4F-BB06-0EDDD9178121}" type="datetimeFigureOut">
               <a:rPr lang="en-US" smtClean="0"/>
-              <a:t>7/11/23</a:t>
+              <a:t>7/12/23</a:t>
             </a:fld>
             <a:endParaRPr lang="en-US"/>
           </a:p>
@@ -10624,7 +10625,7 @@
           <p:cNvPr id="2" name="Oval 1">
             <a:extLst>
               <a:ext uri="{FF2B5EF4-FFF2-40B4-BE49-F238E27FC236}">
-                <a16:creationId xmlns:a16="http://schemas.microsoft.com/office/drawing/2014/main" id="{AD9929B4-AD84-1C29-ADE3-27FFC4E1AD25}"/>
+                <a16:creationId xmlns:a16="http://schemas.microsoft.com/office/drawing/2014/main" id="{043F5A37-3CAB-A966-B22C-E91DED333DD5}"/>
               </a:ext>
             </a:extLst>
           </p:cNvPr>
@@ -10633,8 +10634,8 @@
         </p:nvSpPr>
         <p:spPr>
           <a:xfrm>
-            <a:off x="4657060" y="297711"/>
-            <a:ext cx="2264734" cy="1945758"/>
+            <a:off x="1297172" y="2402957"/>
+            <a:ext cx="1488558" cy="1244009"/>
           </a:xfrm>
           <a:prstGeom prst="ellipse">
             <a:avLst/>
@@ -10662,8 +10663,8 @@
           <a:p>
             <a:pPr algn="ctr"/>
             <a:r>
-              <a:rPr lang="en-US" b="1" dirty="0"/>
-              <a:t>Promise</a:t>
+              <a:rPr lang="en-US" dirty="0"/>
+              <a:t>Initiated</a:t>
             </a:r>
           </a:p>
         </p:txBody>
@@ -10673,7 +10674,7 @@
           <p:cNvPr id="3" name="Oval 2">
             <a:extLst>
               <a:ext uri="{FF2B5EF4-FFF2-40B4-BE49-F238E27FC236}">
-                <a16:creationId xmlns:a16="http://schemas.microsoft.com/office/drawing/2014/main" id="{CB715DE9-CA46-3E0F-4CE6-7BD05CD8CE03}"/>
+                <a16:creationId xmlns:a16="http://schemas.microsoft.com/office/drawing/2014/main" id="{441FEDD8-9A16-542F-CF77-99F774CEA589}"/>
               </a:ext>
             </a:extLst>
           </p:cNvPr>
@@ -10682,8 +10683,8 @@
         </p:nvSpPr>
         <p:spPr>
           <a:xfrm>
-            <a:off x="184297" y="2243469"/>
-            <a:ext cx="1825256" cy="1297173"/>
+            <a:off x="4043915" y="2317896"/>
+            <a:ext cx="1974111" cy="1244009"/>
           </a:xfrm>
           <a:prstGeom prst="ellipse">
             <a:avLst/>
@@ -10711,67 +10712,18 @@
           <a:p>
             <a:pPr algn="ctr"/>
             <a:r>
-              <a:rPr lang="en-US" b="1" dirty="0"/>
-              <a:t>fetch()</a:t>
-            </a:r>
-          </a:p>
-          <a:p>
-            <a:pPr algn="ctr"/>
-            <a:r>
-              <a:rPr lang="en-US" b="1" dirty="0"/>
-              <a:t>ES Object for HTTP Calls</a:t>
-            </a:r>
-          </a:p>
-        </p:txBody>
-      </p:sp>
-      <p:cxnSp>
-        <p:nvCxnSpPr>
-          <p:cNvPr id="5" name="Curved Connector 4">
-            <a:extLst>
-              <a:ext uri="{FF2B5EF4-FFF2-40B4-BE49-F238E27FC236}">
-                <a16:creationId xmlns:a16="http://schemas.microsoft.com/office/drawing/2014/main" id="{FBCE39E1-6129-E5D6-E5AF-4A80C1D315D9}"/>
-              </a:ext>
-            </a:extLst>
-          </p:cNvPr>
-          <p:cNvCxnSpPr>
-            <a:stCxn id="2" idx="2"/>
-            <a:endCxn id="3" idx="0"/>
-          </p:cNvCxnSpPr>
-          <p:nvPr/>
-        </p:nvCxnSpPr>
-        <p:spPr>
-          <a:xfrm rot="10800000" flipV="1">
-            <a:off x="1096926" y="1270589"/>
-            <a:ext cx="3560135" cy="972879"/>
-          </a:xfrm>
-          <a:prstGeom prst="curvedConnector2">
-            <a:avLst/>
-          </a:prstGeom>
-          <a:ln>
-            <a:tailEnd type="triangle"/>
-          </a:ln>
-        </p:spPr>
-        <p:style>
-          <a:lnRef idx="1">
-            <a:schemeClr val="accent1"/>
-          </a:lnRef>
-          <a:fillRef idx="0">
-            <a:schemeClr val="accent1"/>
-          </a:fillRef>
-          <a:effectRef idx="0">
-            <a:schemeClr val="accent1"/>
-          </a:effectRef>
-          <a:fontRef idx="minor">
-            <a:schemeClr val="tx1"/>
-          </a:fontRef>
-        </p:style>
-      </p:cxnSp>
-      <p:sp>
-        <p:nvSpPr>
-          <p:cNvPr id="6" name="Oval 5">
-            <a:extLst>
-              <a:ext uri="{FF2B5EF4-FFF2-40B4-BE49-F238E27FC236}">
-                <a16:creationId xmlns:a16="http://schemas.microsoft.com/office/drawing/2014/main" id="{04D4D26C-8994-34C4-0D76-0969026AC2CE}"/>
+              <a:rPr lang="en-US" dirty="0"/>
+              <a:t>Processed</a:t>
+            </a:r>
+          </a:p>
+        </p:txBody>
+      </p:sp>
+      <p:sp>
+        <p:nvSpPr>
+          <p:cNvPr id="4" name="Oval 3">
+            <a:extLst>
+              <a:ext uri="{FF2B5EF4-FFF2-40B4-BE49-F238E27FC236}">
+                <a16:creationId xmlns:a16="http://schemas.microsoft.com/office/drawing/2014/main" id="{59D58892-E74D-3455-6486-3F82C0F2F8A5}"/>
               </a:ext>
             </a:extLst>
           </p:cNvPr>
@@ -10780,8 +10732,8 @@
         </p:nvSpPr>
         <p:spPr>
           <a:xfrm>
-            <a:off x="804530" y="4290239"/>
-            <a:ext cx="1825256" cy="1297173"/>
+            <a:off x="7318741" y="770858"/>
+            <a:ext cx="1974111" cy="1244009"/>
           </a:xfrm>
           <a:prstGeom prst="ellipse">
             <a:avLst/>
@@ -10809,71 +10761,18 @@
           <a:p>
             <a:pPr algn="ctr"/>
             <a:r>
-              <a:rPr lang="en-US" b="1" dirty="0"/>
-              <a:t>$http()</a:t>
-            </a:r>
-          </a:p>
-          <a:p>
-            <a:pPr algn="ctr"/>
-            <a:r>
-              <a:rPr lang="en-US" b="1" dirty="0" err="1"/>
-              <a:t>Angular.js</a:t>
-            </a:r>
-            <a:r>
-              <a:rPr lang="en-US" b="1" dirty="0"/>
-              <a:t> Object for HTTP Calls</a:t>
-            </a:r>
-          </a:p>
-        </p:txBody>
-      </p:sp>
-      <p:cxnSp>
-        <p:nvCxnSpPr>
-          <p:cNvPr id="8" name="Curved Connector 7">
-            <a:extLst>
-              <a:ext uri="{FF2B5EF4-FFF2-40B4-BE49-F238E27FC236}">
-                <a16:creationId xmlns:a16="http://schemas.microsoft.com/office/drawing/2014/main" id="{0E330F30-5412-3C5B-4FBF-6B3D70565A71}"/>
-              </a:ext>
-            </a:extLst>
-          </p:cNvPr>
-          <p:cNvCxnSpPr>
-            <a:stCxn id="2" idx="3"/>
-            <a:endCxn id="6" idx="0"/>
-          </p:cNvCxnSpPr>
-          <p:nvPr/>
-        </p:nvCxnSpPr>
-        <p:spPr>
-          <a:xfrm rot="5400000">
-            <a:off x="2187081" y="1488597"/>
-            <a:ext cx="2331720" cy="3271565"/>
-          </a:xfrm>
-          <a:prstGeom prst="curvedConnector3">
-            <a:avLst/>
-          </a:prstGeom>
-          <a:ln>
-            <a:tailEnd type="triangle"/>
-          </a:ln>
-        </p:spPr>
-        <p:style>
-          <a:lnRef idx="1">
-            <a:schemeClr val="accent1"/>
-          </a:lnRef>
-          <a:fillRef idx="0">
-            <a:schemeClr val="accent1"/>
-          </a:fillRef>
-          <a:effectRef idx="0">
-            <a:schemeClr val="accent1"/>
-          </a:effectRef>
-          <a:fontRef idx="minor">
-            <a:schemeClr val="tx1"/>
-          </a:fontRef>
-        </p:style>
-      </p:cxnSp>
-      <p:sp>
-        <p:nvSpPr>
-          <p:cNvPr id="9" name="Oval 8">
-            <a:extLst>
-              <a:ext uri="{FF2B5EF4-FFF2-40B4-BE49-F238E27FC236}">
-                <a16:creationId xmlns:a16="http://schemas.microsoft.com/office/drawing/2014/main" id="{80E54861-E16A-1D11-E1FF-51F5708227AA}"/>
+              <a:rPr lang="en-US" dirty="0"/>
+              <a:t>Resolved</a:t>
+            </a:r>
+          </a:p>
+        </p:txBody>
+      </p:sp>
+      <p:sp>
+        <p:nvSpPr>
+          <p:cNvPr id="5" name="Oval 4">
+            <a:extLst>
+              <a:ext uri="{FF2B5EF4-FFF2-40B4-BE49-F238E27FC236}">
+                <a16:creationId xmlns:a16="http://schemas.microsoft.com/office/drawing/2014/main" id="{7DB2FC7D-4833-E984-B316-93D01C630E83}"/>
               </a:ext>
             </a:extLst>
           </p:cNvPr>
@@ -10882,8 +10781,8 @@
         </p:nvSpPr>
         <p:spPr>
           <a:xfrm>
-            <a:off x="3019646" y="5101858"/>
-            <a:ext cx="1825256" cy="1297173"/>
+            <a:off x="7318741" y="3836579"/>
+            <a:ext cx="1974111" cy="1244009"/>
           </a:xfrm>
           <a:prstGeom prst="ellipse">
             <a:avLst/>
@@ -10911,68 +10810,18 @@
           <a:p>
             <a:pPr algn="ctr"/>
             <a:r>
-              <a:rPr lang="en-US" b="1" dirty="0" err="1"/>
-              <a:t>Axios</a:t>
-            </a:r>
-            <a:endParaRPr lang="en-US" b="1" dirty="0"/>
-          </a:p>
-          <a:p>
-            <a:pPr algn="ctr"/>
-            <a:r>
-              <a:rPr lang="en-US" b="1" dirty="0"/>
-              <a:t>ES object by JS Community</a:t>
-            </a:r>
-          </a:p>
-        </p:txBody>
-      </p:sp>
-      <p:cxnSp>
-        <p:nvCxnSpPr>
-          <p:cNvPr id="11" name="Curved Connector 10">
-            <a:extLst>
-              <a:ext uri="{FF2B5EF4-FFF2-40B4-BE49-F238E27FC236}">
-                <a16:creationId xmlns:a16="http://schemas.microsoft.com/office/drawing/2014/main" id="{76F8856D-E3ED-6D00-AE8D-417D3ECF007D}"/>
-              </a:ext>
-            </a:extLst>
-          </p:cNvPr>
-          <p:cNvCxnSpPr>
-            <a:stCxn id="2" idx="4"/>
-            <a:endCxn id="9" idx="0"/>
-          </p:cNvCxnSpPr>
-          <p:nvPr/>
-        </p:nvCxnSpPr>
-        <p:spPr>
-          <a:xfrm rot="5400000">
-            <a:off x="3431657" y="2744087"/>
-            <a:ext cx="2858389" cy="1857153"/>
-          </a:xfrm>
-          <a:prstGeom prst="curvedConnector3">
-            <a:avLst/>
-          </a:prstGeom>
-          <a:ln>
-            <a:tailEnd type="triangle"/>
-          </a:ln>
-        </p:spPr>
-        <p:style>
-          <a:lnRef idx="1">
-            <a:schemeClr val="accent1"/>
-          </a:lnRef>
-          <a:fillRef idx="0">
-            <a:schemeClr val="accent1"/>
-          </a:fillRef>
-          <a:effectRef idx="0">
-            <a:schemeClr val="accent1"/>
-          </a:effectRef>
-          <a:fontRef idx="minor">
-            <a:schemeClr val="tx1"/>
-          </a:fontRef>
-        </p:style>
-      </p:cxnSp>
-      <p:sp>
-        <p:nvSpPr>
-          <p:cNvPr id="12" name="Oval 11">
-            <a:extLst>
-              <a:ext uri="{FF2B5EF4-FFF2-40B4-BE49-F238E27FC236}">
-                <a16:creationId xmlns:a16="http://schemas.microsoft.com/office/drawing/2014/main" id="{EA61C791-21C1-5891-420F-91A8F5E4FD02}"/>
+              <a:rPr lang="en-US" dirty="0"/>
+              <a:t>Rejected</a:t>
+            </a:r>
+          </a:p>
+        </p:txBody>
+      </p:sp>
+      <p:sp>
+        <p:nvSpPr>
+          <p:cNvPr id="6" name="Oval 5">
+            <a:extLst>
+              <a:ext uri="{FF2B5EF4-FFF2-40B4-BE49-F238E27FC236}">
+                <a16:creationId xmlns:a16="http://schemas.microsoft.com/office/drawing/2014/main" id="{F0A9D64C-4F9F-4488-602D-C5B08FB88F11}"/>
               </a:ext>
             </a:extLst>
           </p:cNvPr>
@@ -10981,8 +10830,8 @@
         </p:nvSpPr>
         <p:spPr>
           <a:xfrm>
-            <a:off x="6257260" y="5101857"/>
-            <a:ext cx="1825256" cy="1297173"/>
+            <a:off x="10022955" y="2317895"/>
+            <a:ext cx="1974111" cy="1244009"/>
           </a:xfrm>
           <a:prstGeom prst="ellipse">
             <a:avLst/>
@@ -11010,67 +10859,25 @@
           <a:p>
             <a:pPr algn="ctr"/>
             <a:r>
-              <a:rPr lang="en-US" b="1" dirty="0"/>
-              <a:t>$.ajax()</a:t>
-            </a:r>
-          </a:p>
-          <a:p>
-            <a:pPr algn="ctr"/>
-            <a:r>
-              <a:rPr lang="en-US" b="1" dirty="0"/>
-              <a:t>object by jQuery</a:t>
-            </a:r>
-          </a:p>
-        </p:txBody>
-      </p:sp>
-      <p:cxnSp>
-        <p:nvCxnSpPr>
-          <p:cNvPr id="14" name="Curved Connector 13">
-            <a:extLst>
-              <a:ext uri="{FF2B5EF4-FFF2-40B4-BE49-F238E27FC236}">
-                <a16:creationId xmlns:a16="http://schemas.microsoft.com/office/drawing/2014/main" id="{FEE37FF1-D020-FF46-CB61-2337BBAC99DD}"/>
-              </a:ext>
-            </a:extLst>
-          </p:cNvPr>
-          <p:cNvCxnSpPr>
-            <a:stCxn id="2" idx="5"/>
-            <a:endCxn id="12" idx="0"/>
-          </p:cNvCxnSpPr>
-          <p:nvPr/>
-        </p:nvCxnSpPr>
-        <p:spPr>
-          <a:xfrm rot="16200000" flipH="1">
-            <a:off x="5308340" y="3240309"/>
-            <a:ext cx="3143338" cy="579757"/>
-          </a:xfrm>
-          <a:prstGeom prst="curvedConnector3">
-            <a:avLst/>
-          </a:prstGeom>
-          <a:ln>
-            <a:tailEnd type="triangle"/>
-          </a:ln>
-        </p:spPr>
-        <p:style>
-          <a:lnRef idx="1">
-            <a:schemeClr val="accent1"/>
-          </a:lnRef>
-          <a:fillRef idx="0">
-            <a:schemeClr val="accent1"/>
-          </a:fillRef>
-          <a:effectRef idx="0">
-            <a:schemeClr val="accent1"/>
-          </a:effectRef>
-          <a:fontRef idx="minor">
-            <a:schemeClr val="tx1"/>
-          </a:fontRef>
-        </p:style>
-      </p:cxnSp>
-      <p:sp>
-        <p:nvSpPr>
-          <p:cNvPr id="16" name="Oval 15">
-            <a:extLst>
-              <a:ext uri="{FF2B5EF4-FFF2-40B4-BE49-F238E27FC236}">
-                <a16:creationId xmlns:a16="http://schemas.microsoft.com/office/drawing/2014/main" id="{4BF16818-14B4-F7E6-693C-B0692DC96B57}"/>
+              <a:rPr lang="en-US" dirty="0"/>
+              <a:t>Completed</a:t>
+            </a:r>
+          </a:p>
+          <a:p>
+            <a:pPr algn="ctr"/>
+            <a:r>
+              <a:rPr lang="en-US" dirty="0"/>
+              <a:t>Release the Async</a:t>
+            </a:r>
+          </a:p>
+        </p:txBody>
+      </p:sp>
+      <p:sp>
+        <p:nvSpPr>
+          <p:cNvPr id="7" name="Right Arrow 6">
+            <a:extLst>
+              <a:ext uri="{FF2B5EF4-FFF2-40B4-BE49-F238E27FC236}">
+                <a16:creationId xmlns:a16="http://schemas.microsoft.com/office/drawing/2014/main" id="{6BE77AA4-CF29-6297-A9EF-BC2B97D17927}"/>
               </a:ext>
             </a:extLst>
           </p:cNvPr>
@@ -11079,10 +10886,10 @@
         </p:nvSpPr>
         <p:spPr>
           <a:xfrm>
-            <a:off x="8883218" y="4290238"/>
-            <a:ext cx="1825256" cy="1297173"/>
-          </a:xfrm>
-          <a:prstGeom prst="ellipse">
+            <a:off x="170121" y="2838891"/>
+            <a:ext cx="1127051" cy="372140"/>
+          </a:xfrm>
+          <a:prstGeom prst="rightArrow">
             <a:avLst/>
           </a:prstGeom>
         </p:spPr>
@@ -11107,40 +10914,200 @@
           <a:lstStyle/>
           <a:p>
             <a:pPr algn="ctr"/>
-            <a:r>
-              <a:rPr lang="en-US" b="1" dirty="0" err="1"/>
-              <a:t>HttpCLient</a:t>
-            </a:r>
-            <a:endParaRPr lang="en-US" b="1" dirty="0"/>
-          </a:p>
-          <a:p>
-            <a:pPr algn="ctr"/>
-            <a:r>
-              <a:rPr lang="en-US" b="1" dirty="0"/>
-              <a:t>object by Angular</a:t>
-            </a:r>
-          </a:p>
-        </p:txBody>
-      </p:sp>
+            <a:endParaRPr lang="en-US"/>
+          </a:p>
+        </p:txBody>
+      </p:sp>
+      <p:cxnSp>
+        <p:nvCxnSpPr>
+          <p:cNvPr id="9" name="Curved Connector 8">
+            <a:extLst>
+              <a:ext uri="{FF2B5EF4-FFF2-40B4-BE49-F238E27FC236}">
+                <a16:creationId xmlns:a16="http://schemas.microsoft.com/office/drawing/2014/main" id="{0039574D-0B23-FD48-7BDA-AA3133BFF020}"/>
+              </a:ext>
+            </a:extLst>
+          </p:cNvPr>
+          <p:cNvCxnSpPr>
+            <a:cxnSpLocks/>
+            <a:stCxn id="2" idx="6"/>
+            <a:endCxn id="3" idx="2"/>
+          </p:cNvCxnSpPr>
+          <p:nvPr/>
+        </p:nvCxnSpPr>
+        <p:spPr>
+          <a:xfrm flipV="1">
+            <a:off x="2785730" y="2939901"/>
+            <a:ext cx="1258185" cy="85061"/>
+          </a:xfrm>
+          <a:prstGeom prst="curvedConnector3">
+            <a:avLst>
+              <a:gd name="adj1" fmla="val 50000"/>
+            </a:avLst>
+          </a:prstGeom>
+          <a:ln>
+            <a:tailEnd type="triangle"/>
+          </a:ln>
+        </p:spPr>
+        <p:style>
+          <a:lnRef idx="1">
+            <a:schemeClr val="accent1"/>
+          </a:lnRef>
+          <a:fillRef idx="0">
+            <a:schemeClr val="accent1"/>
+          </a:fillRef>
+          <a:effectRef idx="0">
+            <a:schemeClr val="accent1"/>
+          </a:effectRef>
+          <a:fontRef idx="minor">
+            <a:schemeClr val="tx1"/>
+          </a:fontRef>
+        </p:style>
+      </p:cxnSp>
+      <p:cxnSp>
+        <p:nvCxnSpPr>
+          <p:cNvPr id="12" name="Curved Connector 11">
+            <a:extLst>
+              <a:ext uri="{FF2B5EF4-FFF2-40B4-BE49-F238E27FC236}">
+                <a16:creationId xmlns:a16="http://schemas.microsoft.com/office/drawing/2014/main" id="{E53AC480-97BF-26AF-F541-8C7581CA88CF}"/>
+              </a:ext>
+            </a:extLst>
+          </p:cNvPr>
+          <p:cNvCxnSpPr>
+            <a:stCxn id="3" idx="0"/>
+            <a:endCxn id="4" idx="2"/>
+          </p:cNvCxnSpPr>
+          <p:nvPr/>
+        </p:nvCxnSpPr>
+        <p:spPr>
+          <a:xfrm rot="5400000" flipH="1" flipV="1">
+            <a:off x="5712340" y="711495"/>
+            <a:ext cx="925033" cy="2287770"/>
+          </a:xfrm>
+          <a:prstGeom prst="curvedConnector2">
+            <a:avLst/>
+          </a:prstGeom>
+          <a:ln>
+            <a:tailEnd type="triangle"/>
+          </a:ln>
+        </p:spPr>
+        <p:style>
+          <a:lnRef idx="1">
+            <a:schemeClr val="accent1"/>
+          </a:lnRef>
+          <a:fillRef idx="0">
+            <a:schemeClr val="accent1"/>
+          </a:fillRef>
+          <a:effectRef idx="0">
+            <a:schemeClr val="accent1"/>
+          </a:effectRef>
+          <a:fontRef idx="minor">
+            <a:schemeClr val="tx1"/>
+          </a:fontRef>
+        </p:style>
+      </p:cxnSp>
+      <p:cxnSp>
+        <p:nvCxnSpPr>
+          <p:cNvPr id="14" name="Curved Connector 13">
+            <a:extLst>
+              <a:ext uri="{FF2B5EF4-FFF2-40B4-BE49-F238E27FC236}">
+                <a16:creationId xmlns:a16="http://schemas.microsoft.com/office/drawing/2014/main" id="{2F724116-D30A-30D0-BC85-B5D8CA7C22C5}"/>
+              </a:ext>
+            </a:extLst>
+          </p:cNvPr>
+          <p:cNvCxnSpPr>
+            <a:stCxn id="3" idx="4"/>
+            <a:endCxn id="5" idx="2"/>
+          </p:cNvCxnSpPr>
+          <p:nvPr/>
+        </p:nvCxnSpPr>
+        <p:spPr>
+          <a:xfrm rot="16200000" flipH="1">
+            <a:off x="5726517" y="2866359"/>
+            <a:ext cx="896679" cy="2287770"/>
+          </a:xfrm>
+          <a:prstGeom prst="curvedConnector2">
+            <a:avLst/>
+          </a:prstGeom>
+          <a:ln>
+            <a:tailEnd type="triangle"/>
+          </a:ln>
+        </p:spPr>
+        <p:style>
+          <a:lnRef idx="1">
+            <a:schemeClr val="accent1"/>
+          </a:lnRef>
+          <a:fillRef idx="0">
+            <a:schemeClr val="accent1"/>
+          </a:fillRef>
+          <a:effectRef idx="0">
+            <a:schemeClr val="accent1"/>
+          </a:effectRef>
+          <a:fontRef idx="minor">
+            <a:schemeClr val="tx1"/>
+          </a:fontRef>
+        </p:style>
+      </p:cxnSp>
+      <p:cxnSp>
+        <p:nvCxnSpPr>
+          <p:cNvPr id="16" name="Curved Connector 15">
+            <a:extLst>
+              <a:ext uri="{FF2B5EF4-FFF2-40B4-BE49-F238E27FC236}">
+                <a16:creationId xmlns:a16="http://schemas.microsoft.com/office/drawing/2014/main" id="{2855045E-8B86-CEA2-A0DF-AB4CBAF512F9}"/>
+              </a:ext>
+            </a:extLst>
+          </p:cNvPr>
+          <p:cNvCxnSpPr>
+            <a:stCxn id="4" idx="6"/>
+            <a:endCxn id="6" idx="0"/>
+          </p:cNvCxnSpPr>
+          <p:nvPr/>
+        </p:nvCxnSpPr>
+        <p:spPr>
+          <a:xfrm>
+            <a:off x="9292852" y="1392863"/>
+            <a:ext cx="1717159" cy="925032"/>
+          </a:xfrm>
+          <a:prstGeom prst="curvedConnector2">
+            <a:avLst/>
+          </a:prstGeom>
+          <a:ln>
+            <a:tailEnd type="triangle"/>
+          </a:ln>
+        </p:spPr>
+        <p:style>
+          <a:lnRef idx="1">
+            <a:schemeClr val="accent1"/>
+          </a:lnRef>
+          <a:fillRef idx="0">
+            <a:schemeClr val="accent1"/>
+          </a:fillRef>
+          <a:effectRef idx="0">
+            <a:schemeClr val="accent1"/>
+          </a:effectRef>
+          <a:fontRef idx="minor">
+            <a:schemeClr val="tx1"/>
+          </a:fontRef>
+        </p:style>
+      </p:cxnSp>
       <p:cxnSp>
         <p:nvCxnSpPr>
           <p:cNvPr id="18" name="Curved Connector 17">
             <a:extLst>
               <a:ext uri="{FF2B5EF4-FFF2-40B4-BE49-F238E27FC236}">
-                <a16:creationId xmlns:a16="http://schemas.microsoft.com/office/drawing/2014/main" id="{F5579AB1-717D-C526-AA21-39BA74BF8A40}"/>
+                <a16:creationId xmlns:a16="http://schemas.microsoft.com/office/drawing/2014/main" id="{7FB449EA-E35D-D76E-D209-3B4C6676A9C6}"/>
               </a:ext>
             </a:extLst>
           </p:cNvPr>
           <p:cNvCxnSpPr>
-            <a:stCxn id="2" idx="6"/>
-            <a:endCxn id="16" idx="0"/>
+            <a:stCxn id="5" idx="6"/>
+            <a:endCxn id="6" idx="4"/>
           </p:cNvCxnSpPr>
           <p:nvPr/>
         </p:nvCxnSpPr>
         <p:spPr>
-          <a:xfrm>
-            <a:off x="6921794" y="1270590"/>
-            <a:ext cx="2874052" cy="3019648"/>
+          <a:xfrm flipV="1">
+            <a:off x="9292852" y="3561904"/>
+            <a:ext cx="1717159" cy="896680"/>
           </a:xfrm>
           <a:prstGeom prst="curvedConnector2">
             <a:avLst/>
@@ -11169,7 +11136,7 @@
           <p:cNvPr id="19" name="Rectangle 18">
             <a:extLst>
               <a:ext uri="{FF2B5EF4-FFF2-40B4-BE49-F238E27FC236}">
-                <a16:creationId xmlns:a16="http://schemas.microsoft.com/office/drawing/2014/main" id="{6D99773C-2100-7E5B-90FB-02AF2FD2D0A9}"/>
+                <a16:creationId xmlns:a16="http://schemas.microsoft.com/office/drawing/2014/main" id="{949ECE25-CF08-82A2-34A0-5F644E77A737}"/>
               </a:ext>
             </a:extLst>
           </p:cNvPr>
@@ -11178,52 +11145,8 @@
         </p:nvSpPr>
         <p:spPr>
           <a:xfrm>
-            <a:off x="9090837" y="170121"/>
-            <a:ext cx="2679405" cy="1743739"/>
-          </a:xfrm>
-          <a:prstGeom prst="rect">
-            <a:avLst/>
-          </a:prstGeom>
-        </p:spPr>
-        <p:style>
-          <a:lnRef idx="3">
-            <a:schemeClr val="lt1"/>
-          </a:lnRef>
-          <a:fillRef idx="1">
-            <a:schemeClr val="accent3"/>
-          </a:fillRef>
-          <a:effectRef idx="1">
-            <a:schemeClr val="accent3"/>
-          </a:effectRef>
-          <a:fontRef idx="minor">
-            <a:schemeClr val="lt1"/>
-          </a:fontRef>
-        </p:style>
-        <p:txBody>
-          <a:bodyPr rtlCol="0" anchor="ctr"/>
-          <a:lstStyle/>
-          <a:p>
-            <a:pPr algn="ctr"/>
-            <a:endParaRPr lang="en-US"/>
-          </a:p>
-        </p:txBody>
-      </p:sp>
-      <p:sp>
-        <p:nvSpPr>
-          <p:cNvPr id="20" name="Rectangle 19">
-            <a:extLst>
-              <a:ext uri="{FF2B5EF4-FFF2-40B4-BE49-F238E27FC236}">
-                <a16:creationId xmlns:a16="http://schemas.microsoft.com/office/drawing/2014/main" id="{3ABC4C17-F4B1-0F3E-173E-662F83E9D37A}"/>
-              </a:ext>
-            </a:extLst>
-          </p:cNvPr>
-          <p:cNvSpPr/>
-          <p:nvPr/>
-        </p:nvSpPr>
-        <p:spPr>
-          <a:xfrm>
-            <a:off x="9080205" y="1031358"/>
-            <a:ext cx="2648711" cy="63795"/>
+            <a:off x="3795823" y="4976037"/>
+            <a:ext cx="53163" cy="1073889"/>
           </a:xfrm>
           <a:prstGeom prst="rect">
             <a:avLst/>
@@ -11256,10 +11179,98 @@
       </p:sp>
       <p:sp>
         <p:nvSpPr>
-          <p:cNvPr id="21" name="TextBox 20">
-            <a:extLst>
-              <a:ext uri="{FF2B5EF4-FFF2-40B4-BE49-F238E27FC236}">
-                <a16:creationId xmlns:a16="http://schemas.microsoft.com/office/drawing/2014/main" id="{61283FDC-1117-ABCE-2BFD-19912693CC33}"/>
+          <p:cNvPr id="20" name="Rectangle 19">
+            <a:extLst>
+              <a:ext uri="{FF2B5EF4-FFF2-40B4-BE49-F238E27FC236}">
+                <a16:creationId xmlns:a16="http://schemas.microsoft.com/office/drawing/2014/main" id="{498793C6-7C94-A8C5-1487-7076DFDE3139}"/>
+              </a:ext>
+            </a:extLst>
+          </p:cNvPr>
+          <p:cNvSpPr/>
+          <p:nvPr/>
+        </p:nvSpPr>
+        <p:spPr>
+          <a:xfrm>
+            <a:off x="11943903" y="4976037"/>
+            <a:ext cx="53163" cy="1073889"/>
+          </a:xfrm>
+          <a:prstGeom prst="rect">
+            <a:avLst/>
+          </a:prstGeom>
+        </p:spPr>
+        <p:style>
+          <a:lnRef idx="2">
+            <a:schemeClr val="accent1">
+              <a:shade val="15000"/>
+            </a:schemeClr>
+          </a:lnRef>
+          <a:fillRef idx="1">
+            <a:schemeClr val="accent1"/>
+          </a:fillRef>
+          <a:effectRef idx="0">
+            <a:schemeClr val="accent1"/>
+          </a:effectRef>
+          <a:fontRef idx="minor">
+            <a:schemeClr val="lt1"/>
+          </a:fontRef>
+        </p:style>
+        <p:txBody>
+          <a:bodyPr rtlCol="0" anchor="ctr"/>
+          <a:lstStyle/>
+          <a:p>
+            <a:pPr algn="ctr"/>
+            <a:endParaRPr lang="en-US"/>
+          </a:p>
+        </p:txBody>
+      </p:sp>
+      <p:cxnSp>
+        <p:nvCxnSpPr>
+          <p:cNvPr id="22" name="Straight Connector 21">
+            <a:extLst>
+              <a:ext uri="{FF2B5EF4-FFF2-40B4-BE49-F238E27FC236}">
+                <a16:creationId xmlns:a16="http://schemas.microsoft.com/office/drawing/2014/main" id="{387459CD-97FD-4BA8-DFBE-347BEEE00537}"/>
+              </a:ext>
+            </a:extLst>
+          </p:cNvPr>
+          <p:cNvCxnSpPr>
+            <a:stCxn id="19" idx="3"/>
+            <a:endCxn id="20" idx="1"/>
+          </p:cNvCxnSpPr>
+          <p:nvPr/>
+        </p:nvCxnSpPr>
+        <p:spPr>
+          <a:xfrm>
+            <a:off x="3848986" y="5512982"/>
+            <a:ext cx="8094917" cy="0"/>
+          </a:xfrm>
+          <a:prstGeom prst="line">
+            <a:avLst/>
+          </a:prstGeom>
+          <a:ln w="76200">
+            <a:prstDash val="lgDashDot"/>
+          </a:ln>
+        </p:spPr>
+        <p:style>
+          <a:lnRef idx="1">
+            <a:schemeClr val="accent1"/>
+          </a:lnRef>
+          <a:fillRef idx="0">
+            <a:schemeClr val="accent1"/>
+          </a:fillRef>
+          <a:effectRef idx="0">
+            <a:schemeClr val="accent1"/>
+          </a:effectRef>
+          <a:fontRef idx="minor">
+            <a:schemeClr val="tx1"/>
+          </a:fontRef>
+        </p:style>
+      </p:cxnSp>
+      <p:sp>
+        <p:nvSpPr>
+          <p:cNvPr id="23" name="TextBox 22">
+            <a:extLst>
+              <a:ext uri="{FF2B5EF4-FFF2-40B4-BE49-F238E27FC236}">
+                <a16:creationId xmlns:a16="http://schemas.microsoft.com/office/drawing/2014/main" id="{D0F6AB02-D035-F4BE-C590-14E770E4837E}"/>
               </a:ext>
             </a:extLst>
           </p:cNvPr>
@@ -11268,8 +11279,8 @@
         </p:nvSpPr>
         <p:spPr>
           <a:xfrm>
-            <a:off x="9186530" y="297711"/>
-            <a:ext cx="2466754" cy="369332"/>
+            <a:off x="5326912" y="5837274"/>
+            <a:ext cx="5433237" cy="369332"/>
           </a:xfrm>
           <a:prstGeom prst="rect">
             <a:avLst/>
@@ -11282,97 +11293,18 @@
           </a:bodyPr>
           <a:lstStyle/>
           <a:p>
-            <a:r>
-              <a:rPr lang="en-US" dirty="0"/>
-              <a:t>Resolved(), SUCCESS</a:t>
-            </a:r>
-          </a:p>
-        </p:txBody>
-      </p:sp>
-      <p:sp>
-        <p:nvSpPr>
-          <p:cNvPr id="22" name="TextBox 21">
-            <a:extLst>
-              <a:ext uri="{FF2B5EF4-FFF2-40B4-BE49-F238E27FC236}">
-                <a16:creationId xmlns:a16="http://schemas.microsoft.com/office/drawing/2014/main" id="{231EFB9E-9A16-E272-A88C-7906337BAF5C}"/>
-              </a:ext>
-            </a:extLst>
-          </p:cNvPr>
-          <p:cNvSpPr txBox="1"/>
-          <p:nvPr/>
-        </p:nvSpPr>
-        <p:spPr>
-          <a:xfrm>
-            <a:off x="9229060" y="1180214"/>
-            <a:ext cx="2232838" cy="369332"/>
-          </a:xfrm>
-          <a:prstGeom prst="rect">
-            <a:avLst/>
-          </a:prstGeom>
-          <a:noFill/>
-        </p:spPr>
-        <p:txBody>
-          <a:bodyPr wrap="square" rtlCol="0">
-            <a:spAutoFit/>
-          </a:bodyPr>
-          <a:lstStyle/>
-          <a:p>
-            <a:r>
-              <a:rPr lang="en-US" dirty="0"/>
-              <a:t>Rejected(), FAILED</a:t>
-            </a:r>
-          </a:p>
-        </p:txBody>
-      </p:sp>
-      <p:cxnSp>
-        <p:nvCxnSpPr>
-          <p:cNvPr id="24" name="Curved Connector 23">
-            <a:extLst>
-              <a:ext uri="{FF2B5EF4-FFF2-40B4-BE49-F238E27FC236}">
-                <a16:creationId xmlns:a16="http://schemas.microsoft.com/office/drawing/2014/main" id="{C6340B27-69B7-E7F0-18A3-1EB4020149E7}"/>
-              </a:ext>
-            </a:extLst>
-          </p:cNvPr>
-          <p:cNvCxnSpPr>
-            <a:stCxn id="20" idx="1"/>
-            <a:endCxn id="2" idx="0"/>
-          </p:cNvCxnSpPr>
-          <p:nvPr/>
-        </p:nvCxnSpPr>
-        <p:spPr>
-          <a:xfrm rot="10800000">
-            <a:off x="5789427" y="297712"/>
-            <a:ext cx="3290778" cy="765545"/>
-          </a:xfrm>
-          <a:prstGeom prst="curvedConnector4">
-            <a:avLst>
-              <a:gd name="adj1" fmla="val 32795"/>
-              <a:gd name="adj2" fmla="val 129861"/>
-            </a:avLst>
-          </a:prstGeom>
-          <a:ln>
-            <a:tailEnd type="triangle"/>
-          </a:ln>
-        </p:spPr>
-        <p:style>
-          <a:lnRef idx="1">
-            <a:schemeClr val="accent1"/>
-          </a:lnRef>
-          <a:fillRef idx="0">
-            <a:schemeClr val="accent1"/>
-          </a:fillRef>
-          <a:effectRef idx="0">
-            <a:schemeClr val="accent1"/>
-          </a:effectRef>
-          <a:fontRef idx="minor">
-            <a:schemeClr val="tx1"/>
-          </a:fontRef>
-        </p:style>
-      </p:cxnSp>
+            <a:pPr algn="ctr"/>
+            <a:r>
+              <a:rPr lang="en-US" b="1" dirty="0"/>
+              <a:t>Asynchronous Execution</a:t>
+            </a:r>
+          </a:p>
+        </p:txBody>
+      </p:sp>
     </p:spTree>
     <p:extLst>
       <p:ext uri="{BB962C8B-B14F-4D97-AF65-F5344CB8AC3E}">
-        <p14:creationId xmlns:p14="http://schemas.microsoft.com/office/powerpoint/2010/main" val="428360355"/>
+        <p14:creationId xmlns:p14="http://schemas.microsoft.com/office/powerpoint/2010/main" val="2681479408"/>
       </p:ext>
     </p:extLst>
   </p:cSld>
@@ -12620,6 +12552,786 @@
       </p:grpSpPr>
       <p:sp>
         <p:nvSpPr>
+          <p:cNvPr id="2" name="Oval 1">
+            <a:extLst>
+              <a:ext uri="{FF2B5EF4-FFF2-40B4-BE49-F238E27FC236}">
+                <a16:creationId xmlns:a16="http://schemas.microsoft.com/office/drawing/2014/main" id="{AD9929B4-AD84-1C29-ADE3-27FFC4E1AD25}"/>
+              </a:ext>
+            </a:extLst>
+          </p:cNvPr>
+          <p:cNvSpPr/>
+          <p:nvPr/>
+        </p:nvSpPr>
+        <p:spPr>
+          <a:xfrm>
+            <a:off x="4657060" y="297711"/>
+            <a:ext cx="2264734" cy="1945758"/>
+          </a:xfrm>
+          <a:prstGeom prst="ellipse">
+            <a:avLst/>
+          </a:prstGeom>
+        </p:spPr>
+        <p:style>
+          <a:lnRef idx="2">
+            <a:schemeClr val="accent1">
+              <a:shade val="15000"/>
+            </a:schemeClr>
+          </a:lnRef>
+          <a:fillRef idx="1">
+            <a:schemeClr val="accent1"/>
+          </a:fillRef>
+          <a:effectRef idx="0">
+            <a:schemeClr val="accent1"/>
+          </a:effectRef>
+          <a:fontRef idx="minor">
+            <a:schemeClr val="lt1"/>
+          </a:fontRef>
+        </p:style>
+        <p:txBody>
+          <a:bodyPr rtlCol="0" anchor="ctr"/>
+          <a:lstStyle/>
+          <a:p>
+            <a:pPr algn="ctr"/>
+            <a:r>
+              <a:rPr lang="en-US" b="1" dirty="0"/>
+              <a:t>Promise</a:t>
+            </a:r>
+          </a:p>
+        </p:txBody>
+      </p:sp>
+      <p:sp>
+        <p:nvSpPr>
+          <p:cNvPr id="3" name="Oval 2">
+            <a:extLst>
+              <a:ext uri="{FF2B5EF4-FFF2-40B4-BE49-F238E27FC236}">
+                <a16:creationId xmlns:a16="http://schemas.microsoft.com/office/drawing/2014/main" id="{CB715DE9-CA46-3E0F-4CE6-7BD05CD8CE03}"/>
+              </a:ext>
+            </a:extLst>
+          </p:cNvPr>
+          <p:cNvSpPr/>
+          <p:nvPr/>
+        </p:nvSpPr>
+        <p:spPr>
+          <a:xfrm>
+            <a:off x="184297" y="2243469"/>
+            <a:ext cx="1825256" cy="1297173"/>
+          </a:xfrm>
+          <a:prstGeom prst="ellipse">
+            <a:avLst/>
+          </a:prstGeom>
+        </p:spPr>
+        <p:style>
+          <a:lnRef idx="2">
+            <a:schemeClr val="accent1">
+              <a:shade val="15000"/>
+            </a:schemeClr>
+          </a:lnRef>
+          <a:fillRef idx="1">
+            <a:schemeClr val="accent1"/>
+          </a:fillRef>
+          <a:effectRef idx="0">
+            <a:schemeClr val="accent1"/>
+          </a:effectRef>
+          <a:fontRef idx="minor">
+            <a:schemeClr val="lt1"/>
+          </a:fontRef>
+        </p:style>
+        <p:txBody>
+          <a:bodyPr rtlCol="0" anchor="ctr"/>
+          <a:lstStyle/>
+          <a:p>
+            <a:pPr algn="ctr"/>
+            <a:r>
+              <a:rPr lang="en-US" b="1" dirty="0"/>
+              <a:t>fetch()</a:t>
+            </a:r>
+          </a:p>
+          <a:p>
+            <a:pPr algn="ctr"/>
+            <a:r>
+              <a:rPr lang="en-US" b="1" dirty="0"/>
+              <a:t>ES Object for HTTP Calls</a:t>
+            </a:r>
+          </a:p>
+        </p:txBody>
+      </p:sp>
+      <p:cxnSp>
+        <p:nvCxnSpPr>
+          <p:cNvPr id="5" name="Curved Connector 4">
+            <a:extLst>
+              <a:ext uri="{FF2B5EF4-FFF2-40B4-BE49-F238E27FC236}">
+                <a16:creationId xmlns:a16="http://schemas.microsoft.com/office/drawing/2014/main" id="{FBCE39E1-6129-E5D6-E5AF-4A80C1D315D9}"/>
+              </a:ext>
+            </a:extLst>
+          </p:cNvPr>
+          <p:cNvCxnSpPr>
+            <a:stCxn id="2" idx="2"/>
+            <a:endCxn id="3" idx="0"/>
+          </p:cNvCxnSpPr>
+          <p:nvPr/>
+        </p:nvCxnSpPr>
+        <p:spPr>
+          <a:xfrm rot="10800000" flipV="1">
+            <a:off x="1096926" y="1270589"/>
+            <a:ext cx="3560135" cy="972879"/>
+          </a:xfrm>
+          <a:prstGeom prst="curvedConnector2">
+            <a:avLst/>
+          </a:prstGeom>
+          <a:ln>
+            <a:tailEnd type="triangle"/>
+          </a:ln>
+        </p:spPr>
+        <p:style>
+          <a:lnRef idx="1">
+            <a:schemeClr val="accent1"/>
+          </a:lnRef>
+          <a:fillRef idx="0">
+            <a:schemeClr val="accent1"/>
+          </a:fillRef>
+          <a:effectRef idx="0">
+            <a:schemeClr val="accent1"/>
+          </a:effectRef>
+          <a:fontRef idx="minor">
+            <a:schemeClr val="tx1"/>
+          </a:fontRef>
+        </p:style>
+      </p:cxnSp>
+      <p:sp>
+        <p:nvSpPr>
+          <p:cNvPr id="6" name="Oval 5">
+            <a:extLst>
+              <a:ext uri="{FF2B5EF4-FFF2-40B4-BE49-F238E27FC236}">
+                <a16:creationId xmlns:a16="http://schemas.microsoft.com/office/drawing/2014/main" id="{04D4D26C-8994-34C4-0D76-0969026AC2CE}"/>
+              </a:ext>
+            </a:extLst>
+          </p:cNvPr>
+          <p:cNvSpPr/>
+          <p:nvPr/>
+        </p:nvSpPr>
+        <p:spPr>
+          <a:xfrm>
+            <a:off x="804530" y="4290239"/>
+            <a:ext cx="1825256" cy="1297173"/>
+          </a:xfrm>
+          <a:prstGeom prst="ellipse">
+            <a:avLst/>
+          </a:prstGeom>
+        </p:spPr>
+        <p:style>
+          <a:lnRef idx="2">
+            <a:schemeClr val="accent1">
+              <a:shade val="15000"/>
+            </a:schemeClr>
+          </a:lnRef>
+          <a:fillRef idx="1">
+            <a:schemeClr val="accent1"/>
+          </a:fillRef>
+          <a:effectRef idx="0">
+            <a:schemeClr val="accent1"/>
+          </a:effectRef>
+          <a:fontRef idx="minor">
+            <a:schemeClr val="lt1"/>
+          </a:fontRef>
+        </p:style>
+        <p:txBody>
+          <a:bodyPr rtlCol="0" anchor="ctr"/>
+          <a:lstStyle/>
+          <a:p>
+            <a:pPr algn="ctr"/>
+            <a:r>
+              <a:rPr lang="en-US" b="1" dirty="0"/>
+              <a:t>$http()</a:t>
+            </a:r>
+          </a:p>
+          <a:p>
+            <a:pPr algn="ctr"/>
+            <a:r>
+              <a:rPr lang="en-US" b="1" dirty="0" err="1"/>
+              <a:t>Angular.js</a:t>
+            </a:r>
+            <a:r>
+              <a:rPr lang="en-US" b="1" dirty="0"/>
+              <a:t> Object for HTTP Calls</a:t>
+            </a:r>
+          </a:p>
+        </p:txBody>
+      </p:sp>
+      <p:cxnSp>
+        <p:nvCxnSpPr>
+          <p:cNvPr id="8" name="Curved Connector 7">
+            <a:extLst>
+              <a:ext uri="{FF2B5EF4-FFF2-40B4-BE49-F238E27FC236}">
+                <a16:creationId xmlns:a16="http://schemas.microsoft.com/office/drawing/2014/main" id="{0E330F30-5412-3C5B-4FBF-6B3D70565A71}"/>
+              </a:ext>
+            </a:extLst>
+          </p:cNvPr>
+          <p:cNvCxnSpPr>
+            <a:stCxn id="2" idx="3"/>
+            <a:endCxn id="6" idx="0"/>
+          </p:cNvCxnSpPr>
+          <p:nvPr/>
+        </p:nvCxnSpPr>
+        <p:spPr>
+          <a:xfrm rot="5400000">
+            <a:off x="2187081" y="1488597"/>
+            <a:ext cx="2331720" cy="3271565"/>
+          </a:xfrm>
+          <a:prstGeom prst="curvedConnector3">
+            <a:avLst/>
+          </a:prstGeom>
+          <a:ln>
+            <a:tailEnd type="triangle"/>
+          </a:ln>
+        </p:spPr>
+        <p:style>
+          <a:lnRef idx="1">
+            <a:schemeClr val="accent1"/>
+          </a:lnRef>
+          <a:fillRef idx="0">
+            <a:schemeClr val="accent1"/>
+          </a:fillRef>
+          <a:effectRef idx="0">
+            <a:schemeClr val="accent1"/>
+          </a:effectRef>
+          <a:fontRef idx="minor">
+            <a:schemeClr val="tx1"/>
+          </a:fontRef>
+        </p:style>
+      </p:cxnSp>
+      <p:sp>
+        <p:nvSpPr>
+          <p:cNvPr id="9" name="Oval 8">
+            <a:extLst>
+              <a:ext uri="{FF2B5EF4-FFF2-40B4-BE49-F238E27FC236}">
+                <a16:creationId xmlns:a16="http://schemas.microsoft.com/office/drawing/2014/main" id="{80E54861-E16A-1D11-E1FF-51F5708227AA}"/>
+              </a:ext>
+            </a:extLst>
+          </p:cNvPr>
+          <p:cNvSpPr/>
+          <p:nvPr/>
+        </p:nvSpPr>
+        <p:spPr>
+          <a:xfrm>
+            <a:off x="3019646" y="5101858"/>
+            <a:ext cx="1825256" cy="1297173"/>
+          </a:xfrm>
+          <a:prstGeom prst="ellipse">
+            <a:avLst/>
+          </a:prstGeom>
+        </p:spPr>
+        <p:style>
+          <a:lnRef idx="2">
+            <a:schemeClr val="accent1">
+              <a:shade val="15000"/>
+            </a:schemeClr>
+          </a:lnRef>
+          <a:fillRef idx="1">
+            <a:schemeClr val="accent1"/>
+          </a:fillRef>
+          <a:effectRef idx="0">
+            <a:schemeClr val="accent1"/>
+          </a:effectRef>
+          <a:fontRef idx="minor">
+            <a:schemeClr val="lt1"/>
+          </a:fontRef>
+        </p:style>
+        <p:txBody>
+          <a:bodyPr rtlCol="0" anchor="ctr"/>
+          <a:lstStyle/>
+          <a:p>
+            <a:pPr algn="ctr"/>
+            <a:r>
+              <a:rPr lang="en-US" b="1" dirty="0" err="1"/>
+              <a:t>Axios</a:t>
+            </a:r>
+            <a:endParaRPr lang="en-US" b="1" dirty="0"/>
+          </a:p>
+          <a:p>
+            <a:pPr algn="ctr"/>
+            <a:r>
+              <a:rPr lang="en-US" b="1" dirty="0"/>
+              <a:t>ES object by JS Community</a:t>
+            </a:r>
+          </a:p>
+        </p:txBody>
+      </p:sp>
+      <p:cxnSp>
+        <p:nvCxnSpPr>
+          <p:cNvPr id="11" name="Curved Connector 10">
+            <a:extLst>
+              <a:ext uri="{FF2B5EF4-FFF2-40B4-BE49-F238E27FC236}">
+                <a16:creationId xmlns:a16="http://schemas.microsoft.com/office/drawing/2014/main" id="{76F8856D-E3ED-6D00-AE8D-417D3ECF007D}"/>
+              </a:ext>
+            </a:extLst>
+          </p:cNvPr>
+          <p:cNvCxnSpPr>
+            <a:stCxn id="2" idx="4"/>
+            <a:endCxn id="9" idx="0"/>
+          </p:cNvCxnSpPr>
+          <p:nvPr/>
+        </p:nvCxnSpPr>
+        <p:spPr>
+          <a:xfrm rot="5400000">
+            <a:off x="3431657" y="2744087"/>
+            <a:ext cx="2858389" cy="1857153"/>
+          </a:xfrm>
+          <a:prstGeom prst="curvedConnector3">
+            <a:avLst/>
+          </a:prstGeom>
+          <a:ln>
+            <a:tailEnd type="triangle"/>
+          </a:ln>
+        </p:spPr>
+        <p:style>
+          <a:lnRef idx="1">
+            <a:schemeClr val="accent1"/>
+          </a:lnRef>
+          <a:fillRef idx="0">
+            <a:schemeClr val="accent1"/>
+          </a:fillRef>
+          <a:effectRef idx="0">
+            <a:schemeClr val="accent1"/>
+          </a:effectRef>
+          <a:fontRef idx="minor">
+            <a:schemeClr val="tx1"/>
+          </a:fontRef>
+        </p:style>
+      </p:cxnSp>
+      <p:sp>
+        <p:nvSpPr>
+          <p:cNvPr id="12" name="Oval 11">
+            <a:extLst>
+              <a:ext uri="{FF2B5EF4-FFF2-40B4-BE49-F238E27FC236}">
+                <a16:creationId xmlns:a16="http://schemas.microsoft.com/office/drawing/2014/main" id="{EA61C791-21C1-5891-420F-91A8F5E4FD02}"/>
+              </a:ext>
+            </a:extLst>
+          </p:cNvPr>
+          <p:cNvSpPr/>
+          <p:nvPr/>
+        </p:nvSpPr>
+        <p:spPr>
+          <a:xfrm>
+            <a:off x="6257260" y="5101857"/>
+            <a:ext cx="1825256" cy="1297173"/>
+          </a:xfrm>
+          <a:prstGeom prst="ellipse">
+            <a:avLst/>
+          </a:prstGeom>
+        </p:spPr>
+        <p:style>
+          <a:lnRef idx="2">
+            <a:schemeClr val="accent1">
+              <a:shade val="15000"/>
+            </a:schemeClr>
+          </a:lnRef>
+          <a:fillRef idx="1">
+            <a:schemeClr val="accent1"/>
+          </a:fillRef>
+          <a:effectRef idx="0">
+            <a:schemeClr val="accent1"/>
+          </a:effectRef>
+          <a:fontRef idx="minor">
+            <a:schemeClr val="lt1"/>
+          </a:fontRef>
+        </p:style>
+        <p:txBody>
+          <a:bodyPr rtlCol="0" anchor="ctr"/>
+          <a:lstStyle/>
+          <a:p>
+            <a:pPr algn="ctr"/>
+            <a:r>
+              <a:rPr lang="en-US" b="1" dirty="0"/>
+              <a:t>$.ajax()</a:t>
+            </a:r>
+          </a:p>
+          <a:p>
+            <a:pPr algn="ctr"/>
+            <a:r>
+              <a:rPr lang="en-US" b="1" dirty="0"/>
+              <a:t>object by jQuery</a:t>
+            </a:r>
+          </a:p>
+        </p:txBody>
+      </p:sp>
+      <p:cxnSp>
+        <p:nvCxnSpPr>
+          <p:cNvPr id="14" name="Curved Connector 13">
+            <a:extLst>
+              <a:ext uri="{FF2B5EF4-FFF2-40B4-BE49-F238E27FC236}">
+                <a16:creationId xmlns:a16="http://schemas.microsoft.com/office/drawing/2014/main" id="{FEE37FF1-D020-FF46-CB61-2337BBAC99DD}"/>
+              </a:ext>
+            </a:extLst>
+          </p:cNvPr>
+          <p:cNvCxnSpPr>
+            <a:stCxn id="2" idx="5"/>
+            <a:endCxn id="12" idx="0"/>
+          </p:cNvCxnSpPr>
+          <p:nvPr/>
+        </p:nvCxnSpPr>
+        <p:spPr>
+          <a:xfrm rot="16200000" flipH="1">
+            <a:off x="5308340" y="3240309"/>
+            <a:ext cx="3143338" cy="579757"/>
+          </a:xfrm>
+          <a:prstGeom prst="curvedConnector3">
+            <a:avLst/>
+          </a:prstGeom>
+          <a:ln>
+            <a:tailEnd type="triangle"/>
+          </a:ln>
+        </p:spPr>
+        <p:style>
+          <a:lnRef idx="1">
+            <a:schemeClr val="accent1"/>
+          </a:lnRef>
+          <a:fillRef idx="0">
+            <a:schemeClr val="accent1"/>
+          </a:fillRef>
+          <a:effectRef idx="0">
+            <a:schemeClr val="accent1"/>
+          </a:effectRef>
+          <a:fontRef idx="minor">
+            <a:schemeClr val="tx1"/>
+          </a:fontRef>
+        </p:style>
+      </p:cxnSp>
+      <p:sp>
+        <p:nvSpPr>
+          <p:cNvPr id="16" name="Oval 15">
+            <a:extLst>
+              <a:ext uri="{FF2B5EF4-FFF2-40B4-BE49-F238E27FC236}">
+                <a16:creationId xmlns:a16="http://schemas.microsoft.com/office/drawing/2014/main" id="{4BF16818-14B4-F7E6-693C-B0692DC96B57}"/>
+              </a:ext>
+            </a:extLst>
+          </p:cNvPr>
+          <p:cNvSpPr/>
+          <p:nvPr/>
+        </p:nvSpPr>
+        <p:spPr>
+          <a:xfrm>
+            <a:off x="8883218" y="4290238"/>
+            <a:ext cx="1825256" cy="1297173"/>
+          </a:xfrm>
+          <a:prstGeom prst="ellipse">
+            <a:avLst/>
+          </a:prstGeom>
+        </p:spPr>
+        <p:style>
+          <a:lnRef idx="2">
+            <a:schemeClr val="accent1">
+              <a:shade val="15000"/>
+            </a:schemeClr>
+          </a:lnRef>
+          <a:fillRef idx="1">
+            <a:schemeClr val="accent1"/>
+          </a:fillRef>
+          <a:effectRef idx="0">
+            <a:schemeClr val="accent1"/>
+          </a:effectRef>
+          <a:fontRef idx="minor">
+            <a:schemeClr val="lt1"/>
+          </a:fontRef>
+        </p:style>
+        <p:txBody>
+          <a:bodyPr rtlCol="0" anchor="ctr"/>
+          <a:lstStyle/>
+          <a:p>
+            <a:pPr algn="ctr"/>
+            <a:r>
+              <a:rPr lang="en-US" b="1" dirty="0" err="1"/>
+              <a:t>HttpCLient</a:t>
+            </a:r>
+            <a:endParaRPr lang="en-US" b="1" dirty="0"/>
+          </a:p>
+          <a:p>
+            <a:pPr algn="ctr"/>
+            <a:r>
+              <a:rPr lang="en-US" b="1" dirty="0"/>
+              <a:t>object by Angular</a:t>
+            </a:r>
+          </a:p>
+        </p:txBody>
+      </p:sp>
+      <p:cxnSp>
+        <p:nvCxnSpPr>
+          <p:cNvPr id="18" name="Curved Connector 17">
+            <a:extLst>
+              <a:ext uri="{FF2B5EF4-FFF2-40B4-BE49-F238E27FC236}">
+                <a16:creationId xmlns:a16="http://schemas.microsoft.com/office/drawing/2014/main" id="{F5579AB1-717D-C526-AA21-39BA74BF8A40}"/>
+              </a:ext>
+            </a:extLst>
+          </p:cNvPr>
+          <p:cNvCxnSpPr>
+            <a:stCxn id="2" idx="6"/>
+            <a:endCxn id="16" idx="0"/>
+          </p:cNvCxnSpPr>
+          <p:nvPr/>
+        </p:nvCxnSpPr>
+        <p:spPr>
+          <a:xfrm>
+            <a:off x="6921794" y="1270590"/>
+            <a:ext cx="2874052" cy="3019648"/>
+          </a:xfrm>
+          <a:prstGeom prst="curvedConnector2">
+            <a:avLst/>
+          </a:prstGeom>
+          <a:ln>
+            <a:tailEnd type="triangle"/>
+          </a:ln>
+        </p:spPr>
+        <p:style>
+          <a:lnRef idx="1">
+            <a:schemeClr val="accent1"/>
+          </a:lnRef>
+          <a:fillRef idx="0">
+            <a:schemeClr val="accent1"/>
+          </a:fillRef>
+          <a:effectRef idx="0">
+            <a:schemeClr val="accent1"/>
+          </a:effectRef>
+          <a:fontRef idx="minor">
+            <a:schemeClr val="tx1"/>
+          </a:fontRef>
+        </p:style>
+      </p:cxnSp>
+      <p:sp>
+        <p:nvSpPr>
+          <p:cNvPr id="19" name="Rectangle 18">
+            <a:extLst>
+              <a:ext uri="{FF2B5EF4-FFF2-40B4-BE49-F238E27FC236}">
+                <a16:creationId xmlns:a16="http://schemas.microsoft.com/office/drawing/2014/main" id="{6D99773C-2100-7E5B-90FB-02AF2FD2D0A9}"/>
+              </a:ext>
+            </a:extLst>
+          </p:cNvPr>
+          <p:cNvSpPr/>
+          <p:nvPr/>
+        </p:nvSpPr>
+        <p:spPr>
+          <a:xfrm>
+            <a:off x="9090837" y="170121"/>
+            <a:ext cx="2679405" cy="1743739"/>
+          </a:xfrm>
+          <a:prstGeom prst="rect">
+            <a:avLst/>
+          </a:prstGeom>
+        </p:spPr>
+        <p:style>
+          <a:lnRef idx="3">
+            <a:schemeClr val="lt1"/>
+          </a:lnRef>
+          <a:fillRef idx="1">
+            <a:schemeClr val="accent3"/>
+          </a:fillRef>
+          <a:effectRef idx="1">
+            <a:schemeClr val="accent3"/>
+          </a:effectRef>
+          <a:fontRef idx="minor">
+            <a:schemeClr val="lt1"/>
+          </a:fontRef>
+        </p:style>
+        <p:txBody>
+          <a:bodyPr rtlCol="0" anchor="ctr"/>
+          <a:lstStyle/>
+          <a:p>
+            <a:pPr algn="ctr"/>
+            <a:endParaRPr lang="en-US"/>
+          </a:p>
+        </p:txBody>
+      </p:sp>
+      <p:sp>
+        <p:nvSpPr>
+          <p:cNvPr id="20" name="Rectangle 19">
+            <a:extLst>
+              <a:ext uri="{FF2B5EF4-FFF2-40B4-BE49-F238E27FC236}">
+                <a16:creationId xmlns:a16="http://schemas.microsoft.com/office/drawing/2014/main" id="{3ABC4C17-F4B1-0F3E-173E-662F83E9D37A}"/>
+              </a:ext>
+            </a:extLst>
+          </p:cNvPr>
+          <p:cNvSpPr/>
+          <p:nvPr/>
+        </p:nvSpPr>
+        <p:spPr>
+          <a:xfrm>
+            <a:off x="9080205" y="1031358"/>
+            <a:ext cx="2648711" cy="63795"/>
+          </a:xfrm>
+          <a:prstGeom prst="rect">
+            <a:avLst/>
+          </a:prstGeom>
+        </p:spPr>
+        <p:style>
+          <a:lnRef idx="2">
+            <a:schemeClr val="accent1">
+              <a:shade val="15000"/>
+            </a:schemeClr>
+          </a:lnRef>
+          <a:fillRef idx="1">
+            <a:schemeClr val="accent1"/>
+          </a:fillRef>
+          <a:effectRef idx="0">
+            <a:schemeClr val="accent1"/>
+          </a:effectRef>
+          <a:fontRef idx="minor">
+            <a:schemeClr val="lt1"/>
+          </a:fontRef>
+        </p:style>
+        <p:txBody>
+          <a:bodyPr rtlCol="0" anchor="ctr"/>
+          <a:lstStyle/>
+          <a:p>
+            <a:pPr algn="ctr"/>
+            <a:endParaRPr lang="en-US"/>
+          </a:p>
+        </p:txBody>
+      </p:sp>
+      <p:sp>
+        <p:nvSpPr>
+          <p:cNvPr id="21" name="TextBox 20">
+            <a:extLst>
+              <a:ext uri="{FF2B5EF4-FFF2-40B4-BE49-F238E27FC236}">
+                <a16:creationId xmlns:a16="http://schemas.microsoft.com/office/drawing/2014/main" id="{61283FDC-1117-ABCE-2BFD-19912693CC33}"/>
+              </a:ext>
+            </a:extLst>
+          </p:cNvPr>
+          <p:cNvSpPr txBox="1"/>
+          <p:nvPr/>
+        </p:nvSpPr>
+        <p:spPr>
+          <a:xfrm>
+            <a:off x="9186530" y="297711"/>
+            <a:ext cx="2466754" cy="369332"/>
+          </a:xfrm>
+          <a:prstGeom prst="rect">
+            <a:avLst/>
+          </a:prstGeom>
+          <a:noFill/>
+        </p:spPr>
+        <p:txBody>
+          <a:bodyPr wrap="square" rtlCol="0">
+            <a:spAutoFit/>
+          </a:bodyPr>
+          <a:lstStyle/>
+          <a:p>
+            <a:r>
+              <a:rPr lang="en-US" dirty="0"/>
+              <a:t>Resolved(), SUCCESS</a:t>
+            </a:r>
+          </a:p>
+        </p:txBody>
+      </p:sp>
+      <p:sp>
+        <p:nvSpPr>
+          <p:cNvPr id="22" name="TextBox 21">
+            <a:extLst>
+              <a:ext uri="{FF2B5EF4-FFF2-40B4-BE49-F238E27FC236}">
+                <a16:creationId xmlns:a16="http://schemas.microsoft.com/office/drawing/2014/main" id="{231EFB9E-9A16-E272-A88C-7906337BAF5C}"/>
+              </a:ext>
+            </a:extLst>
+          </p:cNvPr>
+          <p:cNvSpPr txBox="1"/>
+          <p:nvPr/>
+        </p:nvSpPr>
+        <p:spPr>
+          <a:xfrm>
+            <a:off x="9229060" y="1180214"/>
+            <a:ext cx="2232838" cy="369332"/>
+          </a:xfrm>
+          <a:prstGeom prst="rect">
+            <a:avLst/>
+          </a:prstGeom>
+          <a:noFill/>
+        </p:spPr>
+        <p:txBody>
+          <a:bodyPr wrap="square" rtlCol="0">
+            <a:spAutoFit/>
+          </a:bodyPr>
+          <a:lstStyle/>
+          <a:p>
+            <a:r>
+              <a:rPr lang="en-US" dirty="0"/>
+              <a:t>Rejected(), FAILED</a:t>
+            </a:r>
+          </a:p>
+        </p:txBody>
+      </p:sp>
+      <p:cxnSp>
+        <p:nvCxnSpPr>
+          <p:cNvPr id="24" name="Curved Connector 23">
+            <a:extLst>
+              <a:ext uri="{FF2B5EF4-FFF2-40B4-BE49-F238E27FC236}">
+                <a16:creationId xmlns:a16="http://schemas.microsoft.com/office/drawing/2014/main" id="{C6340B27-69B7-E7F0-18A3-1EB4020149E7}"/>
+              </a:ext>
+            </a:extLst>
+          </p:cNvPr>
+          <p:cNvCxnSpPr>
+            <a:stCxn id="20" idx="1"/>
+            <a:endCxn id="2" idx="0"/>
+          </p:cNvCxnSpPr>
+          <p:nvPr/>
+        </p:nvCxnSpPr>
+        <p:spPr>
+          <a:xfrm rot="10800000">
+            <a:off x="5789427" y="297712"/>
+            <a:ext cx="3290778" cy="765545"/>
+          </a:xfrm>
+          <a:prstGeom prst="curvedConnector4">
+            <a:avLst>
+              <a:gd name="adj1" fmla="val 32795"/>
+              <a:gd name="adj2" fmla="val 129861"/>
+            </a:avLst>
+          </a:prstGeom>
+          <a:ln>
+            <a:tailEnd type="triangle"/>
+          </a:ln>
+        </p:spPr>
+        <p:style>
+          <a:lnRef idx="1">
+            <a:schemeClr val="accent1"/>
+          </a:lnRef>
+          <a:fillRef idx="0">
+            <a:schemeClr val="accent1"/>
+          </a:fillRef>
+          <a:effectRef idx="0">
+            <a:schemeClr val="accent1"/>
+          </a:effectRef>
+          <a:fontRef idx="minor">
+            <a:schemeClr val="tx1"/>
+          </a:fontRef>
+        </p:style>
+      </p:cxnSp>
+    </p:spTree>
+    <p:extLst>
+      <p:ext uri="{BB962C8B-B14F-4D97-AF65-F5344CB8AC3E}">
+        <p14:creationId xmlns:p14="http://schemas.microsoft.com/office/powerpoint/2010/main" val="428360355"/>
+      </p:ext>
+    </p:extLst>
+  </p:cSld>
+  <p:clrMapOvr>
+    <a:masterClrMapping/>
+  </p:clrMapOvr>
+</p:sld>
+</file>
+
+<file path=ppt/slides/slide21.xml><?xml version="1.0" encoding="utf-8"?>
+<p:sld xmlns:a="http://schemas.openxmlformats.org/drawingml/2006/main" xmlns:r="http://schemas.openxmlformats.org/officeDocument/2006/relationships" xmlns:p="http://schemas.openxmlformats.org/presentationml/2006/main">
+  <p:cSld>
+    <p:spTree>
+      <p:nvGrpSpPr>
+        <p:cNvPr id="1" name=""/>
+        <p:cNvGrpSpPr/>
+        <p:nvPr/>
+      </p:nvGrpSpPr>
+      <p:grpSpPr>
+        <a:xfrm>
+          <a:off x="0" y="0"/>
+          <a:ext cx="0" cy="0"/>
+          <a:chOff x="0" y="0"/>
+          <a:chExt cx="0" cy="0"/>
+        </a:xfrm>
+      </p:grpSpPr>
+      <p:sp>
+        <p:nvSpPr>
           <p:cNvPr id="2" name="Rectangle 1">
             <a:extLst>
               <a:ext uri="{FF2B5EF4-FFF2-40B4-BE49-F238E27FC236}">
@@ -12852,7 +13564,7 @@
         <p:spPr>
           <a:xfrm>
             <a:off x="4724400" y="1509823"/>
-            <a:ext cx="2998381" cy="369332"/>
+            <a:ext cx="2998381" cy="646331"/>
           </a:xfrm>
           <a:prstGeom prst="rect">
             <a:avLst/>
@@ -12871,7 +13583,7 @@
                   <a:srgbClr val="FFFF00"/>
                 </a:highlight>
               </a:rPr>
-              <a:t>Body</a:t>
+              <a:t>Body The data to be posted to server</a:t>
             </a:r>
           </a:p>
         </p:txBody>

--- a/Training_Presentetions.pptx
+++ b/Training_Presentetions.pptx
@@ -26,6 +26,8 @@
     <p:sldId id="276" r:id="rId20"/>
     <p:sldId id="274" r:id="rId21"/>
     <p:sldId id="275" r:id="rId22"/>
+    <p:sldId id="277" r:id="rId23"/>
+    <p:sldId id="278" r:id="rId24"/>
   </p:sldIdLst>
   <p:sldSz cx="12192000" cy="6858000"/>
   <p:notesSz cx="6858000" cy="9144000"/>
@@ -13976,6 +13978,1801 @@
 </p:sld>
 </file>
 
+<file path=ppt/slides/slide22.xml><?xml version="1.0" encoding="utf-8"?>
+<p:sld xmlns:a="http://schemas.openxmlformats.org/drawingml/2006/main" xmlns:r="http://schemas.openxmlformats.org/officeDocument/2006/relationships" xmlns:p="http://schemas.openxmlformats.org/presentationml/2006/main">
+  <p:cSld>
+    <p:spTree>
+      <p:nvGrpSpPr>
+        <p:cNvPr id="1" name=""/>
+        <p:cNvGrpSpPr/>
+        <p:nvPr/>
+      </p:nvGrpSpPr>
+      <p:grpSpPr>
+        <a:xfrm>
+          <a:off x="0" y="0"/>
+          <a:ext cx="0" cy="0"/>
+          <a:chOff x="0" y="0"/>
+          <a:chExt cx="0" cy="0"/>
+        </a:xfrm>
+      </p:grpSpPr>
+      <p:sp>
+        <p:nvSpPr>
+          <p:cNvPr id="2" name="Rectangle 1">
+            <a:extLst>
+              <a:ext uri="{FF2B5EF4-FFF2-40B4-BE49-F238E27FC236}">
+                <a16:creationId xmlns:a16="http://schemas.microsoft.com/office/drawing/2014/main" id="{E4CF10AD-7636-DDFB-543C-ECD168572C8F}"/>
+              </a:ext>
+            </a:extLst>
+          </p:cNvPr>
+          <p:cNvSpPr/>
+          <p:nvPr/>
+        </p:nvSpPr>
+        <p:spPr>
+          <a:xfrm>
+            <a:off x="7288618" y="446567"/>
+            <a:ext cx="3987209" cy="5645889"/>
+          </a:xfrm>
+          <a:prstGeom prst="rect">
+            <a:avLst/>
+          </a:prstGeom>
+        </p:spPr>
+        <p:style>
+          <a:lnRef idx="2">
+            <a:schemeClr val="accent6"/>
+          </a:lnRef>
+          <a:fillRef idx="1">
+            <a:schemeClr val="lt1"/>
+          </a:fillRef>
+          <a:effectRef idx="0">
+            <a:schemeClr val="accent6"/>
+          </a:effectRef>
+          <a:fontRef idx="minor">
+            <a:schemeClr val="dk1"/>
+          </a:fontRef>
+        </p:style>
+        <p:txBody>
+          <a:bodyPr rtlCol="0" anchor="ctr"/>
+          <a:lstStyle/>
+          <a:p>
+            <a:pPr algn="ctr"/>
+            <a:endParaRPr lang="en-US"/>
+          </a:p>
+        </p:txBody>
+      </p:sp>
+      <p:sp>
+        <p:nvSpPr>
+          <p:cNvPr id="3" name="TextBox 2">
+            <a:extLst>
+              <a:ext uri="{FF2B5EF4-FFF2-40B4-BE49-F238E27FC236}">
+                <a16:creationId xmlns:a16="http://schemas.microsoft.com/office/drawing/2014/main" id="{99ABC35A-3FB3-200F-E175-202AD90C7622}"/>
+              </a:ext>
+            </a:extLst>
+          </p:cNvPr>
+          <p:cNvSpPr txBox="1"/>
+          <p:nvPr/>
+        </p:nvSpPr>
+        <p:spPr>
+          <a:xfrm>
+            <a:off x="7697971" y="446567"/>
+            <a:ext cx="3168502" cy="369332"/>
+          </a:xfrm>
+          <a:prstGeom prst="rect">
+            <a:avLst/>
+          </a:prstGeom>
+          <a:noFill/>
+        </p:spPr>
+        <p:txBody>
+          <a:bodyPr wrap="square" rtlCol="0">
+            <a:spAutoFit/>
+          </a:bodyPr>
+          <a:lstStyle/>
+          <a:p>
+            <a:pPr algn="ctr"/>
+            <a:r>
+              <a:rPr lang="en-US" b="1" dirty="0"/>
+              <a:t>Web Server</a:t>
+            </a:r>
+          </a:p>
+        </p:txBody>
+      </p:sp>
+      <p:sp>
+        <p:nvSpPr>
+          <p:cNvPr id="4" name="TextBox 3">
+            <a:extLst>
+              <a:ext uri="{FF2B5EF4-FFF2-40B4-BE49-F238E27FC236}">
+                <a16:creationId xmlns:a16="http://schemas.microsoft.com/office/drawing/2014/main" id="{96D12E50-DDC9-F302-9F19-C698730CEC4D}"/>
+              </a:ext>
+            </a:extLst>
+          </p:cNvPr>
+          <p:cNvSpPr txBox="1"/>
+          <p:nvPr/>
+        </p:nvSpPr>
+        <p:spPr>
+          <a:xfrm>
+            <a:off x="7155712" y="6230679"/>
+            <a:ext cx="4401879" cy="369332"/>
+          </a:xfrm>
+          <a:prstGeom prst="rect">
+            <a:avLst/>
+          </a:prstGeom>
+          <a:noFill/>
+        </p:spPr>
+        <p:txBody>
+          <a:bodyPr wrap="square" rtlCol="0">
+            <a:spAutoFit/>
+          </a:bodyPr>
+          <a:lstStyle/>
+          <a:p>
+            <a:pPr algn="ctr"/>
+            <a:r>
+              <a:rPr lang="en-US" b="1" dirty="0"/>
+              <a:t>https://</a:t>
+            </a:r>
+            <a:r>
+              <a:rPr lang="en-US" b="1" dirty="0" err="1"/>
+              <a:t>www.myapp.com</a:t>
+            </a:r>
+            <a:endParaRPr lang="en-US" b="1" dirty="0"/>
+          </a:p>
+        </p:txBody>
+      </p:sp>
+      <p:sp>
+        <p:nvSpPr>
+          <p:cNvPr id="5" name="Rectangle 4">
+            <a:extLst>
+              <a:ext uri="{FF2B5EF4-FFF2-40B4-BE49-F238E27FC236}">
+                <a16:creationId xmlns:a16="http://schemas.microsoft.com/office/drawing/2014/main" id="{7815B8E0-C8E8-0F66-F77F-198492CE26F5}"/>
+              </a:ext>
+            </a:extLst>
+          </p:cNvPr>
+          <p:cNvSpPr/>
+          <p:nvPr/>
+        </p:nvSpPr>
+        <p:spPr>
+          <a:xfrm>
+            <a:off x="7288617" y="1977655"/>
+            <a:ext cx="3987209" cy="2902689"/>
+          </a:xfrm>
+          <a:prstGeom prst="rect">
+            <a:avLst/>
+          </a:prstGeom>
+          <a:solidFill>
+            <a:schemeClr val="accent2">
+              <a:lumMod val="40000"/>
+              <a:lumOff val="60000"/>
+            </a:schemeClr>
+          </a:solidFill>
+        </p:spPr>
+        <p:style>
+          <a:lnRef idx="2">
+            <a:schemeClr val="accent1">
+              <a:shade val="15000"/>
+            </a:schemeClr>
+          </a:lnRef>
+          <a:fillRef idx="1">
+            <a:schemeClr val="accent1"/>
+          </a:fillRef>
+          <a:effectRef idx="0">
+            <a:schemeClr val="accent1"/>
+          </a:effectRef>
+          <a:fontRef idx="minor">
+            <a:schemeClr val="lt1"/>
+          </a:fontRef>
+        </p:style>
+        <p:txBody>
+          <a:bodyPr rtlCol="0" anchor="ctr"/>
+          <a:lstStyle/>
+          <a:p>
+            <a:pPr algn="ctr"/>
+            <a:endParaRPr lang="en-US"/>
+          </a:p>
+        </p:txBody>
+      </p:sp>
+      <p:sp>
+        <p:nvSpPr>
+          <p:cNvPr id="6" name="Rectangle 5">
+            <a:extLst>
+              <a:ext uri="{FF2B5EF4-FFF2-40B4-BE49-F238E27FC236}">
+                <a16:creationId xmlns:a16="http://schemas.microsoft.com/office/drawing/2014/main" id="{2B5AC559-8872-733F-3C0A-D38B6C326D8C}"/>
+              </a:ext>
+            </a:extLst>
+          </p:cNvPr>
+          <p:cNvSpPr/>
+          <p:nvPr/>
+        </p:nvSpPr>
+        <p:spPr>
+          <a:xfrm>
+            <a:off x="7410890" y="2424222"/>
+            <a:ext cx="3742661" cy="776177"/>
+          </a:xfrm>
+          <a:prstGeom prst="rect">
+            <a:avLst/>
+          </a:prstGeom>
+        </p:spPr>
+        <p:style>
+          <a:lnRef idx="2">
+            <a:schemeClr val="accent1">
+              <a:shade val="15000"/>
+            </a:schemeClr>
+          </a:lnRef>
+          <a:fillRef idx="1">
+            <a:schemeClr val="accent1"/>
+          </a:fillRef>
+          <a:effectRef idx="0">
+            <a:schemeClr val="accent1"/>
+          </a:effectRef>
+          <a:fontRef idx="minor">
+            <a:schemeClr val="lt1"/>
+          </a:fontRef>
+        </p:style>
+        <p:txBody>
+          <a:bodyPr rtlCol="0" anchor="ctr"/>
+          <a:lstStyle/>
+          <a:p>
+            <a:pPr algn="ctr"/>
+            <a:r>
+              <a:rPr lang="en-US" b="1" dirty="0"/>
+              <a:t>Static and Dynamic pages</a:t>
+            </a:r>
+          </a:p>
+          <a:p>
+            <a:pPr algn="ctr"/>
+            <a:r>
+              <a:rPr lang="en-US" b="1" dirty="0"/>
+              <a:t>Html, JS,CSS, Server-Side Pages</a:t>
+            </a:r>
+          </a:p>
+        </p:txBody>
+      </p:sp>
+      <p:sp>
+        <p:nvSpPr>
+          <p:cNvPr id="7" name="Rectangle 6">
+            <a:extLst>
+              <a:ext uri="{FF2B5EF4-FFF2-40B4-BE49-F238E27FC236}">
+                <a16:creationId xmlns:a16="http://schemas.microsoft.com/office/drawing/2014/main" id="{1DFA41A4-0539-C3B9-6253-1048CF6A4AB3}"/>
+              </a:ext>
+            </a:extLst>
+          </p:cNvPr>
+          <p:cNvSpPr/>
+          <p:nvPr/>
+        </p:nvSpPr>
+        <p:spPr>
+          <a:xfrm>
+            <a:off x="7389628" y="3269511"/>
+            <a:ext cx="3753293" cy="1472610"/>
+          </a:xfrm>
+          <a:prstGeom prst="rect">
+            <a:avLst/>
+          </a:prstGeom>
+        </p:spPr>
+        <p:style>
+          <a:lnRef idx="2">
+            <a:schemeClr val="accent1">
+              <a:shade val="15000"/>
+            </a:schemeClr>
+          </a:lnRef>
+          <a:fillRef idx="1">
+            <a:schemeClr val="accent1"/>
+          </a:fillRef>
+          <a:effectRef idx="0">
+            <a:schemeClr val="accent1"/>
+          </a:effectRef>
+          <a:fontRef idx="minor">
+            <a:schemeClr val="lt1"/>
+          </a:fontRef>
+        </p:style>
+        <p:txBody>
+          <a:bodyPr rtlCol="0" anchor="ctr"/>
+          <a:lstStyle/>
+          <a:p>
+            <a:pPr algn="ctr"/>
+            <a:r>
+              <a:rPr lang="en-US" b="1" dirty="0"/>
+              <a:t>Web Application</a:t>
+            </a:r>
+          </a:p>
+          <a:p>
+            <a:pPr algn="ctr"/>
+            <a:r>
+              <a:rPr lang="en-US" b="1" dirty="0"/>
+              <a:t>ASP.NET Core, MVC , JSP, </a:t>
+            </a:r>
+            <a:r>
+              <a:rPr lang="en-US" b="1" dirty="0" err="1"/>
+              <a:t>php</a:t>
+            </a:r>
+            <a:r>
+              <a:rPr lang="en-US" b="1" dirty="0"/>
+              <a:t>, </a:t>
+            </a:r>
+            <a:r>
+              <a:rPr lang="en-US" b="1" dirty="0" err="1"/>
+              <a:t>etc</a:t>
+            </a:r>
+            <a:endParaRPr lang="en-US" b="1" dirty="0"/>
+          </a:p>
+        </p:txBody>
+      </p:sp>
+      <p:sp>
+        <p:nvSpPr>
+          <p:cNvPr id="8" name="TextBox 7">
+            <a:extLst>
+              <a:ext uri="{FF2B5EF4-FFF2-40B4-BE49-F238E27FC236}">
+                <a16:creationId xmlns:a16="http://schemas.microsoft.com/office/drawing/2014/main" id="{AD8DA7E5-F9FD-0BAF-1730-2D211930EE11}"/>
+              </a:ext>
+            </a:extLst>
+          </p:cNvPr>
+          <p:cNvSpPr txBox="1"/>
+          <p:nvPr/>
+        </p:nvSpPr>
+        <p:spPr>
+          <a:xfrm>
+            <a:off x="7527851" y="2057399"/>
+            <a:ext cx="3508744" cy="369332"/>
+          </a:xfrm>
+          <a:prstGeom prst="rect">
+            <a:avLst/>
+          </a:prstGeom>
+          <a:noFill/>
+        </p:spPr>
+        <p:txBody>
+          <a:bodyPr wrap="square" rtlCol="0">
+            <a:spAutoFit/>
+          </a:bodyPr>
+          <a:lstStyle/>
+          <a:p>
+            <a:pPr algn="ctr"/>
+            <a:r>
+              <a:rPr lang="en-US" b="1" dirty="0"/>
+              <a:t>Application</a:t>
+            </a:r>
+          </a:p>
+        </p:txBody>
+      </p:sp>
+      <p:sp>
+        <p:nvSpPr>
+          <p:cNvPr id="9" name="Parallelogram 8">
+            <a:extLst>
+              <a:ext uri="{FF2B5EF4-FFF2-40B4-BE49-F238E27FC236}">
+                <a16:creationId xmlns:a16="http://schemas.microsoft.com/office/drawing/2014/main" id="{79D5EA70-61BC-BAAE-F720-AD3CD305C530}"/>
+              </a:ext>
+            </a:extLst>
+          </p:cNvPr>
+          <p:cNvSpPr/>
+          <p:nvPr/>
+        </p:nvSpPr>
+        <p:spPr>
+          <a:xfrm>
+            <a:off x="180753" y="1850065"/>
+            <a:ext cx="3572540" cy="3030279"/>
+          </a:xfrm>
+          <a:prstGeom prst="parallelogram">
+            <a:avLst>
+              <a:gd name="adj" fmla="val 15526"/>
+            </a:avLst>
+          </a:prstGeom>
+        </p:spPr>
+        <p:style>
+          <a:lnRef idx="2">
+            <a:schemeClr val="accent6"/>
+          </a:lnRef>
+          <a:fillRef idx="1">
+            <a:schemeClr val="lt1"/>
+          </a:fillRef>
+          <a:effectRef idx="0">
+            <a:schemeClr val="accent6"/>
+          </a:effectRef>
+          <a:fontRef idx="minor">
+            <a:schemeClr val="dk1"/>
+          </a:fontRef>
+        </p:style>
+        <p:txBody>
+          <a:bodyPr rtlCol="0" anchor="ctr"/>
+          <a:lstStyle/>
+          <a:p>
+            <a:pPr algn="ctr"/>
+            <a:r>
+              <a:rPr lang="en-US" dirty="0"/>
+              <a:t>App is loaded with UI + JS + CSS</a:t>
+            </a:r>
+          </a:p>
+        </p:txBody>
+      </p:sp>
+      <p:sp>
+        <p:nvSpPr>
+          <p:cNvPr id="10" name="TextBox 9">
+            <a:extLst>
+              <a:ext uri="{FF2B5EF4-FFF2-40B4-BE49-F238E27FC236}">
+                <a16:creationId xmlns:a16="http://schemas.microsoft.com/office/drawing/2014/main" id="{D111CC60-DF75-D705-A981-D244379447FE}"/>
+              </a:ext>
+            </a:extLst>
+          </p:cNvPr>
+          <p:cNvSpPr txBox="1"/>
+          <p:nvPr/>
+        </p:nvSpPr>
+        <p:spPr>
+          <a:xfrm>
+            <a:off x="637954" y="1527683"/>
+            <a:ext cx="2977116" cy="369332"/>
+          </a:xfrm>
+          <a:prstGeom prst="rect">
+            <a:avLst/>
+          </a:prstGeom>
+          <a:noFill/>
+        </p:spPr>
+        <p:txBody>
+          <a:bodyPr wrap="square" rtlCol="0">
+            <a:spAutoFit/>
+          </a:bodyPr>
+          <a:lstStyle/>
+          <a:p>
+            <a:pPr algn="ctr"/>
+            <a:r>
+              <a:rPr lang="en-US" b="1" dirty="0"/>
+              <a:t>Browser</a:t>
+            </a:r>
+          </a:p>
+        </p:txBody>
+      </p:sp>
+      <p:sp>
+        <p:nvSpPr>
+          <p:cNvPr id="11" name="Right Arrow 10">
+            <a:extLst>
+              <a:ext uri="{FF2B5EF4-FFF2-40B4-BE49-F238E27FC236}">
+                <a16:creationId xmlns:a16="http://schemas.microsoft.com/office/drawing/2014/main" id="{E535D34F-BE91-B511-79E0-05951C297E69}"/>
+              </a:ext>
+            </a:extLst>
+          </p:cNvPr>
+          <p:cNvSpPr/>
+          <p:nvPr/>
+        </p:nvSpPr>
+        <p:spPr>
+          <a:xfrm>
+            <a:off x="3753293" y="2057399"/>
+            <a:ext cx="3535324" cy="622006"/>
+          </a:xfrm>
+          <a:prstGeom prst="rightArrow">
+            <a:avLst/>
+          </a:prstGeom>
+        </p:spPr>
+        <p:style>
+          <a:lnRef idx="2">
+            <a:schemeClr val="accent1">
+              <a:shade val="15000"/>
+            </a:schemeClr>
+          </a:lnRef>
+          <a:fillRef idx="1">
+            <a:schemeClr val="accent1"/>
+          </a:fillRef>
+          <a:effectRef idx="0">
+            <a:schemeClr val="accent1"/>
+          </a:effectRef>
+          <a:fontRef idx="minor">
+            <a:schemeClr val="lt1"/>
+          </a:fontRef>
+        </p:style>
+        <p:txBody>
+          <a:bodyPr rtlCol="0" anchor="ctr"/>
+          <a:lstStyle/>
+          <a:p>
+            <a:pPr algn="ctr"/>
+            <a:r>
+              <a:rPr lang="en-US" dirty="0"/>
+              <a:t>http request to </a:t>
+            </a:r>
+            <a:r>
+              <a:rPr lang="en-US" dirty="0" err="1"/>
+              <a:t>myapp.com</a:t>
+            </a:r>
+            <a:endParaRPr lang="en-US" dirty="0"/>
+          </a:p>
+        </p:txBody>
+      </p:sp>
+      <p:sp>
+        <p:nvSpPr>
+          <p:cNvPr id="12" name="Left Arrow 11">
+            <a:extLst>
+              <a:ext uri="{FF2B5EF4-FFF2-40B4-BE49-F238E27FC236}">
+                <a16:creationId xmlns:a16="http://schemas.microsoft.com/office/drawing/2014/main" id="{3213C788-398D-9108-C2C3-E6E88194A6DA}"/>
+              </a:ext>
+            </a:extLst>
+          </p:cNvPr>
+          <p:cNvSpPr/>
+          <p:nvPr/>
+        </p:nvSpPr>
+        <p:spPr>
+          <a:xfrm>
+            <a:off x="3423684" y="3507848"/>
+            <a:ext cx="3864931" cy="968460"/>
+          </a:xfrm>
+          <a:prstGeom prst="leftArrow">
+            <a:avLst/>
+          </a:prstGeom>
+        </p:spPr>
+        <p:style>
+          <a:lnRef idx="2">
+            <a:schemeClr val="accent1">
+              <a:shade val="15000"/>
+            </a:schemeClr>
+          </a:lnRef>
+          <a:fillRef idx="1">
+            <a:schemeClr val="accent1"/>
+          </a:fillRef>
+          <a:effectRef idx="0">
+            <a:schemeClr val="accent1"/>
+          </a:effectRef>
+          <a:fontRef idx="minor">
+            <a:schemeClr val="lt1"/>
+          </a:fontRef>
+        </p:style>
+        <p:txBody>
+          <a:bodyPr rtlCol="0" anchor="ctr"/>
+          <a:lstStyle/>
+          <a:p>
+            <a:pPr algn="ctr"/>
+            <a:r>
+              <a:rPr lang="en-US" sz="1600" dirty="0"/>
+              <a:t>HTTP Response for UI </a:t>
+            </a:r>
+            <a:r>
+              <a:rPr lang="en-US" sz="1600" dirty="0" err="1"/>
+              <a:t>index.html</a:t>
+            </a:r>
+            <a:r>
+              <a:rPr lang="en-US" sz="1600" dirty="0"/>
+              <a:t> + JS + CSS</a:t>
+            </a:r>
+          </a:p>
+        </p:txBody>
+      </p:sp>
+      <p:sp>
+        <p:nvSpPr>
+          <p:cNvPr id="13" name="TextBox 12">
+            <a:extLst>
+              <a:ext uri="{FF2B5EF4-FFF2-40B4-BE49-F238E27FC236}">
+                <a16:creationId xmlns:a16="http://schemas.microsoft.com/office/drawing/2014/main" id="{77C5B95D-36D5-B706-2107-DC46B2FD94F3}"/>
+              </a:ext>
+            </a:extLst>
+          </p:cNvPr>
+          <p:cNvSpPr txBox="1"/>
+          <p:nvPr/>
+        </p:nvSpPr>
+        <p:spPr>
+          <a:xfrm>
+            <a:off x="382772" y="5273749"/>
+            <a:ext cx="5539563" cy="1477328"/>
+          </a:xfrm>
+          <a:prstGeom prst="rect">
+            <a:avLst/>
+          </a:prstGeom>
+          <a:noFill/>
+        </p:spPr>
+        <p:txBody>
+          <a:bodyPr wrap="square" rtlCol="0">
+            <a:spAutoFit/>
+          </a:bodyPr>
+          <a:lstStyle/>
+          <a:p>
+            <a:r>
+              <a:rPr lang="en-US" dirty="0"/>
+              <a:t>JavaScript is loaded in HTML Page from the App </a:t>
+            </a:r>
+            <a:r>
+              <a:rPr lang="en-US" dirty="0" err="1"/>
+              <a:t>myapp.com</a:t>
+            </a:r>
+            <a:r>
+              <a:rPr lang="en-US" dirty="0"/>
+              <a:t> and all </a:t>
+            </a:r>
+            <a:r>
+              <a:rPr lang="en-US" dirty="0" err="1"/>
+              <a:t>postbacks</a:t>
+            </a:r>
+            <a:r>
+              <a:rPr lang="en-US" dirty="0"/>
+              <a:t> using JavaScript are taking place to same </a:t>
+            </a:r>
+            <a:r>
+              <a:rPr lang="en-US" dirty="0" err="1"/>
+              <a:t>myapp.com</a:t>
+            </a:r>
+            <a:r>
+              <a:rPr lang="en-US" dirty="0"/>
+              <a:t> server for execution. So its all same origin and execution takes place on the same server</a:t>
+            </a:r>
+          </a:p>
+        </p:txBody>
+      </p:sp>
+      <p:sp>
+        <p:nvSpPr>
+          <p:cNvPr id="14" name="TextBox 13">
+            <a:extLst>
+              <a:ext uri="{FF2B5EF4-FFF2-40B4-BE49-F238E27FC236}">
+                <a16:creationId xmlns:a16="http://schemas.microsoft.com/office/drawing/2014/main" id="{051DC713-8AD5-15CD-67D9-2CB881609788}"/>
+              </a:ext>
+            </a:extLst>
+          </p:cNvPr>
+          <p:cNvSpPr txBox="1"/>
+          <p:nvPr/>
+        </p:nvSpPr>
+        <p:spPr>
+          <a:xfrm>
+            <a:off x="287079" y="233916"/>
+            <a:ext cx="4114800" cy="923330"/>
+          </a:xfrm>
+          <a:prstGeom prst="rect">
+            <a:avLst/>
+          </a:prstGeom>
+          <a:noFill/>
+        </p:spPr>
+        <p:txBody>
+          <a:bodyPr wrap="square" rtlCol="0">
+            <a:spAutoFit/>
+          </a:bodyPr>
+          <a:lstStyle/>
+          <a:p>
+            <a:pPr algn="ctr"/>
+            <a:r>
+              <a:rPr lang="en-US" b="1" dirty="0"/>
+              <a:t>A Single Server App Hosting with Front-End and Server-Side as a Single Application</a:t>
+            </a:r>
+          </a:p>
+        </p:txBody>
+      </p:sp>
+    </p:spTree>
+    <p:extLst>
+      <p:ext uri="{BB962C8B-B14F-4D97-AF65-F5344CB8AC3E}">
+        <p14:creationId xmlns:p14="http://schemas.microsoft.com/office/powerpoint/2010/main" val="3875689185"/>
+      </p:ext>
+    </p:extLst>
+  </p:cSld>
+  <p:clrMapOvr>
+    <a:masterClrMapping/>
+  </p:clrMapOvr>
+</p:sld>
+</file>
+
+<file path=ppt/slides/slide23.xml><?xml version="1.0" encoding="utf-8"?>
+<p:sld xmlns:a="http://schemas.openxmlformats.org/drawingml/2006/main" xmlns:r="http://schemas.openxmlformats.org/officeDocument/2006/relationships" xmlns:p="http://schemas.openxmlformats.org/presentationml/2006/main">
+  <p:cSld>
+    <p:spTree>
+      <p:nvGrpSpPr>
+        <p:cNvPr id="1" name=""/>
+        <p:cNvGrpSpPr/>
+        <p:nvPr/>
+      </p:nvGrpSpPr>
+      <p:grpSpPr>
+        <a:xfrm>
+          <a:off x="0" y="0"/>
+          <a:ext cx="0" cy="0"/>
+          <a:chOff x="0" y="0"/>
+          <a:chExt cx="0" cy="0"/>
+        </a:xfrm>
+      </p:grpSpPr>
+      <p:sp>
+        <p:nvSpPr>
+          <p:cNvPr id="2" name="TextBox 1">
+            <a:extLst>
+              <a:ext uri="{FF2B5EF4-FFF2-40B4-BE49-F238E27FC236}">
+                <a16:creationId xmlns:a16="http://schemas.microsoft.com/office/drawing/2014/main" id="{FEFD1152-C00B-033C-C379-C7D8B2207601}"/>
+              </a:ext>
+            </a:extLst>
+          </p:cNvPr>
+          <p:cNvSpPr txBox="1"/>
+          <p:nvPr/>
+        </p:nvSpPr>
+        <p:spPr>
+          <a:xfrm>
+            <a:off x="85060" y="0"/>
+            <a:ext cx="4688959" cy="369332"/>
+          </a:xfrm>
+          <a:prstGeom prst="rect">
+            <a:avLst/>
+          </a:prstGeom>
+          <a:noFill/>
+        </p:spPr>
+        <p:txBody>
+          <a:bodyPr wrap="square" rtlCol="0">
+            <a:spAutoFit/>
+          </a:bodyPr>
+          <a:lstStyle/>
+          <a:p>
+            <a:r>
+              <a:rPr lang="en-US" dirty="0"/>
+              <a:t>Separate Hosting for Server-Side and Front-End</a:t>
+            </a:r>
+          </a:p>
+        </p:txBody>
+      </p:sp>
+      <p:sp>
+        <p:nvSpPr>
+          <p:cNvPr id="3" name="Rectangle 2">
+            <a:extLst>
+              <a:ext uri="{FF2B5EF4-FFF2-40B4-BE49-F238E27FC236}">
+                <a16:creationId xmlns:a16="http://schemas.microsoft.com/office/drawing/2014/main" id="{7938EA4D-A52C-6B9B-7C13-668EB9B2FFED}"/>
+              </a:ext>
+            </a:extLst>
+          </p:cNvPr>
+          <p:cNvSpPr/>
+          <p:nvPr/>
+        </p:nvSpPr>
+        <p:spPr>
+          <a:xfrm>
+            <a:off x="7910623" y="606056"/>
+            <a:ext cx="3306726" cy="3785191"/>
+          </a:xfrm>
+          <a:prstGeom prst="rect">
+            <a:avLst/>
+          </a:prstGeom>
+        </p:spPr>
+        <p:style>
+          <a:lnRef idx="2">
+            <a:schemeClr val="accent6"/>
+          </a:lnRef>
+          <a:fillRef idx="1">
+            <a:schemeClr val="lt1"/>
+          </a:fillRef>
+          <a:effectRef idx="0">
+            <a:schemeClr val="accent6"/>
+          </a:effectRef>
+          <a:fontRef idx="minor">
+            <a:schemeClr val="dk1"/>
+          </a:fontRef>
+        </p:style>
+        <p:txBody>
+          <a:bodyPr rtlCol="0" anchor="ctr"/>
+          <a:lstStyle/>
+          <a:p>
+            <a:pPr algn="ctr"/>
+            <a:endParaRPr lang="en-US"/>
+          </a:p>
+        </p:txBody>
+      </p:sp>
+      <p:sp>
+        <p:nvSpPr>
+          <p:cNvPr id="4" name="TextBox 3">
+            <a:extLst>
+              <a:ext uri="{FF2B5EF4-FFF2-40B4-BE49-F238E27FC236}">
+                <a16:creationId xmlns:a16="http://schemas.microsoft.com/office/drawing/2014/main" id="{BCF7B71E-AB0F-DFE6-3107-5E263253E385}"/>
+              </a:ext>
+            </a:extLst>
+          </p:cNvPr>
+          <p:cNvSpPr txBox="1"/>
+          <p:nvPr/>
+        </p:nvSpPr>
+        <p:spPr>
+          <a:xfrm>
+            <a:off x="7995684" y="669851"/>
+            <a:ext cx="3168502" cy="369332"/>
+          </a:xfrm>
+          <a:prstGeom prst="rect">
+            <a:avLst/>
+          </a:prstGeom>
+          <a:noFill/>
+        </p:spPr>
+        <p:txBody>
+          <a:bodyPr wrap="square" rtlCol="0">
+            <a:spAutoFit/>
+          </a:bodyPr>
+          <a:lstStyle/>
+          <a:p>
+            <a:pPr algn="ctr"/>
+            <a:r>
+              <a:rPr lang="en-US" b="1" dirty="0"/>
+              <a:t>Web Server</a:t>
+            </a:r>
+          </a:p>
+        </p:txBody>
+      </p:sp>
+      <p:sp>
+        <p:nvSpPr>
+          <p:cNvPr id="5" name="Rectangle 4">
+            <a:extLst>
+              <a:ext uri="{FF2B5EF4-FFF2-40B4-BE49-F238E27FC236}">
+                <a16:creationId xmlns:a16="http://schemas.microsoft.com/office/drawing/2014/main" id="{514F7F94-EA57-F9C6-9F14-2F1DA49322B0}"/>
+              </a:ext>
+            </a:extLst>
+          </p:cNvPr>
+          <p:cNvSpPr/>
+          <p:nvPr/>
+        </p:nvSpPr>
+        <p:spPr>
+          <a:xfrm>
+            <a:off x="8091377" y="1190848"/>
+            <a:ext cx="2998381" cy="2838892"/>
+          </a:xfrm>
+          <a:prstGeom prst="rect">
+            <a:avLst/>
+          </a:prstGeom>
+        </p:spPr>
+        <p:style>
+          <a:lnRef idx="1">
+            <a:schemeClr val="accent5"/>
+          </a:lnRef>
+          <a:fillRef idx="2">
+            <a:schemeClr val="accent5"/>
+          </a:fillRef>
+          <a:effectRef idx="1">
+            <a:schemeClr val="accent5"/>
+          </a:effectRef>
+          <a:fontRef idx="minor">
+            <a:schemeClr val="dk1"/>
+          </a:fontRef>
+        </p:style>
+        <p:txBody>
+          <a:bodyPr rtlCol="0" anchor="ctr"/>
+          <a:lstStyle/>
+          <a:p>
+            <a:pPr algn="ctr"/>
+            <a:endParaRPr lang="en-US"/>
+          </a:p>
+        </p:txBody>
+      </p:sp>
+      <p:sp>
+        <p:nvSpPr>
+          <p:cNvPr id="6" name="TextBox 5">
+            <a:extLst>
+              <a:ext uri="{FF2B5EF4-FFF2-40B4-BE49-F238E27FC236}">
+                <a16:creationId xmlns:a16="http://schemas.microsoft.com/office/drawing/2014/main" id="{B915F664-2E99-85B7-60E0-7F7D73D9A50C}"/>
+              </a:ext>
+            </a:extLst>
+          </p:cNvPr>
+          <p:cNvSpPr txBox="1"/>
+          <p:nvPr/>
+        </p:nvSpPr>
+        <p:spPr>
+          <a:xfrm>
+            <a:off x="8197702" y="1265274"/>
+            <a:ext cx="2775098" cy="369332"/>
+          </a:xfrm>
+          <a:prstGeom prst="rect">
+            <a:avLst/>
+          </a:prstGeom>
+          <a:noFill/>
+        </p:spPr>
+        <p:txBody>
+          <a:bodyPr wrap="square" rtlCol="0">
+            <a:spAutoFit/>
+          </a:bodyPr>
+          <a:lstStyle/>
+          <a:p>
+            <a:pPr algn="ctr"/>
+            <a:r>
+              <a:rPr lang="en-US" b="1" dirty="0"/>
+              <a:t>Server-Side App</a:t>
+            </a:r>
+          </a:p>
+        </p:txBody>
+      </p:sp>
+      <p:sp>
+        <p:nvSpPr>
+          <p:cNvPr id="7" name="Rectangle 6">
+            <a:extLst>
+              <a:ext uri="{FF2B5EF4-FFF2-40B4-BE49-F238E27FC236}">
+                <a16:creationId xmlns:a16="http://schemas.microsoft.com/office/drawing/2014/main" id="{448F9324-D608-CF35-7E0C-DBF58BFCB812}"/>
+              </a:ext>
+            </a:extLst>
+          </p:cNvPr>
+          <p:cNvSpPr/>
+          <p:nvPr/>
+        </p:nvSpPr>
+        <p:spPr>
+          <a:xfrm>
+            <a:off x="8197702" y="1945758"/>
+            <a:ext cx="467833" cy="1483242"/>
+          </a:xfrm>
+          <a:prstGeom prst="rect">
+            <a:avLst/>
+          </a:prstGeom>
+        </p:spPr>
+        <p:style>
+          <a:lnRef idx="2">
+            <a:schemeClr val="accent1">
+              <a:shade val="15000"/>
+            </a:schemeClr>
+          </a:lnRef>
+          <a:fillRef idx="1">
+            <a:schemeClr val="accent1"/>
+          </a:fillRef>
+          <a:effectRef idx="0">
+            <a:schemeClr val="accent1"/>
+          </a:effectRef>
+          <a:fontRef idx="minor">
+            <a:schemeClr val="lt1"/>
+          </a:fontRef>
+        </p:style>
+        <p:txBody>
+          <a:bodyPr rtlCol="0" anchor="ctr"/>
+          <a:lstStyle/>
+          <a:p>
+            <a:pPr algn="ctr"/>
+            <a:r>
+              <a:rPr lang="en-US" dirty="0"/>
+              <a:t>R</a:t>
+            </a:r>
+          </a:p>
+          <a:p>
+            <a:pPr algn="ctr"/>
+            <a:r>
+              <a:rPr lang="en-US" dirty="0"/>
+              <a:t>E</a:t>
+            </a:r>
+          </a:p>
+          <a:p>
+            <a:pPr algn="ctr"/>
+            <a:r>
+              <a:rPr lang="en-US" dirty="0"/>
+              <a:t>S</a:t>
+            </a:r>
+          </a:p>
+          <a:p>
+            <a:pPr algn="ctr"/>
+            <a:r>
+              <a:rPr lang="en-US" dirty="0"/>
+              <a:t>T</a:t>
+            </a:r>
+          </a:p>
+        </p:txBody>
+      </p:sp>
+      <p:sp>
+        <p:nvSpPr>
+          <p:cNvPr id="8" name="Rectangle 7">
+            <a:extLst>
+              <a:ext uri="{FF2B5EF4-FFF2-40B4-BE49-F238E27FC236}">
+                <a16:creationId xmlns:a16="http://schemas.microsoft.com/office/drawing/2014/main" id="{3A3D41EA-5EBB-B0F0-8C18-46BE2048F6C4}"/>
+              </a:ext>
+            </a:extLst>
+          </p:cNvPr>
+          <p:cNvSpPr/>
+          <p:nvPr/>
+        </p:nvSpPr>
+        <p:spPr>
+          <a:xfrm>
+            <a:off x="8771860" y="2150435"/>
+            <a:ext cx="935665" cy="1073888"/>
+          </a:xfrm>
+          <a:prstGeom prst="rect">
+            <a:avLst/>
+          </a:prstGeom>
+        </p:spPr>
+        <p:style>
+          <a:lnRef idx="2">
+            <a:schemeClr val="accent1">
+              <a:shade val="15000"/>
+            </a:schemeClr>
+          </a:lnRef>
+          <a:fillRef idx="1">
+            <a:schemeClr val="accent1"/>
+          </a:fillRef>
+          <a:effectRef idx="0">
+            <a:schemeClr val="accent1"/>
+          </a:effectRef>
+          <a:fontRef idx="minor">
+            <a:schemeClr val="lt1"/>
+          </a:fontRef>
+        </p:style>
+        <p:txBody>
+          <a:bodyPr rtlCol="0" anchor="ctr"/>
+          <a:lstStyle/>
+          <a:p>
+            <a:pPr algn="ctr"/>
+            <a:r>
+              <a:rPr lang="en-US" dirty="0"/>
+              <a:t>BLL</a:t>
+            </a:r>
+          </a:p>
+        </p:txBody>
+      </p:sp>
+      <p:sp>
+        <p:nvSpPr>
+          <p:cNvPr id="9" name="Rectangle 8">
+            <a:extLst>
+              <a:ext uri="{FF2B5EF4-FFF2-40B4-BE49-F238E27FC236}">
+                <a16:creationId xmlns:a16="http://schemas.microsoft.com/office/drawing/2014/main" id="{CAAE35CC-74B3-E3DC-8D71-F4358DBB9B23}"/>
+              </a:ext>
+            </a:extLst>
+          </p:cNvPr>
+          <p:cNvSpPr/>
+          <p:nvPr/>
+        </p:nvSpPr>
+        <p:spPr>
+          <a:xfrm>
+            <a:off x="9930809" y="2150435"/>
+            <a:ext cx="935665" cy="1073888"/>
+          </a:xfrm>
+          <a:prstGeom prst="rect">
+            <a:avLst/>
+          </a:prstGeom>
+        </p:spPr>
+        <p:style>
+          <a:lnRef idx="2">
+            <a:schemeClr val="accent1">
+              <a:shade val="15000"/>
+            </a:schemeClr>
+          </a:lnRef>
+          <a:fillRef idx="1">
+            <a:schemeClr val="accent1"/>
+          </a:fillRef>
+          <a:effectRef idx="0">
+            <a:schemeClr val="accent1"/>
+          </a:effectRef>
+          <a:fontRef idx="minor">
+            <a:schemeClr val="lt1"/>
+          </a:fontRef>
+        </p:style>
+        <p:txBody>
+          <a:bodyPr rtlCol="0" anchor="ctr"/>
+          <a:lstStyle/>
+          <a:p>
+            <a:pPr algn="ctr"/>
+            <a:r>
+              <a:rPr lang="en-US" dirty="0"/>
+              <a:t>DAL</a:t>
+            </a:r>
+          </a:p>
+        </p:txBody>
+      </p:sp>
+      <p:sp>
+        <p:nvSpPr>
+          <p:cNvPr id="10" name="Can 9">
+            <a:extLst>
+              <a:ext uri="{FF2B5EF4-FFF2-40B4-BE49-F238E27FC236}">
+                <a16:creationId xmlns:a16="http://schemas.microsoft.com/office/drawing/2014/main" id="{AA18A196-60C0-E78C-31B3-C705CCB0FE6A}"/>
+              </a:ext>
+            </a:extLst>
+          </p:cNvPr>
+          <p:cNvSpPr/>
+          <p:nvPr/>
+        </p:nvSpPr>
+        <p:spPr>
+          <a:xfrm>
+            <a:off x="11334306" y="2219546"/>
+            <a:ext cx="730103" cy="935665"/>
+          </a:xfrm>
+          <a:prstGeom prst="can">
+            <a:avLst/>
+          </a:prstGeom>
+        </p:spPr>
+        <p:style>
+          <a:lnRef idx="2">
+            <a:schemeClr val="accent1">
+              <a:shade val="15000"/>
+            </a:schemeClr>
+          </a:lnRef>
+          <a:fillRef idx="1">
+            <a:schemeClr val="accent1"/>
+          </a:fillRef>
+          <a:effectRef idx="0">
+            <a:schemeClr val="accent1"/>
+          </a:effectRef>
+          <a:fontRef idx="minor">
+            <a:schemeClr val="lt1"/>
+          </a:fontRef>
+        </p:style>
+        <p:txBody>
+          <a:bodyPr rtlCol="0" anchor="ctr"/>
+          <a:lstStyle/>
+          <a:p>
+            <a:pPr algn="ctr"/>
+            <a:r>
+              <a:rPr lang="en-US" dirty="0"/>
+              <a:t>DB</a:t>
+            </a:r>
+          </a:p>
+        </p:txBody>
+      </p:sp>
+      <p:sp>
+        <p:nvSpPr>
+          <p:cNvPr id="11" name="Left-right Arrow 10">
+            <a:extLst>
+              <a:ext uri="{FF2B5EF4-FFF2-40B4-BE49-F238E27FC236}">
+                <a16:creationId xmlns:a16="http://schemas.microsoft.com/office/drawing/2014/main" id="{123F1AE5-533F-632A-6085-D968D3398E8E}"/>
+              </a:ext>
+            </a:extLst>
+          </p:cNvPr>
+          <p:cNvSpPr/>
+          <p:nvPr/>
+        </p:nvSpPr>
+        <p:spPr>
+          <a:xfrm>
+            <a:off x="11089758" y="2610294"/>
+            <a:ext cx="395176" cy="164804"/>
+          </a:xfrm>
+          <a:prstGeom prst="leftRightArrow">
+            <a:avLst/>
+          </a:prstGeom>
+        </p:spPr>
+        <p:style>
+          <a:lnRef idx="2">
+            <a:schemeClr val="accent1">
+              <a:shade val="15000"/>
+            </a:schemeClr>
+          </a:lnRef>
+          <a:fillRef idx="1">
+            <a:schemeClr val="accent1"/>
+          </a:fillRef>
+          <a:effectRef idx="0">
+            <a:schemeClr val="accent1"/>
+          </a:effectRef>
+          <a:fontRef idx="minor">
+            <a:schemeClr val="lt1"/>
+          </a:fontRef>
+        </p:style>
+        <p:txBody>
+          <a:bodyPr rtlCol="0" anchor="ctr"/>
+          <a:lstStyle/>
+          <a:p>
+            <a:pPr algn="ctr"/>
+            <a:endParaRPr lang="en-US"/>
+          </a:p>
+        </p:txBody>
+      </p:sp>
+      <p:sp>
+        <p:nvSpPr>
+          <p:cNvPr id="12" name="TextBox 11">
+            <a:extLst>
+              <a:ext uri="{FF2B5EF4-FFF2-40B4-BE49-F238E27FC236}">
+                <a16:creationId xmlns:a16="http://schemas.microsoft.com/office/drawing/2014/main" id="{553EA702-0F08-B0BE-3008-78FD07220BCD}"/>
+              </a:ext>
+            </a:extLst>
+          </p:cNvPr>
+          <p:cNvSpPr txBox="1"/>
+          <p:nvPr/>
+        </p:nvSpPr>
+        <p:spPr>
+          <a:xfrm>
+            <a:off x="7995684" y="4529470"/>
+            <a:ext cx="3168502" cy="372139"/>
+          </a:xfrm>
+          <a:prstGeom prst="rect">
+            <a:avLst/>
+          </a:prstGeom>
+          <a:noFill/>
+        </p:spPr>
+        <p:txBody>
+          <a:bodyPr wrap="square" rtlCol="0">
+            <a:spAutoFit/>
+          </a:bodyPr>
+          <a:lstStyle/>
+          <a:p>
+            <a:r>
+              <a:rPr lang="en-US" dirty="0"/>
+              <a:t>https://</a:t>
+            </a:r>
+            <a:r>
+              <a:rPr lang="en-US" dirty="0" err="1"/>
+              <a:t>www.myserverapp.com</a:t>
+            </a:r>
+            <a:endParaRPr lang="en-US" dirty="0"/>
+          </a:p>
+        </p:txBody>
+      </p:sp>
+      <p:sp>
+        <p:nvSpPr>
+          <p:cNvPr id="13" name="Rectangle 12">
+            <a:extLst>
+              <a:ext uri="{FF2B5EF4-FFF2-40B4-BE49-F238E27FC236}">
+                <a16:creationId xmlns:a16="http://schemas.microsoft.com/office/drawing/2014/main" id="{42A97C0C-AB14-559E-67B3-0FBFCD980079}"/>
+              </a:ext>
+            </a:extLst>
+          </p:cNvPr>
+          <p:cNvSpPr/>
+          <p:nvPr/>
+        </p:nvSpPr>
+        <p:spPr>
+          <a:xfrm>
+            <a:off x="3296093" y="3721397"/>
+            <a:ext cx="3668233" cy="2530548"/>
+          </a:xfrm>
+          <a:prstGeom prst="rect">
+            <a:avLst/>
+          </a:prstGeom>
+        </p:spPr>
+        <p:style>
+          <a:lnRef idx="2">
+            <a:schemeClr val="accent6"/>
+          </a:lnRef>
+          <a:fillRef idx="1">
+            <a:schemeClr val="lt1"/>
+          </a:fillRef>
+          <a:effectRef idx="0">
+            <a:schemeClr val="accent6"/>
+          </a:effectRef>
+          <a:fontRef idx="minor">
+            <a:schemeClr val="dk1"/>
+          </a:fontRef>
+        </p:style>
+        <p:txBody>
+          <a:bodyPr rtlCol="0" anchor="ctr"/>
+          <a:lstStyle/>
+          <a:p>
+            <a:pPr algn="ctr"/>
+            <a:endParaRPr lang="en-US"/>
+          </a:p>
+        </p:txBody>
+      </p:sp>
+      <p:sp>
+        <p:nvSpPr>
+          <p:cNvPr id="14" name="TextBox 13">
+            <a:extLst>
+              <a:ext uri="{FF2B5EF4-FFF2-40B4-BE49-F238E27FC236}">
+                <a16:creationId xmlns:a16="http://schemas.microsoft.com/office/drawing/2014/main" id="{F9A90F19-6E59-C60A-7EB4-1BC22CD437C5}"/>
+              </a:ext>
+            </a:extLst>
+          </p:cNvPr>
+          <p:cNvSpPr txBox="1"/>
+          <p:nvPr/>
+        </p:nvSpPr>
+        <p:spPr>
+          <a:xfrm>
+            <a:off x="3545958" y="3845074"/>
+            <a:ext cx="3168502" cy="369332"/>
+          </a:xfrm>
+          <a:prstGeom prst="rect">
+            <a:avLst/>
+          </a:prstGeom>
+          <a:noFill/>
+        </p:spPr>
+        <p:txBody>
+          <a:bodyPr wrap="square" rtlCol="0">
+            <a:spAutoFit/>
+          </a:bodyPr>
+          <a:lstStyle/>
+          <a:p>
+            <a:pPr algn="ctr"/>
+            <a:r>
+              <a:rPr lang="en-US" b="1" dirty="0"/>
+              <a:t>Web Server</a:t>
+            </a:r>
+          </a:p>
+        </p:txBody>
+      </p:sp>
+      <p:sp>
+        <p:nvSpPr>
+          <p:cNvPr id="15" name="Rectangle 14">
+            <a:extLst>
+              <a:ext uri="{FF2B5EF4-FFF2-40B4-BE49-F238E27FC236}">
+                <a16:creationId xmlns:a16="http://schemas.microsoft.com/office/drawing/2014/main" id="{39E33C1D-D0CC-3F37-F595-72845BD00FC2}"/>
+              </a:ext>
+            </a:extLst>
+          </p:cNvPr>
+          <p:cNvSpPr/>
+          <p:nvPr/>
+        </p:nvSpPr>
+        <p:spPr>
+          <a:xfrm>
+            <a:off x="3306726" y="4391247"/>
+            <a:ext cx="3636334" cy="1488559"/>
+          </a:xfrm>
+          <a:prstGeom prst="rect">
+            <a:avLst/>
+          </a:prstGeom>
+        </p:spPr>
+        <p:style>
+          <a:lnRef idx="1">
+            <a:schemeClr val="accent4"/>
+          </a:lnRef>
+          <a:fillRef idx="2">
+            <a:schemeClr val="accent4"/>
+          </a:fillRef>
+          <a:effectRef idx="1">
+            <a:schemeClr val="accent4"/>
+          </a:effectRef>
+          <a:fontRef idx="minor">
+            <a:schemeClr val="dk1"/>
+          </a:fontRef>
+        </p:style>
+        <p:txBody>
+          <a:bodyPr rtlCol="0" anchor="ctr"/>
+          <a:lstStyle/>
+          <a:p>
+            <a:pPr algn="ctr"/>
+            <a:endParaRPr lang="en-US"/>
+          </a:p>
+        </p:txBody>
+      </p:sp>
+      <p:sp>
+        <p:nvSpPr>
+          <p:cNvPr id="16" name="TextBox 15">
+            <a:extLst>
+              <a:ext uri="{FF2B5EF4-FFF2-40B4-BE49-F238E27FC236}">
+                <a16:creationId xmlns:a16="http://schemas.microsoft.com/office/drawing/2014/main" id="{C93DF926-E8E2-7194-74CA-0F567446D81B}"/>
+              </a:ext>
+            </a:extLst>
+          </p:cNvPr>
+          <p:cNvSpPr txBox="1"/>
+          <p:nvPr/>
+        </p:nvSpPr>
+        <p:spPr>
+          <a:xfrm>
+            <a:off x="3545958" y="4391247"/>
+            <a:ext cx="3248247" cy="369332"/>
+          </a:xfrm>
+          <a:prstGeom prst="rect">
+            <a:avLst/>
+          </a:prstGeom>
+          <a:noFill/>
+        </p:spPr>
+        <p:txBody>
+          <a:bodyPr wrap="square" rtlCol="0">
+            <a:spAutoFit/>
+          </a:bodyPr>
+          <a:lstStyle/>
+          <a:p>
+            <a:pPr algn="ctr"/>
+            <a:r>
+              <a:rPr lang="en-US" b="1" dirty="0"/>
+              <a:t>Front-End App</a:t>
+            </a:r>
+          </a:p>
+        </p:txBody>
+      </p:sp>
+      <p:sp>
+        <p:nvSpPr>
+          <p:cNvPr id="17" name="Rectangle 16">
+            <a:extLst>
+              <a:ext uri="{FF2B5EF4-FFF2-40B4-BE49-F238E27FC236}">
+                <a16:creationId xmlns:a16="http://schemas.microsoft.com/office/drawing/2014/main" id="{B8451C61-40C6-2F59-E970-16C93D96AF62}"/>
+              </a:ext>
+            </a:extLst>
+          </p:cNvPr>
+          <p:cNvSpPr/>
+          <p:nvPr/>
+        </p:nvSpPr>
+        <p:spPr>
+          <a:xfrm>
+            <a:off x="3490136" y="4774019"/>
+            <a:ext cx="3359889" cy="723014"/>
+          </a:xfrm>
+          <a:prstGeom prst="rect">
+            <a:avLst/>
+          </a:prstGeom>
+        </p:spPr>
+        <p:style>
+          <a:lnRef idx="2">
+            <a:schemeClr val="accent1">
+              <a:shade val="15000"/>
+            </a:schemeClr>
+          </a:lnRef>
+          <a:fillRef idx="1">
+            <a:schemeClr val="accent1"/>
+          </a:fillRef>
+          <a:effectRef idx="0">
+            <a:schemeClr val="accent1"/>
+          </a:effectRef>
+          <a:fontRef idx="minor">
+            <a:schemeClr val="lt1"/>
+          </a:fontRef>
+        </p:style>
+        <p:txBody>
+          <a:bodyPr rtlCol="0" anchor="ctr"/>
+          <a:lstStyle/>
+          <a:p>
+            <a:pPr algn="ctr"/>
+            <a:r>
+              <a:rPr lang="en-US" b="1" dirty="0"/>
+              <a:t>JS App with HTML UI and CSS</a:t>
+            </a:r>
+          </a:p>
+          <a:p>
+            <a:pPr algn="ctr"/>
+            <a:r>
+              <a:rPr lang="en-US" b="1" dirty="0"/>
+              <a:t>Angular, React, Vue, jQuery, etc. </a:t>
+            </a:r>
+          </a:p>
+        </p:txBody>
+      </p:sp>
+      <p:sp>
+        <p:nvSpPr>
+          <p:cNvPr id="18" name="TextBox 17">
+            <a:extLst>
+              <a:ext uri="{FF2B5EF4-FFF2-40B4-BE49-F238E27FC236}">
+                <a16:creationId xmlns:a16="http://schemas.microsoft.com/office/drawing/2014/main" id="{9A5DBDEE-8399-FD99-6CF9-4E3B1C0CE885}"/>
+              </a:ext>
+            </a:extLst>
+          </p:cNvPr>
+          <p:cNvSpPr txBox="1"/>
+          <p:nvPr/>
+        </p:nvSpPr>
+        <p:spPr>
+          <a:xfrm>
+            <a:off x="3112681" y="6375622"/>
+            <a:ext cx="4024423" cy="369332"/>
+          </a:xfrm>
+          <a:prstGeom prst="rect">
+            <a:avLst/>
+          </a:prstGeom>
+          <a:noFill/>
+        </p:spPr>
+        <p:txBody>
+          <a:bodyPr wrap="square" rtlCol="0">
+            <a:spAutoFit/>
+          </a:bodyPr>
+          <a:lstStyle/>
+          <a:p>
+            <a:r>
+              <a:rPr lang="en-US" dirty="0"/>
+              <a:t>https://</a:t>
+            </a:r>
+            <a:r>
+              <a:rPr lang="en-US" dirty="0" err="1"/>
+              <a:t>www.myfrontendapp.com</a:t>
+            </a:r>
+            <a:endParaRPr lang="en-US" dirty="0"/>
+          </a:p>
+        </p:txBody>
+      </p:sp>
+      <p:sp>
+        <p:nvSpPr>
+          <p:cNvPr id="19" name="Rectangle 18">
+            <a:extLst>
+              <a:ext uri="{FF2B5EF4-FFF2-40B4-BE49-F238E27FC236}">
+                <a16:creationId xmlns:a16="http://schemas.microsoft.com/office/drawing/2014/main" id="{A16843A4-EE17-3751-CBBE-CDDB3483A24B}"/>
+              </a:ext>
+            </a:extLst>
+          </p:cNvPr>
+          <p:cNvSpPr/>
+          <p:nvPr/>
+        </p:nvSpPr>
+        <p:spPr>
+          <a:xfrm>
+            <a:off x="273788" y="915654"/>
+            <a:ext cx="2838893" cy="2317896"/>
+          </a:xfrm>
+          <a:prstGeom prst="rect">
+            <a:avLst/>
+          </a:prstGeom>
+        </p:spPr>
+        <p:style>
+          <a:lnRef idx="1">
+            <a:schemeClr val="accent3"/>
+          </a:lnRef>
+          <a:fillRef idx="2">
+            <a:schemeClr val="accent3"/>
+          </a:fillRef>
+          <a:effectRef idx="1">
+            <a:schemeClr val="accent3"/>
+          </a:effectRef>
+          <a:fontRef idx="minor">
+            <a:schemeClr val="dk1"/>
+          </a:fontRef>
+        </p:style>
+        <p:txBody>
+          <a:bodyPr rtlCol="0" anchor="ctr"/>
+          <a:lstStyle/>
+          <a:p>
+            <a:pPr algn="ctr"/>
+            <a:endParaRPr lang="en-US"/>
+          </a:p>
+        </p:txBody>
+      </p:sp>
+      <p:sp>
+        <p:nvSpPr>
+          <p:cNvPr id="20" name="TextBox 19">
+            <a:extLst>
+              <a:ext uri="{FF2B5EF4-FFF2-40B4-BE49-F238E27FC236}">
+                <a16:creationId xmlns:a16="http://schemas.microsoft.com/office/drawing/2014/main" id="{44BAF96F-6D74-571C-2911-88E2F09D9D4B}"/>
+              </a:ext>
+            </a:extLst>
+          </p:cNvPr>
+          <p:cNvSpPr txBox="1"/>
+          <p:nvPr/>
+        </p:nvSpPr>
+        <p:spPr>
+          <a:xfrm>
+            <a:off x="329609" y="493009"/>
+            <a:ext cx="2626242" cy="369332"/>
+          </a:xfrm>
+          <a:prstGeom prst="rect">
+            <a:avLst/>
+          </a:prstGeom>
+          <a:noFill/>
+        </p:spPr>
+        <p:txBody>
+          <a:bodyPr wrap="square" rtlCol="0">
+            <a:spAutoFit/>
+          </a:bodyPr>
+          <a:lstStyle/>
+          <a:p>
+            <a:pPr algn="ctr"/>
+            <a:r>
+              <a:rPr lang="en-US" b="1" dirty="0"/>
+              <a:t>Browser</a:t>
+            </a:r>
+          </a:p>
+        </p:txBody>
+      </p:sp>
+      <p:cxnSp>
+        <p:nvCxnSpPr>
+          <p:cNvPr id="22" name="Elbow Connector 21">
+            <a:extLst>
+              <a:ext uri="{FF2B5EF4-FFF2-40B4-BE49-F238E27FC236}">
+                <a16:creationId xmlns:a16="http://schemas.microsoft.com/office/drawing/2014/main" id="{AB6CE4BE-D1AA-964B-4F99-FDC027DAF857}"/>
+              </a:ext>
+            </a:extLst>
+          </p:cNvPr>
+          <p:cNvCxnSpPr>
+            <a:stCxn id="19" idx="2"/>
+            <a:endCxn id="15" idx="1"/>
+          </p:cNvCxnSpPr>
+          <p:nvPr/>
+        </p:nvCxnSpPr>
+        <p:spPr>
+          <a:xfrm rot="16200000" flipH="1">
+            <a:off x="1548992" y="3377792"/>
+            <a:ext cx="1901977" cy="1613491"/>
+          </a:xfrm>
+          <a:prstGeom prst="bentConnector2">
+            <a:avLst/>
+          </a:prstGeom>
+          <a:ln w="76200">
+            <a:solidFill>
+              <a:srgbClr val="FF0000"/>
+            </a:solidFill>
+            <a:tailEnd type="triangle"/>
+          </a:ln>
+        </p:spPr>
+        <p:style>
+          <a:lnRef idx="1">
+            <a:schemeClr val="accent1"/>
+          </a:lnRef>
+          <a:fillRef idx="0">
+            <a:schemeClr val="accent1"/>
+          </a:fillRef>
+          <a:effectRef idx="0">
+            <a:schemeClr val="accent1"/>
+          </a:effectRef>
+          <a:fontRef idx="minor">
+            <a:schemeClr val="tx1"/>
+          </a:fontRef>
+        </p:style>
+      </p:cxnSp>
+      <p:sp>
+        <p:nvSpPr>
+          <p:cNvPr id="23" name="TextBox 22">
+            <a:extLst>
+              <a:ext uri="{FF2B5EF4-FFF2-40B4-BE49-F238E27FC236}">
+                <a16:creationId xmlns:a16="http://schemas.microsoft.com/office/drawing/2014/main" id="{172C3873-A6D7-3E2D-D536-521C94290D80}"/>
+              </a:ext>
+            </a:extLst>
+          </p:cNvPr>
+          <p:cNvSpPr txBox="1"/>
+          <p:nvPr/>
+        </p:nvSpPr>
+        <p:spPr>
+          <a:xfrm>
+            <a:off x="124933" y="4214406"/>
+            <a:ext cx="2987748" cy="307777"/>
+          </a:xfrm>
+          <a:prstGeom prst="rect">
+            <a:avLst/>
+          </a:prstGeom>
+          <a:noFill/>
+        </p:spPr>
+        <p:txBody>
+          <a:bodyPr wrap="square" rtlCol="0">
+            <a:spAutoFit/>
+          </a:bodyPr>
+          <a:lstStyle/>
+          <a:p>
+            <a:r>
+              <a:rPr lang="en-US" sz="1400" dirty="0"/>
+              <a:t>https://</a:t>
+            </a:r>
+            <a:r>
+              <a:rPr lang="en-US" sz="1400" dirty="0" err="1"/>
+              <a:t>www.myfrontendapp.com</a:t>
+            </a:r>
+            <a:endParaRPr lang="en-US" sz="1400" dirty="0"/>
+          </a:p>
+        </p:txBody>
+      </p:sp>
+      <p:cxnSp>
+        <p:nvCxnSpPr>
+          <p:cNvPr id="25" name="Elbow Connector 24">
+            <a:extLst>
+              <a:ext uri="{FF2B5EF4-FFF2-40B4-BE49-F238E27FC236}">
+                <a16:creationId xmlns:a16="http://schemas.microsoft.com/office/drawing/2014/main" id="{26D149ED-A3F7-3CF5-C987-4B877970B5FF}"/>
+              </a:ext>
+            </a:extLst>
+          </p:cNvPr>
+          <p:cNvCxnSpPr>
+            <a:stCxn id="15" idx="3"/>
+            <a:endCxn id="19" idx="3"/>
+          </p:cNvCxnSpPr>
+          <p:nvPr/>
+        </p:nvCxnSpPr>
+        <p:spPr>
+          <a:xfrm flipH="1" flipV="1">
+            <a:off x="3112681" y="2074602"/>
+            <a:ext cx="3830379" cy="3060925"/>
+          </a:xfrm>
+          <a:prstGeom prst="bentConnector3">
+            <a:avLst>
+              <a:gd name="adj1" fmla="val -5968"/>
+            </a:avLst>
+          </a:prstGeom>
+          <a:ln w="76200">
+            <a:solidFill>
+              <a:srgbClr val="FF0000"/>
+            </a:solidFill>
+            <a:tailEnd type="triangle"/>
+          </a:ln>
+        </p:spPr>
+        <p:style>
+          <a:lnRef idx="1">
+            <a:schemeClr val="accent1"/>
+          </a:lnRef>
+          <a:fillRef idx="0">
+            <a:schemeClr val="accent1"/>
+          </a:fillRef>
+          <a:effectRef idx="0">
+            <a:schemeClr val="accent1"/>
+          </a:effectRef>
+          <a:fontRef idx="minor">
+            <a:schemeClr val="tx1"/>
+          </a:fontRef>
+        </p:style>
+      </p:cxnSp>
+      <p:sp>
+        <p:nvSpPr>
+          <p:cNvPr id="26" name="TextBox 25">
+            <a:extLst>
+              <a:ext uri="{FF2B5EF4-FFF2-40B4-BE49-F238E27FC236}">
+                <a16:creationId xmlns:a16="http://schemas.microsoft.com/office/drawing/2014/main" id="{A1BED820-1F71-11E3-A60E-6BBE5664E1B2}"/>
+              </a:ext>
+            </a:extLst>
+          </p:cNvPr>
+          <p:cNvSpPr txBox="1"/>
+          <p:nvPr/>
+        </p:nvSpPr>
+        <p:spPr>
+          <a:xfrm>
+            <a:off x="3545958" y="2219546"/>
+            <a:ext cx="2993065" cy="1200329"/>
+          </a:xfrm>
+          <a:prstGeom prst="rect">
+            <a:avLst/>
+          </a:prstGeom>
+          <a:noFill/>
+        </p:spPr>
+        <p:txBody>
+          <a:bodyPr wrap="square" rtlCol="0">
+            <a:spAutoFit/>
+          </a:bodyPr>
+          <a:lstStyle/>
+          <a:p>
+            <a:r>
+              <a:rPr lang="en-US" dirty="0"/>
+              <a:t>HTML UI + JS Script + CSS</a:t>
+            </a:r>
+          </a:p>
+          <a:p>
+            <a:r>
+              <a:rPr lang="en-US" dirty="0"/>
+              <a:t>Loaded from </a:t>
+            </a:r>
+            <a:r>
+              <a:rPr lang="en-US" dirty="0">
+                <a:hlinkClick r:id="rId2"/>
+              </a:rPr>
+              <a:t>www.myfrontendapp.com</a:t>
+            </a:r>
+            <a:r>
+              <a:rPr lang="en-US" dirty="0"/>
+              <a:t> on browser </a:t>
+            </a:r>
+          </a:p>
+        </p:txBody>
+      </p:sp>
+      <p:sp>
+        <p:nvSpPr>
+          <p:cNvPr id="27" name="TextBox 26">
+            <a:extLst>
+              <a:ext uri="{FF2B5EF4-FFF2-40B4-BE49-F238E27FC236}">
+                <a16:creationId xmlns:a16="http://schemas.microsoft.com/office/drawing/2014/main" id="{A62A49FE-EDF7-096A-984D-F66E594F4024}"/>
+              </a:ext>
+            </a:extLst>
+          </p:cNvPr>
+          <p:cNvSpPr txBox="1"/>
+          <p:nvPr/>
+        </p:nvSpPr>
+        <p:spPr>
+          <a:xfrm>
+            <a:off x="486439" y="1733107"/>
+            <a:ext cx="2480044" cy="369332"/>
+          </a:xfrm>
+          <a:prstGeom prst="rect">
+            <a:avLst/>
+          </a:prstGeom>
+          <a:noFill/>
+        </p:spPr>
+        <p:txBody>
+          <a:bodyPr wrap="square" rtlCol="0">
+            <a:spAutoFit/>
+          </a:bodyPr>
+          <a:lstStyle/>
+          <a:p>
+            <a:pPr algn="ctr"/>
+            <a:r>
+              <a:rPr lang="en-US" b="1" dirty="0"/>
+              <a:t>UI + JS + CSS</a:t>
+            </a:r>
+          </a:p>
+        </p:txBody>
+      </p:sp>
+      <p:sp>
+        <p:nvSpPr>
+          <p:cNvPr id="21" name="Rectangle 20">
+            <a:extLst>
+              <a:ext uri="{FF2B5EF4-FFF2-40B4-BE49-F238E27FC236}">
+                <a16:creationId xmlns:a16="http://schemas.microsoft.com/office/drawing/2014/main" id="{608BB267-CE1A-DFF2-2BB7-8A63AEE4BBD7}"/>
+              </a:ext>
+            </a:extLst>
+          </p:cNvPr>
+          <p:cNvSpPr/>
+          <p:nvPr/>
+        </p:nvSpPr>
+        <p:spPr>
+          <a:xfrm>
+            <a:off x="3296093" y="5879806"/>
+            <a:ext cx="3646967" cy="372139"/>
+          </a:xfrm>
+          <a:prstGeom prst="rect">
+            <a:avLst/>
+          </a:prstGeom>
+          <a:solidFill>
+            <a:srgbClr val="FF0000"/>
+          </a:solidFill>
+          <a:ln>
+            <a:solidFill>
+              <a:srgbClr val="FF0000"/>
+            </a:solidFill>
+          </a:ln>
+        </p:spPr>
+        <p:style>
+          <a:lnRef idx="2">
+            <a:schemeClr val="accent1">
+              <a:shade val="15000"/>
+            </a:schemeClr>
+          </a:lnRef>
+          <a:fillRef idx="1">
+            <a:schemeClr val="accent1"/>
+          </a:fillRef>
+          <a:effectRef idx="0">
+            <a:schemeClr val="accent1"/>
+          </a:effectRef>
+          <a:fontRef idx="minor">
+            <a:schemeClr val="lt1"/>
+          </a:fontRef>
+        </p:style>
+        <p:txBody>
+          <a:bodyPr rtlCol="0" anchor="ctr"/>
+          <a:lstStyle/>
+          <a:p>
+            <a:pPr algn="ctr"/>
+            <a:r>
+              <a:rPr lang="en-US" b="1" dirty="0"/>
+              <a:t>Node.js</a:t>
+            </a:r>
+          </a:p>
+        </p:txBody>
+      </p:sp>
+    </p:spTree>
+    <p:extLst>
+      <p:ext uri="{BB962C8B-B14F-4D97-AF65-F5344CB8AC3E}">
+        <p14:creationId xmlns:p14="http://schemas.microsoft.com/office/powerpoint/2010/main" val="3377009212"/>
+      </p:ext>
+    </p:extLst>
+  </p:cSld>
+  <p:clrMapOvr>
+    <a:masterClrMapping/>
+  </p:clrMapOvr>
+</p:sld>
+</file>
+
 <file path=ppt/slides/slide3.xml><?xml version="1.0" encoding="utf-8"?>
 <p:sld xmlns:a="http://schemas.openxmlformats.org/drawingml/2006/main" xmlns:r="http://schemas.openxmlformats.org/officeDocument/2006/relationships" xmlns:p="http://schemas.openxmlformats.org/presentationml/2006/main">
   <p:cSld>

--- a/Training_Presentetions.pptx
+++ b/Training_Presentetions.pptx
@@ -28,6 +28,7 @@
     <p:sldId id="275" r:id="rId22"/>
     <p:sldId id="277" r:id="rId23"/>
     <p:sldId id="278" r:id="rId24"/>
+    <p:sldId id="279" r:id="rId25"/>
   </p:sldIdLst>
   <p:sldSz cx="12192000" cy="6858000"/>
   <p:notesSz cx="6858000" cy="9144000"/>
@@ -283,7 +284,7 @@
           <a:p>
             <a:fld id="{D9FCDB6C-7DD4-3A4F-BB06-0EDDD9178121}" type="datetimeFigureOut">
               <a:rPr lang="en-US" smtClean="0"/>
-              <a:t>7/12/23</a:t>
+              <a:t>7/13/23</a:t>
             </a:fld>
             <a:endParaRPr lang="en-US"/>
           </a:p>
@@ -483,7 +484,7 @@
           <a:p>
             <a:fld id="{D9FCDB6C-7DD4-3A4F-BB06-0EDDD9178121}" type="datetimeFigureOut">
               <a:rPr lang="en-US" smtClean="0"/>
-              <a:t>7/12/23</a:t>
+              <a:t>7/13/23</a:t>
             </a:fld>
             <a:endParaRPr lang="en-US"/>
           </a:p>
@@ -693,7 +694,7 @@
           <a:p>
             <a:fld id="{D9FCDB6C-7DD4-3A4F-BB06-0EDDD9178121}" type="datetimeFigureOut">
               <a:rPr lang="en-US" smtClean="0"/>
-              <a:t>7/12/23</a:t>
+              <a:t>7/13/23</a:t>
             </a:fld>
             <a:endParaRPr lang="en-US"/>
           </a:p>
@@ -893,7 +894,7 @@
           <a:p>
             <a:fld id="{D9FCDB6C-7DD4-3A4F-BB06-0EDDD9178121}" type="datetimeFigureOut">
               <a:rPr lang="en-US" smtClean="0"/>
-              <a:t>7/12/23</a:t>
+              <a:t>7/13/23</a:t>
             </a:fld>
             <a:endParaRPr lang="en-US"/>
           </a:p>
@@ -1169,7 +1170,7 @@
           <a:p>
             <a:fld id="{D9FCDB6C-7DD4-3A4F-BB06-0EDDD9178121}" type="datetimeFigureOut">
               <a:rPr lang="en-US" smtClean="0"/>
-              <a:t>7/12/23</a:t>
+              <a:t>7/13/23</a:t>
             </a:fld>
             <a:endParaRPr lang="en-US"/>
           </a:p>
@@ -1437,7 +1438,7 @@
           <a:p>
             <a:fld id="{D9FCDB6C-7DD4-3A4F-BB06-0EDDD9178121}" type="datetimeFigureOut">
               <a:rPr lang="en-US" smtClean="0"/>
-              <a:t>7/12/23</a:t>
+              <a:t>7/13/23</a:t>
             </a:fld>
             <a:endParaRPr lang="en-US"/>
           </a:p>
@@ -1852,7 +1853,7 @@
           <a:p>
             <a:fld id="{D9FCDB6C-7DD4-3A4F-BB06-0EDDD9178121}" type="datetimeFigureOut">
               <a:rPr lang="en-US" smtClean="0"/>
-              <a:t>7/12/23</a:t>
+              <a:t>7/13/23</a:t>
             </a:fld>
             <a:endParaRPr lang="en-US"/>
           </a:p>
@@ -1994,7 +1995,7 @@
           <a:p>
             <a:fld id="{D9FCDB6C-7DD4-3A4F-BB06-0EDDD9178121}" type="datetimeFigureOut">
               <a:rPr lang="en-US" smtClean="0"/>
-              <a:t>7/12/23</a:t>
+              <a:t>7/13/23</a:t>
             </a:fld>
             <a:endParaRPr lang="en-US"/>
           </a:p>
@@ -2107,7 +2108,7 @@
           <a:p>
             <a:fld id="{D9FCDB6C-7DD4-3A4F-BB06-0EDDD9178121}" type="datetimeFigureOut">
               <a:rPr lang="en-US" smtClean="0"/>
-              <a:t>7/12/23</a:t>
+              <a:t>7/13/23</a:t>
             </a:fld>
             <a:endParaRPr lang="en-US"/>
           </a:p>
@@ -2420,7 +2421,7 @@
           <a:p>
             <a:fld id="{D9FCDB6C-7DD4-3A4F-BB06-0EDDD9178121}" type="datetimeFigureOut">
               <a:rPr lang="en-US" smtClean="0"/>
-              <a:t>7/12/23</a:t>
+              <a:t>7/13/23</a:t>
             </a:fld>
             <a:endParaRPr lang="en-US"/>
           </a:p>
@@ -2709,7 +2710,7 @@
           <a:p>
             <a:fld id="{D9FCDB6C-7DD4-3A4F-BB06-0EDDD9178121}" type="datetimeFigureOut">
               <a:rPr lang="en-US" smtClean="0"/>
-              <a:t>7/12/23</a:t>
+              <a:t>7/13/23</a:t>
             </a:fld>
             <a:endParaRPr lang="en-US"/>
           </a:p>
@@ -2952,7 +2953,7 @@
           <a:p>
             <a:fld id="{D9FCDB6C-7DD4-3A4F-BB06-0EDDD9178121}" type="datetimeFigureOut">
               <a:rPr lang="en-US" smtClean="0"/>
-              <a:t>7/12/23</a:t>
+              <a:t>7/13/23</a:t>
             </a:fld>
             <a:endParaRPr lang="en-US"/>
           </a:p>
@@ -14780,7 +14781,7 @@
         <p:spPr>
           <a:xfrm>
             <a:off x="8091377" y="1190848"/>
-            <a:ext cx="2998381" cy="2838892"/>
+            <a:ext cx="2998381" cy="2349794"/>
           </a:xfrm>
           <a:prstGeom prst="rect">
             <a:avLst/>
@@ -15462,7 +15463,7 @@
         </p:nvSpPr>
         <p:spPr>
           <a:xfrm>
-            <a:off x="329609" y="493009"/>
+            <a:off x="-93921" y="417330"/>
             <a:ext cx="2626242" cy="369332"/>
           </a:xfrm>
           <a:prstGeom prst="rect">
@@ -15760,10 +15761,1576 @@
           </a:p>
         </p:txBody>
       </p:sp>
+      <p:sp>
+        <p:nvSpPr>
+          <p:cNvPr id="24" name="TextBox 23">
+            <a:extLst>
+              <a:ext uri="{FF2B5EF4-FFF2-40B4-BE49-F238E27FC236}">
+                <a16:creationId xmlns:a16="http://schemas.microsoft.com/office/drawing/2014/main" id="{6F382EE2-7EB3-F215-769A-0F19D0D07ECF}"/>
+              </a:ext>
+            </a:extLst>
+          </p:cNvPr>
+          <p:cNvSpPr txBox="1"/>
+          <p:nvPr/>
+        </p:nvSpPr>
+        <p:spPr>
+          <a:xfrm>
+            <a:off x="7995684" y="159488"/>
+            <a:ext cx="2977116" cy="369332"/>
+          </a:xfrm>
+          <a:prstGeom prst="rect">
+            <a:avLst/>
+          </a:prstGeom>
+          <a:noFill/>
+        </p:spPr>
+        <p:txBody>
+          <a:bodyPr wrap="square" rtlCol="0">
+            <a:spAutoFit/>
+          </a:bodyPr>
+          <a:lstStyle/>
+          <a:p>
+            <a:pPr algn="ctr"/>
+            <a:r>
+              <a:rPr lang="en-US" b="1" dirty="0"/>
+              <a:t>192.168.10.20:5001</a:t>
+            </a:r>
+          </a:p>
+        </p:txBody>
+      </p:sp>
+      <p:sp>
+        <p:nvSpPr>
+          <p:cNvPr id="28" name="TextBox 27">
+            <a:extLst>
+              <a:ext uri="{FF2B5EF4-FFF2-40B4-BE49-F238E27FC236}">
+                <a16:creationId xmlns:a16="http://schemas.microsoft.com/office/drawing/2014/main" id="{2DD5ACF0-E07C-52E4-0D34-5485425CE2F0}"/>
+              </a:ext>
+            </a:extLst>
+          </p:cNvPr>
+          <p:cNvSpPr txBox="1"/>
+          <p:nvPr/>
+        </p:nvSpPr>
+        <p:spPr>
+          <a:xfrm>
+            <a:off x="5883349" y="6337005"/>
+            <a:ext cx="2977116" cy="369332"/>
+          </a:xfrm>
+          <a:prstGeom prst="rect">
+            <a:avLst/>
+          </a:prstGeom>
+          <a:noFill/>
+        </p:spPr>
+        <p:txBody>
+          <a:bodyPr wrap="square" rtlCol="0">
+            <a:spAutoFit/>
+          </a:bodyPr>
+          <a:lstStyle/>
+          <a:p>
+            <a:pPr algn="ctr"/>
+            <a:r>
+              <a:rPr lang="en-US" b="1" dirty="0"/>
+              <a:t>192.168.10.20:5002</a:t>
+            </a:r>
+          </a:p>
+        </p:txBody>
+      </p:sp>
+      <p:cxnSp>
+        <p:nvCxnSpPr>
+          <p:cNvPr id="30" name="Elbow Connector 29">
+            <a:extLst>
+              <a:ext uri="{FF2B5EF4-FFF2-40B4-BE49-F238E27FC236}">
+                <a16:creationId xmlns:a16="http://schemas.microsoft.com/office/drawing/2014/main" id="{88C8343B-6391-4B0A-52EC-9CC332875B81}"/>
+              </a:ext>
+            </a:extLst>
+          </p:cNvPr>
+          <p:cNvCxnSpPr>
+            <a:stCxn id="19" idx="0"/>
+            <a:endCxn id="3" idx="1"/>
+          </p:cNvCxnSpPr>
+          <p:nvPr/>
+        </p:nvCxnSpPr>
+        <p:spPr>
+          <a:xfrm rot="16200000" flipH="1">
+            <a:off x="4010430" y="-1401541"/>
+            <a:ext cx="1582998" cy="6217388"/>
+          </a:xfrm>
+          <a:prstGeom prst="bentConnector4">
+            <a:avLst>
+              <a:gd name="adj1" fmla="val -14441"/>
+              <a:gd name="adj2" fmla="val 92026"/>
+            </a:avLst>
+          </a:prstGeom>
+          <a:ln w="76200">
+            <a:solidFill>
+              <a:srgbClr val="002060"/>
+            </a:solidFill>
+            <a:tailEnd type="triangle"/>
+          </a:ln>
+        </p:spPr>
+        <p:style>
+          <a:lnRef idx="1">
+            <a:schemeClr val="accent1"/>
+          </a:lnRef>
+          <a:fillRef idx="0">
+            <a:schemeClr val="accent1"/>
+          </a:fillRef>
+          <a:effectRef idx="0">
+            <a:schemeClr val="accent1"/>
+          </a:effectRef>
+          <a:fontRef idx="minor">
+            <a:schemeClr val="tx1"/>
+          </a:fontRef>
+        </p:style>
+      </p:cxnSp>
+      <p:sp>
+        <p:nvSpPr>
+          <p:cNvPr id="32" name="TextBox 31">
+            <a:extLst>
+              <a:ext uri="{FF2B5EF4-FFF2-40B4-BE49-F238E27FC236}">
+                <a16:creationId xmlns:a16="http://schemas.microsoft.com/office/drawing/2014/main" id="{9A63A8F4-552D-32B2-DC7A-14ED9215E138}"/>
+              </a:ext>
+            </a:extLst>
+          </p:cNvPr>
+          <p:cNvSpPr txBox="1"/>
+          <p:nvPr/>
+        </p:nvSpPr>
+        <p:spPr>
+          <a:xfrm>
+            <a:off x="3413051" y="750221"/>
+            <a:ext cx="3226982" cy="646331"/>
+          </a:xfrm>
+          <a:prstGeom prst="rect">
+            <a:avLst/>
+          </a:prstGeom>
+          <a:noFill/>
+        </p:spPr>
+        <p:txBody>
+          <a:bodyPr wrap="square" rtlCol="0">
+            <a:spAutoFit/>
+          </a:bodyPr>
+          <a:lstStyle/>
+          <a:p>
+            <a:r>
+              <a:rPr lang="en-US" dirty="0">
+                <a:hlinkClick r:id="rId3"/>
+              </a:rPr>
+              <a:t>https://www.myfrontendapp.com</a:t>
+            </a:r>
+            <a:r>
+              <a:rPr lang="en-US" dirty="0"/>
+              <a:t> (origin)</a:t>
+            </a:r>
+          </a:p>
+        </p:txBody>
+      </p:sp>
+      <p:graphicFrame>
+        <p:nvGraphicFramePr>
+          <p:cNvPr id="33" name="Table 33">
+            <a:extLst>
+              <a:ext uri="{FF2B5EF4-FFF2-40B4-BE49-F238E27FC236}">
+                <a16:creationId xmlns:a16="http://schemas.microsoft.com/office/drawing/2014/main" id="{B5D6C279-989D-A3F2-3559-AA4FF0238057}"/>
+              </a:ext>
+            </a:extLst>
+          </p:cNvPr>
+          <p:cNvGraphicFramePr>
+            <a:graphicFrameLocks noGrp="1"/>
+          </p:cNvGraphicFramePr>
+          <p:nvPr>
+            <p:extLst>
+              <p:ext uri="{D42A27DB-BD31-4B8C-83A1-F6EECF244321}">
+                <p14:modId xmlns:p14="http://schemas.microsoft.com/office/powerpoint/2010/main" val="1465209240"/>
+              </p:ext>
+            </p:extLst>
+          </p:nvPr>
+        </p:nvGraphicFramePr>
+        <p:xfrm>
+          <a:off x="7987708" y="3615068"/>
+          <a:ext cx="3168504" cy="797560"/>
+        </p:xfrm>
+        <a:graphic>
+          <a:graphicData uri="http://schemas.openxmlformats.org/drawingml/2006/table">
+            <a:tbl>
+              <a:tblPr firstRow="1" bandRow="1">
+                <a:tableStyleId>{5C22544A-7EE6-4342-B048-85BDC9FD1C3A}</a:tableStyleId>
+              </a:tblPr>
+              <a:tblGrid>
+                <a:gridCol w="792126">
+                  <a:extLst>
+                    <a:ext uri="{9D8B030D-6E8A-4147-A177-3AD203B41FA5}">
+                      <a16:colId xmlns:a16="http://schemas.microsoft.com/office/drawing/2014/main" val="2366478991"/>
+                    </a:ext>
+                  </a:extLst>
+                </a:gridCol>
+                <a:gridCol w="792126">
+                  <a:extLst>
+                    <a:ext uri="{9D8B030D-6E8A-4147-A177-3AD203B41FA5}">
+                      <a16:colId xmlns:a16="http://schemas.microsoft.com/office/drawing/2014/main" val="1834602539"/>
+                    </a:ext>
+                  </a:extLst>
+                </a:gridCol>
+                <a:gridCol w="792126">
+                  <a:extLst>
+                    <a:ext uri="{9D8B030D-6E8A-4147-A177-3AD203B41FA5}">
+                      <a16:colId xmlns:a16="http://schemas.microsoft.com/office/drawing/2014/main" val="1785488879"/>
+                    </a:ext>
+                  </a:extLst>
+                </a:gridCol>
+                <a:gridCol w="792126">
+                  <a:extLst>
+                    <a:ext uri="{9D8B030D-6E8A-4147-A177-3AD203B41FA5}">
+                      <a16:colId xmlns:a16="http://schemas.microsoft.com/office/drawing/2014/main" val="2684082129"/>
+                    </a:ext>
+                  </a:extLst>
+                </a:gridCol>
+              </a:tblGrid>
+              <a:tr h="370840">
+                <a:tc>
+                  <a:txBody>
+                    <a:bodyPr/>
+                    <a:lstStyle/>
+                    <a:p>
+                      <a:r>
+                        <a:rPr lang="en-US" sz="1100" dirty="0"/>
+                        <a:t>Allows List</a:t>
+                      </a:r>
+                    </a:p>
+                  </a:txBody>
+                  <a:tcPr/>
+                </a:tc>
+                <a:tc>
+                  <a:txBody>
+                    <a:bodyPr/>
+                    <a:lstStyle/>
+                    <a:p>
+                      <a:r>
+                        <a:rPr lang="en-US" sz="1100" dirty="0"/>
+                        <a:t>Origin</a:t>
+                      </a:r>
+                    </a:p>
+                  </a:txBody>
+                  <a:tcPr/>
+                </a:tc>
+                <a:tc>
+                  <a:txBody>
+                    <a:bodyPr/>
+                    <a:lstStyle/>
+                    <a:p>
+                      <a:r>
+                        <a:rPr lang="en-US" sz="1100" dirty="0"/>
+                        <a:t>Method</a:t>
+                      </a:r>
+                    </a:p>
+                  </a:txBody>
+                  <a:tcPr/>
+                </a:tc>
+                <a:tc>
+                  <a:txBody>
+                    <a:bodyPr/>
+                    <a:lstStyle/>
+                    <a:p>
+                      <a:r>
+                        <a:rPr lang="en-US" sz="1100" dirty="0"/>
+                        <a:t>header</a:t>
+                      </a:r>
+                    </a:p>
+                  </a:txBody>
+                  <a:tcPr/>
+                </a:tc>
+                <a:extLst>
+                  <a:ext uri="{0D108BD9-81ED-4DB2-BD59-A6C34878D82A}">
+                    <a16:rowId xmlns:a16="http://schemas.microsoft.com/office/drawing/2014/main" val="2166352222"/>
+                  </a:ext>
+                </a:extLst>
+              </a:tr>
+              <a:tr h="370840">
+                <a:tc>
+                  <a:txBody>
+                    <a:bodyPr/>
+                    <a:lstStyle/>
+                    <a:p>
+                      <a:r>
+                        <a:rPr lang="en-US" sz="1100" dirty="0"/>
+                        <a:t>Yes</a:t>
+                      </a:r>
+                    </a:p>
+                  </a:txBody>
+                  <a:tcPr/>
+                </a:tc>
+                <a:tc>
+                  <a:txBody>
+                    <a:bodyPr/>
+                    <a:lstStyle/>
+                    <a:p>
+                      <a:r>
+                        <a:rPr lang="en-US" sz="1100" dirty="0" err="1"/>
+                        <a:t>Myfe</a:t>
+                      </a:r>
+                      <a:endParaRPr lang="en-US" sz="1100" dirty="0"/>
+                    </a:p>
+                  </a:txBody>
+                  <a:tcPr/>
+                </a:tc>
+                <a:tc>
+                  <a:txBody>
+                    <a:bodyPr/>
+                    <a:lstStyle/>
+                    <a:p>
+                      <a:r>
+                        <a:rPr lang="en-US" sz="1100" dirty="0"/>
+                        <a:t>Get/post</a:t>
+                      </a:r>
+                    </a:p>
+                  </a:txBody>
+                  <a:tcPr/>
+                </a:tc>
+                <a:tc>
+                  <a:txBody>
+                    <a:bodyPr/>
+                    <a:lstStyle/>
+                    <a:p>
+                      <a:r>
+                        <a:rPr lang="en-US" sz="1100" dirty="0"/>
+                        <a:t>auth</a:t>
+                      </a:r>
+                    </a:p>
+                  </a:txBody>
+                  <a:tcPr/>
+                </a:tc>
+                <a:extLst>
+                  <a:ext uri="{0D108BD9-81ED-4DB2-BD59-A6C34878D82A}">
+                    <a16:rowId xmlns:a16="http://schemas.microsoft.com/office/drawing/2014/main" val="3694915191"/>
+                  </a:ext>
+                </a:extLst>
+              </a:tr>
+            </a:tbl>
+          </a:graphicData>
+        </a:graphic>
+      </p:graphicFrame>
+      <p:cxnSp>
+        <p:nvCxnSpPr>
+          <p:cNvPr id="31" name="Elbow Connector 30">
+            <a:extLst>
+              <a:ext uri="{FF2B5EF4-FFF2-40B4-BE49-F238E27FC236}">
+                <a16:creationId xmlns:a16="http://schemas.microsoft.com/office/drawing/2014/main" id="{321DBD24-FAC4-5C0F-6A27-9E07C94F0458}"/>
+              </a:ext>
+            </a:extLst>
+          </p:cNvPr>
+          <p:cNvCxnSpPr>
+            <a:cxnSpLocks/>
+            <a:stCxn id="3" idx="1"/>
+            <a:endCxn id="19" idx="1"/>
+          </p:cNvCxnSpPr>
+          <p:nvPr/>
+        </p:nvCxnSpPr>
+        <p:spPr>
+          <a:xfrm rot="10800000">
+            <a:off x="273789" y="2074602"/>
+            <a:ext cx="7636835" cy="424050"/>
+          </a:xfrm>
+          <a:prstGeom prst="bentConnector5">
+            <a:avLst>
+              <a:gd name="adj1" fmla="val 18047"/>
+              <a:gd name="adj2" fmla="val 226624"/>
+              <a:gd name="adj3" fmla="val 102993"/>
+            </a:avLst>
+          </a:prstGeom>
+          <a:ln w="76200">
+            <a:tailEnd type="triangle"/>
+          </a:ln>
+        </p:spPr>
+        <p:style>
+          <a:lnRef idx="1">
+            <a:schemeClr val="accent1"/>
+          </a:lnRef>
+          <a:fillRef idx="0">
+            <a:schemeClr val="accent1"/>
+          </a:fillRef>
+          <a:effectRef idx="0">
+            <a:schemeClr val="accent1"/>
+          </a:effectRef>
+          <a:fontRef idx="minor">
+            <a:schemeClr val="tx1"/>
+          </a:fontRef>
+        </p:style>
+      </p:cxnSp>
     </p:spTree>
     <p:extLst>
       <p:ext uri="{BB962C8B-B14F-4D97-AF65-F5344CB8AC3E}">
         <p14:creationId xmlns:p14="http://schemas.microsoft.com/office/powerpoint/2010/main" val="3377009212"/>
+      </p:ext>
+    </p:extLst>
+  </p:cSld>
+  <p:clrMapOvr>
+    <a:masterClrMapping/>
+  </p:clrMapOvr>
+</p:sld>
+</file>
+
+<file path=ppt/slides/slide24.xml><?xml version="1.0" encoding="utf-8"?>
+<p:sld xmlns:a="http://schemas.openxmlformats.org/drawingml/2006/main" xmlns:r="http://schemas.openxmlformats.org/officeDocument/2006/relationships" xmlns:p="http://schemas.openxmlformats.org/presentationml/2006/main">
+  <p:cSld>
+    <p:spTree>
+      <p:nvGrpSpPr>
+        <p:cNvPr id="1" name=""/>
+        <p:cNvGrpSpPr/>
+        <p:nvPr/>
+      </p:nvGrpSpPr>
+      <p:grpSpPr>
+        <a:xfrm>
+          <a:off x="0" y="0"/>
+          <a:ext cx="0" cy="0"/>
+          <a:chOff x="0" y="0"/>
+          <a:chExt cx="0" cy="0"/>
+        </a:xfrm>
+      </p:grpSpPr>
+      <p:sp>
+        <p:nvSpPr>
+          <p:cNvPr id="2" name="Can 1">
+            <a:extLst>
+              <a:ext uri="{FF2B5EF4-FFF2-40B4-BE49-F238E27FC236}">
+                <a16:creationId xmlns:a16="http://schemas.microsoft.com/office/drawing/2014/main" id="{6D362802-AC69-F7A5-6034-3B35914C87D0}"/>
+              </a:ext>
+            </a:extLst>
+          </p:cNvPr>
+          <p:cNvSpPr/>
+          <p:nvPr/>
+        </p:nvSpPr>
+        <p:spPr>
+          <a:xfrm>
+            <a:off x="10664454" y="595423"/>
+            <a:ext cx="1297173" cy="1137683"/>
+          </a:xfrm>
+          <a:prstGeom prst="can">
+            <a:avLst/>
+          </a:prstGeom>
+        </p:spPr>
+        <p:style>
+          <a:lnRef idx="2">
+            <a:schemeClr val="accent1">
+              <a:shade val="15000"/>
+            </a:schemeClr>
+          </a:lnRef>
+          <a:fillRef idx="1">
+            <a:schemeClr val="accent1"/>
+          </a:fillRef>
+          <a:effectRef idx="0">
+            <a:schemeClr val="accent1"/>
+          </a:effectRef>
+          <a:fontRef idx="minor">
+            <a:schemeClr val="lt1"/>
+          </a:fontRef>
+        </p:style>
+        <p:txBody>
+          <a:bodyPr rtlCol="0" anchor="ctr"/>
+          <a:lstStyle/>
+          <a:p>
+            <a:pPr algn="ctr"/>
+            <a:r>
+              <a:rPr lang="en-US" dirty="0"/>
+              <a:t>SQL or Relational</a:t>
+            </a:r>
+          </a:p>
+          <a:p>
+            <a:pPr algn="ctr"/>
+            <a:r>
+              <a:rPr lang="en-US" dirty="0"/>
+              <a:t>Database</a:t>
+            </a:r>
+          </a:p>
+        </p:txBody>
+      </p:sp>
+      <p:sp>
+        <p:nvSpPr>
+          <p:cNvPr id="3" name="Can 2">
+            <a:extLst>
+              <a:ext uri="{FF2B5EF4-FFF2-40B4-BE49-F238E27FC236}">
+                <a16:creationId xmlns:a16="http://schemas.microsoft.com/office/drawing/2014/main" id="{2E4D9903-1A2F-604E-81BD-C85B989C6787}"/>
+              </a:ext>
+            </a:extLst>
+          </p:cNvPr>
+          <p:cNvSpPr/>
+          <p:nvPr/>
+        </p:nvSpPr>
+        <p:spPr>
+          <a:xfrm>
+            <a:off x="10664453" y="2424223"/>
+            <a:ext cx="1297173" cy="1137683"/>
+          </a:xfrm>
+          <a:prstGeom prst="can">
+            <a:avLst/>
+          </a:prstGeom>
+        </p:spPr>
+        <p:style>
+          <a:lnRef idx="2">
+            <a:schemeClr val="accent1">
+              <a:shade val="15000"/>
+            </a:schemeClr>
+          </a:lnRef>
+          <a:fillRef idx="1">
+            <a:schemeClr val="accent1"/>
+          </a:fillRef>
+          <a:effectRef idx="0">
+            <a:schemeClr val="accent1"/>
+          </a:effectRef>
+          <a:fontRef idx="minor">
+            <a:schemeClr val="lt1"/>
+          </a:fontRef>
+        </p:style>
+        <p:txBody>
+          <a:bodyPr rtlCol="0" anchor="ctr"/>
+          <a:lstStyle/>
+          <a:p>
+            <a:pPr algn="ctr"/>
+            <a:r>
+              <a:rPr lang="en-US" dirty="0"/>
+              <a:t>{NoSQL}</a:t>
+            </a:r>
+          </a:p>
+        </p:txBody>
+      </p:sp>
+      <p:sp>
+        <p:nvSpPr>
+          <p:cNvPr id="4" name="Multi-document 3">
+            <a:extLst>
+              <a:ext uri="{FF2B5EF4-FFF2-40B4-BE49-F238E27FC236}">
+                <a16:creationId xmlns:a16="http://schemas.microsoft.com/office/drawing/2014/main" id="{A3E8F6A3-21A5-6F67-D58C-530467420C8F}"/>
+              </a:ext>
+            </a:extLst>
+          </p:cNvPr>
+          <p:cNvSpPr/>
+          <p:nvPr/>
+        </p:nvSpPr>
+        <p:spPr>
+          <a:xfrm>
+            <a:off x="10760147" y="4157332"/>
+            <a:ext cx="1201479" cy="1722473"/>
+          </a:xfrm>
+          <a:prstGeom prst="flowChartMultidocument">
+            <a:avLst/>
+          </a:prstGeom>
+        </p:spPr>
+        <p:style>
+          <a:lnRef idx="2">
+            <a:schemeClr val="accent1">
+              <a:shade val="15000"/>
+            </a:schemeClr>
+          </a:lnRef>
+          <a:fillRef idx="1">
+            <a:schemeClr val="accent1"/>
+          </a:fillRef>
+          <a:effectRef idx="0">
+            <a:schemeClr val="accent1"/>
+          </a:effectRef>
+          <a:fontRef idx="minor">
+            <a:schemeClr val="lt1"/>
+          </a:fontRef>
+        </p:style>
+        <p:txBody>
+          <a:bodyPr rtlCol="0" anchor="ctr"/>
+          <a:lstStyle/>
+          <a:p>
+            <a:pPr algn="ctr"/>
+            <a:r>
+              <a:rPr lang="en-US" dirty="0"/>
+              <a:t>File Storage</a:t>
+            </a:r>
+          </a:p>
+        </p:txBody>
+      </p:sp>
+      <p:sp>
+        <p:nvSpPr>
+          <p:cNvPr id="5" name="Rectangle 4">
+            <a:extLst>
+              <a:ext uri="{FF2B5EF4-FFF2-40B4-BE49-F238E27FC236}">
+                <a16:creationId xmlns:a16="http://schemas.microsoft.com/office/drawing/2014/main" id="{DA2DF49F-C45C-EB52-7E97-7C64A2A4F1B5}"/>
+              </a:ext>
+            </a:extLst>
+          </p:cNvPr>
+          <p:cNvSpPr/>
+          <p:nvPr/>
+        </p:nvSpPr>
+        <p:spPr>
+          <a:xfrm>
+            <a:off x="4146698" y="297712"/>
+            <a:ext cx="5954233" cy="5964865"/>
+          </a:xfrm>
+          <a:prstGeom prst="rect">
+            <a:avLst/>
+          </a:prstGeom>
+        </p:spPr>
+        <p:style>
+          <a:lnRef idx="3">
+            <a:schemeClr val="lt1"/>
+          </a:lnRef>
+          <a:fillRef idx="1">
+            <a:schemeClr val="accent3"/>
+          </a:fillRef>
+          <a:effectRef idx="1">
+            <a:schemeClr val="accent3"/>
+          </a:effectRef>
+          <a:fontRef idx="minor">
+            <a:schemeClr val="lt1"/>
+          </a:fontRef>
+        </p:style>
+        <p:txBody>
+          <a:bodyPr rtlCol="0" anchor="ctr"/>
+          <a:lstStyle/>
+          <a:p>
+            <a:pPr algn="ctr"/>
+            <a:endParaRPr lang="en-US"/>
+          </a:p>
+        </p:txBody>
+      </p:sp>
+      <p:sp>
+        <p:nvSpPr>
+          <p:cNvPr id="6" name="Rectangle 5">
+            <a:extLst>
+              <a:ext uri="{FF2B5EF4-FFF2-40B4-BE49-F238E27FC236}">
+                <a16:creationId xmlns:a16="http://schemas.microsoft.com/office/drawing/2014/main" id="{910D50CC-D027-6D0E-0F70-BD3A49D9C193}"/>
+              </a:ext>
+            </a:extLst>
+          </p:cNvPr>
+          <p:cNvSpPr/>
+          <p:nvPr/>
+        </p:nvSpPr>
+        <p:spPr>
+          <a:xfrm>
+            <a:off x="8123274" y="595423"/>
+            <a:ext cx="1679945" cy="5422605"/>
+          </a:xfrm>
+          <a:prstGeom prst="rect">
+            <a:avLst/>
+          </a:prstGeom>
+          <a:solidFill>
+            <a:schemeClr val="accent4">
+              <a:lumMod val="50000"/>
+            </a:schemeClr>
+          </a:solidFill>
+        </p:spPr>
+        <p:style>
+          <a:lnRef idx="2">
+            <a:schemeClr val="accent1">
+              <a:shade val="15000"/>
+            </a:schemeClr>
+          </a:lnRef>
+          <a:fillRef idx="1">
+            <a:schemeClr val="accent1"/>
+          </a:fillRef>
+          <a:effectRef idx="0">
+            <a:schemeClr val="accent1"/>
+          </a:effectRef>
+          <a:fontRef idx="minor">
+            <a:schemeClr val="lt1"/>
+          </a:fontRef>
+        </p:style>
+        <p:txBody>
+          <a:bodyPr rtlCol="0" anchor="ctr"/>
+          <a:lstStyle/>
+          <a:p>
+            <a:pPr algn="ctr"/>
+            <a:endParaRPr lang="en-US"/>
+          </a:p>
+        </p:txBody>
+      </p:sp>
+      <p:sp>
+        <p:nvSpPr>
+          <p:cNvPr id="7" name="Rectangle 6">
+            <a:extLst>
+              <a:ext uri="{FF2B5EF4-FFF2-40B4-BE49-F238E27FC236}">
+                <a16:creationId xmlns:a16="http://schemas.microsoft.com/office/drawing/2014/main" id="{D560BE87-278E-14DF-9B4D-659E83731BA5}"/>
+              </a:ext>
+            </a:extLst>
+          </p:cNvPr>
+          <p:cNvSpPr/>
+          <p:nvPr/>
+        </p:nvSpPr>
+        <p:spPr>
+          <a:xfrm>
+            <a:off x="8250865" y="967563"/>
+            <a:ext cx="1456661" cy="765543"/>
+          </a:xfrm>
+          <a:prstGeom prst="rect">
+            <a:avLst/>
+          </a:prstGeom>
+          <a:solidFill>
+            <a:srgbClr val="FFC000"/>
+          </a:solidFill>
+        </p:spPr>
+        <p:style>
+          <a:lnRef idx="2">
+            <a:schemeClr val="accent1">
+              <a:shade val="15000"/>
+            </a:schemeClr>
+          </a:lnRef>
+          <a:fillRef idx="1">
+            <a:schemeClr val="accent1"/>
+          </a:fillRef>
+          <a:effectRef idx="0">
+            <a:schemeClr val="accent1"/>
+          </a:effectRef>
+          <a:fontRef idx="minor">
+            <a:schemeClr val="lt1"/>
+          </a:fontRef>
+        </p:style>
+        <p:txBody>
+          <a:bodyPr rtlCol="0" anchor="ctr"/>
+          <a:lstStyle/>
+          <a:p>
+            <a:pPr algn="ctr"/>
+            <a:r>
+              <a:rPr lang="en-US" dirty="0"/>
+              <a:t>Module</a:t>
+            </a:r>
+          </a:p>
+          <a:p>
+            <a:pPr algn="ctr"/>
+            <a:r>
+              <a:rPr lang="en-US" dirty="0"/>
+              <a:t>For Relational DB</a:t>
+            </a:r>
+          </a:p>
+        </p:txBody>
+      </p:sp>
+      <p:sp>
+        <p:nvSpPr>
+          <p:cNvPr id="8" name="Left-right Arrow 7">
+            <a:extLst>
+              <a:ext uri="{FF2B5EF4-FFF2-40B4-BE49-F238E27FC236}">
+                <a16:creationId xmlns:a16="http://schemas.microsoft.com/office/drawing/2014/main" id="{DAB009F3-9F11-F261-A64B-5C5559EF676A}"/>
+              </a:ext>
+            </a:extLst>
+          </p:cNvPr>
+          <p:cNvSpPr/>
+          <p:nvPr/>
+        </p:nvSpPr>
+        <p:spPr>
+          <a:xfrm>
+            <a:off x="9707526" y="1265274"/>
+            <a:ext cx="956927" cy="212652"/>
+          </a:xfrm>
+          <a:prstGeom prst="leftRightArrow">
+            <a:avLst/>
+          </a:prstGeom>
+          <a:solidFill>
+            <a:schemeClr val="tx2">
+              <a:lumMod val="75000"/>
+            </a:schemeClr>
+          </a:solidFill>
+          <a:scene3d>
+            <a:camera prst="orthographicFront"/>
+            <a:lightRig rig="threePt" dir="t"/>
+          </a:scene3d>
+          <a:sp3d>
+            <a:bevelT prst="angle"/>
+          </a:sp3d>
+        </p:spPr>
+        <p:style>
+          <a:lnRef idx="2">
+            <a:schemeClr val="accent1">
+              <a:shade val="15000"/>
+            </a:schemeClr>
+          </a:lnRef>
+          <a:fillRef idx="1">
+            <a:schemeClr val="accent1"/>
+          </a:fillRef>
+          <a:effectRef idx="0">
+            <a:schemeClr val="accent1"/>
+          </a:effectRef>
+          <a:fontRef idx="minor">
+            <a:schemeClr val="lt1"/>
+          </a:fontRef>
+        </p:style>
+        <p:txBody>
+          <a:bodyPr rtlCol="0" anchor="ctr"/>
+          <a:lstStyle/>
+          <a:p>
+            <a:pPr algn="ctr"/>
+            <a:endParaRPr lang="en-US"/>
+          </a:p>
+        </p:txBody>
+      </p:sp>
+      <p:sp>
+        <p:nvSpPr>
+          <p:cNvPr id="9" name="Rectangle 8">
+            <a:extLst>
+              <a:ext uri="{FF2B5EF4-FFF2-40B4-BE49-F238E27FC236}">
+                <a16:creationId xmlns:a16="http://schemas.microsoft.com/office/drawing/2014/main" id="{886ADC4B-B4CF-4CC1-9354-94DCEBEEB067}"/>
+              </a:ext>
+            </a:extLst>
+          </p:cNvPr>
+          <p:cNvSpPr/>
+          <p:nvPr/>
+        </p:nvSpPr>
+        <p:spPr>
+          <a:xfrm>
+            <a:off x="8282763" y="2626240"/>
+            <a:ext cx="1456661" cy="765543"/>
+          </a:xfrm>
+          <a:prstGeom prst="rect">
+            <a:avLst/>
+          </a:prstGeom>
+          <a:solidFill>
+            <a:srgbClr val="C00000"/>
+          </a:solidFill>
+        </p:spPr>
+        <p:style>
+          <a:lnRef idx="2">
+            <a:schemeClr val="accent1">
+              <a:shade val="15000"/>
+            </a:schemeClr>
+          </a:lnRef>
+          <a:fillRef idx="1">
+            <a:schemeClr val="accent1"/>
+          </a:fillRef>
+          <a:effectRef idx="0">
+            <a:schemeClr val="accent1"/>
+          </a:effectRef>
+          <a:fontRef idx="minor">
+            <a:schemeClr val="lt1"/>
+          </a:fontRef>
+        </p:style>
+        <p:txBody>
+          <a:bodyPr rtlCol="0" anchor="ctr"/>
+          <a:lstStyle/>
+          <a:p>
+            <a:pPr algn="ctr"/>
+            <a:r>
+              <a:rPr lang="en-US" dirty="0"/>
+              <a:t>Module</a:t>
+            </a:r>
+          </a:p>
+          <a:p>
+            <a:pPr algn="ctr"/>
+            <a:r>
+              <a:rPr lang="en-US" dirty="0"/>
+              <a:t>For NoSQL DB</a:t>
+            </a:r>
+          </a:p>
+        </p:txBody>
+      </p:sp>
+      <p:sp>
+        <p:nvSpPr>
+          <p:cNvPr id="10" name="Left-right Arrow 9">
+            <a:extLst>
+              <a:ext uri="{FF2B5EF4-FFF2-40B4-BE49-F238E27FC236}">
+                <a16:creationId xmlns:a16="http://schemas.microsoft.com/office/drawing/2014/main" id="{D09FAB13-AD22-D3C2-0B39-EAB78920AB84}"/>
+              </a:ext>
+            </a:extLst>
+          </p:cNvPr>
+          <p:cNvSpPr/>
+          <p:nvPr/>
+        </p:nvSpPr>
+        <p:spPr>
+          <a:xfrm>
+            <a:off x="9739424" y="2923951"/>
+            <a:ext cx="956927" cy="212652"/>
+          </a:xfrm>
+          <a:prstGeom prst="leftRightArrow">
+            <a:avLst/>
+          </a:prstGeom>
+          <a:solidFill>
+            <a:schemeClr val="tx2">
+              <a:lumMod val="75000"/>
+            </a:schemeClr>
+          </a:solidFill>
+          <a:scene3d>
+            <a:camera prst="orthographicFront"/>
+            <a:lightRig rig="threePt" dir="t"/>
+          </a:scene3d>
+          <a:sp3d>
+            <a:bevelT prst="angle"/>
+          </a:sp3d>
+        </p:spPr>
+        <p:style>
+          <a:lnRef idx="2">
+            <a:schemeClr val="accent1">
+              <a:shade val="15000"/>
+            </a:schemeClr>
+          </a:lnRef>
+          <a:fillRef idx="1">
+            <a:schemeClr val="accent1"/>
+          </a:fillRef>
+          <a:effectRef idx="0">
+            <a:schemeClr val="accent1"/>
+          </a:effectRef>
+          <a:fontRef idx="minor">
+            <a:schemeClr val="lt1"/>
+          </a:fontRef>
+        </p:style>
+        <p:txBody>
+          <a:bodyPr rtlCol="0" anchor="ctr"/>
+          <a:lstStyle/>
+          <a:p>
+            <a:pPr algn="ctr"/>
+            <a:endParaRPr lang="en-US"/>
+          </a:p>
+        </p:txBody>
+      </p:sp>
+      <p:sp>
+        <p:nvSpPr>
+          <p:cNvPr id="11" name="Rectangle 10">
+            <a:extLst>
+              <a:ext uri="{FF2B5EF4-FFF2-40B4-BE49-F238E27FC236}">
+                <a16:creationId xmlns:a16="http://schemas.microsoft.com/office/drawing/2014/main" id="{8B1FDC82-EC59-8C45-8AF9-B8C11131FCC8}"/>
+              </a:ext>
+            </a:extLst>
+          </p:cNvPr>
+          <p:cNvSpPr/>
+          <p:nvPr/>
+        </p:nvSpPr>
+        <p:spPr>
+          <a:xfrm>
+            <a:off x="8314658" y="4651739"/>
+            <a:ext cx="1456661" cy="765543"/>
+          </a:xfrm>
+          <a:prstGeom prst="rect">
+            <a:avLst/>
+          </a:prstGeom>
+          <a:solidFill>
+            <a:srgbClr val="7030A0"/>
+          </a:solidFill>
+        </p:spPr>
+        <p:style>
+          <a:lnRef idx="2">
+            <a:schemeClr val="accent1">
+              <a:shade val="15000"/>
+            </a:schemeClr>
+          </a:lnRef>
+          <a:fillRef idx="1">
+            <a:schemeClr val="accent1"/>
+          </a:fillRef>
+          <a:effectRef idx="0">
+            <a:schemeClr val="accent1"/>
+          </a:effectRef>
+          <a:fontRef idx="minor">
+            <a:schemeClr val="lt1"/>
+          </a:fontRef>
+        </p:style>
+        <p:txBody>
+          <a:bodyPr rtlCol="0" anchor="ctr"/>
+          <a:lstStyle/>
+          <a:p>
+            <a:pPr algn="ctr"/>
+            <a:r>
+              <a:rPr lang="en-US" dirty="0"/>
+              <a:t>Module</a:t>
+            </a:r>
+          </a:p>
+          <a:p>
+            <a:pPr algn="ctr"/>
+            <a:r>
+              <a:rPr lang="en-US" dirty="0"/>
+              <a:t>For File Access</a:t>
+            </a:r>
+          </a:p>
+        </p:txBody>
+      </p:sp>
+      <p:sp>
+        <p:nvSpPr>
+          <p:cNvPr id="12" name="Left-right Arrow 11">
+            <a:extLst>
+              <a:ext uri="{FF2B5EF4-FFF2-40B4-BE49-F238E27FC236}">
+                <a16:creationId xmlns:a16="http://schemas.microsoft.com/office/drawing/2014/main" id="{A0F08A11-239C-F3F3-3EBF-7486DC58B04A}"/>
+              </a:ext>
+            </a:extLst>
+          </p:cNvPr>
+          <p:cNvSpPr/>
+          <p:nvPr/>
+        </p:nvSpPr>
+        <p:spPr>
+          <a:xfrm>
+            <a:off x="9771319" y="4949450"/>
+            <a:ext cx="956927" cy="212652"/>
+          </a:xfrm>
+          <a:prstGeom prst="leftRightArrow">
+            <a:avLst/>
+          </a:prstGeom>
+          <a:solidFill>
+            <a:schemeClr val="tx2">
+              <a:lumMod val="75000"/>
+            </a:schemeClr>
+          </a:solidFill>
+          <a:scene3d>
+            <a:camera prst="orthographicFront"/>
+            <a:lightRig rig="threePt" dir="t"/>
+          </a:scene3d>
+          <a:sp3d>
+            <a:bevelT prst="angle"/>
+          </a:sp3d>
+        </p:spPr>
+        <p:style>
+          <a:lnRef idx="2">
+            <a:schemeClr val="accent1">
+              <a:shade val="15000"/>
+            </a:schemeClr>
+          </a:lnRef>
+          <a:fillRef idx="1">
+            <a:schemeClr val="accent1"/>
+          </a:fillRef>
+          <a:effectRef idx="0">
+            <a:schemeClr val="accent1"/>
+          </a:effectRef>
+          <a:fontRef idx="minor">
+            <a:schemeClr val="lt1"/>
+          </a:fontRef>
+        </p:style>
+        <p:txBody>
+          <a:bodyPr rtlCol="0" anchor="ctr"/>
+          <a:lstStyle/>
+          <a:p>
+            <a:pPr algn="ctr"/>
+            <a:endParaRPr lang="en-US"/>
+          </a:p>
+        </p:txBody>
+      </p:sp>
+      <p:sp>
+        <p:nvSpPr>
+          <p:cNvPr id="13" name="Rectangle 12">
+            <a:extLst>
+              <a:ext uri="{FF2B5EF4-FFF2-40B4-BE49-F238E27FC236}">
+                <a16:creationId xmlns:a16="http://schemas.microsoft.com/office/drawing/2014/main" id="{A9B138D5-BFFA-2127-B75A-C7E378E375CE}"/>
+              </a:ext>
+            </a:extLst>
+          </p:cNvPr>
+          <p:cNvSpPr/>
+          <p:nvPr/>
+        </p:nvSpPr>
+        <p:spPr>
+          <a:xfrm>
+            <a:off x="6177517" y="510364"/>
+            <a:ext cx="1679944" cy="5507664"/>
+          </a:xfrm>
+          <a:prstGeom prst="rect">
+            <a:avLst/>
+          </a:prstGeom>
+        </p:spPr>
+        <p:style>
+          <a:lnRef idx="1">
+            <a:schemeClr val="accent4"/>
+          </a:lnRef>
+          <a:fillRef idx="2">
+            <a:schemeClr val="accent4"/>
+          </a:fillRef>
+          <a:effectRef idx="1">
+            <a:schemeClr val="accent4"/>
+          </a:effectRef>
+          <a:fontRef idx="minor">
+            <a:schemeClr val="dk1"/>
+          </a:fontRef>
+        </p:style>
+        <p:txBody>
+          <a:bodyPr rtlCol="0" anchor="ctr"/>
+          <a:lstStyle/>
+          <a:p>
+            <a:pPr algn="ctr"/>
+            <a:r>
+              <a:rPr lang="en-US" b="1" dirty="0"/>
+              <a:t>Business Workflow Layer</a:t>
+            </a:r>
+          </a:p>
+          <a:p>
+            <a:pPr algn="ctr"/>
+            <a:r>
+              <a:rPr lang="en-US" b="1" dirty="0"/>
+              <a:t>Module</a:t>
+            </a:r>
+          </a:p>
+          <a:p>
+            <a:pPr algn="ctr"/>
+            <a:r>
+              <a:rPr lang="en-US" b="1" dirty="0"/>
+              <a:t>Domain Driven Development (DDD)</a:t>
+            </a:r>
+          </a:p>
+        </p:txBody>
+      </p:sp>
+      <p:sp>
+        <p:nvSpPr>
+          <p:cNvPr id="14" name="Left-right Arrow 13">
+            <a:extLst>
+              <a:ext uri="{FF2B5EF4-FFF2-40B4-BE49-F238E27FC236}">
+                <a16:creationId xmlns:a16="http://schemas.microsoft.com/office/drawing/2014/main" id="{40140D2B-BAC6-AEB2-6821-29812F2D756B}"/>
+              </a:ext>
+            </a:extLst>
+          </p:cNvPr>
+          <p:cNvSpPr/>
+          <p:nvPr/>
+        </p:nvSpPr>
+        <p:spPr>
+          <a:xfrm>
+            <a:off x="7464058" y="2030819"/>
+            <a:ext cx="978193" cy="308344"/>
+          </a:xfrm>
+          <a:prstGeom prst="leftRightArrow">
+            <a:avLst/>
+          </a:prstGeom>
+          <a:solidFill>
+            <a:schemeClr val="tx2">
+              <a:lumMod val="75000"/>
+            </a:schemeClr>
+          </a:solidFill>
+          <a:scene3d>
+            <a:camera prst="orthographicFront"/>
+            <a:lightRig rig="threePt" dir="t"/>
+          </a:scene3d>
+          <a:sp3d>
+            <a:bevelT prst="angle"/>
+          </a:sp3d>
+        </p:spPr>
+        <p:style>
+          <a:lnRef idx="2">
+            <a:schemeClr val="accent1">
+              <a:shade val="15000"/>
+            </a:schemeClr>
+          </a:lnRef>
+          <a:fillRef idx="1">
+            <a:schemeClr val="accent1"/>
+          </a:fillRef>
+          <a:effectRef idx="0">
+            <a:schemeClr val="accent1"/>
+          </a:effectRef>
+          <a:fontRef idx="minor">
+            <a:schemeClr val="lt1"/>
+          </a:fontRef>
+        </p:style>
+        <p:txBody>
+          <a:bodyPr rtlCol="0" anchor="ctr"/>
+          <a:lstStyle/>
+          <a:p>
+            <a:pPr algn="ctr"/>
+            <a:endParaRPr lang="en-US"/>
+          </a:p>
+        </p:txBody>
+      </p:sp>
+      <p:sp>
+        <p:nvSpPr>
+          <p:cNvPr id="15" name="Left-right Arrow 14">
+            <a:extLst>
+              <a:ext uri="{FF2B5EF4-FFF2-40B4-BE49-F238E27FC236}">
+                <a16:creationId xmlns:a16="http://schemas.microsoft.com/office/drawing/2014/main" id="{B55CD673-E95B-989D-9CA5-0FE1B837B69A}"/>
+              </a:ext>
+            </a:extLst>
+          </p:cNvPr>
+          <p:cNvSpPr/>
+          <p:nvPr/>
+        </p:nvSpPr>
+        <p:spPr>
+          <a:xfrm>
+            <a:off x="7400265" y="4231753"/>
+            <a:ext cx="978193" cy="308344"/>
+          </a:xfrm>
+          <a:prstGeom prst="leftRightArrow">
+            <a:avLst/>
+          </a:prstGeom>
+          <a:solidFill>
+            <a:schemeClr val="tx2">
+              <a:lumMod val="75000"/>
+            </a:schemeClr>
+          </a:solidFill>
+          <a:scene3d>
+            <a:camera prst="orthographicFront"/>
+            <a:lightRig rig="threePt" dir="t"/>
+          </a:scene3d>
+          <a:sp3d>
+            <a:bevelT prst="angle"/>
+          </a:sp3d>
+        </p:spPr>
+        <p:style>
+          <a:lnRef idx="2">
+            <a:schemeClr val="accent1">
+              <a:shade val="15000"/>
+            </a:schemeClr>
+          </a:lnRef>
+          <a:fillRef idx="1">
+            <a:schemeClr val="accent1"/>
+          </a:fillRef>
+          <a:effectRef idx="0">
+            <a:schemeClr val="accent1"/>
+          </a:effectRef>
+          <a:fontRef idx="minor">
+            <a:schemeClr val="lt1"/>
+          </a:fontRef>
+        </p:style>
+        <p:txBody>
+          <a:bodyPr rtlCol="0" anchor="ctr"/>
+          <a:lstStyle/>
+          <a:p>
+            <a:pPr algn="ctr"/>
+            <a:endParaRPr lang="en-US"/>
+          </a:p>
+        </p:txBody>
+      </p:sp>
+      <p:sp>
+        <p:nvSpPr>
+          <p:cNvPr id="16" name="Rectangle 15">
+            <a:extLst>
+              <a:ext uri="{FF2B5EF4-FFF2-40B4-BE49-F238E27FC236}">
+                <a16:creationId xmlns:a16="http://schemas.microsoft.com/office/drawing/2014/main" id="{C900AB85-BF3D-1282-A9FA-F50D395AC275}"/>
+              </a:ext>
+            </a:extLst>
+          </p:cNvPr>
+          <p:cNvSpPr/>
+          <p:nvPr/>
+        </p:nvSpPr>
+        <p:spPr>
+          <a:xfrm>
+            <a:off x="4922875" y="1371597"/>
+            <a:ext cx="956930" cy="3726707"/>
+          </a:xfrm>
+          <a:prstGeom prst="rect">
+            <a:avLst/>
+          </a:prstGeom>
+          <a:solidFill>
+            <a:schemeClr val="tx1">
+              <a:lumMod val="85000"/>
+              <a:lumOff val="15000"/>
+            </a:schemeClr>
+          </a:solidFill>
+        </p:spPr>
+        <p:style>
+          <a:lnRef idx="2">
+            <a:schemeClr val="accent1">
+              <a:shade val="15000"/>
+            </a:schemeClr>
+          </a:lnRef>
+          <a:fillRef idx="1">
+            <a:schemeClr val="accent1"/>
+          </a:fillRef>
+          <a:effectRef idx="0">
+            <a:schemeClr val="accent1"/>
+          </a:effectRef>
+          <a:fontRef idx="minor">
+            <a:schemeClr val="lt1"/>
+          </a:fontRef>
+        </p:style>
+        <p:txBody>
+          <a:bodyPr rtlCol="0" anchor="ctr"/>
+          <a:lstStyle/>
+          <a:p>
+            <a:pPr algn="ctr"/>
+            <a:r>
+              <a:rPr lang="en-US" b="1" dirty="0"/>
+              <a:t>REST API</a:t>
+            </a:r>
+          </a:p>
+          <a:p>
+            <a:pPr algn="ctr"/>
+            <a:r>
+              <a:rPr lang="en-US" b="1" dirty="0"/>
+              <a:t>Services</a:t>
+            </a:r>
+          </a:p>
+          <a:p>
+            <a:pPr algn="ctr"/>
+            <a:r>
+              <a:rPr lang="en-US" b="1" dirty="0"/>
+              <a:t>Module</a:t>
+            </a:r>
+          </a:p>
+        </p:txBody>
+      </p:sp>
+      <p:sp>
+        <p:nvSpPr>
+          <p:cNvPr id="17" name="Rectangle 16">
+            <a:extLst>
+              <a:ext uri="{FF2B5EF4-FFF2-40B4-BE49-F238E27FC236}">
+                <a16:creationId xmlns:a16="http://schemas.microsoft.com/office/drawing/2014/main" id="{7D83205D-9026-CAC3-A7DF-BB41778195A2}"/>
+              </a:ext>
+            </a:extLst>
+          </p:cNvPr>
+          <p:cNvSpPr/>
+          <p:nvPr/>
+        </p:nvSpPr>
+        <p:spPr>
+          <a:xfrm>
+            <a:off x="4284921" y="425302"/>
+            <a:ext cx="1594884" cy="738962"/>
+          </a:xfrm>
+          <a:prstGeom prst="rect">
+            <a:avLst/>
+          </a:prstGeom>
+        </p:spPr>
+        <p:style>
+          <a:lnRef idx="2">
+            <a:schemeClr val="accent1">
+              <a:shade val="15000"/>
+            </a:schemeClr>
+          </a:lnRef>
+          <a:fillRef idx="1">
+            <a:schemeClr val="accent1"/>
+          </a:fillRef>
+          <a:effectRef idx="0">
+            <a:schemeClr val="accent1"/>
+          </a:effectRef>
+          <a:fontRef idx="minor">
+            <a:schemeClr val="lt1"/>
+          </a:fontRef>
+        </p:style>
+        <p:txBody>
+          <a:bodyPr rtlCol="0" anchor="ctr"/>
+          <a:lstStyle/>
+          <a:p>
+            <a:pPr algn="ctr"/>
+            <a:r>
+              <a:rPr lang="en-US" dirty="0"/>
+              <a:t>Identity, Data Validations</a:t>
+            </a:r>
+          </a:p>
+          <a:p>
+            <a:pPr algn="ctr"/>
+            <a:r>
+              <a:rPr lang="en-US" dirty="0"/>
+              <a:t>Etc. Modules</a:t>
+            </a:r>
+          </a:p>
+        </p:txBody>
+      </p:sp>
+      <p:sp>
+        <p:nvSpPr>
+          <p:cNvPr id="18" name="Up-down Arrow 17">
+            <a:extLst>
+              <a:ext uri="{FF2B5EF4-FFF2-40B4-BE49-F238E27FC236}">
+                <a16:creationId xmlns:a16="http://schemas.microsoft.com/office/drawing/2014/main" id="{96690A22-8891-634F-EDDE-74F0C7C79191}"/>
+              </a:ext>
+            </a:extLst>
+          </p:cNvPr>
+          <p:cNvSpPr/>
+          <p:nvPr/>
+        </p:nvSpPr>
+        <p:spPr>
+          <a:xfrm>
+            <a:off x="5693735" y="909084"/>
+            <a:ext cx="233919" cy="568842"/>
+          </a:xfrm>
+          <a:prstGeom prst="upDownArrow">
+            <a:avLst/>
+          </a:prstGeom>
+          <a:solidFill>
+            <a:srgbClr val="FFFF00"/>
+          </a:solidFill>
+        </p:spPr>
+        <p:style>
+          <a:lnRef idx="2">
+            <a:schemeClr val="accent1">
+              <a:shade val="15000"/>
+            </a:schemeClr>
+          </a:lnRef>
+          <a:fillRef idx="1">
+            <a:schemeClr val="accent1"/>
+          </a:fillRef>
+          <a:effectRef idx="0">
+            <a:schemeClr val="accent1"/>
+          </a:effectRef>
+          <a:fontRef idx="minor">
+            <a:schemeClr val="lt1"/>
+          </a:fontRef>
+        </p:style>
+        <p:txBody>
+          <a:bodyPr rtlCol="0" anchor="ctr"/>
+          <a:lstStyle/>
+          <a:p>
+            <a:pPr algn="ctr"/>
+            <a:endParaRPr lang="en-US"/>
+          </a:p>
+        </p:txBody>
+      </p:sp>
+      <p:sp>
+        <p:nvSpPr>
+          <p:cNvPr id="19" name="Left-right Arrow 18">
+            <a:extLst>
+              <a:ext uri="{FF2B5EF4-FFF2-40B4-BE49-F238E27FC236}">
+                <a16:creationId xmlns:a16="http://schemas.microsoft.com/office/drawing/2014/main" id="{A172F129-B10A-6261-1A49-F01162063C59}"/>
+              </a:ext>
+            </a:extLst>
+          </p:cNvPr>
+          <p:cNvSpPr/>
+          <p:nvPr/>
+        </p:nvSpPr>
+        <p:spPr>
+          <a:xfrm>
+            <a:off x="5550202" y="2184991"/>
+            <a:ext cx="893126" cy="239232"/>
+          </a:xfrm>
+          <a:prstGeom prst="leftRightArrow">
+            <a:avLst/>
+          </a:prstGeom>
+          <a:solidFill>
+            <a:srgbClr val="FFFF00"/>
+          </a:solidFill>
+        </p:spPr>
+        <p:style>
+          <a:lnRef idx="2">
+            <a:schemeClr val="accent1">
+              <a:shade val="15000"/>
+            </a:schemeClr>
+          </a:lnRef>
+          <a:fillRef idx="1">
+            <a:schemeClr val="accent1"/>
+          </a:fillRef>
+          <a:effectRef idx="0">
+            <a:schemeClr val="accent1"/>
+          </a:effectRef>
+          <a:fontRef idx="minor">
+            <a:schemeClr val="lt1"/>
+          </a:fontRef>
+        </p:style>
+        <p:txBody>
+          <a:bodyPr rtlCol="0" anchor="ctr"/>
+          <a:lstStyle/>
+          <a:p>
+            <a:pPr algn="ctr"/>
+            <a:endParaRPr lang="en-US"/>
+          </a:p>
+        </p:txBody>
+      </p:sp>
+      <p:sp>
+        <p:nvSpPr>
+          <p:cNvPr id="20" name="Rectangle 19">
+            <a:extLst>
+              <a:ext uri="{FF2B5EF4-FFF2-40B4-BE49-F238E27FC236}">
+                <a16:creationId xmlns:a16="http://schemas.microsoft.com/office/drawing/2014/main" id="{5B979717-1755-901A-B390-9A479D8E8573}"/>
+              </a:ext>
+            </a:extLst>
+          </p:cNvPr>
+          <p:cNvSpPr/>
+          <p:nvPr/>
+        </p:nvSpPr>
+        <p:spPr>
+          <a:xfrm>
+            <a:off x="230373" y="2184991"/>
+            <a:ext cx="2608520" cy="2200934"/>
+          </a:xfrm>
+          <a:prstGeom prst="rect">
+            <a:avLst/>
+          </a:prstGeom>
+        </p:spPr>
+        <p:style>
+          <a:lnRef idx="2">
+            <a:schemeClr val="accent1">
+              <a:shade val="15000"/>
+            </a:schemeClr>
+          </a:lnRef>
+          <a:fillRef idx="1">
+            <a:schemeClr val="accent1"/>
+          </a:fillRef>
+          <a:effectRef idx="0">
+            <a:schemeClr val="accent1"/>
+          </a:effectRef>
+          <a:fontRef idx="minor">
+            <a:schemeClr val="lt1"/>
+          </a:fontRef>
+        </p:style>
+        <p:txBody>
+          <a:bodyPr rtlCol="0" anchor="ctr"/>
+          <a:lstStyle/>
+          <a:p>
+            <a:pPr algn="ctr"/>
+            <a:r>
+              <a:rPr lang="en-US" dirty="0"/>
+              <a:t>Front-End App designed using JS to Access REST API and Manage UI and UX</a:t>
+            </a:r>
+          </a:p>
+          <a:p>
+            <a:pPr algn="ctr"/>
+            <a:endParaRPr lang="en-US" dirty="0"/>
+          </a:p>
+          <a:p>
+            <a:pPr algn="ctr"/>
+            <a:r>
+              <a:rPr lang="en-US" dirty="0"/>
+              <a:t>Modules</a:t>
+            </a:r>
+          </a:p>
+        </p:txBody>
+      </p:sp>
+      <p:sp>
+        <p:nvSpPr>
+          <p:cNvPr id="21" name="Left-right Arrow 20">
+            <a:extLst>
+              <a:ext uri="{FF2B5EF4-FFF2-40B4-BE49-F238E27FC236}">
+                <a16:creationId xmlns:a16="http://schemas.microsoft.com/office/drawing/2014/main" id="{F044FB5B-EB16-3E46-AAD0-FB3E3A29A353}"/>
+              </a:ext>
+            </a:extLst>
+          </p:cNvPr>
+          <p:cNvSpPr/>
+          <p:nvPr/>
+        </p:nvSpPr>
+        <p:spPr>
+          <a:xfrm>
+            <a:off x="2838893" y="3136603"/>
+            <a:ext cx="1307805" cy="425303"/>
+          </a:xfrm>
+          <a:prstGeom prst="leftRightArrow">
+            <a:avLst/>
+          </a:prstGeom>
+          <a:solidFill>
+            <a:srgbClr val="FFFF00"/>
+          </a:solidFill>
+        </p:spPr>
+        <p:style>
+          <a:lnRef idx="2">
+            <a:schemeClr val="accent1">
+              <a:shade val="15000"/>
+            </a:schemeClr>
+          </a:lnRef>
+          <a:fillRef idx="1">
+            <a:schemeClr val="accent1"/>
+          </a:fillRef>
+          <a:effectRef idx="0">
+            <a:schemeClr val="accent1"/>
+          </a:effectRef>
+          <a:fontRef idx="minor">
+            <a:schemeClr val="lt1"/>
+          </a:fontRef>
+        </p:style>
+        <p:txBody>
+          <a:bodyPr rtlCol="0" anchor="ctr"/>
+          <a:lstStyle/>
+          <a:p>
+            <a:pPr algn="ctr"/>
+            <a:endParaRPr lang="en-US"/>
+          </a:p>
+        </p:txBody>
+      </p:sp>
+      <p:sp>
+        <p:nvSpPr>
+          <p:cNvPr id="22" name="TextBox 21">
+            <a:extLst>
+              <a:ext uri="{FF2B5EF4-FFF2-40B4-BE49-F238E27FC236}">
+                <a16:creationId xmlns:a16="http://schemas.microsoft.com/office/drawing/2014/main" id="{D58B1BEF-669C-A68E-6F5C-674069978090}"/>
+              </a:ext>
+            </a:extLst>
+          </p:cNvPr>
+          <p:cNvSpPr txBox="1"/>
+          <p:nvPr/>
+        </p:nvSpPr>
+        <p:spPr>
+          <a:xfrm>
+            <a:off x="230373" y="425302"/>
+            <a:ext cx="3262422" cy="369332"/>
+          </a:xfrm>
+          <a:prstGeom prst="rect">
+            <a:avLst/>
+          </a:prstGeom>
+          <a:noFill/>
+        </p:spPr>
+        <p:txBody>
+          <a:bodyPr wrap="square" rtlCol="0">
+            <a:spAutoFit/>
+          </a:bodyPr>
+          <a:lstStyle/>
+          <a:p>
+            <a:pPr algn="ctr"/>
+            <a:r>
+              <a:rPr lang="en-US" b="1" dirty="0"/>
+              <a:t>Full-Stack App</a:t>
+            </a:r>
+          </a:p>
+        </p:txBody>
+      </p:sp>
+    </p:spTree>
+    <p:extLst>
+      <p:ext uri="{BB962C8B-B14F-4D97-AF65-F5344CB8AC3E}">
+        <p14:creationId xmlns:p14="http://schemas.microsoft.com/office/powerpoint/2010/main" val="4025288793"/>
       </p:ext>
     </p:extLst>
   </p:cSld>

--- a/Training_Presentetions.pptx
+++ b/Training_Presentetions.pptx
@@ -29,6 +29,8 @@
     <p:sldId id="277" r:id="rId23"/>
     <p:sldId id="278" r:id="rId24"/>
     <p:sldId id="279" r:id="rId25"/>
+    <p:sldId id="280" r:id="rId26"/>
+    <p:sldId id="281" r:id="rId27"/>
   </p:sldIdLst>
   <p:sldSz cx="12192000" cy="6858000"/>
   <p:notesSz cx="6858000" cy="9144000"/>
@@ -284,7 +286,7 @@
           <a:p>
             <a:fld id="{D9FCDB6C-7DD4-3A4F-BB06-0EDDD9178121}" type="datetimeFigureOut">
               <a:rPr lang="en-US" smtClean="0"/>
-              <a:t>7/13/23</a:t>
+              <a:t>7/14/23</a:t>
             </a:fld>
             <a:endParaRPr lang="en-US"/>
           </a:p>
@@ -484,7 +486,7 @@
           <a:p>
             <a:fld id="{D9FCDB6C-7DD4-3A4F-BB06-0EDDD9178121}" type="datetimeFigureOut">
               <a:rPr lang="en-US" smtClean="0"/>
-              <a:t>7/13/23</a:t>
+              <a:t>7/14/23</a:t>
             </a:fld>
             <a:endParaRPr lang="en-US"/>
           </a:p>
@@ -694,7 +696,7 @@
           <a:p>
             <a:fld id="{D9FCDB6C-7DD4-3A4F-BB06-0EDDD9178121}" type="datetimeFigureOut">
               <a:rPr lang="en-US" smtClean="0"/>
-              <a:t>7/13/23</a:t>
+              <a:t>7/14/23</a:t>
             </a:fld>
             <a:endParaRPr lang="en-US"/>
           </a:p>
@@ -894,7 +896,7 @@
           <a:p>
             <a:fld id="{D9FCDB6C-7DD4-3A4F-BB06-0EDDD9178121}" type="datetimeFigureOut">
               <a:rPr lang="en-US" smtClean="0"/>
-              <a:t>7/13/23</a:t>
+              <a:t>7/14/23</a:t>
             </a:fld>
             <a:endParaRPr lang="en-US"/>
           </a:p>
@@ -1170,7 +1172,7 @@
           <a:p>
             <a:fld id="{D9FCDB6C-7DD4-3A4F-BB06-0EDDD9178121}" type="datetimeFigureOut">
               <a:rPr lang="en-US" smtClean="0"/>
-              <a:t>7/13/23</a:t>
+              <a:t>7/14/23</a:t>
             </a:fld>
             <a:endParaRPr lang="en-US"/>
           </a:p>
@@ -1438,7 +1440,7 @@
           <a:p>
             <a:fld id="{D9FCDB6C-7DD4-3A4F-BB06-0EDDD9178121}" type="datetimeFigureOut">
               <a:rPr lang="en-US" smtClean="0"/>
-              <a:t>7/13/23</a:t>
+              <a:t>7/14/23</a:t>
             </a:fld>
             <a:endParaRPr lang="en-US"/>
           </a:p>
@@ -1853,7 +1855,7 @@
           <a:p>
             <a:fld id="{D9FCDB6C-7DD4-3A4F-BB06-0EDDD9178121}" type="datetimeFigureOut">
               <a:rPr lang="en-US" smtClean="0"/>
-              <a:t>7/13/23</a:t>
+              <a:t>7/14/23</a:t>
             </a:fld>
             <a:endParaRPr lang="en-US"/>
           </a:p>
@@ -1995,7 +1997,7 @@
           <a:p>
             <a:fld id="{D9FCDB6C-7DD4-3A4F-BB06-0EDDD9178121}" type="datetimeFigureOut">
               <a:rPr lang="en-US" smtClean="0"/>
-              <a:t>7/13/23</a:t>
+              <a:t>7/14/23</a:t>
             </a:fld>
             <a:endParaRPr lang="en-US"/>
           </a:p>
@@ -2108,7 +2110,7 @@
           <a:p>
             <a:fld id="{D9FCDB6C-7DD4-3A4F-BB06-0EDDD9178121}" type="datetimeFigureOut">
               <a:rPr lang="en-US" smtClean="0"/>
-              <a:t>7/13/23</a:t>
+              <a:t>7/14/23</a:t>
             </a:fld>
             <a:endParaRPr lang="en-US"/>
           </a:p>
@@ -2421,7 +2423,7 @@
           <a:p>
             <a:fld id="{D9FCDB6C-7DD4-3A4F-BB06-0EDDD9178121}" type="datetimeFigureOut">
               <a:rPr lang="en-US" smtClean="0"/>
-              <a:t>7/13/23</a:t>
+              <a:t>7/14/23</a:t>
             </a:fld>
             <a:endParaRPr lang="en-US"/>
           </a:p>
@@ -2710,7 +2712,7 @@
           <a:p>
             <a:fld id="{D9FCDB6C-7DD4-3A4F-BB06-0EDDD9178121}" type="datetimeFigureOut">
               <a:rPr lang="en-US" smtClean="0"/>
-              <a:t>7/13/23</a:t>
+              <a:t>7/14/23</a:t>
             </a:fld>
             <a:endParaRPr lang="en-US"/>
           </a:p>
@@ -2953,7 +2955,7 @@
           <a:p>
             <a:fld id="{D9FCDB6C-7DD4-3A4F-BB06-0EDDD9178121}" type="datetimeFigureOut">
               <a:rPr lang="en-US" smtClean="0"/>
-              <a:t>7/13/23</a:t>
+              <a:t>7/14/23</a:t>
             </a:fld>
             <a:endParaRPr lang="en-US"/>
           </a:p>
@@ -17340,6 +17342,1810 @@
 </p:sld>
 </file>
 
+<file path=ppt/slides/slide25.xml><?xml version="1.0" encoding="utf-8"?>
+<p:sld xmlns:a="http://schemas.openxmlformats.org/drawingml/2006/main" xmlns:r="http://schemas.openxmlformats.org/officeDocument/2006/relationships" xmlns:p="http://schemas.openxmlformats.org/presentationml/2006/main">
+  <p:cSld>
+    <p:spTree>
+      <p:nvGrpSpPr>
+        <p:cNvPr id="1" name=""/>
+        <p:cNvGrpSpPr/>
+        <p:nvPr/>
+      </p:nvGrpSpPr>
+      <p:grpSpPr>
+        <a:xfrm>
+          <a:off x="0" y="0"/>
+          <a:ext cx="0" cy="0"/>
+          <a:chOff x="0" y="0"/>
+          <a:chExt cx="0" cy="0"/>
+        </a:xfrm>
+      </p:grpSpPr>
+      <p:sp>
+        <p:nvSpPr>
+          <p:cNvPr id="2" name="Rectangle 1">
+            <a:extLst>
+              <a:ext uri="{FF2B5EF4-FFF2-40B4-BE49-F238E27FC236}">
+                <a16:creationId xmlns:a16="http://schemas.microsoft.com/office/drawing/2014/main" id="{4C432C01-403C-0AAE-68DC-AFADC1C8F25C}"/>
+              </a:ext>
+            </a:extLst>
+          </p:cNvPr>
+          <p:cNvSpPr/>
+          <p:nvPr/>
+        </p:nvSpPr>
+        <p:spPr>
+          <a:xfrm>
+            <a:off x="5979042" y="919716"/>
+            <a:ext cx="3891516" cy="5018568"/>
+          </a:xfrm>
+          <a:prstGeom prst="rect">
+            <a:avLst/>
+          </a:prstGeom>
+        </p:spPr>
+        <p:style>
+          <a:lnRef idx="2">
+            <a:schemeClr val="accent1">
+              <a:shade val="15000"/>
+            </a:schemeClr>
+          </a:lnRef>
+          <a:fillRef idx="1">
+            <a:schemeClr val="accent1"/>
+          </a:fillRef>
+          <a:effectRef idx="0">
+            <a:schemeClr val="accent1"/>
+          </a:effectRef>
+          <a:fontRef idx="minor">
+            <a:schemeClr val="lt1"/>
+          </a:fontRef>
+        </p:style>
+        <p:txBody>
+          <a:bodyPr rtlCol="0" anchor="ctr"/>
+          <a:lstStyle/>
+          <a:p>
+            <a:pPr algn="ctr"/>
+            <a:endParaRPr lang="en-US"/>
+          </a:p>
+        </p:txBody>
+      </p:sp>
+      <p:sp>
+        <p:nvSpPr>
+          <p:cNvPr id="3" name="TextBox 2">
+            <a:extLst>
+              <a:ext uri="{FF2B5EF4-FFF2-40B4-BE49-F238E27FC236}">
+                <a16:creationId xmlns:a16="http://schemas.microsoft.com/office/drawing/2014/main" id="{A2BA2024-FBDC-688A-DCF0-7349BCC268C4}"/>
+              </a:ext>
+            </a:extLst>
+          </p:cNvPr>
+          <p:cNvSpPr txBox="1"/>
+          <p:nvPr/>
+        </p:nvSpPr>
+        <p:spPr>
+          <a:xfrm>
+            <a:off x="6251944" y="255181"/>
+            <a:ext cx="3030279" cy="369332"/>
+          </a:xfrm>
+          <a:prstGeom prst="rect">
+            <a:avLst/>
+          </a:prstGeom>
+          <a:noFill/>
+        </p:spPr>
+        <p:txBody>
+          <a:bodyPr wrap="square" rtlCol="0">
+            <a:spAutoFit/>
+          </a:bodyPr>
+          <a:lstStyle/>
+          <a:p>
+            <a:pPr algn="ctr"/>
+            <a:r>
+              <a:rPr lang="en-US" b="1" dirty="0"/>
+              <a:t>Web Server</a:t>
+            </a:r>
+          </a:p>
+        </p:txBody>
+      </p:sp>
+      <p:sp>
+        <p:nvSpPr>
+          <p:cNvPr id="4" name="Rectangle 3">
+            <a:extLst>
+              <a:ext uri="{FF2B5EF4-FFF2-40B4-BE49-F238E27FC236}">
+                <a16:creationId xmlns:a16="http://schemas.microsoft.com/office/drawing/2014/main" id="{123CEF44-BC07-49DA-C1A8-CC8BA6C020F2}"/>
+              </a:ext>
+            </a:extLst>
+          </p:cNvPr>
+          <p:cNvSpPr/>
+          <p:nvPr/>
+        </p:nvSpPr>
+        <p:spPr>
+          <a:xfrm>
+            <a:off x="5922335" y="6071191"/>
+            <a:ext cx="4146698" cy="531628"/>
+          </a:xfrm>
+          <a:prstGeom prst="rect">
+            <a:avLst/>
+          </a:prstGeom>
+        </p:spPr>
+        <p:style>
+          <a:lnRef idx="2">
+            <a:schemeClr val="accent1">
+              <a:shade val="15000"/>
+            </a:schemeClr>
+          </a:lnRef>
+          <a:fillRef idx="1">
+            <a:schemeClr val="accent1"/>
+          </a:fillRef>
+          <a:effectRef idx="0">
+            <a:schemeClr val="accent1"/>
+          </a:effectRef>
+          <a:fontRef idx="minor">
+            <a:schemeClr val="lt1"/>
+          </a:fontRef>
+        </p:style>
+        <p:txBody>
+          <a:bodyPr rtlCol="0" anchor="ctr"/>
+          <a:lstStyle/>
+          <a:p>
+            <a:pPr algn="ctr"/>
+            <a:r>
+              <a:rPr lang="en-US" b="1" dirty="0"/>
+              <a:t>OS</a:t>
+            </a:r>
+          </a:p>
+        </p:txBody>
+      </p:sp>
+      <p:sp>
+        <p:nvSpPr>
+          <p:cNvPr id="5" name="Up Arrow 4">
+            <a:extLst>
+              <a:ext uri="{FF2B5EF4-FFF2-40B4-BE49-F238E27FC236}">
+                <a16:creationId xmlns:a16="http://schemas.microsoft.com/office/drawing/2014/main" id="{8E83318D-1360-3F8B-31A1-48BCDE3DFE96}"/>
+              </a:ext>
+            </a:extLst>
+          </p:cNvPr>
+          <p:cNvSpPr/>
+          <p:nvPr/>
+        </p:nvSpPr>
+        <p:spPr>
+          <a:xfrm>
+            <a:off x="6655981" y="5507665"/>
+            <a:ext cx="116959" cy="744279"/>
+          </a:xfrm>
+          <a:prstGeom prst="upArrow">
+            <a:avLst/>
+          </a:prstGeom>
+          <a:solidFill>
+            <a:schemeClr val="accent2"/>
+          </a:solidFill>
+        </p:spPr>
+        <p:style>
+          <a:lnRef idx="2">
+            <a:schemeClr val="accent1">
+              <a:shade val="15000"/>
+            </a:schemeClr>
+          </a:lnRef>
+          <a:fillRef idx="1">
+            <a:schemeClr val="accent1"/>
+          </a:fillRef>
+          <a:effectRef idx="0">
+            <a:schemeClr val="accent1"/>
+          </a:effectRef>
+          <a:fontRef idx="minor">
+            <a:schemeClr val="lt1"/>
+          </a:fontRef>
+        </p:style>
+        <p:txBody>
+          <a:bodyPr rtlCol="0" anchor="ctr"/>
+          <a:lstStyle/>
+          <a:p>
+            <a:pPr algn="ctr"/>
+            <a:endParaRPr lang="en-US"/>
+          </a:p>
+        </p:txBody>
+      </p:sp>
+      <p:sp>
+        <p:nvSpPr>
+          <p:cNvPr id="6" name="Up Arrow 5">
+            <a:extLst>
+              <a:ext uri="{FF2B5EF4-FFF2-40B4-BE49-F238E27FC236}">
+                <a16:creationId xmlns:a16="http://schemas.microsoft.com/office/drawing/2014/main" id="{28975AB7-030F-D0FA-D94C-353A8B8F29B4}"/>
+              </a:ext>
+            </a:extLst>
+          </p:cNvPr>
+          <p:cNvSpPr/>
+          <p:nvPr/>
+        </p:nvSpPr>
+        <p:spPr>
+          <a:xfrm>
+            <a:off x="9019953" y="5489208"/>
+            <a:ext cx="116959" cy="744279"/>
+          </a:xfrm>
+          <a:prstGeom prst="upArrow">
+            <a:avLst/>
+          </a:prstGeom>
+          <a:solidFill>
+            <a:schemeClr val="accent2"/>
+          </a:solidFill>
+        </p:spPr>
+        <p:style>
+          <a:lnRef idx="2">
+            <a:schemeClr val="accent1">
+              <a:shade val="15000"/>
+            </a:schemeClr>
+          </a:lnRef>
+          <a:fillRef idx="1">
+            <a:schemeClr val="accent1"/>
+          </a:fillRef>
+          <a:effectRef idx="0">
+            <a:schemeClr val="accent1"/>
+          </a:effectRef>
+          <a:fontRef idx="minor">
+            <a:schemeClr val="lt1"/>
+          </a:fontRef>
+        </p:style>
+        <p:txBody>
+          <a:bodyPr rtlCol="0" anchor="ctr"/>
+          <a:lstStyle/>
+          <a:p>
+            <a:pPr algn="ctr"/>
+            <a:endParaRPr lang="en-US"/>
+          </a:p>
+        </p:txBody>
+      </p:sp>
+      <p:sp>
+        <p:nvSpPr>
+          <p:cNvPr id="8" name="Rounded Rectangle 7">
+            <a:extLst>
+              <a:ext uri="{FF2B5EF4-FFF2-40B4-BE49-F238E27FC236}">
+                <a16:creationId xmlns:a16="http://schemas.microsoft.com/office/drawing/2014/main" id="{E2F7A353-1609-CCAA-48D4-F151E7834E05}"/>
+              </a:ext>
+            </a:extLst>
+          </p:cNvPr>
+          <p:cNvSpPr/>
+          <p:nvPr/>
+        </p:nvSpPr>
+        <p:spPr>
+          <a:xfrm>
+            <a:off x="5979042" y="2158409"/>
+            <a:ext cx="3891516" cy="3330799"/>
+          </a:xfrm>
+          <a:prstGeom prst="roundRect">
+            <a:avLst/>
+          </a:prstGeom>
+        </p:spPr>
+        <p:style>
+          <a:lnRef idx="3">
+            <a:schemeClr val="lt1"/>
+          </a:lnRef>
+          <a:fillRef idx="1">
+            <a:schemeClr val="accent3"/>
+          </a:fillRef>
+          <a:effectRef idx="1">
+            <a:schemeClr val="accent3"/>
+          </a:effectRef>
+          <a:fontRef idx="minor">
+            <a:schemeClr val="lt1"/>
+          </a:fontRef>
+        </p:style>
+        <p:txBody>
+          <a:bodyPr rtlCol="0" anchor="ctr"/>
+          <a:lstStyle/>
+          <a:p>
+            <a:pPr algn="ctr"/>
+            <a:r>
+              <a:rPr lang="en-US" dirty="0"/>
+              <a:t>Execute the Web Application</a:t>
+            </a:r>
+          </a:p>
+        </p:txBody>
+      </p:sp>
+      <p:sp>
+        <p:nvSpPr>
+          <p:cNvPr id="9" name="TextBox 8">
+            <a:extLst>
+              <a:ext uri="{FF2B5EF4-FFF2-40B4-BE49-F238E27FC236}">
+                <a16:creationId xmlns:a16="http://schemas.microsoft.com/office/drawing/2014/main" id="{7BDB3E92-E4A7-92D4-BC84-48DDE304CFCC}"/>
+              </a:ext>
+            </a:extLst>
+          </p:cNvPr>
+          <p:cNvSpPr txBox="1"/>
+          <p:nvPr/>
+        </p:nvSpPr>
+        <p:spPr>
+          <a:xfrm>
+            <a:off x="6368902" y="1541721"/>
+            <a:ext cx="3115340" cy="369332"/>
+          </a:xfrm>
+          <a:prstGeom prst="rect">
+            <a:avLst/>
+          </a:prstGeom>
+          <a:noFill/>
+        </p:spPr>
+        <p:txBody>
+          <a:bodyPr wrap="square" rtlCol="0">
+            <a:spAutoFit/>
+          </a:bodyPr>
+          <a:lstStyle/>
+          <a:p>
+            <a:pPr algn="ctr"/>
+            <a:r>
+              <a:rPr lang="en-US" b="1" dirty="0"/>
+              <a:t>Process Space</a:t>
+            </a:r>
+          </a:p>
+        </p:txBody>
+      </p:sp>
+      <p:cxnSp>
+        <p:nvCxnSpPr>
+          <p:cNvPr id="11" name="Straight Arrow Connector 10">
+            <a:extLst>
+              <a:ext uri="{FF2B5EF4-FFF2-40B4-BE49-F238E27FC236}">
+                <a16:creationId xmlns:a16="http://schemas.microsoft.com/office/drawing/2014/main" id="{A2BE520C-38F2-0AB0-B36B-67E893275EAF}"/>
+              </a:ext>
+            </a:extLst>
+          </p:cNvPr>
+          <p:cNvCxnSpPr/>
+          <p:nvPr/>
+        </p:nvCxnSpPr>
+        <p:spPr>
+          <a:xfrm>
+            <a:off x="6251944" y="4731488"/>
+            <a:ext cx="1765005" cy="0"/>
+          </a:xfrm>
+          <a:prstGeom prst="straightConnector1">
+            <a:avLst/>
+          </a:prstGeom>
+          <a:ln>
+            <a:tailEnd type="triangle"/>
+          </a:ln>
+        </p:spPr>
+        <p:style>
+          <a:lnRef idx="1">
+            <a:schemeClr val="accent1"/>
+          </a:lnRef>
+          <a:fillRef idx="0">
+            <a:schemeClr val="accent1"/>
+          </a:fillRef>
+          <a:effectRef idx="0">
+            <a:schemeClr val="accent1"/>
+          </a:effectRef>
+          <a:fontRef idx="minor">
+            <a:schemeClr val="tx1"/>
+          </a:fontRef>
+        </p:style>
+      </p:cxnSp>
+      <p:cxnSp>
+        <p:nvCxnSpPr>
+          <p:cNvPr id="12" name="Straight Arrow Connector 11">
+            <a:extLst>
+              <a:ext uri="{FF2B5EF4-FFF2-40B4-BE49-F238E27FC236}">
+                <a16:creationId xmlns:a16="http://schemas.microsoft.com/office/drawing/2014/main" id="{EF1DB5CD-4E62-5523-EFB1-773BDF1A13F1}"/>
+              </a:ext>
+            </a:extLst>
+          </p:cNvPr>
+          <p:cNvCxnSpPr/>
+          <p:nvPr/>
+        </p:nvCxnSpPr>
+        <p:spPr>
+          <a:xfrm>
+            <a:off x="6251944" y="4873255"/>
+            <a:ext cx="1765005" cy="0"/>
+          </a:xfrm>
+          <a:prstGeom prst="straightConnector1">
+            <a:avLst/>
+          </a:prstGeom>
+          <a:ln>
+            <a:tailEnd type="triangle"/>
+          </a:ln>
+        </p:spPr>
+        <p:style>
+          <a:lnRef idx="1">
+            <a:schemeClr val="accent1"/>
+          </a:lnRef>
+          <a:fillRef idx="0">
+            <a:schemeClr val="accent1"/>
+          </a:fillRef>
+          <a:effectRef idx="0">
+            <a:schemeClr val="accent1"/>
+          </a:effectRef>
+          <a:fontRef idx="minor">
+            <a:schemeClr val="tx1"/>
+          </a:fontRef>
+        </p:style>
+      </p:cxnSp>
+      <p:cxnSp>
+        <p:nvCxnSpPr>
+          <p:cNvPr id="13" name="Straight Arrow Connector 12">
+            <a:extLst>
+              <a:ext uri="{FF2B5EF4-FFF2-40B4-BE49-F238E27FC236}">
+                <a16:creationId xmlns:a16="http://schemas.microsoft.com/office/drawing/2014/main" id="{CE73756D-E6E1-8809-2F49-64F2A62351AE}"/>
+              </a:ext>
+            </a:extLst>
+          </p:cNvPr>
+          <p:cNvCxnSpPr/>
+          <p:nvPr/>
+        </p:nvCxnSpPr>
+        <p:spPr>
+          <a:xfrm>
+            <a:off x="6251944" y="5057552"/>
+            <a:ext cx="1765005" cy="0"/>
+          </a:xfrm>
+          <a:prstGeom prst="straightConnector1">
+            <a:avLst/>
+          </a:prstGeom>
+          <a:ln>
+            <a:tailEnd type="triangle"/>
+          </a:ln>
+        </p:spPr>
+        <p:style>
+          <a:lnRef idx="1">
+            <a:schemeClr val="accent1"/>
+          </a:lnRef>
+          <a:fillRef idx="0">
+            <a:schemeClr val="accent1"/>
+          </a:fillRef>
+          <a:effectRef idx="0">
+            <a:schemeClr val="accent1"/>
+          </a:effectRef>
+          <a:fontRef idx="minor">
+            <a:schemeClr val="tx1"/>
+          </a:fontRef>
+        </p:style>
+      </p:cxnSp>
+      <p:cxnSp>
+        <p:nvCxnSpPr>
+          <p:cNvPr id="14" name="Straight Arrow Connector 13">
+            <a:extLst>
+              <a:ext uri="{FF2B5EF4-FFF2-40B4-BE49-F238E27FC236}">
+                <a16:creationId xmlns:a16="http://schemas.microsoft.com/office/drawing/2014/main" id="{8F84218D-0BD3-2794-9A78-9BBDEA49D2D7}"/>
+              </a:ext>
+            </a:extLst>
+          </p:cNvPr>
+          <p:cNvCxnSpPr/>
+          <p:nvPr/>
+        </p:nvCxnSpPr>
+        <p:spPr>
+          <a:xfrm>
+            <a:off x="6251944" y="4320362"/>
+            <a:ext cx="1765005" cy="0"/>
+          </a:xfrm>
+          <a:prstGeom prst="straightConnector1">
+            <a:avLst/>
+          </a:prstGeom>
+          <a:ln>
+            <a:tailEnd type="triangle"/>
+          </a:ln>
+        </p:spPr>
+        <p:style>
+          <a:lnRef idx="1">
+            <a:schemeClr val="accent1"/>
+          </a:lnRef>
+          <a:fillRef idx="0">
+            <a:schemeClr val="accent1"/>
+          </a:fillRef>
+          <a:effectRef idx="0">
+            <a:schemeClr val="accent1"/>
+          </a:effectRef>
+          <a:fontRef idx="minor">
+            <a:schemeClr val="tx1"/>
+          </a:fontRef>
+        </p:style>
+      </p:cxnSp>
+      <p:cxnSp>
+        <p:nvCxnSpPr>
+          <p:cNvPr id="15" name="Straight Arrow Connector 14">
+            <a:extLst>
+              <a:ext uri="{FF2B5EF4-FFF2-40B4-BE49-F238E27FC236}">
+                <a16:creationId xmlns:a16="http://schemas.microsoft.com/office/drawing/2014/main" id="{A58EC38C-79D9-D564-6B21-BCBB0AF412FA}"/>
+              </a:ext>
+            </a:extLst>
+          </p:cNvPr>
+          <p:cNvCxnSpPr/>
+          <p:nvPr/>
+        </p:nvCxnSpPr>
+        <p:spPr>
+          <a:xfrm>
+            <a:off x="6251944" y="4462129"/>
+            <a:ext cx="1765005" cy="0"/>
+          </a:xfrm>
+          <a:prstGeom prst="straightConnector1">
+            <a:avLst/>
+          </a:prstGeom>
+          <a:ln>
+            <a:tailEnd type="triangle"/>
+          </a:ln>
+        </p:spPr>
+        <p:style>
+          <a:lnRef idx="1">
+            <a:schemeClr val="accent1"/>
+          </a:lnRef>
+          <a:fillRef idx="0">
+            <a:schemeClr val="accent1"/>
+          </a:fillRef>
+          <a:effectRef idx="0">
+            <a:schemeClr val="accent1"/>
+          </a:effectRef>
+          <a:fontRef idx="minor">
+            <a:schemeClr val="tx1"/>
+          </a:fontRef>
+        </p:style>
+      </p:cxnSp>
+      <p:cxnSp>
+        <p:nvCxnSpPr>
+          <p:cNvPr id="16" name="Straight Arrow Connector 15">
+            <a:extLst>
+              <a:ext uri="{FF2B5EF4-FFF2-40B4-BE49-F238E27FC236}">
+                <a16:creationId xmlns:a16="http://schemas.microsoft.com/office/drawing/2014/main" id="{BFCECC9F-B9BA-1874-27E0-996555EF0B7E}"/>
+              </a:ext>
+            </a:extLst>
+          </p:cNvPr>
+          <p:cNvCxnSpPr/>
+          <p:nvPr/>
+        </p:nvCxnSpPr>
+        <p:spPr>
+          <a:xfrm>
+            <a:off x="6251944" y="4646426"/>
+            <a:ext cx="1765005" cy="0"/>
+          </a:xfrm>
+          <a:prstGeom prst="straightConnector1">
+            <a:avLst/>
+          </a:prstGeom>
+          <a:ln>
+            <a:tailEnd type="triangle"/>
+          </a:ln>
+        </p:spPr>
+        <p:style>
+          <a:lnRef idx="1">
+            <a:schemeClr val="accent1"/>
+          </a:lnRef>
+          <a:fillRef idx="0">
+            <a:schemeClr val="accent1"/>
+          </a:fillRef>
+          <a:effectRef idx="0">
+            <a:schemeClr val="accent1"/>
+          </a:effectRef>
+          <a:fontRef idx="minor">
+            <a:schemeClr val="tx1"/>
+          </a:fontRef>
+        </p:style>
+      </p:cxnSp>
+      <p:cxnSp>
+        <p:nvCxnSpPr>
+          <p:cNvPr id="17" name="Straight Arrow Connector 16">
+            <a:extLst>
+              <a:ext uri="{FF2B5EF4-FFF2-40B4-BE49-F238E27FC236}">
+                <a16:creationId xmlns:a16="http://schemas.microsoft.com/office/drawing/2014/main" id="{D28D4AFE-2D7C-2C68-F70F-BE3E25C71597}"/>
+              </a:ext>
+            </a:extLst>
+          </p:cNvPr>
+          <p:cNvCxnSpPr/>
+          <p:nvPr/>
+        </p:nvCxnSpPr>
+        <p:spPr>
+          <a:xfrm>
+            <a:off x="6251944" y="3973032"/>
+            <a:ext cx="1765005" cy="0"/>
+          </a:xfrm>
+          <a:prstGeom prst="straightConnector1">
+            <a:avLst/>
+          </a:prstGeom>
+          <a:ln>
+            <a:tailEnd type="triangle"/>
+          </a:ln>
+        </p:spPr>
+        <p:style>
+          <a:lnRef idx="1">
+            <a:schemeClr val="accent1"/>
+          </a:lnRef>
+          <a:fillRef idx="0">
+            <a:schemeClr val="accent1"/>
+          </a:fillRef>
+          <a:effectRef idx="0">
+            <a:schemeClr val="accent1"/>
+          </a:effectRef>
+          <a:fontRef idx="minor">
+            <a:schemeClr val="tx1"/>
+          </a:fontRef>
+        </p:style>
+      </p:cxnSp>
+      <p:cxnSp>
+        <p:nvCxnSpPr>
+          <p:cNvPr id="18" name="Straight Arrow Connector 17">
+            <a:extLst>
+              <a:ext uri="{FF2B5EF4-FFF2-40B4-BE49-F238E27FC236}">
+                <a16:creationId xmlns:a16="http://schemas.microsoft.com/office/drawing/2014/main" id="{68779581-9005-7A89-E55D-FAA4936381FD}"/>
+              </a:ext>
+            </a:extLst>
+          </p:cNvPr>
+          <p:cNvCxnSpPr/>
+          <p:nvPr/>
+        </p:nvCxnSpPr>
+        <p:spPr>
+          <a:xfrm>
+            <a:off x="6251944" y="4114799"/>
+            <a:ext cx="1765005" cy="0"/>
+          </a:xfrm>
+          <a:prstGeom prst="straightConnector1">
+            <a:avLst/>
+          </a:prstGeom>
+          <a:ln>
+            <a:tailEnd type="triangle"/>
+          </a:ln>
+        </p:spPr>
+        <p:style>
+          <a:lnRef idx="1">
+            <a:schemeClr val="accent1"/>
+          </a:lnRef>
+          <a:fillRef idx="0">
+            <a:schemeClr val="accent1"/>
+          </a:fillRef>
+          <a:effectRef idx="0">
+            <a:schemeClr val="accent1"/>
+          </a:effectRef>
+          <a:fontRef idx="minor">
+            <a:schemeClr val="tx1"/>
+          </a:fontRef>
+        </p:style>
+      </p:cxnSp>
+      <p:cxnSp>
+        <p:nvCxnSpPr>
+          <p:cNvPr id="19" name="Straight Arrow Connector 18">
+            <a:extLst>
+              <a:ext uri="{FF2B5EF4-FFF2-40B4-BE49-F238E27FC236}">
+                <a16:creationId xmlns:a16="http://schemas.microsoft.com/office/drawing/2014/main" id="{9D342C92-FFB0-B1B9-75BB-A594704DEBB2}"/>
+              </a:ext>
+            </a:extLst>
+          </p:cNvPr>
+          <p:cNvCxnSpPr/>
+          <p:nvPr/>
+        </p:nvCxnSpPr>
+        <p:spPr>
+          <a:xfrm>
+            <a:off x="6251944" y="4299096"/>
+            <a:ext cx="1765005" cy="0"/>
+          </a:xfrm>
+          <a:prstGeom prst="straightConnector1">
+            <a:avLst/>
+          </a:prstGeom>
+          <a:ln>
+            <a:tailEnd type="triangle"/>
+          </a:ln>
+        </p:spPr>
+        <p:style>
+          <a:lnRef idx="1">
+            <a:schemeClr val="accent1"/>
+          </a:lnRef>
+          <a:fillRef idx="0">
+            <a:schemeClr val="accent1"/>
+          </a:fillRef>
+          <a:effectRef idx="0">
+            <a:schemeClr val="accent1"/>
+          </a:effectRef>
+          <a:fontRef idx="minor">
+            <a:schemeClr val="tx1"/>
+          </a:fontRef>
+        </p:style>
+      </p:cxnSp>
+      <p:cxnSp>
+        <p:nvCxnSpPr>
+          <p:cNvPr id="20" name="Straight Arrow Connector 19">
+            <a:extLst>
+              <a:ext uri="{FF2B5EF4-FFF2-40B4-BE49-F238E27FC236}">
+                <a16:creationId xmlns:a16="http://schemas.microsoft.com/office/drawing/2014/main" id="{C9CFE973-BBA2-BD35-D55E-E884298F7D82}"/>
+              </a:ext>
+            </a:extLst>
+          </p:cNvPr>
+          <p:cNvCxnSpPr/>
+          <p:nvPr/>
+        </p:nvCxnSpPr>
+        <p:spPr>
+          <a:xfrm>
+            <a:off x="6368902" y="3331534"/>
+            <a:ext cx="1765005" cy="0"/>
+          </a:xfrm>
+          <a:prstGeom prst="straightConnector1">
+            <a:avLst/>
+          </a:prstGeom>
+          <a:ln>
+            <a:tailEnd type="triangle"/>
+          </a:ln>
+        </p:spPr>
+        <p:style>
+          <a:lnRef idx="1">
+            <a:schemeClr val="accent1"/>
+          </a:lnRef>
+          <a:fillRef idx="0">
+            <a:schemeClr val="accent1"/>
+          </a:fillRef>
+          <a:effectRef idx="0">
+            <a:schemeClr val="accent1"/>
+          </a:effectRef>
+          <a:fontRef idx="minor">
+            <a:schemeClr val="tx1"/>
+          </a:fontRef>
+        </p:style>
+      </p:cxnSp>
+      <p:cxnSp>
+        <p:nvCxnSpPr>
+          <p:cNvPr id="21" name="Straight Arrow Connector 20">
+            <a:extLst>
+              <a:ext uri="{FF2B5EF4-FFF2-40B4-BE49-F238E27FC236}">
+                <a16:creationId xmlns:a16="http://schemas.microsoft.com/office/drawing/2014/main" id="{A51DCF0D-FE38-2D30-F176-9B6200D495AC}"/>
+              </a:ext>
+            </a:extLst>
+          </p:cNvPr>
+          <p:cNvCxnSpPr/>
+          <p:nvPr/>
+        </p:nvCxnSpPr>
+        <p:spPr>
+          <a:xfrm>
+            <a:off x="6368902" y="3473301"/>
+            <a:ext cx="1765005" cy="0"/>
+          </a:xfrm>
+          <a:prstGeom prst="straightConnector1">
+            <a:avLst/>
+          </a:prstGeom>
+          <a:ln>
+            <a:tailEnd type="triangle"/>
+          </a:ln>
+        </p:spPr>
+        <p:style>
+          <a:lnRef idx="1">
+            <a:schemeClr val="accent1"/>
+          </a:lnRef>
+          <a:fillRef idx="0">
+            <a:schemeClr val="accent1"/>
+          </a:fillRef>
+          <a:effectRef idx="0">
+            <a:schemeClr val="accent1"/>
+          </a:effectRef>
+          <a:fontRef idx="minor">
+            <a:schemeClr val="tx1"/>
+          </a:fontRef>
+        </p:style>
+      </p:cxnSp>
+      <p:cxnSp>
+        <p:nvCxnSpPr>
+          <p:cNvPr id="22" name="Straight Arrow Connector 21">
+            <a:extLst>
+              <a:ext uri="{FF2B5EF4-FFF2-40B4-BE49-F238E27FC236}">
+                <a16:creationId xmlns:a16="http://schemas.microsoft.com/office/drawing/2014/main" id="{FB2FE66A-869A-AF33-0D84-3BC9B4D0952E}"/>
+              </a:ext>
+            </a:extLst>
+          </p:cNvPr>
+          <p:cNvCxnSpPr/>
+          <p:nvPr/>
+        </p:nvCxnSpPr>
+        <p:spPr>
+          <a:xfrm>
+            <a:off x="6368902" y="3657598"/>
+            <a:ext cx="1765005" cy="0"/>
+          </a:xfrm>
+          <a:prstGeom prst="straightConnector1">
+            <a:avLst/>
+          </a:prstGeom>
+          <a:ln>
+            <a:tailEnd type="triangle"/>
+          </a:ln>
+        </p:spPr>
+        <p:style>
+          <a:lnRef idx="1">
+            <a:schemeClr val="accent1"/>
+          </a:lnRef>
+          <a:fillRef idx="0">
+            <a:schemeClr val="accent1"/>
+          </a:fillRef>
+          <a:effectRef idx="0">
+            <a:schemeClr val="accent1"/>
+          </a:effectRef>
+          <a:fontRef idx="minor">
+            <a:schemeClr val="tx1"/>
+          </a:fontRef>
+        </p:style>
+      </p:cxnSp>
+      <p:cxnSp>
+        <p:nvCxnSpPr>
+          <p:cNvPr id="23" name="Straight Arrow Connector 22">
+            <a:extLst>
+              <a:ext uri="{FF2B5EF4-FFF2-40B4-BE49-F238E27FC236}">
+                <a16:creationId xmlns:a16="http://schemas.microsoft.com/office/drawing/2014/main" id="{C4D5AEA7-501B-8D42-2895-CD08B0560CE7}"/>
+              </a:ext>
+            </a:extLst>
+          </p:cNvPr>
+          <p:cNvCxnSpPr/>
+          <p:nvPr/>
+        </p:nvCxnSpPr>
+        <p:spPr>
+          <a:xfrm>
+            <a:off x="6368902" y="3062175"/>
+            <a:ext cx="1765005" cy="0"/>
+          </a:xfrm>
+          <a:prstGeom prst="straightConnector1">
+            <a:avLst/>
+          </a:prstGeom>
+          <a:ln>
+            <a:tailEnd type="triangle"/>
+          </a:ln>
+        </p:spPr>
+        <p:style>
+          <a:lnRef idx="1">
+            <a:schemeClr val="accent1"/>
+          </a:lnRef>
+          <a:fillRef idx="0">
+            <a:schemeClr val="accent1"/>
+          </a:fillRef>
+          <a:effectRef idx="0">
+            <a:schemeClr val="accent1"/>
+          </a:effectRef>
+          <a:fontRef idx="minor">
+            <a:schemeClr val="tx1"/>
+          </a:fontRef>
+        </p:style>
+      </p:cxnSp>
+      <p:cxnSp>
+        <p:nvCxnSpPr>
+          <p:cNvPr id="24" name="Straight Arrow Connector 23">
+            <a:extLst>
+              <a:ext uri="{FF2B5EF4-FFF2-40B4-BE49-F238E27FC236}">
+                <a16:creationId xmlns:a16="http://schemas.microsoft.com/office/drawing/2014/main" id="{3C7A88D4-0C15-3673-A0A3-1F3E251279F7}"/>
+              </a:ext>
+            </a:extLst>
+          </p:cNvPr>
+          <p:cNvCxnSpPr/>
+          <p:nvPr/>
+        </p:nvCxnSpPr>
+        <p:spPr>
+          <a:xfrm>
+            <a:off x="6368902" y="3246472"/>
+            <a:ext cx="1765005" cy="0"/>
+          </a:xfrm>
+          <a:prstGeom prst="straightConnector1">
+            <a:avLst/>
+          </a:prstGeom>
+          <a:ln>
+            <a:tailEnd type="triangle"/>
+          </a:ln>
+        </p:spPr>
+        <p:style>
+          <a:lnRef idx="1">
+            <a:schemeClr val="accent1"/>
+          </a:lnRef>
+          <a:fillRef idx="0">
+            <a:schemeClr val="accent1"/>
+          </a:fillRef>
+          <a:effectRef idx="0">
+            <a:schemeClr val="accent1"/>
+          </a:effectRef>
+          <a:fontRef idx="minor">
+            <a:schemeClr val="tx1"/>
+          </a:fontRef>
+        </p:style>
+      </p:cxnSp>
+      <p:cxnSp>
+        <p:nvCxnSpPr>
+          <p:cNvPr id="25" name="Straight Arrow Connector 24">
+            <a:extLst>
+              <a:ext uri="{FF2B5EF4-FFF2-40B4-BE49-F238E27FC236}">
+                <a16:creationId xmlns:a16="http://schemas.microsoft.com/office/drawing/2014/main" id="{449FDD20-5289-E104-4F80-FA1E218A20DC}"/>
+              </a:ext>
+            </a:extLst>
+          </p:cNvPr>
+          <p:cNvCxnSpPr/>
+          <p:nvPr/>
+        </p:nvCxnSpPr>
+        <p:spPr>
+          <a:xfrm>
+            <a:off x="6368902" y="2899142"/>
+            <a:ext cx="1765005" cy="0"/>
+          </a:xfrm>
+          <a:prstGeom prst="straightConnector1">
+            <a:avLst/>
+          </a:prstGeom>
+          <a:ln>
+            <a:tailEnd type="triangle"/>
+          </a:ln>
+        </p:spPr>
+        <p:style>
+          <a:lnRef idx="1">
+            <a:schemeClr val="accent1"/>
+          </a:lnRef>
+          <a:fillRef idx="0">
+            <a:schemeClr val="accent1"/>
+          </a:fillRef>
+          <a:effectRef idx="0">
+            <a:schemeClr val="accent1"/>
+          </a:effectRef>
+          <a:fontRef idx="minor">
+            <a:schemeClr val="tx1"/>
+          </a:fontRef>
+        </p:style>
+      </p:cxnSp>
+      <p:cxnSp>
+        <p:nvCxnSpPr>
+          <p:cNvPr id="27" name="Straight Arrow Connector 26">
+            <a:extLst>
+              <a:ext uri="{FF2B5EF4-FFF2-40B4-BE49-F238E27FC236}">
+                <a16:creationId xmlns:a16="http://schemas.microsoft.com/office/drawing/2014/main" id="{2B22CC0F-E93B-B70D-2027-FBA02ABACCA1}"/>
+              </a:ext>
+            </a:extLst>
+          </p:cNvPr>
+          <p:cNvCxnSpPr>
+            <a:endCxn id="8" idx="1"/>
+          </p:cNvCxnSpPr>
+          <p:nvPr/>
+        </p:nvCxnSpPr>
+        <p:spPr>
+          <a:xfrm>
+            <a:off x="1169581" y="1669312"/>
+            <a:ext cx="4809461" cy="2154497"/>
+          </a:xfrm>
+          <a:prstGeom prst="straightConnector1">
+            <a:avLst/>
+          </a:prstGeom>
+          <a:ln>
+            <a:tailEnd type="triangle"/>
+          </a:ln>
+        </p:spPr>
+        <p:style>
+          <a:lnRef idx="1">
+            <a:schemeClr val="accent1"/>
+          </a:lnRef>
+          <a:fillRef idx="0">
+            <a:schemeClr val="accent1"/>
+          </a:fillRef>
+          <a:effectRef idx="0">
+            <a:schemeClr val="accent1"/>
+          </a:effectRef>
+          <a:fontRef idx="minor">
+            <a:schemeClr val="tx1"/>
+          </a:fontRef>
+        </p:style>
+      </p:cxnSp>
+      <p:cxnSp>
+        <p:nvCxnSpPr>
+          <p:cNvPr id="29" name="Straight Arrow Connector 28">
+            <a:extLst>
+              <a:ext uri="{FF2B5EF4-FFF2-40B4-BE49-F238E27FC236}">
+                <a16:creationId xmlns:a16="http://schemas.microsoft.com/office/drawing/2014/main" id="{F4B8E3A9-9679-BE32-DB35-DC27B30DF281}"/>
+              </a:ext>
+            </a:extLst>
+          </p:cNvPr>
+          <p:cNvCxnSpPr>
+            <a:endCxn id="8" idx="1"/>
+          </p:cNvCxnSpPr>
+          <p:nvPr/>
+        </p:nvCxnSpPr>
+        <p:spPr>
+          <a:xfrm>
+            <a:off x="372140" y="2328530"/>
+            <a:ext cx="5606902" cy="1495279"/>
+          </a:xfrm>
+          <a:prstGeom prst="straightConnector1">
+            <a:avLst/>
+          </a:prstGeom>
+          <a:ln>
+            <a:tailEnd type="triangle"/>
+          </a:ln>
+        </p:spPr>
+        <p:style>
+          <a:lnRef idx="1">
+            <a:schemeClr val="accent1"/>
+          </a:lnRef>
+          <a:fillRef idx="0">
+            <a:schemeClr val="accent1"/>
+          </a:fillRef>
+          <a:effectRef idx="0">
+            <a:schemeClr val="accent1"/>
+          </a:effectRef>
+          <a:fontRef idx="minor">
+            <a:schemeClr val="tx1"/>
+          </a:fontRef>
+        </p:style>
+      </p:cxnSp>
+      <p:cxnSp>
+        <p:nvCxnSpPr>
+          <p:cNvPr id="31" name="Straight Arrow Connector 30">
+            <a:extLst>
+              <a:ext uri="{FF2B5EF4-FFF2-40B4-BE49-F238E27FC236}">
+                <a16:creationId xmlns:a16="http://schemas.microsoft.com/office/drawing/2014/main" id="{F423A266-D389-8B0D-0DC4-E9C6D50DC113}"/>
+              </a:ext>
+            </a:extLst>
+          </p:cNvPr>
+          <p:cNvCxnSpPr>
+            <a:endCxn id="8" idx="1"/>
+          </p:cNvCxnSpPr>
+          <p:nvPr/>
+        </p:nvCxnSpPr>
+        <p:spPr>
+          <a:xfrm>
+            <a:off x="701749" y="3246472"/>
+            <a:ext cx="5277293" cy="577337"/>
+          </a:xfrm>
+          <a:prstGeom prst="straightConnector1">
+            <a:avLst/>
+          </a:prstGeom>
+          <a:ln>
+            <a:tailEnd type="triangle"/>
+          </a:ln>
+        </p:spPr>
+        <p:style>
+          <a:lnRef idx="1">
+            <a:schemeClr val="accent1"/>
+          </a:lnRef>
+          <a:fillRef idx="0">
+            <a:schemeClr val="accent1"/>
+          </a:fillRef>
+          <a:effectRef idx="0">
+            <a:schemeClr val="accent1"/>
+          </a:effectRef>
+          <a:fontRef idx="minor">
+            <a:schemeClr val="tx1"/>
+          </a:fontRef>
+        </p:style>
+      </p:cxnSp>
+      <p:cxnSp>
+        <p:nvCxnSpPr>
+          <p:cNvPr id="33" name="Straight Arrow Connector 32">
+            <a:extLst>
+              <a:ext uri="{FF2B5EF4-FFF2-40B4-BE49-F238E27FC236}">
+                <a16:creationId xmlns:a16="http://schemas.microsoft.com/office/drawing/2014/main" id="{C09C1130-6884-D1D8-4684-D50620C250CE}"/>
+              </a:ext>
+            </a:extLst>
+          </p:cNvPr>
+          <p:cNvCxnSpPr>
+            <a:endCxn id="8" idx="1"/>
+          </p:cNvCxnSpPr>
+          <p:nvPr/>
+        </p:nvCxnSpPr>
+        <p:spPr>
+          <a:xfrm flipV="1">
+            <a:off x="659219" y="3823809"/>
+            <a:ext cx="5319823" cy="290990"/>
+          </a:xfrm>
+          <a:prstGeom prst="straightConnector1">
+            <a:avLst/>
+          </a:prstGeom>
+          <a:ln>
+            <a:tailEnd type="triangle"/>
+          </a:ln>
+        </p:spPr>
+        <p:style>
+          <a:lnRef idx="1">
+            <a:schemeClr val="accent1"/>
+          </a:lnRef>
+          <a:fillRef idx="0">
+            <a:schemeClr val="accent1"/>
+          </a:fillRef>
+          <a:effectRef idx="0">
+            <a:schemeClr val="accent1"/>
+          </a:effectRef>
+          <a:fontRef idx="minor">
+            <a:schemeClr val="tx1"/>
+          </a:fontRef>
+        </p:style>
+      </p:cxnSp>
+      <p:cxnSp>
+        <p:nvCxnSpPr>
+          <p:cNvPr id="35" name="Straight Arrow Connector 34">
+            <a:extLst>
+              <a:ext uri="{FF2B5EF4-FFF2-40B4-BE49-F238E27FC236}">
+                <a16:creationId xmlns:a16="http://schemas.microsoft.com/office/drawing/2014/main" id="{BDF174E3-7BC8-D64F-9847-A36EF79F1BD6}"/>
+              </a:ext>
+            </a:extLst>
+          </p:cNvPr>
+          <p:cNvCxnSpPr>
+            <a:endCxn id="8" idx="1"/>
+          </p:cNvCxnSpPr>
+          <p:nvPr/>
+        </p:nvCxnSpPr>
+        <p:spPr>
+          <a:xfrm flipV="1">
+            <a:off x="776177" y="3823809"/>
+            <a:ext cx="5202865" cy="1049446"/>
+          </a:xfrm>
+          <a:prstGeom prst="straightConnector1">
+            <a:avLst/>
+          </a:prstGeom>
+          <a:ln>
+            <a:tailEnd type="triangle"/>
+          </a:ln>
+        </p:spPr>
+        <p:style>
+          <a:lnRef idx="1">
+            <a:schemeClr val="accent1"/>
+          </a:lnRef>
+          <a:fillRef idx="0">
+            <a:schemeClr val="accent1"/>
+          </a:fillRef>
+          <a:effectRef idx="0">
+            <a:schemeClr val="accent1"/>
+          </a:effectRef>
+          <a:fontRef idx="minor">
+            <a:schemeClr val="tx1"/>
+          </a:fontRef>
+        </p:style>
+      </p:cxnSp>
+      <p:sp>
+        <p:nvSpPr>
+          <p:cNvPr id="36" name="TextBox 35">
+            <a:extLst>
+              <a:ext uri="{FF2B5EF4-FFF2-40B4-BE49-F238E27FC236}">
+                <a16:creationId xmlns:a16="http://schemas.microsoft.com/office/drawing/2014/main" id="{08AA4132-4F0E-85E8-76DE-0F8973551077}"/>
+              </a:ext>
+            </a:extLst>
+          </p:cNvPr>
+          <p:cNvSpPr txBox="1"/>
+          <p:nvPr/>
+        </p:nvSpPr>
+        <p:spPr>
+          <a:xfrm>
+            <a:off x="10069033" y="2615609"/>
+            <a:ext cx="2041451" cy="2031325"/>
+          </a:xfrm>
+          <a:prstGeom prst="rect">
+            <a:avLst/>
+          </a:prstGeom>
+          <a:noFill/>
+        </p:spPr>
+        <p:txBody>
+          <a:bodyPr wrap="square" rtlCol="0">
+            <a:spAutoFit/>
+          </a:bodyPr>
+          <a:lstStyle/>
+          <a:p>
+            <a:r>
+              <a:rPr lang="en-US" dirty="0"/>
+              <a:t>OS Allocates Process Space that contains threads. These threads are used by Web Server App to Execute each request</a:t>
+            </a:r>
+          </a:p>
+        </p:txBody>
+      </p:sp>
+      <p:sp>
+        <p:nvSpPr>
+          <p:cNvPr id="37" name="Rectangle 36">
+            <a:extLst>
+              <a:ext uri="{FF2B5EF4-FFF2-40B4-BE49-F238E27FC236}">
+                <a16:creationId xmlns:a16="http://schemas.microsoft.com/office/drawing/2014/main" id="{A7411256-7302-34F0-1A25-F9B888E327DD}"/>
+              </a:ext>
+            </a:extLst>
+          </p:cNvPr>
+          <p:cNvSpPr/>
+          <p:nvPr/>
+        </p:nvSpPr>
+        <p:spPr>
+          <a:xfrm>
+            <a:off x="8378456" y="4299096"/>
+            <a:ext cx="1286539" cy="985285"/>
+          </a:xfrm>
+          <a:prstGeom prst="rect">
+            <a:avLst/>
+          </a:prstGeom>
+        </p:spPr>
+        <p:style>
+          <a:lnRef idx="2">
+            <a:schemeClr val="accent1">
+              <a:shade val="15000"/>
+            </a:schemeClr>
+          </a:lnRef>
+          <a:fillRef idx="1">
+            <a:schemeClr val="accent1"/>
+          </a:fillRef>
+          <a:effectRef idx="0">
+            <a:schemeClr val="accent1"/>
+          </a:effectRef>
+          <a:fontRef idx="minor">
+            <a:schemeClr val="lt1"/>
+          </a:fontRef>
+        </p:style>
+        <p:txBody>
+          <a:bodyPr rtlCol="0" anchor="ctr"/>
+          <a:lstStyle/>
+          <a:p>
+            <a:pPr algn="ctr"/>
+            <a:r>
+              <a:rPr lang="en-US" dirty="0"/>
+              <a:t>ThreadPool</a:t>
+            </a:r>
+          </a:p>
+        </p:txBody>
+      </p:sp>
+    </p:spTree>
+    <p:extLst>
+      <p:ext uri="{BB962C8B-B14F-4D97-AF65-F5344CB8AC3E}">
+        <p14:creationId xmlns:p14="http://schemas.microsoft.com/office/powerpoint/2010/main" val="3531256134"/>
+      </p:ext>
+    </p:extLst>
+  </p:cSld>
+  <p:clrMapOvr>
+    <a:masterClrMapping/>
+  </p:clrMapOvr>
+</p:sld>
+</file>
+
+<file path=ppt/slides/slide26.xml><?xml version="1.0" encoding="utf-8"?>
+<p:sld xmlns:a="http://schemas.openxmlformats.org/drawingml/2006/main" xmlns:r="http://schemas.openxmlformats.org/officeDocument/2006/relationships" xmlns:p="http://schemas.openxmlformats.org/presentationml/2006/main">
+  <p:cSld>
+    <p:spTree>
+      <p:nvGrpSpPr>
+        <p:cNvPr id="1" name=""/>
+        <p:cNvGrpSpPr/>
+        <p:nvPr/>
+      </p:nvGrpSpPr>
+      <p:grpSpPr>
+        <a:xfrm>
+          <a:off x="0" y="0"/>
+          <a:ext cx="0" cy="0"/>
+          <a:chOff x="0" y="0"/>
+          <a:chExt cx="0" cy="0"/>
+        </a:xfrm>
+      </p:grpSpPr>
+      <p:sp>
+        <p:nvSpPr>
+          <p:cNvPr id="2" name="Rectangle 1">
+            <a:extLst>
+              <a:ext uri="{FF2B5EF4-FFF2-40B4-BE49-F238E27FC236}">
+                <a16:creationId xmlns:a16="http://schemas.microsoft.com/office/drawing/2014/main" id="{1B96D84D-581F-7D2A-2B47-B8C2F90FE146}"/>
+              </a:ext>
+            </a:extLst>
+          </p:cNvPr>
+          <p:cNvSpPr/>
+          <p:nvPr/>
+        </p:nvSpPr>
+        <p:spPr>
+          <a:xfrm>
+            <a:off x="5486400" y="616688"/>
+            <a:ext cx="3817088" cy="5348177"/>
+          </a:xfrm>
+          <a:prstGeom prst="rect">
+            <a:avLst/>
+          </a:prstGeom>
+        </p:spPr>
+        <p:style>
+          <a:lnRef idx="2">
+            <a:schemeClr val="accent6"/>
+          </a:lnRef>
+          <a:fillRef idx="1">
+            <a:schemeClr val="lt1"/>
+          </a:fillRef>
+          <a:effectRef idx="0">
+            <a:schemeClr val="accent6"/>
+          </a:effectRef>
+          <a:fontRef idx="minor">
+            <a:schemeClr val="dk1"/>
+          </a:fontRef>
+        </p:style>
+        <p:txBody>
+          <a:bodyPr rtlCol="0" anchor="ctr"/>
+          <a:lstStyle/>
+          <a:p>
+            <a:pPr algn="ctr"/>
+            <a:endParaRPr lang="en-US"/>
+          </a:p>
+        </p:txBody>
+      </p:sp>
+      <p:sp>
+        <p:nvSpPr>
+          <p:cNvPr id="3" name="Multi-document 2">
+            <a:extLst>
+              <a:ext uri="{FF2B5EF4-FFF2-40B4-BE49-F238E27FC236}">
+                <a16:creationId xmlns:a16="http://schemas.microsoft.com/office/drawing/2014/main" id="{47F42295-B926-7B6B-00ED-E05CE811814A}"/>
+              </a:ext>
+            </a:extLst>
+          </p:cNvPr>
+          <p:cNvSpPr/>
+          <p:nvPr/>
+        </p:nvSpPr>
+        <p:spPr>
+          <a:xfrm>
+            <a:off x="7070650" y="2721936"/>
+            <a:ext cx="2115879" cy="2413590"/>
+          </a:xfrm>
+          <a:prstGeom prst="flowChartMultidocument">
+            <a:avLst/>
+          </a:prstGeom>
+        </p:spPr>
+        <p:style>
+          <a:lnRef idx="2">
+            <a:schemeClr val="accent1">
+              <a:shade val="15000"/>
+            </a:schemeClr>
+          </a:lnRef>
+          <a:fillRef idx="1">
+            <a:schemeClr val="accent1"/>
+          </a:fillRef>
+          <a:effectRef idx="0">
+            <a:schemeClr val="accent1"/>
+          </a:effectRef>
+          <a:fontRef idx="minor">
+            <a:schemeClr val="lt1"/>
+          </a:fontRef>
+        </p:style>
+        <p:txBody>
+          <a:bodyPr rtlCol="0" anchor="ctr"/>
+          <a:lstStyle/>
+          <a:p>
+            <a:pPr algn="ctr"/>
+            <a:r>
+              <a:rPr lang="en-US" dirty="0"/>
+              <a:t>Resources e.g. html Pages</a:t>
+            </a:r>
+          </a:p>
+        </p:txBody>
+      </p:sp>
+      <p:sp>
+        <p:nvSpPr>
+          <p:cNvPr id="4" name="Folded Corner 3">
+            <a:extLst>
+              <a:ext uri="{FF2B5EF4-FFF2-40B4-BE49-F238E27FC236}">
+                <a16:creationId xmlns:a16="http://schemas.microsoft.com/office/drawing/2014/main" id="{EF3FF36D-5BF5-333E-34E4-A560EE2498AE}"/>
+              </a:ext>
+            </a:extLst>
+          </p:cNvPr>
+          <p:cNvSpPr/>
+          <p:nvPr/>
+        </p:nvSpPr>
+        <p:spPr>
+          <a:xfrm>
+            <a:off x="7182291" y="808075"/>
+            <a:ext cx="1892595" cy="1297172"/>
+          </a:xfrm>
+          <a:prstGeom prst="foldedCorner">
+            <a:avLst/>
+          </a:prstGeom>
+        </p:spPr>
+        <p:style>
+          <a:lnRef idx="2">
+            <a:schemeClr val="accent1">
+              <a:shade val="15000"/>
+            </a:schemeClr>
+          </a:lnRef>
+          <a:fillRef idx="1">
+            <a:schemeClr val="accent1"/>
+          </a:fillRef>
+          <a:effectRef idx="0">
+            <a:schemeClr val="accent1"/>
+          </a:effectRef>
+          <a:fontRef idx="minor">
+            <a:schemeClr val="lt1"/>
+          </a:fontRef>
+        </p:style>
+        <p:txBody>
+          <a:bodyPr rtlCol="0" anchor="ctr"/>
+          <a:lstStyle/>
+          <a:p>
+            <a:pPr algn="ctr"/>
+            <a:r>
+              <a:rPr lang="en-US" dirty="0"/>
+              <a:t>JSON Data</a:t>
+            </a:r>
+          </a:p>
+        </p:txBody>
+      </p:sp>
+      <p:sp>
+        <p:nvSpPr>
+          <p:cNvPr id="5" name="TextBox 4">
+            <a:extLst>
+              <a:ext uri="{FF2B5EF4-FFF2-40B4-BE49-F238E27FC236}">
+                <a16:creationId xmlns:a16="http://schemas.microsoft.com/office/drawing/2014/main" id="{F17D91F5-801B-DC18-11EB-0B411812017E}"/>
+              </a:ext>
+            </a:extLst>
+          </p:cNvPr>
+          <p:cNvSpPr txBox="1"/>
+          <p:nvPr/>
+        </p:nvSpPr>
+        <p:spPr>
+          <a:xfrm>
+            <a:off x="5699051" y="127591"/>
+            <a:ext cx="3274828" cy="369332"/>
+          </a:xfrm>
+          <a:prstGeom prst="rect">
+            <a:avLst/>
+          </a:prstGeom>
+          <a:noFill/>
+        </p:spPr>
+        <p:txBody>
+          <a:bodyPr wrap="square" rtlCol="0">
+            <a:spAutoFit/>
+          </a:bodyPr>
+          <a:lstStyle/>
+          <a:p>
+            <a:pPr algn="ctr"/>
+            <a:r>
+              <a:rPr lang="en-US" dirty="0"/>
+              <a:t>Web Server</a:t>
+            </a:r>
+          </a:p>
+        </p:txBody>
+      </p:sp>
+      <p:sp>
+        <p:nvSpPr>
+          <p:cNvPr id="6" name="Right Arrow 5">
+            <a:extLst>
+              <a:ext uri="{FF2B5EF4-FFF2-40B4-BE49-F238E27FC236}">
+                <a16:creationId xmlns:a16="http://schemas.microsoft.com/office/drawing/2014/main" id="{CFC67F04-068A-BC4E-337E-F334F3F6A089}"/>
+              </a:ext>
+            </a:extLst>
+          </p:cNvPr>
+          <p:cNvSpPr/>
+          <p:nvPr/>
+        </p:nvSpPr>
+        <p:spPr>
+          <a:xfrm>
+            <a:off x="627321" y="1201479"/>
+            <a:ext cx="4859079" cy="903768"/>
+          </a:xfrm>
+          <a:prstGeom prst="rightArrow">
+            <a:avLst/>
+          </a:prstGeom>
+        </p:spPr>
+        <p:style>
+          <a:lnRef idx="2">
+            <a:schemeClr val="accent1">
+              <a:shade val="15000"/>
+            </a:schemeClr>
+          </a:lnRef>
+          <a:fillRef idx="1">
+            <a:schemeClr val="accent1"/>
+          </a:fillRef>
+          <a:effectRef idx="0">
+            <a:schemeClr val="accent1"/>
+          </a:effectRef>
+          <a:fontRef idx="minor">
+            <a:schemeClr val="lt1"/>
+          </a:fontRef>
+        </p:style>
+        <p:txBody>
+          <a:bodyPr rtlCol="0" anchor="ctr"/>
+          <a:lstStyle/>
+          <a:p>
+            <a:pPr algn="ctr"/>
+            <a:r>
+              <a:rPr lang="en-US" dirty="0"/>
+              <a:t>HTTP Request get, post, </a:t>
+            </a:r>
+            <a:r>
+              <a:rPr lang="en-US" dirty="0" err="1"/>
+              <a:t>put,delete</a:t>
+            </a:r>
+            <a:endParaRPr lang="en-US" dirty="0"/>
+          </a:p>
+        </p:txBody>
+      </p:sp>
+      <p:sp>
+        <p:nvSpPr>
+          <p:cNvPr id="7" name="Left Arrow 6">
+            <a:extLst>
+              <a:ext uri="{FF2B5EF4-FFF2-40B4-BE49-F238E27FC236}">
+                <a16:creationId xmlns:a16="http://schemas.microsoft.com/office/drawing/2014/main" id="{80088331-5DFA-906C-92A1-EB2CE4EF42E9}"/>
+              </a:ext>
+            </a:extLst>
+          </p:cNvPr>
+          <p:cNvSpPr/>
+          <p:nvPr/>
+        </p:nvSpPr>
+        <p:spPr>
+          <a:xfrm>
+            <a:off x="701749" y="3678865"/>
+            <a:ext cx="4784651" cy="903768"/>
+          </a:xfrm>
+          <a:prstGeom prst="leftArrow">
+            <a:avLst/>
+          </a:prstGeom>
+        </p:spPr>
+        <p:style>
+          <a:lnRef idx="2">
+            <a:schemeClr val="accent1">
+              <a:shade val="15000"/>
+            </a:schemeClr>
+          </a:lnRef>
+          <a:fillRef idx="1">
+            <a:schemeClr val="accent1"/>
+          </a:fillRef>
+          <a:effectRef idx="0">
+            <a:schemeClr val="accent1"/>
+          </a:effectRef>
+          <a:fontRef idx="minor">
+            <a:schemeClr val="lt1"/>
+          </a:fontRef>
+        </p:style>
+        <p:txBody>
+          <a:bodyPr rtlCol="0" anchor="ctr"/>
+          <a:lstStyle/>
+          <a:p>
+            <a:pPr algn="ctr"/>
+            <a:r>
+              <a:rPr lang="en-US" dirty="0"/>
+              <a:t>HTTP Response</a:t>
+            </a:r>
+          </a:p>
+        </p:txBody>
+      </p:sp>
+      <p:sp>
+        <p:nvSpPr>
+          <p:cNvPr id="8" name="Predefined Process 7">
+            <a:extLst>
+              <a:ext uri="{FF2B5EF4-FFF2-40B4-BE49-F238E27FC236}">
+                <a16:creationId xmlns:a16="http://schemas.microsoft.com/office/drawing/2014/main" id="{0834A561-A601-0E79-BD25-D4E60C2D0D05}"/>
+              </a:ext>
+            </a:extLst>
+          </p:cNvPr>
+          <p:cNvSpPr/>
+          <p:nvPr/>
+        </p:nvSpPr>
+        <p:spPr>
+          <a:xfrm>
+            <a:off x="1116419" y="2328530"/>
+            <a:ext cx="3317358" cy="478465"/>
+          </a:xfrm>
+          <a:prstGeom prst="flowChartPredefinedProcess">
+            <a:avLst/>
+          </a:prstGeom>
+        </p:spPr>
+        <p:style>
+          <a:lnRef idx="2">
+            <a:schemeClr val="accent1">
+              <a:shade val="15000"/>
+            </a:schemeClr>
+          </a:lnRef>
+          <a:fillRef idx="1">
+            <a:schemeClr val="accent1"/>
+          </a:fillRef>
+          <a:effectRef idx="0">
+            <a:schemeClr val="accent1"/>
+          </a:effectRef>
+          <a:fontRef idx="minor">
+            <a:schemeClr val="lt1"/>
+          </a:fontRef>
+        </p:style>
+        <p:txBody>
+          <a:bodyPr rtlCol="0" anchor="ctr"/>
+          <a:lstStyle/>
+          <a:p>
+            <a:pPr algn="ctr"/>
+            <a:endParaRPr lang="en-US"/>
+          </a:p>
+        </p:txBody>
+      </p:sp>
+      <p:sp>
+        <p:nvSpPr>
+          <p:cNvPr id="9" name="Rectangle 8">
+            <a:extLst>
+              <a:ext uri="{FF2B5EF4-FFF2-40B4-BE49-F238E27FC236}">
+                <a16:creationId xmlns:a16="http://schemas.microsoft.com/office/drawing/2014/main" id="{3F0C4727-FBFB-55A7-7D8C-BCAADCFB911F}"/>
+              </a:ext>
+            </a:extLst>
+          </p:cNvPr>
+          <p:cNvSpPr/>
+          <p:nvPr/>
+        </p:nvSpPr>
+        <p:spPr>
+          <a:xfrm>
+            <a:off x="2296633" y="2317898"/>
+            <a:ext cx="45719" cy="542260"/>
+          </a:xfrm>
+          <a:prstGeom prst="rect">
+            <a:avLst/>
+          </a:prstGeom>
+          <a:solidFill>
+            <a:schemeClr val="accent2"/>
+          </a:solidFill>
+        </p:spPr>
+        <p:style>
+          <a:lnRef idx="2">
+            <a:schemeClr val="accent1">
+              <a:shade val="15000"/>
+            </a:schemeClr>
+          </a:lnRef>
+          <a:fillRef idx="1">
+            <a:schemeClr val="accent1"/>
+          </a:fillRef>
+          <a:effectRef idx="0">
+            <a:schemeClr val="accent1"/>
+          </a:effectRef>
+          <a:fontRef idx="minor">
+            <a:schemeClr val="lt1"/>
+          </a:fontRef>
+        </p:style>
+        <p:txBody>
+          <a:bodyPr rtlCol="0" anchor="ctr"/>
+          <a:lstStyle/>
+          <a:p>
+            <a:pPr algn="ctr"/>
+            <a:endParaRPr lang="en-US"/>
+          </a:p>
+        </p:txBody>
+      </p:sp>
+      <p:sp>
+        <p:nvSpPr>
+          <p:cNvPr id="10" name="Rectangle 9">
+            <a:extLst>
+              <a:ext uri="{FF2B5EF4-FFF2-40B4-BE49-F238E27FC236}">
+                <a16:creationId xmlns:a16="http://schemas.microsoft.com/office/drawing/2014/main" id="{D97C24DC-0168-331A-01D6-A78C308AB955}"/>
+              </a:ext>
+            </a:extLst>
+          </p:cNvPr>
+          <p:cNvSpPr/>
+          <p:nvPr/>
+        </p:nvSpPr>
+        <p:spPr>
+          <a:xfrm>
+            <a:off x="2959752" y="2328530"/>
+            <a:ext cx="45719" cy="542260"/>
+          </a:xfrm>
+          <a:prstGeom prst="rect">
+            <a:avLst/>
+          </a:prstGeom>
+          <a:solidFill>
+            <a:schemeClr val="accent2"/>
+          </a:solidFill>
+        </p:spPr>
+        <p:style>
+          <a:lnRef idx="2">
+            <a:schemeClr val="accent1">
+              <a:shade val="15000"/>
+            </a:schemeClr>
+          </a:lnRef>
+          <a:fillRef idx="1">
+            <a:schemeClr val="accent1"/>
+          </a:fillRef>
+          <a:effectRef idx="0">
+            <a:schemeClr val="accent1"/>
+          </a:effectRef>
+          <a:fontRef idx="minor">
+            <a:schemeClr val="lt1"/>
+          </a:fontRef>
+        </p:style>
+        <p:txBody>
+          <a:bodyPr rtlCol="0" anchor="ctr"/>
+          <a:lstStyle/>
+          <a:p>
+            <a:pPr algn="ctr"/>
+            <a:endParaRPr lang="en-US"/>
+          </a:p>
+        </p:txBody>
+      </p:sp>
+      <p:sp>
+        <p:nvSpPr>
+          <p:cNvPr id="11" name="Rectangle 10">
+            <a:extLst>
+              <a:ext uri="{FF2B5EF4-FFF2-40B4-BE49-F238E27FC236}">
+                <a16:creationId xmlns:a16="http://schemas.microsoft.com/office/drawing/2014/main" id="{BED68EA9-FD01-00DC-4C49-4DDA55783F14}"/>
+              </a:ext>
+            </a:extLst>
+          </p:cNvPr>
+          <p:cNvSpPr/>
+          <p:nvPr/>
+        </p:nvSpPr>
+        <p:spPr>
+          <a:xfrm>
+            <a:off x="3555886" y="2371062"/>
+            <a:ext cx="45719" cy="542260"/>
+          </a:xfrm>
+          <a:prstGeom prst="rect">
+            <a:avLst/>
+          </a:prstGeom>
+          <a:solidFill>
+            <a:schemeClr val="accent2"/>
+          </a:solidFill>
+        </p:spPr>
+        <p:style>
+          <a:lnRef idx="2">
+            <a:schemeClr val="accent1">
+              <a:shade val="15000"/>
+            </a:schemeClr>
+          </a:lnRef>
+          <a:fillRef idx="1">
+            <a:schemeClr val="accent1"/>
+          </a:fillRef>
+          <a:effectRef idx="0">
+            <a:schemeClr val="accent1"/>
+          </a:effectRef>
+          <a:fontRef idx="minor">
+            <a:schemeClr val="lt1"/>
+          </a:fontRef>
+        </p:style>
+        <p:txBody>
+          <a:bodyPr rtlCol="0" anchor="ctr"/>
+          <a:lstStyle/>
+          <a:p>
+            <a:pPr algn="ctr"/>
+            <a:endParaRPr lang="en-US"/>
+          </a:p>
+        </p:txBody>
+      </p:sp>
+      <p:sp>
+        <p:nvSpPr>
+          <p:cNvPr id="12" name="Rectangle 11">
+            <a:extLst>
+              <a:ext uri="{FF2B5EF4-FFF2-40B4-BE49-F238E27FC236}">
+                <a16:creationId xmlns:a16="http://schemas.microsoft.com/office/drawing/2014/main" id="{5F168AF3-04B2-5309-C306-685D8E0B3738}"/>
+              </a:ext>
+            </a:extLst>
+          </p:cNvPr>
+          <p:cNvSpPr/>
+          <p:nvPr/>
+        </p:nvSpPr>
+        <p:spPr>
+          <a:xfrm>
+            <a:off x="1884269" y="2275369"/>
+            <a:ext cx="45719" cy="542260"/>
+          </a:xfrm>
+          <a:prstGeom prst="rect">
+            <a:avLst/>
+          </a:prstGeom>
+          <a:solidFill>
+            <a:schemeClr val="accent2"/>
+          </a:solidFill>
+        </p:spPr>
+        <p:style>
+          <a:lnRef idx="2">
+            <a:schemeClr val="accent1">
+              <a:shade val="15000"/>
+            </a:schemeClr>
+          </a:lnRef>
+          <a:fillRef idx="1">
+            <a:schemeClr val="accent1"/>
+          </a:fillRef>
+          <a:effectRef idx="0">
+            <a:schemeClr val="accent1"/>
+          </a:effectRef>
+          <a:fontRef idx="minor">
+            <a:schemeClr val="lt1"/>
+          </a:fontRef>
+        </p:style>
+        <p:txBody>
+          <a:bodyPr rtlCol="0" anchor="ctr"/>
+          <a:lstStyle/>
+          <a:p>
+            <a:pPr algn="ctr"/>
+            <a:endParaRPr lang="en-US"/>
+          </a:p>
+        </p:txBody>
+      </p:sp>
+      <p:sp>
+        <p:nvSpPr>
+          <p:cNvPr id="13" name="TextBox 12">
+            <a:extLst>
+              <a:ext uri="{FF2B5EF4-FFF2-40B4-BE49-F238E27FC236}">
+                <a16:creationId xmlns:a16="http://schemas.microsoft.com/office/drawing/2014/main" id="{0D932121-57C3-DF3F-355F-DF5FAC607CD2}"/>
+              </a:ext>
+            </a:extLst>
+          </p:cNvPr>
+          <p:cNvSpPr txBox="1"/>
+          <p:nvPr/>
+        </p:nvSpPr>
+        <p:spPr>
+          <a:xfrm>
+            <a:off x="1033309" y="2923954"/>
+            <a:ext cx="3686308" cy="369332"/>
+          </a:xfrm>
+          <a:prstGeom prst="rect">
+            <a:avLst/>
+          </a:prstGeom>
+          <a:noFill/>
+        </p:spPr>
+        <p:txBody>
+          <a:bodyPr wrap="square" rtlCol="0">
+            <a:spAutoFit/>
+          </a:bodyPr>
+          <a:lstStyle/>
+          <a:p>
+            <a:r>
+              <a:rPr lang="en-US"/>
+              <a:t>Readable stream</a:t>
+            </a:r>
+          </a:p>
+        </p:txBody>
+      </p:sp>
+    </p:spTree>
+    <p:extLst>
+      <p:ext uri="{BB962C8B-B14F-4D97-AF65-F5344CB8AC3E}">
+        <p14:creationId xmlns:p14="http://schemas.microsoft.com/office/powerpoint/2010/main" val="649699249"/>
+      </p:ext>
+    </p:extLst>
+  </p:cSld>
+  <p:clrMapOvr>
+    <a:masterClrMapping/>
+  </p:clrMapOvr>
+</p:sld>
+</file>
+
 <file path=ppt/slides/slide3.xml><?xml version="1.0" encoding="utf-8"?>
 <p:sld xmlns:a="http://schemas.openxmlformats.org/drawingml/2006/main" xmlns:r="http://schemas.openxmlformats.org/officeDocument/2006/relationships" xmlns:p="http://schemas.openxmlformats.org/presentationml/2006/main">
   <p:cSld>

--- a/Training_Presentetions.pptx
+++ b/Training_Presentetions.pptx
@@ -31,6 +31,7 @@
     <p:sldId id="279" r:id="rId25"/>
     <p:sldId id="280" r:id="rId26"/>
     <p:sldId id="281" r:id="rId27"/>
+    <p:sldId id="282" r:id="rId28"/>
   </p:sldIdLst>
   <p:sldSz cx="12192000" cy="6858000"/>
   <p:notesSz cx="6858000" cy="9144000"/>
@@ -286,7 +287,7 @@
           <a:p>
             <a:fld id="{D9FCDB6C-7DD4-3A4F-BB06-0EDDD9178121}" type="datetimeFigureOut">
               <a:rPr lang="en-US" smtClean="0"/>
-              <a:t>7/14/23</a:t>
+              <a:t>7/17/23</a:t>
             </a:fld>
             <a:endParaRPr lang="en-US"/>
           </a:p>
@@ -486,7 +487,7 @@
           <a:p>
             <a:fld id="{D9FCDB6C-7DD4-3A4F-BB06-0EDDD9178121}" type="datetimeFigureOut">
               <a:rPr lang="en-US" smtClean="0"/>
-              <a:t>7/14/23</a:t>
+              <a:t>7/17/23</a:t>
             </a:fld>
             <a:endParaRPr lang="en-US"/>
           </a:p>
@@ -696,7 +697,7 @@
           <a:p>
             <a:fld id="{D9FCDB6C-7DD4-3A4F-BB06-0EDDD9178121}" type="datetimeFigureOut">
               <a:rPr lang="en-US" smtClean="0"/>
-              <a:t>7/14/23</a:t>
+              <a:t>7/17/23</a:t>
             </a:fld>
             <a:endParaRPr lang="en-US"/>
           </a:p>
@@ -896,7 +897,7 @@
           <a:p>
             <a:fld id="{D9FCDB6C-7DD4-3A4F-BB06-0EDDD9178121}" type="datetimeFigureOut">
               <a:rPr lang="en-US" smtClean="0"/>
-              <a:t>7/14/23</a:t>
+              <a:t>7/17/23</a:t>
             </a:fld>
             <a:endParaRPr lang="en-US"/>
           </a:p>
@@ -1172,7 +1173,7 @@
           <a:p>
             <a:fld id="{D9FCDB6C-7DD4-3A4F-BB06-0EDDD9178121}" type="datetimeFigureOut">
               <a:rPr lang="en-US" smtClean="0"/>
-              <a:t>7/14/23</a:t>
+              <a:t>7/17/23</a:t>
             </a:fld>
             <a:endParaRPr lang="en-US"/>
           </a:p>
@@ -1440,7 +1441,7 @@
           <a:p>
             <a:fld id="{D9FCDB6C-7DD4-3A4F-BB06-0EDDD9178121}" type="datetimeFigureOut">
               <a:rPr lang="en-US" smtClean="0"/>
-              <a:t>7/14/23</a:t>
+              <a:t>7/17/23</a:t>
             </a:fld>
             <a:endParaRPr lang="en-US"/>
           </a:p>
@@ -1855,7 +1856,7 @@
           <a:p>
             <a:fld id="{D9FCDB6C-7DD4-3A4F-BB06-0EDDD9178121}" type="datetimeFigureOut">
               <a:rPr lang="en-US" smtClean="0"/>
-              <a:t>7/14/23</a:t>
+              <a:t>7/17/23</a:t>
             </a:fld>
             <a:endParaRPr lang="en-US"/>
           </a:p>
@@ -1997,7 +1998,7 @@
           <a:p>
             <a:fld id="{D9FCDB6C-7DD4-3A4F-BB06-0EDDD9178121}" type="datetimeFigureOut">
               <a:rPr lang="en-US" smtClean="0"/>
-              <a:t>7/14/23</a:t>
+              <a:t>7/17/23</a:t>
             </a:fld>
             <a:endParaRPr lang="en-US"/>
           </a:p>
@@ -2110,7 +2111,7 @@
           <a:p>
             <a:fld id="{D9FCDB6C-7DD4-3A4F-BB06-0EDDD9178121}" type="datetimeFigureOut">
               <a:rPr lang="en-US" smtClean="0"/>
-              <a:t>7/14/23</a:t>
+              <a:t>7/17/23</a:t>
             </a:fld>
             <a:endParaRPr lang="en-US"/>
           </a:p>
@@ -2423,7 +2424,7 @@
           <a:p>
             <a:fld id="{D9FCDB6C-7DD4-3A4F-BB06-0EDDD9178121}" type="datetimeFigureOut">
               <a:rPr lang="en-US" smtClean="0"/>
-              <a:t>7/14/23</a:t>
+              <a:t>7/17/23</a:t>
             </a:fld>
             <a:endParaRPr lang="en-US"/>
           </a:p>
@@ -2712,7 +2713,7 @@
           <a:p>
             <a:fld id="{D9FCDB6C-7DD4-3A4F-BB06-0EDDD9178121}" type="datetimeFigureOut">
               <a:rPr lang="en-US" smtClean="0"/>
-              <a:t>7/14/23</a:t>
+              <a:t>7/17/23</a:t>
             </a:fld>
             <a:endParaRPr lang="en-US"/>
           </a:p>
@@ -2955,7 +2956,7 @@
           <a:p>
             <a:fld id="{D9FCDB6C-7DD4-3A4F-BB06-0EDDD9178121}" type="datetimeFigureOut">
               <a:rPr lang="en-US" smtClean="0"/>
-              <a:t>7/14/23</a:t>
+              <a:t>7/17/23</a:t>
             </a:fld>
             <a:endParaRPr lang="en-US"/>
           </a:p>
@@ -18797,13 +18798,8 @@
             <a:pPr algn="ctr"/>
             <a:r>
               <a:rPr lang="en-US" dirty="0"/>
-              <a:t>HTTP Request get, post, </a:t>
-            </a:r>
-            <a:r>
-              <a:rPr lang="en-US" dirty="0" err="1"/>
-              <a:t>put,delete</a:t>
-            </a:r>
-            <a:endParaRPr lang="en-US" dirty="0"/>
+              <a:t>HTTP Request get, post, put, delete</a:t>
+            </a:r>
           </a:p>
         </p:txBody>
       </p:sp>
@@ -19133,10 +19129,827 @@
           </a:p>
         </p:txBody>
       </p:sp>
+      <p:sp>
+        <p:nvSpPr>
+          <p:cNvPr id="14" name="Rectangle 13">
+            <a:extLst>
+              <a:ext uri="{FF2B5EF4-FFF2-40B4-BE49-F238E27FC236}">
+                <a16:creationId xmlns:a16="http://schemas.microsoft.com/office/drawing/2014/main" id="{B89C1B87-DC99-7960-77DE-3BC456651E74}"/>
+              </a:ext>
+            </a:extLst>
+          </p:cNvPr>
+          <p:cNvSpPr/>
+          <p:nvPr/>
+        </p:nvSpPr>
+        <p:spPr>
+          <a:xfrm>
+            <a:off x="9675628" y="3293286"/>
+            <a:ext cx="2222205" cy="1161756"/>
+          </a:xfrm>
+          <a:prstGeom prst="rect">
+            <a:avLst/>
+          </a:prstGeom>
+        </p:spPr>
+        <p:style>
+          <a:lnRef idx="2">
+            <a:schemeClr val="accent1">
+              <a:shade val="15000"/>
+            </a:schemeClr>
+          </a:lnRef>
+          <a:fillRef idx="1">
+            <a:schemeClr val="accent1"/>
+          </a:fillRef>
+          <a:effectRef idx="0">
+            <a:schemeClr val="accent1"/>
+          </a:effectRef>
+          <a:fontRef idx="minor">
+            <a:schemeClr val="lt1"/>
+          </a:fontRef>
+        </p:style>
+        <p:txBody>
+          <a:bodyPr rtlCol="0" anchor="ctr"/>
+          <a:lstStyle/>
+          <a:p>
+            <a:pPr algn="ctr"/>
+            <a:r>
+              <a:rPr lang="en-US" b="1" dirty="0"/>
+              <a:t>OS File System Service</a:t>
+            </a:r>
+          </a:p>
+        </p:txBody>
+      </p:sp>
+      <p:sp>
+        <p:nvSpPr>
+          <p:cNvPr id="15" name="Left-right Arrow 14">
+            <a:extLst>
+              <a:ext uri="{FF2B5EF4-FFF2-40B4-BE49-F238E27FC236}">
+                <a16:creationId xmlns:a16="http://schemas.microsoft.com/office/drawing/2014/main" id="{B816B362-A1EF-C6B0-A858-C4A8ECD2A680}"/>
+              </a:ext>
+            </a:extLst>
+          </p:cNvPr>
+          <p:cNvSpPr/>
+          <p:nvPr/>
+        </p:nvSpPr>
+        <p:spPr>
+          <a:xfrm>
+            <a:off x="8750595" y="3678865"/>
+            <a:ext cx="1148317" cy="404037"/>
+          </a:xfrm>
+          <a:prstGeom prst="leftRightArrow">
+            <a:avLst/>
+          </a:prstGeom>
+          <a:solidFill>
+            <a:schemeClr val="accent2"/>
+          </a:solidFill>
+        </p:spPr>
+        <p:style>
+          <a:lnRef idx="2">
+            <a:schemeClr val="accent1">
+              <a:shade val="15000"/>
+            </a:schemeClr>
+          </a:lnRef>
+          <a:fillRef idx="1">
+            <a:schemeClr val="accent1"/>
+          </a:fillRef>
+          <a:effectRef idx="0">
+            <a:schemeClr val="accent1"/>
+          </a:effectRef>
+          <a:fontRef idx="minor">
+            <a:schemeClr val="lt1"/>
+          </a:fontRef>
+        </p:style>
+        <p:txBody>
+          <a:bodyPr rtlCol="0" anchor="ctr"/>
+          <a:lstStyle/>
+          <a:p>
+            <a:pPr algn="ctr"/>
+            <a:endParaRPr lang="en-US"/>
+          </a:p>
+        </p:txBody>
+      </p:sp>
+      <p:sp>
+        <p:nvSpPr>
+          <p:cNvPr id="16" name="TextBox 15">
+            <a:extLst>
+              <a:ext uri="{FF2B5EF4-FFF2-40B4-BE49-F238E27FC236}">
+                <a16:creationId xmlns:a16="http://schemas.microsoft.com/office/drawing/2014/main" id="{BFA360A1-E370-375B-7C0C-5BDDA1B1082B}"/>
+              </a:ext>
+            </a:extLst>
+          </p:cNvPr>
+          <p:cNvSpPr txBox="1"/>
+          <p:nvPr/>
+        </p:nvSpPr>
+        <p:spPr>
+          <a:xfrm>
+            <a:off x="9703980" y="4582633"/>
+            <a:ext cx="2488019" cy="1200329"/>
+          </a:xfrm>
+          <a:prstGeom prst="rect">
+            <a:avLst/>
+          </a:prstGeom>
+          <a:noFill/>
+        </p:spPr>
+        <p:txBody>
+          <a:bodyPr wrap="square" rtlCol="0">
+            <a:spAutoFit/>
+          </a:bodyPr>
+          <a:lstStyle/>
+          <a:p>
+            <a:r>
+              <a:rPr lang="en-US" dirty="0"/>
+              <a:t>Files are bound to OS</a:t>
+            </a:r>
+          </a:p>
+          <a:p>
+            <a:pPr marL="342900" indent="-342900">
+              <a:buAutoNum type="arabicPeriod"/>
+            </a:pPr>
+            <a:r>
+              <a:rPr lang="en-US" dirty="0"/>
+              <a:t>File Read Lock</a:t>
+            </a:r>
+          </a:p>
+          <a:p>
+            <a:pPr marL="342900" indent="-342900">
+              <a:buAutoNum type="arabicPeriod"/>
+            </a:pPr>
+            <a:r>
+              <a:rPr lang="en-US" dirty="0"/>
+              <a:t>File Write Lock</a:t>
+            </a:r>
+          </a:p>
+          <a:p>
+            <a:pPr marL="342900" indent="-342900">
+              <a:buAutoNum type="arabicPeriod"/>
+            </a:pPr>
+            <a:r>
+              <a:rPr lang="en-US" dirty="0"/>
+              <a:t>File Access</a:t>
+            </a:r>
+          </a:p>
+        </p:txBody>
+      </p:sp>
+      <p:cxnSp>
+        <p:nvCxnSpPr>
+          <p:cNvPr id="18" name="Elbow Connector 17">
+            <a:extLst>
+              <a:ext uri="{FF2B5EF4-FFF2-40B4-BE49-F238E27FC236}">
+                <a16:creationId xmlns:a16="http://schemas.microsoft.com/office/drawing/2014/main" id="{29B540BA-75F5-CB76-F29D-3B30AC24D59F}"/>
+              </a:ext>
+            </a:extLst>
+          </p:cNvPr>
+          <p:cNvCxnSpPr>
+            <a:endCxn id="3" idx="1"/>
+          </p:cNvCxnSpPr>
+          <p:nvPr/>
+        </p:nvCxnSpPr>
+        <p:spPr>
+          <a:xfrm rot="16200000" flipH="1">
+            <a:off x="5138183" y="1996264"/>
+            <a:ext cx="2280684" cy="1584250"/>
+          </a:xfrm>
+          <a:prstGeom prst="bentConnector2">
+            <a:avLst/>
+          </a:prstGeom>
+          <a:ln w="76200">
+            <a:solidFill>
+              <a:srgbClr val="FF0000"/>
+            </a:solidFill>
+            <a:tailEnd type="triangle"/>
+          </a:ln>
+        </p:spPr>
+        <p:style>
+          <a:lnRef idx="1">
+            <a:schemeClr val="accent1"/>
+          </a:lnRef>
+          <a:fillRef idx="0">
+            <a:schemeClr val="accent1"/>
+          </a:fillRef>
+          <a:effectRef idx="0">
+            <a:schemeClr val="accent1"/>
+          </a:effectRef>
+          <a:fontRef idx="minor">
+            <a:schemeClr val="tx1"/>
+          </a:fontRef>
+        </p:style>
+      </p:cxnSp>
+      <p:sp>
+        <p:nvSpPr>
+          <p:cNvPr id="19" name="Rectangle 18">
+            <a:extLst>
+              <a:ext uri="{FF2B5EF4-FFF2-40B4-BE49-F238E27FC236}">
+                <a16:creationId xmlns:a16="http://schemas.microsoft.com/office/drawing/2014/main" id="{3EC2BC2A-1D5C-02DD-CDC8-B144D83ADD81}"/>
+              </a:ext>
+            </a:extLst>
+          </p:cNvPr>
+          <p:cNvSpPr/>
+          <p:nvPr/>
+        </p:nvSpPr>
+        <p:spPr>
+          <a:xfrm>
+            <a:off x="5486400" y="5209954"/>
+            <a:ext cx="3817088" cy="754911"/>
+          </a:xfrm>
+          <a:prstGeom prst="rect">
+            <a:avLst/>
+          </a:prstGeom>
+        </p:spPr>
+        <p:style>
+          <a:lnRef idx="2">
+            <a:schemeClr val="accent1">
+              <a:shade val="15000"/>
+            </a:schemeClr>
+          </a:lnRef>
+          <a:fillRef idx="1">
+            <a:schemeClr val="accent1"/>
+          </a:fillRef>
+          <a:effectRef idx="0">
+            <a:schemeClr val="accent1"/>
+          </a:effectRef>
+          <a:fontRef idx="minor">
+            <a:schemeClr val="lt1"/>
+          </a:fontRef>
+        </p:style>
+        <p:txBody>
+          <a:bodyPr rtlCol="0" anchor="ctr"/>
+          <a:lstStyle/>
+          <a:p>
+            <a:pPr algn="ctr"/>
+            <a:r>
+              <a:rPr lang="en-US" b="1" dirty="0"/>
+              <a:t>Node.js Process</a:t>
+            </a:r>
+          </a:p>
+        </p:txBody>
+      </p:sp>
+      <p:cxnSp>
+        <p:nvCxnSpPr>
+          <p:cNvPr id="21" name="Elbow Connector 20">
+            <a:extLst>
+              <a:ext uri="{FF2B5EF4-FFF2-40B4-BE49-F238E27FC236}">
+                <a16:creationId xmlns:a16="http://schemas.microsoft.com/office/drawing/2014/main" id="{15386539-B65F-C95C-400C-4216A2C94257}"/>
+              </a:ext>
+            </a:extLst>
+          </p:cNvPr>
+          <p:cNvCxnSpPr>
+            <a:cxnSpLocks/>
+            <a:stCxn id="19" idx="3"/>
+            <a:endCxn id="14" idx="2"/>
+          </p:cNvCxnSpPr>
+          <p:nvPr/>
+        </p:nvCxnSpPr>
+        <p:spPr>
+          <a:xfrm flipV="1">
+            <a:off x="9303488" y="4455042"/>
+            <a:ext cx="1483243" cy="1132368"/>
+          </a:xfrm>
+          <a:prstGeom prst="bentConnector2">
+            <a:avLst/>
+          </a:prstGeom>
+          <a:ln>
+            <a:headEnd type="triangle"/>
+            <a:tailEnd type="triangle"/>
+          </a:ln>
+        </p:spPr>
+        <p:style>
+          <a:lnRef idx="1">
+            <a:schemeClr val="accent1"/>
+          </a:lnRef>
+          <a:fillRef idx="0">
+            <a:schemeClr val="accent1"/>
+          </a:fillRef>
+          <a:effectRef idx="0">
+            <a:schemeClr val="accent1"/>
+          </a:effectRef>
+          <a:fontRef idx="minor">
+            <a:schemeClr val="tx1"/>
+          </a:fontRef>
+        </p:style>
+      </p:cxnSp>
     </p:spTree>
     <p:extLst>
       <p:ext uri="{BB962C8B-B14F-4D97-AF65-F5344CB8AC3E}">
         <p14:creationId xmlns:p14="http://schemas.microsoft.com/office/powerpoint/2010/main" val="649699249"/>
+      </p:ext>
+    </p:extLst>
+  </p:cSld>
+  <p:clrMapOvr>
+    <a:masterClrMapping/>
+  </p:clrMapOvr>
+</p:sld>
+</file>
+
+<file path=ppt/slides/slide27.xml><?xml version="1.0" encoding="utf-8"?>
+<p:sld xmlns:a="http://schemas.openxmlformats.org/drawingml/2006/main" xmlns:r="http://schemas.openxmlformats.org/officeDocument/2006/relationships" xmlns:p="http://schemas.openxmlformats.org/presentationml/2006/main">
+  <p:cSld>
+    <p:spTree>
+      <p:nvGrpSpPr>
+        <p:cNvPr id="1" name=""/>
+        <p:cNvGrpSpPr/>
+        <p:nvPr/>
+      </p:nvGrpSpPr>
+      <p:grpSpPr>
+        <a:xfrm>
+          <a:off x="0" y="0"/>
+          <a:ext cx="0" cy="0"/>
+          <a:chOff x="0" y="0"/>
+          <a:chExt cx="0" cy="0"/>
+        </a:xfrm>
+      </p:grpSpPr>
+      <p:sp>
+        <p:nvSpPr>
+          <p:cNvPr id="2" name="Rectangle 1">
+            <a:extLst>
+              <a:ext uri="{FF2B5EF4-FFF2-40B4-BE49-F238E27FC236}">
+                <a16:creationId xmlns:a16="http://schemas.microsoft.com/office/drawing/2014/main" id="{8447F9F7-E615-854A-7559-185BABD4E20E}"/>
+              </a:ext>
+            </a:extLst>
+          </p:cNvPr>
+          <p:cNvSpPr/>
+          <p:nvPr/>
+        </p:nvSpPr>
+        <p:spPr>
+          <a:xfrm>
+            <a:off x="1729562" y="1998921"/>
+            <a:ext cx="3615069" cy="1605517"/>
+          </a:xfrm>
+          <a:prstGeom prst="rect">
+            <a:avLst/>
+          </a:prstGeom>
+        </p:spPr>
+        <p:style>
+          <a:lnRef idx="2">
+            <a:schemeClr val="accent1">
+              <a:shade val="15000"/>
+            </a:schemeClr>
+          </a:lnRef>
+          <a:fillRef idx="1">
+            <a:schemeClr val="accent1"/>
+          </a:fillRef>
+          <a:effectRef idx="0">
+            <a:schemeClr val="accent1"/>
+          </a:effectRef>
+          <a:fontRef idx="minor">
+            <a:schemeClr val="lt1"/>
+          </a:fontRef>
+        </p:style>
+        <p:txBody>
+          <a:bodyPr rtlCol="0" anchor="ctr"/>
+          <a:lstStyle/>
+          <a:p>
+            <a:pPr algn="ctr"/>
+            <a:r>
+              <a:rPr lang="en-US" b="1" dirty="0"/>
+              <a:t>Node.js</a:t>
+            </a:r>
+          </a:p>
+        </p:txBody>
+      </p:sp>
+      <p:sp>
+        <p:nvSpPr>
+          <p:cNvPr id="3" name="Rectangle 2">
+            <a:extLst>
+              <a:ext uri="{FF2B5EF4-FFF2-40B4-BE49-F238E27FC236}">
+                <a16:creationId xmlns:a16="http://schemas.microsoft.com/office/drawing/2014/main" id="{7F7D6600-86FF-7856-3F2D-F6E8CE90BB7B}"/>
+              </a:ext>
+            </a:extLst>
+          </p:cNvPr>
+          <p:cNvSpPr/>
+          <p:nvPr/>
+        </p:nvSpPr>
+        <p:spPr>
+          <a:xfrm>
+            <a:off x="7332919" y="606056"/>
+            <a:ext cx="4327452" cy="5826641"/>
+          </a:xfrm>
+          <a:prstGeom prst="rect">
+            <a:avLst/>
+          </a:prstGeom>
+        </p:spPr>
+        <p:style>
+          <a:lnRef idx="2">
+            <a:schemeClr val="accent6"/>
+          </a:lnRef>
+          <a:fillRef idx="1">
+            <a:schemeClr val="lt1"/>
+          </a:fillRef>
+          <a:effectRef idx="0">
+            <a:schemeClr val="accent6"/>
+          </a:effectRef>
+          <a:fontRef idx="minor">
+            <a:schemeClr val="dk1"/>
+          </a:fontRef>
+        </p:style>
+        <p:txBody>
+          <a:bodyPr rtlCol="0" anchor="ctr"/>
+          <a:lstStyle/>
+          <a:p>
+            <a:pPr algn="ctr"/>
+            <a:endParaRPr lang="en-US"/>
+          </a:p>
+        </p:txBody>
+      </p:sp>
+      <p:sp>
+        <p:nvSpPr>
+          <p:cNvPr id="4" name="TextBox 3">
+            <a:extLst>
+              <a:ext uri="{FF2B5EF4-FFF2-40B4-BE49-F238E27FC236}">
+                <a16:creationId xmlns:a16="http://schemas.microsoft.com/office/drawing/2014/main" id="{AEA8C141-C19A-8454-E2BB-CCB9B6FA5F7B}"/>
+              </a:ext>
+            </a:extLst>
+          </p:cNvPr>
+          <p:cNvSpPr txBox="1"/>
+          <p:nvPr/>
+        </p:nvSpPr>
+        <p:spPr>
+          <a:xfrm>
+            <a:off x="7534938" y="691117"/>
+            <a:ext cx="3519377" cy="369332"/>
+          </a:xfrm>
+          <a:prstGeom prst="rect">
+            <a:avLst/>
+          </a:prstGeom>
+          <a:noFill/>
+        </p:spPr>
+        <p:txBody>
+          <a:bodyPr wrap="square" rtlCol="0">
+            <a:spAutoFit/>
+          </a:bodyPr>
+          <a:lstStyle/>
+          <a:p>
+            <a:pPr algn="ctr"/>
+            <a:r>
+              <a:rPr lang="en-US" b="1" dirty="0"/>
+              <a:t>OS</a:t>
+            </a:r>
+          </a:p>
+        </p:txBody>
+      </p:sp>
+      <p:sp>
+        <p:nvSpPr>
+          <p:cNvPr id="5" name="Multi-document 4">
+            <a:extLst>
+              <a:ext uri="{FF2B5EF4-FFF2-40B4-BE49-F238E27FC236}">
+                <a16:creationId xmlns:a16="http://schemas.microsoft.com/office/drawing/2014/main" id="{AA861DEC-5FDA-D11C-A038-8AC2BA2B67DF}"/>
+              </a:ext>
+            </a:extLst>
+          </p:cNvPr>
+          <p:cNvSpPr/>
+          <p:nvPr/>
+        </p:nvSpPr>
+        <p:spPr>
+          <a:xfrm>
+            <a:off x="7694427" y="2115880"/>
+            <a:ext cx="3508744" cy="2211572"/>
+          </a:xfrm>
+          <a:prstGeom prst="flowChartMultidocument">
+            <a:avLst/>
+          </a:prstGeom>
+        </p:spPr>
+        <p:style>
+          <a:lnRef idx="2">
+            <a:schemeClr val="accent1">
+              <a:shade val="15000"/>
+            </a:schemeClr>
+          </a:lnRef>
+          <a:fillRef idx="1">
+            <a:schemeClr val="accent1"/>
+          </a:fillRef>
+          <a:effectRef idx="0">
+            <a:schemeClr val="accent1"/>
+          </a:effectRef>
+          <a:fontRef idx="minor">
+            <a:schemeClr val="lt1"/>
+          </a:fontRef>
+        </p:style>
+        <p:txBody>
+          <a:bodyPr rtlCol="0" anchor="ctr"/>
+          <a:lstStyle/>
+          <a:p>
+            <a:pPr algn="ctr"/>
+            <a:r>
+              <a:rPr lang="en-US" b="1" dirty="0"/>
+              <a:t>File System</a:t>
+            </a:r>
+          </a:p>
+        </p:txBody>
+      </p:sp>
+      <p:cxnSp>
+        <p:nvCxnSpPr>
+          <p:cNvPr id="7" name="Elbow Connector 6">
+            <a:extLst>
+              <a:ext uri="{FF2B5EF4-FFF2-40B4-BE49-F238E27FC236}">
+                <a16:creationId xmlns:a16="http://schemas.microsoft.com/office/drawing/2014/main" id="{D9EBAFB1-227F-6479-DCA3-B9D64CBFE429}"/>
+              </a:ext>
+            </a:extLst>
+          </p:cNvPr>
+          <p:cNvCxnSpPr>
+            <a:stCxn id="2" idx="0"/>
+            <a:endCxn id="5" idx="1"/>
+          </p:cNvCxnSpPr>
+          <p:nvPr/>
+        </p:nvCxnSpPr>
+        <p:spPr>
+          <a:xfrm rot="16200000" flipH="1">
+            <a:off x="5004389" y="531628"/>
+            <a:ext cx="1222745" cy="4157330"/>
+          </a:xfrm>
+          <a:prstGeom prst="bentConnector4">
+            <a:avLst>
+              <a:gd name="adj1" fmla="val -18696"/>
+              <a:gd name="adj2" fmla="val 71739"/>
+            </a:avLst>
+          </a:prstGeom>
+          <a:ln>
+            <a:solidFill>
+              <a:srgbClr val="FF0000"/>
+            </a:solidFill>
+            <a:tailEnd type="triangle"/>
+          </a:ln>
+        </p:spPr>
+        <p:style>
+          <a:lnRef idx="1">
+            <a:schemeClr val="accent1"/>
+          </a:lnRef>
+          <a:fillRef idx="0">
+            <a:schemeClr val="accent1"/>
+          </a:fillRef>
+          <a:effectRef idx="0">
+            <a:schemeClr val="accent1"/>
+          </a:effectRef>
+          <a:fontRef idx="minor">
+            <a:schemeClr val="tx1"/>
+          </a:fontRef>
+        </p:style>
+      </p:cxnSp>
+      <p:sp>
+        <p:nvSpPr>
+          <p:cNvPr id="8" name="TextBox 7">
+            <a:extLst>
+              <a:ext uri="{FF2B5EF4-FFF2-40B4-BE49-F238E27FC236}">
+                <a16:creationId xmlns:a16="http://schemas.microsoft.com/office/drawing/2014/main" id="{F45F7C34-C00C-93AA-1AA6-A5069BC487BA}"/>
+              </a:ext>
+            </a:extLst>
+          </p:cNvPr>
+          <p:cNvSpPr txBox="1"/>
+          <p:nvPr/>
+        </p:nvSpPr>
+        <p:spPr>
+          <a:xfrm>
+            <a:off x="7534938" y="4423144"/>
+            <a:ext cx="3519377" cy="1477328"/>
+          </a:xfrm>
+          <a:prstGeom prst="rect">
+            <a:avLst/>
+          </a:prstGeom>
+          <a:noFill/>
+        </p:spPr>
+        <p:txBody>
+          <a:bodyPr wrap="square" rtlCol="0">
+            <a:spAutoFit/>
+          </a:bodyPr>
+          <a:lstStyle/>
+          <a:p>
+            <a:pPr marL="342900" indent="-342900">
+              <a:buAutoNum type="arabicPeriod"/>
+            </a:pPr>
+            <a:r>
+              <a:rPr lang="en-US" dirty="0"/>
+              <a:t>OS will check the Existence of the file.</a:t>
+            </a:r>
+          </a:p>
+          <a:p>
+            <a:pPr marL="342900" indent="-342900">
+              <a:buAutoNum type="arabicPeriod"/>
+            </a:pPr>
+            <a:r>
+              <a:rPr lang="en-US" dirty="0"/>
+              <a:t>If Present, then set its access to Node.js app </a:t>
+            </a:r>
+          </a:p>
+          <a:p>
+            <a:pPr marL="342900" indent="-342900">
+              <a:buAutoNum type="arabicPeriod"/>
+            </a:pPr>
+            <a:r>
+              <a:rPr lang="en-US" dirty="0"/>
+              <a:t>If Not The Throw Error  </a:t>
+            </a:r>
+          </a:p>
+        </p:txBody>
+      </p:sp>
+      <p:cxnSp>
+        <p:nvCxnSpPr>
+          <p:cNvPr id="10" name="Elbow Connector 9">
+            <a:extLst>
+              <a:ext uri="{FF2B5EF4-FFF2-40B4-BE49-F238E27FC236}">
+                <a16:creationId xmlns:a16="http://schemas.microsoft.com/office/drawing/2014/main" id="{DD560909-2644-6AC9-87C2-EB6A613489CB}"/>
+              </a:ext>
+            </a:extLst>
+          </p:cNvPr>
+          <p:cNvCxnSpPr>
+            <a:stCxn id="5" idx="1"/>
+            <a:endCxn id="2" idx="2"/>
+          </p:cNvCxnSpPr>
+          <p:nvPr/>
+        </p:nvCxnSpPr>
+        <p:spPr>
+          <a:xfrm rot="10800000" flipV="1">
+            <a:off x="3537097" y="3221666"/>
+            <a:ext cx="4157330" cy="382772"/>
+          </a:xfrm>
+          <a:prstGeom prst="bentConnector4">
+            <a:avLst>
+              <a:gd name="adj1" fmla="val 28261"/>
+              <a:gd name="adj2" fmla="val 159722"/>
+            </a:avLst>
+          </a:prstGeom>
+          <a:ln>
+            <a:solidFill>
+              <a:srgbClr val="FF0000"/>
+            </a:solidFill>
+            <a:tailEnd type="triangle"/>
+          </a:ln>
+        </p:spPr>
+        <p:style>
+          <a:lnRef idx="1">
+            <a:schemeClr val="accent1"/>
+          </a:lnRef>
+          <a:fillRef idx="0">
+            <a:schemeClr val="accent1"/>
+          </a:fillRef>
+          <a:effectRef idx="0">
+            <a:schemeClr val="accent1"/>
+          </a:effectRef>
+          <a:fontRef idx="minor">
+            <a:schemeClr val="tx1"/>
+          </a:fontRef>
+        </p:style>
+      </p:cxnSp>
+      <p:sp>
+        <p:nvSpPr>
+          <p:cNvPr id="11" name="TextBox 10">
+            <a:extLst>
+              <a:ext uri="{FF2B5EF4-FFF2-40B4-BE49-F238E27FC236}">
+                <a16:creationId xmlns:a16="http://schemas.microsoft.com/office/drawing/2014/main" id="{7FC26467-215D-A198-CAE8-D0F92FBB70F0}"/>
+              </a:ext>
+            </a:extLst>
+          </p:cNvPr>
+          <p:cNvSpPr txBox="1"/>
+          <p:nvPr/>
+        </p:nvSpPr>
+        <p:spPr>
+          <a:xfrm>
+            <a:off x="4419599" y="1446028"/>
+            <a:ext cx="2147776" cy="646331"/>
+          </a:xfrm>
+          <a:prstGeom prst="rect">
+            <a:avLst/>
+          </a:prstGeom>
+          <a:noFill/>
+        </p:spPr>
+        <p:txBody>
+          <a:bodyPr wrap="square" rtlCol="0">
+            <a:spAutoFit/>
+          </a:bodyPr>
+          <a:lstStyle/>
+          <a:p>
+            <a:r>
+              <a:rPr lang="en-US" dirty="0"/>
+              <a:t>Request to access the file </a:t>
+            </a:r>
+          </a:p>
+        </p:txBody>
+      </p:sp>
+      <p:sp>
+        <p:nvSpPr>
+          <p:cNvPr id="12" name="TextBox 11">
+            <a:extLst>
+              <a:ext uri="{FF2B5EF4-FFF2-40B4-BE49-F238E27FC236}">
+                <a16:creationId xmlns:a16="http://schemas.microsoft.com/office/drawing/2014/main" id="{E0CDD582-7BAA-4EA3-2BED-9788FD5B5242}"/>
+              </a:ext>
+            </a:extLst>
+          </p:cNvPr>
+          <p:cNvSpPr txBox="1"/>
+          <p:nvPr/>
+        </p:nvSpPr>
+        <p:spPr>
+          <a:xfrm>
+            <a:off x="3948224" y="4180852"/>
+            <a:ext cx="2147776" cy="646331"/>
+          </a:xfrm>
+          <a:prstGeom prst="rect">
+            <a:avLst/>
+          </a:prstGeom>
+          <a:noFill/>
+        </p:spPr>
+        <p:txBody>
+          <a:bodyPr wrap="square" rtlCol="0">
+            <a:spAutoFit/>
+          </a:bodyPr>
+          <a:lstStyle/>
+          <a:p>
+            <a:r>
+              <a:rPr lang="en-US" dirty="0"/>
+              <a:t>File Access Response</a:t>
+            </a:r>
+          </a:p>
+          <a:p>
+            <a:r>
+              <a:rPr lang="en-US" dirty="0"/>
+              <a:t>Success Or Error</a:t>
+            </a:r>
+          </a:p>
+        </p:txBody>
+      </p:sp>
+      <p:sp>
+        <p:nvSpPr>
+          <p:cNvPr id="13" name="Left-right Arrow 12">
+            <a:extLst>
+              <a:ext uri="{FF2B5EF4-FFF2-40B4-BE49-F238E27FC236}">
+                <a16:creationId xmlns:a16="http://schemas.microsoft.com/office/drawing/2014/main" id="{EE36102B-5042-97D4-0FA0-04CFD39F8685}"/>
+              </a:ext>
+            </a:extLst>
+          </p:cNvPr>
+          <p:cNvSpPr/>
+          <p:nvPr/>
+        </p:nvSpPr>
+        <p:spPr>
+          <a:xfrm>
+            <a:off x="1477926" y="5603358"/>
+            <a:ext cx="5759301" cy="542261"/>
+          </a:xfrm>
+          <a:prstGeom prst="leftRightArrow">
+            <a:avLst/>
+          </a:prstGeom>
+        </p:spPr>
+        <p:style>
+          <a:lnRef idx="2">
+            <a:schemeClr val="accent1">
+              <a:shade val="15000"/>
+            </a:schemeClr>
+          </a:lnRef>
+          <a:fillRef idx="1">
+            <a:schemeClr val="accent1"/>
+          </a:fillRef>
+          <a:effectRef idx="0">
+            <a:schemeClr val="accent1"/>
+          </a:effectRef>
+          <a:fontRef idx="minor">
+            <a:schemeClr val="lt1"/>
+          </a:fontRef>
+        </p:style>
+        <p:txBody>
+          <a:bodyPr rtlCol="0" anchor="ctr"/>
+          <a:lstStyle/>
+          <a:p>
+            <a:pPr algn="ctr"/>
+            <a:r>
+              <a:rPr lang="en-US" dirty="0"/>
+              <a:t>File System Module</a:t>
+            </a:r>
+          </a:p>
+        </p:txBody>
+      </p:sp>
+      <p:sp>
+        <p:nvSpPr>
+          <p:cNvPr id="14" name="TextBox 13">
+            <a:extLst>
+              <a:ext uri="{FF2B5EF4-FFF2-40B4-BE49-F238E27FC236}">
+                <a16:creationId xmlns:a16="http://schemas.microsoft.com/office/drawing/2014/main" id="{7256FE59-314A-77F4-200C-17063CA8DE72}"/>
+              </a:ext>
+            </a:extLst>
+          </p:cNvPr>
+          <p:cNvSpPr txBox="1"/>
+          <p:nvPr/>
+        </p:nvSpPr>
+        <p:spPr>
+          <a:xfrm>
+            <a:off x="74428" y="127591"/>
+            <a:ext cx="3742660" cy="923330"/>
+          </a:xfrm>
+          <a:prstGeom prst="rect">
+            <a:avLst/>
+          </a:prstGeom>
+          <a:noFill/>
+        </p:spPr>
+        <p:txBody>
+          <a:bodyPr wrap="square" rtlCol="0">
+            <a:spAutoFit/>
+          </a:bodyPr>
+          <a:lstStyle/>
+          <a:p>
+            <a:r>
+              <a:rPr lang="en-US" dirty="0"/>
+              <a:t>Synchronous Operations for Files as well as Asynchronous Operations for Files </a:t>
+            </a:r>
+          </a:p>
+        </p:txBody>
+      </p:sp>
+    </p:spTree>
+    <p:extLst>
+      <p:ext uri="{BB962C8B-B14F-4D97-AF65-F5344CB8AC3E}">
+        <p14:creationId xmlns:p14="http://schemas.microsoft.com/office/powerpoint/2010/main" val="975379622"/>
       </p:ext>
     </p:extLst>
   </p:cSld>

--- a/Training_Presentetions.pptx
+++ b/Training_Presentetions.pptx
@@ -19470,7 +19470,7 @@
         </p:nvSpPr>
         <p:spPr>
           <a:xfrm>
-            <a:off x="1729562" y="1998921"/>
+            <a:off x="1477926" y="2115880"/>
             <a:ext cx="3615069" cy="1605517"/>
           </a:xfrm>
           <a:prstGeom prst="rect">
@@ -19651,13 +19651,13 @@
         </p:nvCxnSpPr>
         <p:spPr>
           <a:xfrm rot="16200000" flipH="1">
-            <a:off x="5004389" y="531628"/>
-            <a:ext cx="1222745" cy="4157330"/>
+            <a:off x="4937051" y="464290"/>
+            <a:ext cx="1105786" cy="4408966"/>
           </a:xfrm>
           <a:prstGeom prst="bentConnector4">
             <a:avLst>
-              <a:gd name="adj1" fmla="val -18696"/>
-              <a:gd name="adj2" fmla="val 71739"/>
+              <a:gd name="adj1" fmla="val -20673"/>
+              <a:gd name="adj2" fmla="val 70498"/>
             </a:avLst>
           </a:prstGeom>
           <a:ln>
@@ -19755,13 +19755,13 @@
         </p:nvCxnSpPr>
         <p:spPr>
           <a:xfrm rot="10800000" flipV="1">
-            <a:off x="3537097" y="3221666"/>
-            <a:ext cx="4157330" cy="382772"/>
+            <a:off x="3285461" y="3221665"/>
+            <a:ext cx="4408966" cy="499731"/>
           </a:xfrm>
           <a:prstGeom prst="bentConnector4">
             <a:avLst>
-              <a:gd name="adj1" fmla="val 28261"/>
-              <a:gd name="adj2" fmla="val 159722"/>
+              <a:gd name="adj1" fmla="val 29502"/>
+              <a:gd name="adj2" fmla="val 267021"/>
             </a:avLst>
           </a:prstGeom>
           <a:ln>

--- a/Training_Presentetions.pptx
+++ b/Training_Presentetions.pptx
@@ -32,6 +32,9 @@
     <p:sldId id="280" r:id="rId26"/>
     <p:sldId id="281" r:id="rId27"/>
     <p:sldId id="282" r:id="rId28"/>
+    <p:sldId id="283" r:id="rId29"/>
+    <p:sldId id="284" r:id="rId30"/>
+    <p:sldId id="285" r:id="rId31"/>
   </p:sldIdLst>
   <p:sldSz cx="12192000" cy="6858000"/>
   <p:notesSz cx="6858000" cy="9144000"/>
@@ -287,7 +290,7 @@
           <a:p>
             <a:fld id="{D9FCDB6C-7DD4-3A4F-BB06-0EDDD9178121}" type="datetimeFigureOut">
               <a:rPr lang="en-US" smtClean="0"/>
-              <a:t>7/17/23</a:t>
+              <a:t>7/18/23</a:t>
             </a:fld>
             <a:endParaRPr lang="en-US"/>
           </a:p>
@@ -487,7 +490,7 @@
           <a:p>
             <a:fld id="{D9FCDB6C-7DD4-3A4F-BB06-0EDDD9178121}" type="datetimeFigureOut">
               <a:rPr lang="en-US" smtClean="0"/>
-              <a:t>7/17/23</a:t>
+              <a:t>7/18/23</a:t>
             </a:fld>
             <a:endParaRPr lang="en-US"/>
           </a:p>
@@ -697,7 +700,7 @@
           <a:p>
             <a:fld id="{D9FCDB6C-7DD4-3A4F-BB06-0EDDD9178121}" type="datetimeFigureOut">
               <a:rPr lang="en-US" smtClean="0"/>
-              <a:t>7/17/23</a:t>
+              <a:t>7/18/23</a:t>
             </a:fld>
             <a:endParaRPr lang="en-US"/>
           </a:p>
@@ -897,7 +900,7 @@
           <a:p>
             <a:fld id="{D9FCDB6C-7DD4-3A4F-BB06-0EDDD9178121}" type="datetimeFigureOut">
               <a:rPr lang="en-US" smtClean="0"/>
-              <a:t>7/17/23</a:t>
+              <a:t>7/18/23</a:t>
             </a:fld>
             <a:endParaRPr lang="en-US"/>
           </a:p>
@@ -1173,7 +1176,7 @@
           <a:p>
             <a:fld id="{D9FCDB6C-7DD4-3A4F-BB06-0EDDD9178121}" type="datetimeFigureOut">
               <a:rPr lang="en-US" smtClean="0"/>
-              <a:t>7/17/23</a:t>
+              <a:t>7/18/23</a:t>
             </a:fld>
             <a:endParaRPr lang="en-US"/>
           </a:p>
@@ -1441,7 +1444,7 @@
           <a:p>
             <a:fld id="{D9FCDB6C-7DD4-3A4F-BB06-0EDDD9178121}" type="datetimeFigureOut">
               <a:rPr lang="en-US" smtClean="0"/>
-              <a:t>7/17/23</a:t>
+              <a:t>7/18/23</a:t>
             </a:fld>
             <a:endParaRPr lang="en-US"/>
           </a:p>
@@ -1856,7 +1859,7 @@
           <a:p>
             <a:fld id="{D9FCDB6C-7DD4-3A4F-BB06-0EDDD9178121}" type="datetimeFigureOut">
               <a:rPr lang="en-US" smtClean="0"/>
-              <a:t>7/17/23</a:t>
+              <a:t>7/18/23</a:t>
             </a:fld>
             <a:endParaRPr lang="en-US"/>
           </a:p>
@@ -1998,7 +2001,7 @@
           <a:p>
             <a:fld id="{D9FCDB6C-7DD4-3A4F-BB06-0EDDD9178121}" type="datetimeFigureOut">
               <a:rPr lang="en-US" smtClean="0"/>
-              <a:t>7/17/23</a:t>
+              <a:t>7/18/23</a:t>
             </a:fld>
             <a:endParaRPr lang="en-US"/>
           </a:p>
@@ -2111,7 +2114,7 @@
           <a:p>
             <a:fld id="{D9FCDB6C-7DD4-3A4F-BB06-0EDDD9178121}" type="datetimeFigureOut">
               <a:rPr lang="en-US" smtClean="0"/>
-              <a:t>7/17/23</a:t>
+              <a:t>7/18/23</a:t>
             </a:fld>
             <a:endParaRPr lang="en-US"/>
           </a:p>
@@ -2424,7 +2427,7 @@
           <a:p>
             <a:fld id="{D9FCDB6C-7DD4-3A4F-BB06-0EDDD9178121}" type="datetimeFigureOut">
               <a:rPr lang="en-US" smtClean="0"/>
-              <a:t>7/17/23</a:t>
+              <a:t>7/18/23</a:t>
             </a:fld>
             <a:endParaRPr lang="en-US"/>
           </a:p>
@@ -2713,7 +2716,7 @@
           <a:p>
             <a:fld id="{D9FCDB6C-7DD4-3A4F-BB06-0EDDD9178121}" type="datetimeFigureOut">
               <a:rPr lang="en-US" smtClean="0"/>
-              <a:t>7/17/23</a:t>
+              <a:t>7/18/23</a:t>
             </a:fld>
             <a:endParaRPr lang="en-US"/>
           </a:p>
@@ -2956,7 +2959,7 @@
           <a:p>
             <a:fld id="{D9FCDB6C-7DD4-3A4F-BB06-0EDDD9178121}" type="datetimeFigureOut">
               <a:rPr lang="en-US" smtClean="0"/>
-              <a:t>7/17/23</a:t>
+              <a:t>7/18/23</a:t>
             </a:fld>
             <a:endParaRPr lang="en-US"/>
           </a:p>
@@ -19959,6 +19962,1555 @@
 </p:sld>
 </file>
 
+<file path=ppt/slides/slide28.xml><?xml version="1.0" encoding="utf-8"?>
+<p:sld xmlns:a="http://schemas.openxmlformats.org/drawingml/2006/main" xmlns:r="http://schemas.openxmlformats.org/officeDocument/2006/relationships" xmlns:p="http://schemas.openxmlformats.org/presentationml/2006/main">
+  <p:cSld>
+    <p:spTree>
+      <p:nvGrpSpPr>
+        <p:cNvPr id="1" name=""/>
+        <p:cNvGrpSpPr/>
+        <p:nvPr/>
+      </p:nvGrpSpPr>
+      <p:grpSpPr>
+        <a:xfrm>
+          <a:off x="0" y="0"/>
+          <a:ext cx="0" cy="0"/>
+          <a:chOff x="0" y="0"/>
+          <a:chExt cx="0" cy="0"/>
+        </a:xfrm>
+      </p:grpSpPr>
+      <p:sp>
+        <p:nvSpPr>
+          <p:cNvPr id="2" name="TextBox 1">
+            <a:extLst>
+              <a:ext uri="{FF2B5EF4-FFF2-40B4-BE49-F238E27FC236}">
+                <a16:creationId xmlns:a16="http://schemas.microsoft.com/office/drawing/2014/main" id="{AABE2D0F-CD8F-41FB-6696-86FD4114FD4E}"/>
+              </a:ext>
+            </a:extLst>
+          </p:cNvPr>
+          <p:cNvSpPr txBox="1"/>
+          <p:nvPr/>
+        </p:nvSpPr>
+        <p:spPr>
+          <a:xfrm>
+            <a:off x="180753" y="106326"/>
+            <a:ext cx="3806456" cy="369332"/>
+          </a:xfrm>
+          <a:prstGeom prst="rect">
+            <a:avLst/>
+          </a:prstGeom>
+          <a:noFill/>
+        </p:spPr>
+        <p:txBody>
+          <a:bodyPr wrap="square" rtlCol="0">
+            <a:spAutoFit/>
+          </a:bodyPr>
+          <a:lstStyle/>
+          <a:p>
+            <a:pPr algn="ctr"/>
+            <a:r>
+              <a:rPr lang="en-US" b="1" dirty="0" err="1"/>
+              <a:t>Express.js</a:t>
+            </a:r>
+            <a:r>
+              <a:rPr lang="en-US" b="1" dirty="0"/>
+              <a:t> App</a:t>
+            </a:r>
+          </a:p>
+        </p:txBody>
+      </p:sp>
+      <p:sp>
+        <p:nvSpPr>
+          <p:cNvPr id="3" name="Can 2">
+            <a:extLst>
+              <a:ext uri="{FF2B5EF4-FFF2-40B4-BE49-F238E27FC236}">
+                <a16:creationId xmlns:a16="http://schemas.microsoft.com/office/drawing/2014/main" id="{4407EBBA-F6CB-1601-50C2-6773860B06CC}"/>
+              </a:ext>
+            </a:extLst>
+          </p:cNvPr>
+          <p:cNvSpPr/>
+          <p:nvPr/>
+        </p:nvSpPr>
+        <p:spPr>
+          <a:xfrm>
+            <a:off x="10260419" y="2775098"/>
+            <a:ext cx="1616148" cy="1169581"/>
+          </a:xfrm>
+          <a:prstGeom prst="can">
+            <a:avLst/>
+          </a:prstGeom>
+        </p:spPr>
+        <p:style>
+          <a:lnRef idx="2">
+            <a:schemeClr val="accent1">
+              <a:shade val="15000"/>
+            </a:schemeClr>
+          </a:lnRef>
+          <a:fillRef idx="1">
+            <a:schemeClr val="accent1"/>
+          </a:fillRef>
+          <a:effectRef idx="0">
+            <a:schemeClr val="accent1"/>
+          </a:effectRef>
+          <a:fontRef idx="minor">
+            <a:schemeClr val="lt1"/>
+          </a:fontRef>
+        </p:style>
+        <p:txBody>
+          <a:bodyPr rtlCol="0" anchor="ctr"/>
+          <a:lstStyle/>
+          <a:p>
+            <a:pPr algn="ctr"/>
+            <a:r>
+              <a:rPr lang="en-US" dirty="0"/>
+              <a:t>SQL Server</a:t>
+            </a:r>
+          </a:p>
+        </p:txBody>
+      </p:sp>
+      <p:sp>
+        <p:nvSpPr>
+          <p:cNvPr id="5" name="Bevel 4">
+            <a:extLst>
+              <a:ext uri="{FF2B5EF4-FFF2-40B4-BE49-F238E27FC236}">
+                <a16:creationId xmlns:a16="http://schemas.microsoft.com/office/drawing/2014/main" id="{EC45EE04-84DD-5F57-ED10-4C23DC97BB42}"/>
+              </a:ext>
+            </a:extLst>
+          </p:cNvPr>
+          <p:cNvSpPr/>
+          <p:nvPr/>
+        </p:nvSpPr>
+        <p:spPr>
+          <a:xfrm>
+            <a:off x="4242391" y="475658"/>
+            <a:ext cx="5433238" cy="5680593"/>
+          </a:xfrm>
+          <a:prstGeom prst="bevel">
+            <a:avLst>
+              <a:gd name="adj" fmla="val 3142"/>
+            </a:avLst>
+          </a:prstGeom>
+          <a:solidFill>
+            <a:srgbClr val="FFC000"/>
+          </a:solidFill>
+        </p:spPr>
+        <p:style>
+          <a:lnRef idx="2">
+            <a:schemeClr val="accent1">
+              <a:shade val="15000"/>
+            </a:schemeClr>
+          </a:lnRef>
+          <a:fillRef idx="1">
+            <a:schemeClr val="accent1"/>
+          </a:fillRef>
+          <a:effectRef idx="0">
+            <a:schemeClr val="accent1"/>
+          </a:effectRef>
+          <a:fontRef idx="minor">
+            <a:schemeClr val="lt1"/>
+          </a:fontRef>
+        </p:style>
+        <p:txBody>
+          <a:bodyPr rtlCol="0" anchor="ctr"/>
+          <a:lstStyle/>
+          <a:p>
+            <a:pPr algn="ctr"/>
+            <a:endParaRPr lang="en-US"/>
+          </a:p>
+        </p:txBody>
+      </p:sp>
+      <p:sp>
+        <p:nvSpPr>
+          <p:cNvPr id="6" name="TextBox 5">
+            <a:extLst>
+              <a:ext uri="{FF2B5EF4-FFF2-40B4-BE49-F238E27FC236}">
+                <a16:creationId xmlns:a16="http://schemas.microsoft.com/office/drawing/2014/main" id="{716CAC5E-477E-F7B9-7563-13F1FD6A115C}"/>
+              </a:ext>
+            </a:extLst>
+          </p:cNvPr>
+          <p:cNvSpPr txBox="1"/>
+          <p:nvPr/>
+        </p:nvSpPr>
+        <p:spPr>
+          <a:xfrm>
+            <a:off x="5209953" y="691116"/>
+            <a:ext cx="4072270" cy="369332"/>
+          </a:xfrm>
+          <a:prstGeom prst="rect">
+            <a:avLst/>
+          </a:prstGeom>
+          <a:noFill/>
+        </p:spPr>
+        <p:txBody>
+          <a:bodyPr wrap="square" rtlCol="0">
+            <a:spAutoFit/>
+          </a:bodyPr>
+          <a:lstStyle/>
+          <a:p>
+            <a:pPr algn="ctr"/>
+            <a:r>
+              <a:rPr lang="en-US" b="1" dirty="0"/>
+              <a:t>Node.js</a:t>
+            </a:r>
+          </a:p>
+        </p:txBody>
+      </p:sp>
+      <p:sp>
+        <p:nvSpPr>
+          <p:cNvPr id="7" name="Rectangle 6">
+            <a:extLst>
+              <a:ext uri="{FF2B5EF4-FFF2-40B4-BE49-F238E27FC236}">
+                <a16:creationId xmlns:a16="http://schemas.microsoft.com/office/drawing/2014/main" id="{72B1AD73-7F46-ECFB-8FDB-65C586370F5E}"/>
+              </a:ext>
+            </a:extLst>
+          </p:cNvPr>
+          <p:cNvSpPr/>
+          <p:nvPr/>
+        </p:nvSpPr>
+        <p:spPr>
+          <a:xfrm>
+            <a:off x="7825563" y="1403497"/>
+            <a:ext cx="1531088" cy="4051005"/>
+          </a:xfrm>
+          <a:prstGeom prst="rect">
+            <a:avLst/>
+          </a:prstGeom>
+          <a:solidFill>
+            <a:srgbClr val="7030A0"/>
+          </a:solidFill>
+        </p:spPr>
+        <p:style>
+          <a:lnRef idx="2">
+            <a:schemeClr val="accent1">
+              <a:shade val="15000"/>
+            </a:schemeClr>
+          </a:lnRef>
+          <a:fillRef idx="1">
+            <a:schemeClr val="accent1"/>
+          </a:fillRef>
+          <a:effectRef idx="0">
+            <a:schemeClr val="accent1"/>
+          </a:effectRef>
+          <a:fontRef idx="minor">
+            <a:schemeClr val="lt1"/>
+          </a:fontRef>
+        </p:style>
+        <p:txBody>
+          <a:bodyPr rtlCol="0" anchor="ctr"/>
+          <a:lstStyle/>
+          <a:p>
+            <a:pPr algn="ctr"/>
+            <a:r>
+              <a:rPr lang="en-US" dirty="0" err="1"/>
+              <a:t>Node_Sql</a:t>
+            </a:r>
+            <a:r>
+              <a:rPr lang="en-US" dirty="0"/>
+              <a:t> for Data Access Layer</a:t>
+            </a:r>
+          </a:p>
+        </p:txBody>
+      </p:sp>
+      <p:sp>
+        <p:nvSpPr>
+          <p:cNvPr id="9" name="Rectangle 8">
+            <a:extLst>
+              <a:ext uri="{FF2B5EF4-FFF2-40B4-BE49-F238E27FC236}">
+                <a16:creationId xmlns:a16="http://schemas.microsoft.com/office/drawing/2014/main" id="{AE03FD45-F176-3C80-DDF0-CF7E0ABFCCE2}"/>
+              </a:ext>
+            </a:extLst>
+          </p:cNvPr>
+          <p:cNvSpPr/>
+          <p:nvPr/>
+        </p:nvSpPr>
+        <p:spPr>
+          <a:xfrm>
+            <a:off x="5209953" y="1418042"/>
+            <a:ext cx="2296632" cy="3795824"/>
+          </a:xfrm>
+          <a:prstGeom prst="rect">
+            <a:avLst/>
+          </a:prstGeom>
+          <a:solidFill>
+            <a:schemeClr val="tx2">
+              <a:lumMod val="75000"/>
+            </a:schemeClr>
+          </a:solidFill>
+        </p:spPr>
+        <p:style>
+          <a:lnRef idx="2">
+            <a:schemeClr val="accent1">
+              <a:shade val="15000"/>
+            </a:schemeClr>
+          </a:lnRef>
+          <a:fillRef idx="1">
+            <a:schemeClr val="accent1"/>
+          </a:fillRef>
+          <a:effectRef idx="0">
+            <a:schemeClr val="accent1"/>
+          </a:effectRef>
+          <a:fontRef idx="minor">
+            <a:schemeClr val="lt1"/>
+          </a:fontRef>
+        </p:style>
+        <p:txBody>
+          <a:bodyPr rtlCol="0" anchor="ctr"/>
+          <a:lstStyle/>
+          <a:p>
+            <a:pPr algn="ctr"/>
+            <a:endParaRPr lang="en-US"/>
+          </a:p>
+        </p:txBody>
+      </p:sp>
+      <p:sp>
+        <p:nvSpPr>
+          <p:cNvPr id="10" name="TextBox 9">
+            <a:extLst>
+              <a:ext uri="{FF2B5EF4-FFF2-40B4-BE49-F238E27FC236}">
+                <a16:creationId xmlns:a16="http://schemas.microsoft.com/office/drawing/2014/main" id="{AFE327F0-3332-D7F0-72BE-692C44C8328B}"/>
+              </a:ext>
+            </a:extLst>
+          </p:cNvPr>
+          <p:cNvSpPr txBox="1"/>
+          <p:nvPr/>
+        </p:nvSpPr>
+        <p:spPr>
+          <a:xfrm>
+            <a:off x="5497033" y="1573619"/>
+            <a:ext cx="1860697" cy="369332"/>
+          </a:xfrm>
+          <a:prstGeom prst="rect">
+            <a:avLst/>
+          </a:prstGeom>
+          <a:solidFill>
+            <a:srgbClr val="FFFF00"/>
+          </a:solidFill>
+        </p:spPr>
+        <p:txBody>
+          <a:bodyPr wrap="square" rtlCol="0">
+            <a:spAutoFit/>
+          </a:bodyPr>
+          <a:lstStyle/>
+          <a:p>
+            <a:pPr algn="ctr"/>
+            <a:r>
+              <a:rPr lang="en-US" b="1" dirty="0" err="1"/>
+              <a:t>Express.js</a:t>
+            </a:r>
+            <a:endParaRPr lang="en-US" b="1" dirty="0"/>
+          </a:p>
+        </p:txBody>
+      </p:sp>
+      <p:sp>
+        <p:nvSpPr>
+          <p:cNvPr id="11" name="Multi-document 10">
+            <a:extLst>
+              <a:ext uri="{FF2B5EF4-FFF2-40B4-BE49-F238E27FC236}">
+                <a16:creationId xmlns:a16="http://schemas.microsoft.com/office/drawing/2014/main" id="{6149D66C-8E40-CFDF-7672-CC4E43615F4B}"/>
+              </a:ext>
+            </a:extLst>
+          </p:cNvPr>
+          <p:cNvSpPr/>
+          <p:nvPr/>
+        </p:nvSpPr>
+        <p:spPr>
+          <a:xfrm>
+            <a:off x="5497033" y="2190307"/>
+            <a:ext cx="1860697" cy="1238693"/>
+          </a:xfrm>
+          <a:prstGeom prst="flowChartMultidocument">
+            <a:avLst/>
+          </a:prstGeom>
+        </p:spPr>
+        <p:style>
+          <a:lnRef idx="2">
+            <a:schemeClr val="accent1">
+              <a:shade val="15000"/>
+            </a:schemeClr>
+          </a:lnRef>
+          <a:fillRef idx="1">
+            <a:schemeClr val="accent1"/>
+          </a:fillRef>
+          <a:effectRef idx="0">
+            <a:schemeClr val="accent1"/>
+          </a:effectRef>
+          <a:fontRef idx="minor">
+            <a:schemeClr val="lt1"/>
+          </a:fontRef>
+        </p:style>
+        <p:txBody>
+          <a:bodyPr rtlCol="0" anchor="ctr"/>
+          <a:lstStyle/>
+          <a:p>
+            <a:pPr algn="ctr"/>
+            <a:r>
+              <a:rPr lang="en-US" dirty="0"/>
+              <a:t>Static Pages</a:t>
+            </a:r>
+          </a:p>
+          <a:p>
+            <a:pPr algn="ctr"/>
+            <a:r>
+              <a:rPr lang="en-US" dirty="0"/>
+              <a:t>HTML + JS + CSS</a:t>
+            </a:r>
+          </a:p>
+        </p:txBody>
+      </p:sp>
+      <p:sp>
+        <p:nvSpPr>
+          <p:cNvPr id="12" name="Rounded Rectangle 11">
+            <a:extLst>
+              <a:ext uri="{FF2B5EF4-FFF2-40B4-BE49-F238E27FC236}">
+                <a16:creationId xmlns:a16="http://schemas.microsoft.com/office/drawing/2014/main" id="{7D5D5128-3CFB-457E-E0D6-860E741631A9}"/>
+              </a:ext>
+            </a:extLst>
+          </p:cNvPr>
+          <p:cNvSpPr/>
+          <p:nvPr/>
+        </p:nvSpPr>
+        <p:spPr>
+          <a:xfrm>
+            <a:off x="5295015" y="3944679"/>
+            <a:ext cx="2062716" cy="1095154"/>
+          </a:xfrm>
+          <a:prstGeom prst="roundRect">
+            <a:avLst/>
+          </a:prstGeom>
+          <a:solidFill>
+            <a:srgbClr val="FF0000"/>
+          </a:solidFill>
+        </p:spPr>
+        <p:style>
+          <a:lnRef idx="2">
+            <a:schemeClr val="accent1">
+              <a:shade val="15000"/>
+            </a:schemeClr>
+          </a:lnRef>
+          <a:fillRef idx="1">
+            <a:schemeClr val="accent1"/>
+          </a:fillRef>
+          <a:effectRef idx="0">
+            <a:schemeClr val="accent1"/>
+          </a:effectRef>
+          <a:fontRef idx="minor">
+            <a:schemeClr val="lt1"/>
+          </a:fontRef>
+        </p:style>
+        <p:txBody>
+          <a:bodyPr rtlCol="0" anchor="ctr"/>
+          <a:lstStyle/>
+          <a:p>
+            <a:pPr algn="ctr"/>
+            <a:r>
+              <a:rPr lang="en-US" b="1" dirty="0"/>
+              <a:t>REST APIs</a:t>
+            </a:r>
+          </a:p>
+        </p:txBody>
+      </p:sp>
+      <p:cxnSp>
+        <p:nvCxnSpPr>
+          <p:cNvPr id="14" name="Elbow Connector 13">
+            <a:extLst>
+              <a:ext uri="{FF2B5EF4-FFF2-40B4-BE49-F238E27FC236}">
+                <a16:creationId xmlns:a16="http://schemas.microsoft.com/office/drawing/2014/main" id="{C7EA7007-5CFB-A8EE-42B3-EF3395F5AA1A}"/>
+              </a:ext>
+            </a:extLst>
+          </p:cNvPr>
+          <p:cNvCxnSpPr>
+            <a:stCxn id="7" idx="3"/>
+            <a:endCxn id="3" idx="2"/>
+          </p:cNvCxnSpPr>
+          <p:nvPr/>
+        </p:nvCxnSpPr>
+        <p:spPr>
+          <a:xfrm flipV="1">
+            <a:off x="9356651" y="3359889"/>
+            <a:ext cx="903768" cy="69111"/>
+          </a:xfrm>
+          <a:prstGeom prst="bentConnector3">
+            <a:avLst/>
+          </a:prstGeom>
+          <a:ln w="76200">
+            <a:solidFill>
+              <a:srgbClr val="C00000"/>
+            </a:solidFill>
+            <a:headEnd type="triangle"/>
+            <a:tailEnd type="triangle"/>
+          </a:ln>
+        </p:spPr>
+        <p:style>
+          <a:lnRef idx="1">
+            <a:schemeClr val="accent1"/>
+          </a:lnRef>
+          <a:fillRef idx="0">
+            <a:schemeClr val="accent1"/>
+          </a:fillRef>
+          <a:effectRef idx="0">
+            <a:schemeClr val="accent1"/>
+          </a:effectRef>
+          <a:fontRef idx="minor">
+            <a:schemeClr val="tx1"/>
+          </a:fontRef>
+        </p:style>
+      </p:cxnSp>
+      <p:cxnSp>
+        <p:nvCxnSpPr>
+          <p:cNvPr id="16" name="Elbow Connector 15">
+            <a:extLst>
+              <a:ext uri="{FF2B5EF4-FFF2-40B4-BE49-F238E27FC236}">
+                <a16:creationId xmlns:a16="http://schemas.microsoft.com/office/drawing/2014/main" id="{35F4CC74-FB00-546B-7EA3-2133AF4E343E}"/>
+              </a:ext>
+            </a:extLst>
+          </p:cNvPr>
+          <p:cNvCxnSpPr>
+            <a:stCxn id="12" idx="3"/>
+            <a:endCxn id="7" idx="1"/>
+          </p:cNvCxnSpPr>
+          <p:nvPr/>
+        </p:nvCxnSpPr>
+        <p:spPr>
+          <a:xfrm flipV="1">
+            <a:off x="7357731" y="3429000"/>
+            <a:ext cx="467832" cy="1063256"/>
+          </a:xfrm>
+          <a:prstGeom prst="bentConnector3">
+            <a:avLst/>
+          </a:prstGeom>
+          <a:ln w="76200">
+            <a:solidFill>
+              <a:srgbClr val="002060"/>
+            </a:solidFill>
+            <a:headEnd type="triangle"/>
+            <a:tailEnd type="triangle"/>
+          </a:ln>
+        </p:spPr>
+        <p:style>
+          <a:lnRef idx="1">
+            <a:schemeClr val="accent1"/>
+          </a:lnRef>
+          <a:fillRef idx="0">
+            <a:schemeClr val="accent1"/>
+          </a:fillRef>
+          <a:effectRef idx="0">
+            <a:schemeClr val="accent1"/>
+          </a:effectRef>
+          <a:fontRef idx="minor">
+            <a:schemeClr val="tx1"/>
+          </a:fontRef>
+        </p:style>
+      </p:cxnSp>
+      <p:sp>
+        <p:nvSpPr>
+          <p:cNvPr id="17" name="Document 16">
+            <a:extLst>
+              <a:ext uri="{FF2B5EF4-FFF2-40B4-BE49-F238E27FC236}">
+                <a16:creationId xmlns:a16="http://schemas.microsoft.com/office/drawing/2014/main" id="{D6E41AB3-44EE-D2FA-BAE1-AEDE62C06E05}"/>
+              </a:ext>
+            </a:extLst>
+          </p:cNvPr>
+          <p:cNvSpPr/>
+          <p:nvPr/>
+        </p:nvSpPr>
+        <p:spPr>
+          <a:xfrm>
+            <a:off x="81517" y="2190307"/>
+            <a:ext cx="2456121" cy="1818167"/>
+          </a:xfrm>
+          <a:prstGeom prst="flowChartDocument">
+            <a:avLst/>
+          </a:prstGeom>
+        </p:spPr>
+        <p:style>
+          <a:lnRef idx="2">
+            <a:schemeClr val="accent1">
+              <a:shade val="15000"/>
+            </a:schemeClr>
+          </a:lnRef>
+          <a:fillRef idx="1">
+            <a:schemeClr val="accent1"/>
+          </a:fillRef>
+          <a:effectRef idx="0">
+            <a:schemeClr val="accent1"/>
+          </a:effectRef>
+          <a:fontRef idx="minor">
+            <a:schemeClr val="lt1"/>
+          </a:fontRef>
+        </p:style>
+        <p:txBody>
+          <a:bodyPr rtlCol="0" anchor="ctr"/>
+          <a:lstStyle/>
+          <a:p>
+            <a:pPr algn="ctr"/>
+            <a:endParaRPr lang="en-US"/>
+          </a:p>
+        </p:txBody>
+      </p:sp>
+      <p:sp>
+        <p:nvSpPr>
+          <p:cNvPr id="18" name="TextBox 17">
+            <a:extLst>
+              <a:ext uri="{FF2B5EF4-FFF2-40B4-BE49-F238E27FC236}">
+                <a16:creationId xmlns:a16="http://schemas.microsoft.com/office/drawing/2014/main" id="{E6792AA9-52BC-9135-5A95-13E08436DD5C}"/>
+              </a:ext>
+            </a:extLst>
+          </p:cNvPr>
+          <p:cNvSpPr txBox="1"/>
+          <p:nvPr/>
+        </p:nvSpPr>
+        <p:spPr>
+          <a:xfrm>
+            <a:off x="85060" y="1403497"/>
+            <a:ext cx="2392327" cy="369332"/>
+          </a:xfrm>
+          <a:prstGeom prst="rect">
+            <a:avLst/>
+          </a:prstGeom>
+          <a:noFill/>
+        </p:spPr>
+        <p:txBody>
+          <a:bodyPr wrap="square" rtlCol="0">
+            <a:spAutoFit/>
+          </a:bodyPr>
+          <a:lstStyle/>
+          <a:p>
+            <a:pPr algn="ctr"/>
+            <a:r>
+              <a:rPr lang="en-US" b="1" dirty="0"/>
+              <a:t>Browser</a:t>
+            </a:r>
+          </a:p>
+        </p:txBody>
+      </p:sp>
+      <p:sp>
+        <p:nvSpPr>
+          <p:cNvPr id="19" name="Right Arrow 18">
+            <a:extLst>
+              <a:ext uri="{FF2B5EF4-FFF2-40B4-BE49-F238E27FC236}">
+                <a16:creationId xmlns:a16="http://schemas.microsoft.com/office/drawing/2014/main" id="{5D42913D-AFB4-CD97-65B4-7D442CC56099}"/>
+              </a:ext>
+            </a:extLst>
+          </p:cNvPr>
+          <p:cNvSpPr/>
+          <p:nvPr/>
+        </p:nvSpPr>
+        <p:spPr>
+          <a:xfrm>
+            <a:off x="2537638" y="2094614"/>
+            <a:ext cx="2714846" cy="606056"/>
+          </a:xfrm>
+          <a:prstGeom prst="rightArrow">
+            <a:avLst/>
+          </a:prstGeom>
+          <a:solidFill>
+            <a:srgbClr val="FF0000"/>
+          </a:solidFill>
+        </p:spPr>
+        <p:style>
+          <a:lnRef idx="2">
+            <a:schemeClr val="accent1">
+              <a:shade val="15000"/>
+            </a:schemeClr>
+          </a:lnRef>
+          <a:fillRef idx="1">
+            <a:schemeClr val="accent1"/>
+          </a:fillRef>
+          <a:effectRef idx="0">
+            <a:schemeClr val="accent1"/>
+          </a:effectRef>
+          <a:fontRef idx="minor">
+            <a:schemeClr val="lt1"/>
+          </a:fontRef>
+        </p:style>
+        <p:txBody>
+          <a:bodyPr rtlCol="0" anchor="ctr"/>
+          <a:lstStyle/>
+          <a:p>
+            <a:pPr algn="ctr"/>
+            <a:r>
+              <a:rPr lang="en-US" dirty="0"/>
+              <a:t>HTTP Request for HTML</a:t>
+            </a:r>
+          </a:p>
+        </p:txBody>
+      </p:sp>
+      <p:sp>
+        <p:nvSpPr>
+          <p:cNvPr id="20" name="Left Arrow 19">
+            <a:extLst>
+              <a:ext uri="{FF2B5EF4-FFF2-40B4-BE49-F238E27FC236}">
+                <a16:creationId xmlns:a16="http://schemas.microsoft.com/office/drawing/2014/main" id="{4BAE2D46-5BBB-9A68-2EAE-882051194AC1}"/>
+              </a:ext>
+            </a:extLst>
+          </p:cNvPr>
+          <p:cNvSpPr/>
+          <p:nvPr/>
+        </p:nvSpPr>
+        <p:spPr>
+          <a:xfrm>
+            <a:off x="2537638" y="2700669"/>
+            <a:ext cx="2672315" cy="1034167"/>
+          </a:xfrm>
+          <a:prstGeom prst="leftArrow">
+            <a:avLst/>
+          </a:prstGeom>
+        </p:spPr>
+        <p:style>
+          <a:lnRef idx="2">
+            <a:schemeClr val="accent1">
+              <a:shade val="15000"/>
+            </a:schemeClr>
+          </a:lnRef>
+          <a:fillRef idx="1">
+            <a:schemeClr val="accent1"/>
+          </a:fillRef>
+          <a:effectRef idx="0">
+            <a:schemeClr val="accent1"/>
+          </a:effectRef>
+          <a:fontRef idx="minor">
+            <a:schemeClr val="lt1"/>
+          </a:fontRef>
+        </p:style>
+        <p:txBody>
+          <a:bodyPr rtlCol="0" anchor="ctr"/>
+          <a:lstStyle/>
+          <a:p>
+            <a:pPr algn="ctr"/>
+            <a:r>
+              <a:rPr lang="en-US" dirty="0"/>
+              <a:t>Response with HTML + JS + CSS</a:t>
+            </a:r>
+          </a:p>
+        </p:txBody>
+      </p:sp>
+      <p:sp>
+        <p:nvSpPr>
+          <p:cNvPr id="21" name="TextBox 20">
+            <a:extLst>
+              <a:ext uri="{FF2B5EF4-FFF2-40B4-BE49-F238E27FC236}">
+                <a16:creationId xmlns:a16="http://schemas.microsoft.com/office/drawing/2014/main" id="{999D94ED-9835-EE9B-9178-2AF5E3B3BC70}"/>
+              </a:ext>
+            </a:extLst>
+          </p:cNvPr>
+          <p:cNvSpPr txBox="1"/>
+          <p:nvPr/>
+        </p:nvSpPr>
+        <p:spPr>
+          <a:xfrm>
+            <a:off x="308344" y="2583712"/>
+            <a:ext cx="1988289" cy="646331"/>
+          </a:xfrm>
+          <a:prstGeom prst="rect">
+            <a:avLst/>
+          </a:prstGeom>
+          <a:noFill/>
+        </p:spPr>
+        <p:txBody>
+          <a:bodyPr wrap="square" rtlCol="0">
+            <a:spAutoFit/>
+          </a:bodyPr>
+          <a:lstStyle/>
+          <a:p>
+            <a:pPr algn="ctr"/>
+            <a:r>
+              <a:rPr lang="en-US" b="1" dirty="0">
+                <a:solidFill>
+                  <a:srgbClr val="FFFF00"/>
+                </a:solidFill>
+              </a:rPr>
+              <a:t>HTML + jQuery + Bootstrap</a:t>
+            </a:r>
+          </a:p>
+        </p:txBody>
+      </p:sp>
+      <p:cxnSp>
+        <p:nvCxnSpPr>
+          <p:cNvPr id="23" name="Elbow Connector 22">
+            <a:extLst>
+              <a:ext uri="{FF2B5EF4-FFF2-40B4-BE49-F238E27FC236}">
+                <a16:creationId xmlns:a16="http://schemas.microsoft.com/office/drawing/2014/main" id="{E41D829B-7B5D-5A28-5F6A-B76AAD26E2E5}"/>
+              </a:ext>
+            </a:extLst>
+          </p:cNvPr>
+          <p:cNvCxnSpPr>
+            <a:stCxn id="17" idx="2"/>
+            <a:endCxn id="12" idx="1"/>
+          </p:cNvCxnSpPr>
+          <p:nvPr/>
+        </p:nvCxnSpPr>
+        <p:spPr>
+          <a:xfrm rot="16200000" flipH="1">
+            <a:off x="3000305" y="2197545"/>
+            <a:ext cx="603983" cy="3985437"/>
+          </a:xfrm>
+          <a:prstGeom prst="bentConnector2">
+            <a:avLst/>
+          </a:prstGeom>
+          <a:ln w="76200">
+            <a:tailEnd type="triangle"/>
+          </a:ln>
+        </p:spPr>
+        <p:style>
+          <a:lnRef idx="1">
+            <a:schemeClr val="accent1"/>
+          </a:lnRef>
+          <a:fillRef idx="0">
+            <a:schemeClr val="accent1"/>
+          </a:fillRef>
+          <a:effectRef idx="0">
+            <a:schemeClr val="accent1"/>
+          </a:effectRef>
+          <a:fontRef idx="minor">
+            <a:schemeClr val="tx1"/>
+          </a:fontRef>
+        </p:style>
+      </p:cxnSp>
+      <p:sp>
+        <p:nvSpPr>
+          <p:cNvPr id="24" name="TextBox 23">
+            <a:extLst>
+              <a:ext uri="{FF2B5EF4-FFF2-40B4-BE49-F238E27FC236}">
+                <a16:creationId xmlns:a16="http://schemas.microsoft.com/office/drawing/2014/main" id="{CC8EC318-6F64-BA52-E783-E3BB1D47505B}"/>
+              </a:ext>
+            </a:extLst>
+          </p:cNvPr>
+          <p:cNvSpPr txBox="1"/>
+          <p:nvPr/>
+        </p:nvSpPr>
+        <p:spPr>
+          <a:xfrm>
+            <a:off x="1701210" y="3907615"/>
+            <a:ext cx="2562447" cy="923330"/>
+          </a:xfrm>
+          <a:prstGeom prst="rect">
+            <a:avLst/>
+          </a:prstGeom>
+          <a:noFill/>
+        </p:spPr>
+        <p:txBody>
+          <a:bodyPr wrap="square" rtlCol="0">
+            <a:spAutoFit/>
+          </a:bodyPr>
+          <a:lstStyle/>
+          <a:p>
+            <a:pPr algn="ctr"/>
+            <a:r>
+              <a:rPr lang="en-US" dirty="0"/>
+              <a:t>REST API Access HTTP GET / POST / PUT / DELETE</a:t>
+            </a:r>
+          </a:p>
+        </p:txBody>
+      </p:sp>
+      <p:cxnSp>
+        <p:nvCxnSpPr>
+          <p:cNvPr id="26" name="Elbow Connector 25">
+            <a:extLst>
+              <a:ext uri="{FF2B5EF4-FFF2-40B4-BE49-F238E27FC236}">
+                <a16:creationId xmlns:a16="http://schemas.microsoft.com/office/drawing/2014/main" id="{BB1ABF8C-5881-B65A-86F5-ADD68D3B4F33}"/>
+              </a:ext>
+            </a:extLst>
+          </p:cNvPr>
+          <p:cNvCxnSpPr>
+            <a:stCxn id="12" idx="2"/>
+            <a:endCxn id="17" idx="1"/>
+          </p:cNvCxnSpPr>
+          <p:nvPr/>
+        </p:nvCxnSpPr>
+        <p:spPr>
+          <a:xfrm rot="5400000" flipH="1">
+            <a:off x="2233724" y="947184"/>
+            <a:ext cx="1940442" cy="6244856"/>
+          </a:xfrm>
+          <a:prstGeom prst="bentConnector4">
+            <a:avLst>
+              <a:gd name="adj1" fmla="val -11781"/>
+              <a:gd name="adj2" fmla="val 94807"/>
+            </a:avLst>
+          </a:prstGeom>
+          <a:ln w="76200">
+            <a:solidFill>
+              <a:srgbClr val="002060"/>
+            </a:solidFill>
+            <a:tailEnd type="triangle"/>
+          </a:ln>
+        </p:spPr>
+        <p:style>
+          <a:lnRef idx="1">
+            <a:schemeClr val="accent1"/>
+          </a:lnRef>
+          <a:fillRef idx="0">
+            <a:schemeClr val="accent1"/>
+          </a:fillRef>
+          <a:effectRef idx="0">
+            <a:schemeClr val="accent1"/>
+          </a:effectRef>
+          <a:fontRef idx="minor">
+            <a:schemeClr val="tx1"/>
+          </a:fontRef>
+        </p:style>
+      </p:cxnSp>
+      <p:sp>
+        <p:nvSpPr>
+          <p:cNvPr id="28" name="TextBox 27">
+            <a:extLst>
+              <a:ext uri="{FF2B5EF4-FFF2-40B4-BE49-F238E27FC236}">
+                <a16:creationId xmlns:a16="http://schemas.microsoft.com/office/drawing/2014/main" id="{2AEC07D6-5380-2CD3-B534-2F34BE544DD8}"/>
+              </a:ext>
+            </a:extLst>
+          </p:cNvPr>
+          <p:cNvSpPr txBox="1"/>
+          <p:nvPr/>
+        </p:nvSpPr>
+        <p:spPr>
+          <a:xfrm>
+            <a:off x="1281223" y="5454502"/>
+            <a:ext cx="2592572" cy="369332"/>
+          </a:xfrm>
+          <a:prstGeom prst="rect">
+            <a:avLst/>
+          </a:prstGeom>
+          <a:noFill/>
+        </p:spPr>
+        <p:txBody>
+          <a:bodyPr wrap="square" rtlCol="0">
+            <a:spAutoFit/>
+          </a:bodyPr>
+          <a:lstStyle/>
+          <a:p>
+            <a:pPr algn="ctr"/>
+            <a:r>
+              <a:rPr lang="en-US" dirty="0"/>
+              <a:t>HTTP Response with Data</a:t>
+            </a:r>
+          </a:p>
+        </p:txBody>
+      </p:sp>
+    </p:spTree>
+    <p:extLst>
+      <p:ext uri="{BB962C8B-B14F-4D97-AF65-F5344CB8AC3E}">
+        <p14:creationId xmlns:p14="http://schemas.microsoft.com/office/powerpoint/2010/main" val="2580569744"/>
+      </p:ext>
+    </p:extLst>
+  </p:cSld>
+  <p:clrMapOvr>
+    <a:masterClrMapping/>
+  </p:clrMapOvr>
+</p:sld>
+</file>
+
+<file path=ppt/slides/slide29.xml><?xml version="1.0" encoding="utf-8"?>
+<p:sld xmlns:a="http://schemas.openxmlformats.org/drawingml/2006/main" xmlns:r="http://schemas.openxmlformats.org/officeDocument/2006/relationships" xmlns:p="http://schemas.openxmlformats.org/presentationml/2006/main">
+  <p:cSld>
+    <p:spTree>
+      <p:nvGrpSpPr>
+        <p:cNvPr id="1" name=""/>
+        <p:cNvGrpSpPr/>
+        <p:nvPr/>
+      </p:nvGrpSpPr>
+      <p:grpSpPr>
+        <a:xfrm>
+          <a:off x="0" y="0"/>
+          <a:ext cx="0" cy="0"/>
+          <a:chOff x="0" y="0"/>
+          <a:chExt cx="0" cy="0"/>
+        </a:xfrm>
+      </p:grpSpPr>
+      <p:sp>
+        <p:nvSpPr>
+          <p:cNvPr id="2" name="Rectangle 1">
+            <a:extLst>
+              <a:ext uri="{FF2B5EF4-FFF2-40B4-BE49-F238E27FC236}">
+                <a16:creationId xmlns:a16="http://schemas.microsoft.com/office/drawing/2014/main" id="{83CEE567-914B-A821-CBD3-F3836C887732}"/>
+              </a:ext>
+            </a:extLst>
+          </p:cNvPr>
+          <p:cNvSpPr/>
+          <p:nvPr/>
+        </p:nvSpPr>
+        <p:spPr>
+          <a:xfrm>
+            <a:off x="4997302" y="691116"/>
+            <a:ext cx="5231219" cy="5645889"/>
+          </a:xfrm>
+          <a:prstGeom prst="rect">
+            <a:avLst/>
+          </a:prstGeom>
+        </p:spPr>
+        <p:style>
+          <a:lnRef idx="2">
+            <a:schemeClr val="accent6"/>
+          </a:lnRef>
+          <a:fillRef idx="1">
+            <a:schemeClr val="lt1"/>
+          </a:fillRef>
+          <a:effectRef idx="0">
+            <a:schemeClr val="accent6"/>
+          </a:effectRef>
+          <a:fontRef idx="minor">
+            <a:schemeClr val="dk1"/>
+          </a:fontRef>
+        </p:style>
+        <p:txBody>
+          <a:bodyPr rtlCol="0" anchor="ctr"/>
+          <a:lstStyle/>
+          <a:p>
+            <a:pPr algn="ctr"/>
+            <a:endParaRPr lang="en-US"/>
+          </a:p>
+        </p:txBody>
+      </p:sp>
+      <p:sp>
+        <p:nvSpPr>
+          <p:cNvPr id="3" name="TextBox 2">
+            <a:extLst>
+              <a:ext uri="{FF2B5EF4-FFF2-40B4-BE49-F238E27FC236}">
+                <a16:creationId xmlns:a16="http://schemas.microsoft.com/office/drawing/2014/main" id="{2467AC5A-2ACC-81D2-0ED9-C5FA6D5DC2BB}"/>
+              </a:ext>
+            </a:extLst>
+          </p:cNvPr>
+          <p:cNvSpPr txBox="1"/>
+          <p:nvPr/>
+        </p:nvSpPr>
+        <p:spPr>
+          <a:xfrm>
+            <a:off x="5146158" y="765544"/>
+            <a:ext cx="4816549" cy="369332"/>
+          </a:xfrm>
+          <a:prstGeom prst="rect">
+            <a:avLst/>
+          </a:prstGeom>
+          <a:noFill/>
+        </p:spPr>
+        <p:txBody>
+          <a:bodyPr wrap="square" rtlCol="0">
+            <a:spAutoFit/>
+          </a:bodyPr>
+          <a:lstStyle/>
+          <a:p>
+            <a:pPr algn="ctr"/>
+            <a:r>
+              <a:rPr lang="en-US" dirty="0"/>
+              <a:t>Node.js + Express App</a:t>
+            </a:r>
+          </a:p>
+        </p:txBody>
+      </p:sp>
+      <p:sp>
+        <p:nvSpPr>
+          <p:cNvPr id="4" name="Rounded Rectangle 3">
+            <a:extLst>
+              <a:ext uri="{FF2B5EF4-FFF2-40B4-BE49-F238E27FC236}">
+                <a16:creationId xmlns:a16="http://schemas.microsoft.com/office/drawing/2014/main" id="{D1407837-220B-9A8B-2511-0569E62E634E}"/>
+              </a:ext>
+            </a:extLst>
+          </p:cNvPr>
+          <p:cNvSpPr/>
+          <p:nvPr/>
+        </p:nvSpPr>
+        <p:spPr>
+          <a:xfrm>
+            <a:off x="7453423" y="2445488"/>
+            <a:ext cx="2626242" cy="1520456"/>
+          </a:xfrm>
+          <a:prstGeom prst="roundRect">
+            <a:avLst/>
+          </a:prstGeom>
+        </p:spPr>
+        <p:style>
+          <a:lnRef idx="2">
+            <a:schemeClr val="accent1">
+              <a:shade val="15000"/>
+            </a:schemeClr>
+          </a:lnRef>
+          <a:fillRef idx="1">
+            <a:schemeClr val="accent1"/>
+          </a:fillRef>
+          <a:effectRef idx="0">
+            <a:schemeClr val="accent1"/>
+          </a:effectRef>
+          <a:fontRef idx="minor">
+            <a:schemeClr val="lt1"/>
+          </a:fontRef>
+        </p:style>
+        <p:txBody>
+          <a:bodyPr rtlCol="0" anchor="ctr"/>
+          <a:lstStyle/>
+          <a:p>
+            <a:pPr algn="ctr"/>
+            <a:r>
+              <a:rPr lang="en-US" dirty="0"/>
+              <a:t>REST API or HTML Hosted pages</a:t>
+            </a:r>
+          </a:p>
+        </p:txBody>
+      </p:sp>
+      <p:sp>
+        <p:nvSpPr>
+          <p:cNvPr id="5" name="Rectangle 4">
+            <a:extLst>
+              <a:ext uri="{FF2B5EF4-FFF2-40B4-BE49-F238E27FC236}">
+                <a16:creationId xmlns:a16="http://schemas.microsoft.com/office/drawing/2014/main" id="{2AFB845F-C342-A139-8899-08BDC64975F7}"/>
+              </a:ext>
+            </a:extLst>
+          </p:cNvPr>
+          <p:cNvSpPr/>
+          <p:nvPr/>
+        </p:nvSpPr>
+        <p:spPr>
+          <a:xfrm>
+            <a:off x="1222744" y="2889248"/>
+            <a:ext cx="6230680" cy="467832"/>
+          </a:xfrm>
+          <a:prstGeom prst="rect">
+            <a:avLst/>
+          </a:prstGeom>
+          <a:solidFill>
+            <a:srgbClr val="FF0000"/>
+          </a:solidFill>
+        </p:spPr>
+        <p:style>
+          <a:lnRef idx="2">
+            <a:schemeClr val="accent1">
+              <a:shade val="15000"/>
+            </a:schemeClr>
+          </a:lnRef>
+          <a:fillRef idx="1">
+            <a:schemeClr val="accent1"/>
+          </a:fillRef>
+          <a:effectRef idx="0">
+            <a:schemeClr val="accent1"/>
+          </a:effectRef>
+          <a:fontRef idx="minor">
+            <a:schemeClr val="lt1"/>
+          </a:fontRef>
+        </p:style>
+        <p:txBody>
+          <a:bodyPr rtlCol="0" anchor="ctr"/>
+          <a:lstStyle/>
+          <a:p>
+            <a:pPr algn="ctr"/>
+            <a:endParaRPr lang="en-US"/>
+          </a:p>
+        </p:txBody>
+      </p:sp>
+      <p:sp>
+        <p:nvSpPr>
+          <p:cNvPr id="6" name="TextBox 5">
+            <a:extLst>
+              <a:ext uri="{FF2B5EF4-FFF2-40B4-BE49-F238E27FC236}">
+                <a16:creationId xmlns:a16="http://schemas.microsoft.com/office/drawing/2014/main" id="{DBD83100-54E9-E196-9C41-F68EC4526C92}"/>
+              </a:ext>
+            </a:extLst>
+          </p:cNvPr>
+          <p:cNvSpPr txBox="1"/>
+          <p:nvPr/>
+        </p:nvSpPr>
+        <p:spPr>
+          <a:xfrm>
+            <a:off x="3349256" y="2073349"/>
+            <a:ext cx="3381153" cy="369332"/>
+          </a:xfrm>
+          <a:prstGeom prst="rect">
+            <a:avLst/>
+          </a:prstGeom>
+          <a:noFill/>
+        </p:spPr>
+        <p:txBody>
+          <a:bodyPr wrap="square" rtlCol="0">
+            <a:spAutoFit/>
+          </a:bodyPr>
+          <a:lstStyle/>
+          <a:p>
+            <a:pPr algn="ctr"/>
+            <a:r>
+              <a:rPr lang="en-US" b="1" dirty="0"/>
+              <a:t>HTTP Pipeline</a:t>
+            </a:r>
+          </a:p>
+        </p:txBody>
+      </p:sp>
+      <p:sp>
+        <p:nvSpPr>
+          <p:cNvPr id="7" name="Rectangle 6">
+            <a:extLst>
+              <a:ext uri="{FF2B5EF4-FFF2-40B4-BE49-F238E27FC236}">
+                <a16:creationId xmlns:a16="http://schemas.microsoft.com/office/drawing/2014/main" id="{84367FE7-8E3F-9499-7596-3CD74594FCAE}"/>
+              </a:ext>
+            </a:extLst>
+          </p:cNvPr>
+          <p:cNvSpPr/>
+          <p:nvPr/>
+        </p:nvSpPr>
+        <p:spPr>
+          <a:xfrm>
+            <a:off x="2626242" y="2889248"/>
+            <a:ext cx="723014" cy="467832"/>
+          </a:xfrm>
+          <a:prstGeom prst="rect">
+            <a:avLst/>
+          </a:prstGeom>
+        </p:spPr>
+        <p:style>
+          <a:lnRef idx="2">
+            <a:schemeClr val="accent1">
+              <a:shade val="15000"/>
+            </a:schemeClr>
+          </a:lnRef>
+          <a:fillRef idx="1">
+            <a:schemeClr val="accent1"/>
+          </a:fillRef>
+          <a:effectRef idx="0">
+            <a:schemeClr val="accent1"/>
+          </a:effectRef>
+          <a:fontRef idx="minor">
+            <a:schemeClr val="lt1"/>
+          </a:fontRef>
+        </p:style>
+        <p:txBody>
+          <a:bodyPr rtlCol="0" anchor="ctr"/>
+          <a:lstStyle/>
+          <a:p>
+            <a:pPr algn="ctr"/>
+            <a:r>
+              <a:rPr lang="en-US" dirty="0"/>
+              <a:t>CORS</a:t>
+            </a:r>
+          </a:p>
+        </p:txBody>
+      </p:sp>
+      <p:sp>
+        <p:nvSpPr>
+          <p:cNvPr id="8" name="Rectangle 7">
+            <a:extLst>
+              <a:ext uri="{FF2B5EF4-FFF2-40B4-BE49-F238E27FC236}">
+                <a16:creationId xmlns:a16="http://schemas.microsoft.com/office/drawing/2014/main" id="{E31662D9-8551-98A0-7545-DB87A0B596D8}"/>
+              </a:ext>
+            </a:extLst>
+          </p:cNvPr>
+          <p:cNvSpPr/>
+          <p:nvPr/>
+        </p:nvSpPr>
+        <p:spPr>
+          <a:xfrm>
+            <a:off x="3811772" y="2889248"/>
+            <a:ext cx="723014" cy="467832"/>
+          </a:xfrm>
+          <a:prstGeom prst="rect">
+            <a:avLst/>
+          </a:prstGeom>
+        </p:spPr>
+        <p:style>
+          <a:lnRef idx="2">
+            <a:schemeClr val="accent1">
+              <a:shade val="15000"/>
+            </a:schemeClr>
+          </a:lnRef>
+          <a:fillRef idx="1">
+            <a:schemeClr val="accent1"/>
+          </a:fillRef>
+          <a:effectRef idx="0">
+            <a:schemeClr val="accent1"/>
+          </a:effectRef>
+          <a:fontRef idx="minor">
+            <a:schemeClr val="lt1"/>
+          </a:fontRef>
+        </p:style>
+        <p:txBody>
+          <a:bodyPr rtlCol="0" anchor="ctr"/>
+          <a:lstStyle/>
+          <a:p>
+            <a:pPr algn="ctr"/>
+            <a:r>
+              <a:rPr lang="en-US" dirty="0"/>
+              <a:t>JSON</a:t>
+            </a:r>
+          </a:p>
+        </p:txBody>
+      </p:sp>
+      <p:sp>
+        <p:nvSpPr>
+          <p:cNvPr id="9" name="Rectangle 8">
+            <a:extLst>
+              <a:ext uri="{FF2B5EF4-FFF2-40B4-BE49-F238E27FC236}">
+                <a16:creationId xmlns:a16="http://schemas.microsoft.com/office/drawing/2014/main" id="{C2550449-67AB-B266-5AB2-ED63D85F0922}"/>
+              </a:ext>
+            </a:extLst>
+          </p:cNvPr>
+          <p:cNvSpPr/>
+          <p:nvPr/>
+        </p:nvSpPr>
+        <p:spPr>
+          <a:xfrm>
+            <a:off x="4997302" y="2889248"/>
+            <a:ext cx="988828" cy="467832"/>
+          </a:xfrm>
+          <a:prstGeom prst="rect">
+            <a:avLst/>
+          </a:prstGeom>
+        </p:spPr>
+        <p:style>
+          <a:lnRef idx="2">
+            <a:schemeClr val="accent1">
+              <a:shade val="15000"/>
+            </a:schemeClr>
+          </a:lnRef>
+          <a:fillRef idx="1">
+            <a:schemeClr val="accent1"/>
+          </a:fillRef>
+          <a:effectRef idx="0">
+            <a:schemeClr val="accent1"/>
+          </a:effectRef>
+          <a:fontRef idx="minor">
+            <a:schemeClr val="lt1"/>
+          </a:fontRef>
+        </p:style>
+        <p:txBody>
+          <a:bodyPr rtlCol="0" anchor="ctr"/>
+          <a:lstStyle/>
+          <a:p>
+            <a:pPr algn="ctr"/>
+            <a:r>
+              <a:rPr lang="en-US" dirty="0"/>
+              <a:t>Session</a:t>
+            </a:r>
+          </a:p>
+        </p:txBody>
+      </p:sp>
+      <p:sp>
+        <p:nvSpPr>
+          <p:cNvPr id="10" name="Rectangle 9">
+            <a:extLst>
+              <a:ext uri="{FF2B5EF4-FFF2-40B4-BE49-F238E27FC236}">
+                <a16:creationId xmlns:a16="http://schemas.microsoft.com/office/drawing/2014/main" id="{58B45E6A-1468-9D49-DAF5-59F461B93B13}"/>
+              </a:ext>
+            </a:extLst>
+          </p:cNvPr>
+          <p:cNvSpPr/>
+          <p:nvPr/>
+        </p:nvSpPr>
+        <p:spPr>
+          <a:xfrm>
+            <a:off x="6201440" y="2889248"/>
+            <a:ext cx="988828" cy="467832"/>
+          </a:xfrm>
+          <a:prstGeom prst="rect">
+            <a:avLst/>
+          </a:prstGeom>
+        </p:spPr>
+        <p:style>
+          <a:lnRef idx="2">
+            <a:schemeClr val="accent1">
+              <a:shade val="15000"/>
+            </a:schemeClr>
+          </a:lnRef>
+          <a:fillRef idx="1">
+            <a:schemeClr val="accent1"/>
+          </a:fillRef>
+          <a:effectRef idx="0">
+            <a:schemeClr val="accent1"/>
+          </a:effectRef>
+          <a:fontRef idx="minor">
+            <a:schemeClr val="lt1"/>
+          </a:fontRef>
+        </p:style>
+        <p:txBody>
+          <a:bodyPr rtlCol="0" anchor="ctr"/>
+          <a:lstStyle/>
+          <a:p>
+            <a:pPr algn="ctr"/>
+            <a:r>
+              <a:rPr lang="en-US" dirty="0"/>
+              <a:t>Cache</a:t>
+            </a:r>
+          </a:p>
+        </p:txBody>
+      </p:sp>
+      <p:cxnSp>
+        <p:nvCxnSpPr>
+          <p:cNvPr id="13" name="Straight Arrow Connector 12">
+            <a:extLst>
+              <a:ext uri="{FF2B5EF4-FFF2-40B4-BE49-F238E27FC236}">
+                <a16:creationId xmlns:a16="http://schemas.microsoft.com/office/drawing/2014/main" id="{18BFAE4F-DE41-6B86-FF27-E0BEEA4680BE}"/>
+              </a:ext>
+            </a:extLst>
+          </p:cNvPr>
+          <p:cNvCxnSpPr>
+            <a:cxnSpLocks/>
+          </p:cNvCxnSpPr>
+          <p:nvPr/>
+        </p:nvCxnSpPr>
+        <p:spPr>
+          <a:xfrm>
+            <a:off x="1222744" y="2658140"/>
+            <a:ext cx="5967524" cy="0"/>
+          </a:xfrm>
+          <a:prstGeom prst="straightConnector1">
+            <a:avLst/>
+          </a:prstGeom>
+          <a:ln w="76200">
+            <a:prstDash val="dashDot"/>
+            <a:tailEnd type="triangle"/>
+          </a:ln>
+        </p:spPr>
+        <p:style>
+          <a:lnRef idx="1">
+            <a:schemeClr val="accent1"/>
+          </a:lnRef>
+          <a:fillRef idx="0">
+            <a:schemeClr val="accent1"/>
+          </a:fillRef>
+          <a:effectRef idx="0">
+            <a:schemeClr val="accent1"/>
+          </a:effectRef>
+          <a:fontRef idx="minor">
+            <a:schemeClr val="tx1"/>
+          </a:fontRef>
+        </p:style>
+      </p:cxnSp>
+      <p:cxnSp>
+        <p:nvCxnSpPr>
+          <p:cNvPr id="17" name="Straight Arrow Connector 16">
+            <a:extLst>
+              <a:ext uri="{FF2B5EF4-FFF2-40B4-BE49-F238E27FC236}">
+                <a16:creationId xmlns:a16="http://schemas.microsoft.com/office/drawing/2014/main" id="{39BDE8E9-9178-A169-9D64-4CB1DE870CB5}"/>
+              </a:ext>
+            </a:extLst>
+          </p:cNvPr>
+          <p:cNvCxnSpPr>
+            <a:cxnSpLocks/>
+          </p:cNvCxnSpPr>
+          <p:nvPr/>
+        </p:nvCxnSpPr>
+        <p:spPr>
+          <a:xfrm flipH="1">
+            <a:off x="1313120" y="3561907"/>
+            <a:ext cx="5877148" cy="0"/>
+          </a:xfrm>
+          <a:prstGeom prst="straightConnector1">
+            <a:avLst/>
+          </a:prstGeom>
+          <a:ln w="76200">
+            <a:solidFill>
+              <a:srgbClr val="002060"/>
+            </a:solidFill>
+            <a:prstDash val="dashDot"/>
+            <a:tailEnd type="triangle"/>
+          </a:ln>
+        </p:spPr>
+        <p:style>
+          <a:lnRef idx="1">
+            <a:schemeClr val="accent1"/>
+          </a:lnRef>
+          <a:fillRef idx="0">
+            <a:schemeClr val="accent1"/>
+          </a:fillRef>
+          <a:effectRef idx="0">
+            <a:schemeClr val="accent1"/>
+          </a:effectRef>
+          <a:fontRef idx="minor">
+            <a:schemeClr val="tx1"/>
+          </a:fontRef>
+        </p:style>
+      </p:cxnSp>
+      <p:sp>
+        <p:nvSpPr>
+          <p:cNvPr id="18" name="TextBox 17">
+            <a:extLst>
+              <a:ext uri="{FF2B5EF4-FFF2-40B4-BE49-F238E27FC236}">
+                <a16:creationId xmlns:a16="http://schemas.microsoft.com/office/drawing/2014/main" id="{D386D761-58D2-45C4-FD4F-1FDCDA2F0605}"/>
+              </a:ext>
+            </a:extLst>
+          </p:cNvPr>
+          <p:cNvSpPr txBox="1"/>
+          <p:nvPr/>
+        </p:nvSpPr>
+        <p:spPr>
+          <a:xfrm>
+            <a:off x="340242" y="1020726"/>
+            <a:ext cx="3891516" cy="923330"/>
+          </a:xfrm>
+          <a:prstGeom prst="rect">
+            <a:avLst/>
+          </a:prstGeom>
+          <a:noFill/>
+        </p:spPr>
+        <p:txBody>
+          <a:bodyPr wrap="square" rtlCol="0">
+            <a:spAutoFit/>
+          </a:bodyPr>
+          <a:lstStyle/>
+          <a:p>
+            <a:pPr algn="ctr"/>
+            <a:r>
+              <a:rPr lang="en-US" b="1" dirty="0"/>
+              <a:t>All Middlewares will be executed in HTTP Pipeline while Request and Response</a:t>
+            </a:r>
+          </a:p>
+        </p:txBody>
+      </p:sp>
+      <p:sp>
+        <p:nvSpPr>
+          <p:cNvPr id="19" name="Rectangle 18">
+            <a:extLst>
+              <a:ext uri="{FF2B5EF4-FFF2-40B4-BE49-F238E27FC236}">
+                <a16:creationId xmlns:a16="http://schemas.microsoft.com/office/drawing/2014/main" id="{CA5E962F-321B-2279-78DE-D92DC203D8EB}"/>
+              </a:ext>
+            </a:extLst>
+          </p:cNvPr>
+          <p:cNvSpPr/>
+          <p:nvPr/>
+        </p:nvSpPr>
+        <p:spPr>
+          <a:xfrm>
+            <a:off x="1562986" y="2889248"/>
+            <a:ext cx="914400" cy="467832"/>
+          </a:xfrm>
+          <a:prstGeom prst="rect">
+            <a:avLst/>
+          </a:prstGeom>
+        </p:spPr>
+        <p:style>
+          <a:lnRef idx="2">
+            <a:schemeClr val="accent1">
+              <a:shade val="15000"/>
+            </a:schemeClr>
+          </a:lnRef>
+          <a:fillRef idx="1">
+            <a:schemeClr val="accent1"/>
+          </a:fillRef>
+          <a:effectRef idx="0">
+            <a:schemeClr val="accent1"/>
+          </a:effectRef>
+          <a:fontRef idx="minor">
+            <a:schemeClr val="lt1"/>
+          </a:fontRef>
+        </p:style>
+        <p:txBody>
+          <a:bodyPr rtlCol="0" anchor="ctr"/>
+          <a:lstStyle/>
+          <a:p>
+            <a:pPr algn="ctr"/>
+            <a:r>
+              <a:rPr lang="en-US" dirty="0"/>
+              <a:t>Route Table</a:t>
+            </a:r>
+          </a:p>
+        </p:txBody>
+      </p:sp>
+    </p:spTree>
+    <p:extLst>
+      <p:ext uri="{BB962C8B-B14F-4D97-AF65-F5344CB8AC3E}">
+        <p14:creationId xmlns:p14="http://schemas.microsoft.com/office/powerpoint/2010/main" val="3638715960"/>
+      </p:ext>
+    </p:extLst>
+  </p:cSld>
+  <p:clrMapOvr>
+    <a:masterClrMapping/>
+  </p:clrMapOvr>
+</p:sld>
+</file>
+
 <file path=ppt/slides/slide3.xml><?xml version="1.0" encoding="utf-8"?>
 <p:sld xmlns:a="http://schemas.openxmlformats.org/drawingml/2006/main" xmlns:r="http://schemas.openxmlformats.org/officeDocument/2006/relationships" xmlns:p="http://schemas.openxmlformats.org/presentationml/2006/main">
   <p:cSld>
@@ -20777,6 +22329,291 @@
     <p:extLst>
       <p:ext uri="{BB962C8B-B14F-4D97-AF65-F5344CB8AC3E}">
         <p14:creationId xmlns:p14="http://schemas.microsoft.com/office/powerpoint/2010/main" val="674130474"/>
+      </p:ext>
+    </p:extLst>
+  </p:cSld>
+  <p:clrMapOvr>
+    <a:masterClrMapping/>
+  </p:clrMapOvr>
+</p:sld>
+</file>
+
+<file path=ppt/slides/slide30.xml><?xml version="1.0" encoding="utf-8"?>
+<p:sld xmlns:a="http://schemas.openxmlformats.org/drawingml/2006/main" xmlns:r="http://schemas.openxmlformats.org/officeDocument/2006/relationships" xmlns:p="http://schemas.openxmlformats.org/presentationml/2006/main">
+  <p:cSld>
+    <p:spTree>
+      <p:nvGrpSpPr>
+        <p:cNvPr id="1" name=""/>
+        <p:cNvGrpSpPr/>
+        <p:nvPr/>
+      </p:nvGrpSpPr>
+      <p:grpSpPr>
+        <a:xfrm>
+          <a:off x="0" y="0"/>
+          <a:ext cx="0" cy="0"/>
+          <a:chOff x="0" y="0"/>
+          <a:chExt cx="0" cy="0"/>
+        </a:xfrm>
+      </p:grpSpPr>
+      <p:sp>
+        <p:nvSpPr>
+          <p:cNvPr id="2" name="TextBox 1">
+            <a:extLst>
+              <a:ext uri="{FF2B5EF4-FFF2-40B4-BE49-F238E27FC236}">
+                <a16:creationId xmlns:a16="http://schemas.microsoft.com/office/drawing/2014/main" id="{AE8CABC1-04DE-DBBC-FF58-9DF78B633945}"/>
+              </a:ext>
+            </a:extLst>
+          </p:cNvPr>
+          <p:cNvSpPr txBox="1"/>
+          <p:nvPr/>
+        </p:nvSpPr>
+        <p:spPr>
+          <a:xfrm>
+            <a:off x="0" y="212651"/>
+            <a:ext cx="6475228" cy="369332"/>
+          </a:xfrm>
+          <a:prstGeom prst="rect">
+            <a:avLst/>
+          </a:prstGeom>
+          <a:noFill/>
+        </p:spPr>
+        <p:txBody>
+          <a:bodyPr wrap="square" rtlCol="0">
+            <a:spAutoFit/>
+          </a:bodyPr>
+          <a:lstStyle/>
+          <a:p>
+            <a:pPr algn="ctr"/>
+            <a:r>
+              <a:rPr lang="en-US" b="1" dirty="0"/>
+              <a:t>Express Router</a:t>
+            </a:r>
+          </a:p>
+        </p:txBody>
+      </p:sp>
+      <p:graphicFrame>
+        <p:nvGraphicFramePr>
+          <p:cNvPr id="3" name="Table 3">
+            <a:extLst>
+              <a:ext uri="{FF2B5EF4-FFF2-40B4-BE49-F238E27FC236}">
+                <a16:creationId xmlns:a16="http://schemas.microsoft.com/office/drawing/2014/main" id="{65F60BDF-00AF-0DBD-E1DA-B883DDE1BBBD}"/>
+              </a:ext>
+            </a:extLst>
+          </p:cNvPr>
+          <p:cNvGraphicFramePr>
+            <a:graphicFrameLocks noGrp="1"/>
+          </p:cNvGraphicFramePr>
+          <p:nvPr>
+            <p:extLst>
+              <p:ext uri="{D42A27DB-BD31-4B8C-83A1-F6EECF244321}">
+                <p14:modId xmlns:p14="http://schemas.microsoft.com/office/powerpoint/2010/main" val="3173877867"/>
+              </p:ext>
+            </p:extLst>
+          </p:nvPr>
+        </p:nvGraphicFramePr>
+        <p:xfrm>
+          <a:off x="2032000" y="719666"/>
+          <a:ext cx="8128000" cy="1854200"/>
+        </p:xfrm>
+        <a:graphic>
+          <a:graphicData uri="http://schemas.openxmlformats.org/drawingml/2006/table">
+            <a:tbl>
+              <a:tblPr firstRow="1" bandRow="1">
+                <a:tableStyleId>{5C22544A-7EE6-4342-B048-85BDC9FD1C3A}</a:tableStyleId>
+              </a:tblPr>
+              <a:tblGrid>
+                <a:gridCol w="4064000">
+                  <a:extLst>
+                    <a:ext uri="{9D8B030D-6E8A-4147-A177-3AD203B41FA5}">
+                      <a16:colId xmlns:a16="http://schemas.microsoft.com/office/drawing/2014/main" val="1575039267"/>
+                    </a:ext>
+                  </a:extLst>
+                </a:gridCol>
+                <a:gridCol w="4064000">
+                  <a:extLst>
+                    <a:ext uri="{9D8B030D-6E8A-4147-A177-3AD203B41FA5}">
+                      <a16:colId xmlns:a16="http://schemas.microsoft.com/office/drawing/2014/main" val="4061876105"/>
+                    </a:ext>
+                  </a:extLst>
+                </a:gridCol>
+              </a:tblGrid>
+              <a:tr h="370840">
+                <a:tc>
+                  <a:txBody>
+                    <a:bodyPr/>
+                    <a:lstStyle/>
+                    <a:p>
+                      <a:r>
+                        <a:rPr lang="en-US" dirty="0"/>
+                        <a:t>URL</a:t>
+                      </a:r>
+                    </a:p>
+                  </a:txBody>
+                  <a:tcPr/>
+                </a:tc>
+                <a:tc>
+                  <a:txBody>
+                    <a:bodyPr/>
+                    <a:lstStyle/>
+                    <a:p>
+                      <a:r>
+                        <a:rPr lang="en-US" dirty="0"/>
+                        <a:t>Path</a:t>
+                      </a:r>
+                    </a:p>
+                  </a:txBody>
+                  <a:tcPr/>
+                </a:tc>
+                <a:extLst>
+                  <a:ext uri="{0D108BD9-81ED-4DB2-BD59-A6C34878D82A}">
+                    <a16:rowId xmlns:a16="http://schemas.microsoft.com/office/drawing/2014/main" val="651961894"/>
+                  </a:ext>
+                </a:extLst>
+              </a:tr>
+              <a:tr h="370840">
+                <a:tc>
+                  <a:txBody>
+                    <a:bodyPr/>
+                    <a:lstStyle/>
+                    <a:p>
+                      <a:r>
+                        <a:rPr lang="en-US" dirty="0"/>
+                        <a:t>/</a:t>
+                      </a:r>
+                    </a:p>
+                  </a:txBody>
+                  <a:tcPr/>
+                </a:tc>
+                <a:tc>
+                  <a:txBody>
+                    <a:bodyPr/>
+                    <a:lstStyle/>
+                    <a:p>
+                      <a:r>
+                        <a:rPr lang="en-US" dirty="0" err="1"/>
+                        <a:t>Index.html</a:t>
+                      </a:r>
+                      <a:endParaRPr lang="en-US" dirty="0"/>
+                    </a:p>
+                  </a:txBody>
+                  <a:tcPr/>
+                </a:tc>
+                <a:extLst>
+                  <a:ext uri="{0D108BD9-81ED-4DB2-BD59-A6C34878D82A}">
+                    <a16:rowId xmlns:a16="http://schemas.microsoft.com/office/drawing/2014/main" val="2071674820"/>
+                  </a:ext>
+                </a:extLst>
+              </a:tr>
+              <a:tr h="370840">
+                <a:tc>
+                  <a:txBody>
+                    <a:bodyPr/>
+                    <a:lstStyle/>
+                    <a:p>
+                      <a:r>
+                        <a:rPr lang="en-US" dirty="0"/>
+                        <a:t>/home</a:t>
+                      </a:r>
+                    </a:p>
+                  </a:txBody>
+                  <a:tcPr/>
+                </a:tc>
+                <a:tc>
+                  <a:txBody>
+                    <a:bodyPr/>
+                    <a:lstStyle/>
+                    <a:p>
+                      <a:r>
+                        <a:rPr lang="en-US" dirty="0" err="1"/>
+                        <a:t>Home.html</a:t>
+                      </a:r>
+                      <a:endParaRPr lang="en-US" dirty="0"/>
+                    </a:p>
+                  </a:txBody>
+                  <a:tcPr/>
+                </a:tc>
+                <a:extLst>
+                  <a:ext uri="{0D108BD9-81ED-4DB2-BD59-A6C34878D82A}">
+                    <a16:rowId xmlns:a16="http://schemas.microsoft.com/office/drawing/2014/main" val="2329556110"/>
+                  </a:ext>
+                </a:extLst>
+              </a:tr>
+              <a:tr h="370840">
+                <a:tc>
+                  <a:txBody>
+                    <a:bodyPr/>
+                    <a:lstStyle/>
+                    <a:p>
+                      <a:r>
+                        <a:rPr lang="en-US" dirty="0"/>
+                        <a:t>/contact</a:t>
+                      </a:r>
+                    </a:p>
+                  </a:txBody>
+                  <a:tcPr/>
+                </a:tc>
+                <a:tc>
+                  <a:txBody>
+                    <a:bodyPr/>
+                    <a:lstStyle/>
+                    <a:p>
+                      <a:r>
+                        <a:rPr lang="en-US" dirty="0" err="1"/>
+                        <a:t>Contact.html</a:t>
+                      </a:r>
+                      <a:endParaRPr lang="en-US" dirty="0"/>
+                    </a:p>
+                  </a:txBody>
+                  <a:tcPr/>
+                </a:tc>
+                <a:extLst>
+                  <a:ext uri="{0D108BD9-81ED-4DB2-BD59-A6C34878D82A}">
+                    <a16:rowId xmlns:a16="http://schemas.microsoft.com/office/drawing/2014/main" val="1041594408"/>
+                  </a:ext>
+                </a:extLst>
+              </a:tr>
+              <a:tr h="370840">
+                <a:tc>
+                  <a:txBody>
+                    <a:bodyPr/>
+                    <a:lstStyle/>
+                    <a:p>
+                      <a:r>
+                        <a:rPr lang="en-US" dirty="0"/>
+                        <a:t>/about</a:t>
+                      </a:r>
+                    </a:p>
+                  </a:txBody>
+                  <a:tcPr/>
+                </a:tc>
+                <a:tc>
+                  <a:txBody>
+                    <a:bodyPr/>
+                    <a:lstStyle/>
+                    <a:p>
+                      <a:r>
+                        <a:rPr lang="en-US" dirty="0" err="1"/>
+                        <a:t>About.html</a:t>
+                      </a:r>
+                      <a:endParaRPr lang="en-US" dirty="0"/>
+                    </a:p>
+                  </a:txBody>
+                  <a:tcPr/>
+                </a:tc>
+                <a:extLst>
+                  <a:ext uri="{0D108BD9-81ED-4DB2-BD59-A6C34878D82A}">
+                    <a16:rowId xmlns:a16="http://schemas.microsoft.com/office/drawing/2014/main" val="2394281473"/>
+                  </a:ext>
+                </a:extLst>
+              </a:tr>
+            </a:tbl>
+          </a:graphicData>
+        </a:graphic>
+      </p:graphicFrame>
+    </p:spTree>
+    <p:extLst>
+      <p:ext uri="{BB962C8B-B14F-4D97-AF65-F5344CB8AC3E}">
+        <p14:creationId xmlns:p14="http://schemas.microsoft.com/office/powerpoint/2010/main" val="1619323787"/>
       </p:ext>
     </p:extLst>
   </p:cSld>

--- a/Training_Presentetions.pptx
+++ b/Training_Presentetions.pptx
@@ -44,6 +44,12 @@
     <p:sldId id="292" r:id="rId38"/>
     <p:sldId id="293" r:id="rId39"/>
     <p:sldId id="294" r:id="rId40"/>
+    <p:sldId id="295" r:id="rId41"/>
+    <p:sldId id="296" r:id="rId42"/>
+    <p:sldId id="297" r:id="rId43"/>
+    <p:sldId id="298" r:id="rId44"/>
+    <p:sldId id="299" r:id="rId45"/>
+    <p:sldId id="300" r:id="rId46"/>
   </p:sldIdLst>
   <p:sldSz cx="12192000" cy="6858000"/>
   <p:notesSz cx="6858000" cy="9144000"/>
@@ -299,7 +305,7 @@
           <a:p>
             <a:fld id="{D9FCDB6C-7DD4-3A4F-BB06-0EDDD9178121}" type="datetimeFigureOut">
               <a:rPr lang="en-US" smtClean="0"/>
-              <a:t>7/18/23</a:t>
+              <a:t>7/20/23</a:t>
             </a:fld>
             <a:endParaRPr lang="en-US"/>
           </a:p>
@@ -499,7 +505,7 @@
           <a:p>
             <a:fld id="{D9FCDB6C-7DD4-3A4F-BB06-0EDDD9178121}" type="datetimeFigureOut">
               <a:rPr lang="en-US" smtClean="0"/>
-              <a:t>7/18/23</a:t>
+              <a:t>7/20/23</a:t>
             </a:fld>
             <a:endParaRPr lang="en-US"/>
           </a:p>
@@ -709,7 +715,7 @@
           <a:p>
             <a:fld id="{D9FCDB6C-7DD4-3A4F-BB06-0EDDD9178121}" type="datetimeFigureOut">
               <a:rPr lang="en-US" smtClean="0"/>
-              <a:t>7/18/23</a:t>
+              <a:t>7/20/23</a:t>
             </a:fld>
             <a:endParaRPr lang="en-US"/>
           </a:p>
@@ -909,7 +915,7 @@
           <a:p>
             <a:fld id="{D9FCDB6C-7DD4-3A4F-BB06-0EDDD9178121}" type="datetimeFigureOut">
               <a:rPr lang="en-US" smtClean="0"/>
-              <a:t>7/18/23</a:t>
+              <a:t>7/20/23</a:t>
             </a:fld>
             <a:endParaRPr lang="en-US"/>
           </a:p>
@@ -1185,7 +1191,7 @@
           <a:p>
             <a:fld id="{D9FCDB6C-7DD4-3A4F-BB06-0EDDD9178121}" type="datetimeFigureOut">
               <a:rPr lang="en-US" smtClean="0"/>
-              <a:t>7/18/23</a:t>
+              <a:t>7/20/23</a:t>
             </a:fld>
             <a:endParaRPr lang="en-US"/>
           </a:p>
@@ -1453,7 +1459,7 @@
           <a:p>
             <a:fld id="{D9FCDB6C-7DD4-3A4F-BB06-0EDDD9178121}" type="datetimeFigureOut">
               <a:rPr lang="en-US" smtClean="0"/>
-              <a:t>7/18/23</a:t>
+              <a:t>7/20/23</a:t>
             </a:fld>
             <a:endParaRPr lang="en-US"/>
           </a:p>
@@ -1868,7 +1874,7 @@
           <a:p>
             <a:fld id="{D9FCDB6C-7DD4-3A4F-BB06-0EDDD9178121}" type="datetimeFigureOut">
               <a:rPr lang="en-US" smtClean="0"/>
-              <a:t>7/18/23</a:t>
+              <a:t>7/20/23</a:t>
             </a:fld>
             <a:endParaRPr lang="en-US"/>
           </a:p>
@@ -2010,7 +2016,7 @@
           <a:p>
             <a:fld id="{D9FCDB6C-7DD4-3A4F-BB06-0EDDD9178121}" type="datetimeFigureOut">
               <a:rPr lang="en-US" smtClean="0"/>
-              <a:t>7/18/23</a:t>
+              <a:t>7/20/23</a:t>
             </a:fld>
             <a:endParaRPr lang="en-US"/>
           </a:p>
@@ -2123,7 +2129,7 @@
           <a:p>
             <a:fld id="{D9FCDB6C-7DD4-3A4F-BB06-0EDDD9178121}" type="datetimeFigureOut">
               <a:rPr lang="en-US" smtClean="0"/>
-              <a:t>7/18/23</a:t>
+              <a:t>7/20/23</a:t>
             </a:fld>
             <a:endParaRPr lang="en-US"/>
           </a:p>
@@ -2436,7 +2442,7 @@
           <a:p>
             <a:fld id="{D9FCDB6C-7DD4-3A4F-BB06-0EDDD9178121}" type="datetimeFigureOut">
               <a:rPr lang="en-US" smtClean="0"/>
-              <a:t>7/18/23</a:t>
+              <a:t>7/20/23</a:t>
             </a:fld>
             <a:endParaRPr lang="en-US"/>
           </a:p>
@@ -2725,7 +2731,7 @@
           <a:p>
             <a:fld id="{D9FCDB6C-7DD4-3A4F-BB06-0EDDD9178121}" type="datetimeFigureOut">
               <a:rPr lang="en-US" smtClean="0"/>
-              <a:t>7/18/23</a:t>
+              <a:t>7/20/23</a:t>
             </a:fld>
             <a:endParaRPr lang="en-US"/>
           </a:p>
@@ -2968,7 +2974,7 @@
           <a:p>
             <a:fld id="{D9FCDB6C-7DD4-3A4F-BB06-0EDDD9178121}" type="datetimeFigureOut">
               <a:rPr lang="en-US" smtClean="0"/>
-              <a:t>7/18/23</a:t>
+              <a:t>7/20/23</a:t>
             </a:fld>
             <a:endParaRPr lang="en-US"/>
           </a:p>
@@ -32922,23 +32928,7 @@
             <a:pPr algn="ctr"/>
             <a:r>
               <a:rPr lang="en-US" b="1" dirty="0"/>
-              <a:t>This required minimum or </a:t>
-            </a:r>
-            <a:r>
-              <a:rPr lang="en-US" b="1"/>
-              <a:t>less time</a:t>
-            </a:r>
-            <a:r>
-              <a:rPr lang="en-US" b="1" dirty="0"/>
-              <a:t>-</a:t>
-            </a:r>
-            <a:r>
-              <a:rPr lang="en-US" b="1"/>
-              <a:t>consuming </a:t>
-            </a:r>
-            <a:r>
-              <a:rPr lang="en-US" b="1" dirty="0"/>
-              <a:t>configurations</a:t>
+              <a:t>This required minimum or less time-consuming configurations</a:t>
             </a:r>
           </a:p>
         </p:txBody>
@@ -34754,6 +34744,7367 @@
     <p:extLst>
       <p:ext uri="{BB962C8B-B14F-4D97-AF65-F5344CB8AC3E}">
         <p14:creationId xmlns:p14="http://schemas.microsoft.com/office/powerpoint/2010/main" val="4096464305"/>
+      </p:ext>
+    </p:extLst>
+  </p:cSld>
+  <p:clrMapOvr>
+    <a:masterClrMapping/>
+  </p:clrMapOvr>
+</p:sld>
+</file>
+
+<file path=ppt/slides/slide40.xml><?xml version="1.0" encoding="utf-8"?>
+<p:sld xmlns:a="http://schemas.openxmlformats.org/drawingml/2006/main" xmlns:r="http://schemas.openxmlformats.org/officeDocument/2006/relationships" xmlns:p="http://schemas.openxmlformats.org/presentationml/2006/main">
+  <p:cSld>
+    <p:spTree>
+      <p:nvGrpSpPr>
+        <p:cNvPr id="1" name=""/>
+        <p:cNvGrpSpPr/>
+        <p:nvPr/>
+      </p:nvGrpSpPr>
+      <p:grpSpPr>
+        <a:xfrm>
+          <a:off x="0" y="0"/>
+          <a:ext cx="0" cy="0"/>
+          <a:chOff x="0" y="0"/>
+          <a:chExt cx="0" cy="0"/>
+        </a:xfrm>
+      </p:grpSpPr>
+      <p:sp>
+        <p:nvSpPr>
+          <p:cNvPr id="2" name="Rectangle 1">
+            <a:extLst>
+              <a:ext uri="{FF2B5EF4-FFF2-40B4-BE49-F238E27FC236}">
+                <a16:creationId xmlns:a16="http://schemas.microsoft.com/office/drawing/2014/main" id="{D99DC4F9-CCA5-D9B1-2827-7FA22DA6312B}"/>
+              </a:ext>
+            </a:extLst>
+          </p:cNvPr>
+          <p:cNvSpPr/>
+          <p:nvPr/>
+        </p:nvSpPr>
+        <p:spPr>
+          <a:xfrm>
+            <a:off x="2573079" y="446567"/>
+            <a:ext cx="6071191" cy="6251945"/>
+          </a:xfrm>
+          <a:prstGeom prst="rect">
+            <a:avLst/>
+          </a:prstGeom>
+        </p:spPr>
+        <p:style>
+          <a:lnRef idx="1">
+            <a:schemeClr val="accent3"/>
+          </a:lnRef>
+          <a:fillRef idx="2">
+            <a:schemeClr val="accent3"/>
+          </a:fillRef>
+          <a:effectRef idx="1">
+            <a:schemeClr val="accent3"/>
+          </a:effectRef>
+          <a:fontRef idx="minor">
+            <a:schemeClr val="dk1"/>
+          </a:fontRef>
+        </p:style>
+        <p:txBody>
+          <a:bodyPr rtlCol="0" anchor="ctr"/>
+          <a:lstStyle/>
+          <a:p>
+            <a:pPr algn="ctr"/>
+            <a:endParaRPr lang="en-US"/>
+          </a:p>
+        </p:txBody>
+      </p:sp>
+      <p:sp>
+        <p:nvSpPr>
+          <p:cNvPr id="3" name="TextBox 2">
+            <a:extLst>
+              <a:ext uri="{FF2B5EF4-FFF2-40B4-BE49-F238E27FC236}">
+                <a16:creationId xmlns:a16="http://schemas.microsoft.com/office/drawing/2014/main" id="{FEDC9E72-0F9F-3ED7-B82B-74B14C2A4096}"/>
+              </a:ext>
+            </a:extLst>
+          </p:cNvPr>
+          <p:cNvSpPr txBox="1"/>
+          <p:nvPr/>
+        </p:nvSpPr>
+        <p:spPr>
+          <a:xfrm>
+            <a:off x="2668772" y="542260"/>
+            <a:ext cx="5762847" cy="369332"/>
+          </a:xfrm>
+          <a:prstGeom prst="rect">
+            <a:avLst/>
+          </a:prstGeom>
+          <a:noFill/>
+        </p:spPr>
+        <p:txBody>
+          <a:bodyPr wrap="square" rtlCol="0">
+            <a:spAutoFit/>
+          </a:bodyPr>
+          <a:lstStyle/>
+          <a:p>
+            <a:pPr algn="ctr"/>
+            <a:r>
+              <a:rPr lang="en-US" b="1" dirty="0"/>
+              <a:t>Kubernetes Cluster</a:t>
+            </a:r>
+          </a:p>
+        </p:txBody>
+      </p:sp>
+      <p:sp>
+        <p:nvSpPr>
+          <p:cNvPr id="4" name="Cube 3">
+            <a:extLst>
+              <a:ext uri="{FF2B5EF4-FFF2-40B4-BE49-F238E27FC236}">
+                <a16:creationId xmlns:a16="http://schemas.microsoft.com/office/drawing/2014/main" id="{D07AB7ED-B1ED-3D3F-D2D5-ECA733E65F5F}"/>
+              </a:ext>
+            </a:extLst>
+          </p:cNvPr>
+          <p:cNvSpPr/>
+          <p:nvPr/>
+        </p:nvSpPr>
+        <p:spPr>
+          <a:xfrm>
+            <a:off x="2753832" y="1222743"/>
+            <a:ext cx="2339163" cy="2349796"/>
+          </a:xfrm>
+          <a:prstGeom prst="cube">
+            <a:avLst>
+              <a:gd name="adj" fmla="val 12273"/>
+            </a:avLst>
+          </a:prstGeom>
+        </p:spPr>
+        <p:style>
+          <a:lnRef idx="2">
+            <a:schemeClr val="accent1">
+              <a:shade val="15000"/>
+            </a:schemeClr>
+          </a:lnRef>
+          <a:fillRef idx="1">
+            <a:schemeClr val="accent1"/>
+          </a:fillRef>
+          <a:effectRef idx="0">
+            <a:schemeClr val="accent1"/>
+          </a:effectRef>
+          <a:fontRef idx="minor">
+            <a:schemeClr val="lt1"/>
+          </a:fontRef>
+        </p:style>
+        <p:txBody>
+          <a:bodyPr rtlCol="0" anchor="ctr"/>
+          <a:lstStyle/>
+          <a:p>
+            <a:pPr algn="ctr"/>
+            <a:endParaRPr lang="en-US"/>
+          </a:p>
+        </p:txBody>
+      </p:sp>
+      <p:sp>
+        <p:nvSpPr>
+          <p:cNvPr id="5" name="Cube 4">
+            <a:extLst>
+              <a:ext uri="{FF2B5EF4-FFF2-40B4-BE49-F238E27FC236}">
+                <a16:creationId xmlns:a16="http://schemas.microsoft.com/office/drawing/2014/main" id="{B2BCB210-302A-D802-94AA-26ABF2535CA4}"/>
+              </a:ext>
+            </a:extLst>
+          </p:cNvPr>
+          <p:cNvSpPr/>
+          <p:nvPr/>
+        </p:nvSpPr>
+        <p:spPr>
+          <a:xfrm>
+            <a:off x="5929425" y="1222743"/>
+            <a:ext cx="2339163" cy="2349796"/>
+          </a:xfrm>
+          <a:prstGeom prst="cube">
+            <a:avLst>
+              <a:gd name="adj" fmla="val 12273"/>
+            </a:avLst>
+          </a:prstGeom>
+        </p:spPr>
+        <p:style>
+          <a:lnRef idx="2">
+            <a:schemeClr val="accent1">
+              <a:shade val="15000"/>
+            </a:schemeClr>
+          </a:lnRef>
+          <a:fillRef idx="1">
+            <a:schemeClr val="accent1"/>
+          </a:fillRef>
+          <a:effectRef idx="0">
+            <a:schemeClr val="accent1"/>
+          </a:effectRef>
+          <a:fontRef idx="minor">
+            <a:schemeClr val="lt1"/>
+          </a:fontRef>
+        </p:style>
+        <p:txBody>
+          <a:bodyPr rtlCol="0" anchor="ctr"/>
+          <a:lstStyle/>
+          <a:p>
+            <a:pPr algn="ctr"/>
+            <a:endParaRPr lang="en-US"/>
+          </a:p>
+        </p:txBody>
+      </p:sp>
+      <p:sp>
+        <p:nvSpPr>
+          <p:cNvPr id="6" name="Cube 5">
+            <a:extLst>
+              <a:ext uri="{FF2B5EF4-FFF2-40B4-BE49-F238E27FC236}">
+                <a16:creationId xmlns:a16="http://schemas.microsoft.com/office/drawing/2014/main" id="{168C48EC-4695-DAC2-61A2-78CDBF3A32D9}"/>
+              </a:ext>
+            </a:extLst>
+          </p:cNvPr>
+          <p:cNvSpPr/>
+          <p:nvPr/>
+        </p:nvSpPr>
+        <p:spPr>
+          <a:xfrm>
+            <a:off x="2753832" y="4061637"/>
+            <a:ext cx="2339163" cy="2349796"/>
+          </a:xfrm>
+          <a:prstGeom prst="cube">
+            <a:avLst>
+              <a:gd name="adj" fmla="val 12273"/>
+            </a:avLst>
+          </a:prstGeom>
+        </p:spPr>
+        <p:style>
+          <a:lnRef idx="2">
+            <a:schemeClr val="accent1">
+              <a:shade val="15000"/>
+            </a:schemeClr>
+          </a:lnRef>
+          <a:fillRef idx="1">
+            <a:schemeClr val="accent1"/>
+          </a:fillRef>
+          <a:effectRef idx="0">
+            <a:schemeClr val="accent1"/>
+          </a:effectRef>
+          <a:fontRef idx="minor">
+            <a:schemeClr val="lt1"/>
+          </a:fontRef>
+        </p:style>
+        <p:txBody>
+          <a:bodyPr rtlCol="0" anchor="ctr"/>
+          <a:lstStyle/>
+          <a:p>
+            <a:pPr algn="ctr"/>
+            <a:endParaRPr lang="en-US"/>
+          </a:p>
+        </p:txBody>
+      </p:sp>
+      <p:sp>
+        <p:nvSpPr>
+          <p:cNvPr id="7" name="Cube 6">
+            <a:extLst>
+              <a:ext uri="{FF2B5EF4-FFF2-40B4-BE49-F238E27FC236}">
+                <a16:creationId xmlns:a16="http://schemas.microsoft.com/office/drawing/2014/main" id="{38F35399-500E-A826-B50A-03427D561B41}"/>
+              </a:ext>
+            </a:extLst>
+          </p:cNvPr>
+          <p:cNvSpPr/>
+          <p:nvPr/>
+        </p:nvSpPr>
+        <p:spPr>
+          <a:xfrm>
+            <a:off x="5929425" y="4061637"/>
+            <a:ext cx="2339163" cy="2349796"/>
+          </a:xfrm>
+          <a:prstGeom prst="cube">
+            <a:avLst>
+              <a:gd name="adj" fmla="val 12273"/>
+            </a:avLst>
+          </a:prstGeom>
+        </p:spPr>
+        <p:style>
+          <a:lnRef idx="2">
+            <a:schemeClr val="accent1">
+              <a:shade val="15000"/>
+            </a:schemeClr>
+          </a:lnRef>
+          <a:fillRef idx="1">
+            <a:schemeClr val="accent1"/>
+          </a:fillRef>
+          <a:effectRef idx="0">
+            <a:schemeClr val="accent1"/>
+          </a:effectRef>
+          <a:fontRef idx="minor">
+            <a:schemeClr val="lt1"/>
+          </a:fontRef>
+        </p:style>
+        <p:txBody>
+          <a:bodyPr rtlCol="0" anchor="ctr"/>
+          <a:lstStyle/>
+          <a:p>
+            <a:pPr algn="ctr"/>
+            <a:endParaRPr lang="en-US"/>
+          </a:p>
+        </p:txBody>
+      </p:sp>
+      <p:sp>
+        <p:nvSpPr>
+          <p:cNvPr id="8" name="TextBox 7">
+            <a:extLst>
+              <a:ext uri="{FF2B5EF4-FFF2-40B4-BE49-F238E27FC236}">
+                <a16:creationId xmlns:a16="http://schemas.microsoft.com/office/drawing/2014/main" id="{D1FFF2FA-2E54-2DF0-8288-C687C9F8ED35}"/>
+              </a:ext>
+            </a:extLst>
+          </p:cNvPr>
+          <p:cNvSpPr txBox="1"/>
+          <p:nvPr/>
+        </p:nvSpPr>
+        <p:spPr>
+          <a:xfrm>
+            <a:off x="2913321" y="1616149"/>
+            <a:ext cx="1594884" cy="369332"/>
+          </a:xfrm>
+          <a:prstGeom prst="rect">
+            <a:avLst/>
+          </a:prstGeom>
+          <a:noFill/>
+        </p:spPr>
+        <p:txBody>
+          <a:bodyPr wrap="square" rtlCol="0">
+            <a:spAutoFit/>
+          </a:bodyPr>
+          <a:lstStyle/>
+          <a:p>
+            <a:pPr algn="ctr"/>
+            <a:r>
+              <a:rPr lang="en-US" b="1" dirty="0"/>
+              <a:t>Node 1</a:t>
+            </a:r>
+          </a:p>
+        </p:txBody>
+      </p:sp>
+      <p:sp>
+        <p:nvSpPr>
+          <p:cNvPr id="9" name="TextBox 8">
+            <a:extLst>
+              <a:ext uri="{FF2B5EF4-FFF2-40B4-BE49-F238E27FC236}">
+                <a16:creationId xmlns:a16="http://schemas.microsoft.com/office/drawing/2014/main" id="{1FD79E4B-A33A-8C98-034D-F518140B5D17}"/>
+              </a:ext>
+            </a:extLst>
+          </p:cNvPr>
+          <p:cNvSpPr txBox="1"/>
+          <p:nvPr/>
+        </p:nvSpPr>
+        <p:spPr>
+          <a:xfrm>
+            <a:off x="6064103" y="1616149"/>
+            <a:ext cx="1594884" cy="369332"/>
+          </a:xfrm>
+          <a:prstGeom prst="rect">
+            <a:avLst/>
+          </a:prstGeom>
+          <a:noFill/>
+        </p:spPr>
+        <p:txBody>
+          <a:bodyPr wrap="square" rtlCol="0">
+            <a:spAutoFit/>
+          </a:bodyPr>
+          <a:lstStyle/>
+          <a:p>
+            <a:pPr algn="ctr"/>
+            <a:r>
+              <a:rPr lang="en-US" b="1" dirty="0"/>
+              <a:t>Node 2</a:t>
+            </a:r>
+          </a:p>
+        </p:txBody>
+      </p:sp>
+      <p:sp>
+        <p:nvSpPr>
+          <p:cNvPr id="10" name="TextBox 9">
+            <a:extLst>
+              <a:ext uri="{FF2B5EF4-FFF2-40B4-BE49-F238E27FC236}">
+                <a16:creationId xmlns:a16="http://schemas.microsoft.com/office/drawing/2014/main" id="{80FF7612-A6D9-3DD0-CF45-46541F58C908}"/>
+              </a:ext>
+            </a:extLst>
+          </p:cNvPr>
+          <p:cNvSpPr txBox="1"/>
+          <p:nvPr/>
+        </p:nvSpPr>
+        <p:spPr>
+          <a:xfrm>
+            <a:off x="2746745" y="4384158"/>
+            <a:ext cx="1594884" cy="369332"/>
+          </a:xfrm>
+          <a:prstGeom prst="rect">
+            <a:avLst/>
+          </a:prstGeom>
+          <a:noFill/>
+        </p:spPr>
+        <p:txBody>
+          <a:bodyPr wrap="square" rtlCol="0">
+            <a:spAutoFit/>
+          </a:bodyPr>
+          <a:lstStyle/>
+          <a:p>
+            <a:pPr algn="ctr"/>
+            <a:r>
+              <a:rPr lang="en-US" b="1" dirty="0"/>
+              <a:t>Node 4</a:t>
+            </a:r>
+          </a:p>
+        </p:txBody>
+      </p:sp>
+      <p:sp>
+        <p:nvSpPr>
+          <p:cNvPr id="11" name="TextBox 10">
+            <a:extLst>
+              <a:ext uri="{FF2B5EF4-FFF2-40B4-BE49-F238E27FC236}">
+                <a16:creationId xmlns:a16="http://schemas.microsoft.com/office/drawing/2014/main" id="{69823CDF-A9E1-22E6-665E-6F2E02B57868}"/>
+              </a:ext>
+            </a:extLst>
+          </p:cNvPr>
+          <p:cNvSpPr txBox="1"/>
+          <p:nvPr/>
+        </p:nvSpPr>
+        <p:spPr>
+          <a:xfrm>
+            <a:off x="5897527" y="4384158"/>
+            <a:ext cx="1594884" cy="369332"/>
+          </a:xfrm>
+          <a:prstGeom prst="rect">
+            <a:avLst/>
+          </a:prstGeom>
+          <a:noFill/>
+        </p:spPr>
+        <p:txBody>
+          <a:bodyPr wrap="square" rtlCol="0">
+            <a:spAutoFit/>
+          </a:bodyPr>
+          <a:lstStyle/>
+          <a:p>
+            <a:pPr algn="ctr"/>
+            <a:r>
+              <a:rPr lang="en-US" b="1" dirty="0"/>
+              <a:t>Node 3</a:t>
+            </a:r>
+          </a:p>
+        </p:txBody>
+      </p:sp>
+      <p:sp>
+        <p:nvSpPr>
+          <p:cNvPr id="12" name="Can 11">
+            <a:extLst>
+              <a:ext uri="{FF2B5EF4-FFF2-40B4-BE49-F238E27FC236}">
+                <a16:creationId xmlns:a16="http://schemas.microsoft.com/office/drawing/2014/main" id="{1CC95E9C-34B8-7F51-8018-CC937324E325}"/>
+              </a:ext>
+            </a:extLst>
+          </p:cNvPr>
+          <p:cNvSpPr/>
+          <p:nvPr/>
+        </p:nvSpPr>
+        <p:spPr>
+          <a:xfrm rot="16200000">
+            <a:off x="5483742" y="904652"/>
+            <a:ext cx="414670" cy="5888665"/>
+          </a:xfrm>
+          <a:prstGeom prst="can">
+            <a:avLst/>
+          </a:prstGeom>
+        </p:spPr>
+        <p:style>
+          <a:lnRef idx="2">
+            <a:schemeClr val="accent6"/>
+          </a:lnRef>
+          <a:fillRef idx="1">
+            <a:schemeClr val="lt1"/>
+          </a:fillRef>
+          <a:effectRef idx="0">
+            <a:schemeClr val="accent6"/>
+          </a:effectRef>
+          <a:fontRef idx="minor">
+            <a:schemeClr val="dk1"/>
+          </a:fontRef>
+        </p:style>
+        <p:txBody>
+          <a:bodyPr rtlCol="0" anchor="ctr"/>
+          <a:lstStyle/>
+          <a:p>
+            <a:pPr algn="ctr"/>
+            <a:endParaRPr lang="en-US"/>
+          </a:p>
+        </p:txBody>
+      </p:sp>
+      <p:sp>
+        <p:nvSpPr>
+          <p:cNvPr id="13" name="TextBox 12">
+            <a:extLst>
+              <a:ext uri="{FF2B5EF4-FFF2-40B4-BE49-F238E27FC236}">
+                <a16:creationId xmlns:a16="http://schemas.microsoft.com/office/drawing/2014/main" id="{584CF43D-3B2A-438C-9CB9-7380DCA68261}"/>
+              </a:ext>
+            </a:extLst>
+          </p:cNvPr>
+          <p:cNvSpPr txBox="1"/>
+          <p:nvPr/>
+        </p:nvSpPr>
+        <p:spPr>
+          <a:xfrm>
+            <a:off x="3063950" y="3686988"/>
+            <a:ext cx="5466906" cy="369332"/>
+          </a:xfrm>
+          <a:prstGeom prst="rect">
+            <a:avLst/>
+          </a:prstGeom>
+          <a:noFill/>
+        </p:spPr>
+        <p:txBody>
+          <a:bodyPr wrap="square" rtlCol="0">
+            <a:spAutoFit/>
+          </a:bodyPr>
+          <a:lstStyle/>
+          <a:p>
+            <a:pPr algn="ctr"/>
+            <a:r>
+              <a:rPr lang="en-US" b="1" dirty="0"/>
+              <a:t>Networking</a:t>
+            </a:r>
+          </a:p>
+        </p:txBody>
+      </p:sp>
+      <p:sp>
+        <p:nvSpPr>
+          <p:cNvPr id="14" name="Rectangle 13">
+            <a:extLst>
+              <a:ext uri="{FF2B5EF4-FFF2-40B4-BE49-F238E27FC236}">
+                <a16:creationId xmlns:a16="http://schemas.microsoft.com/office/drawing/2014/main" id="{5907A1F7-3E55-DFDD-E3B6-44CA4AB40BBC}"/>
+              </a:ext>
+            </a:extLst>
+          </p:cNvPr>
+          <p:cNvSpPr/>
+          <p:nvPr/>
+        </p:nvSpPr>
+        <p:spPr>
+          <a:xfrm>
+            <a:off x="2753832" y="2073349"/>
+            <a:ext cx="2030819" cy="652866"/>
+          </a:xfrm>
+          <a:prstGeom prst="rect">
+            <a:avLst/>
+          </a:prstGeom>
+        </p:spPr>
+        <p:style>
+          <a:lnRef idx="2">
+            <a:schemeClr val="accent2">
+              <a:shade val="15000"/>
+            </a:schemeClr>
+          </a:lnRef>
+          <a:fillRef idx="1">
+            <a:schemeClr val="accent2"/>
+          </a:fillRef>
+          <a:effectRef idx="0">
+            <a:schemeClr val="accent2"/>
+          </a:effectRef>
+          <a:fontRef idx="minor">
+            <a:schemeClr val="lt1"/>
+          </a:fontRef>
+        </p:style>
+        <p:txBody>
+          <a:bodyPr rtlCol="0" anchor="ctr"/>
+          <a:lstStyle/>
+          <a:p>
+            <a:pPr algn="ctr"/>
+            <a:r>
+              <a:rPr lang="en-US" sz="900" dirty="0"/>
+              <a:t>Pods</a:t>
+            </a:r>
+          </a:p>
+          <a:p>
+            <a:pPr algn="ctr"/>
+            <a:endParaRPr lang="en-US" sz="900" dirty="0"/>
+          </a:p>
+          <a:p>
+            <a:pPr algn="ctr"/>
+            <a:endParaRPr lang="en-US" sz="900" dirty="0"/>
+          </a:p>
+          <a:p>
+            <a:pPr algn="ctr"/>
+            <a:endParaRPr lang="en-US" sz="900" dirty="0"/>
+          </a:p>
+          <a:p>
+            <a:pPr algn="ctr"/>
+            <a:endParaRPr lang="en-US" sz="900" dirty="0"/>
+          </a:p>
+        </p:txBody>
+      </p:sp>
+      <p:sp>
+        <p:nvSpPr>
+          <p:cNvPr id="15" name="Rectangle 14">
+            <a:extLst>
+              <a:ext uri="{FF2B5EF4-FFF2-40B4-BE49-F238E27FC236}">
+                <a16:creationId xmlns:a16="http://schemas.microsoft.com/office/drawing/2014/main" id="{EB450DEC-5387-F102-957F-8A44E3C4DDC6}"/>
+              </a:ext>
+            </a:extLst>
+          </p:cNvPr>
+          <p:cNvSpPr/>
+          <p:nvPr/>
+        </p:nvSpPr>
+        <p:spPr>
+          <a:xfrm>
+            <a:off x="2753832" y="2164830"/>
+            <a:ext cx="648586" cy="489098"/>
+          </a:xfrm>
+          <a:prstGeom prst="rect">
+            <a:avLst/>
+          </a:prstGeom>
+        </p:spPr>
+        <p:style>
+          <a:lnRef idx="2">
+            <a:schemeClr val="dk1">
+              <a:shade val="15000"/>
+            </a:schemeClr>
+          </a:lnRef>
+          <a:fillRef idx="1">
+            <a:schemeClr val="dk1"/>
+          </a:fillRef>
+          <a:effectRef idx="0">
+            <a:schemeClr val="dk1"/>
+          </a:effectRef>
+          <a:fontRef idx="minor">
+            <a:schemeClr val="lt1"/>
+          </a:fontRef>
+        </p:style>
+        <p:txBody>
+          <a:bodyPr rtlCol="0" anchor="ctr"/>
+          <a:lstStyle/>
+          <a:p>
+            <a:pPr algn="ctr"/>
+            <a:endParaRPr lang="en-US"/>
+          </a:p>
+        </p:txBody>
+      </p:sp>
+      <p:sp>
+        <p:nvSpPr>
+          <p:cNvPr id="16" name="Rectangle 15">
+            <a:extLst>
+              <a:ext uri="{FF2B5EF4-FFF2-40B4-BE49-F238E27FC236}">
+                <a16:creationId xmlns:a16="http://schemas.microsoft.com/office/drawing/2014/main" id="{4353F204-E752-5EAB-942B-015C26DF27DE}"/>
+              </a:ext>
+            </a:extLst>
+          </p:cNvPr>
+          <p:cNvSpPr/>
+          <p:nvPr/>
+        </p:nvSpPr>
+        <p:spPr>
+          <a:xfrm>
+            <a:off x="3453808" y="2171031"/>
+            <a:ext cx="648586" cy="489098"/>
+          </a:xfrm>
+          <a:prstGeom prst="rect">
+            <a:avLst/>
+          </a:prstGeom>
+        </p:spPr>
+        <p:style>
+          <a:lnRef idx="2">
+            <a:schemeClr val="dk1">
+              <a:shade val="15000"/>
+            </a:schemeClr>
+          </a:lnRef>
+          <a:fillRef idx="1">
+            <a:schemeClr val="dk1"/>
+          </a:fillRef>
+          <a:effectRef idx="0">
+            <a:schemeClr val="dk1"/>
+          </a:effectRef>
+          <a:fontRef idx="minor">
+            <a:schemeClr val="lt1"/>
+          </a:fontRef>
+        </p:style>
+        <p:txBody>
+          <a:bodyPr rtlCol="0" anchor="ctr"/>
+          <a:lstStyle/>
+          <a:p>
+            <a:pPr algn="ctr"/>
+            <a:endParaRPr lang="en-US"/>
+          </a:p>
+        </p:txBody>
+      </p:sp>
+      <p:sp>
+        <p:nvSpPr>
+          <p:cNvPr id="17" name="Rectangle 16">
+            <a:extLst>
+              <a:ext uri="{FF2B5EF4-FFF2-40B4-BE49-F238E27FC236}">
+                <a16:creationId xmlns:a16="http://schemas.microsoft.com/office/drawing/2014/main" id="{39778694-989E-106A-6339-D1D10407DF80}"/>
+              </a:ext>
+            </a:extLst>
+          </p:cNvPr>
+          <p:cNvSpPr/>
+          <p:nvPr/>
+        </p:nvSpPr>
+        <p:spPr>
+          <a:xfrm>
+            <a:off x="4183026" y="2171031"/>
+            <a:ext cx="516565" cy="489098"/>
+          </a:xfrm>
+          <a:prstGeom prst="rect">
+            <a:avLst/>
+          </a:prstGeom>
+        </p:spPr>
+        <p:style>
+          <a:lnRef idx="2">
+            <a:schemeClr val="dk1">
+              <a:shade val="15000"/>
+            </a:schemeClr>
+          </a:lnRef>
+          <a:fillRef idx="1">
+            <a:schemeClr val="dk1"/>
+          </a:fillRef>
+          <a:effectRef idx="0">
+            <a:schemeClr val="dk1"/>
+          </a:effectRef>
+          <a:fontRef idx="minor">
+            <a:schemeClr val="lt1"/>
+          </a:fontRef>
+        </p:style>
+        <p:txBody>
+          <a:bodyPr rtlCol="0" anchor="ctr"/>
+          <a:lstStyle/>
+          <a:p>
+            <a:pPr algn="ctr"/>
+            <a:endParaRPr lang="en-US"/>
+          </a:p>
+        </p:txBody>
+      </p:sp>
+      <p:sp>
+        <p:nvSpPr>
+          <p:cNvPr id="18" name="Rectangle 17">
+            <a:extLst>
+              <a:ext uri="{FF2B5EF4-FFF2-40B4-BE49-F238E27FC236}">
+                <a16:creationId xmlns:a16="http://schemas.microsoft.com/office/drawing/2014/main" id="{5EAD37EB-A549-61D1-6580-20764DB60FA5}"/>
+              </a:ext>
+            </a:extLst>
+          </p:cNvPr>
+          <p:cNvSpPr/>
+          <p:nvPr/>
+        </p:nvSpPr>
+        <p:spPr>
+          <a:xfrm>
+            <a:off x="10572311" y="535540"/>
+            <a:ext cx="239228" cy="191386"/>
+          </a:xfrm>
+          <a:prstGeom prst="rect">
+            <a:avLst/>
+          </a:prstGeom>
+        </p:spPr>
+        <p:style>
+          <a:lnRef idx="2">
+            <a:schemeClr val="dk1">
+              <a:shade val="15000"/>
+            </a:schemeClr>
+          </a:lnRef>
+          <a:fillRef idx="1">
+            <a:schemeClr val="dk1"/>
+          </a:fillRef>
+          <a:effectRef idx="0">
+            <a:schemeClr val="dk1"/>
+          </a:effectRef>
+          <a:fontRef idx="minor">
+            <a:schemeClr val="lt1"/>
+          </a:fontRef>
+        </p:style>
+        <p:txBody>
+          <a:bodyPr rtlCol="0" anchor="ctr"/>
+          <a:lstStyle/>
+          <a:p>
+            <a:pPr algn="ctr"/>
+            <a:endParaRPr lang="en-US"/>
+          </a:p>
+        </p:txBody>
+      </p:sp>
+      <p:sp>
+        <p:nvSpPr>
+          <p:cNvPr id="19" name="TextBox 18">
+            <a:extLst>
+              <a:ext uri="{FF2B5EF4-FFF2-40B4-BE49-F238E27FC236}">
+                <a16:creationId xmlns:a16="http://schemas.microsoft.com/office/drawing/2014/main" id="{D5B0D408-6BC8-A8AB-C421-C4AC38FD568B}"/>
+              </a:ext>
+            </a:extLst>
+          </p:cNvPr>
+          <p:cNvSpPr txBox="1"/>
+          <p:nvPr/>
+        </p:nvSpPr>
+        <p:spPr>
+          <a:xfrm>
+            <a:off x="9420447" y="446567"/>
+            <a:ext cx="1892595" cy="369332"/>
+          </a:xfrm>
+          <a:prstGeom prst="rect">
+            <a:avLst/>
+          </a:prstGeom>
+          <a:noFill/>
+        </p:spPr>
+        <p:txBody>
+          <a:bodyPr wrap="square" rtlCol="0">
+            <a:spAutoFit/>
+          </a:bodyPr>
+          <a:lstStyle/>
+          <a:p>
+            <a:r>
+              <a:rPr lang="en-US" dirty="0"/>
+              <a:t>Container</a:t>
+            </a:r>
+          </a:p>
+        </p:txBody>
+      </p:sp>
+      <p:sp>
+        <p:nvSpPr>
+          <p:cNvPr id="20" name="Rectangle 19">
+            <a:extLst>
+              <a:ext uri="{FF2B5EF4-FFF2-40B4-BE49-F238E27FC236}">
+                <a16:creationId xmlns:a16="http://schemas.microsoft.com/office/drawing/2014/main" id="{591D6CDC-33D9-AB44-39E9-2724129272B0}"/>
+              </a:ext>
+            </a:extLst>
+          </p:cNvPr>
+          <p:cNvSpPr/>
+          <p:nvPr/>
+        </p:nvSpPr>
+        <p:spPr>
+          <a:xfrm>
+            <a:off x="2858385" y="2280682"/>
+            <a:ext cx="287079" cy="233917"/>
+          </a:xfrm>
+          <a:prstGeom prst="rect">
+            <a:avLst/>
+          </a:prstGeom>
+        </p:spPr>
+        <p:style>
+          <a:lnRef idx="3">
+            <a:schemeClr val="lt1"/>
+          </a:lnRef>
+          <a:fillRef idx="1">
+            <a:schemeClr val="accent4"/>
+          </a:fillRef>
+          <a:effectRef idx="1">
+            <a:schemeClr val="accent4"/>
+          </a:effectRef>
+          <a:fontRef idx="minor">
+            <a:schemeClr val="lt1"/>
+          </a:fontRef>
+        </p:style>
+        <p:txBody>
+          <a:bodyPr rtlCol="0" anchor="ctr"/>
+          <a:lstStyle/>
+          <a:p>
+            <a:pPr algn="ctr"/>
+            <a:endParaRPr lang="en-US"/>
+          </a:p>
+        </p:txBody>
+      </p:sp>
+      <p:sp>
+        <p:nvSpPr>
+          <p:cNvPr id="21" name="Rectangle 20">
+            <a:extLst>
+              <a:ext uri="{FF2B5EF4-FFF2-40B4-BE49-F238E27FC236}">
+                <a16:creationId xmlns:a16="http://schemas.microsoft.com/office/drawing/2014/main" id="{7F17852B-50F9-D81E-3919-695DC32FF246}"/>
+              </a:ext>
+            </a:extLst>
+          </p:cNvPr>
+          <p:cNvSpPr/>
+          <p:nvPr/>
+        </p:nvSpPr>
+        <p:spPr>
+          <a:xfrm>
+            <a:off x="3660257" y="2322177"/>
+            <a:ext cx="287079" cy="233917"/>
+          </a:xfrm>
+          <a:prstGeom prst="rect">
+            <a:avLst/>
+          </a:prstGeom>
+        </p:spPr>
+        <p:style>
+          <a:lnRef idx="3">
+            <a:schemeClr val="lt1"/>
+          </a:lnRef>
+          <a:fillRef idx="1">
+            <a:schemeClr val="accent4"/>
+          </a:fillRef>
+          <a:effectRef idx="1">
+            <a:schemeClr val="accent4"/>
+          </a:effectRef>
+          <a:fontRef idx="minor">
+            <a:schemeClr val="lt1"/>
+          </a:fontRef>
+        </p:style>
+        <p:txBody>
+          <a:bodyPr rtlCol="0" anchor="ctr"/>
+          <a:lstStyle/>
+          <a:p>
+            <a:pPr algn="ctr"/>
+            <a:endParaRPr lang="en-US"/>
+          </a:p>
+        </p:txBody>
+      </p:sp>
+      <p:sp>
+        <p:nvSpPr>
+          <p:cNvPr id="22" name="Rectangle 21">
+            <a:extLst>
+              <a:ext uri="{FF2B5EF4-FFF2-40B4-BE49-F238E27FC236}">
+                <a16:creationId xmlns:a16="http://schemas.microsoft.com/office/drawing/2014/main" id="{53795485-02E9-71C5-0AD1-717C8428016C}"/>
+              </a:ext>
+            </a:extLst>
+          </p:cNvPr>
+          <p:cNvSpPr/>
+          <p:nvPr/>
+        </p:nvSpPr>
+        <p:spPr>
+          <a:xfrm>
+            <a:off x="4283147" y="2278759"/>
+            <a:ext cx="287079" cy="233917"/>
+          </a:xfrm>
+          <a:prstGeom prst="rect">
+            <a:avLst/>
+          </a:prstGeom>
+        </p:spPr>
+        <p:style>
+          <a:lnRef idx="3">
+            <a:schemeClr val="lt1"/>
+          </a:lnRef>
+          <a:fillRef idx="1">
+            <a:schemeClr val="accent4"/>
+          </a:fillRef>
+          <a:effectRef idx="1">
+            <a:schemeClr val="accent4"/>
+          </a:effectRef>
+          <a:fontRef idx="minor">
+            <a:schemeClr val="lt1"/>
+          </a:fontRef>
+        </p:style>
+        <p:txBody>
+          <a:bodyPr rtlCol="0" anchor="ctr"/>
+          <a:lstStyle/>
+          <a:p>
+            <a:pPr algn="ctr"/>
+            <a:endParaRPr lang="en-US"/>
+          </a:p>
+        </p:txBody>
+      </p:sp>
+      <p:sp>
+        <p:nvSpPr>
+          <p:cNvPr id="23" name="Rectangle 22">
+            <a:extLst>
+              <a:ext uri="{FF2B5EF4-FFF2-40B4-BE49-F238E27FC236}">
+                <a16:creationId xmlns:a16="http://schemas.microsoft.com/office/drawing/2014/main" id="{14B39FFB-48D9-514C-4110-AA8C3F7390F4}"/>
+              </a:ext>
+            </a:extLst>
+          </p:cNvPr>
+          <p:cNvSpPr/>
+          <p:nvPr/>
+        </p:nvSpPr>
+        <p:spPr>
+          <a:xfrm>
+            <a:off x="10645849" y="1520456"/>
+            <a:ext cx="239228" cy="191386"/>
+          </a:xfrm>
+          <a:prstGeom prst="rect">
+            <a:avLst/>
+          </a:prstGeom>
+          <a:solidFill>
+            <a:srgbClr val="FFC000"/>
+          </a:solidFill>
+        </p:spPr>
+        <p:style>
+          <a:lnRef idx="2">
+            <a:schemeClr val="dk1">
+              <a:shade val="15000"/>
+            </a:schemeClr>
+          </a:lnRef>
+          <a:fillRef idx="1">
+            <a:schemeClr val="dk1"/>
+          </a:fillRef>
+          <a:effectRef idx="0">
+            <a:schemeClr val="dk1"/>
+          </a:effectRef>
+          <a:fontRef idx="minor">
+            <a:schemeClr val="lt1"/>
+          </a:fontRef>
+        </p:style>
+        <p:txBody>
+          <a:bodyPr rtlCol="0" anchor="ctr"/>
+          <a:lstStyle/>
+          <a:p>
+            <a:pPr algn="ctr"/>
+            <a:endParaRPr lang="en-US"/>
+          </a:p>
+        </p:txBody>
+      </p:sp>
+      <p:sp>
+        <p:nvSpPr>
+          <p:cNvPr id="24" name="TextBox 23">
+            <a:extLst>
+              <a:ext uri="{FF2B5EF4-FFF2-40B4-BE49-F238E27FC236}">
+                <a16:creationId xmlns:a16="http://schemas.microsoft.com/office/drawing/2014/main" id="{5F12DF87-537C-36BA-3EDD-5CDDA9CDCD97}"/>
+              </a:ext>
+            </a:extLst>
+          </p:cNvPr>
+          <p:cNvSpPr txBox="1"/>
+          <p:nvPr/>
+        </p:nvSpPr>
+        <p:spPr>
+          <a:xfrm>
+            <a:off x="9819166" y="1431483"/>
+            <a:ext cx="1892595" cy="369332"/>
+          </a:xfrm>
+          <a:prstGeom prst="rect">
+            <a:avLst/>
+          </a:prstGeom>
+          <a:noFill/>
+        </p:spPr>
+        <p:txBody>
+          <a:bodyPr wrap="square" rtlCol="0">
+            <a:spAutoFit/>
+          </a:bodyPr>
+          <a:lstStyle/>
+          <a:p>
+            <a:r>
+              <a:rPr lang="en-US" dirty="0"/>
+              <a:t>Image</a:t>
+            </a:r>
+          </a:p>
+        </p:txBody>
+      </p:sp>
+      <p:sp>
+        <p:nvSpPr>
+          <p:cNvPr id="25" name="Rectangle 24">
+            <a:extLst>
+              <a:ext uri="{FF2B5EF4-FFF2-40B4-BE49-F238E27FC236}">
+                <a16:creationId xmlns:a16="http://schemas.microsoft.com/office/drawing/2014/main" id="{B3CD9BA0-EF7B-4417-0F5B-E84900A07928}"/>
+              </a:ext>
+            </a:extLst>
+          </p:cNvPr>
+          <p:cNvSpPr/>
+          <p:nvPr/>
+        </p:nvSpPr>
+        <p:spPr>
+          <a:xfrm>
+            <a:off x="2755603" y="2767857"/>
+            <a:ext cx="2030819" cy="652866"/>
+          </a:xfrm>
+          <a:prstGeom prst="rect">
+            <a:avLst/>
+          </a:prstGeom>
+        </p:spPr>
+        <p:style>
+          <a:lnRef idx="2">
+            <a:schemeClr val="accent2">
+              <a:shade val="15000"/>
+            </a:schemeClr>
+          </a:lnRef>
+          <a:fillRef idx="1">
+            <a:schemeClr val="accent2"/>
+          </a:fillRef>
+          <a:effectRef idx="0">
+            <a:schemeClr val="accent2"/>
+          </a:effectRef>
+          <a:fontRef idx="minor">
+            <a:schemeClr val="lt1"/>
+          </a:fontRef>
+        </p:style>
+        <p:txBody>
+          <a:bodyPr rtlCol="0" anchor="ctr"/>
+          <a:lstStyle/>
+          <a:p>
+            <a:pPr algn="ctr"/>
+            <a:r>
+              <a:rPr lang="en-US" sz="900" dirty="0"/>
+              <a:t>Pods</a:t>
+            </a:r>
+          </a:p>
+          <a:p>
+            <a:pPr algn="ctr"/>
+            <a:endParaRPr lang="en-US" sz="900" dirty="0"/>
+          </a:p>
+          <a:p>
+            <a:pPr algn="ctr"/>
+            <a:endParaRPr lang="en-US" sz="900" dirty="0"/>
+          </a:p>
+          <a:p>
+            <a:pPr algn="ctr"/>
+            <a:endParaRPr lang="en-US" sz="900" dirty="0"/>
+          </a:p>
+          <a:p>
+            <a:pPr algn="ctr"/>
+            <a:endParaRPr lang="en-US" sz="900" dirty="0"/>
+          </a:p>
+        </p:txBody>
+      </p:sp>
+      <p:sp>
+        <p:nvSpPr>
+          <p:cNvPr id="26" name="Rectangle 25">
+            <a:extLst>
+              <a:ext uri="{FF2B5EF4-FFF2-40B4-BE49-F238E27FC236}">
+                <a16:creationId xmlns:a16="http://schemas.microsoft.com/office/drawing/2014/main" id="{B7E2DDAD-4F0C-129D-090C-D73B89A4D7DE}"/>
+              </a:ext>
+            </a:extLst>
+          </p:cNvPr>
+          <p:cNvSpPr/>
+          <p:nvPr/>
+        </p:nvSpPr>
+        <p:spPr>
+          <a:xfrm>
+            <a:off x="2755603" y="2859338"/>
+            <a:ext cx="648586" cy="489098"/>
+          </a:xfrm>
+          <a:prstGeom prst="rect">
+            <a:avLst/>
+          </a:prstGeom>
+        </p:spPr>
+        <p:style>
+          <a:lnRef idx="2">
+            <a:schemeClr val="dk1">
+              <a:shade val="15000"/>
+            </a:schemeClr>
+          </a:lnRef>
+          <a:fillRef idx="1">
+            <a:schemeClr val="dk1"/>
+          </a:fillRef>
+          <a:effectRef idx="0">
+            <a:schemeClr val="dk1"/>
+          </a:effectRef>
+          <a:fontRef idx="minor">
+            <a:schemeClr val="lt1"/>
+          </a:fontRef>
+        </p:style>
+        <p:txBody>
+          <a:bodyPr rtlCol="0" anchor="ctr"/>
+          <a:lstStyle/>
+          <a:p>
+            <a:pPr algn="ctr"/>
+            <a:endParaRPr lang="en-US"/>
+          </a:p>
+        </p:txBody>
+      </p:sp>
+      <p:sp>
+        <p:nvSpPr>
+          <p:cNvPr id="27" name="Rectangle 26">
+            <a:extLst>
+              <a:ext uri="{FF2B5EF4-FFF2-40B4-BE49-F238E27FC236}">
+                <a16:creationId xmlns:a16="http://schemas.microsoft.com/office/drawing/2014/main" id="{E4654B1F-058C-1763-737B-62FEC1F2E827}"/>
+              </a:ext>
+            </a:extLst>
+          </p:cNvPr>
+          <p:cNvSpPr/>
+          <p:nvPr/>
+        </p:nvSpPr>
+        <p:spPr>
+          <a:xfrm>
+            <a:off x="3455579" y="2865539"/>
+            <a:ext cx="648586" cy="489098"/>
+          </a:xfrm>
+          <a:prstGeom prst="rect">
+            <a:avLst/>
+          </a:prstGeom>
+        </p:spPr>
+        <p:style>
+          <a:lnRef idx="2">
+            <a:schemeClr val="dk1">
+              <a:shade val="15000"/>
+            </a:schemeClr>
+          </a:lnRef>
+          <a:fillRef idx="1">
+            <a:schemeClr val="dk1"/>
+          </a:fillRef>
+          <a:effectRef idx="0">
+            <a:schemeClr val="dk1"/>
+          </a:effectRef>
+          <a:fontRef idx="minor">
+            <a:schemeClr val="lt1"/>
+          </a:fontRef>
+        </p:style>
+        <p:txBody>
+          <a:bodyPr rtlCol="0" anchor="ctr"/>
+          <a:lstStyle/>
+          <a:p>
+            <a:pPr algn="ctr"/>
+            <a:endParaRPr lang="en-US"/>
+          </a:p>
+        </p:txBody>
+      </p:sp>
+      <p:sp>
+        <p:nvSpPr>
+          <p:cNvPr id="28" name="Rectangle 27">
+            <a:extLst>
+              <a:ext uri="{FF2B5EF4-FFF2-40B4-BE49-F238E27FC236}">
+                <a16:creationId xmlns:a16="http://schemas.microsoft.com/office/drawing/2014/main" id="{2DFEDCA3-5E8A-6628-C3A0-611FD372A64C}"/>
+              </a:ext>
+            </a:extLst>
+          </p:cNvPr>
+          <p:cNvSpPr/>
+          <p:nvPr/>
+        </p:nvSpPr>
+        <p:spPr>
+          <a:xfrm>
+            <a:off x="4184797" y="2865539"/>
+            <a:ext cx="516565" cy="489098"/>
+          </a:xfrm>
+          <a:prstGeom prst="rect">
+            <a:avLst/>
+          </a:prstGeom>
+        </p:spPr>
+        <p:style>
+          <a:lnRef idx="2">
+            <a:schemeClr val="dk1">
+              <a:shade val="15000"/>
+            </a:schemeClr>
+          </a:lnRef>
+          <a:fillRef idx="1">
+            <a:schemeClr val="dk1"/>
+          </a:fillRef>
+          <a:effectRef idx="0">
+            <a:schemeClr val="dk1"/>
+          </a:effectRef>
+          <a:fontRef idx="minor">
+            <a:schemeClr val="lt1"/>
+          </a:fontRef>
+        </p:style>
+        <p:txBody>
+          <a:bodyPr rtlCol="0" anchor="ctr"/>
+          <a:lstStyle/>
+          <a:p>
+            <a:pPr algn="ctr"/>
+            <a:endParaRPr lang="en-US"/>
+          </a:p>
+        </p:txBody>
+      </p:sp>
+      <p:sp>
+        <p:nvSpPr>
+          <p:cNvPr id="29" name="Rectangle 28">
+            <a:extLst>
+              <a:ext uri="{FF2B5EF4-FFF2-40B4-BE49-F238E27FC236}">
+                <a16:creationId xmlns:a16="http://schemas.microsoft.com/office/drawing/2014/main" id="{363C6471-3071-49E8-7864-7814D2707106}"/>
+              </a:ext>
+            </a:extLst>
+          </p:cNvPr>
+          <p:cNvSpPr/>
+          <p:nvPr/>
+        </p:nvSpPr>
+        <p:spPr>
+          <a:xfrm>
+            <a:off x="2860156" y="2975190"/>
+            <a:ext cx="287079" cy="233917"/>
+          </a:xfrm>
+          <a:prstGeom prst="rect">
+            <a:avLst/>
+          </a:prstGeom>
+        </p:spPr>
+        <p:style>
+          <a:lnRef idx="3">
+            <a:schemeClr val="lt1"/>
+          </a:lnRef>
+          <a:fillRef idx="1">
+            <a:schemeClr val="accent4"/>
+          </a:fillRef>
+          <a:effectRef idx="1">
+            <a:schemeClr val="accent4"/>
+          </a:effectRef>
+          <a:fontRef idx="minor">
+            <a:schemeClr val="lt1"/>
+          </a:fontRef>
+        </p:style>
+        <p:txBody>
+          <a:bodyPr rtlCol="0" anchor="ctr"/>
+          <a:lstStyle/>
+          <a:p>
+            <a:pPr algn="ctr"/>
+            <a:endParaRPr lang="en-US"/>
+          </a:p>
+        </p:txBody>
+      </p:sp>
+      <p:sp>
+        <p:nvSpPr>
+          <p:cNvPr id="30" name="Rectangle 29">
+            <a:extLst>
+              <a:ext uri="{FF2B5EF4-FFF2-40B4-BE49-F238E27FC236}">
+                <a16:creationId xmlns:a16="http://schemas.microsoft.com/office/drawing/2014/main" id="{EF65520A-4127-C030-3167-44A6DAFD4601}"/>
+              </a:ext>
+            </a:extLst>
+          </p:cNvPr>
+          <p:cNvSpPr/>
+          <p:nvPr/>
+        </p:nvSpPr>
+        <p:spPr>
+          <a:xfrm>
+            <a:off x="3662028" y="3016685"/>
+            <a:ext cx="287079" cy="233917"/>
+          </a:xfrm>
+          <a:prstGeom prst="rect">
+            <a:avLst/>
+          </a:prstGeom>
+        </p:spPr>
+        <p:style>
+          <a:lnRef idx="3">
+            <a:schemeClr val="lt1"/>
+          </a:lnRef>
+          <a:fillRef idx="1">
+            <a:schemeClr val="accent4"/>
+          </a:fillRef>
+          <a:effectRef idx="1">
+            <a:schemeClr val="accent4"/>
+          </a:effectRef>
+          <a:fontRef idx="minor">
+            <a:schemeClr val="lt1"/>
+          </a:fontRef>
+        </p:style>
+        <p:txBody>
+          <a:bodyPr rtlCol="0" anchor="ctr"/>
+          <a:lstStyle/>
+          <a:p>
+            <a:pPr algn="ctr"/>
+            <a:endParaRPr lang="en-US"/>
+          </a:p>
+        </p:txBody>
+      </p:sp>
+      <p:sp>
+        <p:nvSpPr>
+          <p:cNvPr id="31" name="Rectangle 30">
+            <a:extLst>
+              <a:ext uri="{FF2B5EF4-FFF2-40B4-BE49-F238E27FC236}">
+                <a16:creationId xmlns:a16="http://schemas.microsoft.com/office/drawing/2014/main" id="{2B3179B1-C4CC-CAC0-ED05-250F88BF6E69}"/>
+              </a:ext>
+            </a:extLst>
+          </p:cNvPr>
+          <p:cNvSpPr/>
+          <p:nvPr/>
+        </p:nvSpPr>
+        <p:spPr>
+          <a:xfrm>
+            <a:off x="4284918" y="2973267"/>
+            <a:ext cx="287079" cy="233917"/>
+          </a:xfrm>
+          <a:prstGeom prst="rect">
+            <a:avLst/>
+          </a:prstGeom>
+        </p:spPr>
+        <p:style>
+          <a:lnRef idx="3">
+            <a:schemeClr val="lt1"/>
+          </a:lnRef>
+          <a:fillRef idx="1">
+            <a:schemeClr val="accent4"/>
+          </a:fillRef>
+          <a:effectRef idx="1">
+            <a:schemeClr val="accent4"/>
+          </a:effectRef>
+          <a:fontRef idx="minor">
+            <a:schemeClr val="lt1"/>
+          </a:fontRef>
+        </p:style>
+        <p:txBody>
+          <a:bodyPr rtlCol="0" anchor="ctr"/>
+          <a:lstStyle/>
+          <a:p>
+            <a:pPr algn="ctr"/>
+            <a:endParaRPr lang="en-US"/>
+          </a:p>
+        </p:txBody>
+      </p:sp>
+      <p:sp>
+        <p:nvSpPr>
+          <p:cNvPr id="32" name="Rectangle 31">
+            <a:extLst>
+              <a:ext uri="{FF2B5EF4-FFF2-40B4-BE49-F238E27FC236}">
+                <a16:creationId xmlns:a16="http://schemas.microsoft.com/office/drawing/2014/main" id="{E3BC3705-8AD1-82E5-C9A0-98AAE0E0ED2A}"/>
+              </a:ext>
+            </a:extLst>
+          </p:cNvPr>
+          <p:cNvSpPr/>
+          <p:nvPr/>
+        </p:nvSpPr>
+        <p:spPr>
+          <a:xfrm>
+            <a:off x="5952461" y="2018933"/>
+            <a:ext cx="2030819" cy="652866"/>
+          </a:xfrm>
+          <a:prstGeom prst="rect">
+            <a:avLst/>
+          </a:prstGeom>
+        </p:spPr>
+        <p:style>
+          <a:lnRef idx="2">
+            <a:schemeClr val="accent2">
+              <a:shade val="15000"/>
+            </a:schemeClr>
+          </a:lnRef>
+          <a:fillRef idx="1">
+            <a:schemeClr val="accent2"/>
+          </a:fillRef>
+          <a:effectRef idx="0">
+            <a:schemeClr val="accent2"/>
+          </a:effectRef>
+          <a:fontRef idx="minor">
+            <a:schemeClr val="lt1"/>
+          </a:fontRef>
+        </p:style>
+        <p:txBody>
+          <a:bodyPr rtlCol="0" anchor="ctr"/>
+          <a:lstStyle/>
+          <a:p>
+            <a:pPr algn="ctr"/>
+            <a:r>
+              <a:rPr lang="en-US" sz="900" dirty="0"/>
+              <a:t>Pods</a:t>
+            </a:r>
+          </a:p>
+          <a:p>
+            <a:pPr algn="ctr"/>
+            <a:endParaRPr lang="en-US" sz="900" dirty="0"/>
+          </a:p>
+          <a:p>
+            <a:pPr algn="ctr"/>
+            <a:endParaRPr lang="en-US" sz="900" dirty="0"/>
+          </a:p>
+          <a:p>
+            <a:pPr algn="ctr"/>
+            <a:endParaRPr lang="en-US" sz="900" dirty="0"/>
+          </a:p>
+          <a:p>
+            <a:pPr algn="ctr"/>
+            <a:endParaRPr lang="en-US" sz="900" dirty="0"/>
+          </a:p>
+        </p:txBody>
+      </p:sp>
+      <p:sp>
+        <p:nvSpPr>
+          <p:cNvPr id="33" name="Rectangle 32">
+            <a:extLst>
+              <a:ext uri="{FF2B5EF4-FFF2-40B4-BE49-F238E27FC236}">
+                <a16:creationId xmlns:a16="http://schemas.microsoft.com/office/drawing/2014/main" id="{2C9DE466-B52D-2366-0ED5-878D7247AD03}"/>
+              </a:ext>
+            </a:extLst>
+          </p:cNvPr>
+          <p:cNvSpPr/>
+          <p:nvPr/>
+        </p:nvSpPr>
+        <p:spPr>
+          <a:xfrm>
+            <a:off x="5952461" y="2110414"/>
+            <a:ext cx="648586" cy="489098"/>
+          </a:xfrm>
+          <a:prstGeom prst="rect">
+            <a:avLst/>
+          </a:prstGeom>
+        </p:spPr>
+        <p:style>
+          <a:lnRef idx="2">
+            <a:schemeClr val="dk1">
+              <a:shade val="15000"/>
+            </a:schemeClr>
+          </a:lnRef>
+          <a:fillRef idx="1">
+            <a:schemeClr val="dk1"/>
+          </a:fillRef>
+          <a:effectRef idx="0">
+            <a:schemeClr val="dk1"/>
+          </a:effectRef>
+          <a:fontRef idx="minor">
+            <a:schemeClr val="lt1"/>
+          </a:fontRef>
+        </p:style>
+        <p:txBody>
+          <a:bodyPr rtlCol="0" anchor="ctr"/>
+          <a:lstStyle/>
+          <a:p>
+            <a:pPr algn="ctr"/>
+            <a:endParaRPr lang="en-US"/>
+          </a:p>
+        </p:txBody>
+      </p:sp>
+      <p:sp>
+        <p:nvSpPr>
+          <p:cNvPr id="34" name="Rectangle 33">
+            <a:extLst>
+              <a:ext uri="{FF2B5EF4-FFF2-40B4-BE49-F238E27FC236}">
+                <a16:creationId xmlns:a16="http://schemas.microsoft.com/office/drawing/2014/main" id="{F72EC7B6-2B16-B4E8-DFE3-5CAECCB97CBE}"/>
+              </a:ext>
+            </a:extLst>
+          </p:cNvPr>
+          <p:cNvSpPr/>
+          <p:nvPr/>
+        </p:nvSpPr>
+        <p:spPr>
+          <a:xfrm>
+            <a:off x="6652437" y="2116615"/>
+            <a:ext cx="648586" cy="489098"/>
+          </a:xfrm>
+          <a:prstGeom prst="rect">
+            <a:avLst/>
+          </a:prstGeom>
+        </p:spPr>
+        <p:style>
+          <a:lnRef idx="2">
+            <a:schemeClr val="dk1">
+              <a:shade val="15000"/>
+            </a:schemeClr>
+          </a:lnRef>
+          <a:fillRef idx="1">
+            <a:schemeClr val="dk1"/>
+          </a:fillRef>
+          <a:effectRef idx="0">
+            <a:schemeClr val="dk1"/>
+          </a:effectRef>
+          <a:fontRef idx="minor">
+            <a:schemeClr val="lt1"/>
+          </a:fontRef>
+        </p:style>
+        <p:txBody>
+          <a:bodyPr rtlCol="0" anchor="ctr"/>
+          <a:lstStyle/>
+          <a:p>
+            <a:pPr algn="ctr"/>
+            <a:endParaRPr lang="en-US"/>
+          </a:p>
+        </p:txBody>
+      </p:sp>
+      <p:sp>
+        <p:nvSpPr>
+          <p:cNvPr id="35" name="Rectangle 34">
+            <a:extLst>
+              <a:ext uri="{FF2B5EF4-FFF2-40B4-BE49-F238E27FC236}">
+                <a16:creationId xmlns:a16="http://schemas.microsoft.com/office/drawing/2014/main" id="{A0A6006D-7F41-5E1D-2E2A-B42797A5492A}"/>
+              </a:ext>
+            </a:extLst>
+          </p:cNvPr>
+          <p:cNvSpPr/>
+          <p:nvPr/>
+        </p:nvSpPr>
+        <p:spPr>
+          <a:xfrm>
+            <a:off x="7381655" y="2116615"/>
+            <a:ext cx="516565" cy="489098"/>
+          </a:xfrm>
+          <a:prstGeom prst="rect">
+            <a:avLst/>
+          </a:prstGeom>
+        </p:spPr>
+        <p:style>
+          <a:lnRef idx="2">
+            <a:schemeClr val="dk1">
+              <a:shade val="15000"/>
+            </a:schemeClr>
+          </a:lnRef>
+          <a:fillRef idx="1">
+            <a:schemeClr val="dk1"/>
+          </a:fillRef>
+          <a:effectRef idx="0">
+            <a:schemeClr val="dk1"/>
+          </a:effectRef>
+          <a:fontRef idx="minor">
+            <a:schemeClr val="lt1"/>
+          </a:fontRef>
+        </p:style>
+        <p:txBody>
+          <a:bodyPr rtlCol="0" anchor="ctr"/>
+          <a:lstStyle/>
+          <a:p>
+            <a:pPr algn="ctr"/>
+            <a:endParaRPr lang="en-US"/>
+          </a:p>
+        </p:txBody>
+      </p:sp>
+      <p:sp>
+        <p:nvSpPr>
+          <p:cNvPr id="36" name="Rectangle 35">
+            <a:extLst>
+              <a:ext uri="{FF2B5EF4-FFF2-40B4-BE49-F238E27FC236}">
+                <a16:creationId xmlns:a16="http://schemas.microsoft.com/office/drawing/2014/main" id="{946F49CD-51F6-2B1B-3264-B2D4EAD1100D}"/>
+              </a:ext>
+            </a:extLst>
+          </p:cNvPr>
+          <p:cNvSpPr/>
+          <p:nvPr/>
+        </p:nvSpPr>
+        <p:spPr>
+          <a:xfrm>
+            <a:off x="6057014" y="2226266"/>
+            <a:ext cx="287079" cy="233917"/>
+          </a:xfrm>
+          <a:prstGeom prst="rect">
+            <a:avLst/>
+          </a:prstGeom>
+        </p:spPr>
+        <p:style>
+          <a:lnRef idx="3">
+            <a:schemeClr val="lt1"/>
+          </a:lnRef>
+          <a:fillRef idx="1">
+            <a:schemeClr val="accent4"/>
+          </a:fillRef>
+          <a:effectRef idx="1">
+            <a:schemeClr val="accent4"/>
+          </a:effectRef>
+          <a:fontRef idx="minor">
+            <a:schemeClr val="lt1"/>
+          </a:fontRef>
+        </p:style>
+        <p:txBody>
+          <a:bodyPr rtlCol="0" anchor="ctr"/>
+          <a:lstStyle/>
+          <a:p>
+            <a:pPr algn="ctr"/>
+            <a:endParaRPr lang="en-US"/>
+          </a:p>
+        </p:txBody>
+      </p:sp>
+      <p:sp>
+        <p:nvSpPr>
+          <p:cNvPr id="37" name="Rectangle 36">
+            <a:extLst>
+              <a:ext uri="{FF2B5EF4-FFF2-40B4-BE49-F238E27FC236}">
+                <a16:creationId xmlns:a16="http://schemas.microsoft.com/office/drawing/2014/main" id="{1D43EE03-E1FD-F89E-35C2-8934A8F0E8BA}"/>
+              </a:ext>
+            </a:extLst>
+          </p:cNvPr>
+          <p:cNvSpPr/>
+          <p:nvPr/>
+        </p:nvSpPr>
+        <p:spPr>
+          <a:xfrm>
+            <a:off x="6858886" y="2267761"/>
+            <a:ext cx="287079" cy="233917"/>
+          </a:xfrm>
+          <a:prstGeom prst="rect">
+            <a:avLst/>
+          </a:prstGeom>
+        </p:spPr>
+        <p:style>
+          <a:lnRef idx="3">
+            <a:schemeClr val="lt1"/>
+          </a:lnRef>
+          <a:fillRef idx="1">
+            <a:schemeClr val="accent4"/>
+          </a:fillRef>
+          <a:effectRef idx="1">
+            <a:schemeClr val="accent4"/>
+          </a:effectRef>
+          <a:fontRef idx="minor">
+            <a:schemeClr val="lt1"/>
+          </a:fontRef>
+        </p:style>
+        <p:txBody>
+          <a:bodyPr rtlCol="0" anchor="ctr"/>
+          <a:lstStyle/>
+          <a:p>
+            <a:pPr algn="ctr"/>
+            <a:endParaRPr lang="en-US"/>
+          </a:p>
+        </p:txBody>
+      </p:sp>
+      <p:sp>
+        <p:nvSpPr>
+          <p:cNvPr id="38" name="Rectangle 37">
+            <a:extLst>
+              <a:ext uri="{FF2B5EF4-FFF2-40B4-BE49-F238E27FC236}">
+                <a16:creationId xmlns:a16="http://schemas.microsoft.com/office/drawing/2014/main" id="{19101E09-8606-F79A-72B9-AC165A0F1922}"/>
+              </a:ext>
+            </a:extLst>
+          </p:cNvPr>
+          <p:cNvSpPr/>
+          <p:nvPr/>
+        </p:nvSpPr>
+        <p:spPr>
+          <a:xfrm>
+            <a:off x="7481776" y="2224343"/>
+            <a:ext cx="287079" cy="233917"/>
+          </a:xfrm>
+          <a:prstGeom prst="rect">
+            <a:avLst/>
+          </a:prstGeom>
+        </p:spPr>
+        <p:style>
+          <a:lnRef idx="3">
+            <a:schemeClr val="lt1"/>
+          </a:lnRef>
+          <a:fillRef idx="1">
+            <a:schemeClr val="accent4"/>
+          </a:fillRef>
+          <a:effectRef idx="1">
+            <a:schemeClr val="accent4"/>
+          </a:effectRef>
+          <a:fontRef idx="minor">
+            <a:schemeClr val="lt1"/>
+          </a:fontRef>
+        </p:style>
+        <p:txBody>
+          <a:bodyPr rtlCol="0" anchor="ctr"/>
+          <a:lstStyle/>
+          <a:p>
+            <a:pPr algn="ctr"/>
+            <a:endParaRPr lang="en-US"/>
+          </a:p>
+        </p:txBody>
+      </p:sp>
+      <p:sp>
+        <p:nvSpPr>
+          <p:cNvPr id="39" name="Rectangle 38">
+            <a:extLst>
+              <a:ext uri="{FF2B5EF4-FFF2-40B4-BE49-F238E27FC236}">
+                <a16:creationId xmlns:a16="http://schemas.microsoft.com/office/drawing/2014/main" id="{A89E0D41-BDAD-393F-296A-E08C94BFBD1B}"/>
+              </a:ext>
+            </a:extLst>
+          </p:cNvPr>
+          <p:cNvSpPr/>
+          <p:nvPr/>
+        </p:nvSpPr>
+        <p:spPr>
+          <a:xfrm>
+            <a:off x="5897527" y="2771334"/>
+            <a:ext cx="2030819" cy="652866"/>
+          </a:xfrm>
+          <a:prstGeom prst="rect">
+            <a:avLst/>
+          </a:prstGeom>
+        </p:spPr>
+        <p:style>
+          <a:lnRef idx="2">
+            <a:schemeClr val="accent2">
+              <a:shade val="15000"/>
+            </a:schemeClr>
+          </a:lnRef>
+          <a:fillRef idx="1">
+            <a:schemeClr val="accent2"/>
+          </a:fillRef>
+          <a:effectRef idx="0">
+            <a:schemeClr val="accent2"/>
+          </a:effectRef>
+          <a:fontRef idx="minor">
+            <a:schemeClr val="lt1"/>
+          </a:fontRef>
+        </p:style>
+        <p:txBody>
+          <a:bodyPr rtlCol="0" anchor="ctr"/>
+          <a:lstStyle/>
+          <a:p>
+            <a:pPr algn="ctr"/>
+            <a:r>
+              <a:rPr lang="en-US" sz="900" dirty="0"/>
+              <a:t>Pods</a:t>
+            </a:r>
+          </a:p>
+          <a:p>
+            <a:pPr algn="ctr"/>
+            <a:endParaRPr lang="en-US" sz="900" dirty="0"/>
+          </a:p>
+          <a:p>
+            <a:pPr algn="ctr"/>
+            <a:endParaRPr lang="en-US" sz="900" dirty="0"/>
+          </a:p>
+          <a:p>
+            <a:pPr algn="ctr"/>
+            <a:endParaRPr lang="en-US" sz="900" dirty="0"/>
+          </a:p>
+          <a:p>
+            <a:pPr algn="ctr"/>
+            <a:endParaRPr lang="en-US" sz="900" dirty="0"/>
+          </a:p>
+        </p:txBody>
+      </p:sp>
+      <p:sp>
+        <p:nvSpPr>
+          <p:cNvPr id="40" name="Rectangle 39">
+            <a:extLst>
+              <a:ext uri="{FF2B5EF4-FFF2-40B4-BE49-F238E27FC236}">
+                <a16:creationId xmlns:a16="http://schemas.microsoft.com/office/drawing/2014/main" id="{444E0C27-DC83-6065-3AD7-320329821DB5}"/>
+              </a:ext>
+            </a:extLst>
+          </p:cNvPr>
+          <p:cNvSpPr/>
+          <p:nvPr/>
+        </p:nvSpPr>
+        <p:spPr>
+          <a:xfrm>
+            <a:off x="5897527" y="2862815"/>
+            <a:ext cx="648586" cy="489098"/>
+          </a:xfrm>
+          <a:prstGeom prst="rect">
+            <a:avLst/>
+          </a:prstGeom>
+        </p:spPr>
+        <p:style>
+          <a:lnRef idx="2">
+            <a:schemeClr val="dk1">
+              <a:shade val="15000"/>
+            </a:schemeClr>
+          </a:lnRef>
+          <a:fillRef idx="1">
+            <a:schemeClr val="dk1"/>
+          </a:fillRef>
+          <a:effectRef idx="0">
+            <a:schemeClr val="dk1"/>
+          </a:effectRef>
+          <a:fontRef idx="minor">
+            <a:schemeClr val="lt1"/>
+          </a:fontRef>
+        </p:style>
+        <p:txBody>
+          <a:bodyPr rtlCol="0" anchor="ctr"/>
+          <a:lstStyle/>
+          <a:p>
+            <a:pPr algn="ctr"/>
+            <a:endParaRPr lang="en-US"/>
+          </a:p>
+        </p:txBody>
+      </p:sp>
+      <p:sp>
+        <p:nvSpPr>
+          <p:cNvPr id="41" name="Rectangle 40">
+            <a:extLst>
+              <a:ext uri="{FF2B5EF4-FFF2-40B4-BE49-F238E27FC236}">
+                <a16:creationId xmlns:a16="http://schemas.microsoft.com/office/drawing/2014/main" id="{9B94DA3D-1AE8-5489-1841-D2E47548D7AE}"/>
+              </a:ext>
+            </a:extLst>
+          </p:cNvPr>
+          <p:cNvSpPr/>
+          <p:nvPr/>
+        </p:nvSpPr>
+        <p:spPr>
+          <a:xfrm>
+            <a:off x="6597503" y="2869016"/>
+            <a:ext cx="648586" cy="489098"/>
+          </a:xfrm>
+          <a:prstGeom prst="rect">
+            <a:avLst/>
+          </a:prstGeom>
+        </p:spPr>
+        <p:style>
+          <a:lnRef idx="2">
+            <a:schemeClr val="dk1">
+              <a:shade val="15000"/>
+            </a:schemeClr>
+          </a:lnRef>
+          <a:fillRef idx="1">
+            <a:schemeClr val="dk1"/>
+          </a:fillRef>
+          <a:effectRef idx="0">
+            <a:schemeClr val="dk1"/>
+          </a:effectRef>
+          <a:fontRef idx="minor">
+            <a:schemeClr val="lt1"/>
+          </a:fontRef>
+        </p:style>
+        <p:txBody>
+          <a:bodyPr rtlCol="0" anchor="ctr"/>
+          <a:lstStyle/>
+          <a:p>
+            <a:pPr algn="ctr"/>
+            <a:endParaRPr lang="en-US"/>
+          </a:p>
+        </p:txBody>
+      </p:sp>
+      <p:sp>
+        <p:nvSpPr>
+          <p:cNvPr id="42" name="Rectangle 41">
+            <a:extLst>
+              <a:ext uri="{FF2B5EF4-FFF2-40B4-BE49-F238E27FC236}">
+                <a16:creationId xmlns:a16="http://schemas.microsoft.com/office/drawing/2014/main" id="{57A27090-B141-FA71-F2B9-E1E092F63BA5}"/>
+              </a:ext>
+            </a:extLst>
+          </p:cNvPr>
+          <p:cNvSpPr/>
+          <p:nvPr/>
+        </p:nvSpPr>
+        <p:spPr>
+          <a:xfrm>
+            <a:off x="7326721" y="2869016"/>
+            <a:ext cx="516565" cy="489098"/>
+          </a:xfrm>
+          <a:prstGeom prst="rect">
+            <a:avLst/>
+          </a:prstGeom>
+        </p:spPr>
+        <p:style>
+          <a:lnRef idx="2">
+            <a:schemeClr val="dk1">
+              <a:shade val="15000"/>
+            </a:schemeClr>
+          </a:lnRef>
+          <a:fillRef idx="1">
+            <a:schemeClr val="dk1"/>
+          </a:fillRef>
+          <a:effectRef idx="0">
+            <a:schemeClr val="dk1"/>
+          </a:effectRef>
+          <a:fontRef idx="minor">
+            <a:schemeClr val="lt1"/>
+          </a:fontRef>
+        </p:style>
+        <p:txBody>
+          <a:bodyPr rtlCol="0" anchor="ctr"/>
+          <a:lstStyle/>
+          <a:p>
+            <a:pPr algn="ctr"/>
+            <a:endParaRPr lang="en-US"/>
+          </a:p>
+        </p:txBody>
+      </p:sp>
+      <p:sp>
+        <p:nvSpPr>
+          <p:cNvPr id="43" name="Rectangle 42">
+            <a:extLst>
+              <a:ext uri="{FF2B5EF4-FFF2-40B4-BE49-F238E27FC236}">
+                <a16:creationId xmlns:a16="http://schemas.microsoft.com/office/drawing/2014/main" id="{9044CD5D-FBCA-C715-72E8-AE9867D859AB}"/>
+              </a:ext>
+            </a:extLst>
+          </p:cNvPr>
+          <p:cNvSpPr/>
+          <p:nvPr/>
+        </p:nvSpPr>
+        <p:spPr>
+          <a:xfrm>
+            <a:off x="6002080" y="2978667"/>
+            <a:ext cx="287079" cy="233917"/>
+          </a:xfrm>
+          <a:prstGeom prst="rect">
+            <a:avLst/>
+          </a:prstGeom>
+        </p:spPr>
+        <p:style>
+          <a:lnRef idx="3">
+            <a:schemeClr val="lt1"/>
+          </a:lnRef>
+          <a:fillRef idx="1">
+            <a:schemeClr val="accent4"/>
+          </a:fillRef>
+          <a:effectRef idx="1">
+            <a:schemeClr val="accent4"/>
+          </a:effectRef>
+          <a:fontRef idx="minor">
+            <a:schemeClr val="lt1"/>
+          </a:fontRef>
+        </p:style>
+        <p:txBody>
+          <a:bodyPr rtlCol="0" anchor="ctr"/>
+          <a:lstStyle/>
+          <a:p>
+            <a:pPr algn="ctr"/>
+            <a:endParaRPr lang="en-US"/>
+          </a:p>
+        </p:txBody>
+      </p:sp>
+      <p:sp>
+        <p:nvSpPr>
+          <p:cNvPr id="44" name="Rectangle 43">
+            <a:extLst>
+              <a:ext uri="{FF2B5EF4-FFF2-40B4-BE49-F238E27FC236}">
+                <a16:creationId xmlns:a16="http://schemas.microsoft.com/office/drawing/2014/main" id="{5C29C5DE-BAB9-8588-556B-1338BB5B4C90}"/>
+              </a:ext>
+            </a:extLst>
+          </p:cNvPr>
+          <p:cNvSpPr/>
+          <p:nvPr/>
+        </p:nvSpPr>
+        <p:spPr>
+          <a:xfrm>
+            <a:off x="6803952" y="3020162"/>
+            <a:ext cx="287079" cy="233917"/>
+          </a:xfrm>
+          <a:prstGeom prst="rect">
+            <a:avLst/>
+          </a:prstGeom>
+        </p:spPr>
+        <p:style>
+          <a:lnRef idx="3">
+            <a:schemeClr val="lt1"/>
+          </a:lnRef>
+          <a:fillRef idx="1">
+            <a:schemeClr val="accent4"/>
+          </a:fillRef>
+          <a:effectRef idx="1">
+            <a:schemeClr val="accent4"/>
+          </a:effectRef>
+          <a:fontRef idx="minor">
+            <a:schemeClr val="lt1"/>
+          </a:fontRef>
+        </p:style>
+        <p:txBody>
+          <a:bodyPr rtlCol="0" anchor="ctr"/>
+          <a:lstStyle/>
+          <a:p>
+            <a:pPr algn="ctr"/>
+            <a:endParaRPr lang="en-US"/>
+          </a:p>
+        </p:txBody>
+      </p:sp>
+      <p:sp>
+        <p:nvSpPr>
+          <p:cNvPr id="45" name="Rectangle 44">
+            <a:extLst>
+              <a:ext uri="{FF2B5EF4-FFF2-40B4-BE49-F238E27FC236}">
+                <a16:creationId xmlns:a16="http://schemas.microsoft.com/office/drawing/2014/main" id="{0E4DF5C8-CB33-83AB-8227-739A899345E6}"/>
+              </a:ext>
+            </a:extLst>
+          </p:cNvPr>
+          <p:cNvSpPr/>
+          <p:nvPr/>
+        </p:nvSpPr>
+        <p:spPr>
+          <a:xfrm>
+            <a:off x="7426842" y="2976744"/>
+            <a:ext cx="287079" cy="233917"/>
+          </a:xfrm>
+          <a:prstGeom prst="rect">
+            <a:avLst/>
+          </a:prstGeom>
+        </p:spPr>
+        <p:style>
+          <a:lnRef idx="3">
+            <a:schemeClr val="lt1"/>
+          </a:lnRef>
+          <a:fillRef idx="1">
+            <a:schemeClr val="accent4"/>
+          </a:fillRef>
+          <a:effectRef idx="1">
+            <a:schemeClr val="accent4"/>
+          </a:effectRef>
+          <a:fontRef idx="minor">
+            <a:schemeClr val="lt1"/>
+          </a:fontRef>
+        </p:style>
+        <p:txBody>
+          <a:bodyPr rtlCol="0" anchor="ctr"/>
+          <a:lstStyle/>
+          <a:p>
+            <a:pPr algn="ctr"/>
+            <a:endParaRPr lang="en-US"/>
+          </a:p>
+        </p:txBody>
+      </p:sp>
+      <p:sp>
+        <p:nvSpPr>
+          <p:cNvPr id="46" name="Rectangle 45">
+            <a:extLst>
+              <a:ext uri="{FF2B5EF4-FFF2-40B4-BE49-F238E27FC236}">
+                <a16:creationId xmlns:a16="http://schemas.microsoft.com/office/drawing/2014/main" id="{23A37967-A7A3-FC97-E683-7437AF573939}"/>
+              </a:ext>
+            </a:extLst>
+          </p:cNvPr>
+          <p:cNvSpPr/>
+          <p:nvPr/>
+        </p:nvSpPr>
+        <p:spPr>
+          <a:xfrm>
+            <a:off x="2753832" y="4762568"/>
+            <a:ext cx="2030819" cy="652866"/>
+          </a:xfrm>
+          <a:prstGeom prst="rect">
+            <a:avLst/>
+          </a:prstGeom>
+        </p:spPr>
+        <p:style>
+          <a:lnRef idx="2">
+            <a:schemeClr val="accent2">
+              <a:shade val="15000"/>
+            </a:schemeClr>
+          </a:lnRef>
+          <a:fillRef idx="1">
+            <a:schemeClr val="accent2"/>
+          </a:fillRef>
+          <a:effectRef idx="0">
+            <a:schemeClr val="accent2"/>
+          </a:effectRef>
+          <a:fontRef idx="minor">
+            <a:schemeClr val="lt1"/>
+          </a:fontRef>
+        </p:style>
+        <p:txBody>
+          <a:bodyPr rtlCol="0" anchor="ctr"/>
+          <a:lstStyle/>
+          <a:p>
+            <a:pPr algn="ctr"/>
+            <a:r>
+              <a:rPr lang="en-US" sz="900" dirty="0"/>
+              <a:t>Pods</a:t>
+            </a:r>
+          </a:p>
+          <a:p>
+            <a:pPr algn="ctr"/>
+            <a:endParaRPr lang="en-US" sz="900" dirty="0"/>
+          </a:p>
+          <a:p>
+            <a:pPr algn="ctr"/>
+            <a:endParaRPr lang="en-US" sz="900" dirty="0"/>
+          </a:p>
+          <a:p>
+            <a:pPr algn="ctr"/>
+            <a:endParaRPr lang="en-US" sz="900" dirty="0"/>
+          </a:p>
+          <a:p>
+            <a:pPr algn="ctr"/>
+            <a:endParaRPr lang="en-US" sz="900" dirty="0"/>
+          </a:p>
+        </p:txBody>
+      </p:sp>
+      <p:sp>
+        <p:nvSpPr>
+          <p:cNvPr id="47" name="Rectangle 46">
+            <a:extLst>
+              <a:ext uri="{FF2B5EF4-FFF2-40B4-BE49-F238E27FC236}">
+                <a16:creationId xmlns:a16="http://schemas.microsoft.com/office/drawing/2014/main" id="{C8868D58-4001-A366-B614-8EBFAEE89285}"/>
+              </a:ext>
+            </a:extLst>
+          </p:cNvPr>
+          <p:cNvSpPr/>
+          <p:nvPr/>
+        </p:nvSpPr>
+        <p:spPr>
+          <a:xfrm>
+            <a:off x="2753832" y="4854049"/>
+            <a:ext cx="648586" cy="489098"/>
+          </a:xfrm>
+          <a:prstGeom prst="rect">
+            <a:avLst/>
+          </a:prstGeom>
+        </p:spPr>
+        <p:style>
+          <a:lnRef idx="2">
+            <a:schemeClr val="dk1">
+              <a:shade val="15000"/>
+            </a:schemeClr>
+          </a:lnRef>
+          <a:fillRef idx="1">
+            <a:schemeClr val="dk1"/>
+          </a:fillRef>
+          <a:effectRef idx="0">
+            <a:schemeClr val="dk1"/>
+          </a:effectRef>
+          <a:fontRef idx="minor">
+            <a:schemeClr val="lt1"/>
+          </a:fontRef>
+        </p:style>
+        <p:txBody>
+          <a:bodyPr rtlCol="0" anchor="ctr"/>
+          <a:lstStyle/>
+          <a:p>
+            <a:pPr algn="ctr"/>
+            <a:endParaRPr lang="en-US"/>
+          </a:p>
+        </p:txBody>
+      </p:sp>
+      <p:sp>
+        <p:nvSpPr>
+          <p:cNvPr id="48" name="Rectangle 47">
+            <a:extLst>
+              <a:ext uri="{FF2B5EF4-FFF2-40B4-BE49-F238E27FC236}">
+                <a16:creationId xmlns:a16="http://schemas.microsoft.com/office/drawing/2014/main" id="{64E269C9-1433-AA3A-D642-E713B14CB71C}"/>
+              </a:ext>
+            </a:extLst>
+          </p:cNvPr>
+          <p:cNvSpPr/>
+          <p:nvPr/>
+        </p:nvSpPr>
+        <p:spPr>
+          <a:xfrm>
+            <a:off x="3453808" y="4860250"/>
+            <a:ext cx="648586" cy="489098"/>
+          </a:xfrm>
+          <a:prstGeom prst="rect">
+            <a:avLst/>
+          </a:prstGeom>
+        </p:spPr>
+        <p:style>
+          <a:lnRef idx="2">
+            <a:schemeClr val="dk1">
+              <a:shade val="15000"/>
+            </a:schemeClr>
+          </a:lnRef>
+          <a:fillRef idx="1">
+            <a:schemeClr val="dk1"/>
+          </a:fillRef>
+          <a:effectRef idx="0">
+            <a:schemeClr val="dk1"/>
+          </a:effectRef>
+          <a:fontRef idx="minor">
+            <a:schemeClr val="lt1"/>
+          </a:fontRef>
+        </p:style>
+        <p:txBody>
+          <a:bodyPr rtlCol="0" anchor="ctr"/>
+          <a:lstStyle/>
+          <a:p>
+            <a:pPr algn="ctr"/>
+            <a:endParaRPr lang="en-US"/>
+          </a:p>
+        </p:txBody>
+      </p:sp>
+      <p:sp>
+        <p:nvSpPr>
+          <p:cNvPr id="49" name="Rectangle 48">
+            <a:extLst>
+              <a:ext uri="{FF2B5EF4-FFF2-40B4-BE49-F238E27FC236}">
+                <a16:creationId xmlns:a16="http://schemas.microsoft.com/office/drawing/2014/main" id="{6125F506-0D94-D0CA-87F3-26A851F75FCD}"/>
+              </a:ext>
+            </a:extLst>
+          </p:cNvPr>
+          <p:cNvSpPr/>
+          <p:nvPr/>
+        </p:nvSpPr>
+        <p:spPr>
+          <a:xfrm>
+            <a:off x="4183026" y="4860250"/>
+            <a:ext cx="516565" cy="489098"/>
+          </a:xfrm>
+          <a:prstGeom prst="rect">
+            <a:avLst/>
+          </a:prstGeom>
+        </p:spPr>
+        <p:style>
+          <a:lnRef idx="2">
+            <a:schemeClr val="dk1">
+              <a:shade val="15000"/>
+            </a:schemeClr>
+          </a:lnRef>
+          <a:fillRef idx="1">
+            <a:schemeClr val="dk1"/>
+          </a:fillRef>
+          <a:effectRef idx="0">
+            <a:schemeClr val="dk1"/>
+          </a:effectRef>
+          <a:fontRef idx="minor">
+            <a:schemeClr val="lt1"/>
+          </a:fontRef>
+        </p:style>
+        <p:txBody>
+          <a:bodyPr rtlCol="0" anchor="ctr"/>
+          <a:lstStyle/>
+          <a:p>
+            <a:pPr algn="ctr"/>
+            <a:endParaRPr lang="en-US"/>
+          </a:p>
+        </p:txBody>
+      </p:sp>
+      <p:sp>
+        <p:nvSpPr>
+          <p:cNvPr id="50" name="Rectangle 49">
+            <a:extLst>
+              <a:ext uri="{FF2B5EF4-FFF2-40B4-BE49-F238E27FC236}">
+                <a16:creationId xmlns:a16="http://schemas.microsoft.com/office/drawing/2014/main" id="{CBE34151-5D2B-0F00-7EC5-8CE4C4B143D3}"/>
+              </a:ext>
+            </a:extLst>
+          </p:cNvPr>
+          <p:cNvSpPr/>
+          <p:nvPr/>
+        </p:nvSpPr>
+        <p:spPr>
+          <a:xfrm>
+            <a:off x="2858385" y="4969901"/>
+            <a:ext cx="287079" cy="233917"/>
+          </a:xfrm>
+          <a:prstGeom prst="rect">
+            <a:avLst/>
+          </a:prstGeom>
+        </p:spPr>
+        <p:style>
+          <a:lnRef idx="3">
+            <a:schemeClr val="lt1"/>
+          </a:lnRef>
+          <a:fillRef idx="1">
+            <a:schemeClr val="accent4"/>
+          </a:fillRef>
+          <a:effectRef idx="1">
+            <a:schemeClr val="accent4"/>
+          </a:effectRef>
+          <a:fontRef idx="minor">
+            <a:schemeClr val="lt1"/>
+          </a:fontRef>
+        </p:style>
+        <p:txBody>
+          <a:bodyPr rtlCol="0" anchor="ctr"/>
+          <a:lstStyle/>
+          <a:p>
+            <a:pPr algn="ctr"/>
+            <a:endParaRPr lang="en-US"/>
+          </a:p>
+        </p:txBody>
+      </p:sp>
+      <p:sp>
+        <p:nvSpPr>
+          <p:cNvPr id="51" name="Rectangle 50">
+            <a:extLst>
+              <a:ext uri="{FF2B5EF4-FFF2-40B4-BE49-F238E27FC236}">
+                <a16:creationId xmlns:a16="http://schemas.microsoft.com/office/drawing/2014/main" id="{7B7E6DC4-22A3-6A0D-58CC-EE315F6EED42}"/>
+              </a:ext>
+            </a:extLst>
+          </p:cNvPr>
+          <p:cNvSpPr/>
+          <p:nvPr/>
+        </p:nvSpPr>
+        <p:spPr>
+          <a:xfrm>
+            <a:off x="3660257" y="5011396"/>
+            <a:ext cx="287079" cy="233917"/>
+          </a:xfrm>
+          <a:prstGeom prst="rect">
+            <a:avLst/>
+          </a:prstGeom>
+        </p:spPr>
+        <p:style>
+          <a:lnRef idx="3">
+            <a:schemeClr val="lt1"/>
+          </a:lnRef>
+          <a:fillRef idx="1">
+            <a:schemeClr val="accent4"/>
+          </a:fillRef>
+          <a:effectRef idx="1">
+            <a:schemeClr val="accent4"/>
+          </a:effectRef>
+          <a:fontRef idx="minor">
+            <a:schemeClr val="lt1"/>
+          </a:fontRef>
+        </p:style>
+        <p:txBody>
+          <a:bodyPr rtlCol="0" anchor="ctr"/>
+          <a:lstStyle/>
+          <a:p>
+            <a:pPr algn="ctr"/>
+            <a:endParaRPr lang="en-US"/>
+          </a:p>
+        </p:txBody>
+      </p:sp>
+      <p:sp>
+        <p:nvSpPr>
+          <p:cNvPr id="52" name="Rectangle 51">
+            <a:extLst>
+              <a:ext uri="{FF2B5EF4-FFF2-40B4-BE49-F238E27FC236}">
+                <a16:creationId xmlns:a16="http://schemas.microsoft.com/office/drawing/2014/main" id="{0E47F638-DD54-5C25-1F7E-2A896ECD68B5}"/>
+              </a:ext>
+            </a:extLst>
+          </p:cNvPr>
+          <p:cNvSpPr/>
+          <p:nvPr/>
+        </p:nvSpPr>
+        <p:spPr>
+          <a:xfrm>
+            <a:off x="4283147" y="4967978"/>
+            <a:ext cx="287079" cy="233917"/>
+          </a:xfrm>
+          <a:prstGeom prst="rect">
+            <a:avLst/>
+          </a:prstGeom>
+        </p:spPr>
+        <p:style>
+          <a:lnRef idx="3">
+            <a:schemeClr val="lt1"/>
+          </a:lnRef>
+          <a:fillRef idx="1">
+            <a:schemeClr val="accent4"/>
+          </a:fillRef>
+          <a:effectRef idx="1">
+            <a:schemeClr val="accent4"/>
+          </a:effectRef>
+          <a:fontRef idx="minor">
+            <a:schemeClr val="lt1"/>
+          </a:fontRef>
+        </p:style>
+        <p:txBody>
+          <a:bodyPr rtlCol="0" anchor="ctr"/>
+          <a:lstStyle/>
+          <a:p>
+            <a:pPr algn="ctr"/>
+            <a:endParaRPr lang="en-US"/>
+          </a:p>
+        </p:txBody>
+      </p:sp>
+      <p:sp>
+        <p:nvSpPr>
+          <p:cNvPr id="53" name="Rectangle 52">
+            <a:extLst>
+              <a:ext uri="{FF2B5EF4-FFF2-40B4-BE49-F238E27FC236}">
+                <a16:creationId xmlns:a16="http://schemas.microsoft.com/office/drawing/2014/main" id="{4ED53619-FA37-2033-0A1D-662A2C27B183}"/>
+              </a:ext>
+            </a:extLst>
+          </p:cNvPr>
+          <p:cNvSpPr/>
+          <p:nvPr/>
+        </p:nvSpPr>
+        <p:spPr>
+          <a:xfrm>
+            <a:off x="2742314" y="5554733"/>
+            <a:ext cx="2030819" cy="652866"/>
+          </a:xfrm>
+          <a:prstGeom prst="rect">
+            <a:avLst/>
+          </a:prstGeom>
+        </p:spPr>
+        <p:style>
+          <a:lnRef idx="2">
+            <a:schemeClr val="accent2">
+              <a:shade val="15000"/>
+            </a:schemeClr>
+          </a:lnRef>
+          <a:fillRef idx="1">
+            <a:schemeClr val="accent2"/>
+          </a:fillRef>
+          <a:effectRef idx="0">
+            <a:schemeClr val="accent2"/>
+          </a:effectRef>
+          <a:fontRef idx="minor">
+            <a:schemeClr val="lt1"/>
+          </a:fontRef>
+        </p:style>
+        <p:txBody>
+          <a:bodyPr rtlCol="0" anchor="ctr"/>
+          <a:lstStyle/>
+          <a:p>
+            <a:pPr algn="ctr"/>
+            <a:r>
+              <a:rPr lang="en-US" sz="900" dirty="0"/>
+              <a:t>Pods</a:t>
+            </a:r>
+          </a:p>
+          <a:p>
+            <a:pPr algn="ctr"/>
+            <a:endParaRPr lang="en-US" sz="900" dirty="0"/>
+          </a:p>
+          <a:p>
+            <a:pPr algn="ctr"/>
+            <a:endParaRPr lang="en-US" sz="900" dirty="0"/>
+          </a:p>
+          <a:p>
+            <a:pPr algn="ctr"/>
+            <a:endParaRPr lang="en-US" sz="900" dirty="0"/>
+          </a:p>
+          <a:p>
+            <a:pPr algn="ctr"/>
+            <a:endParaRPr lang="en-US" sz="900" dirty="0"/>
+          </a:p>
+        </p:txBody>
+      </p:sp>
+      <p:sp>
+        <p:nvSpPr>
+          <p:cNvPr id="54" name="Rectangle 53">
+            <a:extLst>
+              <a:ext uri="{FF2B5EF4-FFF2-40B4-BE49-F238E27FC236}">
+                <a16:creationId xmlns:a16="http://schemas.microsoft.com/office/drawing/2014/main" id="{5B0650CD-EF7A-8BE5-073C-335D0EFF3673}"/>
+              </a:ext>
+            </a:extLst>
+          </p:cNvPr>
+          <p:cNvSpPr/>
+          <p:nvPr/>
+        </p:nvSpPr>
+        <p:spPr>
+          <a:xfrm>
+            <a:off x="2742314" y="5646214"/>
+            <a:ext cx="648586" cy="489098"/>
+          </a:xfrm>
+          <a:prstGeom prst="rect">
+            <a:avLst/>
+          </a:prstGeom>
+        </p:spPr>
+        <p:style>
+          <a:lnRef idx="2">
+            <a:schemeClr val="dk1">
+              <a:shade val="15000"/>
+            </a:schemeClr>
+          </a:lnRef>
+          <a:fillRef idx="1">
+            <a:schemeClr val="dk1"/>
+          </a:fillRef>
+          <a:effectRef idx="0">
+            <a:schemeClr val="dk1"/>
+          </a:effectRef>
+          <a:fontRef idx="minor">
+            <a:schemeClr val="lt1"/>
+          </a:fontRef>
+        </p:style>
+        <p:txBody>
+          <a:bodyPr rtlCol="0" anchor="ctr"/>
+          <a:lstStyle/>
+          <a:p>
+            <a:pPr algn="ctr"/>
+            <a:endParaRPr lang="en-US"/>
+          </a:p>
+        </p:txBody>
+      </p:sp>
+      <p:sp>
+        <p:nvSpPr>
+          <p:cNvPr id="55" name="Rectangle 54">
+            <a:extLst>
+              <a:ext uri="{FF2B5EF4-FFF2-40B4-BE49-F238E27FC236}">
+                <a16:creationId xmlns:a16="http://schemas.microsoft.com/office/drawing/2014/main" id="{C5B1B3D3-F600-DB75-396F-D58DD1C77426}"/>
+              </a:ext>
+            </a:extLst>
+          </p:cNvPr>
+          <p:cNvSpPr/>
+          <p:nvPr/>
+        </p:nvSpPr>
+        <p:spPr>
+          <a:xfrm>
+            <a:off x="3442290" y="5652415"/>
+            <a:ext cx="648586" cy="489098"/>
+          </a:xfrm>
+          <a:prstGeom prst="rect">
+            <a:avLst/>
+          </a:prstGeom>
+        </p:spPr>
+        <p:style>
+          <a:lnRef idx="2">
+            <a:schemeClr val="dk1">
+              <a:shade val="15000"/>
+            </a:schemeClr>
+          </a:lnRef>
+          <a:fillRef idx="1">
+            <a:schemeClr val="dk1"/>
+          </a:fillRef>
+          <a:effectRef idx="0">
+            <a:schemeClr val="dk1"/>
+          </a:effectRef>
+          <a:fontRef idx="minor">
+            <a:schemeClr val="lt1"/>
+          </a:fontRef>
+        </p:style>
+        <p:txBody>
+          <a:bodyPr rtlCol="0" anchor="ctr"/>
+          <a:lstStyle/>
+          <a:p>
+            <a:pPr algn="ctr"/>
+            <a:endParaRPr lang="en-US"/>
+          </a:p>
+        </p:txBody>
+      </p:sp>
+      <p:sp>
+        <p:nvSpPr>
+          <p:cNvPr id="56" name="Rectangle 55">
+            <a:extLst>
+              <a:ext uri="{FF2B5EF4-FFF2-40B4-BE49-F238E27FC236}">
+                <a16:creationId xmlns:a16="http://schemas.microsoft.com/office/drawing/2014/main" id="{F878BE38-C7A8-14E6-9B46-2C5B7E8B4618}"/>
+              </a:ext>
+            </a:extLst>
+          </p:cNvPr>
+          <p:cNvSpPr/>
+          <p:nvPr/>
+        </p:nvSpPr>
+        <p:spPr>
+          <a:xfrm>
+            <a:off x="4171508" y="5652415"/>
+            <a:ext cx="516565" cy="489098"/>
+          </a:xfrm>
+          <a:prstGeom prst="rect">
+            <a:avLst/>
+          </a:prstGeom>
+        </p:spPr>
+        <p:style>
+          <a:lnRef idx="2">
+            <a:schemeClr val="dk1">
+              <a:shade val="15000"/>
+            </a:schemeClr>
+          </a:lnRef>
+          <a:fillRef idx="1">
+            <a:schemeClr val="dk1"/>
+          </a:fillRef>
+          <a:effectRef idx="0">
+            <a:schemeClr val="dk1"/>
+          </a:effectRef>
+          <a:fontRef idx="minor">
+            <a:schemeClr val="lt1"/>
+          </a:fontRef>
+        </p:style>
+        <p:txBody>
+          <a:bodyPr rtlCol="0" anchor="ctr"/>
+          <a:lstStyle/>
+          <a:p>
+            <a:pPr algn="ctr"/>
+            <a:endParaRPr lang="en-US"/>
+          </a:p>
+        </p:txBody>
+      </p:sp>
+      <p:sp>
+        <p:nvSpPr>
+          <p:cNvPr id="57" name="Rectangle 56">
+            <a:extLst>
+              <a:ext uri="{FF2B5EF4-FFF2-40B4-BE49-F238E27FC236}">
+                <a16:creationId xmlns:a16="http://schemas.microsoft.com/office/drawing/2014/main" id="{B99352CF-BDA1-9749-6969-C97A641C160B}"/>
+              </a:ext>
+            </a:extLst>
+          </p:cNvPr>
+          <p:cNvSpPr/>
+          <p:nvPr/>
+        </p:nvSpPr>
+        <p:spPr>
+          <a:xfrm>
+            <a:off x="2846867" y="5762066"/>
+            <a:ext cx="287079" cy="233917"/>
+          </a:xfrm>
+          <a:prstGeom prst="rect">
+            <a:avLst/>
+          </a:prstGeom>
+        </p:spPr>
+        <p:style>
+          <a:lnRef idx="3">
+            <a:schemeClr val="lt1"/>
+          </a:lnRef>
+          <a:fillRef idx="1">
+            <a:schemeClr val="accent4"/>
+          </a:fillRef>
+          <a:effectRef idx="1">
+            <a:schemeClr val="accent4"/>
+          </a:effectRef>
+          <a:fontRef idx="minor">
+            <a:schemeClr val="lt1"/>
+          </a:fontRef>
+        </p:style>
+        <p:txBody>
+          <a:bodyPr rtlCol="0" anchor="ctr"/>
+          <a:lstStyle/>
+          <a:p>
+            <a:pPr algn="ctr"/>
+            <a:endParaRPr lang="en-US"/>
+          </a:p>
+        </p:txBody>
+      </p:sp>
+      <p:sp>
+        <p:nvSpPr>
+          <p:cNvPr id="58" name="Rectangle 57">
+            <a:extLst>
+              <a:ext uri="{FF2B5EF4-FFF2-40B4-BE49-F238E27FC236}">
+                <a16:creationId xmlns:a16="http://schemas.microsoft.com/office/drawing/2014/main" id="{1B34D67A-BCE8-6F28-39E1-53B149C422B0}"/>
+              </a:ext>
+            </a:extLst>
+          </p:cNvPr>
+          <p:cNvSpPr/>
+          <p:nvPr/>
+        </p:nvSpPr>
+        <p:spPr>
+          <a:xfrm>
+            <a:off x="3648739" y="5803561"/>
+            <a:ext cx="287079" cy="233917"/>
+          </a:xfrm>
+          <a:prstGeom prst="rect">
+            <a:avLst/>
+          </a:prstGeom>
+        </p:spPr>
+        <p:style>
+          <a:lnRef idx="3">
+            <a:schemeClr val="lt1"/>
+          </a:lnRef>
+          <a:fillRef idx="1">
+            <a:schemeClr val="accent4"/>
+          </a:fillRef>
+          <a:effectRef idx="1">
+            <a:schemeClr val="accent4"/>
+          </a:effectRef>
+          <a:fontRef idx="minor">
+            <a:schemeClr val="lt1"/>
+          </a:fontRef>
+        </p:style>
+        <p:txBody>
+          <a:bodyPr rtlCol="0" anchor="ctr"/>
+          <a:lstStyle/>
+          <a:p>
+            <a:pPr algn="ctr"/>
+            <a:endParaRPr lang="en-US"/>
+          </a:p>
+        </p:txBody>
+      </p:sp>
+      <p:sp>
+        <p:nvSpPr>
+          <p:cNvPr id="59" name="Rectangle 58">
+            <a:extLst>
+              <a:ext uri="{FF2B5EF4-FFF2-40B4-BE49-F238E27FC236}">
+                <a16:creationId xmlns:a16="http://schemas.microsoft.com/office/drawing/2014/main" id="{A8D9B86A-7219-701D-21B2-36974D1246C9}"/>
+              </a:ext>
+            </a:extLst>
+          </p:cNvPr>
+          <p:cNvSpPr/>
+          <p:nvPr/>
+        </p:nvSpPr>
+        <p:spPr>
+          <a:xfrm>
+            <a:off x="4271629" y="5760143"/>
+            <a:ext cx="287079" cy="233917"/>
+          </a:xfrm>
+          <a:prstGeom prst="rect">
+            <a:avLst/>
+          </a:prstGeom>
+        </p:spPr>
+        <p:style>
+          <a:lnRef idx="3">
+            <a:schemeClr val="lt1"/>
+          </a:lnRef>
+          <a:fillRef idx="1">
+            <a:schemeClr val="accent4"/>
+          </a:fillRef>
+          <a:effectRef idx="1">
+            <a:schemeClr val="accent4"/>
+          </a:effectRef>
+          <a:fontRef idx="minor">
+            <a:schemeClr val="lt1"/>
+          </a:fontRef>
+        </p:style>
+        <p:txBody>
+          <a:bodyPr rtlCol="0" anchor="ctr"/>
+          <a:lstStyle/>
+          <a:p>
+            <a:pPr algn="ctr"/>
+            <a:endParaRPr lang="en-US"/>
+          </a:p>
+        </p:txBody>
+      </p:sp>
+      <p:sp>
+        <p:nvSpPr>
+          <p:cNvPr id="60" name="Rectangle 59">
+            <a:extLst>
+              <a:ext uri="{FF2B5EF4-FFF2-40B4-BE49-F238E27FC236}">
+                <a16:creationId xmlns:a16="http://schemas.microsoft.com/office/drawing/2014/main" id="{482F6C2A-B0BA-D044-BB75-5FAF5B1FEFC3}"/>
+              </a:ext>
+            </a:extLst>
+          </p:cNvPr>
+          <p:cNvSpPr/>
+          <p:nvPr/>
+        </p:nvSpPr>
+        <p:spPr>
+          <a:xfrm>
+            <a:off x="5929425" y="4757006"/>
+            <a:ext cx="2030819" cy="652866"/>
+          </a:xfrm>
+          <a:prstGeom prst="rect">
+            <a:avLst/>
+          </a:prstGeom>
+        </p:spPr>
+        <p:style>
+          <a:lnRef idx="2">
+            <a:schemeClr val="accent2">
+              <a:shade val="15000"/>
+            </a:schemeClr>
+          </a:lnRef>
+          <a:fillRef idx="1">
+            <a:schemeClr val="accent2"/>
+          </a:fillRef>
+          <a:effectRef idx="0">
+            <a:schemeClr val="accent2"/>
+          </a:effectRef>
+          <a:fontRef idx="minor">
+            <a:schemeClr val="lt1"/>
+          </a:fontRef>
+        </p:style>
+        <p:txBody>
+          <a:bodyPr rtlCol="0" anchor="ctr"/>
+          <a:lstStyle/>
+          <a:p>
+            <a:pPr algn="ctr"/>
+            <a:r>
+              <a:rPr lang="en-US" sz="900" dirty="0"/>
+              <a:t>Pods</a:t>
+            </a:r>
+          </a:p>
+          <a:p>
+            <a:pPr algn="ctr"/>
+            <a:endParaRPr lang="en-US" sz="900" dirty="0"/>
+          </a:p>
+          <a:p>
+            <a:pPr algn="ctr"/>
+            <a:endParaRPr lang="en-US" sz="900" dirty="0"/>
+          </a:p>
+          <a:p>
+            <a:pPr algn="ctr"/>
+            <a:endParaRPr lang="en-US" sz="900" dirty="0"/>
+          </a:p>
+          <a:p>
+            <a:pPr algn="ctr"/>
+            <a:endParaRPr lang="en-US" sz="900" dirty="0"/>
+          </a:p>
+        </p:txBody>
+      </p:sp>
+      <p:sp>
+        <p:nvSpPr>
+          <p:cNvPr id="61" name="Rectangle 60">
+            <a:extLst>
+              <a:ext uri="{FF2B5EF4-FFF2-40B4-BE49-F238E27FC236}">
+                <a16:creationId xmlns:a16="http://schemas.microsoft.com/office/drawing/2014/main" id="{CEBC8797-7ECE-A6B6-C088-36425F209695}"/>
+              </a:ext>
+            </a:extLst>
+          </p:cNvPr>
+          <p:cNvSpPr/>
+          <p:nvPr/>
+        </p:nvSpPr>
+        <p:spPr>
+          <a:xfrm>
+            <a:off x="5929425" y="4848487"/>
+            <a:ext cx="648586" cy="489098"/>
+          </a:xfrm>
+          <a:prstGeom prst="rect">
+            <a:avLst/>
+          </a:prstGeom>
+        </p:spPr>
+        <p:style>
+          <a:lnRef idx="2">
+            <a:schemeClr val="dk1">
+              <a:shade val="15000"/>
+            </a:schemeClr>
+          </a:lnRef>
+          <a:fillRef idx="1">
+            <a:schemeClr val="dk1"/>
+          </a:fillRef>
+          <a:effectRef idx="0">
+            <a:schemeClr val="dk1"/>
+          </a:effectRef>
+          <a:fontRef idx="minor">
+            <a:schemeClr val="lt1"/>
+          </a:fontRef>
+        </p:style>
+        <p:txBody>
+          <a:bodyPr rtlCol="0" anchor="ctr"/>
+          <a:lstStyle/>
+          <a:p>
+            <a:pPr algn="ctr"/>
+            <a:endParaRPr lang="en-US"/>
+          </a:p>
+        </p:txBody>
+      </p:sp>
+      <p:sp>
+        <p:nvSpPr>
+          <p:cNvPr id="62" name="Rectangle 61">
+            <a:extLst>
+              <a:ext uri="{FF2B5EF4-FFF2-40B4-BE49-F238E27FC236}">
+                <a16:creationId xmlns:a16="http://schemas.microsoft.com/office/drawing/2014/main" id="{A9C8A5AB-3917-F313-C5E3-CED3D9D8F7CB}"/>
+              </a:ext>
+            </a:extLst>
+          </p:cNvPr>
+          <p:cNvSpPr/>
+          <p:nvPr/>
+        </p:nvSpPr>
+        <p:spPr>
+          <a:xfrm>
+            <a:off x="6629401" y="4854688"/>
+            <a:ext cx="648586" cy="489098"/>
+          </a:xfrm>
+          <a:prstGeom prst="rect">
+            <a:avLst/>
+          </a:prstGeom>
+        </p:spPr>
+        <p:style>
+          <a:lnRef idx="2">
+            <a:schemeClr val="dk1">
+              <a:shade val="15000"/>
+            </a:schemeClr>
+          </a:lnRef>
+          <a:fillRef idx="1">
+            <a:schemeClr val="dk1"/>
+          </a:fillRef>
+          <a:effectRef idx="0">
+            <a:schemeClr val="dk1"/>
+          </a:effectRef>
+          <a:fontRef idx="minor">
+            <a:schemeClr val="lt1"/>
+          </a:fontRef>
+        </p:style>
+        <p:txBody>
+          <a:bodyPr rtlCol="0" anchor="ctr"/>
+          <a:lstStyle/>
+          <a:p>
+            <a:pPr algn="ctr"/>
+            <a:endParaRPr lang="en-US"/>
+          </a:p>
+        </p:txBody>
+      </p:sp>
+      <p:sp>
+        <p:nvSpPr>
+          <p:cNvPr id="63" name="Rectangle 62">
+            <a:extLst>
+              <a:ext uri="{FF2B5EF4-FFF2-40B4-BE49-F238E27FC236}">
+                <a16:creationId xmlns:a16="http://schemas.microsoft.com/office/drawing/2014/main" id="{E0FCDF3F-AD1C-DB7D-3FB8-410C76040F00}"/>
+              </a:ext>
+            </a:extLst>
+          </p:cNvPr>
+          <p:cNvSpPr/>
+          <p:nvPr/>
+        </p:nvSpPr>
+        <p:spPr>
+          <a:xfrm>
+            <a:off x="7358619" y="4854688"/>
+            <a:ext cx="516565" cy="489098"/>
+          </a:xfrm>
+          <a:prstGeom prst="rect">
+            <a:avLst/>
+          </a:prstGeom>
+        </p:spPr>
+        <p:style>
+          <a:lnRef idx="2">
+            <a:schemeClr val="dk1">
+              <a:shade val="15000"/>
+            </a:schemeClr>
+          </a:lnRef>
+          <a:fillRef idx="1">
+            <a:schemeClr val="dk1"/>
+          </a:fillRef>
+          <a:effectRef idx="0">
+            <a:schemeClr val="dk1"/>
+          </a:effectRef>
+          <a:fontRef idx="minor">
+            <a:schemeClr val="lt1"/>
+          </a:fontRef>
+        </p:style>
+        <p:txBody>
+          <a:bodyPr rtlCol="0" anchor="ctr"/>
+          <a:lstStyle/>
+          <a:p>
+            <a:pPr algn="ctr"/>
+            <a:endParaRPr lang="en-US"/>
+          </a:p>
+        </p:txBody>
+      </p:sp>
+      <p:sp>
+        <p:nvSpPr>
+          <p:cNvPr id="64" name="Rectangle 63">
+            <a:extLst>
+              <a:ext uri="{FF2B5EF4-FFF2-40B4-BE49-F238E27FC236}">
+                <a16:creationId xmlns:a16="http://schemas.microsoft.com/office/drawing/2014/main" id="{3F97B4CC-1ABB-18D7-85BF-77741B055AD0}"/>
+              </a:ext>
+            </a:extLst>
+          </p:cNvPr>
+          <p:cNvSpPr/>
+          <p:nvPr/>
+        </p:nvSpPr>
+        <p:spPr>
+          <a:xfrm>
+            <a:off x="6033978" y="4964339"/>
+            <a:ext cx="287079" cy="233917"/>
+          </a:xfrm>
+          <a:prstGeom prst="rect">
+            <a:avLst/>
+          </a:prstGeom>
+        </p:spPr>
+        <p:style>
+          <a:lnRef idx="3">
+            <a:schemeClr val="lt1"/>
+          </a:lnRef>
+          <a:fillRef idx="1">
+            <a:schemeClr val="accent4"/>
+          </a:fillRef>
+          <a:effectRef idx="1">
+            <a:schemeClr val="accent4"/>
+          </a:effectRef>
+          <a:fontRef idx="minor">
+            <a:schemeClr val="lt1"/>
+          </a:fontRef>
+        </p:style>
+        <p:txBody>
+          <a:bodyPr rtlCol="0" anchor="ctr"/>
+          <a:lstStyle/>
+          <a:p>
+            <a:pPr algn="ctr"/>
+            <a:endParaRPr lang="en-US"/>
+          </a:p>
+        </p:txBody>
+      </p:sp>
+      <p:sp>
+        <p:nvSpPr>
+          <p:cNvPr id="65" name="Rectangle 64">
+            <a:extLst>
+              <a:ext uri="{FF2B5EF4-FFF2-40B4-BE49-F238E27FC236}">
+                <a16:creationId xmlns:a16="http://schemas.microsoft.com/office/drawing/2014/main" id="{E0985A84-B7FB-F600-0C8D-49DFF4609603}"/>
+              </a:ext>
+            </a:extLst>
+          </p:cNvPr>
+          <p:cNvSpPr/>
+          <p:nvPr/>
+        </p:nvSpPr>
+        <p:spPr>
+          <a:xfrm>
+            <a:off x="6835850" y="5005834"/>
+            <a:ext cx="287079" cy="233917"/>
+          </a:xfrm>
+          <a:prstGeom prst="rect">
+            <a:avLst/>
+          </a:prstGeom>
+        </p:spPr>
+        <p:style>
+          <a:lnRef idx="3">
+            <a:schemeClr val="lt1"/>
+          </a:lnRef>
+          <a:fillRef idx="1">
+            <a:schemeClr val="accent4"/>
+          </a:fillRef>
+          <a:effectRef idx="1">
+            <a:schemeClr val="accent4"/>
+          </a:effectRef>
+          <a:fontRef idx="minor">
+            <a:schemeClr val="lt1"/>
+          </a:fontRef>
+        </p:style>
+        <p:txBody>
+          <a:bodyPr rtlCol="0" anchor="ctr"/>
+          <a:lstStyle/>
+          <a:p>
+            <a:pPr algn="ctr"/>
+            <a:endParaRPr lang="en-US"/>
+          </a:p>
+        </p:txBody>
+      </p:sp>
+      <p:sp>
+        <p:nvSpPr>
+          <p:cNvPr id="66" name="Rectangle 65">
+            <a:extLst>
+              <a:ext uri="{FF2B5EF4-FFF2-40B4-BE49-F238E27FC236}">
+                <a16:creationId xmlns:a16="http://schemas.microsoft.com/office/drawing/2014/main" id="{5DB72E48-B3EF-BD87-360E-5BFE838BE65B}"/>
+              </a:ext>
+            </a:extLst>
+          </p:cNvPr>
+          <p:cNvSpPr/>
+          <p:nvPr/>
+        </p:nvSpPr>
+        <p:spPr>
+          <a:xfrm>
+            <a:off x="7458740" y="4962416"/>
+            <a:ext cx="287079" cy="233917"/>
+          </a:xfrm>
+          <a:prstGeom prst="rect">
+            <a:avLst/>
+          </a:prstGeom>
+        </p:spPr>
+        <p:style>
+          <a:lnRef idx="3">
+            <a:schemeClr val="lt1"/>
+          </a:lnRef>
+          <a:fillRef idx="1">
+            <a:schemeClr val="accent4"/>
+          </a:fillRef>
+          <a:effectRef idx="1">
+            <a:schemeClr val="accent4"/>
+          </a:effectRef>
+          <a:fontRef idx="minor">
+            <a:schemeClr val="lt1"/>
+          </a:fontRef>
+        </p:style>
+        <p:txBody>
+          <a:bodyPr rtlCol="0" anchor="ctr"/>
+          <a:lstStyle/>
+          <a:p>
+            <a:pPr algn="ctr"/>
+            <a:endParaRPr lang="en-US"/>
+          </a:p>
+        </p:txBody>
+      </p:sp>
+      <p:sp>
+        <p:nvSpPr>
+          <p:cNvPr id="67" name="Rectangle 66">
+            <a:extLst>
+              <a:ext uri="{FF2B5EF4-FFF2-40B4-BE49-F238E27FC236}">
+                <a16:creationId xmlns:a16="http://schemas.microsoft.com/office/drawing/2014/main" id="{F6D2AC76-3AD1-2D25-F819-B42A2FD8D932}"/>
+              </a:ext>
+            </a:extLst>
+          </p:cNvPr>
+          <p:cNvSpPr/>
+          <p:nvPr/>
+        </p:nvSpPr>
+        <p:spPr>
+          <a:xfrm>
+            <a:off x="5967079" y="5555660"/>
+            <a:ext cx="2030819" cy="652866"/>
+          </a:xfrm>
+          <a:prstGeom prst="rect">
+            <a:avLst/>
+          </a:prstGeom>
+        </p:spPr>
+        <p:style>
+          <a:lnRef idx="2">
+            <a:schemeClr val="accent2">
+              <a:shade val="15000"/>
+            </a:schemeClr>
+          </a:lnRef>
+          <a:fillRef idx="1">
+            <a:schemeClr val="accent2"/>
+          </a:fillRef>
+          <a:effectRef idx="0">
+            <a:schemeClr val="accent2"/>
+          </a:effectRef>
+          <a:fontRef idx="minor">
+            <a:schemeClr val="lt1"/>
+          </a:fontRef>
+        </p:style>
+        <p:txBody>
+          <a:bodyPr rtlCol="0" anchor="ctr"/>
+          <a:lstStyle/>
+          <a:p>
+            <a:pPr algn="ctr"/>
+            <a:r>
+              <a:rPr lang="en-US" sz="900" dirty="0"/>
+              <a:t>Pods</a:t>
+            </a:r>
+          </a:p>
+          <a:p>
+            <a:pPr algn="ctr"/>
+            <a:endParaRPr lang="en-US" sz="900" dirty="0"/>
+          </a:p>
+          <a:p>
+            <a:pPr algn="ctr"/>
+            <a:endParaRPr lang="en-US" sz="900" dirty="0"/>
+          </a:p>
+          <a:p>
+            <a:pPr algn="ctr"/>
+            <a:endParaRPr lang="en-US" sz="900" dirty="0"/>
+          </a:p>
+          <a:p>
+            <a:pPr algn="ctr"/>
+            <a:endParaRPr lang="en-US" sz="900" dirty="0"/>
+          </a:p>
+        </p:txBody>
+      </p:sp>
+      <p:sp>
+        <p:nvSpPr>
+          <p:cNvPr id="68" name="Rectangle 67">
+            <a:extLst>
+              <a:ext uri="{FF2B5EF4-FFF2-40B4-BE49-F238E27FC236}">
+                <a16:creationId xmlns:a16="http://schemas.microsoft.com/office/drawing/2014/main" id="{99F83E8C-E103-7E66-881C-A098191C2551}"/>
+              </a:ext>
+            </a:extLst>
+          </p:cNvPr>
+          <p:cNvSpPr/>
+          <p:nvPr/>
+        </p:nvSpPr>
+        <p:spPr>
+          <a:xfrm>
+            <a:off x="5967079" y="5647141"/>
+            <a:ext cx="648586" cy="489098"/>
+          </a:xfrm>
+          <a:prstGeom prst="rect">
+            <a:avLst/>
+          </a:prstGeom>
+        </p:spPr>
+        <p:style>
+          <a:lnRef idx="2">
+            <a:schemeClr val="dk1">
+              <a:shade val="15000"/>
+            </a:schemeClr>
+          </a:lnRef>
+          <a:fillRef idx="1">
+            <a:schemeClr val="dk1"/>
+          </a:fillRef>
+          <a:effectRef idx="0">
+            <a:schemeClr val="dk1"/>
+          </a:effectRef>
+          <a:fontRef idx="minor">
+            <a:schemeClr val="lt1"/>
+          </a:fontRef>
+        </p:style>
+        <p:txBody>
+          <a:bodyPr rtlCol="0" anchor="ctr"/>
+          <a:lstStyle/>
+          <a:p>
+            <a:pPr algn="ctr"/>
+            <a:endParaRPr lang="en-US"/>
+          </a:p>
+        </p:txBody>
+      </p:sp>
+      <p:sp>
+        <p:nvSpPr>
+          <p:cNvPr id="69" name="Rectangle 68">
+            <a:extLst>
+              <a:ext uri="{FF2B5EF4-FFF2-40B4-BE49-F238E27FC236}">
+                <a16:creationId xmlns:a16="http://schemas.microsoft.com/office/drawing/2014/main" id="{4BF6E3FA-EFF6-7A9E-17FD-9A4158FCE072}"/>
+              </a:ext>
+            </a:extLst>
+          </p:cNvPr>
+          <p:cNvSpPr/>
+          <p:nvPr/>
+        </p:nvSpPr>
+        <p:spPr>
+          <a:xfrm>
+            <a:off x="6667055" y="5653342"/>
+            <a:ext cx="648586" cy="489098"/>
+          </a:xfrm>
+          <a:prstGeom prst="rect">
+            <a:avLst/>
+          </a:prstGeom>
+        </p:spPr>
+        <p:style>
+          <a:lnRef idx="2">
+            <a:schemeClr val="dk1">
+              <a:shade val="15000"/>
+            </a:schemeClr>
+          </a:lnRef>
+          <a:fillRef idx="1">
+            <a:schemeClr val="dk1"/>
+          </a:fillRef>
+          <a:effectRef idx="0">
+            <a:schemeClr val="dk1"/>
+          </a:effectRef>
+          <a:fontRef idx="minor">
+            <a:schemeClr val="lt1"/>
+          </a:fontRef>
+        </p:style>
+        <p:txBody>
+          <a:bodyPr rtlCol="0" anchor="ctr"/>
+          <a:lstStyle/>
+          <a:p>
+            <a:pPr algn="ctr"/>
+            <a:endParaRPr lang="en-US"/>
+          </a:p>
+        </p:txBody>
+      </p:sp>
+      <p:sp>
+        <p:nvSpPr>
+          <p:cNvPr id="70" name="Rectangle 69">
+            <a:extLst>
+              <a:ext uri="{FF2B5EF4-FFF2-40B4-BE49-F238E27FC236}">
+                <a16:creationId xmlns:a16="http://schemas.microsoft.com/office/drawing/2014/main" id="{40BE0B27-FB56-1261-BA40-12EAF744DD8B}"/>
+              </a:ext>
+            </a:extLst>
+          </p:cNvPr>
+          <p:cNvSpPr/>
+          <p:nvPr/>
+        </p:nvSpPr>
+        <p:spPr>
+          <a:xfrm>
+            <a:off x="7396273" y="5653342"/>
+            <a:ext cx="516565" cy="489098"/>
+          </a:xfrm>
+          <a:prstGeom prst="rect">
+            <a:avLst/>
+          </a:prstGeom>
+        </p:spPr>
+        <p:style>
+          <a:lnRef idx="2">
+            <a:schemeClr val="dk1">
+              <a:shade val="15000"/>
+            </a:schemeClr>
+          </a:lnRef>
+          <a:fillRef idx="1">
+            <a:schemeClr val="dk1"/>
+          </a:fillRef>
+          <a:effectRef idx="0">
+            <a:schemeClr val="dk1"/>
+          </a:effectRef>
+          <a:fontRef idx="minor">
+            <a:schemeClr val="lt1"/>
+          </a:fontRef>
+        </p:style>
+        <p:txBody>
+          <a:bodyPr rtlCol="0" anchor="ctr"/>
+          <a:lstStyle/>
+          <a:p>
+            <a:pPr algn="ctr"/>
+            <a:endParaRPr lang="en-US"/>
+          </a:p>
+        </p:txBody>
+      </p:sp>
+      <p:sp>
+        <p:nvSpPr>
+          <p:cNvPr id="71" name="Rectangle 70">
+            <a:extLst>
+              <a:ext uri="{FF2B5EF4-FFF2-40B4-BE49-F238E27FC236}">
+                <a16:creationId xmlns:a16="http://schemas.microsoft.com/office/drawing/2014/main" id="{6A2B785E-9224-7A92-6685-FD0D494FE8AC}"/>
+              </a:ext>
+            </a:extLst>
+          </p:cNvPr>
+          <p:cNvSpPr/>
+          <p:nvPr/>
+        </p:nvSpPr>
+        <p:spPr>
+          <a:xfrm>
+            <a:off x="6071632" y="5762993"/>
+            <a:ext cx="287079" cy="233917"/>
+          </a:xfrm>
+          <a:prstGeom prst="rect">
+            <a:avLst/>
+          </a:prstGeom>
+        </p:spPr>
+        <p:style>
+          <a:lnRef idx="3">
+            <a:schemeClr val="lt1"/>
+          </a:lnRef>
+          <a:fillRef idx="1">
+            <a:schemeClr val="accent4"/>
+          </a:fillRef>
+          <a:effectRef idx="1">
+            <a:schemeClr val="accent4"/>
+          </a:effectRef>
+          <a:fontRef idx="minor">
+            <a:schemeClr val="lt1"/>
+          </a:fontRef>
+        </p:style>
+        <p:txBody>
+          <a:bodyPr rtlCol="0" anchor="ctr"/>
+          <a:lstStyle/>
+          <a:p>
+            <a:pPr algn="ctr"/>
+            <a:endParaRPr lang="en-US"/>
+          </a:p>
+        </p:txBody>
+      </p:sp>
+      <p:sp>
+        <p:nvSpPr>
+          <p:cNvPr id="72" name="Rectangle 71">
+            <a:extLst>
+              <a:ext uri="{FF2B5EF4-FFF2-40B4-BE49-F238E27FC236}">
+                <a16:creationId xmlns:a16="http://schemas.microsoft.com/office/drawing/2014/main" id="{C80EC44C-C165-C2C6-39E1-D3B411616279}"/>
+              </a:ext>
+            </a:extLst>
+          </p:cNvPr>
+          <p:cNvSpPr/>
+          <p:nvPr/>
+        </p:nvSpPr>
+        <p:spPr>
+          <a:xfrm>
+            <a:off x="6873504" y="5804488"/>
+            <a:ext cx="287079" cy="233917"/>
+          </a:xfrm>
+          <a:prstGeom prst="rect">
+            <a:avLst/>
+          </a:prstGeom>
+        </p:spPr>
+        <p:style>
+          <a:lnRef idx="3">
+            <a:schemeClr val="lt1"/>
+          </a:lnRef>
+          <a:fillRef idx="1">
+            <a:schemeClr val="accent4"/>
+          </a:fillRef>
+          <a:effectRef idx="1">
+            <a:schemeClr val="accent4"/>
+          </a:effectRef>
+          <a:fontRef idx="minor">
+            <a:schemeClr val="lt1"/>
+          </a:fontRef>
+        </p:style>
+        <p:txBody>
+          <a:bodyPr rtlCol="0" anchor="ctr"/>
+          <a:lstStyle/>
+          <a:p>
+            <a:pPr algn="ctr"/>
+            <a:endParaRPr lang="en-US"/>
+          </a:p>
+        </p:txBody>
+      </p:sp>
+      <p:sp>
+        <p:nvSpPr>
+          <p:cNvPr id="73" name="Rectangle 72">
+            <a:extLst>
+              <a:ext uri="{FF2B5EF4-FFF2-40B4-BE49-F238E27FC236}">
+                <a16:creationId xmlns:a16="http://schemas.microsoft.com/office/drawing/2014/main" id="{1178F496-F2B5-9ED5-9EDA-F3E872478B15}"/>
+              </a:ext>
+            </a:extLst>
+          </p:cNvPr>
+          <p:cNvSpPr/>
+          <p:nvPr/>
+        </p:nvSpPr>
+        <p:spPr>
+          <a:xfrm>
+            <a:off x="7496394" y="5761070"/>
+            <a:ext cx="287079" cy="233917"/>
+          </a:xfrm>
+          <a:prstGeom prst="rect">
+            <a:avLst/>
+          </a:prstGeom>
+        </p:spPr>
+        <p:style>
+          <a:lnRef idx="3">
+            <a:schemeClr val="lt1"/>
+          </a:lnRef>
+          <a:fillRef idx="1">
+            <a:schemeClr val="accent4"/>
+          </a:fillRef>
+          <a:effectRef idx="1">
+            <a:schemeClr val="accent4"/>
+          </a:effectRef>
+          <a:fontRef idx="minor">
+            <a:schemeClr val="lt1"/>
+          </a:fontRef>
+        </p:style>
+        <p:txBody>
+          <a:bodyPr rtlCol="0" anchor="ctr"/>
+          <a:lstStyle/>
+          <a:p>
+            <a:pPr algn="ctr"/>
+            <a:endParaRPr lang="en-US"/>
+          </a:p>
+        </p:txBody>
+      </p:sp>
+      <p:sp>
+        <p:nvSpPr>
+          <p:cNvPr id="74" name="Can 73">
+            <a:extLst>
+              <a:ext uri="{FF2B5EF4-FFF2-40B4-BE49-F238E27FC236}">
+                <a16:creationId xmlns:a16="http://schemas.microsoft.com/office/drawing/2014/main" id="{60F5BB15-2CAA-52C1-3C69-CE6AE6891A18}"/>
+              </a:ext>
+            </a:extLst>
+          </p:cNvPr>
+          <p:cNvSpPr/>
+          <p:nvPr/>
+        </p:nvSpPr>
+        <p:spPr>
+          <a:xfrm>
+            <a:off x="9331844" y="2130859"/>
+            <a:ext cx="2317897" cy="1016445"/>
+          </a:xfrm>
+          <a:prstGeom prst="can">
+            <a:avLst/>
+          </a:prstGeom>
+        </p:spPr>
+        <p:style>
+          <a:lnRef idx="2">
+            <a:schemeClr val="accent1">
+              <a:shade val="15000"/>
+            </a:schemeClr>
+          </a:lnRef>
+          <a:fillRef idx="1">
+            <a:schemeClr val="accent1"/>
+          </a:fillRef>
+          <a:effectRef idx="0">
+            <a:schemeClr val="accent1"/>
+          </a:effectRef>
+          <a:fontRef idx="minor">
+            <a:schemeClr val="lt1"/>
+          </a:fontRef>
+        </p:style>
+        <p:txBody>
+          <a:bodyPr rtlCol="0" anchor="ctr"/>
+          <a:lstStyle/>
+          <a:p>
+            <a:pPr algn="ctr"/>
+            <a:r>
+              <a:rPr lang="en-US" b="1" dirty="0"/>
+              <a:t>Database Server</a:t>
+            </a:r>
+          </a:p>
+        </p:txBody>
+      </p:sp>
+      <p:sp>
+        <p:nvSpPr>
+          <p:cNvPr id="75" name="Can 74">
+            <a:extLst>
+              <a:ext uri="{FF2B5EF4-FFF2-40B4-BE49-F238E27FC236}">
+                <a16:creationId xmlns:a16="http://schemas.microsoft.com/office/drawing/2014/main" id="{A9B990B6-9690-7333-E5AE-4750047793C4}"/>
+              </a:ext>
+            </a:extLst>
+          </p:cNvPr>
+          <p:cNvSpPr/>
+          <p:nvPr/>
+        </p:nvSpPr>
+        <p:spPr>
+          <a:xfrm>
+            <a:off x="9331844" y="3477348"/>
+            <a:ext cx="2317897" cy="1016445"/>
+          </a:xfrm>
+          <a:prstGeom prst="can">
+            <a:avLst/>
+          </a:prstGeom>
+        </p:spPr>
+        <p:style>
+          <a:lnRef idx="2">
+            <a:schemeClr val="accent1">
+              <a:shade val="15000"/>
+            </a:schemeClr>
+          </a:lnRef>
+          <a:fillRef idx="1">
+            <a:schemeClr val="accent1"/>
+          </a:fillRef>
+          <a:effectRef idx="0">
+            <a:schemeClr val="accent1"/>
+          </a:effectRef>
+          <a:fontRef idx="minor">
+            <a:schemeClr val="lt1"/>
+          </a:fontRef>
+        </p:style>
+        <p:txBody>
+          <a:bodyPr rtlCol="0" anchor="ctr"/>
+          <a:lstStyle/>
+          <a:p>
+            <a:pPr algn="ctr"/>
+            <a:r>
+              <a:rPr lang="en-US" b="1" dirty="0"/>
+              <a:t>{NoSQL}</a:t>
+            </a:r>
+          </a:p>
+        </p:txBody>
+      </p:sp>
+      <p:sp>
+        <p:nvSpPr>
+          <p:cNvPr id="76" name="Multi-document 75">
+            <a:extLst>
+              <a:ext uri="{FF2B5EF4-FFF2-40B4-BE49-F238E27FC236}">
+                <a16:creationId xmlns:a16="http://schemas.microsoft.com/office/drawing/2014/main" id="{22A2F07C-7715-1977-A25C-88822A893421}"/>
+              </a:ext>
+            </a:extLst>
+          </p:cNvPr>
+          <p:cNvSpPr/>
+          <p:nvPr/>
+        </p:nvSpPr>
+        <p:spPr>
+          <a:xfrm>
+            <a:off x="9321214" y="4913682"/>
+            <a:ext cx="2502193" cy="1405599"/>
+          </a:xfrm>
+          <a:prstGeom prst="flowChartMultidocument">
+            <a:avLst/>
+          </a:prstGeom>
+        </p:spPr>
+        <p:style>
+          <a:lnRef idx="2">
+            <a:schemeClr val="accent1">
+              <a:shade val="15000"/>
+            </a:schemeClr>
+          </a:lnRef>
+          <a:fillRef idx="1">
+            <a:schemeClr val="accent1"/>
+          </a:fillRef>
+          <a:effectRef idx="0">
+            <a:schemeClr val="accent1"/>
+          </a:effectRef>
+          <a:fontRef idx="minor">
+            <a:schemeClr val="lt1"/>
+          </a:fontRef>
+        </p:style>
+        <p:txBody>
+          <a:bodyPr rtlCol="0" anchor="ctr"/>
+          <a:lstStyle/>
+          <a:p>
+            <a:pPr algn="ctr"/>
+            <a:r>
+              <a:rPr lang="en-US" b="1" dirty="0"/>
+              <a:t>File Storage aka BLOB / S3</a:t>
+            </a:r>
+          </a:p>
+        </p:txBody>
+      </p:sp>
+      <p:cxnSp>
+        <p:nvCxnSpPr>
+          <p:cNvPr id="78" name="Elbow Connector 77">
+            <a:extLst>
+              <a:ext uri="{FF2B5EF4-FFF2-40B4-BE49-F238E27FC236}">
+                <a16:creationId xmlns:a16="http://schemas.microsoft.com/office/drawing/2014/main" id="{54BBB1E4-3CB3-2590-73FF-2DED786AF8B0}"/>
+              </a:ext>
+            </a:extLst>
+          </p:cNvPr>
+          <p:cNvCxnSpPr>
+            <a:stCxn id="2" idx="3"/>
+            <a:endCxn id="74" idx="2"/>
+          </p:cNvCxnSpPr>
+          <p:nvPr/>
+        </p:nvCxnSpPr>
+        <p:spPr>
+          <a:xfrm flipV="1">
+            <a:off x="8644270" y="2639082"/>
+            <a:ext cx="687574" cy="933458"/>
+          </a:xfrm>
+          <a:prstGeom prst="bentConnector3">
+            <a:avLst/>
+          </a:prstGeom>
+          <a:ln>
+            <a:headEnd type="triangle"/>
+            <a:tailEnd type="triangle"/>
+          </a:ln>
+        </p:spPr>
+        <p:style>
+          <a:lnRef idx="1">
+            <a:schemeClr val="accent1"/>
+          </a:lnRef>
+          <a:fillRef idx="0">
+            <a:schemeClr val="accent1"/>
+          </a:fillRef>
+          <a:effectRef idx="0">
+            <a:schemeClr val="accent1"/>
+          </a:effectRef>
+          <a:fontRef idx="minor">
+            <a:schemeClr val="tx1"/>
+          </a:fontRef>
+        </p:style>
+      </p:cxnSp>
+      <p:cxnSp>
+        <p:nvCxnSpPr>
+          <p:cNvPr id="80" name="Elbow Connector 79">
+            <a:extLst>
+              <a:ext uri="{FF2B5EF4-FFF2-40B4-BE49-F238E27FC236}">
+                <a16:creationId xmlns:a16="http://schemas.microsoft.com/office/drawing/2014/main" id="{73DA8F89-DD73-4F85-F8F0-15C1725D2A9A}"/>
+              </a:ext>
+            </a:extLst>
+          </p:cNvPr>
+          <p:cNvCxnSpPr>
+            <a:stCxn id="2" idx="3"/>
+            <a:endCxn id="75" idx="2"/>
+          </p:cNvCxnSpPr>
+          <p:nvPr/>
+        </p:nvCxnSpPr>
+        <p:spPr>
+          <a:xfrm>
+            <a:off x="8644270" y="3572540"/>
+            <a:ext cx="687574" cy="413031"/>
+          </a:xfrm>
+          <a:prstGeom prst="bentConnector3">
+            <a:avLst/>
+          </a:prstGeom>
+          <a:ln>
+            <a:headEnd type="triangle"/>
+            <a:tailEnd type="triangle"/>
+          </a:ln>
+        </p:spPr>
+        <p:style>
+          <a:lnRef idx="1">
+            <a:schemeClr val="accent1"/>
+          </a:lnRef>
+          <a:fillRef idx="0">
+            <a:schemeClr val="accent1"/>
+          </a:fillRef>
+          <a:effectRef idx="0">
+            <a:schemeClr val="accent1"/>
+          </a:effectRef>
+          <a:fontRef idx="minor">
+            <a:schemeClr val="tx1"/>
+          </a:fontRef>
+        </p:style>
+      </p:cxnSp>
+      <p:cxnSp>
+        <p:nvCxnSpPr>
+          <p:cNvPr id="82" name="Elbow Connector 81">
+            <a:extLst>
+              <a:ext uri="{FF2B5EF4-FFF2-40B4-BE49-F238E27FC236}">
+                <a16:creationId xmlns:a16="http://schemas.microsoft.com/office/drawing/2014/main" id="{337C43F9-C012-8FE8-CEA0-F20EE8E0BE15}"/>
+              </a:ext>
+            </a:extLst>
+          </p:cNvPr>
+          <p:cNvCxnSpPr>
+            <a:stCxn id="2" idx="3"/>
+            <a:endCxn id="76" idx="1"/>
+          </p:cNvCxnSpPr>
+          <p:nvPr/>
+        </p:nvCxnSpPr>
+        <p:spPr>
+          <a:xfrm>
+            <a:off x="8644270" y="3572540"/>
+            <a:ext cx="676944" cy="2043942"/>
+          </a:xfrm>
+          <a:prstGeom prst="bentConnector3">
+            <a:avLst/>
+          </a:prstGeom>
+          <a:ln>
+            <a:headEnd type="triangle"/>
+            <a:tailEnd type="triangle"/>
+          </a:ln>
+        </p:spPr>
+        <p:style>
+          <a:lnRef idx="1">
+            <a:schemeClr val="accent1"/>
+          </a:lnRef>
+          <a:fillRef idx="0">
+            <a:schemeClr val="accent1"/>
+          </a:fillRef>
+          <a:effectRef idx="0">
+            <a:schemeClr val="accent1"/>
+          </a:effectRef>
+          <a:fontRef idx="minor">
+            <a:schemeClr val="tx1"/>
+          </a:fontRef>
+        </p:style>
+      </p:cxnSp>
+      <p:sp>
+        <p:nvSpPr>
+          <p:cNvPr id="83" name="Up-down Arrow 82">
+            <a:extLst>
+              <a:ext uri="{FF2B5EF4-FFF2-40B4-BE49-F238E27FC236}">
+                <a16:creationId xmlns:a16="http://schemas.microsoft.com/office/drawing/2014/main" id="{DAED07B4-67D5-8A8B-149E-DBBFB1D09AE7}"/>
+              </a:ext>
+            </a:extLst>
+          </p:cNvPr>
+          <p:cNvSpPr/>
+          <p:nvPr/>
+        </p:nvSpPr>
+        <p:spPr>
+          <a:xfrm>
+            <a:off x="4102394" y="3477348"/>
+            <a:ext cx="239235" cy="371636"/>
+          </a:xfrm>
+          <a:prstGeom prst="upDownArrow">
+            <a:avLst/>
+          </a:prstGeom>
+          <a:solidFill>
+            <a:srgbClr val="FFC000"/>
+          </a:solidFill>
+          <a:ln>
+            <a:solidFill>
+              <a:srgbClr val="FF0000"/>
+            </a:solidFill>
+          </a:ln>
+        </p:spPr>
+        <p:style>
+          <a:lnRef idx="2">
+            <a:schemeClr val="accent1">
+              <a:shade val="15000"/>
+            </a:schemeClr>
+          </a:lnRef>
+          <a:fillRef idx="1">
+            <a:schemeClr val="accent1"/>
+          </a:fillRef>
+          <a:effectRef idx="0">
+            <a:schemeClr val="accent1"/>
+          </a:effectRef>
+          <a:fontRef idx="minor">
+            <a:schemeClr val="lt1"/>
+          </a:fontRef>
+        </p:style>
+        <p:txBody>
+          <a:bodyPr rtlCol="0" anchor="ctr"/>
+          <a:lstStyle/>
+          <a:p>
+            <a:pPr algn="ctr"/>
+            <a:endParaRPr lang="en-US"/>
+          </a:p>
+        </p:txBody>
+      </p:sp>
+      <p:sp>
+        <p:nvSpPr>
+          <p:cNvPr id="84" name="Up-down Arrow 83">
+            <a:extLst>
+              <a:ext uri="{FF2B5EF4-FFF2-40B4-BE49-F238E27FC236}">
+                <a16:creationId xmlns:a16="http://schemas.microsoft.com/office/drawing/2014/main" id="{111F1E88-BD53-12C9-E409-45C3FC1DACB7}"/>
+              </a:ext>
+            </a:extLst>
+          </p:cNvPr>
+          <p:cNvSpPr/>
+          <p:nvPr/>
+        </p:nvSpPr>
+        <p:spPr>
+          <a:xfrm>
+            <a:off x="6532819" y="3396186"/>
+            <a:ext cx="239235" cy="371636"/>
+          </a:xfrm>
+          <a:prstGeom prst="upDownArrow">
+            <a:avLst/>
+          </a:prstGeom>
+          <a:solidFill>
+            <a:srgbClr val="FFC000"/>
+          </a:solidFill>
+          <a:ln>
+            <a:solidFill>
+              <a:srgbClr val="FF0000"/>
+            </a:solidFill>
+          </a:ln>
+        </p:spPr>
+        <p:style>
+          <a:lnRef idx="2">
+            <a:schemeClr val="accent1">
+              <a:shade val="15000"/>
+            </a:schemeClr>
+          </a:lnRef>
+          <a:fillRef idx="1">
+            <a:schemeClr val="accent1"/>
+          </a:fillRef>
+          <a:effectRef idx="0">
+            <a:schemeClr val="accent1"/>
+          </a:effectRef>
+          <a:fontRef idx="minor">
+            <a:schemeClr val="lt1"/>
+          </a:fontRef>
+        </p:style>
+        <p:txBody>
+          <a:bodyPr rtlCol="0" anchor="ctr"/>
+          <a:lstStyle/>
+          <a:p>
+            <a:pPr algn="ctr"/>
+            <a:endParaRPr lang="en-US"/>
+          </a:p>
+        </p:txBody>
+      </p:sp>
+      <p:sp>
+        <p:nvSpPr>
+          <p:cNvPr id="85" name="Up-down Arrow 84">
+            <a:extLst>
+              <a:ext uri="{FF2B5EF4-FFF2-40B4-BE49-F238E27FC236}">
+                <a16:creationId xmlns:a16="http://schemas.microsoft.com/office/drawing/2014/main" id="{38DBBAA3-4480-C796-32DF-AE75880B95B2}"/>
+              </a:ext>
+            </a:extLst>
+          </p:cNvPr>
+          <p:cNvSpPr/>
+          <p:nvPr/>
+        </p:nvSpPr>
+        <p:spPr>
+          <a:xfrm>
+            <a:off x="3823289" y="3981539"/>
+            <a:ext cx="239235" cy="371636"/>
+          </a:xfrm>
+          <a:prstGeom prst="upDownArrow">
+            <a:avLst/>
+          </a:prstGeom>
+          <a:solidFill>
+            <a:srgbClr val="FFC000"/>
+          </a:solidFill>
+          <a:ln>
+            <a:solidFill>
+              <a:srgbClr val="FF0000"/>
+            </a:solidFill>
+          </a:ln>
+        </p:spPr>
+        <p:style>
+          <a:lnRef idx="2">
+            <a:schemeClr val="accent1">
+              <a:shade val="15000"/>
+            </a:schemeClr>
+          </a:lnRef>
+          <a:fillRef idx="1">
+            <a:schemeClr val="accent1"/>
+          </a:fillRef>
+          <a:effectRef idx="0">
+            <a:schemeClr val="accent1"/>
+          </a:effectRef>
+          <a:fontRef idx="minor">
+            <a:schemeClr val="lt1"/>
+          </a:fontRef>
+        </p:style>
+        <p:txBody>
+          <a:bodyPr rtlCol="0" anchor="ctr"/>
+          <a:lstStyle/>
+          <a:p>
+            <a:pPr algn="ctr"/>
+            <a:endParaRPr lang="en-US"/>
+          </a:p>
+        </p:txBody>
+      </p:sp>
+      <p:sp>
+        <p:nvSpPr>
+          <p:cNvPr id="86" name="Up-down Arrow 85">
+            <a:extLst>
+              <a:ext uri="{FF2B5EF4-FFF2-40B4-BE49-F238E27FC236}">
+                <a16:creationId xmlns:a16="http://schemas.microsoft.com/office/drawing/2014/main" id="{5DBF9B48-82C2-AA49-8342-AD77D381EF59}"/>
+              </a:ext>
+            </a:extLst>
+          </p:cNvPr>
+          <p:cNvSpPr/>
+          <p:nvPr/>
+        </p:nvSpPr>
+        <p:spPr>
+          <a:xfrm>
+            <a:off x="6575351" y="3898885"/>
+            <a:ext cx="239235" cy="371636"/>
+          </a:xfrm>
+          <a:prstGeom prst="upDownArrow">
+            <a:avLst/>
+          </a:prstGeom>
+          <a:solidFill>
+            <a:srgbClr val="FFC000"/>
+          </a:solidFill>
+          <a:ln>
+            <a:solidFill>
+              <a:srgbClr val="FF0000"/>
+            </a:solidFill>
+          </a:ln>
+        </p:spPr>
+        <p:style>
+          <a:lnRef idx="2">
+            <a:schemeClr val="accent1">
+              <a:shade val="15000"/>
+            </a:schemeClr>
+          </a:lnRef>
+          <a:fillRef idx="1">
+            <a:schemeClr val="accent1"/>
+          </a:fillRef>
+          <a:effectRef idx="0">
+            <a:schemeClr val="accent1"/>
+          </a:effectRef>
+          <a:fontRef idx="minor">
+            <a:schemeClr val="lt1"/>
+          </a:fontRef>
+        </p:style>
+        <p:txBody>
+          <a:bodyPr rtlCol="0" anchor="ctr"/>
+          <a:lstStyle/>
+          <a:p>
+            <a:pPr algn="ctr"/>
+            <a:endParaRPr lang="en-US"/>
+          </a:p>
+        </p:txBody>
+      </p:sp>
+    </p:spTree>
+    <p:extLst>
+      <p:ext uri="{BB962C8B-B14F-4D97-AF65-F5344CB8AC3E}">
+        <p14:creationId xmlns:p14="http://schemas.microsoft.com/office/powerpoint/2010/main" val="1148954547"/>
+      </p:ext>
+    </p:extLst>
+  </p:cSld>
+  <p:clrMapOvr>
+    <a:masterClrMapping/>
+  </p:clrMapOvr>
+</p:sld>
+</file>
+
+<file path=ppt/slides/slide41.xml><?xml version="1.0" encoding="utf-8"?>
+<p:sld xmlns:a="http://schemas.openxmlformats.org/drawingml/2006/main" xmlns:r="http://schemas.openxmlformats.org/officeDocument/2006/relationships" xmlns:p="http://schemas.openxmlformats.org/presentationml/2006/main">
+  <p:cSld>
+    <p:spTree>
+      <p:nvGrpSpPr>
+        <p:cNvPr id="1" name=""/>
+        <p:cNvGrpSpPr/>
+        <p:nvPr/>
+      </p:nvGrpSpPr>
+      <p:grpSpPr>
+        <a:xfrm>
+          <a:off x="0" y="0"/>
+          <a:ext cx="0" cy="0"/>
+          <a:chOff x="0" y="0"/>
+          <a:chExt cx="0" cy="0"/>
+        </a:xfrm>
+      </p:grpSpPr>
+      <p:sp>
+        <p:nvSpPr>
+          <p:cNvPr id="2" name="Rectangle 1">
+            <a:extLst>
+              <a:ext uri="{FF2B5EF4-FFF2-40B4-BE49-F238E27FC236}">
+                <a16:creationId xmlns:a16="http://schemas.microsoft.com/office/drawing/2014/main" id="{DFB51DB1-FC8A-C699-2D51-D9AA7305C4D3}"/>
+              </a:ext>
+            </a:extLst>
+          </p:cNvPr>
+          <p:cNvSpPr/>
+          <p:nvPr/>
+        </p:nvSpPr>
+        <p:spPr>
+          <a:xfrm>
+            <a:off x="3689497" y="712381"/>
+            <a:ext cx="2009553" cy="2615609"/>
+          </a:xfrm>
+          <a:prstGeom prst="rect">
+            <a:avLst/>
+          </a:prstGeom>
+        </p:spPr>
+        <p:style>
+          <a:lnRef idx="2">
+            <a:schemeClr val="accent1">
+              <a:shade val="15000"/>
+            </a:schemeClr>
+          </a:lnRef>
+          <a:fillRef idx="1">
+            <a:schemeClr val="accent1"/>
+          </a:fillRef>
+          <a:effectRef idx="0">
+            <a:schemeClr val="accent1"/>
+          </a:effectRef>
+          <a:fontRef idx="minor">
+            <a:schemeClr val="lt1"/>
+          </a:fontRef>
+        </p:style>
+        <p:txBody>
+          <a:bodyPr rtlCol="0" anchor="ctr"/>
+          <a:lstStyle/>
+          <a:p>
+            <a:pPr algn="ctr"/>
+            <a:r>
+              <a:rPr lang="en-US" dirty="0"/>
+              <a:t>Microservice 1</a:t>
+            </a:r>
+          </a:p>
+        </p:txBody>
+      </p:sp>
+      <p:sp>
+        <p:nvSpPr>
+          <p:cNvPr id="3" name="Rectangle 2">
+            <a:extLst>
+              <a:ext uri="{FF2B5EF4-FFF2-40B4-BE49-F238E27FC236}">
+                <a16:creationId xmlns:a16="http://schemas.microsoft.com/office/drawing/2014/main" id="{E245A787-A602-F97A-28EF-1AD6B5F84502}"/>
+              </a:ext>
+            </a:extLst>
+          </p:cNvPr>
+          <p:cNvSpPr/>
+          <p:nvPr/>
+        </p:nvSpPr>
+        <p:spPr>
+          <a:xfrm>
+            <a:off x="8817935" y="712381"/>
+            <a:ext cx="2009553" cy="2615609"/>
+          </a:xfrm>
+          <a:prstGeom prst="rect">
+            <a:avLst/>
+          </a:prstGeom>
+        </p:spPr>
+        <p:style>
+          <a:lnRef idx="2">
+            <a:schemeClr val="accent1">
+              <a:shade val="15000"/>
+            </a:schemeClr>
+          </a:lnRef>
+          <a:fillRef idx="1">
+            <a:schemeClr val="accent1"/>
+          </a:fillRef>
+          <a:effectRef idx="0">
+            <a:schemeClr val="accent1"/>
+          </a:effectRef>
+          <a:fontRef idx="minor">
+            <a:schemeClr val="lt1"/>
+          </a:fontRef>
+        </p:style>
+        <p:txBody>
+          <a:bodyPr rtlCol="0" anchor="ctr"/>
+          <a:lstStyle/>
+          <a:p>
+            <a:pPr algn="ctr"/>
+            <a:r>
+              <a:rPr lang="en-US" dirty="0"/>
+              <a:t>Microservice 2</a:t>
+            </a:r>
+          </a:p>
+        </p:txBody>
+      </p:sp>
+      <p:sp>
+        <p:nvSpPr>
+          <p:cNvPr id="4" name="Right Arrow 3">
+            <a:extLst>
+              <a:ext uri="{FF2B5EF4-FFF2-40B4-BE49-F238E27FC236}">
+                <a16:creationId xmlns:a16="http://schemas.microsoft.com/office/drawing/2014/main" id="{E38AA66A-7507-25D1-4CD2-7DDE2492F5F5}"/>
+              </a:ext>
+            </a:extLst>
+          </p:cNvPr>
+          <p:cNvSpPr/>
+          <p:nvPr/>
+        </p:nvSpPr>
+        <p:spPr>
+          <a:xfrm>
+            <a:off x="382772" y="1201479"/>
+            <a:ext cx="3306725" cy="446568"/>
+          </a:xfrm>
+          <a:prstGeom prst="rightArrow">
+            <a:avLst/>
+          </a:prstGeom>
+        </p:spPr>
+        <p:style>
+          <a:lnRef idx="2">
+            <a:schemeClr val="accent1">
+              <a:shade val="15000"/>
+            </a:schemeClr>
+          </a:lnRef>
+          <a:fillRef idx="1">
+            <a:schemeClr val="accent1"/>
+          </a:fillRef>
+          <a:effectRef idx="0">
+            <a:schemeClr val="accent1"/>
+          </a:effectRef>
+          <a:fontRef idx="minor">
+            <a:schemeClr val="lt1"/>
+          </a:fontRef>
+        </p:style>
+        <p:txBody>
+          <a:bodyPr rtlCol="0" anchor="ctr"/>
+          <a:lstStyle/>
+          <a:p>
+            <a:pPr algn="ctr"/>
+            <a:r>
+              <a:rPr lang="en-US" dirty="0"/>
+              <a:t>1. Request</a:t>
+            </a:r>
+          </a:p>
+        </p:txBody>
+      </p:sp>
+      <p:sp>
+        <p:nvSpPr>
+          <p:cNvPr id="5" name="7-point Star 4">
+            <a:extLst>
+              <a:ext uri="{FF2B5EF4-FFF2-40B4-BE49-F238E27FC236}">
+                <a16:creationId xmlns:a16="http://schemas.microsoft.com/office/drawing/2014/main" id="{CF1B0ADD-042C-AA5B-634D-FA6B826642F6}"/>
+              </a:ext>
+            </a:extLst>
+          </p:cNvPr>
+          <p:cNvSpPr/>
+          <p:nvPr/>
+        </p:nvSpPr>
+        <p:spPr>
+          <a:xfrm>
+            <a:off x="4476307" y="2434856"/>
+            <a:ext cx="935665" cy="786809"/>
+          </a:xfrm>
+          <a:prstGeom prst="star7">
+            <a:avLst/>
+          </a:prstGeom>
+          <a:solidFill>
+            <a:schemeClr val="accent2"/>
+          </a:solidFill>
+        </p:spPr>
+        <p:style>
+          <a:lnRef idx="2">
+            <a:schemeClr val="accent1">
+              <a:shade val="15000"/>
+            </a:schemeClr>
+          </a:lnRef>
+          <a:fillRef idx="1">
+            <a:schemeClr val="accent1"/>
+          </a:fillRef>
+          <a:effectRef idx="0">
+            <a:schemeClr val="accent1"/>
+          </a:effectRef>
+          <a:fontRef idx="minor">
+            <a:schemeClr val="lt1"/>
+          </a:fontRef>
+        </p:style>
+        <p:txBody>
+          <a:bodyPr rtlCol="0" anchor="ctr"/>
+          <a:lstStyle/>
+          <a:p>
+            <a:pPr algn="ctr"/>
+            <a:endParaRPr lang="en-US"/>
+          </a:p>
+        </p:txBody>
+      </p:sp>
+      <p:cxnSp>
+        <p:nvCxnSpPr>
+          <p:cNvPr id="7" name="Elbow Connector 6">
+            <a:extLst>
+              <a:ext uri="{FF2B5EF4-FFF2-40B4-BE49-F238E27FC236}">
+                <a16:creationId xmlns:a16="http://schemas.microsoft.com/office/drawing/2014/main" id="{FF51677D-8392-022C-EE98-6D23F01CB3D6}"/>
+              </a:ext>
+            </a:extLst>
+          </p:cNvPr>
+          <p:cNvCxnSpPr>
+            <a:stCxn id="5" idx="0"/>
+            <a:endCxn id="3" idx="1"/>
+          </p:cNvCxnSpPr>
+          <p:nvPr/>
+        </p:nvCxnSpPr>
+        <p:spPr>
+          <a:xfrm flipV="1">
+            <a:off x="5319312" y="2020186"/>
+            <a:ext cx="3498623" cy="570508"/>
+          </a:xfrm>
+          <a:prstGeom prst="bentConnector3">
+            <a:avLst/>
+          </a:prstGeom>
+          <a:ln w="76200">
+            <a:solidFill>
+              <a:srgbClr val="FF0000"/>
+            </a:solidFill>
+            <a:tailEnd type="triangle"/>
+          </a:ln>
+        </p:spPr>
+        <p:style>
+          <a:lnRef idx="1">
+            <a:schemeClr val="accent1"/>
+          </a:lnRef>
+          <a:fillRef idx="0">
+            <a:schemeClr val="accent1"/>
+          </a:fillRef>
+          <a:effectRef idx="0">
+            <a:schemeClr val="accent1"/>
+          </a:effectRef>
+          <a:fontRef idx="minor">
+            <a:schemeClr val="tx1"/>
+          </a:fontRef>
+        </p:style>
+      </p:cxnSp>
+      <p:sp>
+        <p:nvSpPr>
+          <p:cNvPr id="8" name="TextBox 7">
+            <a:extLst>
+              <a:ext uri="{FF2B5EF4-FFF2-40B4-BE49-F238E27FC236}">
+                <a16:creationId xmlns:a16="http://schemas.microsoft.com/office/drawing/2014/main" id="{454F4B2C-45E4-889A-57D8-E431DE3C919F}"/>
+              </a:ext>
+            </a:extLst>
+          </p:cNvPr>
+          <p:cNvSpPr txBox="1"/>
+          <p:nvPr/>
+        </p:nvSpPr>
+        <p:spPr>
+          <a:xfrm>
+            <a:off x="6096000" y="963098"/>
+            <a:ext cx="2239926" cy="923330"/>
+          </a:xfrm>
+          <a:prstGeom prst="rect">
+            <a:avLst/>
+          </a:prstGeom>
+          <a:noFill/>
+        </p:spPr>
+        <p:txBody>
+          <a:bodyPr wrap="square" rtlCol="0">
+            <a:spAutoFit/>
+          </a:bodyPr>
+          <a:lstStyle/>
+          <a:p>
+            <a:pPr algn="ctr"/>
+            <a:r>
+              <a:rPr lang="en-US" dirty="0"/>
+              <a:t>2. Direct Access of Service 2 from Service 1</a:t>
+            </a:r>
+          </a:p>
+        </p:txBody>
+      </p:sp>
+      <p:sp>
+        <p:nvSpPr>
+          <p:cNvPr id="9" name="7-point Star 8">
+            <a:extLst>
+              <a:ext uri="{FF2B5EF4-FFF2-40B4-BE49-F238E27FC236}">
+                <a16:creationId xmlns:a16="http://schemas.microsoft.com/office/drawing/2014/main" id="{95C5A8F3-9DD0-1A87-348E-E85F2AA8A660}"/>
+              </a:ext>
+            </a:extLst>
+          </p:cNvPr>
+          <p:cNvSpPr/>
+          <p:nvPr/>
+        </p:nvSpPr>
+        <p:spPr>
+          <a:xfrm>
+            <a:off x="9678662" y="2434856"/>
+            <a:ext cx="935665" cy="786809"/>
+          </a:xfrm>
+          <a:prstGeom prst="star7">
+            <a:avLst/>
+          </a:prstGeom>
+          <a:solidFill>
+            <a:schemeClr val="accent2"/>
+          </a:solidFill>
+        </p:spPr>
+        <p:style>
+          <a:lnRef idx="2">
+            <a:schemeClr val="accent1">
+              <a:shade val="15000"/>
+            </a:schemeClr>
+          </a:lnRef>
+          <a:fillRef idx="1">
+            <a:schemeClr val="accent1"/>
+          </a:fillRef>
+          <a:effectRef idx="0">
+            <a:schemeClr val="accent1"/>
+          </a:effectRef>
+          <a:fontRef idx="minor">
+            <a:schemeClr val="lt1"/>
+          </a:fontRef>
+        </p:style>
+        <p:txBody>
+          <a:bodyPr rtlCol="0" anchor="ctr"/>
+          <a:lstStyle/>
+          <a:p>
+            <a:pPr algn="ctr"/>
+            <a:r>
+              <a:rPr lang="en-US" dirty="0"/>
+              <a:t>3</a:t>
+            </a:r>
+          </a:p>
+        </p:txBody>
+      </p:sp>
+      <p:sp>
+        <p:nvSpPr>
+          <p:cNvPr id="10" name="TextBox 9">
+            <a:extLst>
+              <a:ext uri="{FF2B5EF4-FFF2-40B4-BE49-F238E27FC236}">
+                <a16:creationId xmlns:a16="http://schemas.microsoft.com/office/drawing/2014/main" id="{6E492AFB-7AB8-B081-9B5E-BB130A4E741D}"/>
+              </a:ext>
+            </a:extLst>
+          </p:cNvPr>
+          <p:cNvSpPr txBox="1"/>
+          <p:nvPr/>
+        </p:nvSpPr>
+        <p:spPr>
+          <a:xfrm>
+            <a:off x="10067260" y="2643594"/>
+            <a:ext cx="1520456" cy="369332"/>
+          </a:xfrm>
+          <a:prstGeom prst="rect">
+            <a:avLst/>
+          </a:prstGeom>
+          <a:noFill/>
+        </p:spPr>
+        <p:txBody>
+          <a:bodyPr wrap="square" rtlCol="0">
+            <a:spAutoFit/>
+          </a:bodyPr>
+          <a:lstStyle/>
+          <a:p>
+            <a:r>
+              <a:rPr lang="en-US" dirty="0"/>
+              <a:t>3. Execution</a:t>
+            </a:r>
+          </a:p>
+        </p:txBody>
+      </p:sp>
+      <p:cxnSp>
+        <p:nvCxnSpPr>
+          <p:cNvPr id="12" name="Elbow Connector 11">
+            <a:extLst>
+              <a:ext uri="{FF2B5EF4-FFF2-40B4-BE49-F238E27FC236}">
+                <a16:creationId xmlns:a16="http://schemas.microsoft.com/office/drawing/2014/main" id="{79AF98F8-47A2-31D1-ECEB-6ABB49CAB05E}"/>
+              </a:ext>
+            </a:extLst>
+          </p:cNvPr>
+          <p:cNvCxnSpPr>
+            <a:cxnSpLocks/>
+            <a:stCxn id="3" idx="2"/>
+            <a:endCxn id="2" idx="2"/>
+          </p:cNvCxnSpPr>
+          <p:nvPr/>
+        </p:nvCxnSpPr>
+        <p:spPr>
+          <a:xfrm rot="5400000">
+            <a:off x="7258493" y="763771"/>
+            <a:ext cx="12700" cy="5128438"/>
+          </a:xfrm>
+          <a:prstGeom prst="bentConnector3">
+            <a:avLst>
+              <a:gd name="adj1" fmla="val 1800000"/>
+            </a:avLst>
+          </a:prstGeom>
+          <a:ln w="76200">
+            <a:solidFill>
+              <a:srgbClr val="FF0000"/>
+            </a:solidFill>
+            <a:tailEnd type="triangle"/>
+          </a:ln>
+        </p:spPr>
+        <p:style>
+          <a:lnRef idx="1">
+            <a:schemeClr val="accent1"/>
+          </a:lnRef>
+          <a:fillRef idx="0">
+            <a:schemeClr val="accent1"/>
+          </a:fillRef>
+          <a:effectRef idx="0">
+            <a:schemeClr val="accent1"/>
+          </a:effectRef>
+          <a:fontRef idx="minor">
+            <a:schemeClr val="tx1"/>
+          </a:fontRef>
+        </p:style>
+      </p:cxnSp>
+      <p:sp>
+        <p:nvSpPr>
+          <p:cNvPr id="14" name="TextBox 13">
+            <a:extLst>
+              <a:ext uri="{FF2B5EF4-FFF2-40B4-BE49-F238E27FC236}">
+                <a16:creationId xmlns:a16="http://schemas.microsoft.com/office/drawing/2014/main" id="{865BAE2D-3837-E87A-50C8-3EEB47CD598C}"/>
+              </a:ext>
+            </a:extLst>
+          </p:cNvPr>
+          <p:cNvSpPr txBox="1"/>
+          <p:nvPr/>
+        </p:nvSpPr>
+        <p:spPr>
+          <a:xfrm>
+            <a:off x="5699050" y="3753293"/>
+            <a:ext cx="3040913" cy="646331"/>
+          </a:xfrm>
+          <a:prstGeom prst="rect">
+            <a:avLst/>
+          </a:prstGeom>
+          <a:noFill/>
+        </p:spPr>
+        <p:txBody>
+          <a:bodyPr wrap="square" rtlCol="0">
+            <a:spAutoFit/>
+          </a:bodyPr>
+          <a:lstStyle/>
+          <a:p>
+            <a:pPr algn="ctr"/>
+            <a:r>
+              <a:rPr lang="en-US" dirty="0"/>
+              <a:t>4. Response from the Service 2 to Service 1</a:t>
+            </a:r>
+          </a:p>
+        </p:txBody>
+      </p:sp>
+      <p:sp>
+        <p:nvSpPr>
+          <p:cNvPr id="15" name="Left Arrow 14">
+            <a:extLst>
+              <a:ext uri="{FF2B5EF4-FFF2-40B4-BE49-F238E27FC236}">
+                <a16:creationId xmlns:a16="http://schemas.microsoft.com/office/drawing/2014/main" id="{2A62B777-D0D1-4075-6290-78816B391420}"/>
+              </a:ext>
+            </a:extLst>
+          </p:cNvPr>
+          <p:cNvSpPr/>
+          <p:nvPr/>
+        </p:nvSpPr>
+        <p:spPr>
+          <a:xfrm>
+            <a:off x="467833" y="2020185"/>
+            <a:ext cx="3221664" cy="446568"/>
+          </a:xfrm>
+          <a:prstGeom prst="leftArrow">
+            <a:avLst/>
+          </a:prstGeom>
+        </p:spPr>
+        <p:style>
+          <a:lnRef idx="2">
+            <a:schemeClr val="accent1">
+              <a:shade val="15000"/>
+            </a:schemeClr>
+          </a:lnRef>
+          <a:fillRef idx="1">
+            <a:schemeClr val="accent1"/>
+          </a:fillRef>
+          <a:effectRef idx="0">
+            <a:schemeClr val="accent1"/>
+          </a:effectRef>
+          <a:fontRef idx="minor">
+            <a:schemeClr val="lt1"/>
+          </a:fontRef>
+        </p:style>
+        <p:txBody>
+          <a:bodyPr rtlCol="0" anchor="ctr"/>
+          <a:lstStyle/>
+          <a:p>
+            <a:pPr algn="ctr"/>
+            <a:r>
+              <a:rPr lang="en-US" dirty="0"/>
+              <a:t>5. Response</a:t>
+            </a:r>
+          </a:p>
+        </p:txBody>
+      </p:sp>
+      <p:sp>
+        <p:nvSpPr>
+          <p:cNvPr id="16" name="TextBox 15">
+            <a:extLst>
+              <a:ext uri="{FF2B5EF4-FFF2-40B4-BE49-F238E27FC236}">
+                <a16:creationId xmlns:a16="http://schemas.microsoft.com/office/drawing/2014/main" id="{16E2299F-1D61-B735-E502-D6A50F640BEB}"/>
+              </a:ext>
+            </a:extLst>
+          </p:cNvPr>
+          <p:cNvSpPr txBox="1"/>
+          <p:nvPr/>
+        </p:nvSpPr>
+        <p:spPr>
+          <a:xfrm>
+            <a:off x="138223" y="3934047"/>
+            <a:ext cx="4338084" cy="369332"/>
+          </a:xfrm>
+          <a:prstGeom prst="rect">
+            <a:avLst/>
+          </a:prstGeom>
+          <a:noFill/>
+        </p:spPr>
+        <p:txBody>
+          <a:bodyPr wrap="square" rtlCol="0">
+            <a:spAutoFit/>
+          </a:bodyPr>
+          <a:lstStyle/>
+          <a:p>
+            <a:r>
+              <a:rPr lang="en-US" dirty="0"/>
+              <a:t>Synchronous Calls  across Microservices</a:t>
+            </a:r>
+          </a:p>
+        </p:txBody>
+      </p:sp>
+    </p:spTree>
+    <p:extLst>
+      <p:ext uri="{BB962C8B-B14F-4D97-AF65-F5344CB8AC3E}">
+        <p14:creationId xmlns:p14="http://schemas.microsoft.com/office/powerpoint/2010/main" val="220556565"/>
+      </p:ext>
+    </p:extLst>
+  </p:cSld>
+  <p:clrMapOvr>
+    <a:masterClrMapping/>
+  </p:clrMapOvr>
+</p:sld>
+</file>
+
+<file path=ppt/slides/slide42.xml><?xml version="1.0" encoding="utf-8"?>
+<p:sld xmlns:a="http://schemas.openxmlformats.org/drawingml/2006/main" xmlns:r="http://schemas.openxmlformats.org/officeDocument/2006/relationships" xmlns:p="http://schemas.openxmlformats.org/presentationml/2006/main">
+  <p:cSld>
+    <p:spTree>
+      <p:nvGrpSpPr>
+        <p:cNvPr id="1" name=""/>
+        <p:cNvGrpSpPr/>
+        <p:nvPr/>
+      </p:nvGrpSpPr>
+      <p:grpSpPr>
+        <a:xfrm>
+          <a:off x="0" y="0"/>
+          <a:ext cx="0" cy="0"/>
+          <a:chOff x="0" y="0"/>
+          <a:chExt cx="0" cy="0"/>
+        </a:xfrm>
+      </p:grpSpPr>
+      <p:sp>
+        <p:nvSpPr>
+          <p:cNvPr id="2" name="Rectangle 1">
+            <a:extLst>
+              <a:ext uri="{FF2B5EF4-FFF2-40B4-BE49-F238E27FC236}">
+                <a16:creationId xmlns:a16="http://schemas.microsoft.com/office/drawing/2014/main" id="{DFB51DB1-FC8A-C699-2D51-D9AA7305C4D3}"/>
+              </a:ext>
+            </a:extLst>
+          </p:cNvPr>
+          <p:cNvSpPr/>
+          <p:nvPr/>
+        </p:nvSpPr>
+        <p:spPr>
+          <a:xfrm>
+            <a:off x="3689497" y="712381"/>
+            <a:ext cx="2009553" cy="2615609"/>
+          </a:xfrm>
+          <a:prstGeom prst="rect">
+            <a:avLst/>
+          </a:prstGeom>
+        </p:spPr>
+        <p:style>
+          <a:lnRef idx="2">
+            <a:schemeClr val="accent1">
+              <a:shade val="15000"/>
+            </a:schemeClr>
+          </a:lnRef>
+          <a:fillRef idx="1">
+            <a:schemeClr val="accent1"/>
+          </a:fillRef>
+          <a:effectRef idx="0">
+            <a:schemeClr val="accent1"/>
+          </a:effectRef>
+          <a:fontRef idx="minor">
+            <a:schemeClr val="lt1"/>
+          </a:fontRef>
+        </p:style>
+        <p:txBody>
+          <a:bodyPr rtlCol="0" anchor="ctr"/>
+          <a:lstStyle/>
+          <a:p>
+            <a:pPr algn="ctr"/>
+            <a:r>
+              <a:rPr lang="en-US" dirty="0"/>
+              <a:t>Microservice 1</a:t>
+            </a:r>
+          </a:p>
+        </p:txBody>
+      </p:sp>
+      <p:sp>
+        <p:nvSpPr>
+          <p:cNvPr id="3" name="Rectangle 2">
+            <a:extLst>
+              <a:ext uri="{FF2B5EF4-FFF2-40B4-BE49-F238E27FC236}">
+                <a16:creationId xmlns:a16="http://schemas.microsoft.com/office/drawing/2014/main" id="{E245A787-A602-F97A-28EF-1AD6B5F84502}"/>
+              </a:ext>
+            </a:extLst>
+          </p:cNvPr>
+          <p:cNvSpPr/>
+          <p:nvPr/>
+        </p:nvSpPr>
+        <p:spPr>
+          <a:xfrm>
+            <a:off x="9232604" y="3774558"/>
+            <a:ext cx="2009553" cy="2615609"/>
+          </a:xfrm>
+          <a:prstGeom prst="rect">
+            <a:avLst/>
+          </a:prstGeom>
+        </p:spPr>
+        <p:style>
+          <a:lnRef idx="2">
+            <a:schemeClr val="accent1">
+              <a:shade val="15000"/>
+            </a:schemeClr>
+          </a:lnRef>
+          <a:fillRef idx="1">
+            <a:schemeClr val="accent1"/>
+          </a:fillRef>
+          <a:effectRef idx="0">
+            <a:schemeClr val="accent1"/>
+          </a:effectRef>
+          <a:fontRef idx="minor">
+            <a:schemeClr val="lt1"/>
+          </a:fontRef>
+        </p:style>
+        <p:txBody>
+          <a:bodyPr rtlCol="0" anchor="ctr"/>
+          <a:lstStyle/>
+          <a:p>
+            <a:pPr algn="ctr"/>
+            <a:r>
+              <a:rPr lang="en-US" dirty="0"/>
+              <a:t>Microservice 2</a:t>
+            </a:r>
+          </a:p>
+        </p:txBody>
+      </p:sp>
+      <p:sp>
+        <p:nvSpPr>
+          <p:cNvPr id="4" name="Right Arrow 3">
+            <a:extLst>
+              <a:ext uri="{FF2B5EF4-FFF2-40B4-BE49-F238E27FC236}">
+                <a16:creationId xmlns:a16="http://schemas.microsoft.com/office/drawing/2014/main" id="{E38AA66A-7507-25D1-4CD2-7DDE2492F5F5}"/>
+              </a:ext>
+            </a:extLst>
+          </p:cNvPr>
+          <p:cNvSpPr/>
+          <p:nvPr/>
+        </p:nvSpPr>
+        <p:spPr>
+          <a:xfrm>
+            <a:off x="382772" y="1201479"/>
+            <a:ext cx="3306725" cy="446568"/>
+          </a:xfrm>
+          <a:prstGeom prst="rightArrow">
+            <a:avLst/>
+          </a:prstGeom>
+        </p:spPr>
+        <p:style>
+          <a:lnRef idx="2">
+            <a:schemeClr val="accent1">
+              <a:shade val="15000"/>
+            </a:schemeClr>
+          </a:lnRef>
+          <a:fillRef idx="1">
+            <a:schemeClr val="accent1"/>
+          </a:fillRef>
+          <a:effectRef idx="0">
+            <a:schemeClr val="accent1"/>
+          </a:effectRef>
+          <a:fontRef idx="minor">
+            <a:schemeClr val="lt1"/>
+          </a:fontRef>
+        </p:style>
+        <p:txBody>
+          <a:bodyPr rtlCol="0" anchor="ctr"/>
+          <a:lstStyle/>
+          <a:p>
+            <a:pPr algn="ctr"/>
+            <a:r>
+              <a:rPr lang="en-US" dirty="0"/>
+              <a:t>1. Request</a:t>
+            </a:r>
+          </a:p>
+        </p:txBody>
+      </p:sp>
+      <p:sp>
+        <p:nvSpPr>
+          <p:cNvPr id="16" name="TextBox 15">
+            <a:extLst>
+              <a:ext uri="{FF2B5EF4-FFF2-40B4-BE49-F238E27FC236}">
+                <a16:creationId xmlns:a16="http://schemas.microsoft.com/office/drawing/2014/main" id="{16E2299F-1D61-B735-E502-D6A50F640BEB}"/>
+              </a:ext>
+            </a:extLst>
+          </p:cNvPr>
+          <p:cNvSpPr txBox="1"/>
+          <p:nvPr/>
+        </p:nvSpPr>
+        <p:spPr>
+          <a:xfrm>
+            <a:off x="138223" y="3934047"/>
+            <a:ext cx="4338084" cy="369332"/>
+          </a:xfrm>
+          <a:prstGeom prst="rect">
+            <a:avLst/>
+          </a:prstGeom>
+          <a:noFill/>
+        </p:spPr>
+        <p:txBody>
+          <a:bodyPr wrap="square" rtlCol="0">
+            <a:spAutoFit/>
+          </a:bodyPr>
+          <a:lstStyle/>
+          <a:p>
+            <a:r>
+              <a:rPr lang="en-US" dirty="0"/>
+              <a:t>Asynchronous Calls  across Microservices</a:t>
+            </a:r>
+          </a:p>
+        </p:txBody>
+      </p:sp>
+      <p:sp>
+        <p:nvSpPr>
+          <p:cNvPr id="6" name="Rectangle 5">
+            <a:extLst>
+              <a:ext uri="{FF2B5EF4-FFF2-40B4-BE49-F238E27FC236}">
+                <a16:creationId xmlns:a16="http://schemas.microsoft.com/office/drawing/2014/main" id="{6C6DC44A-BCD4-3B16-340A-D05F583F27FD}"/>
+              </a:ext>
+            </a:extLst>
+          </p:cNvPr>
+          <p:cNvSpPr/>
+          <p:nvPr/>
+        </p:nvSpPr>
+        <p:spPr>
+          <a:xfrm>
+            <a:off x="7134447" y="1201479"/>
+            <a:ext cx="3997841" cy="723014"/>
+          </a:xfrm>
+          <a:prstGeom prst="rect">
+            <a:avLst/>
+          </a:prstGeom>
+          <a:solidFill>
+            <a:schemeClr val="accent2"/>
+          </a:solidFill>
+        </p:spPr>
+        <p:style>
+          <a:lnRef idx="2">
+            <a:schemeClr val="accent1">
+              <a:shade val="15000"/>
+            </a:schemeClr>
+          </a:lnRef>
+          <a:fillRef idx="1">
+            <a:schemeClr val="accent1"/>
+          </a:fillRef>
+          <a:effectRef idx="0">
+            <a:schemeClr val="accent1"/>
+          </a:effectRef>
+          <a:fontRef idx="minor">
+            <a:schemeClr val="lt1"/>
+          </a:fontRef>
+        </p:style>
+        <p:txBody>
+          <a:bodyPr rtlCol="0" anchor="ctr"/>
+          <a:lstStyle/>
+          <a:p>
+            <a:pPr algn="ctr"/>
+            <a:endParaRPr lang="en-US"/>
+          </a:p>
+        </p:txBody>
+      </p:sp>
+      <p:sp>
+        <p:nvSpPr>
+          <p:cNvPr id="11" name="Rectangle 10">
+            <a:extLst>
+              <a:ext uri="{FF2B5EF4-FFF2-40B4-BE49-F238E27FC236}">
+                <a16:creationId xmlns:a16="http://schemas.microsoft.com/office/drawing/2014/main" id="{920BA8DD-DCC3-15F0-AB42-AB65DA7B2B1A}"/>
+              </a:ext>
+            </a:extLst>
+          </p:cNvPr>
+          <p:cNvSpPr/>
+          <p:nvPr/>
+        </p:nvSpPr>
+        <p:spPr>
+          <a:xfrm>
+            <a:off x="7666074" y="1201479"/>
+            <a:ext cx="95693" cy="712381"/>
+          </a:xfrm>
+          <a:prstGeom prst="rect">
+            <a:avLst/>
+          </a:prstGeom>
+        </p:spPr>
+        <p:style>
+          <a:lnRef idx="2">
+            <a:schemeClr val="accent1">
+              <a:shade val="15000"/>
+            </a:schemeClr>
+          </a:lnRef>
+          <a:fillRef idx="1">
+            <a:schemeClr val="accent1"/>
+          </a:fillRef>
+          <a:effectRef idx="0">
+            <a:schemeClr val="accent1"/>
+          </a:effectRef>
+          <a:fontRef idx="minor">
+            <a:schemeClr val="lt1"/>
+          </a:fontRef>
+        </p:style>
+        <p:txBody>
+          <a:bodyPr rtlCol="0" anchor="ctr"/>
+          <a:lstStyle/>
+          <a:p>
+            <a:pPr algn="ctr"/>
+            <a:endParaRPr lang="en-US"/>
+          </a:p>
+        </p:txBody>
+      </p:sp>
+      <p:sp>
+        <p:nvSpPr>
+          <p:cNvPr id="13" name="Rectangle 12">
+            <a:extLst>
+              <a:ext uri="{FF2B5EF4-FFF2-40B4-BE49-F238E27FC236}">
+                <a16:creationId xmlns:a16="http://schemas.microsoft.com/office/drawing/2014/main" id="{838CB9BC-A73C-6316-5BF3-74320231D374}"/>
+              </a:ext>
+            </a:extLst>
+          </p:cNvPr>
+          <p:cNvSpPr/>
+          <p:nvPr/>
+        </p:nvSpPr>
+        <p:spPr>
+          <a:xfrm>
+            <a:off x="8293394" y="1201479"/>
+            <a:ext cx="95693" cy="712381"/>
+          </a:xfrm>
+          <a:prstGeom prst="rect">
+            <a:avLst/>
+          </a:prstGeom>
+        </p:spPr>
+        <p:style>
+          <a:lnRef idx="2">
+            <a:schemeClr val="accent1">
+              <a:shade val="15000"/>
+            </a:schemeClr>
+          </a:lnRef>
+          <a:fillRef idx="1">
+            <a:schemeClr val="accent1"/>
+          </a:fillRef>
+          <a:effectRef idx="0">
+            <a:schemeClr val="accent1"/>
+          </a:effectRef>
+          <a:fontRef idx="minor">
+            <a:schemeClr val="lt1"/>
+          </a:fontRef>
+        </p:style>
+        <p:txBody>
+          <a:bodyPr rtlCol="0" anchor="ctr"/>
+          <a:lstStyle/>
+          <a:p>
+            <a:pPr algn="ctr"/>
+            <a:endParaRPr lang="en-US"/>
+          </a:p>
+        </p:txBody>
+      </p:sp>
+      <p:sp>
+        <p:nvSpPr>
+          <p:cNvPr id="17" name="Rectangle 16">
+            <a:extLst>
+              <a:ext uri="{FF2B5EF4-FFF2-40B4-BE49-F238E27FC236}">
+                <a16:creationId xmlns:a16="http://schemas.microsoft.com/office/drawing/2014/main" id="{561025BE-9693-EDE8-4E9D-6BA3A1D02A8C}"/>
+              </a:ext>
+            </a:extLst>
+          </p:cNvPr>
+          <p:cNvSpPr/>
+          <p:nvPr/>
+        </p:nvSpPr>
+        <p:spPr>
+          <a:xfrm>
+            <a:off x="8989828" y="1201479"/>
+            <a:ext cx="95693" cy="712381"/>
+          </a:xfrm>
+          <a:prstGeom prst="rect">
+            <a:avLst/>
+          </a:prstGeom>
+        </p:spPr>
+        <p:style>
+          <a:lnRef idx="2">
+            <a:schemeClr val="accent1">
+              <a:shade val="15000"/>
+            </a:schemeClr>
+          </a:lnRef>
+          <a:fillRef idx="1">
+            <a:schemeClr val="accent1"/>
+          </a:fillRef>
+          <a:effectRef idx="0">
+            <a:schemeClr val="accent1"/>
+          </a:effectRef>
+          <a:fontRef idx="minor">
+            <a:schemeClr val="lt1"/>
+          </a:fontRef>
+        </p:style>
+        <p:txBody>
+          <a:bodyPr rtlCol="0" anchor="ctr"/>
+          <a:lstStyle/>
+          <a:p>
+            <a:pPr algn="ctr"/>
+            <a:endParaRPr lang="en-US"/>
+          </a:p>
+        </p:txBody>
+      </p:sp>
+      <p:sp>
+        <p:nvSpPr>
+          <p:cNvPr id="18" name="Rectangle 17">
+            <a:extLst>
+              <a:ext uri="{FF2B5EF4-FFF2-40B4-BE49-F238E27FC236}">
+                <a16:creationId xmlns:a16="http://schemas.microsoft.com/office/drawing/2014/main" id="{D0A2CD22-A879-634F-4BE1-5DE00A06105B}"/>
+              </a:ext>
+            </a:extLst>
+          </p:cNvPr>
+          <p:cNvSpPr/>
+          <p:nvPr/>
+        </p:nvSpPr>
+        <p:spPr>
+          <a:xfrm>
+            <a:off x="9824484" y="1201479"/>
+            <a:ext cx="95693" cy="712381"/>
+          </a:xfrm>
+          <a:prstGeom prst="rect">
+            <a:avLst/>
+          </a:prstGeom>
+        </p:spPr>
+        <p:style>
+          <a:lnRef idx="2">
+            <a:schemeClr val="accent1">
+              <a:shade val="15000"/>
+            </a:schemeClr>
+          </a:lnRef>
+          <a:fillRef idx="1">
+            <a:schemeClr val="accent1"/>
+          </a:fillRef>
+          <a:effectRef idx="0">
+            <a:schemeClr val="accent1"/>
+          </a:effectRef>
+          <a:fontRef idx="minor">
+            <a:schemeClr val="lt1"/>
+          </a:fontRef>
+        </p:style>
+        <p:txBody>
+          <a:bodyPr rtlCol="0" anchor="ctr"/>
+          <a:lstStyle/>
+          <a:p>
+            <a:pPr algn="ctr"/>
+            <a:endParaRPr lang="en-US"/>
+          </a:p>
+        </p:txBody>
+      </p:sp>
+      <p:sp>
+        <p:nvSpPr>
+          <p:cNvPr id="19" name="Rectangle 18">
+            <a:extLst>
+              <a:ext uri="{FF2B5EF4-FFF2-40B4-BE49-F238E27FC236}">
+                <a16:creationId xmlns:a16="http://schemas.microsoft.com/office/drawing/2014/main" id="{0AFCE860-47AE-1782-589A-D2BAFE2110AD}"/>
+              </a:ext>
+            </a:extLst>
+          </p:cNvPr>
+          <p:cNvSpPr/>
+          <p:nvPr/>
+        </p:nvSpPr>
+        <p:spPr>
+          <a:xfrm>
+            <a:off x="10425225" y="1201479"/>
+            <a:ext cx="95693" cy="712381"/>
+          </a:xfrm>
+          <a:prstGeom prst="rect">
+            <a:avLst/>
+          </a:prstGeom>
+        </p:spPr>
+        <p:style>
+          <a:lnRef idx="2">
+            <a:schemeClr val="accent1">
+              <a:shade val="15000"/>
+            </a:schemeClr>
+          </a:lnRef>
+          <a:fillRef idx="1">
+            <a:schemeClr val="accent1"/>
+          </a:fillRef>
+          <a:effectRef idx="0">
+            <a:schemeClr val="accent1"/>
+          </a:effectRef>
+          <a:fontRef idx="minor">
+            <a:schemeClr val="lt1"/>
+          </a:fontRef>
+        </p:style>
+        <p:txBody>
+          <a:bodyPr rtlCol="0" anchor="ctr"/>
+          <a:lstStyle/>
+          <a:p>
+            <a:pPr algn="ctr"/>
+            <a:endParaRPr lang="en-US"/>
+          </a:p>
+        </p:txBody>
+      </p:sp>
+      <p:sp>
+        <p:nvSpPr>
+          <p:cNvPr id="20" name="TextBox 19">
+            <a:extLst>
+              <a:ext uri="{FF2B5EF4-FFF2-40B4-BE49-F238E27FC236}">
+                <a16:creationId xmlns:a16="http://schemas.microsoft.com/office/drawing/2014/main" id="{58D88D6C-80ED-3CAE-C876-26BCEEEAFC2D}"/>
+              </a:ext>
+            </a:extLst>
+          </p:cNvPr>
+          <p:cNvSpPr txBox="1"/>
+          <p:nvPr/>
+        </p:nvSpPr>
+        <p:spPr>
+          <a:xfrm>
+            <a:off x="6679907" y="49572"/>
+            <a:ext cx="4525038" cy="1200329"/>
+          </a:xfrm>
+          <a:prstGeom prst="rect">
+            <a:avLst/>
+          </a:prstGeom>
+          <a:noFill/>
+        </p:spPr>
+        <p:txBody>
+          <a:bodyPr wrap="square" rtlCol="0">
+            <a:spAutoFit/>
+          </a:bodyPr>
+          <a:lstStyle/>
+          <a:p>
+            <a:pPr algn="ctr"/>
+            <a:r>
+              <a:rPr lang="en-US" b="1" dirty="0"/>
+              <a:t>Messaging Service</a:t>
+            </a:r>
+          </a:p>
+          <a:p>
+            <a:pPr algn="ctr"/>
+            <a:r>
+              <a:rPr lang="en-US" b="1" dirty="0"/>
+              <a:t>RabbitMQ</a:t>
+            </a:r>
+          </a:p>
+          <a:p>
+            <a:pPr algn="ctr"/>
+            <a:r>
+              <a:rPr lang="en-US" b="1" dirty="0"/>
+              <a:t>Azure Service Bus</a:t>
+            </a:r>
+          </a:p>
+          <a:p>
+            <a:pPr algn="ctr"/>
+            <a:r>
+              <a:rPr lang="en-US" b="1" dirty="0"/>
+              <a:t>SQS, Kafka</a:t>
+            </a:r>
+          </a:p>
+        </p:txBody>
+      </p:sp>
+      <p:cxnSp>
+        <p:nvCxnSpPr>
+          <p:cNvPr id="22" name="Elbow Connector 21">
+            <a:extLst>
+              <a:ext uri="{FF2B5EF4-FFF2-40B4-BE49-F238E27FC236}">
+                <a16:creationId xmlns:a16="http://schemas.microsoft.com/office/drawing/2014/main" id="{1A392B03-FF89-0468-86D5-BF8C4BFE0F35}"/>
+              </a:ext>
+            </a:extLst>
+          </p:cNvPr>
+          <p:cNvCxnSpPr>
+            <a:stCxn id="2" idx="3"/>
+            <a:endCxn id="6" idx="1"/>
+          </p:cNvCxnSpPr>
+          <p:nvPr/>
+        </p:nvCxnSpPr>
+        <p:spPr>
+          <a:xfrm flipV="1">
+            <a:off x="5699050" y="1562986"/>
+            <a:ext cx="1435397" cy="457200"/>
+          </a:xfrm>
+          <a:prstGeom prst="bentConnector3">
+            <a:avLst/>
+          </a:prstGeom>
+          <a:ln>
+            <a:tailEnd type="triangle"/>
+          </a:ln>
+        </p:spPr>
+        <p:style>
+          <a:lnRef idx="1">
+            <a:schemeClr val="accent1"/>
+          </a:lnRef>
+          <a:fillRef idx="0">
+            <a:schemeClr val="accent1"/>
+          </a:fillRef>
+          <a:effectRef idx="0">
+            <a:schemeClr val="accent1"/>
+          </a:effectRef>
+          <a:fontRef idx="minor">
+            <a:schemeClr val="tx1"/>
+          </a:fontRef>
+        </p:style>
+      </p:cxnSp>
+      <p:sp>
+        <p:nvSpPr>
+          <p:cNvPr id="23" name="TextBox 22">
+            <a:extLst>
+              <a:ext uri="{FF2B5EF4-FFF2-40B4-BE49-F238E27FC236}">
+                <a16:creationId xmlns:a16="http://schemas.microsoft.com/office/drawing/2014/main" id="{ADDB4703-06D9-6208-510F-8B94B6DFBE64}"/>
+              </a:ext>
+            </a:extLst>
+          </p:cNvPr>
+          <p:cNvSpPr txBox="1"/>
+          <p:nvPr/>
+        </p:nvSpPr>
+        <p:spPr>
+          <a:xfrm>
+            <a:off x="5932967" y="2307265"/>
+            <a:ext cx="1956391" cy="646331"/>
+          </a:xfrm>
+          <a:prstGeom prst="rect">
+            <a:avLst/>
+          </a:prstGeom>
+          <a:noFill/>
+        </p:spPr>
+        <p:txBody>
+          <a:bodyPr wrap="square" rtlCol="0">
+            <a:spAutoFit/>
+          </a:bodyPr>
+          <a:lstStyle/>
+          <a:p>
+            <a:r>
+              <a:rPr lang="en-US" dirty="0"/>
+              <a:t>Writes data in Messaging Service</a:t>
+            </a:r>
+          </a:p>
+        </p:txBody>
+      </p:sp>
+      <p:cxnSp>
+        <p:nvCxnSpPr>
+          <p:cNvPr id="25" name="Elbow Connector 24">
+            <a:extLst>
+              <a:ext uri="{FF2B5EF4-FFF2-40B4-BE49-F238E27FC236}">
+                <a16:creationId xmlns:a16="http://schemas.microsoft.com/office/drawing/2014/main" id="{A1C98DDA-F67C-F2F5-0D85-4D87ED36D94F}"/>
+              </a:ext>
+            </a:extLst>
+          </p:cNvPr>
+          <p:cNvCxnSpPr>
+            <a:stCxn id="3" idx="3"/>
+            <a:endCxn id="6" idx="3"/>
+          </p:cNvCxnSpPr>
+          <p:nvPr/>
+        </p:nvCxnSpPr>
+        <p:spPr>
+          <a:xfrm flipH="1" flipV="1">
+            <a:off x="11132288" y="1562986"/>
+            <a:ext cx="109869" cy="3519377"/>
+          </a:xfrm>
+          <a:prstGeom prst="bentConnector3">
+            <a:avLst>
+              <a:gd name="adj1" fmla="val -208066"/>
+            </a:avLst>
+          </a:prstGeom>
+          <a:ln>
+            <a:tailEnd type="triangle"/>
+          </a:ln>
+        </p:spPr>
+        <p:style>
+          <a:lnRef idx="1">
+            <a:schemeClr val="accent1"/>
+          </a:lnRef>
+          <a:fillRef idx="0">
+            <a:schemeClr val="accent1"/>
+          </a:fillRef>
+          <a:effectRef idx="0">
+            <a:schemeClr val="accent1"/>
+          </a:effectRef>
+          <a:fontRef idx="minor">
+            <a:schemeClr val="tx1"/>
+          </a:fontRef>
+        </p:style>
+      </p:cxnSp>
+      <p:sp>
+        <p:nvSpPr>
+          <p:cNvPr id="26" name="TextBox 25">
+            <a:extLst>
+              <a:ext uri="{FF2B5EF4-FFF2-40B4-BE49-F238E27FC236}">
+                <a16:creationId xmlns:a16="http://schemas.microsoft.com/office/drawing/2014/main" id="{864D1AB3-40E6-B1BF-9E64-B637D2249846}"/>
+              </a:ext>
+            </a:extLst>
+          </p:cNvPr>
+          <p:cNvSpPr txBox="1"/>
+          <p:nvPr/>
+        </p:nvSpPr>
+        <p:spPr>
+          <a:xfrm>
+            <a:off x="10015870" y="2630430"/>
+            <a:ext cx="2176130" cy="646331"/>
+          </a:xfrm>
+          <a:prstGeom prst="rect">
+            <a:avLst/>
+          </a:prstGeom>
+          <a:noFill/>
+        </p:spPr>
+        <p:txBody>
+          <a:bodyPr wrap="square" rtlCol="0">
+            <a:spAutoFit/>
+          </a:bodyPr>
+          <a:lstStyle/>
+          <a:p>
+            <a:r>
+              <a:rPr lang="en-US" dirty="0"/>
+              <a:t>Subscription of the Messaging Service</a:t>
+            </a:r>
+          </a:p>
+        </p:txBody>
+      </p:sp>
+      <p:cxnSp>
+        <p:nvCxnSpPr>
+          <p:cNvPr id="28" name="Elbow Connector 27">
+            <a:extLst>
+              <a:ext uri="{FF2B5EF4-FFF2-40B4-BE49-F238E27FC236}">
+                <a16:creationId xmlns:a16="http://schemas.microsoft.com/office/drawing/2014/main" id="{3AF75C14-289D-9471-5F1E-E45391C878EE}"/>
+              </a:ext>
+            </a:extLst>
+          </p:cNvPr>
+          <p:cNvCxnSpPr>
+            <a:stCxn id="6" idx="2"/>
+            <a:endCxn id="3" idx="0"/>
+          </p:cNvCxnSpPr>
+          <p:nvPr/>
+        </p:nvCxnSpPr>
+        <p:spPr>
+          <a:xfrm rot="16200000" flipH="1">
+            <a:off x="8760342" y="2297518"/>
+            <a:ext cx="1850065" cy="1104013"/>
+          </a:xfrm>
+          <a:prstGeom prst="bentConnector3">
+            <a:avLst>
+              <a:gd name="adj1" fmla="val 78736"/>
+            </a:avLst>
+          </a:prstGeom>
+          <a:ln>
+            <a:tailEnd type="triangle"/>
+          </a:ln>
+        </p:spPr>
+        <p:style>
+          <a:lnRef idx="1">
+            <a:schemeClr val="accent1"/>
+          </a:lnRef>
+          <a:fillRef idx="0">
+            <a:schemeClr val="accent1"/>
+          </a:fillRef>
+          <a:effectRef idx="0">
+            <a:schemeClr val="accent1"/>
+          </a:effectRef>
+          <a:fontRef idx="minor">
+            <a:schemeClr val="tx1"/>
+          </a:fontRef>
+        </p:style>
+      </p:cxnSp>
+      <p:sp>
+        <p:nvSpPr>
+          <p:cNvPr id="30" name="TextBox 29">
+            <a:extLst>
+              <a:ext uri="{FF2B5EF4-FFF2-40B4-BE49-F238E27FC236}">
+                <a16:creationId xmlns:a16="http://schemas.microsoft.com/office/drawing/2014/main" id="{110B9304-1562-5936-38A6-F17C7E9BC310}"/>
+              </a:ext>
+            </a:extLst>
+          </p:cNvPr>
+          <p:cNvSpPr txBox="1"/>
+          <p:nvPr/>
+        </p:nvSpPr>
+        <p:spPr>
+          <a:xfrm>
+            <a:off x="8202133" y="2307265"/>
+            <a:ext cx="1354765" cy="923330"/>
+          </a:xfrm>
+          <a:prstGeom prst="rect">
+            <a:avLst/>
+          </a:prstGeom>
+          <a:noFill/>
+        </p:spPr>
+        <p:txBody>
+          <a:bodyPr wrap="square" rtlCol="0">
+            <a:spAutoFit/>
+          </a:bodyPr>
+          <a:lstStyle/>
+          <a:p>
+            <a:r>
+              <a:rPr lang="en-US" dirty="0"/>
+              <a:t>Read data from Messaging</a:t>
+            </a:r>
+          </a:p>
+        </p:txBody>
+      </p:sp>
+    </p:spTree>
+    <p:extLst>
+      <p:ext uri="{BB962C8B-B14F-4D97-AF65-F5344CB8AC3E}">
+        <p14:creationId xmlns:p14="http://schemas.microsoft.com/office/powerpoint/2010/main" val="1248006632"/>
+      </p:ext>
+    </p:extLst>
+  </p:cSld>
+  <p:clrMapOvr>
+    <a:masterClrMapping/>
+  </p:clrMapOvr>
+</p:sld>
+</file>
+
+<file path=ppt/slides/slide43.xml><?xml version="1.0" encoding="utf-8"?>
+<p:sld xmlns:a="http://schemas.openxmlformats.org/drawingml/2006/main" xmlns:r="http://schemas.openxmlformats.org/officeDocument/2006/relationships" xmlns:p="http://schemas.openxmlformats.org/presentationml/2006/main">
+  <p:cSld>
+    <p:spTree>
+      <p:nvGrpSpPr>
+        <p:cNvPr id="1" name=""/>
+        <p:cNvGrpSpPr/>
+        <p:nvPr/>
+      </p:nvGrpSpPr>
+      <p:grpSpPr>
+        <a:xfrm>
+          <a:off x="0" y="0"/>
+          <a:ext cx="0" cy="0"/>
+          <a:chOff x="0" y="0"/>
+          <a:chExt cx="0" cy="0"/>
+        </a:xfrm>
+      </p:grpSpPr>
+      <p:sp>
+        <p:nvSpPr>
+          <p:cNvPr id="2" name="TextBox 1">
+            <a:extLst>
+              <a:ext uri="{FF2B5EF4-FFF2-40B4-BE49-F238E27FC236}">
+                <a16:creationId xmlns:a16="http://schemas.microsoft.com/office/drawing/2014/main" id="{C8472A97-ABCE-A082-3A06-50C3DF920400}"/>
+              </a:ext>
+            </a:extLst>
+          </p:cNvPr>
+          <p:cNvSpPr txBox="1"/>
+          <p:nvPr/>
+        </p:nvSpPr>
+        <p:spPr>
+          <a:xfrm>
+            <a:off x="127591" y="85060"/>
+            <a:ext cx="2923953" cy="369332"/>
+          </a:xfrm>
+          <a:prstGeom prst="rect">
+            <a:avLst/>
+          </a:prstGeom>
+          <a:noFill/>
+        </p:spPr>
+        <p:txBody>
+          <a:bodyPr wrap="square" rtlCol="0">
+            <a:spAutoFit/>
+          </a:bodyPr>
+          <a:lstStyle/>
+          <a:p>
+            <a:pPr algn="ctr"/>
+            <a:r>
+              <a:rPr lang="en-US" b="1" dirty="0"/>
+              <a:t>API Gateway</a:t>
+            </a:r>
+          </a:p>
+        </p:txBody>
+      </p:sp>
+      <p:sp>
+        <p:nvSpPr>
+          <p:cNvPr id="3" name="Rectangle 2">
+            <a:extLst>
+              <a:ext uri="{FF2B5EF4-FFF2-40B4-BE49-F238E27FC236}">
+                <a16:creationId xmlns:a16="http://schemas.microsoft.com/office/drawing/2014/main" id="{3C1AFF3C-6F9D-2984-E8A4-1DD35B647391}"/>
+              </a:ext>
+            </a:extLst>
+          </p:cNvPr>
+          <p:cNvSpPr/>
+          <p:nvPr/>
+        </p:nvSpPr>
+        <p:spPr>
+          <a:xfrm>
+            <a:off x="8038214" y="776178"/>
+            <a:ext cx="1573618" cy="1105786"/>
+          </a:xfrm>
+          <a:prstGeom prst="rect">
+            <a:avLst/>
+          </a:prstGeom>
+        </p:spPr>
+        <p:style>
+          <a:lnRef idx="2">
+            <a:schemeClr val="accent1">
+              <a:shade val="15000"/>
+            </a:schemeClr>
+          </a:lnRef>
+          <a:fillRef idx="1">
+            <a:schemeClr val="accent1"/>
+          </a:fillRef>
+          <a:effectRef idx="0">
+            <a:schemeClr val="accent1"/>
+          </a:effectRef>
+          <a:fontRef idx="minor">
+            <a:schemeClr val="lt1"/>
+          </a:fontRef>
+        </p:style>
+        <p:txBody>
+          <a:bodyPr rtlCol="0" anchor="ctr"/>
+          <a:lstStyle/>
+          <a:p>
+            <a:pPr algn="ctr"/>
+            <a:r>
+              <a:rPr lang="en-US" dirty="0"/>
+              <a:t>Service 1</a:t>
+            </a:r>
+          </a:p>
+        </p:txBody>
+      </p:sp>
+      <p:sp>
+        <p:nvSpPr>
+          <p:cNvPr id="4" name="Rectangle 3">
+            <a:extLst>
+              <a:ext uri="{FF2B5EF4-FFF2-40B4-BE49-F238E27FC236}">
+                <a16:creationId xmlns:a16="http://schemas.microsoft.com/office/drawing/2014/main" id="{A78C5088-7446-0764-3A5A-60BAD114ED61}"/>
+              </a:ext>
+            </a:extLst>
+          </p:cNvPr>
+          <p:cNvSpPr/>
+          <p:nvPr/>
+        </p:nvSpPr>
+        <p:spPr>
+          <a:xfrm>
+            <a:off x="8038214" y="3040914"/>
+            <a:ext cx="1573618" cy="1105786"/>
+          </a:xfrm>
+          <a:prstGeom prst="rect">
+            <a:avLst/>
+          </a:prstGeom>
+        </p:spPr>
+        <p:style>
+          <a:lnRef idx="2">
+            <a:schemeClr val="accent1">
+              <a:shade val="15000"/>
+            </a:schemeClr>
+          </a:lnRef>
+          <a:fillRef idx="1">
+            <a:schemeClr val="accent1"/>
+          </a:fillRef>
+          <a:effectRef idx="0">
+            <a:schemeClr val="accent1"/>
+          </a:effectRef>
+          <a:fontRef idx="minor">
+            <a:schemeClr val="lt1"/>
+          </a:fontRef>
+        </p:style>
+        <p:txBody>
+          <a:bodyPr rtlCol="0" anchor="ctr"/>
+          <a:lstStyle/>
+          <a:p>
+            <a:pPr algn="ctr"/>
+            <a:r>
+              <a:rPr lang="en-US" dirty="0"/>
+              <a:t>Service 2</a:t>
+            </a:r>
+          </a:p>
+        </p:txBody>
+      </p:sp>
+      <p:sp>
+        <p:nvSpPr>
+          <p:cNvPr id="5" name="Rectangle 4">
+            <a:extLst>
+              <a:ext uri="{FF2B5EF4-FFF2-40B4-BE49-F238E27FC236}">
+                <a16:creationId xmlns:a16="http://schemas.microsoft.com/office/drawing/2014/main" id="{398DD0F3-9BE8-9F67-E83C-8F3F896B6CE6}"/>
+              </a:ext>
+            </a:extLst>
+          </p:cNvPr>
+          <p:cNvSpPr/>
+          <p:nvPr/>
+        </p:nvSpPr>
+        <p:spPr>
+          <a:xfrm>
+            <a:off x="8038214" y="5345368"/>
+            <a:ext cx="1573618" cy="1105786"/>
+          </a:xfrm>
+          <a:prstGeom prst="rect">
+            <a:avLst/>
+          </a:prstGeom>
+        </p:spPr>
+        <p:style>
+          <a:lnRef idx="2">
+            <a:schemeClr val="accent1">
+              <a:shade val="15000"/>
+            </a:schemeClr>
+          </a:lnRef>
+          <a:fillRef idx="1">
+            <a:schemeClr val="accent1"/>
+          </a:fillRef>
+          <a:effectRef idx="0">
+            <a:schemeClr val="accent1"/>
+          </a:effectRef>
+          <a:fontRef idx="minor">
+            <a:schemeClr val="lt1"/>
+          </a:fontRef>
+        </p:style>
+        <p:txBody>
+          <a:bodyPr rtlCol="0" anchor="ctr"/>
+          <a:lstStyle/>
+          <a:p>
+            <a:pPr algn="ctr"/>
+            <a:r>
+              <a:rPr lang="en-US" dirty="0"/>
+              <a:t>Service 3</a:t>
+            </a:r>
+          </a:p>
+        </p:txBody>
+      </p:sp>
+      <p:sp>
+        <p:nvSpPr>
+          <p:cNvPr id="6" name="TextBox 5">
+            <a:extLst>
+              <a:ext uri="{FF2B5EF4-FFF2-40B4-BE49-F238E27FC236}">
+                <a16:creationId xmlns:a16="http://schemas.microsoft.com/office/drawing/2014/main" id="{EE60C47E-6D3F-5DA5-79F1-A0D27CBE295D}"/>
+              </a:ext>
+            </a:extLst>
+          </p:cNvPr>
+          <p:cNvSpPr txBox="1"/>
+          <p:nvPr/>
+        </p:nvSpPr>
+        <p:spPr>
+          <a:xfrm>
+            <a:off x="7565065" y="454392"/>
+            <a:ext cx="2519916" cy="369332"/>
+          </a:xfrm>
+          <a:prstGeom prst="rect">
+            <a:avLst/>
+          </a:prstGeom>
+          <a:noFill/>
+        </p:spPr>
+        <p:txBody>
+          <a:bodyPr wrap="square" rtlCol="0">
+            <a:spAutoFit/>
+          </a:bodyPr>
+          <a:lstStyle/>
+          <a:p>
+            <a:r>
+              <a:rPr lang="en-US" dirty="0"/>
+              <a:t>http://localhost:7001</a:t>
+            </a:r>
+          </a:p>
+        </p:txBody>
+      </p:sp>
+      <p:sp>
+        <p:nvSpPr>
+          <p:cNvPr id="7" name="TextBox 6">
+            <a:extLst>
+              <a:ext uri="{FF2B5EF4-FFF2-40B4-BE49-F238E27FC236}">
+                <a16:creationId xmlns:a16="http://schemas.microsoft.com/office/drawing/2014/main" id="{EA23D50A-2AC3-B0DE-57F4-8B914A552AC3}"/>
+              </a:ext>
+            </a:extLst>
+          </p:cNvPr>
+          <p:cNvSpPr txBox="1"/>
+          <p:nvPr/>
+        </p:nvSpPr>
+        <p:spPr>
+          <a:xfrm>
+            <a:off x="7565065" y="2624543"/>
+            <a:ext cx="2519916" cy="369332"/>
+          </a:xfrm>
+          <a:prstGeom prst="rect">
+            <a:avLst/>
+          </a:prstGeom>
+          <a:noFill/>
+        </p:spPr>
+        <p:txBody>
+          <a:bodyPr wrap="square" rtlCol="0">
+            <a:spAutoFit/>
+          </a:bodyPr>
+          <a:lstStyle/>
+          <a:p>
+            <a:r>
+              <a:rPr lang="en-US" dirty="0"/>
+              <a:t>http://localhost:7002</a:t>
+            </a:r>
+          </a:p>
+        </p:txBody>
+      </p:sp>
+      <p:sp>
+        <p:nvSpPr>
+          <p:cNvPr id="8" name="TextBox 7">
+            <a:extLst>
+              <a:ext uri="{FF2B5EF4-FFF2-40B4-BE49-F238E27FC236}">
+                <a16:creationId xmlns:a16="http://schemas.microsoft.com/office/drawing/2014/main" id="{B2F16C52-6F32-1228-4EAA-2FF85CB591ED}"/>
+              </a:ext>
+            </a:extLst>
+          </p:cNvPr>
+          <p:cNvSpPr txBox="1"/>
+          <p:nvPr/>
+        </p:nvSpPr>
+        <p:spPr>
+          <a:xfrm>
+            <a:off x="7565065" y="4892085"/>
+            <a:ext cx="2519916" cy="369332"/>
+          </a:xfrm>
+          <a:prstGeom prst="rect">
+            <a:avLst/>
+          </a:prstGeom>
+          <a:noFill/>
+        </p:spPr>
+        <p:txBody>
+          <a:bodyPr wrap="square" rtlCol="0">
+            <a:spAutoFit/>
+          </a:bodyPr>
+          <a:lstStyle/>
+          <a:p>
+            <a:r>
+              <a:rPr lang="en-US" dirty="0"/>
+              <a:t>http://localhost:7003</a:t>
+            </a:r>
+          </a:p>
+        </p:txBody>
+      </p:sp>
+      <p:sp>
+        <p:nvSpPr>
+          <p:cNvPr id="9" name="Rectangle 8">
+            <a:extLst>
+              <a:ext uri="{FF2B5EF4-FFF2-40B4-BE49-F238E27FC236}">
+                <a16:creationId xmlns:a16="http://schemas.microsoft.com/office/drawing/2014/main" id="{0CEF6BB0-F018-C2D7-DFAC-848D71AC9BD6}"/>
+              </a:ext>
+            </a:extLst>
+          </p:cNvPr>
+          <p:cNvSpPr/>
+          <p:nvPr/>
+        </p:nvSpPr>
+        <p:spPr>
+          <a:xfrm>
+            <a:off x="4235303" y="1881964"/>
+            <a:ext cx="1573618" cy="2721934"/>
+          </a:xfrm>
+          <a:prstGeom prst="rect">
+            <a:avLst/>
+          </a:prstGeom>
+        </p:spPr>
+        <p:style>
+          <a:lnRef idx="2">
+            <a:schemeClr val="accent1">
+              <a:shade val="15000"/>
+            </a:schemeClr>
+          </a:lnRef>
+          <a:fillRef idx="1">
+            <a:schemeClr val="accent1"/>
+          </a:fillRef>
+          <a:effectRef idx="0">
+            <a:schemeClr val="accent1"/>
+          </a:effectRef>
+          <a:fontRef idx="minor">
+            <a:schemeClr val="lt1"/>
+          </a:fontRef>
+        </p:style>
+        <p:txBody>
+          <a:bodyPr rtlCol="0" anchor="ctr"/>
+          <a:lstStyle/>
+          <a:p>
+            <a:pPr algn="ctr"/>
+            <a:r>
+              <a:rPr lang="en-US" dirty="0"/>
+              <a:t>API</a:t>
+            </a:r>
+          </a:p>
+          <a:p>
+            <a:pPr algn="ctr"/>
+            <a:r>
+              <a:rPr lang="en-US" dirty="0"/>
+              <a:t>Gateway</a:t>
+            </a:r>
+          </a:p>
+        </p:txBody>
+      </p:sp>
+      <p:graphicFrame>
+        <p:nvGraphicFramePr>
+          <p:cNvPr id="10" name="Table 10">
+            <a:extLst>
+              <a:ext uri="{FF2B5EF4-FFF2-40B4-BE49-F238E27FC236}">
+                <a16:creationId xmlns:a16="http://schemas.microsoft.com/office/drawing/2014/main" id="{2FCCD4F6-0145-1439-944F-9DE3AA949ECD}"/>
+              </a:ext>
+            </a:extLst>
+          </p:cNvPr>
+          <p:cNvGraphicFramePr>
+            <a:graphicFrameLocks noGrp="1"/>
+          </p:cNvGraphicFramePr>
+          <p:nvPr>
+            <p:extLst>
+              <p:ext uri="{D42A27DB-BD31-4B8C-83A1-F6EECF244321}">
+                <p14:modId xmlns:p14="http://schemas.microsoft.com/office/powerpoint/2010/main" val="3832291201"/>
+              </p:ext>
+            </p:extLst>
+          </p:nvPr>
+        </p:nvGraphicFramePr>
+        <p:xfrm>
+          <a:off x="1690576" y="4974528"/>
+          <a:ext cx="5741582" cy="1478280"/>
+        </p:xfrm>
+        <a:graphic>
+          <a:graphicData uri="http://schemas.openxmlformats.org/drawingml/2006/table">
+            <a:tbl>
+              <a:tblPr firstRow="1" bandRow="1">
+                <a:tableStyleId>{5C22544A-7EE6-4342-B048-85BDC9FD1C3A}</a:tableStyleId>
+              </a:tblPr>
+              <a:tblGrid>
+                <a:gridCol w="2870791">
+                  <a:extLst>
+                    <a:ext uri="{9D8B030D-6E8A-4147-A177-3AD203B41FA5}">
+                      <a16:colId xmlns:a16="http://schemas.microsoft.com/office/drawing/2014/main" val="4052742262"/>
+                    </a:ext>
+                  </a:extLst>
+                </a:gridCol>
+                <a:gridCol w="2870791">
+                  <a:extLst>
+                    <a:ext uri="{9D8B030D-6E8A-4147-A177-3AD203B41FA5}">
+                      <a16:colId xmlns:a16="http://schemas.microsoft.com/office/drawing/2014/main" val="700648249"/>
+                    </a:ext>
+                  </a:extLst>
+                </a:gridCol>
+              </a:tblGrid>
+              <a:tr h="370840">
+                <a:tc>
+                  <a:txBody>
+                    <a:bodyPr/>
+                    <a:lstStyle/>
+                    <a:p>
+                      <a:r>
+                        <a:rPr lang="en-US" dirty="0"/>
+                        <a:t>URL</a:t>
+                      </a:r>
+                    </a:p>
+                  </a:txBody>
+                  <a:tcPr/>
+                </a:tc>
+                <a:tc>
+                  <a:txBody>
+                    <a:bodyPr/>
+                    <a:lstStyle/>
+                    <a:p>
+                      <a:r>
+                        <a:rPr lang="en-US" dirty="0"/>
+                        <a:t>Actual HOST</a:t>
+                      </a:r>
+                    </a:p>
+                  </a:txBody>
+                  <a:tcPr/>
+                </a:tc>
+                <a:extLst>
+                  <a:ext uri="{0D108BD9-81ED-4DB2-BD59-A6C34878D82A}">
+                    <a16:rowId xmlns:a16="http://schemas.microsoft.com/office/drawing/2014/main" val="1482810021"/>
+                  </a:ext>
+                </a:extLst>
+              </a:tr>
+              <a:tr h="0">
+                <a:tc>
+                  <a:txBody>
+                    <a:bodyPr/>
+                    <a:lstStyle/>
+                    <a:p>
+                      <a:pPr marL="0" marR="0" lvl="0" indent="0" algn="l" defTabSz="914400" rtl="0" eaLnBrk="1" fontAlgn="auto" latinLnBrk="0" hangingPunct="1">
+                        <a:lnSpc>
+                          <a:spcPct val="100000"/>
+                        </a:lnSpc>
+                        <a:spcBef>
+                          <a:spcPts val="0"/>
+                        </a:spcBef>
+                        <a:spcAft>
+                          <a:spcPts val="0"/>
+                        </a:spcAft>
+                        <a:buClrTx/>
+                        <a:buSzTx/>
+                        <a:buFontTx/>
+                        <a:buNone/>
+                        <a:tabLst/>
+                        <a:defRPr/>
+                      </a:pPr>
+                      <a:r>
+                        <a:rPr lang="en-US" dirty="0"/>
+                        <a:t>http://localhost:7000/s1</a:t>
+                      </a:r>
+                    </a:p>
+                  </a:txBody>
+                  <a:tcPr/>
+                </a:tc>
+                <a:tc>
+                  <a:txBody>
+                    <a:bodyPr/>
+                    <a:lstStyle/>
+                    <a:p>
+                      <a:pPr marL="0" marR="0" lvl="0" indent="0" algn="l" defTabSz="914400" rtl="0" eaLnBrk="1" fontAlgn="auto" latinLnBrk="0" hangingPunct="1">
+                        <a:lnSpc>
+                          <a:spcPct val="100000"/>
+                        </a:lnSpc>
+                        <a:spcBef>
+                          <a:spcPts val="0"/>
+                        </a:spcBef>
+                        <a:spcAft>
+                          <a:spcPts val="0"/>
+                        </a:spcAft>
+                        <a:buClrTx/>
+                        <a:buSzTx/>
+                        <a:buFontTx/>
+                        <a:buNone/>
+                        <a:tabLst/>
+                        <a:defRPr/>
+                      </a:pPr>
+                      <a:r>
+                        <a:rPr lang="en-US" dirty="0"/>
+                        <a:t>http://localhost:7001</a:t>
+                      </a:r>
+                    </a:p>
+                  </a:txBody>
+                  <a:tcPr/>
+                </a:tc>
+                <a:extLst>
+                  <a:ext uri="{0D108BD9-81ED-4DB2-BD59-A6C34878D82A}">
+                    <a16:rowId xmlns:a16="http://schemas.microsoft.com/office/drawing/2014/main" val="943727255"/>
+                  </a:ext>
+                </a:extLst>
+              </a:tr>
+              <a:tr h="370840">
+                <a:tc>
+                  <a:txBody>
+                    <a:bodyPr/>
+                    <a:lstStyle/>
+                    <a:p>
+                      <a:pPr marL="0" marR="0" lvl="0" indent="0" algn="l" defTabSz="914400" rtl="0" eaLnBrk="1" fontAlgn="auto" latinLnBrk="0" hangingPunct="1">
+                        <a:lnSpc>
+                          <a:spcPct val="100000"/>
+                        </a:lnSpc>
+                        <a:spcBef>
+                          <a:spcPts val="0"/>
+                        </a:spcBef>
+                        <a:spcAft>
+                          <a:spcPts val="0"/>
+                        </a:spcAft>
+                        <a:buClrTx/>
+                        <a:buSzTx/>
+                        <a:buFontTx/>
+                        <a:buNone/>
+                        <a:tabLst/>
+                        <a:defRPr/>
+                      </a:pPr>
+                      <a:r>
+                        <a:rPr lang="en-US" dirty="0"/>
+                        <a:t>http://localhost:7000/s2</a:t>
+                      </a:r>
+                    </a:p>
+                  </a:txBody>
+                  <a:tcPr/>
+                </a:tc>
+                <a:tc>
+                  <a:txBody>
+                    <a:bodyPr/>
+                    <a:lstStyle/>
+                    <a:p>
+                      <a:pPr marL="0" marR="0" lvl="0" indent="0" algn="l" defTabSz="914400" rtl="0" eaLnBrk="1" fontAlgn="auto" latinLnBrk="0" hangingPunct="1">
+                        <a:lnSpc>
+                          <a:spcPct val="100000"/>
+                        </a:lnSpc>
+                        <a:spcBef>
+                          <a:spcPts val="0"/>
+                        </a:spcBef>
+                        <a:spcAft>
+                          <a:spcPts val="0"/>
+                        </a:spcAft>
+                        <a:buClrTx/>
+                        <a:buSzTx/>
+                        <a:buFontTx/>
+                        <a:buNone/>
+                        <a:tabLst/>
+                        <a:defRPr/>
+                      </a:pPr>
+                      <a:r>
+                        <a:rPr lang="en-US" dirty="0">
+                          <a:hlinkClick r:id="rId2"/>
+                        </a:rPr>
+                        <a:t>http://localhost:7002</a:t>
+                      </a:r>
+                      <a:endParaRPr lang="en-US" dirty="0"/>
+                    </a:p>
+                  </a:txBody>
+                  <a:tcPr/>
+                </a:tc>
+                <a:extLst>
+                  <a:ext uri="{0D108BD9-81ED-4DB2-BD59-A6C34878D82A}">
+                    <a16:rowId xmlns:a16="http://schemas.microsoft.com/office/drawing/2014/main" val="3984722073"/>
+                  </a:ext>
+                </a:extLst>
+              </a:tr>
+              <a:tr h="370840">
+                <a:tc>
+                  <a:txBody>
+                    <a:bodyPr/>
+                    <a:lstStyle/>
+                    <a:p>
+                      <a:pPr marL="0" marR="0" lvl="0" indent="0" algn="l" defTabSz="914400" rtl="0" eaLnBrk="1" fontAlgn="auto" latinLnBrk="0" hangingPunct="1">
+                        <a:lnSpc>
+                          <a:spcPct val="100000"/>
+                        </a:lnSpc>
+                        <a:spcBef>
+                          <a:spcPts val="0"/>
+                        </a:spcBef>
+                        <a:spcAft>
+                          <a:spcPts val="0"/>
+                        </a:spcAft>
+                        <a:buClrTx/>
+                        <a:buSzTx/>
+                        <a:buFontTx/>
+                        <a:buNone/>
+                        <a:tabLst/>
+                        <a:defRPr/>
+                      </a:pPr>
+                      <a:r>
+                        <a:rPr lang="en-US" dirty="0"/>
+                        <a:t>http://localhost:7000/s2</a:t>
+                      </a:r>
+                    </a:p>
+                  </a:txBody>
+                  <a:tcPr/>
+                </a:tc>
+                <a:tc>
+                  <a:txBody>
+                    <a:bodyPr/>
+                    <a:lstStyle/>
+                    <a:p>
+                      <a:pPr marL="0" marR="0" lvl="0" indent="0" algn="l" defTabSz="914400" rtl="0" eaLnBrk="1" fontAlgn="auto" latinLnBrk="0" hangingPunct="1">
+                        <a:lnSpc>
+                          <a:spcPct val="100000"/>
+                        </a:lnSpc>
+                        <a:spcBef>
+                          <a:spcPts val="0"/>
+                        </a:spcBef>
+                        <a:spcAft>
+                          <a:spcPts val="0"/>
+                        </a:spcAft>
+                        <a:buClrTx/>
+                        <a:buSzTx/>
+                        <a:buFontTx/>
+                        <a:buNone/>
+                        <a:tabLst/>
+                        <a:defRPr/>
+                      </a:pPr>
+                      <a:r>
+                        <a:rPr lang="en-US" dirty="0">
+                          <a:hlinkClick r:id="rId2"/>
+                        </a:rPr>
+                        <a:t>http://localhost:700</a:t>
+                      </a:r>
+                      <a:r>
+                        <a:rPr lang="en-US" dirty="0"/>
+                        <a:t>3</a:t>
+                      </a:r>
+                    </a:p>
+                  </a:txBody>
+                  <a:tcPr/>
+                </a:tc>
+                <a:extLst>
+                  <a:ext uri="{0D108BD9-81ED-4DB2-BD59-A6C34878D82A}">
+                    <a16:rowId xmlns:a16="http://schemas.microsoft.com/office/drawing/2014/main" val="562640541"/>
+                  </a:ext>
+                </a:extLst>
+              </a:tr>
+            </a:tbl>
+          </a:graphicData>
+        </a:graphic>
+      </p:graphicFrame>
+      <p:sp>
+        <p:nvSpPr>
+          <p:cNvPr id="11" name="TextBox 10">
+            <a:extLst>
+              <a:ext uri="{FF2B5EF4-FFF2-40B4-BE49-F238E27FC236}">
+                <a16:creationId xmlns:a16="http://schemas.microsoft.com/office/drawing/2014/main" id="{1F3CCFEE-4C3C-FD15-FFCF-67FBA914C30E}"/>
+              </a:ext>
+            </a:extLst>
+          </p:cNvPr>
+          <p:cNvSpPr txBox="1"/>
+          <p:nvPr/>
+        </p:nvSpPr>
+        <p:spPr>
+          <a:xfrm>
+            <a:off x="3762154" y="1511334"/>
+            <a:ext cx="2519916" cy="369332"/>
+          </a:xfrm>
+          <a:prstGeom prst="rect">
+            <a:avLst/>
+          </a:prstGeom>
+          <a:noFill/>
+        </p:spPr>
+        <p:txBody>
+          <a:bodyPr wrap="square" rtlCol="0">
+            <a:spAutoFit/>
+          </a:bodyPr>
+          <a:lstStyle/>
+          <a:p>
+            <a:r>
+              <a:rPr lang="en-US" dirty="0"/>
+              <a:t>http://localhost:7000</a:t>
+            </a:r>
+          </a:p>
+        </p:txBody>
+      </p:sp>
+      <p:cxnSp>
+        <p:nvCxnSpPr>
+          <p:cNvPr id="13" name="Elbow Connector 12">
+            <a:extLst>
+              <a:ext uri="{FF2B5EF4-FFF2-40B4-BE49-F238E27FC236}">
+                <a16:creationId xmlns:a16="http://schemas.microsoft.com/office/drawing/2014/main" id="{BDC50D9F-5B02-F7E7-589B-D351AF6EB652}"/>
+              </a:ext>
+            </a:extLst>
+          </p:cNvPr>
+          <p:cNvCxnSpPr>
+            <a:cxnSpLocks/>
+            <a:stCxn id="10" idx="0"/>
+            <a:endCxn id="9" idx="2"/>
+          </p:cNvCxnSpPr>
+          <p:nvPr/>
+        </p:nvCxnSpPr>
+        <p:spPr>
+          <a:xfrm rot="5400000" flipH="1" flipV="1">
+            <a:off x="4606424" y="4558841"/>
+            <a:ext cx="370630" cy="460745"/>
+          </a:xfrm>
+          <a:prstGeom prst="bentConnector3">
+            <a:avLst>
+              <a:gd name="adj1" fmla="val 50000"/>
+            </a:avLst>
+          </a:prstGeom>
+          <a:ln>
+            <a:tailEnd type="triangle"/>
+          </a:ln>
+        </p:spPr>
+        <p:style>
+          <a:lnRef idx="1">
+            <a:schemeClr val="accent1"/>
+          </a:lnRef>
+          <a:fillRef idx="0">
+            <a:schemeClr val="accent1"/>
+          </a:fillRef>
+          <a:effectRef idx="0">
+            <a:schemeClr val="accent1"/>
+          </a:effectRef>
+          <a:fontRef idx="minor">
+            <a:schemeClr val="tx1"/>
+          </a:fontRef>
+        </p:style>
+      </p:cxnSp>
+      <p:sp>
+        <p:nvSpPr>
+          <p:cNvPr id="15" name="Right Arrow 14">
+            <a:extLst>
+              <a:ext uri="{FF2B5EF4-FFF2-40B4-BE49-F238E27FC236}">
+                <a16:creationId xmlns:a16="http://schemas.microsoft.com/office/drawing/2014/main" id="{CBCB67A6-6DE7-89BF-B677-33C15A86D85B}"/>
+              </a:ext>
+            </a:extLst>
+          </p:cNvPr>
+          <p:cNvSpPr/>
+          <p:nvPr/>
+        </p:nvSpPr>
+        <p:spPr>
+          <a:xfrm>
+            <a:off x="361507" y="2743200"/>
+            <a:ext cx="3873796" cy="685800"/>
+          </a:xfrm>
+          <a:prstGeom prst="rightArrow">
+            <a:avLst/>
+          </a:prstGeom>
+        </p:spPr>
+        <p:style>
+          <a:lnRef idx="2">
+            <a:schemeClr val="accent1">
+              <a:shade val="15000"/>
+            </a:schemeClr>
+          </a:lnRef>
+          <a:fillRef idx="1">
+            <a:schemeClr val="accent1"/>
+          </a:fillRef>
+          <a:effectRef idx="0">
+            <a:schemeClr val="accent1"/>
+          </a:effectRef>
+          <a:fontRef idx="minor">
+            <a:schemeClr val="lt1"/>
+          </a:fontRef>
+        </p:style>
+        <p:txBody>
+          <a:bodyPr rtlCol="0" anchor="ctr"/>
+          <a:lstStyle/>
+          <a:p>
+            <a:pPr algn="ctr"/>
+            <a:r>
+              <a:rPr lang="en-US" dirty="0"/>
+              <a:t>http://localhost:7000/s1</a:t>
+            </a:r>
+          </a:p>
+        </p:txBody>
+      </p:sp>
+      <p:cxnSp>
+        <p:nvCxnSpPr>
+          <p:cNvPr id="19" name="Elbow Connector 18">
+            <a:extLst>
+              <a:ext uri="{FF2B5EF4-FFF2-40B4-BE49-F238E27FC236}">
+                <a16:creationId xmlns:a16="http://schemas.microsoft.com/office/drawing/2014/main" id="{AABF7447-269A-6744-F2E0-085B8F572D86}"/>
+              </a:ext>
+            </a:extLst>
+          </p:cNvPr>
+          <p:cNvCxnSpPr>
+            <a:stCxn id="9" idx="3"/>
+            <a:endCxn id="3" idx="1"/>
+          </p:cNvCxnSpPr>
+          <p:nvPr/>
+        </p:nvCxnSpPr>
+        <p:spPr>
+          <a:xfrm flipV="1">
+            <a:off x="5808921" y="1329071"/>
+            <a:ext cx="2229293" cy="1913860"/>
+          </a:xfrm>
+          <a:prstGeom prst="bentConnector3">
+            <a:avLst/>
+          </a:prstGeom>
+          <a:ln>
+            <a:headEnd type="triangle"/>
+            <a:tailEnd type="triangle"/>
+          </a:ln>
+        </p:spPr>
+        <p:style>
+          <a:lnRef idx="1">
+            <a:schemeClr val="accent1"/>
+          </a:lnRef>
+          <a:fillRef idx="0">
+            <a:schemeClr val="accent1"/>
+          </a:fillRef>
+          <a:effectRef idx="0">
+            <a:schemeClr val="accent1"/>
+          </a:effectRef>
+          <a:fontRef idx="minor">
+            <a:schemeClr val="tx1"/>
+          </a:fontRef>
+        </p:style>
+      </p:cxnSp>
+      <p:cxnSp>
+        <p:nvCxnSpPr>
+          <p:cNvPr id="21" name="Elbow Connector 20">
+            <a:extLst>
+              <a:ext uri="{FF2B5EF4-FFF2-40B4-BE49-F238E27FC236}">
+                <a16:creationId xmlns:a16="http://schemas.microsoft.com/office/drawing/2014/main" id="{6A366B0B-B210-BCDA-8665-477D5ED11136}"/>
+              </a:ext>
+            </a:extLst>
+          </p:cNvPr>
+          <p:cNvCxnSpPr>
+            <a:stCxn id="9" idx="3"/>
+            <a:endCxn id="4" idx="1"/>
+          </p:cNvCxnSpPr>
+          <p:nvPr/>
+        </p:nvCxnSpPr>
+        <p:spPr>
+          <a:xfrm>
+            <a:off x="5808921" y="3242931"/>
+            <a:ext cx="2229293" cy="350876"/>
+          </a:xfrm>
+          <a:prstGeom prst="bentConnector3">
+            <a:avLst/>
+          </a:prstGeom>
+          <a:ln>
+            <a:headEnd type="triangle"/>
+            <a:tailEnd type="triangle"/>
+          </a:ln>
+        </p:spPr>
+        <p:style>
+          <a:lnRef idx="1">
+            <a:schemeClr val="accent1"/>
+          </a:lnRef>
+          <a:fillRef idx="0">
+            <a:schemeClr val="accent1"/>
+          </a:fillRef>
+          <a:effectRef idx="0">
+            <a:schemeClr val="accent1"/>
+          </a:effectRef>
+          <a:fontRef idx="minor">
+            <a:schemeClr val="tx1"/>
+          </a:fontRef>
+        </p:style>
+      </p:cxnSp>
+      <p:cxnSp>
+        <p:nvCxnSpPr>
+          <p:cNvPr id="23" name="Elbow Connector 22">
+            <a:extLst>
+              <a:ext uri="{FF2B5EF4-FFF2-40B4-BE49-F238E27FC236}">
+                <a16:creationId xmlns:a16="http://schemas.microsoft.com/office/drawing/2014/main" id="{90DBB7EF-746C-3DD8-5042-BA136A0E5A89}"/>
+              </a:ext>
+            </a:extLst>
+          </p:cNvPr>
+          <p:cNvCxnSpPr>
+            <a:stCxn id="9" idx="3"/>
+            <a:endCxn id="5" idx="1"/>
+          </p:cNvCxnSpPr>
+          <p:nvPr/>
+        </p:nvCxnSpPr>
+        <p:spPr>
+          <a:xfrm>
+            <a:off x="5808921" y="3242931"/>
+            <a:ext cx="2229293" cy="2655330"/>
+          </a:xfrm>
+          <a:prstGeom prst="bentConnector3">
+            <a:avLst>
+              <a:gd name="adj1" fmla="val 77663"/>
+            </a:avLst>
+          </a:prstGeom>
+          <a:ln>
+            <a:headEnd type="triangle"/>
+            <a:tailEnd type="triangle"/>
+          </a:ln>
+        </p:spPr>
+        <p:style>
+          <a:lnRef idx="1">
+            <a:schemeClr val="accent1"/>
+          </a:lnRef>
+          <a:fillRef idx="0">
+            <a:schemeClr val="accent1"/>
+          </a:fillRef>
+          <a:effectRef idx="0">
+            <a:schemeClr val="accent1"/>
+          </a:effectRef>
+          <a:fontRef idx="minor">
+            <a:schemeClr val="tx1"/>
+          </a:fontRef>
+        </p:style>
+      </p:cxnSp>
+    </p:spTree>
+    <p:extLst>
+      <p:ext uri="{BB962C8B-B14F-4D97-AF65-F5344CB8AC3E}">
+        <p14:creationId xmlns:p14="http://schemas.microsoft.com/office/powerpoint/2010/main" val="3977682205"/>
+      </p:ext>
+    </p:extLst>
+  </p:cSld>
+  <p:clrMapOvr>
+    <a:masterClrMapping/>
+  </p:clrMapOvr>
+</p:sld>
+</file>
+
+<file path=ppt/slides/slide44.xml><?xml version="1.0" encoding="utf-8"?>
+<p:sld xmlns:a="http://schemas.openxmlformats.org/drawingml/2006/main" xmlns:r="http://schemas.openxmlformats.org/officeDocument/2006/relationships" xmlns:p="http://schemas.openxmlformats.org/presentationml/2006/main">
+  <p:cSld>
+    <p:spTree>
+      <p:nvGrpSpPr>
+        <p:cNvPr id="1" name=""/>
+        <p:cNvGrpSpPr/>
+        <p:nvPr/>
+      </p:nvGrpSpPr>
+      <p:grpSpPr>
+        <a:xfrm>
+          <a:off x="0" y="0"/>
+          <a:ext cx="0" cy="0"/>
+          <a:chOff x="0" y="0"/>
+          <a:chExt cx="0" cy="0"/>
+        </a:xfrm>
+      </p:grpSpPr>
+      <p:sp>
+        <p:nvSpPr>
+          <p:cNvPr id="2" name="Rectangle 1">
+            <a:extLst>
+              <a:ext uri="{FF2B5EF4-FFF2-40B4-BE49-F238E27FC236}">
+                <a16:creationId xmlns:a16="http://schemas.microsoft.com/office/drawing/2014/main" id="{26D483A6-FB97-0A9C-9D05-3065A2CE297A}"/>
+              </a:ext>
+            </a:extLst>
+          </p:cNvPr>
+          <p:cNvSpPr/>
+          <p:nvPr/>
+        </p:nvSpPr>
+        <p:spPr>
+          <a:xfrm>
+            <a:off x="7751135" y="563526"/>
+            <a:ext cx="2604977" cy="5358809"/>
+          </a:xfrm>
+          <a:prstGeom prst="rect">
+            <a:avLst/>
+          </a:prstGeom>
+        </p:spPr>
+        <p:style>
+          <a:lnRef idx="2">
+            <a:schemeClr val="accent6"/>
+          </a:lnRef>
+          <a:fillRef idx="1">
+            <a:schemeClr val="lt1"/>
+          </a:fillRef>
+          <a:effectRef idx="0">
+            <a:schemeClr val="accent6"/>
+          </a:effectRef>
+          <a:fontRef idx="minor">
+            <a:schemeClr val="dk1"/>
+          </a:fontRef>
+        </p:style>
+        <p:txBody>
+          <a:bodyPr rtlCol="0" anchor="ctr"/>
+          <a:lstStyle/>
+          <a:p>
+            <a:pPr algn="ctr"/>
+            <a:endParaRPr lang="en-US"/>
+          </a:p>
+        </p:txBody>
+      </p:sp>
+      <p:sp>
+        <p:nvSpPr>
+          <p:cNvPr id="3" name="TextBox 2">
+            <a:extLst>
+              <a:ext uri="{FF2B5EF4-FFF2-40B4-BE49-F238E27FC236}">
+                <a16:creationId xmlns:a16="http://schemas.microsoft.com/office/drawing/2014/main" id="{13452446-1AFA-39C3-7700-E359A6049698}"/>
+              </a:ext>
+            </a:extLst>
+          </p:cNvPr>
+          <p:cNvSpPr txBox="1"/>
+          <p:nvPr/>
+        </p:nvSpPr>
+        <p:spPr>
+          <a:xfrm>
+            <a:off x="7889358" y="701749"/>
+            <a:ext cx="2360428" cy="369332"/>
+          </a:xfrm>
+          <a:prstGeom prst="rect">
+            <a:avLst/>
+          </a:prstGeom>
+          <a:noFill/>
+        </p:spPr>
+        <p:txBody>
+          <a:bodyPr wrap="square" rtlCol="0">
+            <a:spAutoFit/>
+          </a:bodyPr>
+          <a:lstStyle/>
+          <a:p>
+            <a:pPr algn="ctr"/>
+            <a:r>
+              <a:rPr lang="en-US" dirty="0"/>
+              <a:t>Hosting Env</a:t>
+            </a:r>
+          </a:p>
+        </p:txBody>
+      </p:sp>
+      <p:sp>
+        <p:nvSpPr>
+          <p:cNvPr id="4" name="Rectangle 3">
+            <a:extLst>
+              <a:ext uri="{FF2B5EF4-FFF2-40B4-BE49-F238E27FC236}">
+                <a16:creationId xmlns:a16="http://schemas.microsoft.com/office/drawing/2014/main" id="{3DF9AEDA-0916-B942-552C-4C4017203E66}"/>
+              </a:ext>
+            </a:extLst>
+          </p:cNvPr>
+          <p:cNvSpPr/>
+          <p:nvPr/>
+        </p:nvSpPr>
+        <p:spPr>
+          <a:xfrm>
+            <a:off x="7868093" y="1648047"/>
+            <a:ext cx="2381693" cy="1780953"/>
+          </a:xfrm>
+          <a:prstGeom prst="rect">
+            <a:avLst/>
+          </a:prstGeom>
+        </p:spPr>
+        <p:style>
+          <a:lnRef idx="2">
+            <a:schemeClr val="accent1">
+              <a:shade val="15000"/>
+            </a:schemeClr>
+          </a:lnRef>
+          <a:fillRef idx="1">
+            <a:schemeClr val="accent1"/>
+          </a:fillRef>
+          <a:effectRef idx="0">
+            <a:schemeClr val="accent1"/>
+          </a:effectRef>
+          <a:fontRef idx="minor">
+            <a:schemeClr val="lt1"/>
+          </a:fontRef>
+        </p:style>
+        <p:txBody>
+          <a:bodyPr rtlCol="0" anchor="ctr"/>
+          <a:lstStyle/>
+          <a:p>
+            <a:pPr algn="ctr"/>
+            <a:r>
+              <a:rPr lang="en-US" dirty="0"/>
+              <a:t>API Service</a:t>
+            </a:r>
+          </a:p>
+        </p:txBody>
+      </p:sp>
+      <p:sp>
+        <p:nvSpPr>
+          <p:cNvPr id="5" name="Right Arrow 4">
+            <a:extLst>
+              <a:ext uri="{FF2B5EF4-FFF2-40B4-BE49-F238E27FC236}">
+                <a16:creationId xmlns:a16="http://schemas.microsoft.com/office/drawing/2014/main" id="{BC4E41F3-C898-5C1A-1855-2FDE77563012}"/>
+              </a:ext>
+            </a:extLst>
+          </p:cNvPr>
+          <p:cNvSpPr/>
+          <p:nvPr/>
+        </p:nvSpPr>
+        <p:spPr>
+          <a:xfrm>
+            <a:off x="3391786" y="1254642"/>
+            <a:ext cx="4359349" cy="861237"/>
+          </a:xfrm>
+          <a:prstGeom prst="rightArrow">
+            <a:avLst/>
+          </a:prstGeom>
+        </p:spPr>
+        <p:style>
+          <a:lnRef idx="2">
+            <a:schemeClr val="accent1">
+              <a:shade val="15000"/>
+            </a:schemeClr>
+          </a:lnRef>
+          <a:fillRef idx="1">
+            <a:schemeClr val="accent1"/>
+          </a:fillRef>
+          <a:effectRef idx="0">
+            <a:schemeClr val="accent1"/>
+          </a:effectRef>
+          <a:fontRef idx="minor">
+            <a:schemeClr val="lt1"/>
+          </a:fontRef>
+        </p:style>
+        <p:txBody>
+          <a:bodyPr rtlCol="0" anchor="ctr"/>
+          <a:lstStyle/>
+          <a:p>
+            <a:pPr algn="ctr"/>
+            <a:r>
+              <a:rPr lang="en-US" dirty="0" err="1"/>
+              <a:t>UserName:Password</a:t>
+            </a:r>
+            <a:r>
+              <a:rPr lang="en-US" dirty="0"/>
+              <a:t> in Request Headers</a:t>
+            </a:r>
+          </a:p>
+        </p:txBody>
+      </p:sp>
+      <p:sp>
+        <p:nvSpPr>
+          <p:cNvPr id="6" name="Can 5">
+            <a:extLst>
+              <a:ext uri="{FF2B5EF4-FFF2-40B4-BE49-F238E27FC236}">
+                <a16:creationId xmlns:a16="http://schemas.microsoft.com/office/drawing/2014/main" id="{F8EC9276-9499-021C-05C4-197ECDBA06D4}"/>
+              </a:ext>
+            </a:extLst>
+          </p:cNvPr>
+          <p:cNvSpPr/>
+          <p:nvPr/>
+        </p:nvSpPr>
+        <p:spPr>
+          <a:xfrm>
+            <a:off x="10632558" y="2254102"/>
+            <a:ext cx="1190847" cy="1084521"/>
+          </a:xfrm>
+          <a:prstGeom prst="can">
+            <a:avLst/>
+          </a:prstGeom>
+        </p:spPr>
+        <p:style>
+          <a:lnRef idx="2">
+            <a:schemeClr val="accent1">
+              <a:shade val="15000"/>
+            </a:schemeClr>
+          </a:lnRef>
+          <a:fillRef idx="1">
+            <a:schemeClr val="accent1"/>
+          </a:fillRef>
+          <a:effectRef idx="0">
+            <a:schemeClr val="accent1"/>
+          </a:effectRef>
+          <a:fontRef idx="minor">
+            <a:schemeClr val="lt1"/>
+          </a:fontRef>
+        </p:style>
+        <p:txBody>
+          <a:bodyPr rtlCol="0" anchor="ctr"/>
+          <a:lstStyle/>
+          <a:p>
+            <a:pPr algn="ctr"/>
+            <a:r>
+              <a:rPr lang="en-US" dirty="0"/>
+              <a:t>Users Table</a:t>
+            </a:r>
+          </a:p>
+        </p:txBody>
+      </p:sp>
+      <p:cxnSp>
+        <p:nvCxnSpPr>
+          <p:cNvPr id="8" name="Elbow Connector 7">
+            <a:extLst>
+              <a:ext uri="{FF2B5EF4-FFF2-40B4-BE49-F238E27FC236}">
+                <a16:creationId xmlns:a16="http://schemas.microsoft.com/office/drawing/2014/main" id="{856CF971-2F12-79EC-D7D3-2AFB7478F79C}"/>
+              </a:ext>
+            </a:extLst>
+          </p:cNvPr>
+          <p:cNvCxnSpPr>
+            <a:stCxn id="4" idx="3"/>
+            <a:endCxn id="6" idx="2"/>
+          </p:cNvCxnSpPr>
+          <p:nvPr/>
+        </p:nvCxnSpPr>
+        <p:spPr>
+          <a:xfrm>
+            <a:off x="10249786" y="2538524"/>
+            <a:ext cx="382772" cy="257839"/>
+          </a:xfrm>
+          <a:prstGeom prst="bentConnector3">
+            <a:avLst/>
+          </a:prstGeom>
+          <a:ln>
+            <a:headEnd type="triangle"/>
+            <a:tailEnd type="triangle"/>
+          </a:ln>
+        </p:spPr>
+        <p:style>
+          <a:lnRef idx="1">
+            <a:schemeClr val="accent1"/>
+          </a:lnRef>
+          <a:fillRef idx="0">
+            <a:schemeClr val="accent1"/>
+          </a:fillRef>
+          <a:effectRef idx="0">
+            <a:schemeClr val="accent1"/>
+          </a:effectRef>
+          <a:fontRef idx="minor">
+            <a:schemeClr val="tx1"/>
+          </a:fontRef>
+        </p:style>
+      </p:cxnSp>
+      <p:sp>
+        <p:nvSpPr>
+          <p:cNvPr id="9" name="Rectangle 8">
+            <a:extLst>
+              <a:ext uri="{FF2B5EF4-FFF2-40B4-BE49-F238E27FC236}">
+                <a16:creationId xmlns:a16="http://schemas.microsoft.com/office/drawing/2014/main" id="{A7353977-E9A9-3AE1-07C7-CF0F394C5941}"/>
+              </a:ext>
+            </a:extLst>
+          </p:cNvPr>
+          <p:cNvSpPr/>
+          <p:nvPr/>
+        </p:nvSpPr>
+        <p:spPr>
+          <a:xfrm>
+            <a:off x="116959" y="1573619"/>
+            <a:ext cx="2392326" cy="1765004"/>
+          </a:xfrm>
+          <a:prstGeom prst="rect">
+            <a:avLst/>
+          </a:prstGeom>
+        </p:spPr>
+        <p:style>
+          <a:lnRef idx="2">
+            <a:schemeClr val="accent1">
+              <a:shade val="15000"/>
+            </a:schemeClr>
+          </a:lnRef>
+          <a:fillRef idx="1">
+            <a:schemeClr val="accent1"/>
+          </a:fillRef>
+          <a:effectRef idx="0">
+            <a:schemeClr val="accent1"/>
+          </a:effectRef>
+          <a:fontRef idx="minor">
+            <a:schemeClr val="lt1"/>
+          </a:fontRef>
+        </p:style>
+        <p:txBody>
+          <a:bodyPr rtlCol="0" anchor="ctr"/>
+          <a:lstStyle/>
+          <a:p>
+            <a:pPr algn="ctr"/>
+            <a:r>
+              <a:rPr lang="en-US" dirty="0"/>
+              <a:t>Browser aka JS Client</a:t>
+            </a:r>
+          </a:p>
+          <a:p>
+            <a:pPr algn="ctr"/>
+            <a:r>
+              <a:rPr lang="en-US" dirty="0"/>
+              <a:t>PURE Browser clients like Blazor</a:t>
+            </a:r>
+          </a:p>
+        </p:txBody>
+      </p:sp>
+      <p:cxnSp>
+        <p:nvCxnSpPr>
+          <p:cNvPr id="11" name="Elbow Connector 10">
+            <a:extLst>
+              <a:ext uri="{FF2B5EF4-FFF2-40B4-BE49-F238E27FC236}">
+                <a16:creationId xmlns:a16="http://schemas.microsoft.com/office/drawing/2014/main" id="{DC818133-9758-1102-5235-5A18DE088003}"/>
+              </a:ext>
+            </a:extLst>
+          </p:cNvPr>
+          <p:cNvCxnSpPr>
+            <a:endCxn id="5" idx="1"/>
+          </p:cNvCxnSpPr>
+          <p:nvPr/>
+        </p:nvCxnSpPr>
+        <p:spPr>
+          <a:xfrm flipV="1">
+            <a:off x="2573079" y="1685261"/>
+            <a:ext cx="818707" cy="717697"/>
+          </a:xfrm>
+          <a:prstGeom prst="bentConnector3">
+            <a:avLst/>
+          </a:prstGeom>
+          <a:ln>
+            <a:tailEnd type="triangle"/>
+          </a:ln>
+        </p:spPr>
+        <p:style>
+          <a:lnRef idx="1">
+            <a:schemeClr val="accent1"/>
+          </a:lnRef>
+          <a:fillRef idx="0">
+            <a:schemeClr val="accent1"/>
+          </a:fillRef>
+          <a:effectRef idx="0">
+            <a:schemeClr val="accent1"/>
+          </a:effectRef>
+          <a:fontRef idx="minor">
+            <a:schemeClr val="tx1"/>
+          </a:fontRef>
+        </p:style>
+      </p:cxnSp>
+      <p:sp>
+        <p:nvSpPr>
+          <p:cNvPr id="12" name="Left Arrow 11">
+            <a:extLst>
+              <a:ext uri="{FF2B5EF4-FFF2-40B4-BE49-F238E27FC236}">
+                <a16:creationId xmlns:a16="http://schemas.microsoft.com/office/drawing/2014/main" id="{ED8DF478-19AA-BD92-8567-547AFABF8002}"/>
+              </a:ext>
+            </a:extLst>
+          </p:cNvPr>
+          <p:cNvSpPr/>
+          <p:nvPr/>
+        </p:nvSpPr>
+        <p:spPr>
+          <a:xfrm>
+            <a:off x="2509285" y="2667443"/>
+            <a:ext cx="5358808" cy="671180"/>
+          </a:xfrm>
+          <a:prstGeom prst="leftArrow">
+            <a:avLst/>
+          </a:prstGeom>
+        </p:spPr>
+        <p:style>
+          <a:lnRef idx="2">
+            <a:schemeClr val="accent1">
+              <a:shade val="15000"/>
+            </a:schemeClr>
+          </a:lnRef>
+          <a:fillRef idx="1">
+            <a:schemeClr val="accent1"/>
+          </a:fillRef>
+          <a:effectRef idx="0">
+            <a:schemeClr val="accent1"/>
+          </a:effectRef>
+          <a:fontRef idx="minor">
+            <a:schemeClr val="lt1"/>
+          </a:fontRef>
+        </p:style>
+        <p:txBody>
+          <a:bodyPr rtlCol="0" anchor="ctr"/>
+          <a:lstStyle/>
+          <a:p>
+            <a:pPr algn="ctr"/>
+            <a:r>
+              <a:rPr lang="en-US" dirty="0"/>
+              <a:t>Response</a:t>
+            </a:r>
+          </a:p>
+        </p:txBody>
+      </p:sp>
+      <p:sp>
+        <p:nvSpPr>
+          <p:cNvPr id="13" name="Rectangle 12">
+            <a:extLst>
+              <a:ext uri="{FF2B5EF4-FFF2-40B4-BE49-F238E27FC236}">
+                <a16:creationId xmlns:a16="http://schemas.microsoft.com/office/drawing/2014/main" id="{44A9E375-2175-71F3-8F39-9DDDB9BF7648}"/>
+              </a:ext>
+            </a:extLst>
+          </p:cNvPr>
+          <p:cNvSpPr/>
+          <p:nvPr/>
+        </p:nvSpPr>
+        <p:spPr>
+          <a:xfrm>
+            <a:off x="340241" y="3873663"/>
+            <a:ext cx="7304568" cy="329609"/>
+          </a:xfrm>
+          <a:prstGeom prst="rect">
+            <a:avLst/>
+          </a:prstGeom>
+          <a:ln>
+            <a:prstDash val="dash"/>
+          </a:ln>
+        </p:spPr>
+        <p:style>
+          <a:lnRef idx="2">
+            <a:schemeClr val="accent6"/>
+          </a:lnRef>
+          <a:fillRef idx="1">
+            <a:schemeClr val="lt1"/>
+          </a:fillRef>
+          <a:effectRef idx="0">
+            <a:schemeClr val="accent6"/>
+          </a:effectRef>
+          <a:fontRef idx="minor">
+            <a:schemeClr val="dk1"/>
+          </a:fontRef>
+        </p:style>
+        <p:txBody>
+          <a:bodyPr rtlCol="0" anchor="ctr"/>
+          <a:lstStyle/>
+          <a:p>
+            <a:pPr algn="ctr"/>
+            <a:r>
+              <a:rPr lang="en-US" dirty="0"/>
+              <a:t>State Less Communication </a:t>
+            </a:r>
+          </a:p>
+        </p:txBody>
+      </p:sp>
+      <p:sp>
+        <p:nvSpPr>
+          <p:cNvPr id="14" name="TextBox 13">
+            <a:extLst>
+              <a:ext uri="{FF2B5EF4-FFF2-40B4-BE49-F238E27FC236}">
+                <a16:creationId xmlns:a16="http://schemas.microsoft.com/office/drawing/2014/main" id="{52F013AC-7887-E45B-F56B-F77303E25543}"/>
+              </a:ext>
+            </a:extLst>
+          </p:cNvPr>
+          <p:cNvSpPr txBox="1"/>
+          <p:nvPr/>
+        </p:nvSpPr>
+        <p:spPr>
+          <a:xfrm>
+            <a:off x="7889358" y="3603108"/>
+            <a:ext cx="2360428" cy="1200329"/>
+          </a:xfrm>
+          <a:prstGeom prst="rect">
+            <a:avLst/>
+          </a:prstGeom>
+          <a:noFill/>
+        </p:spPr>
+        <p:txBody>
+          <a:bodyPr wrap="square" rtlCol="0">
+            <a:spAutoFit/>
+          </a:bodyPr>
+          <a:lstStyle/>
+          <a:p>
+            <a:pPr algn="ctr"/>
+            <a:r>
+              <a:rPr lang="en-US" dirty="0"/>
+              <a:t>API Does not stored the User’s Session because they are stateless</a:t>
+            </a:r>
+          </a:p>
+        </p:txBody>
+      </p:sp>
+    </p:spTree>
+    <p:extLst>
+      <p:ext uri="{BB962C8B-B14F-4D97-AF65-F5344CB8AC3E}">
+        <p14:creationId xmlns:p14="http://schemas.microsoft.com/office/powerpoint/2010/main" val="1706666292"/>
+      </p:ext>
+    </p:extLst>
+  </p:cSld>
+  <p:clrMapOvr>
+    <a:masterClrMapping/>
+  </p:clrMapOvr>
+</p:sld>
+</file>
+
+<file path=ppt/slides/slide45.xml><?xml version="1.0" encoding="utf-8"?>
+<p:sld xmlns:a="http://schemas.openxmlformats.org/drawingml/2006/main" xmlns:r="http://schemas.openxmlformats.org/officeDocument/2006/relationships" xmlns:p="http://schemas.openxmlformats.org/presentationml/2006/main">
+  <p:cSld>
+    <p:spTree>
+      <p:nvGrpSpPr>
+        <p:cNvPr id="1" name=""/>
+        <p:cNvGrpSpPr/>
+        <p:nvPr/>
+      </p:nvGrpSpPr>
+      <p:grpSpPr>
+        <a:xfrm>
+          <a:off x="0" y="0"/>
+          <a:ext cx="0" cy="0"/>
+          <a:chOff x="0" y="0"/>
+          <a:chExt cx="0" cy="0"/>
+        </a:xfrm>
+      </p:grpSpPr>
+      <p:sp>
+        <p:nvSpPr>
+          <p:cNvPr id="2" name="Rectangle 1">
+            <a:extLst>
+              <a:ext uri="{FF2B5EF4-FFF2-40B4-BE49-F238E27FC236}">
+                <a16:creationId xmlns:a16="http://schemas.microsoft.com/office/drawing/2014/main" id="{BD0602DB-5643-3A76-B156-8ED52DD79267}"/>
+              </a:ext>
+            </a:extLst>
+          </p:cNvPr>
+          <p:cNvSpPr/>
+          <p:nvPr/>
+        </p:nvSpPr>
+        <p:spPr>
+          <a:xfrm>
+            <a:off x="9229060" y="255181"/>
+            <a:ext cx="2286000" cy="6496493"/>
+          </a:xfrm>
+          <a:prstGeom prst="rect">
+            <a:avLst/>
+          </a:prstGeom>
+        </p:spPr>
+        <p:style>
+          <a:lnRef idx="2">
+            <a:schemeClr val="accent6"/>
+          </a:lnRef>
+          <a:fillRef idx="1">
+            <a:schemeClr val="lt1"/>
+          </a:fillRef>
+          <a:effectRef idx="0">
+            <a:schemeClr val="accent6"/>
+          </a:effectRef>
+          <a:fontRef idx="minor">
+            <a:schemeClr val="dk1"/>
+          </a:fontRef>
+        </p:style>
+        <p:txBody>
+          <a:bodyPr rtlCol="0" anchor="ctr"/>
+          <a:lstStyle/>
+          <a:p>
+            <a:pPr algn="ctr"/>
+            <a:endParaRPr lang="en-US" b="1" dirty="0"/>
+          </a:p>
+          <a:p>
+            <a:pPr algn="ctr"/>
+            <a:endParaRPr lang="en-US" b="1" dirty="0"/>
+          </a:p>
+          <a:p>
+            <a:pPr algn="ctr"/>
+            <a:endParaRPr lang="en-US" b="1" dirty="0"/>
+          </a:p>
+          <a:p>
+            <a:pPr algn="ctr"/>
+            <a:endParaRPr lang="en-US" b="1" dirty="0"/>
+          </a:p>
+          <a:p>
+            <a:pPr algn="ctr"/>
+            <a:endParaRPr lang="en-US" b="1" dirty="0"/>
+          </a:p>
+          <a:p>
+            <a:pPr algn="ctr"/>
+            <a:endParaRPr lang="en-US" b="1" dirty="0"/>
+          </a:p>
+          <a:p>
+            <a:pPr algn="ctr"/>
+            <a:endParaRPr lang="en-US" b="1" dirty="0"/>
+          </a:p>
+          <a:p>
+            <a:pPr algn="ctr"/>
+            <a:endParaRPr lang="en-US" b="1" dirty="0"/>
+          </a:p>
+          <a:p>
+            <a:pPr algn="ctr"/>
+            <a:endParaRPr lang="en-US" b="1" dirty="0"/>
+          </a:p>
+          <a:p>
+            <a:pPr algn="ctr"/>
+            <a:endParaRPr lang="en-US" b="1" dirty="0"/>
+          </a:p>
+          <a:p>
+            <a:pPr algn="ctr"/>
+            <a:endParaRPr lang="en-US" b="1" dirty="0"/>
+          </a:p>
+          <a:p>
+            <a:pPr algn="ctr"/>
+            <a:endParaRPr lang="en-US" b="1" dirty="0"/>
+          </a:p>
+          <a:p>
+            <a:pPr algn="ctr"/>
+            <a:endParaRPr lang="en-US" b="1" dirty="0"/>
+          </a:p>
+          <a:p>
+            <a:pPr algn="ctr"/>
+            <a:endParaRPr lang="en-US" b="1" dirty="0"/>
+          </a:p>
+          <a:p>
+            <a:pPr algn="ctr"/>
+            <a:endParaRPr lang="en-US" b="1" dirty="0"/>
+          </a:p>
+          <a:p>
+            <a:pPr algn="ctr"/>
+            <a:endParaRPr lang="en-US" b="1" dirty="0"/>
+          </a:p>
+          <a:p>
+            <a:pPr algn="ctr"/>
+            <a:endParaRPr lang="en-US" b="1" dirty="0"/>
+          </a:p>
+          <a:p>
+            <a:pPr algn="ctr"/>
+            <a:endParaRPr lang="en-US" b="1" dirty="0"/>
+          </a:p>
+          <a:p>
+            <a:pPr algn="ctr"/>
+            <a:endParaRPr lang="en-US" b="1" dirty="0"/>
+          </a:p>
+          <a:p>
+            <a:pPr algn="ctr"/>
+            <a:endParaRPr lang="en-US" b="1" dirty="0"/>
+          </a:p>
+          <a:p>
+            <a:pPr algn="ctr"/>
+            <a:endParaRPr lang="en-US" b="1" dirty="0"/>
+          </a:p>
+          <a:p>
+            <a:pPr algn="ctr"/>
+            <a:endParaRPr lang="en-US" b="1" dirty="0"/>
+          </a:p>
+          <a:p>
+            <a:pPr algn="ctr"/>
+            <a:r>
+              <a:rPr lang="en-US" b="1" dirty="0"/>
+              <a:t>API Server</a:t>
+            </a:r>
+          </a:p>
+        </p:txBody>
+      </p:sp>
+      <p:sp>
+        <p:nvSpPr>
+          <p:cNvPr id="3" name="Rectangle 2">
+            <a:extLst>
+              <a:ext uri="{FF2B5EF4-FFF2-40B4-BE49-F238E27FC236}">
+                <a16:creationId xmlns:a16="http://schemas.microsoft.com/office/drawing/2014/main" id="{BC83AEE5-B0EF-485B-9BCF-CA64C2B67113}"/>
+              </a:ext>
+            </a:extLst>
+          </p:cNvPr>
+          <p:cNvSpPr/>
+          <p:nvPr/>
+        </p:nvSpPr>
+        <p:spPr>
+          <a:xfrm>
+            <a:off x="365051" y="180753"/>
+            <a:ext cx="2286000" cy="6496493"/>
+          </a:xfrm>
+          <a:prstGeom prst="rect">
+            <a:avLst/>
+          </a:prstGeom>
+        </p:spPr>
+        <p:style>
+          <a:lnRef idx="2">
+            <a:schemeClr val="accent6"/>
+          </a:lnRef>
+          <a:fillRef idx="1">
+            <a:schemeClr val="lt1"/>
+          </a:fillRef>
+          <a:effectRef idx="0">
+            <a:schemeClr val="accent6"/>
+          </a:effectRef>
+          <a:fontRef idx="minor">
+            <a:schemeClr val="dk1"/>
+          </a:fontRef>
+        </p:style>
+        <p:txBody>
+          <a:bodyPr rtlCol="0" anchor="ctr"/>
+          <a:lstStyle/>
+          <a:p>
+            <a:pPr algn="ctr"/>
+            <a:r>
+              <a:rPr lang="en-US" b="1" dirty="0"/>
+              <a:t>Client App</a:t>
+            </a:r>
+          </a:p>
+        </p:txBody>
+      </p:sp>
+      <p:sp>
+        <p:nvSpPr>
+          <p:cNvPr id="4" name="Right Arrow 3">
+            <a:extLst>
+              <a:ext uri="{FF2B5EF4-FFF2-40B4-BE49-F238E27FC236}">
+                <a16:creationId xmlns:a16="http://schemas.microsoft.com/office/drawing/2014/main" id="{CB04F1C4-B81A-9F11-8DDF-9D961F3ACEFF}"/>
+              </a:ext>
+            </a:extLst>
+          </p:cNvPr>
+          <p:cNvSpPr/>
+          <p:nvPr/>
+        </p:nvSpPr>
+        <p:spPr>
+          <a:xfrm>
+            <a:off x="2658140" y="255181"/>
+            <a:ext cx="6570920" cy="669852"/>
+          </a:xfrm>
+          <a:prstGeom prst="rightArrow">
+            <a:avLst/>
+          </a:prstGeom>
+        </p:spPr>
+        <p:style>
+          <a:lnRef idx="2">
+            <a:schemeClr val="accent1">
+              <a:shade val="15000"/>
+            </a:schemeClr>
+          </a:lnRef>
+          <a:fillRef idx="1">
+            <a:schemeClr val="accent1"/>
+          </a:fillRef>
+          <a:effectRef idx="0">
+            <a:schemeClr val="accent1"/>
+          </a:effectRef>
+          <a:fontRef idx="minor">
+            <a:schemeClr val="lt1"/>
+          </a:fontRef>
+        </p:style>
+        <p:txBody>
+          <a:bodyPr rtlCol="0" anchor="ctr"/>
+          <a:lstStyle/>
+          <a:p>
+            <a:pPr algn="ctr"/>
+            <a:r>
+              <a:rPr lang="en-US" dirty="0"/>
+              <a:t>1. Request to access data to API by adding credentials in header</a:t>
+            </a:r>
+          </a:p>
+        </p:txBody>
+      </p:sp>
+      <p:sp>
+        <p:nvSpPr>
+          <p:cNvPr id="5" name="TextBox 4">
+            <a:extLst>
+              <a:ext uri="{FF2B5EF4-FFF2-40B4-BE49-F238E27FC236}">
+                <a16:creationId xmlns:a16="http://schemas.microsoft.com/office/drawing/2014/main" id="{77FE4075-B6D2-53A0-07F6-8328029C753D}"/>
+              </a:ext>
+            </a:extLst>
+          </p:cNvPr>
+          <p:cNvSpPr txBox="1"/>
+          <p:nvPr/>
+        </p:nvSpPr>
+        <p:spPr>
+          <a:xfrm>
+            <a:off x="9314121" y="1116419"/>
+            <a:ext cx="2094614" cy="646331"/>
+          </a:xfrm>
+          <a:prstGeom prst="rect">
+            <a:avLst/>
+          </a:prstGeom>
+          <a:noFill/>
+        </p:spPr>
+        <p:txBody>
+          <a:bodyPr wrap="square" rtlCol="0">
+            <a:spAutoFit/>
+          </a:bodyPr>
+          <a:lstStyle/>
+          <a:p>
+            <a:r>
+              <a:rPr lang="en-US" dirty="0"/>
+              <a:t>2. Verifies Credentials</a:t>
+            </a:r>
+          </a:p>
+        </p:txBody>
+      </p:sp>
+      <p:sp>
+        <p:nvSpPr>
+          <p:cNvPr id="6" name="Left Arrow 5">
+            <a:extLst>
+              <a:ext uri="{FF2B5EF4-FFF2-40B4-BE49-F238E27FC236}">
+                <a16:creationId xmlns:a16="http://schemas.microsoft.com/office/drawing/2014/main" id="{F756CBEB-58C2-D6FD-303F-B2EB3DD38850}"/>
+              </a:ext>
+            </a:extLst>
+          </p:cNvPr>
+          <p:cNvSpPr/>
+          <p:nvPr/>
+        </p:nvSpPr>
+        <p:spPr>
+          <a:xfrm>
+            <a:off x="2658140" y="925033"/>
+            <a:ext cx="6563831" cy="659218"/>
+          </a:xfrm>
+          <a:prstGeom prst="leftArrow">
+            <a:avLst/>
+          </a:prstGeom>
+        </p:spPr>
+        <p:style>
+          <a:lnRef idx="2">
+            <a:schemeClr val="accent1">
+              <a:shade val="15000"/>
+            </a:schemeClr>
+          </a:lnRef>
+          <a:fillRef idx="1">
+            <a:schemeClr val="accent1"/>
+          </a:fillRef>
+          <a:effectRef idx="0">
+            <a:schemeClr val="accent1"/>
+          </a:effectRef>
+          <a:fontRef idx="minor">
+            <a:schemeClr val="lt1"/>
+          </a:fontRef>
+        </p:style>
+        <p:txBody>
+          <a:bodyPr rtlCol="0" anchor="ctr"/>
+          <a:lstStyle/>
+          <a:p>
+            <a:pPr algn="ctr"/>
+            <a:r>
+              <a:rPr lang="en-US" dirty="0"/>
+              <a:t>3. If credentials verification failed then error response</a:t>
+            </a:r>
+          </a:p>
+        </p:txBody>
+      </p:sp>
+      <p:sp>
+        <p:nvSpPr>
+          <p:cNvPr id="7" name="TextBox 6">
+            <a:extLst>
+              <a:ext uri="{FF2B5EF4-FFF2-40B4-BE49-F238E27FC236}">
+                <a16:creationId xmlns:a16="http://schemas.microsoft.com/office/drawing/2014/main" id="{52386E79-56B0-B69D-9B1A-9FCF87C8346E}"/>
+              </a:ext>
+            </a:extLst>
+          </p:cNvPr>
+          <p:cNvSpPr txBox="1"/>
+          <p:nvPr/>
+        </p:nvSpPr>
+        <p:spPr>
+          <a:xfrm>
+            <a:off x="9314121" y="1998921"/>
+            <a:ext cx="1828800" cy="1754326"/>
+          </a:xfrm>
+          <a:prstGeom prst="rect">
+            <a:avLst/>
+          </a:prstGeom>
+          <a:noFill/>
+        </p:spPr>
+        <p:txBody>
+          <a:bodyPr wrap="square" rtlCol="0">
+            <a:spAutoFit/>
+          </a:bodyPr>
+          <a:lstStyle/>
+          <a:p>
+            <a:r>
+              <a:rPr lang="en-US" dirty="0"/>
+              <a:t>4. If credentials are validated then generate token and store token in API’ Hosting Process</a:t>
+            </a:r>
+          </a:p>
+        </p:txBody>
+      </p:sp>
+      <p:sp>
+        <p:nvSpPr>
+          <p:cNvPr id="8" name="Left Arrow 7">
+            <a:extLst>
+              <a:ext uri="{FF2B5EF4-FFF2-40B4-BE49-F238E27FC236}">
+                <a16:creationId xmlns:a16="http://schemas.microsoft.com/office/drawing/2014/main" id="{32F47061-171D-1C8E-1532-B7B401D1199E}"/>
+              </a:ext>
+            </a:extLst>
+          </p:cNvPr>
+          <p:cNvSpPr/>
+          <p:nvPr/>
+        </p:nvSpPr>
+        <p:spPr>
+          <a:xfrm>
+            <a:off x="2658140" y="1967023"/>
+            <a:ext cx="6563831" cy="850605"/>
+          </a:xfrm>
+          <a:prstGeom prst="leftArrow">
+            <a:avLst/>
+          </a:prstGeom>
+        </p:spPr>
+        <p:style>
+          <a:lnRef idx="2">
+            <a:schemeClr val="accent1">
+              <a:shade val="15000"/>
+            </a:schemeClr>
+          </a:lnRef>
+          <a:fillRef idx="1">
+            <a:schemeClr val="accent1"/>
+          </a:fillRef>
+          <a:effectRef idx="0">
+            <a:schemeClr val="accent1"/>
+          </a:effectRef>
+          <a:fontRef idx="minor">
+            <a:schemeClr val="lt1"/>
+          </a:fontRef>
+        </p:style>
+        <p:txBody>
+          <a:bodyPr rtlCol="0" anchor="ctr"/>
+          <a:lstStyle/>
+          <a:p>
+            <a:pPr algn="ctr"/>
+            <a:r>
+              <a:rPr lang="en-US" dirty="0"/>
+              <a:t>5. The Client is responded with Token</a:t>
+            </a:r>
+          </a:p>
+        </p:txBody>
+      </p:sp>
+      <p:sp>
+        <p:nvSpPr>
+          <p:cNvPr id="9" name="TextBox 8">
+            <a:extLst>
+              <a:ext uri="{FF2B5EF4-FFF2-40B4-BE49-F238E27FC236}">
+                <a16:creationId xmlns:a16="http://schemas.microsoft.com/office/drawing/2014/main" id="{E155317D-431E-EB67-E3FC-4441B896AA84}"/>
+              </a:ext>
+            </a:extLst>
+          </p:cNvPr>
+          <p:cNvSpPr txBox="1"/>
+          <p:nvPr/>
+        </p:nvSpPr>
+        <p:spPr>
+          <a:xfrm>
+            <a:off x="467833" y="3912781"/>
+            <a:ext cx="1988288" cy="1754326"/>
+          </a:xfrm>
+          <a:prstGeom prst="rect">
+            <a:avLst/>
+          </a:prstGeom>
+          <a:noFill/>
+        </p:spPr>
+        <p:txBody>
+          <a:bodyPr wrap="square" rtlCol="0">
+            <a:spAutoFit/>
+          </a:bodyPr>
+          <a:lstStyle/>
+          <a:p>
+            <a:r>
+              <a:rPr lang="en-US" dirty="0"/>
+              <a:t>6. Client Saves token in its own process</a:t>
+            </a:r>
+          </a:p>
+          <a:p>
+            <a:endParaRPr lang="en-US" dirty="0"/>
+          </a:p>
+          <a:p>
+            <a:r>
+              <a:rPr lang="en-US" dirty="0"/>
+              <a:t>In Browser’s storage</a:t>
+            </a:r>
+          </a:p>
+        </p:txBody>
+      </p:sp>
+      <p:sp>
+        <p:nvSpPr>
+          <p:cNvPr id="10" name="Right Arrow 9">
+            <a:extLst>
+              <a:ext uri="{FF2B5EF4-FFF2-40B4-BE49-F238E27FC236}">
+                <a16:creationId xmlns:a16="http://schemas.microsoft.com/office/drawing/2014/main" id="{3CA8200B-03CC-1F1A-FD01-4B2F00CC7D7B}"/>
+              </a:ext>
+            </a:extLst>
+          </p:cNvPr>
+          <p:cNvSpPr/>
+          <p:nvPr/>
+        </p:nvSpPr>
+        <p:spPr>
+          <a:xfrm>
+            <a:off x="2651051" y="3503427"/>
+            <a:ext cx="6578009" cy="972880"/>
+          </a:xfrm>
+          <a:prstGeom prst="rightArrow">
+            <a:avLst/>
+          </a:prstGeom>
+        </p:spPr>
+        <p:style>
+          <a:lnRef idx="2">
+            <a:schemeClr val="accent1">
+              <a:shade val="15000"/>
+            </a:schemeClr>
+          </a:lnRef>
+          <a:fillRef idx="1">
+            <a:schemeClr val="accent1"/>
+          </a:fillRef>
+          <a:effectRef idx="0">
+            <a:schemeClr val="accent1"/>
+          </a:effectRef>
+          <a:fontRef idx="minor">
+            <a:schemeClr val="lt1"/>
+          </a:fontRef>
+        </p:style>
+        <p:txBody>
+          <a:bodyPr rtlCol="0" anchor="ctr"/>
+          <a:lstStyle/>
+          <a:p>
+            <a:pPr algn="ctr"/>
+            <a:r>
+              <a:rPr lang="en-US" dirty="0"/>
+              <a:t>7. Client wants to access data from API so that why its send HTTP Request with Token in Authorization header</a:t>
+            </a:r>
+          </a:p>
+        </p:txBody>
+      </p:sp>
+      <p:sp>
+        <p:nvSpPr>
+          <p:cNvPr id="11" name="TextBox 10">
+            <a:extLst>
+              <a:ext uri="{FF2B5EF4-FFF2-40B4-BE49-F238E27FC236}">
+                <a16:creationId xmlns:a16="http://schemas.microsoft.com/office/drawing/2014/main" id="{D6CE60EB-EF3A-CEFD-3EFB-2032276E5FE7}"/>
+              </a:ext>
+            </a:extLst>
+          </p:cNvPr>
+          <p:cNvSpPr txBox="1"/>
+          <p:nvPr/>
+        </p:nvSpPr>
+        <p:spPr>
+          <a:xfrm>
+            <a:off x="9314121" y="4040373"/>
+            <a:ext cx="1913861" cy="923330"/>
+          </a:xfrm>
+          <a:prstGeom prst="rect">
+            <a:avLst/>
+          </a:prstGeom>
+          <a:noFill/>
+        </p:spPr>
+        <p:txBody>
+          <a:bodyPr wrap="square" rtlCol="0">
+            <a:spAutoFit/>
+          </a:bodyPr>
+          <a:lstStyle/>
+          <a:p>
+            <a:r>
+              <a:rPr lang="en-US" dirty="0"/>
+              <a:t>8. The Server Receives token and verify it</a:t>
+            </a:r>
+          </a:p>
+        </p:txBody>
+      </p:sp>
+      <p:sp>
+        <p:nvSpPr>
+          <p:cNvPr id="12" name="Left Arrow 11">
+            <a:extLst>
+              <a:ext uri="{FF2B5EF4-FFF2-40B4-BE49-F238E27FC236}">
+                <a16:creationId xmlns:a16="http://schemas.microsoft.com/office/drawing/2014/main" id="{2EF55817-43EF-EDD8-7B57-DD8719816E89}"/>
+              </a:ext>
+            </a:extLst>
+          </p:cNvPr>
+          <p:cNvSpPr/>
+          <p:nvPr/>
+        </p:nvSpPr>
+        <p:spPr>
+          <a:xfrm>
+            <a:off x="2665229" y="4502038"/>
+            <a:ext cx="6563831" cy="850605"/>
+          </a:xfrm>
+          <a:prstGeom prst="leftArrow">
+            <a:avLst/>
+          </a:prstGeom>
+        </p:spPr>
+        <p:style>
+          <a:lnRef idx="2">
+            <a:schemeClr val="accent1">
+              <a:shade val="15000"/>
+            </a:schemeClr>
+          </a:lnRef>
+          <a:fillRef idx="1">
+            <a:schemeClr val="accent1"/>
+          </a:fillRef>
+          <a:effectRef idx="0">
+            <a:schemeClr val="accent1"/>
+          </a:effectRef>
+          <a:fontRef idx="minor">
+            <a:schemeClr val="lt1"/>
+          </a:fontRef>
+        </p:style>
+        <p:txBody>
+          <a:bodyPr rtlCol="0" anchor="ctr"/>
+          <a:lstStyle/>
+          <a:p>
+            <a:pPr algn="ctr"/>
+            <a:r>
+              <a:rPr lang="en-US" dirty="0"/>
+              <a:t>9.  if token verification failed, then error response </a:t>
+            </a:r>
+          </a:p>
+        </p:txBody>
+      </p:sp>
+      <p:sp>
+        <p:nvSpPr>
+          <p:cNvPr id="13" name="TextBox 12">
+            <a:extLst>
+              <a:ext uri="{FF2B5EF4-FFF2-40B4-BE49-F238E27FC236}">
+                <a16:creationId xmlns:a16="http://schemas.microsoft.com/office/drawing/2014/main" id="{DAF95C59-144F-07D2-74FA-1E8981F2943F}"/>
+              </a:ext>
+            </a:extLst>
+          </p:cNvPr>
+          <p:cNvSpPr txBox="1"/>
+          <p:nvPr/>
+        </p:nvSpPr>
+        <p:spPr>
+          <a:xfrm>
+            <a:off x="9452344" y="4963703"/>
+            <a:ext cx="1594884" cy="646331"/>
+          </a:xfrm>
+          <a:prstGeom prst="rect">
+            <a:avLst/>
+          </a:prstGeom>
+          <a:noFill/>
+        </p:spPr>
+        <p:txBody>
+          <a:bodyPr wrap="square" rtlCol="0">
+            <a:spAutoFit/>
+          </a:bodyPr>
+          <a:lstStyle/>
+          <a:p>
+            <a:r>
+              <a:rPr lang="en-US" dirty="0"/>
+              <a:t>10. Verification successful</a:t>
+            </a:r>
+          </a:p>
+        </p:txBody>
+      </p:sp>
+      <p:sp>
+        <p:nvSpPr>
+          <p:cNvPr id="14" name="Left Arrow 13">
+            <a:extLst>
+              <a:ext uri="{FF2B5EF4-FFF2-40B4-BE49-F238E27FC236}">
+                <a16:creationId xmlns:a16="http://schemas.microsoft.com/office/drawing/2014/main" id="{B9D0CD30-B887-CF02-B94B-C974C7DD1D04}"/>
+              </a:ext>
+            </a:extLst>
+          </p:cNvPr>
+          <p:cNvSpPr/>
+          <p:nvPr/>
+        </p:nvSpPr>
+        <p:spPr>
+          <a:xfrm>
+            <a:off x="2679405" y="5572819"/>
+            <a:ext cx="6563831" cy="850605"/>
+          </a:xfrm>
+          <a:prstGeom prst="leftArrow">
+            <a:avLst/>
+          </a:prstGeom>
+        </p:spPr>
+        <p:style>
+          <a:lnRef idx="2">
+            <a:schemeClr val="accent1">
+              <a:shade val="15000"/>
+            </a:schemeClr>
+          </a:lnRef>
+          <a:fillRef idx="1">
+            <a:schemeClr val="accent1"/>
+          </a:fillRef>
+          <a:effectRef idx="0">
+            <a:schemeClr val="accent1"/>
+          </a:effectRef>
+          <a:fontRef idx="minor">
+            <a:schemeClr val="lt1"/>
+          </a:fontRef>
+        </p:style>
+        <p:txBody>
+          <a:bodyPr rtlCol="0" anchor="ctr"/>
+          <a:lstStyle/>
+          <a:p>
+            <a:pPr algn="ctr"/>
+            <a:r>
+              <a:rPr lang="en-US" dirty="0"/>
+              <a:t>11.  The Data from API</a:t>
+            </a:r>
+          </a:p>
+        </p:txBody>
+      </p:sp>
+    </p:spTree>
+    <p:extLst>
+      <p:ext uri="{BB962C8B-B14F-4D97-AF65-F5344CB8AC3E}">
+        <p14:creationId xmlns:p14="http://schemas.microsoft.com/office/powerpoint/2010/main" val="2344493061"/>
       </p:ext>
     </p:extLst>
   </p:cSld>

--- a/Training_Presentetions.pptx
+++ b/Training_Presentetions.pptx
@@ -50,6 +50,7 @@
     <p:sldId id="298" r:id="rId44"/>
     <p:sldId id="299" r:id="rId45"/>
     <p:sldId id="300" r:id="rId46"/>
+    <p:sldId id="301" r:id="rId47"/>
   </p:sldIdLst>
   <p:sldSz cx="12192000" cy="6858000"/>
   <p:notesSz cx="6858000" cy="9144000"/>
@@ -305,7 +306,7 @@
           <a:p>
             <a:fld id="{D9FCDB6C-7DD4-3A4F-BB06-0EDDD9178121}" type="datetimeFigureOut">
               <a:rPr lang="en-US" smtClean="0"/>
-              <a:t>7/20/23</a:t>
+              <a:t>7/21/23</a:t>
             </a:fld>
             <a:endParaRPr lang="en-US"/>
           </a:p>
@@ -505,7 +506,7 @@
           <a:p>
             <a:fld id="{D9FCDB6C-7DD4-3A4F-BB06-0EDDD9178121}" type="datetimeFigureOut">
               <a:rPr lang="en-US" smtClean="0"/>
-              <a:t>7/20/23</a:t>
+              <a:t>7/21/23</a:t>
             </a:fld>
             <a:endParaRPr lang="en-US"/>
           </a:p>
@@ -715,7 +716,7 @@
           <a:p>
             <a:fld id="{D9FCDB6C-7DD4-3A4F-BB06-0EDDD9178121}" type="datetimeFigureOut">
               <a:rPr lang="en-US" smtClean="0"/>
-              <a:t>7/20/23</a:t>
+              <a:t>7/21/23</a:t>
             </a:fld>
             <a:endParaRPr lang="en-US"/>
           </a:p>
@@ -915,7 +916,7 @@
           <a:p>
             <a:fld id="{D9FCDB6C-7DD4-3A4F-BB06-0EDDD9178121}" type="datetimeFigureOut">
               <a:rPr lang="en-US" smtClean="0"/>
-              <a:t>7/20/23</a:t>
+              <a:t>7/21/23</a:t>
             </a:fld>
             <a:endParaRPr lang="en-US"/>
           </a:p>
@@ -1191,7 +1192,7 @@
           <a:p>
             <a:fld id="{D9FCDB6C-7DD4-3A4F-BB06-0EDDD9178121}" type="datetimeFigureOut">
               <a:rPr lang="en-US" smtClean="0"/>
-              <a:t>7/20/23</a:t>
+              <a:t>7/21/23</a:t>
             </a:fld>
             <a:endParaRPr lang="en-US"/>
           </a:p>
@@ -1459,7 +1460,7 @@
           <a:p>
             <a:fld id="{D9FCDB6C-7DD4-3A4F-BB06-0EDDD9178121}" type="datetimeFigureOut">
               <a:rPr lang="en-US" smtClean="0"/>
-              <a:t>7/20/23</a:t>
+              <a:t>7/21/23</a:t>
             </a:fld>
             <a:endParaRPr lang="en-US"/>
           </a:p>
@@ -1874,7 +1875,7 @@
           <a:p>
             <a:fld id="{D9FCDB6C-7DD4-3A4F-BB06-0EDDD9178121}" type="datetimeFigureOut">
               <a:rPr lang="en-US" smtClean="0"/>
-              <a:t>7/20/23</a:t>
+              <a:t>7/21/23</a:t>
             </a:fld>
             <a:endParaRPr lang="en-US"/>
           </a:p>
@@ -2016,7 +2017,7 @@
           <a:p>
             <a:fld id="{D9FCDB6C-7DD4-3A4F-BB06-0EDDD9178121}" type="datetimeFigureOut">
               <a:rPr lang="en-US" smtClean="0"/>
-              <a:t>7/20/23</a:t>
+              <a:t>7/21/23</a:t>
             </a:fld>
             <a:endParaRPr lang="en-US"/>
           </a:p>
@@ -2129,7 +2130,7 @@
           <a:p>
             <a:fld id="{D9FCDB6C-7DD4-3A4F-BB06-0EDDD9178121}" type="datetimeFigureOut">
               <a:rPr lang="en-US" smtClean="0"/>
-              <a:t>7/20/23</a:t>
+              <a:t>7/21/23</a:t>
             </a:fld>
             <a:endParaRPr lang="en-US"/>
           </a:p>
@@ -2442,7 +2443,7 @@
           <a:p>
             <a:fld id="{D9FCDB6C-7DD4-3A4F-BB06-0EDDD9178121}" type="datetimeFigureOut">
               <a:rPr lang="en-US" smtClean="0"/>
-              <a:t>7/20/23</a:t>
+              <a:t>7/21/23</a:t>
             </a:fld>
             <a:endParaRPr lang="en-US"/>
           </a:p>
@@ -2731,7 +2732,7 @@
           <a:p>
             <a:fld id="{D9FCDB6C-7DD4-3A4F-BB06-0EDDD9178121}" type="datetimeFigureOut">
               <a:rPr lang="en-US" smtClean="0"/>
-              <a:t>7/20/23</a:t>
+              <a:t>7/21/23</a:t>
             </a:fld>
             <a:endParaRPr lang="en-US"/>
           </a:p>
@@ -2974,7 +2975,7 @@
           <a:p>
             <a:fld id="{D9FCDB6C-7DD4-3A4F-BB06-0EDDD9178121}" type="datetimeFigureOut">
               <a:rPr lang="en-US" smtClean="0"/>
-              <a:t>7/20/23</a:t>
+              <a:t>7/21/23</a:t>
             </a:fld>
             <a:endParaRPr lang="en-US"/>
           </a:p>
@@ -42114,6 +42115,843 @@
 </p:sld>
 </file>
 
+<file path=ppt/slides/slide46.xml><?xml version="1.0" encoding="utf-8"?>
+<p:sld xmlns:a="http://schemas.openxmlformats.org/drawingml/2006/main" xmlns:r="http://schemas.openxmlformats.org/officeDocument/2006/relationships" xmlns:p="http://schemas.openxmlformats.org/presentationml/2006/main">
+  <p:cSld>
+    <p:spTree>
+      <p:nvGrpSpPr>
+        <p:cNvPr id="1" name=""/>
+        <p:cNvGrpSpPr/>
+        <p:nvPr/>
+      </p:nvGrpSpPr>
+      <p:grpSpPr>
+        <a:xfrm>
+          <a:off x="0" y="0"/>
+          <a:ext cx="0" cy="0"/>
+          <a:chOff x="0" y="0"/>
+          <a:chExt cx="0" cy="0"/>
+        </a:xfrm>
+      </p:grpSpPr>
+      <p:sp>
+        <p:nvSpPr>
+          <p:cNvPr id="2" name="TextBox 1">
+            <a:extLst>
+              <a:ext uri="{FF2B5EF4-FFF2-40B4-BE49-F238E27FC236}">
+                <a16:creationId xmlns:a16="http://schemas.microsoft.com/office/drawing/2014/main" id="{137ED607-9F77-72F6-84D9-70967986E88A}"/>
+              </a:ext>
+            </a:extLst>
+          </p:cNvPr>
+          <p:cNvSpPr txBox="1"/>
+          <p:nvPr/>
+        </p:nvSpPr>
+        <p:spPr>
+          <a:xfrm>
+            <a:off x="170121" y="127591"/>
+            <a:ext cx="2690037" cy="369332"/>
+          </a:xfrm>
+          <a:prstGeom prst="rect">
+            <a:avLst/>
+          </a:prstGeom>
+          <a:noFill/>
+        </p:spPr>
+        <p:txBody>
+          <a:bodyPr wrap="square" rtlCol="0">
+            <a:spAutoFit/>
+          </a:bodyPr>
+          <a:lstStyle/>
+          <a:p>
+            <a:r>
+              <a:rPr lang="en-US" b="1" dirty="0"/>
+              <a:t>React Component</a:t>
+            </a:r>
+          </a:p>
+        </p:txBody>
+      </p:sp>
+      <p:sp>
+        <p:nvSpPr>
+          <p:cNvPr id="3" name="Rectangle 2">
+            <a:extLst>
+              <a:ext uri="{FF2B5EF4-FFF2-40B4-BE49-F238E27FC236}">
+                <a16:creationId xmlns:a16="http://schemas.microsoft.com/office/drawing/2014/main" id="{BBEBAAFB-492D-407B-F138-998A8FDDDFE7}"/>
+              </a:ext>
+            </a:extLst>
+          </p:cNvPr>
+          <p:cNvSpPr/>
+          <p:nvPr/>
+        </p:nvSpPr>
+        <p:spPr>
+          <a:xfrm>
+            <a:off x="2286000" y="839972"/>
+            <a:ext cx="5039832" cy="4997302"/>
+          </a:xfrm>
+          <a:prstGeom prst="rect">
+            <a:avLst/>
+          </a:prstGeom>
+        </p:spPr>
+        <p:style>
+          <a:lnRef idx="1">
+            <a:schemeClr val="accent3"/>
+          </a:lnRef>
+          <a:fillRef idx="2">
+            <a:schemeClr val="accent3"/>
+          </a:fillRef>
+          <a:effectRef idx="1">
+            <a:schemeClr val="accent3"/>
+          </a:effectRef>
+          <a:fontRef idx="minor">
+            <a:schemeClr val="dk1"/>
+          </a:fontRef>
+        </p:style>
+        <p:txBody>
+          <a:bodyPr rtlCol="0" anchor="ctr"/>
+          <a:lstStyle/>
+          <a:p>
+            <a:pPr algn="ctr"/>
+            <a:endParaRPr lang="en-US"/>
+          </a:p>
+        </p:txBody>
+      </p:sp>
+      <p:sp>
+        <p:nvSpPr>
+          <p:cNvPr id="4" name="Rectangle 3">
+            <a:extLst>
+              <a:ext uri="{FF2B5EF4-FFF2-40B4-BE49-F238E27FC236}">
+                <a16:creationId xmlns:a16="http://schemas.microsoft.com/office/drawing/2014/main" id="{E6436752-888B-F382-E07B-4760C3137D05}"/>
+              </a:ext>
+            </a:extLst>
+          </p:cNvPr>
+          <p:cNvSpPr/>
+          <p:nvPr/>
+        </p:nvSpPr>
+        <p:spPr>
+          <a:xfrm>
+            <a:off x="2658140" y="1424764"/>
+            <a:ext cx="4242390" cy="1297172"/>
+          </a:xfrm>
+          <a:prstGeom prst="rect">
+            <a:avLst/>
+          </a:prstGeom>
+        </p:spPr>
+        <p:style>
+          <a:lnRef idx="2">
+            <a:schemeClr val="accent1">
+              <a:shade val="15000"/>
+            </a:schemeClr>
+          </a:lnRef>
+          <a:fillRef idx="1">
+            <a:schemeClr val="accent1"/>
+          </a:fillRef>
+          <a:effectRef idx="0">
+            <a:schemeClr val="accent1"/>
+          </a:effectRef>
+          <a:fontRef idx="minor">
+            <a:schemeClr val="lt1"/>
+          </a:fontRef>
+        </p:style>
+        <p:txBody>
+          <a:bodyPr rtlCol="0" anchor="ctr"/>
+          <a:lstStyle/>
+          <a:p>
+            <a:pPr algn="ctr"/>
+            <a:endParaRPr lang="en-US" b="1" dirty="0"/>
+          </a:p>
+        </p:txBody>
+      </p:sp>
+      <p:sp>
+        <p:nvSpPr>
+          <p:cNvPr id="5" name="Rounded Rectangle 4">
+            <a:extLst>
+              <a:ext uri="{FF2B5EF4-FFF2-40B4-BE49-F238E27FC236}">
+                <a16:creationId xmlns:a16="http://schemas.microsoft.com/office/drawing/2014/main" id="{5EE84CEC-F3A3-4C78-93C5-FE979ABF7829}"/>
+              </a:ext>
+            </a:extLst>
+          </p:cNvPr>
+          <p:cNvSpPr/>
+          <p:nvPr/>
+        </p:nvSpPr>
+        <p:spPr>
+          <a:xfrm>
+            <a:off x="2498651" y="3327991"/>
+            <a:ext cx="2030819" cy="712381"/>
+          </a:xfrm>
+          <a:prstGeom prst="roundRect">
+            <a:avLst/>
+          </a:prstGeom>
+        </p:spPr>
+        <p:style>
+          <a:lnRef idx="2">
+            <a:schemeClr val="accent1">
+              <a:shade val="15000"/>
+            </a:schemeClr>
+          </a:lnRef>
+          <a:fillRef idx="1">
+            <a:schemeClr val="accent1"/>
+          </a:fillRef>
+          <a:effectRef idx="0">
+            <a:schemeClr val="accent1"/>
+          </a:effectRef>
+          <a:fontRef idx="minor">
+            <a:schemeClr val="lt1"/>
+          </a:fontRef>
+        </p:style>
+        <p:txBody>
+          <a:bodyPr rtlCol="0" anchor="ctr"/>
+          <a:lstStyle/>
+          <a:p>
+            <a:pPr algn="ctr"/>
+            <a:r>
+              <a:rPr lang="en-US" b="1" dirty="0"/>
+              <a:t>Methods</a:t>
+            </a:r>
+          </a:p>
+        </p:txBody>
+      </p:sp>
+      <p:sp>
+        <p:nvSpPr>
+          <p:cNvPr id="8" name="Rounded Rectangle 7">
+            <a:extLst>
+              <a:ext uri="{FF2B5EF4-FFF2-40B4-BE49-F238E27FC236}">
+                <a16:creationId xmlns:a16="http://schemas.microsoft.com/office/drawing/2014/main" id="{275B3182-ABA2-AA87-E277-4D5231C0686B}"/>
+              </a:ext>
+            </a:extLst>
+          </p:cNvPr>
+          <p:cNvSpPr/>
+          <p:nvPr/>
+        </p:nvSpPr>
+        <p:spPr>
+          <a:xfrm>
+            <a:off x="3211033" y="1754372"/>
+            <a:ext cx="3285460" cy="627321"/>
+          </a:xfrm>
+          <a:prstGeom prst="roundRect">
+            <a:avLst/>
+          </a:prstGeom>
+          <a:solidFill>
+            <a:srgbClr val="FF0000"/>
+          </a:solidFill>
+        </p:spPr>
+        <p:style>
+          <a:lnRef idx="2">
+            <a:schemeClr val="accent1">
+              <a:shade val="15000"/>
+            </a:schemeClr>
+          </a:lnRef>
+          <a:fillRef idx="1">
+            <a:schemeClr val="accent1"/>
+          </a:fillRef>
+          <a:effectRef idx="0">
+            <a:schemeClr val="accent1"/>
+          </a:effectRef>
+          <a:fontRef idx="minor">
+            <a:schemeClr val="lt1"/>
+          </a:fontRef>
+        </p:style>
+        <p:txBody>
+          <a:bodyPr rtlCol="0" anchor="ctr"/>
+          <a:lstStyle/>
+          <a:p>
+            <a:pPr algn="ctr"/>
+            <a:r>
+              <a:rPr lang="en-US" b="1" dirty="0"/>
+              <a:t>&lt;HTML-ELEMENTS </a:t>
+            </a:r>
+            <a:r>
+              <a:rPr lang="en-US" b="1" dirty="0" err="1"/>
+              <a:t>onEvent</a:t>
+            </a:r>
+            <a:r>
+              <a:rPr lang="en-US" b="1" dirty="0"/>
+              <a:t>={}/&gt;</a:t>
+            </a:r>
+          </a:p>
+        </p:txBody>
+      </p:sp>
+      <p:cxnSp>
+        <p:nvCxnSpPr>
+          <p:cNvPr id="10" name="Elbow Connector 9">
+            <a:extLst>
+              <a:ext uri="{FF2B5EF4-FFF2-40B4-BE49-F238E27FC236}">
+                <a16:creationId xmlns:a16="http://schemas.microsoft.com/office/drawing/2014/main" id="{8D21A256-9F14-FF03-8A5D-EDAB1FA9E0E6}"/>
+              </a:ext>
+            </a:extLst>
+          </p:cNvPr>
+          <p:cNvCxnSpPr>
+            <a:stCxn id="5" idx="0"/>
+            <a:endCxn id="8" idx="2"/>
+          </p:cNvCxnSpPr>
+          <p:nvPr/>
+        </p:nvCxnSpPr>
+        <p:spPr>
+          <a:xfrm rot="5400000" flipH="1" flipV="1">
+            <a:off x="3710763" y="2184991"/>
+            <a:ext cx="946298" cy="1339702"/>
+          </a:xfrm>
+          <a:prstGeom prst="bentConnector3">
+            <a:avLst/>
+          </a:prstGeom>
+          <a:ln w="76200">
+            <a:solidFill>
+              <a:srgbClr val="FFFF00"/>
+            </a:solidFill>
+            <a:tailEnd type="triangle"/>
+          </a:ln>
+        </p:spPr>
+        <p:style>
+          <a:lnRef idx="1">
+            <a:schemeClr val="accent1"/>
+          </a:lnRef>
+          <a:fillRef idx="0">
+            <a:schemeClr val="accent1"/>
+          </a:fillRef>
+          <a:effectRef idx="0">
+            <a:schemeClr val="accent1"/>
+          </a:effectRef>
+          <a:fontRef idx="minor">
+            <a:schemeClr val="tx1"/>
+          </a:fontRef>
+        </p:style>
+      </p:cxnSp>
+      <p:sp>
+        <p:nvSpPr>
+          <p:cNvPr id="11" name="TextBox 10">
+            <a:extLst>
+              <a:ext uri="{FF2B5EF4-FFF2-40B4-BE49-F238E27FC236}">
+                <a16:creationId xmlns:a16="http://schemas.microsoft.com/office/drawing/2014/main" id="{D573AC1F-D574-5BE7-6010-7E28E318CFB4}"/>
+              </a:ext>
+            </a:extLst>
+          </p:cNvPr>
+          <p:cNvSpPr txBox="1"/>
+          <p:nvPr/>
+        </p:nvSpPr>
+        <p:spPr>
+          <a:xfrm>
+            <a:off x="74428" y="2307265"/>
+            <a:ext cx="1967023" cy="923330"/>
+          </a:xfrm>
+          <a:prstGeom prst="rect">
+            <a:avLst/>
+          </a:prstGeom>
+          <a:noFill/>
+        </p:spPr>
+        <p:txBody>
+          <a:bodyPr wrap="square" rtlCol="0">
+            <a:spAutoFit/>
+          </a:bodyPr>
+          <a:lstStyle/>
+          <a:p>
+            <a:r>
+              <a:rPr lang="en-US" dirty="0"/>
+              <a:t>Methods are Bound to Event of HTML Element</a:t>
+            </a:r>
+          </a:p>
+        </p:txBody>
+      </p:sp>
+      <p:cxnSp>
+        <p:nvCxnSpPr>
+          <p:cNvPr id="13" name="Straight Arrow Connector 12">
+            <a:extLst>
+              <a:ext uri="{FF2B5EF4-FFF2-40B4-BE49-F238E27FC236}">
+                <a16:creationId xmlns:a16="http://schemas.microsoft.com/office/drawing/2014/main" id="{F2B71D33-D2CA-8124-34AF-BD494B19538E}"/>
+              </a:ext>
+            </a:extLst>
+          </p:cNvPr>
+          <p:cNvCxnSpPr>
+            <a:stCxn id="11" idx="3"/>
+          </p:cNvCxnSpPr>
+          <p:nvPr/>
+        </p:nvCxnSpPr>
+        <p:spPr>
+          <a:xfrm>
+            <a:off x="2041451" y="2768930"/>
+            <a:ext cx="1472610" cy="293247"/>
+          </a:xfrm>
+          <a:prstGeom prst="straightConnector1">
+            <a:avLst/>
+          </a:prstGeom>
+          <a:ln>
+            <a:solidFill>
+              <a:srgbClr val="FF0000"/>
+            </a:solidFill>
+            <a:prstDash val="lgDashDotDot"/>
+            <a:tailEnd type="triangle"/>
+          </a:ln>
+        </p:spPr>
+        <p:style>
+          <a:lnRef idx="1">
+            <a:schemeClr val="accent1"/>
+          </a:lnRef>
+          <a:fillRef idx="0">
+            <a:schemeClr val="accent1"/>
+          </a:fillRef>
+          <a:effectRef idx="0">
+            <a:schemeClr val="accent1"/>
+          </a:effectRef>
+          <a:fontRef idx="minor">
+            <a:schemeClr val="tx1"/>
+          </a:fontRef>
+        </p:style>
+      </p:cxnSp>
+      <p:sp>
+        <p:nvSpPr>
+          <p:cNvPr id="14" name="Oval 13">
+            <a:extLst>
+              <a:ext uri="{FF2B5EF4-FFF2-40B4-BE49-F238E27FC236}">
+                <a16:creationId xmlns:a16="http://schemas.microsoft.com/office/drawing/2014/main" id="{19FE9D6C-8BC6-D799-5E43-A6A51CDC3DF6}"/>
+              </a:ext>
+            </a:extLst>
+          </p:cNvPr>
+          <p:cNvSpPr/>
+          <p:nvPr/>
+        </p:nvSpPr>
+        <p:spPr>
+          <a:xfrm>
+            <a:off x="5085907" y="3848986"/>
+            <a:ext cx="1010093" cy="861237"/>
+          </a:xfrm>
+          <a:prstGeom prst="ellipse">
+            <a:avLst/>
+          </a:prstGeom>
+        </p:spPr>
+        <p:style>
+          <a:lnRef idx="2">
+            <a:schemeClr val="accent1">
+              <a:shade val="15000"/>
+            </a:schemeClr>
+          </a:lnRef>
+          <a:fillRef idx="1">
+            <a:schemeClr val="accent1"/>
+          </a:fillRef>
+          <a:effectRef idx="0">
+            <a:schemeClr val="accent1"/>
+          </a:effectRef>
+          <a:fontRef idx="minor">
+            <a:schemeClr val="lt1"/>
+          </a:fontRef>
+        </p:style>
+        <p:txBody>
+          <a:bodyPr rtlCol="0" anchor="ctr"/>
+          <a:lstStyle/>
+          <a:p>
+            <a:pPr algn="ctr"/>
+            <a:r>
+              <a:rPr lang="en-US" dirty="0"/>
+              <a:t>Data</a:t>
+            </a:r>
+          </a:p>
+        </p:txBody>
+      </p:sp>
+      <p:sp>
+        <p:nvSpPr>
+          <p:cNvPr id="15" name="Oval 14">
+            <a:extLst>
+              <a:ext uri="{FF2B5EF4-FFF2-40B4-BE49-F238E27FC236}">
+                <a16:creationId xmlns:a16="http://schemas.microsoft.com/office/drawing/2014/main" id="{4B05B014-0BE3-A82A-4301-68AAD6688DC8}"/>
+              </a:ext>
+            </a:extLst>
+          </p:cNvPr>
+          <p:cNvSpPr/>
+          <p:nvPr/>
+        </p:nvSpPr>
+        <p:spPr>
+          <a:xfrm>
+            <a:off x="6230678" y="3848985"/>
+            <a:ext cx="1010093" cy="861237"/>
+          </a:xfrm>
+          <a:prstGeom prst="ellipse">
+            <a:avLst/>
+          </a:prstGeom>
+        </p:spPr>
+        <p:style>
+          <a:lnRef idx="2">
+            <a:schemeClr val="accent1">
+              <a:shade val="15000"/>
+            </a:schemeClr>
+          </a:lnRef>
+          <a:fillRef idx="1">
+            <a:schemeClr val="accent1"/>
+          </a:fillRef>
+          <a:effectRef idx="0">
+            <a:schemeClr val="accent1"/>
+          </a:effectRef>
+          <a:fontRef idx="minor">
+            <a:schemeClr val="lt1"/>
+          </a:fontRef>
+        </p:style>
+        <p:txBody>
+          <a:bodyPr rtlCol="0" anchor="ctr"/>
+          <a:lstStyle/>
+          <a:p>
+            <a:pPr algn="ctr"/>
+            <a:r>
+              <a:rPr lang="en-US" dirty="0"/>
+              <a:t>Data</a:t>
+            </a:r>
+          </a:p>
+        </p:txBody>
+      </p:sp>
+      <p:cxnSp>
+        <p:nvCxnSpPr>
+          <p:cNvPr id="17" name="Elbow Connector 16">
+            <a:extLst>
+              <a:ext uri="{FF2B5EF4-FFF2-40B4-BE49-F238E27FC236}">
+                <a16:creationId xmlns:a16="http://schemas.microsoft.com/office/drawing/2014/main" id="{AA7D401C-8D04-E452-65EC-E6CEE7D5023F}"/>
+              </a:ext>
+            </a:extLst>
+          </p:cNvPr>
+          <p:cNvCxnSpPr>
+            <a:stCxn id="15" idx="0"/>
+            <a:endCxn id="8" idx="3"/>
+          </p:cNvCxnSpPr>
+          <p:nvPr/>
+        </p:nvCxnSpPr>
+        <p:spPr>
+          <a:xfrm rot="16200000" flipV="1">
+            <a:off x="5725633" y="2838893"/>
+            <a:ext cx="1780952" cy="239232"/>
+          </a:xfrm>
+          <a:prstGeom prst="bentConnector2">
+            <a:avLst/>
+          </a:prstGeom>
+          <a:ln w="57150">
+            <a:solidFill>
+              <a:srgbClr val="FF0000"/>
+            </a:solidFill>
+            <a:tailEnd type="triangle"/>
+          </a:ln>
+        </p:spPr>
+        <p:style>
+          <a:lnRef idx="1">
+            <a:schemeClr val="accent1"/>
+          </a:lnRef>
+          <a:fillRef idx="0">
+            <a:schemeClr val="accent1"/>
+          </a:fillRef>
+          <a:effectRef idx="0">
+            <a:schemeClr val="accent1"/>
+          </a:effectRef>
+          <a:fontRef idx="minor">
+            <a:schemeClr val="tx1"/>
+          </a:fontRef>
+        </p:style>
+      </p:cxnSp>
+      <p:cxnSp>
+        <p:nvCxnSpPr>
+          <p:cNvPr id="19" name="Elbow Connector 18">
+            <a:extLst>
+              <a:ext uri="{FF2B5EF4-FFF2-40B4-BE49-F238E27FC236}">
+                <a16:creationId xmlns:a16="http://schemas.microsoft.com/office/drawing/2014/main" id="{29EEA24E-E4E4-5516-F2A3-C45017FCD3CC}"/>
+              </a:ext>
+            </a:extLst>
+          </p:cNvPr>
+          <p:cNvCxnSpPr>
+            <a:stCxn id="14" idx="0"/>
+            <a:endCxn id="8" idx="3"/>
+          </p:cNvCxnSpPr>
+          <p:nvPr/>
+        </p:nvCxnSpPr>
+        <p:spPr>
+          <a:xfrm rot="5400000" flipH="1" flipV="1">
+            <a:off x="5153247" y="2505741"/>
+            <a:ext cx="1780953" cy="905539"/>
+          </a:xfrm>
+          <a:prstGeom prst="bentConnector4">
+            <a:avLst>
+              <a:gd name="adj1" fmla="val 41194"/>
+              <a:gd name="adj2" fmla="val 125245"/>
+            </a:avLst>
+          </a:prstGeom>
+          <a:ln w="57150">
+            <a:solidFill>
+              <a:srgbClr val="FF0000"/>
+            </a:solidFill>
+            <a:tailEnd type="triangle"/>
+          </a:ln>
+        </p:spPr>
+        <p:style>
+          <a:lnRef idx="1">
+            <a:schemeClr val="accent1"/>
+          </a:lnRef>
+          <a:fillRef idx="0">
+            <a:schemeClr val="accent1"/>
+          </a:fillRef>
+          <a:effectRef idx="0">
+            <a:schemeClr val="accent1"/>
+          </a:effectRef>
+          <a:fontRef idx="minor">
+            <a:schemeClr val="tx1"/>
+          </a:fontRef>
+        </p:style>
+      </p:cxnSp>
+      <p:sp>
+        <p:nvSpPr>
+          <p:cNvPr id="20" name="TextBox 19">
+            <a:extLst>
+              <a:ext uri="{FF2B5EF4-FFF2-40B4-BE49-F238E27FC236}">
+                <a16:creationId xmlns:a16="http://schemas.microsoft.com/office/drawing/2014/main" id="{10434708-6929-3CFB-52A4-B84C99F52154}"/>
+              </a:ext>
+            </a:extLst>
+          </p:cNvPr>
+          <p:cNvSpPr txBox="1"/>
+          <p:nvPr/>
+        </p:nvSpPr>
+        <p:spPr>
+          <a:xfrm>
+            <a:off x="8304028" y="3062177"/>
+            <a:ext cx="2583712" cy="1754326"/>
+          </a:xfrm>
+          <a:prstGeom prst="rect">
+            <a:avLst/>
+          </a:prstGeom>
+          <a:noFill/>
+        </p:spPr>
+        <p:txBody>
+          <a:bodyPr wrap="square" rtlCol="0">
+            <a:spAutoFit/>
+          </a:bodyPr>
+          <a:lstStyle/>
+          <a:p>
+            <a:r>
+              <a:rPr lang="en-US" dirty="0"/>
+              <a:t>Data Properties are Bound to HTML Elements so that when an event occurs, the Data Properties will be Updated</a:t>
+            </a:r>
+          </a:p>
+        </p:txBody>
+      </p:sp>
+      <p:cxnSp>
+        <p:nvCxnSpPr>
+          <p:cNvPr id="22" name="Straight Arrow Connector 21">
+            <a:extLst>
+              <a:ext uri="{FF2B5EF4-FFF2-40B4-BE49-F238E27FC236}">
+                <a16:creationId xmlns:a16="http://schemas.microsoft.com/office/drawing/2014/main" id="{F29F9ABB-39FC-A106-7C6B-2B81CD8B7D2E}"/>
+              </a:ext>
+            </a:extLst>
+          </p:cNvPr>
+          <p:cNvCxnSpPr>
+            <a:stCxn id="20" idx="1"/>
+          </p:cNvCxnSpPr>
+          <p:nvPr/>
+        </p:nvCxnSpPr>
+        <p:spPr>
+          <a:xfrm flipH="1" flipV="1">
+            <a:off x="6735724" y="3230595"/>
+            <a:ext cx="1568304" cy="708745"/>
+          </a:xfrm>
+          <a:prstGeom prst="straightConnector1">
+            <a:avLst/>
+          </a:prstGeom>
+          <a:ln>
+            <a:solidFill>
+              <a:srgbClr val="002060"/>
+            </a:solidFill>
+            <a:prstDash val="lgDashDotDot"/>
+            <a:tailEnd type="triangle"/>
+          </a:ln>
+        </p:spPr>
+        <p:style>
+          <a:lnRef idx="1">
+            <a:schemeClr val="accent1"/>
+          </a:lnRef>
+          <a:fillRef idx="0">
+            <a:schemeClr val="accent1"/>
+          </a:fillRef>
+          <a:effectRef idx="0">
+            <a:schemeClr val="accent1"/>
+          </a:effectRef>
+          <a:fontRef idx="minor">
+            <a:schemeClr val="tx1"/>
+          </a:fontRef>
+        </p:style>
+      </p:cxnSp>
+      <p:sp>
+        <p:nvSpPr>
+          <p:cNvPr id="23" name="TextBox 22">
+            <a:extLst>
+              <a:ext uri="{FF2B5EF4-FFF2-40B4-BE49-F238E27FC236}">
+                <a16:creationId xmlns:a16="http://schemas.microsoft.com/office/drawing/2014/main" id="{74DBDE47-C26D-B876-F37B-56F16EB3E688}"/>
+              </a:ext>
+            </a:extLst>
+          </p:cNvPr>
+          <p:cNvSpPr txBox="1"/>
+          <p:nvPr/>
+        </p:nvSpPr>
+        <p:spPr>
+          <a:xfrm>
+            <a:off x="7878726" y="5390707"/>
+            <a:ext cx="3646967" cy="369332"/>
+          </a:xfrm>
+          <a:prstGeom prst="rect">
+            <a:avLst/>
+          </a:prstGeom>
+          <a:noFill/>
+        </p:spPr>
+        <p:txBody>
+          <a:bodyPr wrap="square" rtlCol="0">
+            <a:spAutoFit/>
+          </a:bodyPr>
+          <a:lstStyle/>
+          <a:p>
+            <a:r>
+              <a:rPr lang="en-US" dirty="0"/>
+              <a:t>&lt;</a:t>
+            </a:r>
+            <a:r>
+              <a:rPr lang="en-US" dirty="0" err="1"/>
+              <a:t>MyComponent</a:t>
+            </a:r>
+            <a:r>
+              <a:rPr lang="en-US" dirty="0"/>
+              <a:t>/&gt;</a:t>
+            </a:r>
+          </a:p>
+        </p:txBody>
+      </p:sp>
+      <p:sp>
+        <p:nvSpPr>
+          <p:cNvPr id="24" name="Rectangle 23">
+            <a:extLst>
+              <a:ext uri="{FF2B5EF4-FFF2-40B4-BE49-F238E27FC236}">
+                <a16:creationId xmlns:a16="http://schemas.microsoft.com/office/drawing/2014/main" id="{A7BBC58D-E9D9-E498-31DC-2B3D80D5A617}"/>
+              </a:ext>
+            </a:extLst>
+          </p:cNvPr>
+          <p:cNvSpPr/>
+          <p:nvPr/>
+        </p:nvSpPr>
+        <p:spPr>
+          <a:xfrm>
+            <a:off x="2286000" y="839972"/>
+            <a:ext cx="1897912" cy="233916"/>
+          </a:xfrm>
+          <a:prstGeom prst="rect">
+            <a:avLst/>
+          </a:prstGeom>
+        </p:spPr>
+        <p:style>
+          <a:lnRef idx="2">
+            <a:schemeClr val="accent1">
+              <a:shade val="15000"/>
+            </a:schemeClr>
+          </a:lnRef>
+          <a:fillRef idx="1">
+            <a:schemeClr val="accent1"/>
+          </a:fillRef>
+          <a:effectRef idx="0">
+            <a:schemeClr val="accent1"/>
+          </a:effectRef>
+          <a:fontRef idx="minor">
+            <a:schemeClr val="lt1"/>
+          </a:fontRef>
+        </p:style>
+        <p:txBody>
+          <a:bodyPr rtlCol="0" anchor="ctr"/>
+          <a:lstStyle/>
+          <a:p>
+            <a:pPr algn="ctr"/>
+            <a:r>
+              <a:rPr lang="en-US" dirty="0" err="1"/>
+              <a:t>MyComponent</a:t>
+            </a:r>
+            <a:endParaRPr lang="en-US" dirty="0"/>
+          </a:p>
+        </p:txBody>
+      </p:sp>
+      <p:cxnSp>
+        <p:nvCxnSpPr>
+          <p:cNvPr id="26" name="Elbow Connector 25">
+            <a:extLst>
+              <a:ext uri="{FF2B5EF4-FFF2-40B4-BE49-F238E27FC236}">
+                <a16:creationId xmlns:a16="http://schemas.microsoft.com/office/drawing/2014/main" id="{0D42F628-78D7-473D-74C5-284611D42DD6}"/>
+              </a:ext>
+            </a:extLst>
+          </p:cNvPr>
+          <p:cNvCxnSpPr>
+            <a:stCxn id="3" idx="2"/>
+            <a:endCxn id="23" idx="1"/>
+          </p:cNvCxnSpPr>
+          <p:nvPr/>
+        </p:nvCxnSpPr>
+        <p:spPr>
+          <a:xfrm rot="5400000" flipH="1" flipV="1">
+            <a:off x="6211370" y="4169919"/>
+            <a:ext cx="261901" cy="3072810"/>
+          </a:xfrm>
+          <a:prstGeom prst="bentConnector4">
+            <a:avLst>
+              <a:gd name="adj1" fmla="val -87285"/>
+              <a:gd name="adj2" fmla="val 91003"/>
+            </a:avLst>
+          </a:prstGeom>
+          <a:ln>
+            <a:solidFill>
+              <a:srgbClr val="002060"/>
+            </a:solidFill>
+            <a:prstDash val="lgDash"/>
+            <a:tailEnd type="triangle"/>
+          </a:ln>
+        </p:spPr>
+        <p:style>
+          <a:lnRef idx="1">
+            <a:schemeClr val="accent1"/>
+          </a:lnRef>
+          <a:fillRef idx="0">
+            <a:schemeClr val="accent1"/>
+          </a:fillRef>
+          <a:effectRef idx="0">
+            <a:schemeClr val="accent1"/>
+          </a:effectRef>
+          <a:fontRef idx="minor">
+            <a:schemeClr val="tx1"/>
+          </a:fontRef>
+        </p:style>
+      </p:cxnSp>
+      <p:sp>
+        <p:nvSpPr>
+          <p:cNvPr id="27" name="TextBox 26">
+            <a:extLst>
+              <a:ext uri="{FF2B5EF4-FFF2-40B4-BE49-F238E27FC236}">
+                <a16:creationId xmlns:a16="http://schemas.microsoft.com/office/drawing/2014/main" id="{33C50FB9-6AD1-EF74-79D4-EBE52DA5DA59}"/>
+              </a:ext>
+            </a:extLst>
+          </p:cNvPr>
+          <p:cNvSpPr txBox="1"/>
+          <p:nvPr/>
+        </p:nvSpPr>
+        <p:spPr>
+          <a:xfrm>
+            <a:off x="7793665" y="6091764"/>
+            <a:ext cx="3838354" cy="646331"/>
+          </a:xfrm>
+          <a:prstGeom prst="rect">
+            <a:avLst/>
+          </a:prstGeom>
+          <a:noFill/>
+        </p:spPr>
+        <p:txBody>
+          <a:bodyPr wrap="square" rtlCol="0">
+            <a:spAutoFit/>
+          </a:bodyPr>
+          <a:lstStyle/>
+          <a:p>
+            <a:r>
+              <a:rPr lang="en-US" dirty="0"/>
+              <a:t>Component will be used as Custom Reusable Element in Other Component</a:t>
+            </a:r>
+          </a:p>
+        </p:txBody>
+      </p:sp>
+    </p:spTree>
+    <p:extLst>
+      <p:ext uri="{BB962C8B-B14F-4D97-AF65-F5344CB8AC3E}">
+        <p14:creationId xmlns:p14="http://schemas.microsoft.com/office/powerpoint/2010/main" val="2615719189"/>
+      </p:ext>
+    </p:extLst>
+  </p:cSld>
+  <p:clrMapOvr>
+    <a:masterClrMapping/>
+  </p:clrMapOvr>
+</p:sld>
+</file>
+
 <file path=ppt/slides/slide5.xml><?xml version="1.0" encoding="utf-8"?>
 <p:sld xmlns:a="http://schemas.openxmlformats.org/drawingml/2006/main" xmlns:r="http://schemas.openxmlformats.org/officeDocument/2006/relationships" xmlns:p="http://schemas.openxmlformats.org/presentationml/2006/main">
   <p:cSld>

--- a/Training_Presentetions.pptx
+++ b/Training_Presentetions.pptx
@@ -51,6 +51,8 @@
     <p:sldId id="299" r:id="rId45"/>
     <p:sldId id="300" r:id="rId46"/>
     <p:sldId id="301" r:id="rId47"/>
+    <p:sldId id="302" r:id="rId48"/>
+    <p:sldId id="303" r:id="rId49"/>
   </p:sldIdLst>
   <p:sldSz cx="12192000" cy="6858000"/>
   <p:notesSz cx="6858000" cy="9144000"/>
@@ -42952,6 +42954,1305 @@
 </p:sld>
 </file>
 
+<file path=ppt/slides/slide47.xml><?xml version="1.0" encoding="utf-8"?>
+<p:sld xmlns:a="http://schemas.openxmlformats.org/drawingml/2006/main" xmlns:r="http://schemas.openxmlformats.org/officeDocument/2006/relationships" xmlns:p="http://schemas.openxmlformats.org/presentationml/2006/main">
+  <p:cSld>
+    <p:spTree>
+      <p:nvGrpSpPr>
+        <p:cNvPr id="1" name=""/>
+        <p:cNvGrpSpPr/>
+        <p:nvPr/>
+      </p:nvGrpSpPr>
+      <p:grpSpPr>
+        <a:xfrm>
+          <a:off x="0" y="0"/>
+          <a:ext cx="0" cy="0"/>
+          <a:chOff x="0" y="0"/>
+          <a:chExt cx="0" cy="0"/>
+        </a:xfrm>
+      </p:grpSpPr>
+      <p:sp>
+        <p:nvSpPr>
+          <p:cNvPr id="2" name="Rectangle 1">
+            <a:extLst>
+              <a:ext uri="{FF2B5EF4-FFF2-40B4-BE49-F238E27FC236}">
+                <a16:creationId xmlns:a16="http://schemas.microsoft.com/office/drawing/2014/main" id="{01F9C0D6-D829-0AA8-6216-8651C68D2921}"/>
+              </a:ext>
+            </a:extLst>
+          </p:cNvPr>
+          <p:cNvSpPr/>
+          <p:nvPr/>
+        </p:nvSpPr>
+        <p:spPr>
+          <a:xfrm>
+            <a:off x="244549" y="5635256"/>
+            <a:ext cx="11695814" cy="1084521"/>
+          </a:xfrm>
+          <a:prstGeom prst="rect">
+            <a:avLst/>
+          </a:prstGeom>
+        </p:spPr>
+        <p:style>
+          <a:lnRef idx="2">
+            <a:schemeClr val="accent1">
+              <a:shade val="15000"/>
+            </a:schemeClr>
+          </a:lnRef>
+          <a:fillRef idx="1">
+            <a:schemeClr val="accent1"/>
+          </a:fillRef>
+          <a:effectRef idx="0">
+            <a:schemeClr val="accent1"/>
+          </a:effectRef>
+          <a:fontRef idx="minor">
+            <a:schemeClr val="lt1"/>
+          </a:fontRef>
+        </p:style>
+        <p:txBody>
+          <a:bodyPr rtlCol="0" anchor="ctr"/>
+          <a:lstStyle/>
+          <a:p>
+            <a:pPr algn="ctr"/>
+            <a:r>
+              <a:rPr lang="en-US" b="1" dirty="0"/>
+              <a:t>Node.js</a:t>
+            </a:r>
+          </a:p>
+        </p:txBody>
+      </p:sp>
+      <p:sp>
+        <p:nvSpPr>
+          <p:cNvPr id="3" name="Rectangle 2">
+            <a:extLst>
+              <a:ext uri="{FF2B5EF4-FFF2-40B4-BE49-F238E27FC236}">
+                <a16:creationId xmlns:a16="http://schemas.microsoft.com/office/drawing/2014/main" id="{60A61884-6B2C-875F-2C9E-E06041B6BEB9}"/>
+              </a:ext>
+            </a:extLst>
+          </p:cNvPr>
+          <p:cNvSpPr/>
+          <p:nvPr/>
+        </p:nvSpPr>
+        <p:spPr>
+          <a:xfrm>
+            <a:off x="1169581" y="4221126"/>
+            <a:ext cx="9516140" cy="1414130"/>
+          </a:xfrm>
+          <a:prstGeom prst="rect">
+            <a:avLst/>
+          </a:prstGeom>
+          <a:solidFill>
+            <a:srgbClr val="FF0000"/>
+          </a:solidFill>
+        </p:spPr>
+        <p:style>
+          <a:lnRef idx="2">
+            <a:schemeClr val="accent1">
+              <a:shade val="15000"/>
+            </a:schemeClr>
+          </a:lnRef>
+          <a:fillRef idx="1">
+            <a:schemeClr val="accent1"/>
+          </a:fillRef>
+          <a:effectRef idx="0">
+            <a:schemeClr val="accent1"/>
+          </a:effectRef>
+          <a:fontRef idx="minor">
+            <a:schemeClr val="lt1"/>
+          </a:fontRef>
+        </p:style>
+        <p:txBody>
+          <a:bodyPr rtlCol="0" anchor="ctr"/>
+          <a:lstStyle/>
+          <a:p>
+            <a:pPr algn="ctr"/>
+            <a:endParaRPr lang="en-US" b="1" dirty="0"/>
+          </a:p>
+        </p:txBody>
+      </p:sp>
+      <p:sp>
+        <p:nvSpPr>
+          <p:cNvPr id="4" name="TextBox 3">
+            <a:extLst>
+              <a:ext uri="{FF2B5EF4-FFF2-40B4-BE49-F238E27FC236}">
+                <a16:creationId xmlns:a16="http://schemas.microsoft.com/office/drawing/2014/main" id="{1ED8CD42-6E13-3115-266A-55C9E0E4EA2C}"/>
+              </a:ext>
+            </a:extLst>
+          </p:cNvPr>
+          <p:cNvSpPr txBox="1"/>
+          <p:nvPr/>
+        </p:nvSpPr>
+        <p:spPr>
+          <a:xfrm>
+            <a:off x="9558670" y="4295553"/>
+            <a:ext cx="1084521" cy="369332"/>
+          </a:xfrm>
+          <a:prstGeom prst="rect">
+            <a:avLst/>
+          </a:prstGeom>
+          <a:noFill/>
+        </p:spPr>
+        <p:txBody>
+          <a:bodyPr wrap="square" rtlCol="0">
+            <a:spAutoFit/>
+          </a:bodyPr>
+          <a:lstStyle/>
+          <a:p>
+            <a:r>
+              <a:rPr lang="en-US" dirty="0"/>
+              <a:t>Webpack</a:t>
+            </a:r>
+          </a:p>
+        </p:txBody>
+      </p:sp>
+      <p:sp>
+        <p:nvSpPr>
+          <p:cNvPr id="5" name="Rectangle 4">
+            <a:extLst>
+              <a:ext uri="{FF2B5EF4-FFF2-40B4-BE49-F238E27FC236}">
+                <a16:creationId xmlns:a16="http://schemas.microsoft.com/office/drawing/2014/main" id="{3D014E83-105A-5439-A9DD-07B3944F827E}"/>
+              </a:ext>
+            </a:extLst>
+          </p:cNvPr>
+          <p:cNvSpPr/>
+          <p:nvPr/>
+        </p:nvSpPr>
+        <p:spPr>
+          <a:xfrm>
+            <a:off x="1892595" y="5071730"/>
+            <a:ext cx="7283303" cy="563526"/>
+          </a:xfrm>
+          <a:prstGeom prst="rect">
+            <a:avLst/>
+          </a:prstGeom>
+          <a:solidFill>
+            <a:srgbClr val="FFFF00"/>
+          </a:solidFill>
+        </p:spPr>
+        <p:style>
+          <a:lnRef idx="2">
+            <a:schemeClr val="accent1">
+              <a:shade val="15000"/>
+            </a:schemeClr>
+          </a:lnRef>
+          <a:fillRef idx="1">
+            <a:schemeClr val="accent1"/>
+          </a:fillRef>
+          <a:effectRef idx="0">
+            <a:schemeClr val="accent1"/>
+          </a:effectRef>
+          <a:fontRef idx="minor">
+            <a:schemeClr val="lt1"/>
+          </a:fontRef>
+        </p:style>
+        <p:txBody>
+          <a:bodyPr rtlCol="0" anchor="ctr"/>
+          <a:lstStyle/>
+          <a:p>
+            <a:pPr algn="ctr"/>
+            <a:r>
+              <a:rPr lang="en-US" b="1" dirty="0">
+                <a:solidFill>
+                  <a:srgbClr val="FF0000"/>
+                </a:solidFill>
+              </a:rPr>
+              <a:t>Webpack Dev-Server Start the HTTP Server on PORT 3000 and will be ready to Deliver React App from Module Bundler</a:t>
+            </a:r>
+          </a:p>
+        </p:txBody>
+      </p:sp>
+      <p:sp>
+        <p:nvSpPr>
+          <p:cNvPr id="6" name="Up-down Arrow 5">
+            <a:extLst>
+              <a:ext uri="{FF2B5EF4-FFF2-40B4-BE49-F238E27FC236}">
+                <a16:creationId xmlns:a16="http://schemas.microsoft.com/office/drawing/2014/main" id="{78C81C94-51EC-E487-2F49-EB9F1A956FFB}"/>
+              </a:ext>
+            </a:extLst>
+          </p:cNvPr>
+          <p:cNvSpPr/>
+          <p:nvPr/>
+        </p:nvSpPr>
+        <p:spPr>
+          <a:xfrm>
+            <a:off x="2089297" y="5417288"/>
+            <a:ext cx="372140" cy="723014"/>
+          </a:xfrm>
+          <a:prstGeom prst="upDownArrow">
+            <a:avLst/>
+          </a:prstGeom>
+          <a:solidFill>
+            <a:srgbClr val="7030A0"/>
+          </a:solidFill>
+        </p:spPr>
+        <p:style>
+          <a:lnRef idx="2">
+            <a:schemeClr val="accent1">
+              <a:shade val="15000"/>
+            </a:schemeClr>
+          </a:lnRef>
+          <a:fillRef idx="1">
+            <a:schemeClr val="accent1"/>
+          </a:fillRef>
+          <a:effectRef idx="0">
+            <a:schemeClr val="accent1"/>
+          </a:effectRef>
+          <a:fontRef idx="minor">
+            <a:schemeClr val="lt1"/>
+          </a:fontRef>
+        </p:style>
+        <p:txBody>
+          <a:bodyPr rtlCol="0" anchor="ctr"/>
+          <a:lstStyle/>
+          <a:p>
+            <a:pPr algn="ctr"/>
+            <a:endParaRPr lang="en-US"/>
+          </a:p>
+        </p:txBody>
+      </p:sp>
+      <p:sp>
+        <p:nvSpPr>
+          <p:cNvPr id="7" name="Up-down Arrow 6">
+            <a:extLst>
+              <a:ext uri="{FF2B5EF4-FFF2-40B4-BE49-F238E27FC236}">
+                <a16:creationId xmlns:a16="http://schemas.microsoft.com/office/drawing/2014/main" id="{C0156A0A-FECB-6635-F04E-D773C0F25D4D}"/>
+              </a:ext>
+            </a:extLst>
+          </p:cNvPr>
+          <p:cNvSpPr/>
+          <p:nvPr/>
+        </p:nvSpPr>
+        <p:spPr>
+          <a:xfrm>
+            <a:off x="8564525" y="5364125"/>
+            <a:ext cx="372140" cy="723014"/>
+          </a:xfrm>
+          <a:prstGeom prst="upDownArrow">
+            <a:avLst/>
+          </a:prstGeom>
+          <a:solidFill>
+            <a:srgbClr val="7030A0"/>
+          </a:solidFill>
+        </p:spPr>
+        <p:style>
+          <a:lnRef idx="2">
+            <a:schemeClr val="accent1">
+              <a:shade val="15000"/>
+            </a:schemeClr>
+          </a:lnRef>
+          <a:fillRef idx="1">
+            <a:schemeClr val="accent1"/>
+          </a:fillRef>
+          <a:effectRef idx="0">
+            <a:schemeClr val="accent1"/>
+          </a:effectRef>
+          <a:fontRef idx="minor">
+            <a:schemeClr val="lt1"/>
+          </a:fontRef>
+        </p:style>
+        <p:txBody>
+          <a:bodyPr rtlCol="0" anchor="ctr"/>
+          <a:lstStyle/>
+          <a:p>
+            <a:pPr algn="ctr"/>
+            <a:endParaRPr lang="en-US"/>
+          </a:p>
+        </p:txBody>
+      </p:sp>
+      <p:sp>
+        <p:nvSpPr>
+          <p:cNvPr id="8" name="Rectangle 7">
+            <a:extLst>
+              <a:ext uri="{FF2B5EF4-FFF2-40B4-BE49-F238E27FC236}">
+                <a16:creationId xmlns:a16="http://schemas.microsoft.com/office/drawing/2014/main" id="{3079E5B2-DEB6-E286-27EE-300F79A7EDEA}"/>
+              </a:ext>
+            </a:extLst>
+          </p:cNvPr>
+          <p:cNvSpPr/>
+          <p:nvPr/>
+        </p:nvSpPr>
+        <p:spPr>
+          <a:xfrm>
+            <a:off x="2488019" y="4295553"/>
+            <a:ext cx="6400800" cy="632638"/>
+          </a:xfrm>
+          <a:prstGeom prst="rect">
+            <a:avLst/>
+          </a:prstGeom>
+          <a:solidFill>
+            <a:schemeClr val="accent4">
+              <a:lumMod val="60000"/>
+              <a:lumOff val="40000"/>
+            </a:schemeClr>
+          </a:solidFill>
+        </p:spPr>
+        <p:style>
+          <a:lnRef idx="2">
+            <a:schemeClr val="accent1">
+              <a:shade val="15000"/>
+            </a:schemeClr>
+          </a:lnRef>
+          <a:fillRef idx="1">
+            <a:schemeClr val="accent1"/>
+          </a:fillRef>
+          <a:effectRef idx="0">
+            <a:schemeClr val="accent1"/>
+          </a:effectRef>
+          <a:fontRef idx="minor">
+            <a:schemeClr val="lt1"/>
+          </a:fontRef>
+        </p:style>
+        <p:txBody>
+          <a:bodyPr rtlCol="0" anchor="ctr"/>
+          <a:lstStyle/>
+          <a:p>
+            <a:pPr algn="ctr"/>
+            <a:r>
+              <a:rPr lang="en-US" b="1" dirty="0"/>
+              <a:t>Module Bundler</a:t>
+            </a:r>
+          </a:p>
+          <a:p>
+            <a:pPr algn="ctr"/>
+            <a:r>
+              <a:rPr lang="en-US" b="1" dirty="0" err="1"/>
+              <a:t>React.js</a:t>
+            </a:r>
+            <a:r>
+              <a:rPr lang="en-US" b="1" dirty="0"/>
+              <a:t> Object Model, CSS Loader, File Loader (</a:t>
+            </a:r>
+            <a:r>
+              <a:rPr lang="en-US" b="1" dirty="0" err="1"/>
+              <a:t>bundle.js</a:t>
+            </a:r>
+            <a:r>
+              <a:rPr lang="en-US" b="1" dirty="0"/>
+              <a:t>)</a:t>
+            </a:r>
+          </a:p>
+        </p:txBody>
+      </p:sp>
+      <p:sp>
+        <p:nvSpPr>
+          <p:cNvPr id="9" name="Rectangle 8">
+            <a:extLst>
+              <a:ext uri="{FF2B5EF4-FFF2-40B4-BE49-F238E27FC236}">
+                <a16:creationId xmlns:a16="http://schemas.microsoft.com/office/drawing/2014/main" id="{53B5B748-8486-143C-6EB2-FAB76F917FB0}"/>
+              </a:ext>
+            </a:extLst>
+          </p:cNvPr>
+          <p:cNvSpPr/>
+          <p:nvPr/>
+        </p:nvSpPr>
+        <p:spPr>
+          <a:xfrm>
+            <a:off x="1286539" y="588702"/>
+            <a:ext cx="9282224" cy="3221665"/>
+          </a:xfrm>
+          <a:prstGeom prst="rect">
+            <a:avLst/>
+          </a:prstGeom>
+        </p:spPr>
+        <p:style>
+          <a:lnRef idx="2">
+            <a:schemeClr val="accent3">
+              <a:shade val="15000"/>
+            </a:schemeClr>
+          </a:lnRef>
+          <a:fillRef idx="1">
+            <a:schemeClr val="accent3"/>
+          </a:fillRef>
+          <a:effectRef idx="0">
+            <a:schemeClr val="accent3"/>
+          </a:effectRef>
+          <a:fontRef idx="minor">
+            <a:schemeClr val="lt1"/>
+          </a:fontRef>
+        </p:style>
+        <p:txBody>
+          <a:bodyPr rtlCol="0" anchor="ctr"/>
+          <a:lstStyle/>
+          <a:p>
+            <a:pPr algn="ctr"/>
+            <a:endParaRPr lang="en-US"/>
+          </a:p>
+        </p:txBody>
+      </p:sp>
+      <p:sp>
+        <p:nvSpPr>
+          <p:cNvPr id="10" name="TextBox 9">
+            <a:extLst>
+              <a:ext uri="{FF2B5EF4-FFF2-40B4-BE49-F238E27FC236}">
+                <a16:creationId xmlns:a16="http://schemas.microsoft.com/office/drawing/2014/main" id="{0EF9DF23-09E9-6112-9836-8D5486BFBDAB}"/>
+              </a:ext>
+            </a:extLst>
+          </p:cNvPr>
+          <p:cNvSpPr txBox="1"/>
+          <p:nvPr/>
+        </p:nvSpPr>
+        <p:spPr>
+          <a:xfrm>
+            <a:off x="1350335" y="637953"/>
+            <a:ext cx="7006856" cy="369332"/>
+          </a:xfrm>
+          <a:prstGeom prst="rect">
+            <a:avLst/>
+          </a:prstGeom>
+          <a:noFill/>
+        </p:spPr>
+        <p:txBody>
+          <a:bodyPr wrap="square" rtlCol="0">
+            <a:spAutoFit/>
+          </a:bodyPr>
+          <a:lstStyle/>
+          <a:p>
+            <a:r>
+              <a:rPr lang="en-US" dirty="0"/>
+              <a:t>Browser </a:t>
+            </a:r>
+            <a:r>
+              <a:rPr lang="en-US" dirty="0" err="1"/>
+              <a:t>Index.html</a:t>
+            </a:r>
+            <a:endParaRPr lang="en-US" dirty="0"/>
+          </a:p>
+        </p:txBody>
+      </p:sp>
+      <p:cxnSp>
+        <p:nvCxnSpPr>
+          <p:cNvPr id="12" name="Elbow Connector 11">
+            <a:extLst>
+              <a:ext uri="{FF2B5EF4-FFF2-40B4-BE49-F238E27FC236}">
+                <a16:creationId xmlns:a16="http://schemas.microsoft.com/office/drawing/2014/main" id="{E5BDB933-A8A3-1F64-0A17-0E52E6272B8C}"/>
+              </a:ext>
+            </a:extLst>
+          </p:cNvPr>
+          <p:cNvCxnSpPr>
+            <a:stCxn id="9" idx="1"/>
+          </p:cNvCxnSpPr>
+          <p:nvPr/>
+        </p:nvCxnSpPr>
+        <p:spPr>
+          <a:xfrm rot="10800000" flipH="1" flipV="1">
+            <a:off x="1286538" y="2199534"/>
+            <a:ext cx="882503" cy="2872195"/>
+          </a:xfrm>
+          <a:prstGeom prst="bentConnector4">
+            <a:avLst>
+              <a:gd name="adj1" fmla="val -25904"/>
+              <a:gd name="adj2" fmla="val 78042"/>
+            </a:avLst>
+          </a:prstGeom>
+          <a:ln w="76200">
+            <a:solidFill>
+              <a:srgbClr val="002060"/>
+            </a:solidFill>
+            <a:tailEnd type="triangle"/>
+          </a:ln>
+        </p:spPr>
+        <p:style>
+          <a:lnRef idx="1">
+            <a:schemeClr val="accent1"/>
+          </a:lnRef>
+          <a:fillRef idx="0">
+            <a:schemeClr val="accent1"/>
+          </a:fillRef>
+          <a:effectRef idx="0">
+            <a:schemeClr val="accent1"/>
+          </a:effectRef>
+          <a:fontRef idx="minor">
+            <a:schemeClr val="tx1"/>
+          </a:fontRef>
+        </p:style>
+      </p:cxnSp>
+      <p:sp>
+        <p:nvSpPr>
+          <p:cNvPr id="13" name="TextBox 12">
+            <a:extLst>
+              <a:ext uri="{FF2B5EF4-FFF2-40B4-BE49-F238E27FC236}">
+                <a16:creationId xmlns:a16="http://schemas.microsoft.com/office/drawing/2014/main" id="{2E97E6DC-FA62-1E06-7771-DD9123966AE8}"/>
+              </a:ext>
+            </a:extLst>
+          </p:cNvPr>
+          <p:cNvSpPr txBox="1"/>
+          <p:nvPr/>
+        </p:nvSpPr>
+        <p:spPr>
+          <a:xfrm>
+            <a:off x="0" y="3136605"/>
+            <a:ext cx="2339163" cy="369332"/>
+          </a:xfrm>
+          <a:prstGeom prst="rect">
+            <a:avLst/>
+          </a:prstGeom>
+          <a:noFill/>
+        </p:spPr>
+        <p:txBody>
+          <a:bodyPr wrap="square" rtlCol="0">
+            <a:spAutoFit/>
+          </a:bodyPr>
+          <a:lstStyle/>
+          <a:p>
+            <a:r>
+              <a:rPr lang="en-US" dirty="0"/>
+              <a:t>http://localhost:3000</a:t>
+            </a:r>
+          </a:p>
+        </p:txBody>
+      </p:sp>
+      <p:cxnSp>
+        <p:nvCxnSpPr>
+          <p:cNvPr id="15" name="Elbow Connector 14">
+            <a:extLst>
+              <a:ext uri="{FF2B5EF4-FFF2-40B4-BE49-F238E27FC236}">
+                <a16:creationId xmlns:a16="http://schemas.microsoft.com/office/drawing/2014/main" id="{4E3F26E6-3D98-9A75-BA9E-0640C6575CD4}"/>
+              </a:ext>
+            </a:extLst>
+          </p:cNvPr>
+          <p:cNvCxnSpPr>
+            <a:stCxn id="5" idx="3"/>
+            <a:endCxn id="9" idx="3"/>
+          </p:cNvCxnSpPr>
+          <p:nvPr/>
+        </p:nvCxnSpPr>
+        <p:spPr>
+          <a:xfrm flipV="1">
+            <a:off x="9175898" y="2199535"/>
+            <a:ext cx="1392865" cy="3153958"/>
+          </a:xfrm>
+          <a:prstGeom prst="bentConnector3">
+            <a:avLst>
+              <a:gd name="adj1" fmla="val 116412"/>
+            </a:avLst>
+          </a:prstGeom>
+          <a:ln w="76200">
+            <a:solidFill>
+              <a:srgbClr val="002060"/>
+            </a:solidFill>
+            <a:tailEnd type="triangle"/>
+          </a:ln>
+        </p:spPr>
+        <p:style>
+          <a:lnRef idx="1">
+            <a:schemeClr val="accent1"/>
+          </a:lnRef>
+          <a:fillRef idx="0">
+            <a:schemeClr val="accent1"/>
+          </a:fillRef>
+          <a:effectRef idx="0">
+            <a:schemeClr val="accent1"/>
+          </a:effectRef>
+          <a:fontRef idx="minor">
+            <a:schemeClr val="tx1"/>
+          </a:fontRef>
+        </p:style>
+      </p:cxnSp>
+      <p:sp>
+        <p:nvSpPr>
+          <p:cNvPr id="16" name="TextBox 15">
+            <a:extLst>
+              <a:ext uri="{FF2B5EF4-FFF2-40B4-BE49-F238E27FC236}">
+                <a16:creationId xmlns:a16="http://schemas.microsoft.com/office/drawing/2014/main" id="{E2BA4419-7005-B761-F6A3-2FFEDC4778F7}"/>
+              </a:ext>
+            </a:extLst>
+          </p:cNvPr>
+          <p:cNvSpPr txBox="1"/>
+          <p:nvPr/>
+        </p:nvSpPr>
+        <p:spPr>
+          <a:xfrm>
+            <a:off x="10568763" y="3136605"/>
+            <a:ext cx="1541721" cy="1200329"/>
+          </a:xfrm>
+          <a:prstGeom prst="rect">
+            <a:avLst/>
+          </a:prstGeom>
+          <a:noFill/>
+        </p:spPr>
+        <p:txBody>
+          <a:bodyPr wrap="square" rtlCol="0">
+            <a:spAutoFit/>
+          </a:bodyPr>
+          <a:lstStyle/>
+          <a:p>
+            <a:r>
+              <a:rPr lang="en-US" dirty="0"/>
+              <a:t>Response with </a:t>
+            </a:r>
+            <a:r>
+              <a:rPr lang="en-US" dirty="0" err="1"/>
+              <a:t>Bundle.js</a:t>
+            </a:r>
+            <a:r>
+              <a:rPr lang="en-US" dirty="0"/>
+              <a:t> that contains </a:t>
+            </a:r>
+            <a:r>
+              <a:rPr lang="en-US" dirty="0" err="1"/>
+              <a:t>ReactOM</a:t>
+            </a:r>
+            <a:r>
+              <a:rPr lang="en-US" dirty="0"/>
+              <a:t> </a:t>
+            </a:r>
+          </a:p>
+        </p:txBody>
+      </p:sp>
+      <p:sp>
+        <p:nvSpPr>
+          <p:cNvPr id="17" name="Rectangle 16">
+            <a:extLst>
+              <a:ext uri="{FF2B5EF4-FFF2-40B4-BE49-F238E27FC236}">
+                <a16:creationId xmlns:a16="http://schemas.microsoft.com/office/drawing/2014/main" id="{4465E6F7-AC20-1D6A-3D3D-63343BD5ED07}"/>
+              </a:ext>
+            </a:extLst>
+          </p:cNvPr>
+          <p:cNvSpPr/>
+          <p:nvPr/>
+        </p:nvSpPr>
+        <p:spPr>
+          <a:xfrm>
+            <a:off x="2456120" y="1115269"/>
+            <a:ext cx="7102550" cy="2390668"/>
+          </a:xfrm>
+          <a:prstGeom prst="rect">
+            <a:avLst/>
+          </a:prstGeom>
+        </p:spPr>
+        <p:style>
+          <a:lnRef idx="2">
+            <a:schemeClr val="accent1">
+              <a:shade val="15000"/>
+            </a:schemeClr>
+          </a:lnRef>
+          <a:fillRef idx="1">
+            <a:schemeClr val="accent1"/>
+          </a:fillRef>
+          <a:effectRef idx="0">
+            <a:schemeClr val="accent1"/>
+          </a:effectRef>
+          <a:fontRef idx="minor">
+            <a:schemeClr val="lt1"/>
+          </a:fontRef>
+        </p:style>
+        <p:txBody>
+          <a:bodyPr rtlCol="0" anchor="ctr"/>
+          <a:lstStyle/>
+          <a:p>
+            <a:pPr algn="ctr"/>
+            <a:r>
+              <a:rPr lang="en-US" dirty="0"/>
+              <a:t>&lt;div&gt;</a:t>
+            </a:r>
+          </a:p>
+          <a:p>
+            <a:pPr algn="ctr"/>
+            <a:r>
+              <a:rPr lang="en-US" dirty="0"/>
+              <a:t>	&lt;App/&gt;</a:t>
+            </a:r>
+          </a:p>
+          <a:p>
+            <a:pPr algn="ctr"/>
+            <a:r>
+              <a:rPr lang="en-US" dirty="0"/>
+              <a:t>&lt;/div&gt;</a:t>
+            </a:r>
+          </a:p>
+        </p:txBody>
+      </p:sp>
+      <p:cxnSp>
+        <p:nvCxnSpPr>
+          <p:cNvPr id="19" name="Straight Arrow Connector 18">
+            <a:extLst>
+              <a:ext uri="{FF2B5EF4-FFF2-40B4-BE49-F238E27FC236}">
+                <a16:creationId xmlns:a16="http://schemas.microsoft.com/office/drawing/2014/main" id="{9945941E-1FEC-FB49-1B39-BE6DAD71E8E7}"/>
+              </a:ext>
+            </a:extLst>
+          </p:cNvPr>
+          <p:cNvCxnSpPr>
+            <a:stCxn id="16" idx="0"/>
+          </p:cNvCxnSpPr>
+          <p:nvPr/>
+        </p:nvCxnSpPr>
+        <p:spPr>
+          <a:xfrm flipH="1" flipV="1">
+            <a:off x="6560288" y="2339163"/>
+            <a:ext cx="4779336" cy="797442"/>
+          </a:xfrm>
+          <a:prstGeom prst="straightConnector1">
+            <a:avLst/>
+          </a:prstGeom>
+          <a:ln w="38100">
+            <a:solidFill>
+              <a:srgbClr val="FFFF00"/>
+            </a:solidFill>
+            <a:prstDash val="sysDash"/>
+            <a:tailEnd type="triangle"/>
+          </a:ln>
+        </p:spPr>
+        <p:style>
+          <a:lnRef idx="1">
+            <a:schemeClr val="accent1"/>
+          </a:lnRef>
+          <a:fillRef idx="0">
+            <a:schemeClr val="accent1"/>
+          </a:fillRef>
+          <a:effectRef idx="0">
+            <a:schemeClr val="accent1"/>
+          </a:effectRef>
+          <a:fontRef idx="minor">
+            <a:schemeClr val="tx1"/>
+          </a:fontRef>
+        </p:style>
+      </p:cxnSp>
+    </p:spTree>
+    <p:extLst>
+      <p:ext uri="{BB962C8B-B14F-4D97-AF65-F5344CB8AC3E}">
+        <p14:creationId xmlns:p14="http://schemas.microsoft.com/office/powerpoint/2010/main" val="1828723517"/>
+      </p:ext>
+    </p:extLst>
+  </p:cSld>
+  <p:clrMapOvr>
+    <a:masterClrMapping/>
+  </p:clrMapOvr>
+</p:sld>
+</file>
+
+<file path=ppt/slides/slide48.xml><?xml version="1.0" encoding="utf-8"?>
+<p:sld xmlns:a="http://schemas.openxmlformats.org/drawingml/2006/main" xmlns:r="http://schemas.openxmlformats.org/officeDocument/2006/relationships" xmlns:p="http://schemas.openxmlformats.org/presentationml/2006/main">
+  <p:cSld>
+    <p:spTree>
+      <p:nvGrpSpPr>
+        <p:cNvPr id="1" name=""/>
+        <p:cNvGrpSpPr/>
+        <p:nvPr/>
+      </p:nvGrpSpPr>
+      <p:grpSpPr>
+        <a:xfrm>
+          <a:off x="0" y="0"/>
+          <a:ext cx="0" cy="0"/>
+          <a:chOff x="0" y="0"/>
+          <a:chExt cx="0" cy="0"/>
+        </a:xfrm>
+      </p:grpSpPr>
+      <p:sp>
+        <p:nvSpPr>
+          <p:cNvPr id="2" name="Rectangle 1">
+            <a:extLst>
+              <a:ext uri="{FF2B5EF4-FFF2-40B4-BE49-F238E27FC236}">
+                <a16:creationId xmlns:a16="http://schemas.microsoft.com/office/drawing/2014/main" id="{452ABB6A-6033-AE46-A560-6606ACCD80B8}"/>
+              </a:ext>
+            </a:extLst>
+          </p:cNvPr>
+          <p:cNvSpPr/>
+          <p:nvPr/>
+        </p:nvSpPr>
+        <p:spPr>
+          <a:xfrm>
+            <a:off x="404037" y="457200"/>
+            <a:ext cx="1998921" cy="637953"/>
+          </a:xfrm>
+          <a:prstGeom prst="rect">
+            <a:avLst/>
+          </a:prstGeom>
+        </p:spPr>
+        <p:style>
+          <a:lnRef idx="2">
+            <a:schemeClr val="accent1">
+              <a:shade val="15000"/>
+            </a:schemeClr>
+          </a:lnRef>
+          <a:fillRef idx="1">
+            <a:schemeClr val="accent1"/>
+          </a:fillRef>
+          <a:effectRef idx="0">
+            <a:schemeClr val="accent1"/>
+          </a:effectRef>
+          <a:fontRef idx="minor">
+            <a:schemeClr val="lt1"/>
+          </a:fontRef>
+        </p:style>
+        <p:txBody>
+          <a:bodyPr rtlCol="0" anchor="ctr"/>
+          <a:lstStyle/>
+          <a:p>
+            <a:pPr algn="ctr"/>
+            <a:r>
+              <a:rPr lang="en-US" dirty="0"/>
+              <a:t>Webpack</a:t>
+            </a:r>
+          </a:p>
+        </p:txBody>
+      </p:sp>
+      <p:sp>
+        <p:nvSpPr>
+          <p:cNvPr id="3" name="Rectangle 2">
+            <a:extLst>
+              <a:ext uri="{FF2B5EF4-FFF2-40B4-BE49-F238E27FC236}">
+                <a16:creationId xmlns:a16="http://schemas.microsoft.com/office/drawing/2014/main" id="{FCB47F31-5503-3568-84A8-2501B6610B2E}"/>
+              </a:ext>
+            </a:extLst>
+          </p:cNvPr>
+          <p:cNvSpPr/>
+          <p:nvPr/>
+        </p:nvSpPr>
+        <p:spPr>
+          <a:xfrm>
+            <a:off x="2619153" y="1587796"/>
+            <a:ext cx="1998921" cy="637953"/>
+          </a:xfrm>
+          <a:prstGeom prst="rect">
+            <a:avLst/>
+          </a:prstGeom>
+        </p:spPr>
+        <p:style>
+          <a:lnRef idx="2">
+            <a:schemeClr val="accent1">
+              <a:shade val="15000"/>
+            </a:schemeClr>
+          </a:lnRef>
+          <a:fillRef idx="1">
+            <a:schemeClr val="accent1"/>
+          </a:fillRef>
+          <a:effectRef idx="0">
+            <a:schemeClr val="accent1"/>
+          </a:effectRef>
+          <a:fontRef idx="minor">
+            <a:schemeClr val="lt1"/>
+          </a:fontRef>
+        </p:style>
+        <p:txBody>
+          <a:bodyPr rtlCol="0" anchor="ctr"/>
+          <a:lstStyle/>
+          <a:p>
+            <a:pPr algn="ctr"/>
+            <a:r>
+              <a:rPr lang="en-US" dirty="0" err="1"/>
+              <a:t>Index.js</a:t>
+            </a:r>
+            <a:endParaRPr lang="en-US" dirty="0"/>
+          </a:p>
+        </p:txBody>
+      </p:sp>
+      <p:cxnSp>
+        <p:nvCxnSpPr>
+          <p:cNvPr id="5" name="Elbow Connector 4">
+            <a:extLst>
+              <a:ext uri="{FF2B5EF4-FFF2-40B4-BE49-F238E27FC236}">
+                <a16:creationId xmlns:a16="http://schemas.microsoft.com/office/drawing/2014/main" id="{F025B506-AFBA-43FE-9327-52AA11464170}"/>
+              </a:ext>
+            </a:extLst>
+          </p:cNvPr>
+          <p:cNvCxnSpPr>
+            <a:stCxn id="2" idx="3"/>
+            <a:endCxn id="3" idx="0"/>
+          </p:cNvCxnSpPr>
+          <p:nvPr/>
+        </p:nvCxnSpPr>
+        <p:spPr>
+          <a:xfrm>
+            <a:off x="2402958" y="776177"/>
+            <a:ext cx="1215656" cy="811619"/>
+          </a:xfrm>
+          <a:prstGeom prst="bentConnector2">
+            <a:avLst/>
+          </a:prstGeom>
+          <a:ln>
+            <a:tailEnd type="triangle"/>
+          </a:ln>
+        </p:spPr>
+        <p:style>
+          <a:lnRef idx="1">
+            <a:schemeClr val="accent1"/>
+          </a:lnRef>
+          <a:fillRef idx="0">
+            <a:schemeClr val="accent1"/>
+          </a:fillRef>
+          <a:effectRef idx="0">
+            <a:schemeClr val="accent1"/>
+          </a:effectRef>
+          <a:fontRef idx="minor">
+            <a:schemeClr val="tx1"/>
+          </a:fontRef>
+        </p:style>
+      </p:cxnSp>
+      <p:sp>
+        <p:nvSpPr>
+          <p:cNvPr id="6" name="Rectangle 5">
+            <a:extLst>
+              <a:ext uri="{FF2B5EF4-FFF2-40B4-BE49-F238E27FC236}">
+                <a16:creationId xmlns:a16="http://schemas.microsoft.com/office/drawing/2014/main" id="{A8E7340F-A72A-BC51-DC4F-A7EA59FC4173}"/>
+              </a:ext>
+            </a:extLst>
+          </p:cNvPr>
+          <p:cNvSpPr/>
+          <p:nvPr/>
+        </p:nvSpPr>
+        <p:spPr>
+          <a:xfrm>
+            <a:off x="6096000" y="1665768"/>
+            <a:ext cx="1998921" cy="637953"/>
+          </a:xfrm>
+          <a:prstGeom prst="rect">
+            <a:avLst/>
+          </a:prstGeom>
+        </p:spPr>
+        <p:style>
+          <a:lnRef idx="2">
+            <a:schemeClr val="accent1">
+              <a:shade val="15000"/>
+            </a:schemeClr>
+          </a:lnRef>
+          <a:fillRef idx="1">
+            <a:schemeClr val="accent1"/>
+          </a:fillRef>
+          <a:effectRef idx="0">
+            <a:schemeClr val="accent1"/>
+          </a:effectRef>
+          <a:fontRef idx="minor">
+            <a:schemeClr val="lt1"/>
+          </a:fontRef>
+        </p:style>
+        <p:txBody>
+          <a:bodyPr rtlCol="0" anchor="ctr"/>
+          <a:lstStyle/>
+          <a:p>
+            <a:pPr algn="ctr"/>
+            <a:r>
+              <a:rPr lang="en-US" dirty="0" err="1"/>
+              <a:t>App.js</a:t>
+            </a:r>
+            <a:endParaRPr lang="en-US" dirty="0"/>
+          </a:p>
+        </p:txBody>
+      </p:sp>
+      <p:sp>
+        <p:nvSpPr>
+          <p:cNvPr id="9" name="Rectangle 8">
+            <a:extLst>
+              <a:ext uri="{FF2B5EF4-FFF2-40B4-BE49-F238E27FC236}">
+                <a16:creationId xmlns:a16="http://schemas.microsoft.com/office/drawing/2014/main" id="{FD64910D-B818-0A15-37B0-2CD9CC1E2A04}"/>
+              </a:ext>
+            </a:extLst>
+          </p:cNvPr>
+          <p:cNvSpPr/>
+          <p:nvPr/>
+        </p:nvSpPr>
+        <p:spPr>
+          <a:xfrm>
+            <a:off x="7992140" y="3636335"/>
+            <a:ext cx="1998921" cy="637953"/>
+          </a:xfrm>
+          <a:prstGeom prst="rect">
+            <a:avLst/>
+          </a:prstGeom>
+        </p:spPr>
+        <p:style>
+          <a:lnRef idx="2">
+            <a:schemeClr val="accent1">
+              <a:shade val="15000"/>
+            </a:schemeClr>
+          </a:lnRef>
+          <a:fillRef idx="1">
+            <a:schemeClr val="accent1"/>
+          </a:fillRef>
+          <a:effectRef idx="0">
+            <a:schemeClr val="accent1"/>
+          </a:effectRef>
+          <a:fontRef idx="minor">
+            <a:schemeClr val="lt1"/>
+          </a:fontRef>
+        </p:style>
+        <p:txBody>
+          <a:bodyPr rtlCol="0" anchor="ctr"/>
+          <a:lstStyle/>
+          <a:p>
+            <a:pPr algn="ctr"/>
+            <a:r>
+              <a:rPr lang="en-US" dirty="0" err="1"/>
+              <a:t>SeconfChildCOmponent.js</a:t>
+            </a:r>
+            <a:endParaRPr lang="en-US" dirty="0"/>
+          </a:p>
+        </p:txBody>
+      </p:sp>
+      <p:cxnSp>
+        <p:nvCxnSpPr>
+          <p:cNvPr id="11" name="Elbow Connector 10">
+            <a:extLst>
+              <a:ext uri="{FF2B5EF4-FFF2-40B4-BE49-F238E27FC236}">
+                <a16:creationId xmlns:a16="http://schemas.microsoft.com/office/drawing/2014/main" id="{BEF78417-2E9C-0F4F-B650-88299C85DF71}"/>
+              </a:ext>
+            </a:extLst>
+          </p:cNvPr>
+          <p:cNvCxnSpPr>
+            <a:stCxn id="9" idx="0"/>
+            <a:endCxn id="6" idx="3"/>
+          </p:cNvCxnSpPr>
+          <p:nvPr/>
+        </p:nvCxnSpPr>
+        <p:spPr>
+          <a:xfrm rot="16200000" flipV="1">
+            <a:off x="7717466" y="2362200"/>
+            <a:ext cx="1651590" cy="896680"/>
+          </a:xfrm>
+          <a:prstGeom prst="bentConnector2">
+            <a:avLst/>
+          </a:prstGeom>
+          <a:ln>
+            <a:tailEnd type="triangle"/>
+          </a:ln>
+        </p:spPr>
+        <p:style>
+          <a:lnRef idx="1">
+            <a:schemeClr val="accent1"/>
+          </a:lnRef>
+          <a:fillRef idx="0">
+            <a:schemeClr val="accent1"/>
+          </a:fillRef>
+          <a:effectRef idx="0">
+            <a:schemeClr val="accent1"/>
+          </a:effectRef>
+          <a:fontRef idx="minor">
+            <a:schemeClr val="tx1"/>
+          </a:fontRef>
+        </p:style>
+      </p:cxnSp>
+      <p:cxnSp>
+        <p:nvCxnSpPr>
+          <p:cNvPr id="13" name="Elbow Connector 12">
+            <a:extLst>
+              <a:ext uri="{FF2B5EF4-FFF2-40B4-BE49-F238E27FC236}">
+                <a16:creationId xmlns:a16="http://schemas.microsoft.com/office/drawing/2014/main" id="{82D08984-3FD3-D07E-1830-9B3C842A03AB}"/>
+              </a:ext>
+            </a:extLst>
+          </p:cNvPr>
+          <p:cNvCxnSpPr>
+            <a:stCxn id="6" idx="0"/>
+            <a:endCxn id="3" idx="3"/>
+          </p:cNvCxnSpPr>
+          <p:nvPr/>
+        </p:nvCxnSpPr>
+        <p:spPr>
+          <a:xfrm rot="16200000" flipH="1" flipV="1">
+            <a:off x="5736265" y="547576"/>
+            <a:ext cx="241005" cy="2477387"/>
+          </a:xfrm>
+          <a:prstGeom prst="bentConnector4">
+            <a:avLst>
+              <a:gd name="adj1" fmla="val -94853"/>
+              <a:gd name="adj2" fmla="val 70172"/>
+            </a:avLst>
+          </a:prstGeom>
+          <a:ln>
+            <a:tailEnd type="triangle"/>
+          </a:ln>
+        </p:spPr>
+        <p:style>
+          <a:lnRef idx="1">
+            <a:schemeClr val="accent1"/>
+          </a:lnRef>
+          <a:fillRef idx="0">
+            <a:schemeClr val="accent1"/>
+          </a:fillRef>
+          <a:effectRef idx="0">
+            <a:schemeClr val="accent1"/>
+          </a:effectRef>
+          <a:fontRef idx="minor">
+            <a:schemeClr val="tx1"/>
+          </a:fontRef>
+        </p:style>
+      </p:cxnSp>
+      <p:sp>
+        <p:nvSpPr>
+          <p:cNvPr id="14" name="TextBox 13">
+            <a:extLst>
+              <a:ext uri="{FF2B5EF4-FFF2-40B4-BE49-F238E27FC236}">
+                <a16:creationId xmlns:a16="http://schemas.microsoft.com/office/drawing/2014/main" id="{5A550B4D-158D-622B-92D9-29E649306A2C}"/>
+              </a:ext>
+            </a:extLst>
+          </p:cNvPr>
+          <p:cNvSpPr txBox="1"/>
+          <p:nvPr/>
+        </p:nvSpPr>
+        <p:spPr>
+          <a:xfrm>
+            <a:off x="2264734" y="2456121"/>
+            <a:ext cx="4242391" cy="1754326"/>
+          </a:xfrm>
+          <a:prstGeom prst="rect">
+            <a:avLst/>
+          </a:prstGeom>
+          <a:noFill/>
+        </p:spPr>
+        <p:txBody>
+          <a:bodyPr wrap="square" rtlCol="0">
+            <a:spAutoFit/>
+          </a:bodyPr>
+          <a:lstStyle/>
+          <a:p>
+            <a:r>
+              <a:rPr lang="en-US" dirty="0"/>
+              <a:t>Node.js Module </a:t>
+            </a:r>
+            <a:r>
+              <a:rPr lang="en-US" dirty="0" err="1"/>
+              <a:t>Resoluntion</a:t>
+            </a:r>
+            <a:r>
+              <a:rPr lang="en-US" dirty="0"/>
+              <a:t> Inside the </a:t>
+            </a:r>
+            <a:r>
+              <a:rPr lang="en-US" dirty="0" err="1"/>
+              <a:t>Webpack.js</a:t>
+            </a:r>
+            <a:endParaRPr lang="en-US" dirty="0"/>
+          </a:p>
+          <a:p>
+            <a:pPr marL="342900" indent="-342900">
+              <a:buAutoNum type="arabicPeriod"/>
+            </a:pPr>
+            <a:r>
+              <a:rPr lang="en-US" dirty="0"/>
+              <a:t>First Load Last Leaf Import </a:t>
+            </a:r>
+          </a:p>
+          <a:p>
+            <a:pPr marL="800100" lvl="1" indent="-342900">
+              <a:buAutoNum type="arabicPeriod"/>
+            </a:pPr>
+            <a:r>
+              <a:rPr lang="en-US" dirty="0" err="1"/>
+              <a:t>SecondChildComponent.js</a:t>
+            </a:r>
+            <a:endParaRPr lang="en-US" dirty="0"/>
+          </a:p>
+          <a:p>
+            <a:pPr marL="800100" lvl="1" indent="-342900">
+              <a:buAutoNum type="arabicPeriod"/>
+            </a:pPr>
+            <a:r>
+              <a:rPr lang="en-US" dirty="0" err="1"/>
+              <a:t>App.js</a:t>
+            </a:r>
+            <a:endParaRPr lang="en-US" dirty="0"/>
+          </a:p>
+          <a:p>
+            <a:pPr marL="342900" indent="-342900">
+              <a:buAutoNum type="arabicPeriod"/>
+            </a:pPr>
+            <a:r>
+              <a:rPr lang="en-US" dirty="0" err="1"/>
+              <a:t>Index.js</a:t>
+            </a:r>
+            <a:r>
+              <a:rPr lang="en-US" dirty="0"/>
+              <a:t> Compilation</a:t>
+            </a:r>
+          </a:p>
+        </p:txBody>
+      </p:sp>
+      <p:sp>
+        <p:nvSpPr>
+          <p:cNvPr id="15" name="Down Arrow 14">
+            <a:extLst>
+              <a:ext uri="{FF2B5EF4-FFF2-40B4-BE49-F238E27FC236}">
+                <a16:creationId xmlns:a16="http://schemas.microsoft.com/office/drawing/2014/main" id="{97AE2BFC-4F0E-C651-E746-8C67285F9CC0}"/>
+              </a:ext>
+            </a:extLst>
+          </p:cNvPr>
+          <p:cNvSpPr/>
+          <p:nvPr/>
+        </p:nvSpPr>
+        <p:spPr>
+          <a:xfrm>
+            <a:off x="3434316" y="4274288"/>
+            <a:ext cx="457200" cy="1105786"/>
+          </a:xfrm>
+          <a:prstGeom prst="downArrow">
+            <a:avLst/>
+          </a:prstGeom>
+        </p:spPr>
+        <p:style>
+          <a:lnRef idx="2">
+            <a:schemeClr val="accent1">
+              <a:shade val="15000"/>
+            </a:schemeClr>
+          </a:lnRef>
+          <a:fillRef idx="1">
+            <a:schemeClr val="accent1"/>
+          </a:fillRef>
+          <a:effectRef idx="0">
+            <a:schemeClr val="accent1"/>
+          </a:effectRef>
+          <a:fontRef idx="minor">
+            <a:schemeClr val="lt1"/>
+          </a:fontRef>
+        </p:style>
+        <p:txBody>
+          <a:bodyPr rtlCol="0" anchor="ctr"/>
+          <a:lstStyle/>
+          <a:p>
+            <a:pPr algn="ctr"/>
+            <a:endParaRPr lang="en-US"/>
+          </a:p>
+        </p:txBody>
+      </p:sp>
+      <p:sp>
+        <p:nvSpPr>
+          <p:cNvPr id="16" name="TextBox 15">
+            <a:extLst>
+              <a:ext uri="{FF2B5EF4-FFF2-40B4-BE49-F238E27FC236}">
+                <a16:creationId xmlns:a16="http://schemas.microsoft.com/office/drawing/2014/main" id="{5AA102D0-ABAD-CBE2-DA8B-53B3070A4A36}"/>
+              </a:ext>
+            </a:extLst>
+          </p:cNvPr>
+          <p:cNvSpPr txBox="1"/>
+          <p:nvPr/>
+        </p:nvSpPr>
+        <p:spPr>
+          <a:xfrm>
+            <a:off x="2009553" y="5699051"/>
+            <a:ext cx="5241852" cy="369332"/>
+          </a:xfrm>
+          <a:prstGeom prst="rect">
+            <a:avLst/>
+          </a:prstGeom>
+          <a:noFill/>
+        </p:spPr>
+        <p:txBody>
+          <a:bodyPr wrap="square" rtlCol="0">
+            <a:spAutoFit/>
+          </a:bodyPr>
+          <a:lstStyle/>
+          <a:p>
+            <a:r>
+              <a:rPr lang="en-US"/>
+              <a:t>bundle</a:t>
+            </a:r>
+            <a:r>
+              <a:rPr lang="en-US" dirty="0" err="1"/>
+              <a:t>.js</a:t>
+            </a:r>
+            <a:endParaRPr lang="en-US" dirty="0"/>
+          </a:p>
+        </p:txBody>
+      </p:sp>
+    </p:spTree>
+    <p:extLst>
+      <p:ext uri="{BB962C8B-B14F-4D97-AF65-F5344CB8AC3E}">
+        <p14:creationId xmlns:p14="http://schemas.microsoft.com/office/powerpoint/2010/main" val="3352534813"/>
+      </p:ext>
+    </p:extLst>
+  </p:cSld>
+  <p:clrMapOvr>
+    <a:masterClrMapping/>
+  </p:clrMapOvr>
+</p:sld>
+</file>
+
 <file path=ppt/slides/slide5.xml><?xml version="1.0" encoding="utf-8"?>
 <p:sld xmlns:a="http://schemas.openxmlformats.org/drawingml/2006/main" xmlns:r="http://schemas.openxmlformats.org/officeDocument/2006/relationships" xmlns:p="http://schemas.openxmlformats.org/presentationml/2006/main">
   <p:cSld>
